--- a/2.Vortrag/Markov-Analyse_Präsentation.pptx
+++ b/2.Vortrag/Markov-Analyse_Präsentation.pptx
@@ -5,12 +5,22 @@
     <p:sldMasterId id="2147483648" r:id="rId1"/>
   </p:sldMasterIdLst>
   <p:notesMasterIdLst>
-    <p:notesMasterId r:id="rId5"/>
+    <p:notesMasterId r:id="rId15"/>
   </p:notesMasterIdLst>
   <p:sldIdLst>
     <p:sldId id="256" r:id="rId2"/>
     <p:sldId id="308" r:id="rId3"/>
-    <p:sldId id="309" r:id="rId4"/>
+    <p:sldId id="310" r:id="rId4"/>
+    <p:sldId id="317" r:id="rId5"/>
+    <p:sldId id="316" r:id="rId6"/>
+    <p:sldId id="314" r:id="rId7"/>
+    <p:sldId id="318" r:id="rId8"/>
+    <p:sldId id="319" r:id="rId9"/>
+    <p:sldId id="311" r:id="rId10"/>
+    <p:sldId id="312" r:id="rId11"/>
+    <p:sldId id="313" r:id="rId12"/>
+    <p:sldId id="320" r:id="rId13"/>
+    <p:sldId id="309" r:id="rId14"/>
   </p:sldIdLst>
   <p:sldSz cx="12192000" cy="6858000"/>
   <p:notesSz cx="6858000" cy="9144000"/>
@@ -199,7 +209,7 @@
           <a:p>
             <a:fld id="{2712EE82-0201-4A98-A82F-62919E8E970E}" type="datetimeFigureOut">
               <a:rPr lang="de-DE" smtClean="0"/>
-              <a:t>24.11.2023</a:t>
+              <a:t>27.11.2023</a:t>
             </a:fld>
             <a:endParaRPr lang="de-DE"/>
           </a:p>
@@ -513,41 +523,8 @@
           <a:p>
             <a:r>
               <a:rPr lang="de-DE" dirty="0"/>
-              <a:t>Linus</a:t>
-            </a:r>
-          </a:p>
-          <a:p>
-            <a:r>
-              <a:rPr lang="de-DE" b="0" i="0" dirty="0">
-                <a:solidFill>
-                  <a:srgbClr val="E8EAED"/>
-                </a:solidFill>
-                <a:effectLst/>
-                <a:latin typeface="Google Sans"/>
-              </a:rPr>
-              <a:t>Corporate </a:t>
-            </a:r>
-            <a:r>
-              <a:rPr lang="de-DE" b="0" i="0" dirty="0" err="1">
-                <a:solidFill>
-                  <a:srgbClr val="E8EAED"/>
-                </a:solidFill>
-                <a:effectLst/>
-                <a:latin typeface="Google Sans"/>
-              </a:rPr>
-              <a:t>governance</a:t>
-            </a:r>
-            <a:r>
-              <a:rPr lang="de-DE" b="0" i="0" dirty="0">
-                <a:solidFill>
-                  <a:srgbClr val="E8EAED"/>
-                </a:solidFill>
-                <a:effectLst/>
-                <a:latin typeface="Google Sans"/>
-              </a:rPr>
-              <a:t> ist das System mit dem Unternehmen kontrolliert werden. Dies geht von Anteilhabern, die Aufsichtsräte wählen, bis hin zum Vorstand</a:t>
-            </a:r>
-            <a:endParaRPr lang="de-DE" dirty="0"/>
+              <a:t>Nicolas</a:t>
+            </a:r>
           </a:p>
         </p:txBody>
       </p:sp>
@@ -578,6 +555,355 @@
     <p:extLst>
       <p:ext uri="{BB962C8B-B14F-4D97-AF65-F5344CB8AC3E}">
         <p14:creationId xmlns:p14="http://schemas.microsoft.com/office/powerpoint/2010/main" val="2173580502"/>
+      </p:ext>
+    </p:extLst>
+  </p:cSld>
+  <p:clrMapOvr>
+    <a:masterClrMapping/>
+  </p:clrMapOvr>
+</p:notes>
+</file>
+
+<file path=ppt/notesSlides/notesSlide10.xml><?xml version="1.0" encoding="utf-8"?>
+<p:notes xmlns:a="http://schemas.openxmlformats.org/drawingml/2006/main" xmlns:r="http://schemas.openxmlformats.org/officeDocument/2006/relationships" xmlns:p="http://schemas.openxmlformats.org/presentationml/2006/main">
+  <p:cSld>
+    <p:spTree>
+      <p:nvGrpSpPr>
+        <p:cNvPr id="1" name=""/>
+        <p:cNvGrpSpPr/>
+        <p:nvPr/>
+      </p:nvGrpSpPr>
+      <p:grpSpPr>
+        <a:xfrm>
+          <a:off x="0" y="0"/>
+          <a:ext cx="0" cy="0"/>
+          <a:chOff x="0" y="0"/>
+          <a:chExt cx="0" cy="0"/>
+        </a:xfrm>
+      </p:grpSpPr>
+      <p:sp>
+        <p:nvSpPr>
+          <p:cNvPr id="2" name="Slide Image Placeholder 1"/>
+          <p:cNvSpPr>
+            <a:spLocks noGrp="1" noRot="1" noChangeAspect="1"/>
+          </p:cNvSpPr>
+          <p:nvPr>
+            <p:ph type="sldImg"/>
+          </p:nvPr>
+        </p:nvSpPr>
+        <p:spPr/>
+      </p:sp>
+      <p:sp>
+        <p:nvSpPr>
+          <p:cNvPr id="3" name="Notes Placeholder 2"/>
+          <p:cNvSpPr>
+            <a:spLocks noGrp="1"/>
+          </p:cNvSpPr>
+          <p:nvPr>
+            <p:ph type="body" idx="1"/>
+          </p:nvPr>
+        </p:nvSpPr>
+        <p:spPr/>
+        <p:txBody>
+          <a:bodyPr/>
+          <a:lstStyle/>
+          <a:p>
+            <a:r>
+              <a:rPr lang="de-DE" dirty="0"/>
+              <a:t>Jolan</a:t>
+            </a:r>
+          </a:p>
+        </p:txBody>
+      </p:sp>
+      <p:sp>
+        <p:nvSpPr>
+          <p:cNvPr id="4" name="Slide Number Placeholder 3"/>
+          <p:cNvSpPr>
+            <a:spLocks noGrp="1"/>
+          </p:cNvSpPr>
+          <p:nvPr>
+            <p:ph type="sldNum" sz="quarter" idx="5"/>
+          </p:nvPr>
+        </p:nvSpPr>
+        <p:spPr/>
+        <p:txBody>
+          <a:bodyPr/>
+          <a:lstStyle/>
+          <a:p>
+            <a:fld id="{A4B1B59E-D5B0-4E80-9D86-EC6522F3FBF9}" type="slidenum">
+              <a:rPr lang="de-DE" smtClean="0"/>
+              <a:t>10</a:t>
+            </a:fld>
+            <a:endParaRPr lang="de-DE"/>
+          </a:p>
+        </p:txBody>
+      </p:sp>
+    </p:spTree>
+    <p:extLst>
+      <p:ext uri="{BB962C8B-B14F-4D97-AF65-F5344CB8AC3E}">
+        <p14:creationId xmlns:p14="http://schemas.microsoft.com/office/powerpoint/2010/main" val="1290760823"/>
+      </p:ext>
+    </p:extLst>
+  </p:cSld>
+  <p:clrMapOvr>
+    <a:masterClrMapping/>
+  </p:clrMapOvr>
+</p:notes>
+</file>
+
+<file path=ppt/notesSlides/notesSlide11.xml><?xml version="1.0" encoding="utf-8"?>
+<p:notes xmlns:a="http://schemas.openxmlformats.org/drawingml/2006/main" xmlns:r="http://schemas.openxmlformats.org/officeDocument/2006/relationships" xmlns:p="http://schemas.openxmlformats.org/presentationml/2006/main">
+  <p:cSld>
+    <p:spTree>
+      <p:nvGrpSpPr>
+        <p:cNvPr id="1" name=""/>
+        <p:cNvGrpSpPr/>
+        <p:nvPr/>
+      </p:nvGrpSpPr>
+      <p:grpSpPr>
+        <a:xfrm>
+          <a:off x="0" y="0"/>
+          <a:ext cx="0" cy="0"/>
+          <a:chOff x="0" y="0"/>
+          <a:chExt cx="0" cy="0"/>
+        </a:xfrm>
+      </p:grpSpPr>
+      <p:sp>
+        <p:nvSpPr>
+          <p:cNvPr id="2" name="Slide Image Placeholder 1"/>
+          <p:cNvSpPr>
+            <a:spLocks noGrp="1" noRot="1" noChangeAspect="1"/>
+          </p:cNvSpPr>
+          <p:nvPr>
+            <p:ph type="sldImg"/>
+          </p:nvPr>
+        </p:nvSpPr>
+        <p:spPr/>
+      </p:sp>
+      <p:sp>
+        <p:nvSpPr>
+          <p:cNvPr id="3" name="Notes Placeholder 2"/>
+          <p:cNvSpPr>
+            <a:spLocks noGrp="1"/>
+          </p:cNvSpPr>
+          <p:nvPr>
+            <p:ph type="body" idx="1"/>
+          </p:nvPr>
+        </p:nvSpPr>
+        <p:spPr/>
+        <p:txBody>
+          <a:bodyPr/>
+          <a:lstStyle/>
+          <a:p>
+            <a:r>
+              <a:rPr lang="de-DE" dirty="0"/>
+              <a:t>Jolan</a:t>
+            </a:r>
+          </a:p>
+        </p:txBody>
+      </p:sp>
+      <p:sp>
+        <p:nvSpPr>
+          <p:cNvPr id="4" name="Slide Number Placeholder 3"/>
+          <p:cNvSpPr>
+            <a:spLocks noGrp="1"/>
+          </p:cNvSpPr>
+          <p:nvPr>
+            <p:ph type="sldNum" sz="quarter" idx="5"/>
+          </p:nvPr>
+        </p:nvSpPr>
+        <p:spPr/>
+        <p:txBody>
+          <a:bodyPr/>
+          <a:lstStyle/>
+          <a:p>
+            <a:fld id="{A4B1B59E-D5B0-4E80-9D86-EC6522F3FBF9}" type="slidenum">
+              <a:rPr lang="de-DE" smtClean="0"/>
+              <a:t>11</a:t>
+            </a:fld>
+            <a:endParaRPr lang="de-DE"/>
+          </a:p>
+        </p:txBody>
+      </p:sp>
+    </p:spTree>
+    <p:extLst>
+      <p:ext uri="{BB962C8B-B14F-4D97-AF65-F5344CB8AC3E}">
+        <p14:creationId xmlns:p14="http://schemas.microsoft.com/office/powerpoint/2010/main" val="473032296"/>
+      </p:ext>
+    </p:extLst>
+  </p:cSld>
+  <p:clrMapOvr>
+    <a:masterClrMapping/>
+  </p:clrMapOvr>
+</p:notes>
+</file>
+
+<file path=ppt/notesSlides/notesSlide12.xml><?xml version="1.0" encoding="utf-8"?>
+<p:notes xmlns:a="http://schemas.openxmlformats.org/drawingml/2006/main" xmlns:r="http://schemas.openxmlformats.org/officeDocument/2006/relationships" xmlns:p="http://schemas.openxmlformats.org/presentationml/2006/main">
+  <p:cSld>
+    <p:spTree>
+      <p:nvGrpSpPr>
+        <p:cNvPr id="1" name=""/>
+        <p:cNvGrpSpPr/>
+        <p:nvPr/>
+      </p:nvGrpSpPr>
+      <p:grpSpPr>
+        <a:xfrm>
+          <a:off x="0" y="0"/>
+          <a:ext cx="0" cy="0"/>
+          <a:chOff x="0" y="0"/>
+          <a:chExt cx="0" cy="0"/>
+        </a:xfrm>
+      </p:grpSpPr>
+      <p:sp>
+        <p:nvSpPr>
+          <p:cNvPr id="2" name="Slide Image Placeholder 1"/>
+          <p:cNvSpPr>
+            <a:spLocks noGrp="1" noRot="1" noChangeAspect="1"/>
+          </p:cNvSpPr>
+          <p:nvPr>
+            <p:ph type="sldImg"/>
+          </p:nvPr>
+        </p:nvSpPr>
+        <p:spPr/>
+      </p:sp>
+      <p:sp>
+        <p:nvSpPr>
+          <p:cNvPr id="3" name="Notes Placeholder 2"/>
+          <p:cNvSpPr>
+            <a:spLocks noGrp="1"/>
+          </p:cNvSpPr>
+          <p:nvPr>
+            <p:ph type="body" idx="1"/>
+          </p:nvPr>
+        </p:nvSpPr>
+        <p:spPr/>
+        <p:txBody>
+          <a:bodyPr/>
+          <a:lstStyle/>
+          <a:p>
+            <a:r>
+              <a:rPr lang="de-DE" dirty="0"/>
+              <a:t>Nicolas</a:t>
+            </a:r>
+          </a:p>
+        </p:txBody>
+      </p:sp>
+      <p:sp>
+        <p:nvSpPr>
+          <p:cNvPr id="4" name="Slide Number Placeholder 3"/>
+          <p:cNvSpPr>
+            <a:spLocks noGrp="1"/>
+          </p:cNvSpPr>
+          <p:nvPr>
+            <p:ph type="sldNum" sz="quarter" idx="5"/>
+          </p:nvPr>
+        </p:nvSpPr>
+        <p:spPr/>
+        <p:txBody>
+          <a:bodyPr/>
+          <a:lstStyle/>
+          <a:p>
+            <a:fld id="{A4B1B59E-D5B0-4E80-9D86-EC6522F3FBF9}" type="slidenum">
+              <a:rPr lang="de-DE" smtClean="0"/>
+              <a:t>12</a:t>
+            </a:fld>
+            <a:endParaRPr lang="de-DE"/>
+          </a:p>
+        </p:txBody>
+      </p:sp>
+    </p:spTree>
+    <p:extLst>
+      <p:ext uri="{BB962C8B-B14F-4D97-AF65-F5344CB8AC3E}">
+        <p14:creationId xmlns:p14="http://schemas.microsoft.com/office/powerpoint/2010/main" val="642486079"/>
+      </p:ext>
+    </p:extLst>
+  </p:cSld>
+  <p:clrMapOvr>
+    <a:masterClrMapping/>
+  </p:clrMapOvr>
+</p:notes>
+</file>
+
+<file path=ppt/notesSlides/notesSlide13.xml><?xml version="1.0" encoding="utf-8"?>
+<p:notes xmlns:a="http://schemas.openxmlformats.org/drawingml/2006/main" xmlns:r="http://schemas.openxmlformats.org/officeDocument/2006/relationships" xmlns:p="http://schemas.openxmlformats.org/presentationml/2006/main">
+  <p:cSld>
+    <p:spTree>
+      <p:nvGrpSpPr>
+        <p:cNvPr id="1" name=""/>
+        <p:cNvGrpSpPr/>
+        <p:nvPr/>
+      </p:nvGrpSpPr>
+      <p:grpSpPr>
+        <a:xfrm>
+          <a:off x="0" y="0"/>
+          <a:ext cx="0" cy="0"/>
+          <a:chOff x="0" y="0"/>
+          <a:chExt cx="0" cy="0"/>
+        </a:xfrm>
+      </p:grpSpPr>
+      <p:sp>
+        <p:nvSpPr>
+          <p:cNvPr id="2" name="Slide Image Placeholder 1"/>
+          <p:cNvSpPr>
+            <a:spLocks noGrp="1" noRot="1" noChangeAspect="1"/>
+          </p:cNvSpPr>
+          <p:nvPr>
+            <p:ph type="sldImg"/>
+          </p:nvPr>
+        </p:nvSpPr>
+        <p:spPr/>
+      </p:sp>
+      <p:sp>
+        <p:nvSpPr>
+          <p:cNvPr id="3" name="Notes Placeholder 2"/>
+          <p:cNvSpPr>
+            <a:spLocks noGrp="1"/>
+          </p:cNvSpPr>
+          <p:nvPr>
+            <p:ph type="body" idx="1"/>
+          </p:nvPr>
+        </p:nvSpPr>
+        <p:spPr/>
+        <p:txBody>
+          <a:bodyPr/>
+          <a:lstStyle/>
+          <a:p>
+            <a:r>
+              <a:rPr lang="de-DE" dirty="0" err="1"/>
+              <a:t>Redi</a:t>
+            </a:r>
+            <a:endParaRPr lang="de-DE" dirty="0"/>
+          </a:p>
+        </p:txBody>
+      </p:sp>
+      <p:sp>
+        <p:nvSpPr>
+          <p:cNvPr id="4" name="Slide Number Placeholder 3"/>
+          <p:cNvSpPr>
+            <a:spLocks noGrp="1"/>
+          </p:cNvSpPr>
+          <p:nvPr>
+            <p:ph type="sldNum" sz="quarter" idx="5"/>
+          </p:nvPr>
+        </p:nvSpPr>
+        <p:spPr/>
+        <p:txBody>
+          <a:bodyPr/>
+          <a:lstStyle/>
+          <a:p>
+            <a:fld id="{A4B1B59E-D5B0-4E80-9D86-EC6522F3FBF9}" type="slidenum">
+              <a:rPr lang="de-DE" smtClean="0"/>
+              <a:t>13</a:t>
+            </a:fld>
+            <a:endParaRPr lang="de-DE"/>
+          </a:p>
+        </p:txBody>
+      </p:sp>
+    </p:spTree>
+    <p:extLst>
+      <p:ext uri="{BB962C8B-B14F-4D97-AF65-F5344CB8AC3E}">
+        <p14:creationId xmlns:p14="http://schemas.microsoft.com/office/powerpoint/2010/main" val="2430378925"/>
       </p:ext>
     </p:extLst>
   </p:cSld>
@@ -633,41 +959,8 @@
           <a:p>
             <a:r>
               <a:rPr lang="de-DE" dirty="0"/>
-              <a:t>Linus</a:t>
-            </a:r>
-          </a:p>
-          <a:p>
-            <a:r>
-              <a:rPr lang="de-DE" b="0" i="0" dirty="0">
-                <a:solidFill>
-                  <a:srgbClr val="E8EAED"/>
-                </a:solidFill>
-                <a:effectLst/>
-                <a:latin typeface="Google Sans"/>
-              </a:rPr>
-              <a:t>Corporate </a:t>
-            </a:r>
-            <a:r>
-              <a:rPr lang="de-DE" b="0" i="0" dirty="0" err="1">
-                <a:solidFill>
-                  <a:srgbClr val="E8EAED"/>
-                </a:solidFill>
-                <a:effectLst/>
-                <a:latin typeface="Google Sans"/>
-              </a:rPr>
-              <a:t>governance</a:t>
-            </a:r>
-            <a:r>
-              <a:rPr lang="de-DE" b="0" i="0" dirty="0">
-                <a:solidFill>
-                  <a:srgbClr val="E8EAED"/>
-                </a:solidFill>
-                <a:effectLst/>
-                <a:latin typeface="Google Sans"/>
-              </a:rPr>
-              <a:t> ist das System mit dem Unternehmen kontrolliert werden. Dies geht von Anteilhabern, die Aufsichtsräte wählen, bis hin zum Vorstand</a:t>
-            </a:r>
-            <a:endParaRPr lang="de-DE" dirty="0"/>
+              <a:t>Nicolas</a:t>
+            </a:r>
           </a:p>
         </p:txBody>
       </p:sp>
@@ -753,41 +1046,8 @@
           <a:p>
             <a:r>
               <a:rPr lang="de-DE" dirty="0"/>
-              <a:t>Linus</a:t>
-            </a:r>
-          </a:p>
-          <a:p>
-            <a:r>
-              <a:rPr lang="de-DE" b="0" i="0" dirty="0">
-                <a:solidFill>
-                  <a:srgbClr val="E8EAED"/>
-                </a:solidFill>
-                <a:effectLst/>
-                <a:latin typeface="Google Sans"/>
-              </a:rPr>
-              <a:t>Corporate </a:t>
-            </a:r>
-            <a:r>
-              <a:rPr lang="de-DE" b="0" i="0" dirty="0" err="1">
-                <a:solidFill>
-                  <a:srgbClr val="E8EAED"/>
-                </a:solidFill>
-                <a:effectLst/>
-                <a:latin typeface="Google Sans"/>
-              </a:rPr>
-              <a:t>governance</a:t>
-            </a:r>
-            <a:r>
-              <a:rPr lang="de-DE" b="0" i="0" dirty="0">
-                <a:solidFill>
-                  <a:srgbClr val="E8EAED"/>
-                </a:solidFill>
-                <a:effectLst/>
-                <a:latin typeface="Google Sans"/>
-              </a:rPr>
-              <a:t> ist das System mit dem Unternehmen kontrolliert werden. Dies geht von Anteilhabern, die Aufsichtsräte wählen, bis hin zum Vorstand</a:t>
-            </a:r>
-            <a:endParaRPr lang="de-DE" dirty="0"/>
+              <a:t>Linus macht Folien, Nicolas stellt vor</a:t>
+            </a:r>
           </a:p>
         </p:txBody>
       </p:sp>
@@ -817,7 +1077,529 @@
     </p:spTree>
     <p:extLst>
       <p:ext uri="{BB962C8B-B14F-4D97-AF65-F5344CB8AC3E}">
-        <p14:creationId xmlns:p14="http://schemas.microsoft.com/office/powerpoint/2010/main" val="2430378925"/>
+        <p14:creationId xmlns:p14="http://schemas.microsoft.com/office/powerpoint/2010/main" val="4280912819"/>
+      </p:ext>
+    </p:extLst>
+  </p:cSld>
+  <p:clrMapOvr>
+    <a:masterClrMapping/>
+  </p:clrMapOvr>
+</p:notes>
+</file>
+
+<file path=ppt/notesSlides/notesSlide4.xml><?xml version="1.0" encoding="utf-8"?>
+<p:notes xmlns:a="http://schemas.openxmlformats.org/drawingml/2006/main" xmlns:r="http://schemas.openxmlformats.org/officeDocument/2006/relationships" xmlns:p="http://schemas.openxmlformats.org/presentationml/2006/main">
+  <p:cSld>
+    <p:spTree>
+      <p:nvGrpSpPr>
+        <p:cNvPr id="1" name=""/>
+        <p:cNvGrpSpPr/>
+        <p:nvPr/>
+      </p:nvGrpSpPr>
+      <p:grpSpPr>
+        <a:xfrm>
+          <a:off x="0" y="0"/>
+          <a:ext cx="0" cy="0"/>
+          <a:chOff x="0" y="0"/>
+          <a:chExt cx="0" cy="0"/>
+        </a:xfrm>
+      </p:grpSpPr>
+      <p:sp>
+        <p:nvSpPr>
+          <p:cNvPr id="2" name="Slide Image Placeholder 1"/>
+          <p:cNvSpPr>
+            <a:spLocks noGrp="1" noRot="1" noChangeAspect="1"/>
+          </p:cNvSpPr>
+          <p:nvPr>
+            <p:ph type="sldImg"/>
+          </p:nvPr>
+        </p:nvSpPr>
+        <p:spPr/>
+      </p:sp>
+      <p:sp>
+        <p:nvSpPr>
+          <p:cNvPr id="3" name="Notes Placeholder 2"/>
+          <p:cNvSpPr>
+            <a:spLocks noGrp="1"/>
+          </p:cNvSpPr>
+          <p:nvPr>
+            <p:ph type="body" idx="1"/>
+          </p:nvPr>
+        </p:nvSpPr>
+        <p:spPr/>
+        <p:txBody>
+          <a:bodyPr/>
+          <a:lstStyle/>
+          <a:p>
+            <a:r>
+              <a:rPr lang="de-DE" dirty="0"/>
+              <a:t>Linus</a:t>
+            </a:r>
+          </a:p>
+        </p:txBody>
+      </p:sp>
+      <p:sp>
+        <p:nvSpPr>
+          <p:cNvPr id="4" name="Slide Number Placeholder 3"/>
+          <p:cNvSpPr>
+            <a:spLocks noGrp="1"/>
+          </p:cNvSpPr>
+          <p:nvPr>
+            <p:ph type="sldNum" sz="quarter" idx="5"/>
+          </p:nvPr>
+        </p:nvSpPr>
+        <p:spPr/>
+        <p:txBody>
+          <a:bodyPr/>
+          <a:lstStyle/>
+          <a:p>
+            <a:fld id="{A4B1B59E-D5B0-4E80-9D86-EC6522F3FBF9}" type="slidenum">
+              <a:rPr lang="de-DE" smtClean="0"/>
+              <a:t>4</a:t>
+            </a:fld>
+            <a:endParaRPr lang="de-DE"/>
+          </a:p>
+        </p:txBody>
+      </p:sp>
+    </p:spTree>
+    <p:extLst>
+      <p:ext uri="{BB962C8B-B14F-4D97-AF65-F5344CB8AC3E}">
+        <p14:creationId xmlns:p14="http://schemas.microsoft.com/office/powerpoint/2010/main" val="3569890965"/>
+      </p:ext>
+    </p:extLst>
+  </p:cSld>
+  <p:clrMapOvr>
+    <a:masterClrMapping/>
+  </p:clrMapOvr>
+</p:notes>
+</file>
+
+<file path=ppt/notesSlides/notesSlide5.xml><?xml version="1.0" encoding="utf-8"?>
+<p:notes xmlns:a="http://schemas.openxmlformats.org/drawingml/2006/main" xmlns:r="http://schemas.openxmlformats.org/officeDocument/2006/relationships" xmlns:p="http://schemas.openxmlformats.org/presentationml/2006/main">
+  <p:cSld>
+    <p:spTree>
+      <p:nvGrpSpPr>
+        <p:cNvPr id="1" name=""/>
+        <p:cNvGrpSpPr/>
+        <p:nvPr/>
+      </p:nvGrpSpPr>
+      <p:grpSpPr>
+        <a:xfrm>
+          <a:off x="0" y="0"/>
+          <a:ext cx="0" cy="0"/>
+          <a:chOff x="0" y="0"/>
+          <a:chExt cx="0" cy="0"/>
+        </a:xfrm>
+      </p:grpSpPr>
+      <p:sp>
+        <p:nvSpPr>
+          <p:cNvPr id="2" name="Slide Image Placeholder 1"/>
+          <p:cNvSpPr>
+            <a:spLocks noGrp="1" noRot="1" noChangeAspect="1"/>
+          </p:cNvSpPr>
+          <p:nvPr>
+            <p:ph type="sldImg"/>
+          </p:nvPr>
+        </p:nvSpPr>
+        <p:spPr/>
+      </p:sp>
+      <p:sp>
+        <p:nvSpPr>
+          <p:cNvPr id="3" name="Notes Placeholder 2"/>
+          <p:cNvSpPr>
+            <a:spLocks noGrp="1"/>
+          </p:cNvSpPr>
+          <p:nvPr>
+            <p:ph type="body" idx="1"/>
+          </p:nvPr>
+        </p:nvSpPr>
+        <p:spPr/>
+        <p:txBody>
+          <a:bodyPr/>
+          <a:lstStyle/>
+          <a:p>
+            <a:r>
+              <a:rPr lang="de-DE" dirty="0"/>
+              <a:t>Linus</a:t>
+            </a:r>
+          </a:p>
+        </p:txBody>
+      </p:sp>
+      <p:sp>
+        <p:nvSpPr>
+          <p:cNvPr id="4" name="Slide Number Placeholder 3"/>
+          <p:cNvSpPr>
+            <a:spLocks noGrp="1"/>
+          </p:cNvSpPr>
+          <p:nvPr>
+            <p:ph type="sldNum" sz="quarter" idx="5"/>
+          </p:nvPr>
+        </p:nvSpPr>
+        <p:spPr/>
+        <p:txBody>
+          <a:bodyPr/>
+          <a:lstStyle/>
+          <a:p>
+            <a:fld id="{A4B1B59E-D5B0-4E80-9D86-EC6522F3FBF9}" type="slidenum">
+              <a:rPr lang="de-DE" smtClean="0"/>
+              <a:t>5</a:t>
+            </a:fld>
+            <a:endParaRPr lang="de-DE"/>
+          </a:p>
+        </p:txBody>
+      </p:sp>
+    </p:spTree>
+    <p:extLst>
+      <p:ext uri="{BB962C8B-B14F-4D97-AF65-F5344CB8AC3E}">
+        <p14:creationId xmlns:p14="http://schemas.microsoft.com/office/powerpoint/2010/main" val="3339058330"/>
+      </p:ext>
+    </p:extLst>
+  </p:cSld>
+  <p:clrMapOvr>
+    <a:masterClrMapping/>
+  </p:clrMapOvr>
+</p:notes>
+</file>
+
+<file path=ppt/notesSlides/notesSlide6.xml><?xml version="1.0" encoding="utf-8"?>
+<p:notes xmlns:a="http://schemas.openxmlformats.org/drawingml/2006/main" xmlns:r="http://schemas.openxmlformats.org/officeDocument/2006/relationships" xmlns:p="http://schemas.openxmlformats.org/presentationml/2006/main">
+  <p:cSld>
+    <p:spTree>
+      <p:nvGrpSpPr>
+        <p:cNvPr id="1" name=""/>
+        <p:cNvGrpSpPr/>
+        <p:nvPr/>
+      </p:nvGrpSpPr>
+      <p:grpSpPr>
+        <a:xfrm>
+          <a:off x="0" y="0"/>
+          <a:ext cx="0" cy="0"/>
+          <a:chOff x="0" y="0"/>
+          <a:chExt cx="0" cy="0"/>
+        </a:xfrm>
+      </p:grpSpPr>
+      <p:sp>
+        <p:nvSpPr>
+          <p:cNvPr id="2" name="Slide Image Placeholder 1"/>
+          <p:cNvSpPr>
+            <a:spLocks noGrp="1" noRot="1" noChangeAspect="1"/>
+          </p:cNvSpPr>
+          <p:nvPr>
+            <p:ph type="sldImg"/>
+          </p:nvPr>
+        </p:nvSpPr>
+        <p:spPr/>
+      </p:sp>
+      <p:sp>
+        <p:nvSpPr>
+          <p:cNvPr id="3" name="Notes Placeholder 2"/>
+          <p:cNvSpPr>
+            <a:spLocks noGrp="1"/>
+          </p:cNvSpPr>
+          <p:nvPr>
+            <p:ph type="body" idx="1"/>
+          </p:nvPr>
+        </p:nvSpPr>
+        <p:spPr/>
+        <p:txBody>
+          <a:bodyPr/>
+          <a:lstStyle/>
+          <a:p>
+            <a:r>
+              <a:rPr lang="de-DE" dirty="0"/>
+              <a:t>Linus</a:t>
+            </a:r>
+          </a:p>
+        </p:txBody>
+      </p:sp>
+      <p:sp>
+        <p:nvSpPr>
+          <p:cNvPr id="4" name="Slide Number Placeholder 3"/>
+          <p:cNvSpPr>
+            <a:spLocks noGrp="1"/>
+          </p:cNvSpPr>
+          <p:nvPr>
+            <p:ph type="sldNum" sz="quarter" idx="5"/>
+          </p:nvPr>
+        </p:nvSpPr>
+        <p:spPr/>
+        <p:txBody>
+          <a:bodyPr/>
+          <a:lstStyle/>
+          <a:p>
+            <a:fld id="{A4B1B59E-D5B0-4E80-9D86-EC6522F3FBF9}" type="slidenum">
+              <a:rPr lang="de-DE" smtClean="0"/>
+              <a:t>6</a:t>
+            </a:fld>
+            <a:endParaRPr lang="de-DE"/>
+          </a:p>
+        </p:txBody>
+      </p:sp>
+    </p:spTree>
+    <p:extLst>
+      <p:ext uri="{BB962C8B-B14F-4D97-AF65-F5344CB8AC3E}">
+        <p14:creationId xmlns:p14="http://schemas.microsoft.com/office/powerpoint/2010/main" val="2106620309"/>
+      </p:ext>
+    </p:extLst>
+  </p:cSld>
+  <p:clrMapOvr>
+    <a:masterClrMapping/>
+  </p:clrMapOvr>
+</p:notes>
+</file>
+
+<file path=ppt/notesSlides/notesSlide7.xml><?xml version="1.0" encoding="utf-8"?>
+<p:notes xmlns:a="http://schemas.openxmlformats.org/drawingml/2006/main" xmlns:r="http://schemas.openxmlformats.org/officeDocument/2006/relationships" xmlns:p="http://schemas.openxmlformats.org/presentationml/2006/main">
+  <p:cSld>
+    <p:spTree>
+      <p:nvGrpSpPr>
+        <p:cNvPr id="1" name=""/>
+        <p:cNvGrpSpPr/>
+        <p:nvPr/>
+      </p:nvGrpSpPr>
+      <p:grpSpPr>
+        <a:xfrm>
+          <a:off x="0" y="0"/>
+          <a:ext cx="0" cy="0"/>
+          <a:chOff x="0" y="0"/>
+          <a:chExt cx="0" cy="0"/>
+        </a:xfrm>
+      </p:grpSpPr>
+      <p:sp>
+        <p:nvSpPr>
+          <p:cNvPr id="2" name="Slide Image Placeholder 1"/>
+          <p:cNvSpPr>
+            <a:spLocks noGrp="1" noRot="1" noChangeAspect="1"/>
+          </p:cNvSpPr>
+          <p:nvPr>
+            <p:ph type="sldImg"/>
+          </p:nvPr>
+        </p:nvSpPr>
+        <p:spPr/>
+      </p:sp>
+      <p:sp>
+        <p:nvSpPr>
+          <p:cNvPr id="3" name="Notes Placeholder 2"/>
+          <p:cNvSpPr>
+            <a:spLocks noGrp="1"/>
+          </p:cNvSpPr>
+          <p:nvPr>
+            <p:ph type="body" idx="1"/>
+          </p:nvPr>
+        </p:nvSpPr>
+        <p:spPr/>
+        <p:txBody>
+          <a:bodyPr/>
+          <a:lstStyle/>
+          <a:p>
+            <a:r>
+              <a:rPr lang="de-DE" dirty="0"/>
+              <a:t>Jolan</a:t>
+            </a:r>
+          </a:p>
+        </p:txBody>
+      </p:sp>
+      <p:sp>
+        <p:nvSpPr>
+          <p:cNvPr id="4" name="Slide Number Placeholder 3"/>
+          <p:cNvSpPr>
+            <a:spLocks noGrp="1"/>
+          </p:cNvSpPr>
+          <p:nvPr>
+            <p:ph type="sldNum" sz="quarter" idx="5"/>
+          </p:nvPr>
+        </p:nvSpPr>
+        <p:spPr/>
+        <p:txBody>
+          <a:bodyPr/>
+          <a:lstStyle/>
+          <a:p>
+            <a:fld id="{A4B1B59E-D5B0-4E80-9D86-EC6522F3FBF9}" type="slidenum">
+              <a:rPr lang="de-DE" smtClean="0"/>
+              <a:t>7</a:t>
+            </a:fld>
+            <a:endParaRPr lang="de-DE"/>
+          </a:p>
+        </p:txBody>
+      </p:sp>
+    </p:spTree>
+    <p:extLst>
+      <p:ext uri="{BB962C8B-B14F-4D97-AF65-F5344CB8AC3E}">
+        <p14:creationId xmlns:p14="http://schemas.microsoft.com/office/powerpoint/2010/main" val="4047679535"/>
+      </p:ext>
+    </p:extLst>
+  </p:cSld>
+  <p:clrMapOvr>
+    <a:masterClrMapping/>
+  </p:clrMapOvr>
+</p:notes>
+</file>
+
+<file path=ppt/notesSlides/notesSlide8.xml><?xml version="1.0" encoding="utf-8"?>
+<p:notes xmlns:a="http://schemas.openxmlformats.org/drawingml/2006/main" xmlns:r="http://schemas.openxmlformats.org/officeDocument/2006/relationships" xmlns:p="http://schemas.openxmlformats.org/presentationml/2006/main">
+  <p:cSld>
+    <p:spTree>
+      <p:nvGrpSpPr>
+        <p:cNvPr id="1" name=""/>
+        <p:cNvGrpSpPr/>
+        <p:nvPr/>
+      </p:nvGrpSpPr>
+      <p:grpSpPr>
+        <a:xfrm>
+          <a:off x="0" y="0"/>
+          <a:ext cx="0" cy="0"/>
+          <a:chOff x="0" y="0"/>
+          <a:chExt cx="0" cy="0"/>
+        </a:xfrm>
+      </p:grpSpPr>
+      <p:sp>
+        <p:nvSpPr>
+          <p:cNvPr id="2" name="Slide Image Placeholder 1"/>
+          <p:cNvSpPr>
+            <a:spLocks noGrp="1" noRot="1" noChangeAspect="1"/>
+          </p:cNvSpPr>
+          <p:nvPr>
+            <p:ph type="sldImg"/>
+          </p:nvPr>
+        </p:nvSpPr>
+        <p:spPr/>
+      </p:sp>
+      <p:sp>
+        <p:nvSpPr>
+          <p:cNvPr id="3" name="Notes Placeholder 2"/>
+          <p:cNvSpPr>
+            <a:spLocks noGrp="1"/>
+          </p:cNvSpPr>
+          <p:nvPr>
+            <p:ph type="body" idx="1"/>
+          </p:nvPr>
+        </p:nvSpPr>
+        <p:spPr/>
+        <p:txBody>
+          <a:bodyPr/>
+          <a:lstStyle/>
+          <a:p>
+            <a:r>
+              <a:rPr lang="de-DE" dirty="0"/>
+              <a:t>Jolan</a:t>
+            </a:r>
+          </a:p>
+        </p:txBody>
+      </p:sp>
+      <p:sp>
+        <p:nvSpPr>
+          <p:cNvPr id="4" name="Slide Number Placeholder 3"/>
+          <p:cNvSpPr>
+            <a:spLocks noGrp="1"/>
+          </p:cNvSpPr>
+          <p:nvPr>
+            <p:ph type="sldNum" sz="quarter" idx="5"/>
+          </p:nvPr>
+        </p:nvSpPr>
+        <p:spPr/>
+        <p:txBody>
+          <a:bodyPr/>
+          <a:lstStyle/>
+          <a:p>
+            <a:fld id="{A4B1B59E-D5B0-4E80-9D86-EC6522F3FBF9}" type="slidenum">
+              <a:rPr lang="de-DE" smtClean="0"/>
+              <a:t>8</a:t>
+            </a:fld>
+            <a:endParaRPr lang="de-DE"/>
+          </a:p>
+        </p:txBody>
+      </p:sp>
+    </p:spTree>
+    <p:extLst>
+      <p:ext uri="{BB962C8B-B14F-4D97-AF65-F5344CB8AC3E}">
+        <p14:creationId xmlns:p14="http://schemas.microsoft.com/office/powerpoint/2010/main" val="2879471235"/>
+      </p:ext>
+    </p:extLst>
+  </p:cSld>
+  <p:clrMapOvr>
+    <a:masterClrMapping/>
+  </p:clrMapOvr>
+</p:notes>
+</file>
+
+<file path=ppt/notesSlides/notesSlide9.xml><?xml version="1.0" encoding="utf-8"?>
+<p:notes xmlns:a="http://schemas.openxmlformats.org/drawingml/2006/main" xmlns:r="http://schemas.openxmlformats.org/officeDocument/2006/relationships" xmlns:p="http://schemas.openxmlformats.org/presentationml/2006/main">
+  <p:cSld>
+    <p:spTree>
+      <p:nvGrpSpPr>
+        <p:cNvPr id="1" name=""/>
+        <p:cNvGrpSpPr/>
+        <p:nvPr/>
+      </p:nvGrpSpPr>
+      <p:grpSpPr>
+        <a:xfrm>
+          <a:off x="0" y="0"/>
+          <a:ext cx="0" cy="0"/>
+          <a:chOff x="0" y="0"/>
+          <a:chExt cx="0" cy="0"/>
+        </a:xfrm>
+      </p:grpSpPr>
+      <p:sp>
+        <p:nvSpPr>
+          <p:cNvPr id="2" name="Slide Image Placeholder 1"/>
+          <p:cNvSpPr>
+            <a:spLocks noGrp="1" noRot="1" noChangeAspect="1"/>
+          </p:cNvSpPr>
+          <p:nvPr>
+            <p:ph type="sldImg"/>
+          </p:nvPr>
+        </p:nvSpPr>
+        <p:spPr/>
+      </p:sp>
+      <p:sp>
+        <p:nvSpPr>
+          <p:cNvPr id="3" name="Notes Placeholder 2"/>
+          <p:cNvSpPr>
+            <a:spLocks noGrp="1"/>
+          </p:cNvSpPr>
+          <p:nvPr>
+            <p:ph type="body" idx="1"/>
+          </p:nvPr>
+        </p:nvSpPr>
+        <p:spPr/>
+        <p:txBody>
+          <a:bodyPr/>
+          <a:lstStyle/>
+          <a:p>
+            <a:r>
+              <a:rPr lang="de-DE" dirty="0"/>
+              <a:t>Nicolas</a:t>
+            </a:r>
+          </a:p>
+        </p:txBody>
+      </p:sp>
+      <p:sp>
+        <p:nvSpPr>
+          <p:cNvPr id="4" name="Slide Number Placeholder 3"/>
+          <p:cNvSpPr>
+            <a:spLocks noGrp="1"/>
+          </p:cNvSpPr>
+          <p:nvPr>
+            <p:ph type="sldNum" sz="quarter" idx="5"/>
+          </p:nvPr>
+        </p:nvSpPr>
+        <p:spPr/>
+        <p:txBody>
+          <a:bodyPr/>
+          <a:lstStyle/>
+          <a:p>
+            <a:fld id="{A4B1B59E-D5B0-4E80-9D86-EC6522F3FBF9}" type="slidenum">
+              <a:rPr lang="de-DE" smtClean="0"/>
+              <a:t>9</a:t>
+            </a:fld>
+            <a:endParaRPr lang="de-DE"/>
+          </a:p>
+        </p:txBody>
+      </p:sp>
+    </p:spTree>
+    <p:extLst>
+      <p:ext uri="{BB962C8B-B14F-4D97-AF65-F5344CB8AC3E}">
+        <p14:creationId xmlns:p14="http://schemas.microsoft.com/office/powerpoint/2010/main" val="2655196514"/>
       </p:ext>
     </p:extLst>
   </p:cSld>
@@ -976,7 +1758,7 @@
           <a:p>
             <a:fld id="{250DBC62-00E4-43F1-B225-CF948E9DA645}" type="datetimeFigureOut">
               <a:rPr lang="de-DE" smtClean="0"/>
-              <a:t>24.11.2023</a:t>
+              <a:t>27.11.2023</a:t>
             </a:fld>
             <a:endParaRPr lang="de-DE"/>
           </a:p>
@@ -1176,7 +1958,7 @@
           <a:p>
             <a:fld id="{250DBC62-00E4-43F1-B225-CF948E9DA645}" type="datetimeFigureOut">
               <a:rPr lang="de-DE" smtClean="0"/>
-              <a:t>24.11.2023</a:t>
+              <a:t>27.11.2023</a:t>
             </a:fld>
             <a:endParaRPr lang="de-DE"/>
           </a:p>
@@ -1386,7 +2168,7 @@
           <a:p>
             <a:fld id="{250DBC62-00E4-43F1-B225-CF948E9DA645}" type="datetimeFigureOut">
               <a:rPr lang="de-DE" smtClean="0"/>
-              <a:t>24.11.2023</a:t>
+              <a:t>27.11.2023</a:t>
             </a:fld>
             <a:endParaRPr lang="de-DE"/>
           </a:p>
@@ -1586,7 +2368,7 @@
           <a:p>
             <a:fld id="{250DBC62-00E4-43F1-B225-CF948E9DA645}" type="datetimeFigureOut">
               <a:rPr lang="de-DE" smtClean="0"/>
-              <a:t>24.11.2023</a:t>
+              <a:t>27.11.2023</a:t>
             </a:fld>
             <a:endParaRPr lang="de-DE"/>
           </a:p>
@@ -1862,7 +2644,7 @@
           <a:p>
             <a:fld id="{250DBC62-00E4-43F1-B225-CF948E9DA645}" type="datetimeFigureOut">
               <a:rPr lang="de-DE" smtClean="0"/>
-              <a:t>24.11.2023</a:t>
+              <a:t>27.11.2023</a:t>
             </a:fld>
             <a:endParaRPr lang="de-DE"/>
           </a:p>
@@ -2130,7 +2912,7 @@
           <a:p>
             <a:fld id="{250DBC62-00E4-43F1-B225-CF948E9DA645}" type="datetimeFigureOut">
               <a:rPr lang="de-DE" smtClean="0"/>
-              <a:t>24.11.2023</a:t>
+              <a:t>27.11.2023</a:t>
             </a:fld>
             <a:endParaRPr lang="de-DE"/>
           </a:p>
@@ -2545,7 +3327,7 @@
           <a:p>
             <a:fld id="{250DBC62-00E4-43F1-B225-CF948E9DA645}" type="datetimeFigureOut">
               <a:rPr lang="de-DE" smtClean="0"/>
-              <a:t>24.11.2023</a:t>
+              <a:t>27.11.2023</a:t>
             </a:fld>
             <a:endParaRPr lang="de-DE"/>
           </a:p>
@@ -2687,7 +3469,7 @@
           <a:p>
             <a:fld id="{250DBC62-00E4-43F1-B225-CF948E9DA645}" type="datetimeFigureOut">
               <a:rPr lang="de-DE" smtClean="0"/>
-              <a:t>24.11.2023</a:t>
+              <a:t>27.11.2023</a:t>
             </a:fld>
             <a:endParaRPr lang="de-DE"/>
           </a:p>
@@ -2800,7 +3582,7 @@
           <a:p>
             <a:fld id="{250DBC62-00E4-43F1-B225-CF948E9DA645}" type="datetimeFigureOut">
               <a:rPr lang="de-DE" smtClean="0"/>
-              <a:t>24.11.2023</a:t>
+              <a:t>27.11.2023</a:t>
             </a:fld>
             <a:endParaRPr lang="de-DE"/>
           </a:p>
@@ -3113,7 +3895,7 @@
           <a:p>
             <a:fld id="{250DBC62-00E4-43F1-B225-CF948E9DA645}" type="datetimeFigureOut">
               <a:rPr lang="de-DE" smtClean="0"/>
-              <a:t>24.11.2023</a:t>
+              <a:t>27.11.2023</a:t>
             </a:fld>
             <a:endParaRPr lang="de-DE"/>
           </a:p>
@@ -3402,7 +4184,7 @@
           <a:p>
             <a:fld id="{250DBC62-00E4-43F1-B225-CF948E9DA645}" type="datetimeFigureOut">
               <a:rPr lang="de-DE" smtClean="0"/>
-              <a:t>24.11.2023</a:t>
+              <a:t>27.11.2023</a:t>
             </a:fld>
             <a:endParaRPr lang="de-DE"/>
           </a:p>
@@ -3645,7 +4427,7 @@
           <a:p>
             <a:fld id="{250DBC62-00E4-43F1-B225-CF948E9DA645}" type="datetimeFigureOut">
               <a:rPr lang="de-DE" smtClean="0"/>
-              <a:t>24.11.2023</a:t>
+              <a:t>27.11.2023</a:t>
             </a:fld>
             <a:endParaRPr lang="de-DE"/>
           </a:p>
@@ -4567,8 +5349,8 @@
         </p:blipFill>
         <p:spPr bwMode="auto">
           <a:xfrm>
-            <a:off x="4728496" y="1798189"/>
-            <a:ext cx="2735007" cy="2020397"/>
+            <a:off x="0" y="2090352"/>
+            <a:ext cx="2121707" cy="1567342"/>
           </a:xfrm>
           <a:prstGeom prst="rect">
             <a:avLst/>
@@ -4585,10 +5367,1108 @@
           </a:extLst>
         </p:spPr>
       </p:pic>
+      <p:pic>
+        <p:nvPicPr>
+          <p:cNvPr id="5" name="Grafik 4">
+            <a:extLst>
+              <a:ext uri="{FF2B5EF4-FFF2-40B4-BE49-F238E27FC236}">
+                <a16:creationId xmlns:a16="http://schemas.microsoft.com/office/drawing/2014/main" id="{DD3DD7E9-838B-9DD3-52BE-B15D22D9B00D}"/>
+              </a:ext>
+            </a:extLst>
+          </p:cNvPr>
+          <p:cNvPicPr>
+            <a:picLocks noChangeAspect="1"/>
+          </p:cNvPicPr>
+          <p:nvPr/>
+        </p:nvPicPr>
+        <p:blipFill>
+          <a:blip r:embed="rId6"/>
+          <a:stretch>
+            <a:fillRect/>
+          </a:stretch>
+        </p:blipFill>
+        <p:spPr>
+          <a:xfrm>
+            <a:off x="2467843" y="1916241"/>
+            <a:ext cx="5282039" cy="1881860"/>
+          </a:xfrm>
+          <a:prstGeom prst="rect">
+            <a:avLst/>
+          </a:prstGeom>
+        </p:spPr>
+      </p:pic>
+      <p:pic>
+        <p:nvPicPr>
+          <p:cNvPr id="7" name="Grafik 6" descr="Ein Bild, das Diagramm, Reihe, Text enthält.&#10;&#10;Automatisch generierte Beschreibung">
+            <a:extLst>
+              <a:ext uri="{FF2B5EF4-FFF2-40B4-BE49-F238E27FC236}">
+                <a16:creationId xmlns:a16="http://schemas.microsoft.com/office/drawing/2014/main" id="{211BE6F9-0363-F4AF-C75F-D7B6C97D54AF}"/>
+              </a:ext>
+            </a:extLst>
+          </p:cNvPr>
+          <p:cNvPicPr>
+            <a:picLocks noChangeAspect="1"/>
+          </p:cNvPicPr>
+          <p:nvPr/>
+        </p:nvPicPr>
+        <p:blipFill rotWithShape="1">
+          <a:blip r:embed="rId7">
+            <a:extLst>
+              <a:ext uri="{28A0092B-C50C-407E-A947-70E740481C1C}">
+                <a14:useLocalDpi xmlns:a14="http://schemas.microsoft.com/office/drawing/2010/main" val="0"/>
+              </a:ext>
+            </a:extLst>
+          </a:blip>
+          <a:srcRect l="6937" r="8325"/>
+          <a:stretch/>
+        </p:blipFill>
+        <p:spPr>
+          <a:xfrm>
+            <a:off x="8096019" y="1938358"/>
+            <a:ext cx="3948547" cy="1961107"/>
+          </a:xfrm>
+          <a:prstGeom prst="rect">
+            <a:avLst/>
+          </a:prstGeom>
+        </p:spPr>
+      </p:pic>
     </p:spTree>
     <p:extLst>
       <p:ext uri="{BB962C8B-B14F-4D97-AF65-F5344CB8AC3E}">
         <p14:creationId xmlns:p14="http://schemas.microsoft.com/office/powerpoint/2010/main" val="1072787698"/>
+      </p:ext>
+    </p:extLst>
+  </p:cSld>
+  <p:clrMapOvr>
+    <a:masterClrMapping/>
+  </p:clrMapOvr>
+</p:sld>
+</file>
+
+<file path=ppt/slides/slide10.xml><?xml version="1.0" encoding="utf-8"?>
+<p:sld xmlns:a="http://schemas.openxmlformats.org/drawingml/2006/main" xmlns:r="http://schemas.openxmlformats.org/officeDocument/2006/relationships" xmlns:p="http://schemas.openxmlformats.org/presentationml/2006/main">
+  <p:cSld>
+    <p:spTree>
+      <p:nvGrpSpPr>
+        <p:cNvPr id="1" name=""/>
+        <p:cNvGrpSpPr/>
+        <p:nvPr/>
+      </p:nvGrpSpPr>
+      <p:grpSpPr>
+        <a:xfrm>
+          <a:off x="0" y="0"/>
+          <a:ext cx="0" cy="0"/>
+          <a:chOff x="0" y="0"/>
+          <a:chExt cx="0" cy="0"/>
+        </a:xfrm>
+      </p:grpSpPr>
+      <p:pic>
+        <p:nvPicPr>
+          <p:cNvPr id="3" name="Grafik 2" descr="Ein Bild, das Text, Diagramm, Reihe enthält.&#10;&#10;Automatisch generierte Beschreibung">
+            <a:extLst>
+              <a:ext uri="{FF2B5EF4-FFF2-40B4-BE49-F238E27FC236}">
+                <a16:creationId xmlns:a16="http://schemas.microsoft.com/office/drawing/2014/main" id="{B649579C-01D2-E3BB-C007-3A56E82342BE}"/>
+              </a:ext>
+            </a:extLst>
+          </p:cNvPr>
+          <p:cNvPicPr>
+            <a:picLocks noChangeAspect="1"/>
+          </p:cNvPicPr>
+          <p:nvPr/>
+        </p:nvPicPr>
+        <p:blipFill>
+          <a:blip r:embed="rId3">
+            <a:extLst>
+              <a:ext uri="{28A0092B-C50C-407E-A947-70E740481C1C}">
+                <a14:useLocalDpi xmlns:a14="http://schemas.microsoft.com/office/drawing/2010/main" val="0"/>
+              </a:ext>
+            </a:extLst>
+          </a:blip>
+          <a:stretch>
+            <a:fillRect/>
+          </a:stretch>
+        </p:blipFill>
+        <p:spPr>
+          <a:xfrm>
+            <a:off x="-480848" y="1087821"/>
+            <a:ext cx="13132676" cy="5770178"/>
+          </a:xfrm>
+          <a:prstGeom prst="rect">
+            <a:avLst/>
+          </a:prstGeom>
+        </p:spPr>
+      </p:pic>
+      <p:pic>
+        <p:nvPicPr>
+          <p:cNvPr id="4" name="Graphic 1">
+            <a:extLst>
+              <a:ext uri="{FF2B5EF4-FFF2-40B4-BE49-F238E27FC236}">
+                <a16:creationId xmlns:a16="http://schemas.microsoft.com/office/drawing/2014/main" id="{D4E2A8A5-7B9A-9FCE-2C0C-40115BB72542}"/>
+              </a:ext>
+            </a:extLst>
+          </p:cNvPr>
+          <p:cNvPicPr>
+            <a:picLocks noChangeAspect="1"/>
+          </p:cNvPicPr>
+          <p:nvPr/>
+        </p:nvPicPr>
+        <p:blipFill>
+          <a:blip r:embed="rId4">
+            <a:extLst>
+              <a:ext uri="{28A0092B-C50C-407E-A947-70E740481C1C}">
+                <a14:useLocalDpi xmlns:a14="http://schemas.microsoft.com/office/drawing/2010/main" val="0"/>
+              </a:ext>
+              <a:ext uri="{96DAC541-7B7A-43D3-8B79-37D633B846F1}">
+                <asvg:svgBlip xmlns:asvg="http://schemas.microsoft.com/office/drawing/2016/SVG/main" r:embed="rId5"/>
+              </a:ext>
+            </a:extLst>
+          </a:blip>
+          <a:stretch>
+            <a:fillRect/>
+          </a:stretch>
+        </p:blipFill>
+        <p:spPr>
+          <a:xfrm>
+            <a:off x="160961" y="133521"/>
+            <a:ext cx="2371620" cy="485811"/>
+          </a:xfrm>
+          <a:prstGeom prst="rect">
+            <a:avLst/>
+          </a:prstGeom>
+        </p:spPr>
+      </p:pic>
+      <p:sp>
+        <p:nvSpPr>
+          <p:cNvPr id="6" name="TextBox 5">
+            <a:extLst>
+              <a:ext uri="{FF2B5EF4-FFF2-40B4-BE49-F238E27FC236}">
+                <a16:creationId xmlns:a16="http://schemas.microsoft.com/office/drawing/2014/main" id="{4BF11305-FC23-954B-7998-B1257FEE9257}"/>
+              </a:ext>
+            </a:extLst>
+          </p:cNvPr>
+          <p:cNvSpPr txBox="1"/>
+          <p:nvPr/>
+        </p:nvSpPr>
+        <p:spPr>
+          <a:xfrm>
+            <a:off x="66782" y="6529608"/>
+            <a:ext cx="10986501" cy="230832"/>
+          </a:xfrm>
+          <a:prstGeom prst="rect">
+            <a:avLst/>
+          </a:prstGeom>
+          <a:noFill/>
+        </p:spPr>
+        <p:txBody>
+          <a:bodyPr wrap="square">
+            <a:spAutoFit/>
+          </a:bodyPr>
+          <a:lstStyle/>
+          <a:p>
+            <a:r>
+              <a:rPr lang="de-DE" sz="900" dirty="0"/>
+              <a:t>Markov-Analyse &amp; Interview| WiSe 2023/24 I Hochschule Bielefeld I Linus Langenkamp, Jolan Eggers, Nicolas Schneider, Redouane Kabouchi I 03.11.2023 I Seite </a:t>
+            </a:r>
+            <a:fld id="{8665FA59-C0FE-4AB6-AD99-2451632B0EBE}" type="slidenum">
+              <a:rPr lang="de-DE" sz="900" smtClean="0"/>
+              <a:t>10</a:t>
+            </a:fld>
+            <a:endParaRPr lang="de-DE" sz="900" dirty="0"/>
+          </a:p>
+        </p:txBody>
+      </p:sp>
+      <p:sp>
+        <p:nvSpPr>
+          <p:cNvPr id="7" name="Title 1">
+            <a:extLst>
+              <a:ext uri="{FF2B5EF4-FFF2-40B4-BE49-F238E27FC236}">
+                <a16:creationId xmlns:a16="http://schemas.microsoft.com/office/drawing/2014/main" id="{C134D3AA-85CE-FCC6-6499-8202E6096899}"/>
+              </a:ext>
+            </a:extLst>
+          </p:cNvPr>
+          <p:cNvSpPr txBox="1">
+            <a:spLocks/>
+          </p:cNvSpPr>
+          <p:nvPr/>
+        </p:nvSpPr>
+        <p:spPr>
+          <a:xfrm>
+            <a:off x="738026" y="912189"/>
+            <a:ext cx="9144000" cy="626836"/>
+          </a:xfrm>
+          <a:prstGeom prst="rect">
+            <a:avLst/>
+          </a:prstGeom>
+        </p:spPr>
+        <p:txBody>
+          <a:bodyPr vert="horz" lIns="91440" tIns="45720" rIns="91440" bIns="45720" rtlCol="0" anchor="b">
+            <a:normAutofit/>
+          </a:bodyPr>
+          <a:lstStyle>
+            <a:lvl1pPr algn="ctr" defTabSz="914400" rtl="0" eaLnBrk="1" latinLnBrk="0" hangingPunct="1">
+              <a:lnSpc>
+                <a:spcPct val="90000"/>
+              </a:lnSpc>
+              <a:spcBef>
+                <a:spcPct val="0"/>
+              </a:spcBef>
+              <a:buNone/>
+              <a:defRPr sz="6000" kern="1200">
+                <a:solidFill>
+                  <a:schemeClr val="tx1"/>
+                </a:solidFill>
+                <a:latin typeface="+mj-lt"/>
+                <a:ea typeface="+mj-ea"/>
+                <a:cs typeface="+mj-cs"/>
+              </a:defRPr>
+            </a:lvl1pPr>
+          </a:lstStyle>
+          <a:p>
+            <a:pPr algn="l">
+              <a:lnSpc>
+                <a:spcPct val="100000"/>
+              </a:lnSpc>
+              <a:spcAft>
+                <a:spcPts val="600"/>
+              </a:spcAft>
+            </a:pPr>
+            <a:r>
+              <a:rPr lang="de-DE" sz="2800" b="1" dirty="0">
+                <a:effectLst/>
+                <a:latin typeface="Times New Roman" panose="02020603050405020304" pitchFamily="18" charset="0"/>
+                <a:ea typeface="Times New Roman" panose="02020603050405020304" pitchFamily="18" charset="0"/>
+                <a:cs typeface="Times New Roman" panose="02020603050405020304" pitchFamily="18" charset="0"/>
+              </a:rPr>
+              <a:t>Rheinmetall</a:t>
+            </a:r>
+            <a:r>
+              <a:rPr lang="de-DE" sz="2800" b="1" dirty="0">
+                <a:latin typeface="Times New Roman" panose="02020603050405020304" pitchFamily="18" charset="0"/>
+                <a:ea typeface="Times New Roman" panose="02020603050405020304" pitchFamily="18" charset="0"/>
+                <a:cs typeface="Times New Roman" panose="02020603050405020304" pitchFamily="18" charset="0"/>
+              </a:rPr>
+              <a:t> - </a:t>
+            </a:r>
+            <a:r>
+              <a:rPr lang="de-DE" sz="2800" b="1" dirty="0">
+                <a:effectLst/>
+                <a:latin typeface="Times New Roman" panose="02020603050405020304" pitchFamily="18" charset="0"/>
+                <a:ea typeface="Times New Roman" panose="02020603050405020304" pitchFamily="18" charset="0"/>
+                <a:cs typeface="Times New Roman" panose="02020603050405020304" pitchFamily="18" charset="0"/>
+              </a:rPr>
+              <a:t> Markov Analyse</a:t>
+            </a:r>
+            <a:endParaRPr lang="de-DE" sz="2800" dirty="0"/>
+          </a:p>
+        </p:txBody>
+      </p:sp>
+    </p:spTree>
+    <p:extLst>
+      <p:ext uri="{BB962C8B-B14F-4D97-AF65-F5344CB8AC3E}">
+        <p14:creationId xmlns:p14="http://schemas.microsoft.com/office/powerpoint/2010/main" val="4256822083"/>
+      </p:ext>
+    </p:extLst>
+  </p:cSld>
+  <p:clrMapOvr>
+    <a:masterClrMapping/>
+  </p:clrMapOvr>
+</p:sld>
+</file>
+
+<file path=ppt/slides/slide11.xml><?xml version="1.0" encoding="utf-8"?>
+<p:sld xmlns:a="http://schemas.openxmlformats.org/drawingml/2006/main" xmlns:r="http://schemas.openxmlformats.org/officeDocument/2006/relationships" xmlns:p="http://schemas.openxmlformats.org/presentationml/2006/main">
+  <p:cSld>
+    <p:spTree>
+      <p:nvGrpSpPr>
+        <p:cNvPr id="1" name=""/>
+        <p:cNvGrpSpPr/>
+        <p:nvPr/>
+      </p:nvGrpSpPr>
+      <p:grpSpPr>
+        <a:xfrm>
+          <a:off x="0" y="0"/>
+          <a:ext cx="0" cy="0"/>
+          <a:chOff x="0" y="0"/>
+          <a:chExt cx="0" cy="0"/>
+        </a:xfrm>
+      </p:grpSpPr>
+      <p:pic>
+        <p:nvPicPr>
+          <p:cNvPr id="4" name="Graphic 1">
+            <a:extLst>
+              <a:ext uri="{FF2B5EF4-FFF2-40B4-BE49-F238E27FC236}">
+                <a16:creationId xmlns:a16="http://schemas.microsoft.com/office/drawing/2014/main" id="{D4E2A8A5-7B9A-9FCE-2C0C-40115BB72542}"/>
+              </a:ext>
+            </a:extLst>
+          </p:cNvPr>
+          <p:cNvPicPr>
+            <a:picLocks noChangeAspect="1"/>
+          </p:cNvPicPr>
+          <p:nvPr/>
+        </p:nvPicPr>
+        <p:blipFill>
+          <a:blip r:embed="rId3">
+            <a:extLst>
+              <a:ext uri="{28A0092B-C50C-407E-A947-70E740481C1C}">
+                <a14:useLocalDpi xmlns:a14="http://schemas.microsoft.com/office/drawing/2010/main" val="0"/>
+              </a:ext>
+              <a:ext uri="{96DAC541-7B7A-43D3-8B79-37D633B846F1}">
+                <asvg:svgBlip xmlns:asvg="http://schemas.microsoft.com/office/drawing/2016/SVG/main" r:embed="rId4"/>
+              </a:ext>
+            </a:extLst>
+          </a:blip>
+          <a:stretch>
+            <a:fillRect/>
+          </a:stretch>
+        </p:blipFill>
+        <p:spPr>
+          <a:xfrm>
+            <a:off x="160961" y="133521"/>
+            <a:ext cx="2371620" cy="485811"/>
+          </a:xfrm>
+          <a:prstGeom prst="rect">
+            <a:avLst/>
+          </a:prstGeom>
+        </p:spPr>
+      </p:pic>
+      <p:sp>
+        <p:nvSpPr>
+          <p:cNvPr id="6" name="TextBox 5">
+            <a:extLst>
+              <a:ext uri="{FF2B5EF4-FFF2-40B4-BE49-F238E27FC236}">
+                <a16:creationId xmlns:a16="http://schemas.microsoft.com/office/drawing/2014/main" id="{4BF11305-FC23-954B-7998-B1257FEE9257}"/>
+              </a:ext>
+            </a:extLst>
+          </p:cNvPr>
+          <p:cNvSpPr txBox="1"/>
+          <p:nvPr/>
+        </p:nvSpPr>
+        <p:spPr>
+          <a:xfrm>
+            <a:off x="66782" y="6529608"/>
+            <a:ext cx="10986501" cy="230832"/>
+          </a:xfrm>
+          <a:prstGeom prst="rect">
+            <a:avLst/>
+          </a:prstGeom>
+          <a:noFill/>
+        </p:spPr>
+        <p:txBody>
+          <a:bodyPr wrap="square">
+            <a:spAutoFit/>
+          </a:bodyPr>
+          <a:lstStyle/>
+          <a:p>
+            <a:r>
+              <a:rPr lang="de-DE" sz="900" dirty="0"/>
+              <a:t>Markov-Analyse &amp; Interview| WiSe 2023/24 I Hochschule Bielefeld I Linus Langenkamp, Jolan Eggers, Nicolas Schneider, Redouane Kabouchi I 03.11.2023 I Seite </a:t>
+            </a:r>
+            <a:fld id="{8665FA59-C0FE-4AB6-AD99-2451632B0EBE}" type="slidenum">
+              <a:rPr lang="de-DE" sz="900" smtClean="0"/>
+              <a:t>11</a:t>
+            </a:fld>
+            <a:endParaRPr lang="de-DE" sz="900" dirty="0"/>
+          </a:p>
+        </p:txBody>
+      </p:sp>
+      <p:sp>
+        <p:nvSpPr>
+          <p:cNvPr id="7" name="Title 1">
+            <a:extLst>
+              <a:ext uri="{FF2B5EF4-FFF2-40B4-BE49-F238E27FC236}">
+                <a16:creationId xmlns:a16="http://schemas.microsoft.com/office/drawing/2014/main" id="{C134D3AA-85CE-FCC6-6499-8202E6096899}"/>
+              </a:ext>
+            </a:extLst>
+          </p:cNvPr>
+          <p:cNvSpPr txBox="1">
+            <a:spLocks/>
+          </p:cNvSpPr>
+          <p:nvPr/>
+        </p:nvSpPr>
+        <p:spPr>
+          <a:xfrm>
+            <a:off x="738026" y="912189"/>
+            <a:ext cx="9144000" cy="626836"/>
+          </a:xfrm>
+          <a:prstGeom prst="rect">
+            <a:avLst/>
+          </a:prstGeom>
+        </p:spPr>
+        <p:txBody>
+          <a:bodyPr vert="horz" lIns="91440" tIns="45720" rIns="91440" bIns="45720" rtlCol="0" anchor="b">
+            <a:normAutofit/>
+          </a:bodyPr>
+          <a:lstStyle>
+            <a:lvl1pPr algn="ctr" defTabSz="914400" rtl="0" eaLnBrk="1" latinLnBrk="0" hangingPunct="1">
+              <a:lnSpc>
+                <a:spcPct val="90000"/>
+              </a:lnSpc>
+              <a:spcBef>
+                <a:spcPct val="0"/>
+              </a:spcBef>
+              <a:buNone/>
+              <a:defRPr sz="6000" kern="1200">
+                <a:solidFill>
+                  <a:schemeClr val="tx1"/>
+                </a:solidFill>
+                <a:latin typeface="+mj-lt"/>
+                <a:ea typeface="+mj-ea"/>
+                <a:cs typeface="+mj-cs"/>
+              </a:defRPr>
+            </a:lvl1pPr>
+          </a:lstStyle>
+          <a:p>
+            <a:pPr algn="l">
+              <a:lnSpc>
+                <a:spcPct val="100000"/>
+              </a:lnSpc>
+              <a:spcAft>
+                <a:spcPts val="600"/>
+              </a:spcAft>
+            </a:pPr>
+            <a:r>
+              <a:rPr lang="de-DE" sz="2800" b="1" dirty="0">
+                <a:effectLst/>
+                <a:latin typeface="Times New Roman" panose="02020603050405020304" pitchFamily="18" charset="0"/>
+                <a:ea typeface="Times New Roman" panose="02020603050405020304" pitchFamily="18" charset="0"/>
+                <a:cs typeface="Times New Roman" panose="02020603050405020304" pitchFamily="18" charset="0"/>
+              </a:rPr>
+              <a:t>Rheinmetall</a:t>
+            </a:r>
+            <a:r>
+              <a:rPr lang="de-DE" sz="2800" b="1" dirty="0">
+                <a:latin typeface="Times New Roman" panose="02020603050405020304" pitchFamily="18" charset="0"/>
+                <a:ea typeface="Times New Roman" panose="02020603050405020304" pitchFamily="18" charset="0"/>
+                <a:cs typeface="Times New Roman" panose="02020603050405020304" pitchFamily="18" charset="0"/>
+              </a:rPr>
+              <a:t> - </a:t>
+            </a:r>
+            <a:r>
+              <a:rPr lang="de-DE" sz="2800" b="1" dirty="0">
+                <a:effectLst/>
+                <a:latin typeface="Times New Roman" panose="02020603050405020304" pitchFamily="18" charset="0"/>
+                <a:ea typeface="Times New Roman" panose="02020603050405020304" pitchFamily="18" charset="0"/>
+                <a:cs typeface="Times New Roman" panose="02020603050405020304" pitchFamily="18" charset="0"/>
+              </a:rPr>
+              <a:t> Markov Analyse</a:t>
+            </a:r>
+            <a:endParaRPr lang="de-DE" sz="2800" dirty="0"/>
+          </a:p>
+        </p:txBody>
+      </p:sp>
+      <p:pic>
+        <p:nvPicPr>
+          <p:cNvPr id="5" name="Grafik 4" descr="Ein Bild, das Diagramm, Reihe, Screenshot enthält.&#10;&#10;Automatisch generierte Beschreibung">
+            <a:extLst>
+              <a:ext uri="{FF2B5EF4-FFF2-40B4-BE49-F238E27FC236}">
+                <a16:creationId xmlns:a16="http://schemas.microsoft.com/office/drawing/2014/main" id="{622822AD-1186-D977-7D05-66C1EA31D12F}"/>
+              </a:ext>
+            </a:extLst>
+          </p:cNvPr>
+          <p:cNvPicPr>
+            <a:picLocks noChangeAspect="1"/>
+          </p:cNvPicPr>
+          <p:nvPr/>
+        </p:nvPicPr>
+        <p:blipFill>
+          <a:blip r:embed="rId5">
+            <a:extLst>
+              <a:ext uri="{28A0092B-C50C-407E-A947-70E740481C1C}">
+                <a14:useLocalDpi xmlns:a14="http://schemas.microsoft.com/office/drawing/2010/main" val="0"/>
+              </a:ext>
+            </a:extLst>
+          </a:blip>
+          <a:stretch>
+            <a:fillRect/>
+          </a:stretch>
+        </p:blipFill>
+        <p:spPr>
+          <a:xfrm>
+            <a:off x="578689" y="1539025"/>
+            <a:ext cx="10735077" cy="4791466"/>
+          </a:xfrm>
+          <a:prstGeom prst="rect">
+            <a:avLst/>
+          </a:prstGeom>
+        </p:spPr>
+      </p:pic>
+      <p:sp>
+        <p:nvSpPr>
+          <p:cNvPr id="8" name="Textfeld 7">
+            <a:extLst>
+              <a:ext uri="{FF2B5EF4-FFF2-40B4-BE49-F238E27FC236}">
+                <a16:creationId xmlns:a16="http://schemas.microsoft.com/office/drawing/2014/main" id="{1D1F077E-6B39-AC78-1753-D9AE2934A01E}"/>
+              </a:ext>
+            </a:extLst>
+          </p:cNvPr>
+          <p:cNvSpPr txBox="1"/>
+          <p:nvPr/>
+        </p:nvSpPr>
+        <p:spPr>
+          <a:xfrm>
+            <a:off x="8361218" y="4606636"/>
+            <a:ext cx="1263679" cy="369332"/>
+          </a:xfrm>
+          <a:prstGeom prst="rect">
+            <a:avLst/>
+          </a:prstGeom>
+          <a:noFill/>
+        </p:spPr>
+        <p:txBody>
+          <a:bodyPr wrap="none" rtlCol="0">
+            <a:spAutoFit/>
+          </a:bodyPr>
+          <a:lstStyle/>
+          <a:p>
+            <a:r>
+              <a:rPr lang="de-DE" dirty="0"/>
+              <a:t>Schiefe=0.2</a:t>
+            </a:r>
+          </a:p>
+        </p:txBody>
+      </p:sp>
+    </p:spTree>
+    <p:extLst>
+      <p:ext uri="{BB962C8B-B14F-4D97-AF65-F5344CB8AC3E}">
+        <p14:creationId xmlns:p14="http://schemas.microsoft.com/office/powerpoint/2010/main" val="651607249"/>
+      </p:ext>
+    </p:extLst>
+  </p:cSld>
+  <p:clrMapOvr>
+    <a:masterClrMapping/>
+  </p:clrMapOvr>
+</p:sld>
+</file>
+
+<file path=ppt/slides/slide12.xml><?xml version="1.0" encoding="utf-8"?>
+<p:sld xmlns:a="http://schemas.openxmlformats.org/drawingml/2006/main" xmlns:r="http://schemas.openxmlformats.org/officeDocument/2006/relationships" xmlns:p="http://schemas.openxmlformats.org/presentationml/2006/main">
+  <p:cSld>
+    <p:spTree>
+      <p:nvGrpSpPr>
+        <p:cNvPr id="1" name=""/>
+        <p:cNvGrpSpPr/>
+        <p:nvPr/>
+      </p:nvGrpSpPr>
+      <p:grpSpPr>
+        <a:xfrm>
+          <a:off x="0" y="0"/>
+          <a:ext cx="0" cy="0"/>
+          <a:chOff x="0" y="0"/>
+          <a:chExt cx="0" cy="0"/>
+        </a:xfrm>
+      </p:grpSpPr>
+      <p:pic>
+        <p:nvPicPr>
+          <p:cNvPr id="4" name="Graphic 1">
+            <a:extLst>
+              <a:ext uri="{FF2B5EF4-FFF2-40B4-BE49-F238E27FC236}">
+                <a16:creationId xmlns:a16="http://schemas.microsoft.com/office/drawing/2014/main" id="{D4E2A8A5-7B9A-9FCE-2C0C-40115BB72542}"/>
+              </a:ext>
+            </a:extLst>
+          </p:cNvPr>
+          <p:cNvPicPr>
+            <a:picLocks noChangeAspect="1"/>
+          </p:cNvPicPr>
+          <p:nvPr/>
+        </p:nvPicPr>
+        <p:blipFill>
+          <a:blip r:embed="rId3">
+            <a:extLst>
+              <a:ext uri="{28A0092B-C50C-407E-A947-70E740481C1C}">
+                <a14:useLocalDpi xmlns:a14="http://schemas.microsoft.com/office/drawing/2010/main" val="0"/>
+              </a:ext>
+              <a:ext uri="{96DAC541-7B7A-43D3-8B79-37D633B846F1}">
+                <asvg:svgBlip xmlns:asvg="http://schemas.microsoft.com/office/drawing/2016/SVG/main" r:embed="rId4"/>
+              </a:ext>
+            </a:extLst>
+          </a:blip>
+          <a:stretch>
+            <a:fillRect/>
+          </a:stretch>
+        </p:blipFill>
+        <p:spPr>
+          <a:xfrm>
+            <a:off x="160961" y="133521"/>
+            <a:ext cx="2371620" cy="485811"/>
+          </a:xfrm>
+          <a:prstGeom prst="rect">
+            <a:avLst/>
+          </a:prstGeom>
+        </p:spPr>
+      </p:pic>
+      <p:sp>
+        <p:nvSpPr>
+          <p:cNvPr id="6" name="TextBox 5">
+            <a:extLst>
+              <a:ext uri="{FF2B5EF4-FFF2-40B4-BE49-F238E27FC236}">
+                <a16:creationId xmlns:a16="http://schemas.microsoft.com/office/drawing/2014/main" id="{4BF11305-FC23-954B-7998-B1257FEE9257}"/>
+              </a:ext>
+            </a:extLst>
+          </p:cNvPr>
+          <p:cNvSpPr txBox="1"/>
+          <p:nvPr/>
+        </p:nvSpPr>
+        <p:spPr>
+          <a:xfrm>
+            <a:off x="66782" y="6529608"/>
+            <a:ext cx="10986501" cy="230832"/>
+          </a:xfrm>
+          <a:prstGeom prst="rect">
+            <a:avLst/>
+          </a:prstGeom>
+          <a:noFill/>
+        </p:spPr>
+        <p:txBody>
+          <a:bodyPr wrap="square">
+            <a:spAutoFit/>
+          </a:bodyPr>
+          <a:lstStyle/>
+          <a:p>
+            <a:r>
+              <a:rPr lang="de-DE" sz="900" dirty="0"/>
+              <a:t>Markov-Analyse &amp; Interview| WiSe 2023/24 I Hochschule Bielefeld I Linus Langenkamp, Jolan Eggers, Nicolas Schneider, Redouane Kabouchi I 03.11.2023 I Seite </a:t>
+            </a:r>
+            <a:fld id="{8665FA59-C0FE-4AB6-AD99-2451632B0EBE}" type="slidenum">
+              <a:rPr lang="de-DE" sz="900" smtClean="0"/>
+              <a:t>12</a:t>
+            </a:fld>
+            <a:endParaRPr lang="de-DE" sz="900" dirty="0"/>
+          </a:p>
+        </p:txBody>
+      </p:sp>
+      <p:sp>
+        <p:nvSpPr>
+          <p:cNvPr id="7" name="Title 1">
+            <a:extLst>
+              <a:ext uri="{FF2B5EF4-FFF2-40B4-BE49-F238E27FC236}">
+                <a16:creationId xmlns:a16="http://schemas.microsoft.com/office/drawing/2014/main" id="{C134D3AA-85CE-FCC6-6499-8202E6096899}"/>
+              </a:ext>
+            </a:extLst>
+          </p:cNvPr>
+          <p:cNvSpPr txBox="1">
+            <a:spLocks/>
+          </p:cNvSpPr>
+          <p:nvPr/>
+        </p:nvSpPr>
+        <p:spPr>
+          <a:xfrm>
+            <a:off x="738026" y="912189"/>
+            <a:ext cx="9144000" cy="626836"/>
+          </a:xfrm>
+          <a:prstGeom prst="rect">
+            <a:avLst/>
+          </a:prstGeom>
+        </p:spPr>
+        <p:txBody>
+          <a:bodyPr vert="horz" lIns="91440" tIns="45720" rIns="91440" bIns="45720" rtlCol="0" anchor="b">
+            <a:normAutofit/>
+          </a:bodyPr>
+          <a:lstStyle>
+            <a:lvl1pPr algn="ctr" defTabSz="914400" rtl="0" eaLnBrk="1" latinLnBrk="0" hangingPunct="1">
+              <a:lnSpc>
+                <a:spcPct val="90000"/>
+              </a:lnSpc>
+              <a:spcBef>
+                <a:spcPct val="0"/>
+              </a:spcBef>
+              <a:buNone/>
+              <a:defRPr sz="6000" kern="1200">
+                <a:solidFill>
+                  <a:schemeClr val="tx1"/>
+                </a:solidFill>
+                <a:latin typeface="+mj-lt"/>
+                <a:ea typeface="+mj-ea"/>
+                <a:cs typeface="+mj-cs"/>
+              </a:defRPr>
+            </a:lvl1pPr>
+          </a:lstStyle>
+          <a:p>
+            <a:pPr algn="l">
+              <a:lnSpc>
+                <a:spcPct val="100000"/>
+              </a:lnSpc>
+              <a:spcAft>
+                <a:spcPts val="600"/>
+              </a:spcAft>
+            </a:pPr>
+            <a:r>
+              <a:rPr lang="de-DE" sz="2800" b="1" dirty="0">
+                <a:effectLst/>
+                <a:latin typeface="Times New Roman" panose="02020603050405020304" pitchFamily="18" charset="0"/>
+                <a:ea typeface="Times New Roman" panose="02020603050405020304" pitchFamily="18" charset="0"/>
+                <a:cs typeface="Times New Roman" panose="02020603050405020304" pitchFamily="18" charset="0"/>
+              </a:rPr>
+              <a:t>Interview</a:t>
+            </a:r>
+            <a:endParaRPr lang="de-DE" sz="2800" dirty="0"/>
+          </a:p>
+        </p:txBody>
+      </p:sp>
+    </p:spTree>
+    <p:extLst>
+      <p:ext uri="{BB962C8B-B14F-4D97-AF65-F5344CB8AC3E}">
+        <p14:creationId xmlns:p14="http://schemas.microsoft.com/office/powerpoint/2010/main" val="3851463952"/>
+      </p:ext>
+    </p:extLst>
+  </p:cSld>
+  <p:clrMapOvr>
+    <a:masterClrMapping/>
+  </p:clrMapOvr>
+</p:sld>
+</file>
+
+<file path=ppt/slides/slide13.xml><?xml version="1.0" encoding="utf-8"?>
+<p:sld xmlns:a="http://schemas.openxmlformats.org/drawingml/2006/main" xmlns:r="http://schemas.openxmlformats.org/officeDocument/2006/relationships" xmlns:p="http://schemas.openxmlformats.org/presentationml/2006/main">
+  <p:cSld>
+    <p:spTree>
+      <p:nvGrpSpPr>
+        <p:cNvPr id="1" name=""/>
+        <p:cNvGrpSpPr/>
+        <p:nvPr/>
+      </p:nvGrpSpPr>
+      <p:grpSpPr>
+        <a:xfrm>
+          <a:off x="0" y="0"/>
+          <a:ext cx="0" cy="0"/>
+          <a:chOff x="0" y="0"/>
+          <a:chExt cx="0" cy="0"/>
+        </a:xfrm>
+      </p:grpSpPr>
+      <p:pic>
+        <p:nvPicPr>
+          <p:cNvPr id="4" name="Graphic 1">
+            <a:extLst>
+              <a:ext uri="{FF2B5EF4-FFF2-40B4-BE49-F238E27FC236}">
+                <a16:creationId xmlns:a16="http://schemas.microsoft.com/office/drawing/2014/main" id="{D4E2A8A5-7B9A-9FCE-2C0C-40115BB72542}"/>
+              </a:ext>
+            </a:extLst>
+          </p:cNvPr>
+          <p:cNvPicPr>
+            <a:picLocks noChangeAspect="1"/>
+          </p:cNvPicPr>
+          <p:nvPr/>
+        </p:nvPicPr>
+        <p:blipFill>
+          <a:blip r:embed="rId3">
+            <a:extLst>
+              <a:ext uri="{28A0092B-C50C-407E-A947-70E740481C1C}">
+                <a14:useLocalDpi xmlns:a14="http://schemas.microsoft.com/office/drawing/2010/main" val="0"/>
+              </a:ext>
+              <a:ext uri="{96DAC541-7B7A-43D3-8B79-37D633B846F1}">
+                <asvg:svgBlip xmlns:asvg="http://schemas.microsoft.com/office/drawing/2016/SVG/main" r:embed="rId4"/>
+              </a:ext>
+            </a:extLst>
+          </a:blip>
+          <a:stretch>
+            <a:fillRect/>
+          </a:stretch>
+        </p:blipFill>
+        <p:spPr>
+          <a:xfrm>
+            <a:off x="160961" y="133521"/>
+            <a:ext cx="2371620" cy="485811"/>
+          </a:xfrm>
+          <a:prstGeom prst="rect">
+            <a:avLst/>
+          </a:prstGeom>
+        </p:spPr>
+      </p:pic>
+      <p:sp>
+        <p:nvSpPr>
+          <p:cNvPr id="6" name="TextBox 5">
+            <a:extLst>
+              <a:ext uri="{FF2B5EF4-FFF2-40B4-BE49-F238E27FC236}">
+                <a16:creationId xmlns:a16="http://schemas.microsoft.com/office/drawing/2014/main" id="{4BF11305-FC23-954B-7998-B1257FEE9257}"/>
+              </a:ext>
+            </a:extLst>
+          </p:cNvPr>
+          <p:cNvSpPr txBox="1"/>
+          <p:nvPr/>
+        </p:nvSpPr>
+        <p:spPr>
+          <a:xfrm>
+            <a:off x="66782" y="6529608"/>
+            <a:ext cx="10986501" cy="230832"/>
+          </a:xfrm>
+          <a:prstGeom prst="rect">
+            <a:avLst/>
+          </a:prstGeom>
+          <a:noFill/>
+        </p:spPr>
+        <p:txBody>
+          <a:bodyPr wrap="square">
+            <a:spAutoFit/>
+          </a:bodyPr>
+          <a:lstStyle/>
+          <a:p>
+            <a:r>
+              <a:rPr lang="de-DE" sz="900" dirty="0"/>
+              <a:t>Markov-Analyse &amp; Interview| WiSe 2023/24 I Hochschule Bielefeld I Linus Langenkamp, Jolan Eggers, Nicolas Schneider, Redouane Kabouchi I 03.11.2023 I Seite </a:t>
+            </a:r>
+            <a:fld id="{8665FA59-C0FE-4AB6-AD99-2451632B0EBE}" type="slidenum">
+              <a:rPr lang="de-DE" sz="900" smtClean="0"/>
+              <a:t>13</a:t>
+            </a:fld>
+            <a:endParaRPr lang="de-DE" sz="900" dirty="0"/>
+          </a:p>
+        </p:txBody>
+      </p:sp>
+      <p:sp>
+        <p:nvSpPr>
+          <p:cNvPr id="2" name="Title 1">
+            <a:extLst>
+              <a:ext uri="{FF2B5EF4-FFF2-40B4-BE49-F238E27FC236}">
+                <a16:creationId xmlns:a16="http://schemas.microsoft.com/office/drawing/2014/main" id="{28D2C3EC-55E9-763B-9B72-B4BEDD4D53C5}"/>
+              </a:ext>
+            </a:extLst>
+          </p:cNvPr>
+          <p:cNvSpPr>
+            <a:spLocks noGrp="1"/>
+          </p:cNvSpPr>
+          <p:nvPr>
+            <p:ph type="ctrTitle"/>
+          </p:nvPr>
+        </p:nvSpPr>
+        <p:spPr>
+          <a:xfrm>
+            <a:off x="496726" y="1193965"/>
+            <a:ext cx="9144000" cy="485811"/>
+          </a:xfrm>
+        </p:spPr>
+        <p:txBody>
+          <a:bodyPr>
+            <a:normAutofit fontScale="90000"/>
+          </a:bodyPr>
+          <a:lstStyle/>
+          <a:p>
+            <a:pPr algn="l">
+              <a:lnSpc>
+                <a:spcPct val="100000"/>
+              </a:lnSpc>
+              <a:spcAft>
+                <a:spcPts val="600"/>
+              </a:spcAft>
+            </a:pPr>
+            <a:r>
+              <a:rPr lang="de-DE" sz="2800" b="1" dirty="0">
+                <a:latin typeface="Times New Roman" panose="02020603050405020304" pitchFamily="18" charset="0"/>
+                <a:cs typeface="Times New Roman" panose="02020603050405020304" pitchFamily="18" charset="0"/>
+              </a:rPr>
+              <a:t>Quellen</a:t>
+            </a:r>
+          </a:p>
+        </p:txBody>
+      </p:sp>
+      <p:sp>
+        <p:nvSpPr>
+          <p:cNvPr id="3" name="Inhaltsplatzhalter 2">
+            <a:extLst>
+              <a:ext uri="{FF2B5EF4-FFF2-40B4-BE49-F238E27FC236}">
+                <a16:creationId xmlns:a16="http://schemas.microsoft.com/office/drawing/2014/main" id="{E0720874-3C50-C23B-D02A-AB9416B0C989}"/>
+              </a:ext>
+            </a:extLst>
+          </p:cNvPr>
+          <p:cNvSpPr txBox="1">
+            <a:spLocks/>
+          </p:cNvSpPr>
+          <p:nvPr/>
+        </p:nvSpPr>
+        <p:spPr>
+          <a:xfrm>
+            <a:off x="838200" y="1787525"/>
+            <a:ext cx="10515600" cy="4351338"/>
+          </a:xfrm>
+          <a:prstGeom prst="rect">
+            <a:avLst/>
+          </a:prstGeom>
+        </p:spPr>
+        <p:txBody>
+          <a:bodyPr vert="horz" lIns="91440" tIns="45720" rIns="91440" bIns="45720" rtlCol="0">
+            <a:normAutofit/>
+          </a:bodyPr>
+          <a:lstStyle>
+            <a:lvl1pPr marL="0" indent="0" algn="ctr" defTabSz="914400" rtl="0" eaLnBrk="1" latinLnBrk="0" hangingPunct="1">
+              <a:lnSpc>
+                <a:spcPct val="90000"/>
+              </a:lnSpc>
+              <a:spcBef>
+                <a:spcPts val="1000"/>
+              </a:spcBef>
+              <a:buFont typeface="Arial" panose="020B0604020202020204" pitchFamily="34" charset="0"/>
+              <a:buNone/>
+              <a:defRPr sz="2400" kern="1200">
+                <a:solidFill>
+                  <a:schemeClr val="tx1"/>
+                </a:solidFill>
+                <a:latin typeface="+mn-lt"/>
+                <a:ea typeface="+mn-ea"/>
+                <a:cs typeface="+mn-cs"/>
+              </a:defRPr>
+            </a:lvl1pPr>
+            <a:lvl2pPr marL="457200" indent="0" algn="ctr" defTabSz="914400" rtl="0" eaLnBrk="1" latinLnBrk="0" hangingPunct="1">
+              <a:lnSpc>
+                <a:spcPct val="90000"/>
+              </a:lnSpc>
+              <a:spcBef>
+                <a:spcPts val="500"/>
+              </a:spcBef>
+              <a:buFont typeface="Arial" panose="020B0604020202020204" pitchFamily="34" charset="0"/>
+              <a:buNone/>
+              <a:defRPr sz="2000" kern="1200">
+                <a:solidFill>
+                  <a:schemeClr val="tx1"/>
+                </a:solidFill>
+                <a:latin typeface="+mn-lt"/>
+                <a:ea typeface="+mn-ea"/>
+                <a:cs typeface="+mn-cs"/>
+              </a:defRPr>
+            </a:lvl2pPr>
+            <a:lvl3pPr marL="914400" indent="0" algn="ctr" defTabSz="914400" rtl="0" eaLnBrk="1" latinLnBrk="0" hangingPunct="1">
+              <a:lnSpc>
+                <a:spcPct val="90000"/>
+              </a:lnSpc>
+              <a:spcBef>
+                <a:spcPts val="500"/>
+              </a:spcBef>
+              <a:buFont typeface="Arial" panose="020B0604020202020204" pitchFamily="34" charset="0"/>
+              <a:buNone/>
+              <a:defRPr sz="1800" kern="1200">
+                <a:solidFill>
+                  <a:schemeClr val="tx1"/>
+                </a:solidFill>
+                <a:latin typeface="+mn-lt"/>
+                <a:ea typeface="+mn-ea"/>
+                <a:cs typeface="+mn-cs"/>
+              </a:defRPr>
+            </a:lvl3pPr>
+            <a:lvl4pPr marL="1371600" indent="0" algn="ctr" defTabSz="914400" rtl="0" eaLnBrk="1" latinLnBrk="0" hangingPunct="1">
+              <a:lnSpc>
+                <a:spcPct val="90000"/>
+              </a:lnSpc>
+              <a:spcBef>
+                <a:spcPts val="500"/>
+              </a:spcBef>
+              <a:buFont typeface="Arial" panose="020B0604020202020204" pitchFamily="34" charset="0"/>
+              <a:buNone/>
+              <a:defRPr sz="1600" kern="1200">
+                <a:solidFill>
+                  <a:schemeClr val="tx1"/>
+                </a:solidFill>
+                <a:latin typeface="+mn-lt"/>
+                <a:ea typeface="+mn-ea"/>
+                <a:cs typeface="+mn-cs"/>
+              </a:defRPr>
+            </a:lvl4pPr>
+            <a:lvl5pPr marL="1828800" indent="0" algn="ctr" defTabSz="914400" rtl="0" eaLnBrk="1" latinLnBrk="0" hangingPunct="1">
+              <a:lnSpc>
+                <a:spcPct val="90000"/>
+              </a:lnSpc>
+              <a:spcBef>
+                <a:spcPts val="500"/>
+              </a:spcBef>
+              <a:buFont typeface="Arial" panose="020B0604020202020204" pitchFamily="34" charset="0"/>
+              <a:buNone/>
+              <a:defRPr sz="1600" kern="1200">
+                <a:solidFill>
+                  <a:schemeClr val="tx1"/>
+                </a:solidFill>
+                <a:latin typeface="+mn-lt"/>
+                <a:ea typeface="+mn-ea"/>
+                <a:cs typeface="+mn-cs"/>
+              </a:defRPr>
+            </a:lvl5pPr>
+            <a:lvl6pPr marL="2286000" indent="0" algn="ctr" defTabSz="914400" rtl="0" eaLnBrk="1" latinLnBrk="0" hangingPunct="1">
+              <a:lnSpc>
+                <a:spcPct val="90000"/>
+              </a:lnSpc>
+              <a:spcBef>
+                <a:spcPts val="500"/>
+              </a:spcBef>
+              <a:buFont typeface="Arial" panose="020B0604020202020204" pitchFamily="34" charset="0"/>
+              <a:buNone/>
+              <a:defRPr sz="1600" kern="1200">
+                <a:solidFill>
+                  <a:schemeClr val="tx1"/>
+                </a:solidFill>
+                <a:latin typeface="+mn-lt"/>
+                <a:ea typeface="+mn-ea"/>
+                <a:cs typeface="+mn-cs"/>
+              </a:defRPr>
+            </a:lvl6pPr>
+            <a:lvl7pPr marL="2743200" indent="0" algn="ctr" defTabSz="914400" rtl="0" eaLnBrk="1" latinLnBrk="0" hangingPunct="1">
+              <a:lnSpc>
+                <a:spcPct val="90000"/>
+              </a:lnSpc>
+              <a:spcBef>
+                <a:spcPts val="500"/>
+              </a:spcBef>
+              <a:buFont typeface="Arial" panose="020B0604020202020204" pitchFamily="34" charset="0"/>
+              <a:buNone/>
+              <a:defRPr sz="1600" kern="1200">
+                <a:solidFill>
+                  <a:schemeClr val="tx1"/>
+                </a:solidFill>
+                <a:latin typeface="+mn-lt"/>
+                <a:ea typeface="+mn-ea"/>
+                <a:cs typeface="+mn-cs"/>
+              </a:defRPr>
+            </a:lvl7pPr>
+            <a:lvl8pPr marL="3200400" indent="0" algn="ctr" defTabSz="914400" rtl="0" eaLnBrk="1" latinLnBrk="0" hangingPunct="1">
+              <a:lnSpc>
+                <a:spcPct val="90000"/>
+              </a:lnSpc>
+              <a:spcBef>
+                <a:spcPts val="500"/>
+              </a:spcBef>
+              <a:buFont typeface="Arial" panose="020B0604020202020204" pitchFamily="34" charset="0"/>
+              <a:buNone/>
+              <a:defRPr sz="1600" kern="1200">
+                <a:solidFill>
+                  <a:schemeClr val="tx1"/>
+                </a:solidFill>
+                <a:latin typeface="+mn-lt"/>
+                <a:ea typeface="+mn-ea"/>
+                <a:cs typeface="+mn-cs"/>
+              </a:defRPr>
+            </a:lvl8pPr>
+            <a:lvl9pPr marL="3657600" indent="0" algn="ctr" defTabSz="914400" rtl="0" eaLnBrk="1" latinLnBrk="0" hangingPunct="1">
+              <a:lnSpc>
+                <a:spcPct val="90000"/>
+              </a:lnSpc>
+              <a:spcBef>
+                <a:spcPts val="500"/>
+              </a:spcBef>
+              <a:buFont typeface="Arial" panose="020B0604020202020204" pitchFamily="34" charset="0"/>
+              <a:buNone/>
+              <a:defRPr sz="1600" kern="1200">
+                <a:solidFill>
+                  <a:schemeClr val="tx1"/>
+                </a:solidFill>
+                <a:latin typeface="+mn-lt"/>
+                <a:ea typeface="+mn-ea"/>
+                <a:cs typeface="+mn-cs"/>
+              </a:defRPr>
+            </a:lvl9pPr>
+          </a:lstStyle>
+          <a:p>
+            <a:pPr algn="l">
+              <a:buFont typeface="Arial" panose="020B0604020202020204" pitchFamily="34" charset="0"/>
+              <a:buChar char="•"/>
+            </a:pPr>
+            <a:r>
+              <a:rPr lang="de-DE" sz="2000" dirty="0">
+                <a:latin typeface="Times New Roman" panose="02020603050405020304" pitchFamily="18" charset="0"/>
+                <a:cs typeface="Times New Roman" panose="02020603050405020304" pitchFamily="18" charset="0"/>
+              </a:rPr>
+              <a:t>https://www.datacamp.com/tutorial/markov-chains-python-tutorial</a:t>
+            </a:r>
+          </a:p>
+        </p:txBody>
+      </p:sp>
+    </p:spTree>
+    <p:extLst>
+      <p:ext uri="{BB962C8B-B14F-4D97-AF65-F5344CB8AC3E}">
+        <p14:creationId xmlns:p14="http://schemas.microsoft.com/office/powerpoint/2010/main" val="311917685"/>
       </p:ext>
     </p:extLst>
   </p:cSld>
@@ -5459,31 +7339,50 @@
       </p:sp>
       <p:sp>
         <p:nvSpPr>
-          <p:cNvPr id="2" name="Title 1">
+          <p:cNvPr id="7" name="Title 1">
             <a:extLst>
               <a:ext uri="{FF2B5EF4-FFF2-40B4-BE49-F238E27FC236}">
-                <a16:creationId xmlns:a16="http://schemas.microsoft.com/office/drawing/2014/main" id="{28D2C3EC-55E9-763B-9B72-B4BEDD4D53C5}"/>
+                <a16:creationId xmlns:a16="http://schemas.microsoft.com/office/drawing/2014/main" id="{C134D3AA-85CE-FCC6-6499-8202E6096899}"/>
               </a:ext>
             </a:extLst>
           </p:cNvPr>
-          <p:cNvSpPr>
-            <a:spLocks noGrp="1"/>
+          <p:cNvSpPr txBox="1">
+            <a:spLocks/>
           </p:cNvSpPr>
-          <p:nvPr>
-            <p:ph type="ctrTitle"/>
-          </p:nvPr>
+          <p:nvPr/>
         </p:nvSpPr>
         <p:spPr>
           <a:xfrm>
-            <a:off x="496726" y="1193965"/>
-            <a:ext cx="9144000" cy="485811"/>
+            <a:off x="738026" y="912189"/>
+            <a:ext cx="9144000" cy="626836"/>
           </a:xfrm>
+          <a:prstGeom prst="rect">
+            <a:avLst/>
+          </a:prstGeom>
         </p:spPr>
         <p:txBody>
-          <a:bodyPr>
-            <a:normAutofit fontScale="90000"/>
+          <a:bodyPr vert="horz" lIns="91440" tIns="45720" rIns="91440" bIns="45720" rtlCol="0" anchor="b">
+            <a:normAutofit/>
           </a:bodyPr>
-          <a:lstStyle/>
+          <a:lstStyle>
+            <a:lvl1pPr algn="ctr" defTabSz="914400" rtl="0" eaLnBrk="1" latinLnBrk="0" hangingPunct="1">
+              <a:lnSpc>
+                <a:spcPct val="90000"/>
+              </a:lnSpc>
+              <a:spcBef>
+                <a:spcPct val="0"/>
+              </a:spcBef>
+              <a:buNone/>
+              <a:defRPr sz="6000" kern="1200">
+                <a:solidFill>
+                  <a:schemeClr val="tx1"/>
+                </a:solidFill>
+                <a:latin typeface="+mj-lt"/>
+                <a:ea typeface="+mj-ea"/>
+                <a:cs typeface="+mj-cs"/>
+              </a:defRPr>
+            </a:lvl1pPr>
+          </a:lstStyle>
           <a:p>
             <a:pPr algn="l">
               <a:lnSpc>
@@ -5495,20 +7394,179 @@
             </a:pPr>
             <a:r>
               <a:rPr lang="de-DE" sz="2800" b="1" dirty="0">
+                <a:effectLst/>
                 <a:latin typeface="Times New Roman" panose="02020603050405020304" pitchFamily="18" charset="0"/>
+                <a:ea typeface="Times New Roman" panose="02020603050405020304" pitchFamily="18" charset="0"/>
                 <a:cs typeface="Times New Roman" panose="02020603050405020304" pitchFamily="18" charset="0"/>
               </a:rPr>
-              <a:t>Quellen</a:t>
-            </a:r>
+              <a:t>Markov-Kette - Klassisch</a:t>
+            </a:r>
+            <a:endParaRPr lang="de-DE" sz="2800" dirty="0"/>
+          </a:p>
+        </p:txBody>
+      </p:sp>
+      <p:pic>
+        <p:nvPicPr>
+          <p:cNvPr id="22" name="Picture 2" descr="chart">
+            <a:extLst>
+              <a:ext uri="{FF2B5EF4-FFF2-40B4-BE49-F238E27FC236}">
+                <a16:creationId xmlns:a16="http://schemas.microsoft.com/office/drawing/2014/main" id="{8C0A8098-D33A-D790-3229-2B26A2D8FA97}"/>
+              </a:ext>
+            </a:extLst>
+          </p:cNvPr>
+          <p:cNvPicPr>
+            <a:picLocks noChangeAspect="1" noChangeArrowheads="1"/>
+          </p:cNvPicPr>
+          <p:nvPr/>
+        </p:nvPicPr>
+        <p:blipFill>
+          <a:blip r:embed="rId5">
+            <a:extLst>
+              <a:ext uri="{28A0092B-C50C-407E-A947-70E740481C1C}">
+                <a14:useLocalDpi xmlns:a14="http://schemas.microsoft.com/office/drawing/2010/main" val="0"/>
+              </a:ext>
+            </a:extLst>
+          </a:blip>
+          <a:srcRect/>
+          <a:stretch>
+            <a:fillRect/>
+          </a:stretch>
+        </p:blipFill>
+        <p:spPr bwMode="auto">
+          <a:xfrm>
+            <a:off x="1947196" y="2305888"/>
+            <a:ext cx="4472654" cy="3304027"/>
+          </a:xfrm>
+          <a:prstGeom prst="rect">
+            <a:avLst/>
+          </a:prstGeom>
+          <a:noFill/>
+          <a:extLst>
+            <a:ext uri="{909E8E84-426E-40DD-AFC4-6F175D3DCCD1}">
+              <a14:hiddenFill xmlns:a14="http://schemas.microsoft.com/office/drawing/2010/main">
+                <a:solidFill>
+                  <a:srgbClr val="FFFFFF"/>
+                </a:solidFill>
+              </a14:hiddenFill>
+            </a:ext>
+          </a:extLst>
+        </p:spPr>
+      </p:pic>
+    </p:spTree>
+    <p:extLst>
+      <p:ext uri="{BB962C8B-B14F-4D97-AF65-F5344CB8AC3E}">
+        <p14:creationId xmlns:p14="http://schemas.microsoft.com/office/powerpoint/2010/main" val="4057812189"/>
+      </p:ext>
+    </p:extLst>
+  </p:cSld>
+  <p:clrMapOvr>
+    <a:masterClrMapping/>
+  </p:clrMapOvr>
+</p:sld>
+</file>
+
+<file path=ppt/slides/slide4.xml><?xml version="1.0" encoding="utf-8"?>
+<p:sld xmlns:a="http://schemas.openxmlformats.org/drawingml/2006/main" xmlns:r="http://schemas.openxmlformats.org/officeDocument/2006/relationships" xmlns:p="http://schemas.openxmlformats.org/presentationml/2006/main">
+  <p:cSld>
+    <p:spTree>
+      <p:nvGrpSpPr>
+        <p:cNvPr id="1" name=""/>
+        <p:cNvGrpSpPr/>
+        <p:nvPr/>
+      </p:nvGrpSpPr>
+      <p:grpSpPr>
+        <a:xfrm>
+          <a:off x="0" y="0"/>
+          <a:ext cx="0" cy="0"/>
+          <a:chOff x="0" y="0"/>
+          <a:chExt cx="0" cy="0"/>
+        </a:xfrm>
+      </p:grpSpPr>
+      <p:pic>
+        <p:nvPicPr>
+          <p:cNvPr id="4" name="Graphic 1">
+            <a:extLst>
+              <a:ext uri="{FF2B5EF4-FFF2-40B4-BE49-F238E27FC236}">
+                <a16:creationId xmlns:a16="http://schemas.microsoft.com/office/drawing/2014/main" id="{D4E2A8A5-7B9A-9FCE-2C0C-40115BB72542}"/>
+              </a:ext>
+            </a:extLst>
+          </p:cNvPr>
+          <p:cNvPicPr>
+            <a:picLocks noChangeAspect="1"/>
+          </p:cNvPicPr>
+          <p:nvPr/>
+        </p:nvPicPr>
+        <p:blipFill>
+          <a:blip r:embed="rId3">
+            <a:extLst>
+              <a:ext uri="{28A0092B-C50C-407E-A947-70E740481C1C}">
+                <a14:useLocalDpi xmlns:a14="http://schemas.microsoft.com/office/drawing/2010/main" val="0"/>
+              </a:ext>
+              <a:ext uri="{96DAC541-7B7A-43D3-8B79-37D633B846F1}">
+                <asvg:svgBlip xmlns:asvg="http://schemas.microsoft.com/office/drawing/2016/SVG/main" r:embed="rId4"/>
+              </a:ext>
+            </a:extLst>
+          </a:blip>
+          <a:stretch>
+            <a:fillRect/>
+          </a:stretch>
+        </p:blipFill>
+        <p:spPr>
+          <a:xfrm>
+            <a:off x="160961" y="133521"/>
+            <a:ext cx="2371620" cy="485811"/>
+          </a:xfrm>
+          <a:prstGeom prst="rect">
+            <a:avLst/>
+          </a:prstGeom>
+        </p:spPr>
+      </p:pic>
+      <p:sp>
+        <p:nvSpPr>
+          <p:cNvPr id="6" name="TextBox 5">
+            <a:extLst>
+              <a:ext uri="{FF2B5EF4-FFF2-40B4-BE49-F238E27FC236}">
+                <a16:creationId xmlns:a16="http://schemas.microsoft.com/office/drawing/2014/main" id="{4BF11305-FC23-954B-7998-B1257FEE9257}"/>
+              </a:ext>
+            </a:extLst>
+          </p:cNvPr>
+          <p:cNvSpPr txBox="1"/>
+          <p:nvPr/>
+        </p:nvSpPr>
+        <p:spPr>
+          <a:xfrm>
+            <a:off x="66782" y="6529608"/>
+            <a:ext cx="10986501" cy="230832"/>
+          </a:xfrm>
+          <a:prstGeom prst="rect">
+            <a:avLst/>
+          </a:prstGeom>
+          <a:noFill/>
+        </p:spPr>
+        <p:txBody>
+          <a:bodyPr wrap="square">
+            <a:spAutoFit/>
+          </a:bodyPr>
+          <a:lstStyle/>
+          <a:p>
+            <a:r>
+              <a:rPr lang="de-DE" sz="900" dirty="0"/>
+              <a:t>Markov-Analyse &amp; Interview| WiSe 2023/24 I Hochschule Bielefeld I Linus Langenkamp, Jolan Eggers, Nicolas Schneider, Redouane Kabouchi I 03.11.2023 I Seite </a:t>
+            </a:r>
+            <a:fld id="{8665FA59-C0FE-4AB6-AD99-2451632B0EBE}" type="slidenum">
+              <a:rPr lang="de-DE" sz="900" smtClean="0"/>
+              <a:t>4</a:t>
+            </a:fld>
+            <a:endParaRPr lang="de-DE" sz="900" dirty="0"/>
           </a:p>
         </p:txBody>
       </p:sp>
       <p:sp>
         <p:nvSpPr>
-          <p:cNvPr id="3" name="Inhaltsplatzhalter 2">
+          <p:cNvPr id="7" name="Title 1">
             <a:extLst>
               <a:ext uri="{FF2B5EF4-FFF2-40B4-BE49-F238E27FC236}">
-                <a16:creationId xmlns:a16="http://schemas.microsoft.com/office/drawing/2014/main" id="{E0720874-3C50-C23B-D02A-AB9416B0C989}"/>
+                <a16:creationId xmlns:a16="http://schemas.microsoft.com/office/drawing/2014/main" id="{C134D3AA-85CE-FCC6-6499-8202E6096899}"/>
               </a:ext>
             </a:extLst>
           </p:cNvPr>
@@ -5519,200 +7577,6971 @@
         </p:nvSpPr>
         <p:spPr>
           <a:xfrm>
-            <a:off x="838200" y="1787525"/>
-            <a:ext cx="10515600" cy="4351338"/>
+            <a:off x="738026" y="912189"/>
+            <a:ext cx="9144000" cy="626836"/>
           </a:xfrm>
           <a:prstGeom prst="rect">
             <a:avLst/>
           </a:prstGeom>
         </p:spPr>
         <p:txBody>
-          <a:bodyPr vert="horz" lIns="91440" tIns="45720" rIns="91440" bIns="45720" rtlCol="0">
+          <a:bodyPr vert="horz" lIns="91440" tIns="45720" rIns="91440" bIns="45720" rtlCol="0" anchor="b">
             <a:normAutofit/>
           </a:bodyPr>
           <a:lstStyle>
-            <a:lvl1pPr marL="0" indent="0" algn="ctr" defTabSz="914400" rtl="0" eaLnBrk="1" latinLnBrk="0" hangingPunct="1">
+            <a:lvl1pPr algn="ctr" defTabSz="914400" rtl="0" eaLnBrk="1" latinLnBrk="0" hangingPunct="1">
               <a:lnSpc>
                 <a:spcPct val="90000"/>
               </a:lnSpc>
               <a:spcBef>
-                <a:spcPts val="1000"/>
+                <a:spcPct val="0"/>
               </a:spcBef>
-              <a:buFont typeface="Arial" panose="020B0604020202020204" pitchFamily="34" charset="0"/>
               <a:buNone/>
-              <a:defRPr sz="2400" kern="1200">
+              <a:defRPr sz="6000" kern="1200">
                 <a:solidFill>
                   <a:schemeClr val="tx1"/>
                 </a:solidFill>
-                <a:latin typeface="+mn-lt"/>
-                <a:ea typeface="+mn-ea"/>
-                <a:cs typeface="+mn-cs"/>
+                <a:latin typeface="+mj-lt"/>
+                <a:ea typeface="+mj-ea"/>
+                <a:cs typeface="+mj-cs"/>
               </a:defRPr>
             </a:lvl1pPr>
-            <a:lvl2pPr marL="457200" indent="0" algn="ctr" defTabSz="914400" rtl="0" eaLnBrk="1" latinLnBrk="0" hangingPunct="1">
+          </a:lstStyle>
+          <a:p>
+            <a:pPr algn="l">
               <a:lnSpc>
-                <a:spcPct val="90000"/>
+                <a:spcPct val="100000"/>
               </a:lnSpc>
-              <a:spcBef>
-                <a:spcPts val="500"/>
-              </a:spcBef>
-              <a:buFont typeface="Arial" panose="020B0604020202020204" pitchFamily="34" charset="0"/>
-              <a:buNone/>
-              <a:defRPr sz="2000" kern="1200">
-                <a:solidFill>
-                  <a:schemeClr val="tx1"/>
-                </a:solidFill>
-                <a:latin typeface="+mn-lt"/>
-                <a:ea typeface="+mn-ea"/>
-                <a:cs typeface="+mn-cs"/>
-              </a:defRPr>
-            </a:lvl2pPr>
-            <a:lvl3pPr marL="914400" indent="0" algn="ctr" defTabSz="914400" rtl="0" eaLnBrk="1" latinLnBrk="0" hangingPunct="1">
-              <a:lnSpc>
-                <a:spcPct val="90000"/>
-              </a:lnSpc>
-              <a:spcBef>
-                <a:spcPts val="500"/>
-              </a:spcBef>
-              <a:buFont typeface="Arial" panose="020B0604020202020204" pitchFamily="34" charset="0"/>
-              <a:buNone/>
-              <a:defRPr sz="1800" kern="1200">
-                <a:solidFill>
-                  <a:schemeClr val="tx1"/>
-                </a:solidFill>
-                <a:latin typeface="+mn-lt"/>
-                <a:ea typeface="+mn-ea"/>
-                <a:cs typeface="+mn-cs"/>
-              </a:defRPr>
-            </a:lvl3pPr>
-            <a:lvl4pPr marL="1371600" indent="0" algn="ctr" defTabSz="914400" rtl="0" eaLnBrk="1" latinLnBrk="0" hangingPunct="1">
-              <a:lnSpc>
-                <a:spcPct val="90000"/>
-              </a:lnSpc>
-              <a:spcBef>
-                <a:spcPts val="500"/>
-              </a:spcBef>
-              <a:buFont typeface="Arial" panose="020B0604020202020204" pitchFamily="34" charset="0"/>
-              <a:buNone/>
-              <a:defRPr sz="1600" kern="1200">
-                <a:solidFill>
-                  <a:schemeClr val="tx1"/>
-                </a:solidFill>
-                <a:latin typeface="+mn-lt"/>
-                <a:ea typeface="+mn-ea"/>
-                <a:cs typeface="+mn-cs"/>
-              </a:defRPr>
-            </a:lvl4pPr>
-            <a:lvl5pPr marL="1828800" indent="0" algn="ctr" defTabSz="914400" rtl="0" eaLnBrk="1" latinLnBrk="0" hangingPunct="1">
-              <a:lnSpc>
-                <a:spcPct val="90000"/>
-              </a:lnSpc>
-              <a:spcBef>
-                <a:spcPts val="500"/>
-              </a:spcBef>
-              <a:buFont typeface="Arial" panose="020B0604020202020204" pitchFamily="34" charset="0"/>
-              <a:buNone/>
-              <a:defRPr sz="1600" kern="1200">
-                <a:solidFill>
-                  <a:schemeClr val="tx1"/>
-                </a:solidFill>
-                <a:latin typeface="+mn-lt"/>
-                <a:ea typeface="+mn-ea"/>
-                <a:cs typeface="+mn-cs"/>
-              </a:defRPr>
-            </a:lvl5pPr>
-            <a:lvl6pPr marL="2286000" indent="0" algn="ctr" defTabSz="914400" rtl="0" eaLnBrk="1" latinLnBrk="0" hangingPunct="1">
-              <a:lnSpc>
-                <a:spcPct val="90000"/>
-              </a:lnSpc>
-              <a:spcBef>
-                <a:spcPts val="500"/>
-              </a:spcBef>
-              <a:buFont typeface="Arial" panose="020B0604020202020204" pitchFamily="34" charset="0"/>
-              <a:buNone/>
-              <a:defRPr sz="1600" kern="1200">
-                <a:solidFill>
-                  <a:schemeClr val="tx1"/>
-                </a:solidFill>
-                <a:latin typeface="+mn-lt"/>
-                <a:ea typeface="+mn-ea"/>
-                <a:cs typeface="+mn-cs"/>
-              </a:defRPr>
-            </a:lvl6pPr>
-            <a:lvl7pPr marL="2743200" indent="0" algn="ctr" defTabSz="914400" rtl="0" eaLnBrk="1" latinLnBrk="0" hangingPunct="1">
-              <a:lnSpc>
-                <a:spcPct val="90000"/>
-              </a:lnSpc>
-              <a:spcBef>
-                <a:spcPts val="500"/>
-              </a:spcBef>
-              <a:buFont typeface="Arial" panose="020B0604020202020204" pitchFamily="34" charset="0"/>
-              <a:buNone/>
-              <a:defRPr sz="1600" kern="1200">
-                <a:solidFill>
-                  <a:schemeClr val="tx1"/>
-                </a:solidFill>
-                <a:latin typeface="+mn-lt"/>
-                <a:ea typeface="+mn-ea"/>
-                <a:cs typeface="+mn-cs"/>
-              </a:defRPr>
-            </a:lvl7pPr>
-            <a:lvl8pPr marL="3200400" indent="0" algn="ctr" defTabSz="914400" rtl="0" eaLnBrk="1" latinLnBrk="0" hangingPunct="1">
-              <a:lnSpc>
-                <a:spcPct val="90000"/>
-              </a:lnSpc>
-              <a:spcBef>
-                <a:spcPts val="500"/>
-              </a:spcBef>
-              <a:buFont typeface="Arial" panose="020B0604020202020204" pitchFamily="34" charset="0"/>
-              <a:buNone/>
-              <a:defRPr sz="1600" kern="1200">
-                <a:solidFill>
-                  <a:schemeClr val="tx1"/>
-                </a:solidFill>
-                <a:latin typeface="+mn-lt"/>
-                <a:ea typeface="+mn-ea"/>
-                <a:cs typeface="+mn-cs"/>
-              </a:defRPr>
-            </a:lvl8pPr>
-            <a:lvl9pPr marL="3657600" indent="0" algn="ctr" defTabSz="914400" rtl="0" eaLnBrk="1" latinLnBrk="0" hangingPunct="1">
-              <a:lnSpc>
-                <a:spcPct val="90000"/>
-              </a:lnSpc>
-              <a:spcBef>
-                <a:spcPts val="500"/>
-              </a:spcBef>
-              <a:buFont typeface="Arial" panose="020B0604020202020204" pitchFamily="34" charset="0"/>
-              <a:buNone/>
-              <a:defRPr sz="1600" kern="1200">
-                <a:solidFill>
-                  <a:schemeClr val="tx1"/>
-                </a:solidFill>
-                <a:latin typeface="+mn-lt"/>
-                <a:ea typeface="+mn-ea"/>
-                <a:cs typeface="+mn-cs"/>
-              </a:defRPr>
-            </a:lvl9pPr>
-          </a:lstStyle>
-          <a:p>
-            <a:pPr algn="l">
-              <a:buFont typeface="Arial" panose="020B0604020202020204" pitchFamily="34" charset="0"/>
-              <a:buChar char="•"/>
+              <a:spcAft>
+                <a:spcPts val="600"/>
+              </a:spcAft>
             </a:pPr>
             <a:r>
-              <a:rPr lang="de-DE" sz="2000" dirty="0">
+              <a:rPr lang="de-DE" sz="2800" b="1" dirty="0">
+                <a:effectLst/>
                 <a:latin typeface="Times New Roman" panose="02020603050405020304" pitchFamily="18" charset="0"/>
+                <a:ea typeface="Times New Roman" panose="02020603050405020304" pitchFamily="18" charset="0"/>
                 <a:cs typeface="Times New Roman" panose="02020603050405020304" pitchFamily="18" charset="0"/>
               </a:rPr>
-              <a:t>https://www.datacamp.com/tutorial/markov-chains-python-tutorial</a:t>
-            </a:r>
+              <a:t>Markov-Kette - Klassisch</a:t>
+            </a:r>
+            <a:endParaRPr lang="de-DE" sz="2800" dirty="0"/>
+          </a:p>
+        </p:txBody>
+      </p:sp>
+      <p:pic>
+        <p:nvPicPr>
+          <p:cNvPr id="22" name="Picture 2" descr="chart">
+            <a:extLst>
+              <a:ext uri="{FF2B5EF4-FFF2-40B4-BE49-F238E27FC236}">
+                <a16:creationId xmlns:a16="http://schemas.microsoft.com/office/drawing/2014/main" id="{8C0A8098-D33A-D790-3229-2B26A2D8FA97}"/>
+              </a:ext>
+            </a:extLst>
+          </p:cNvPr>
+          <p:cNvPicPr>
+            <a:picLocks noChangeAspect="1" noChangeArrowheads="1"/>
+          </p:cNvPicPr>
+          <p:nvPr/>
+        </p:nvPicPr>
+        <p:blipFill>
+          <a:blip r:embed="rId5">
+            <a:extLst>
+              <a:ext uri="{28A0092B-C50C-407E-A947-70E740481C1C}">
+                <a14:useLocalDpi xmlns:a14="http://schemas.microsoft.com/office/drawing/2010/main" val="0"/>
+              </a:ext>
+            </a:extLst>
+          </a:blip>
+          <a:srcRect/>
+          <a:stretch>
+            <a:fillRect/>
+          </a:stretch>
+        </p:blipFill>
+        <p:spPr bwMode="auto">
+          <a:xfrm>
+            <a:off x="1947196" y="2305888"/>
+            <a:ext cx="4472654" cy="3304027"/>
+          </a:xfrm>
+          <a:prstGeom prst="rect">
+            <a:avLst/>
+          </a:prstGeom>
+          <a:noFill/>
+          <a:extLst>
+            <a:ext uri="{909E8E84-426E-40DD-AFC4-6F175D3DCCD1}">
+              <a14:hiddenFill xmlns:a14="http://schemas.microsoft.com/office/drawing/2010/main">
+                <a:solidFill>
+                  <a:srgbClr val="FFFFFF"/>
+                </a:solidFill>
+              </a14:hiddenFill>
+            </a:ext>
+          </a:extLst>
+        </p:spPr>
+      </p:pic>
+      <p:sp>
+        <p:nvSpPr>
+          <p:cNvPr id="2" name="Pfeil: nach rechts 1">
+            <a:extLst>
+              <a:ext uri="{FF2B5EF4-FFF2-40B4-BE49-F238E27FC236}">
+                <a16:creationId xmlns:a16="http://schemas.microsoft.com/office/drawing/2014/main" id="{F5311FD6-018B-91CF-9D67-909608182608}"/>
+              </a:ext>
+            </a:extLst>
+          </p:cNvPr>
+          <p:cNvSpPr/>
+          <p:nvPr/>
+        </p:nvSpPr>
+        <p:spPr>
+          <a:xfrm>
+            <a:off x="6753225" y="3429000"/>
+            <a:ext cx="1876425" cy="1200150"/>
+          </a:xfrm>
+          <a:prstGeom prst="rightArrow">
+            <a:avLst/>
+          </a:prstGeom>
+        </p:spPr>
+        <p:style>
+          <a:lnRef idx="2">
+            <a:schemeClr val="accent1">
+              <a:shade val="15000"/>
+            </a:schemeClr>
+          </a:lnRef>
+          <a:fillRef idx="1">
+            <a:schemeClr val="accent1"/>
+          </a:fillRef>
+          <a:effectRef idx="0">
+            <a:schemeClr val="accent1"/>
+          </a:effectRef>
+          <a:fontRef idx="minor">
+            <a:schemeClr val="lt1"/>
+          </a:fontRef>
+        </p:style>
+        <p:txBody>
+          <a:bodyPr rtlCol="0" anchor="ctr"/>
+          <a:lstStyle/>
+          <a:p>
+            <a:pPr algn="ctr"/>
+            <a:endParaRPr lang="de-DE"/>
+          </a:p>
+        </p:txBody>
+      </p:sp>
+      <p:pic>
+        <p:nvPicPr>
+          <p:cNvPr id="3" name="Grafik 2">
+            <a:extLst>
+              <a:ext uri="{FF2B5EF4-FFF2-40B4-BE49-F238E27FC236}">
+                <a16:creationId xmlns:a16="http://schemas.microsoft.com/office/drawing/2014/main" id="{CDC16EBC-81A9-2A6A-263D-92DA241B3D5E}"/>
+              </a:ext>
+            </a:extLst>
+          </p:cNvPr>
+          <p:cNvPicPr>
+            <a:picLocks noChangeAspect="1"/>
+          </p:cNvPicPr>
+          <p:nvPr/>
+        </p:nvPicPr>
+        <p:blipFill>
+          <a:blip r:embed="rId6"/>
+          <a:stretch>
+            <a:fillRect/>
+          </a:stretch>
+        </p:blipFill>
+        <p:spPr>
+          <a:xfrm>
+            <a:off x="8875642" y="2944180"/>
+            <a:ext cx="2896276" cy="2199320"/>
+          </a:xfrm>
+          <a:prstGeom prst="rect">
+            <a:avLst/>
+          </a:prstGeom>
+        </p:spPr>
+      </p:pic>
+      <p:sp>
+        <p:nvSpPr>
+          <p:cNvPr id="5" name="Textfeld 4">
+            <a:extLst>
+              <a:ext uri="{FF2B5EF4-FFF2-40B4-BE49-F238E27FC236}">
+                <a16:creationId xmlns:a16="http://schemas.microsoft.com/office/drawing/2014/main" id="{D550C7DA-5A99-3A72-159F-A70769C46B90}"/>
+              </a:ext>
+            </a:extLst>
+          </p:cNvPr>
+          <p:cNvSpPr txBox="1"/>
+          <p:nvPr/>
+        </p:nvSpPr>
+        <p:spPr>
+          <a:xfrm>
+            <a:off x="9077325" y="828675"/>
+            <a:ext cx="2347950" cy="1200329"/>
+          </a:xfrm>
+          <a:prstGeom prst="rect">
+            <a:avLst/>
+          </a:prstGeom>
+          <a:noFill/>
+        </p:spPr>
+        <p:txBody>
+          <a:bodyPr wrap="none" rtlCol="0">
+            <a:spAutoFit/>
+          </a:bodyPr>
+          <a:lstStyle/>
+          <a:p>
+            <a:r>
+              <a:rPr lang="de-DE" dirty="0"/>
+              <a:t>3 Notwendigen Sachen</a:t>
+            </a:r>
+          </a:p>
+          <a:p>
+            <a:r>
+              <a:rPr lang="de-DE" dirty="0"/>
+              <a:t>-Zustände</a:t>
+            </a:r>
+          </a:p>
+          <a:p>
+            <a:r>
+              <a:rPr lang="de-DE" dirty="0"/>
+              <a:t>-Initialisierung</a:t>
+            </a:r>
+          </a:p>
+          <a:p>
+            <a:r>
+              <a:rPr lang="de-DE" dirty="0"/>
+              <a:t>-</a:t>
+            </a:r>
+            <a:r>
+              <a:rPr lang="de-DE" dirty="0" err="1"/>
+              <a:t>Transitionsmodell</a:t>
+            </a:r>
+            <a:endParaRPr lang="de-DE" dirty="0"/>
           </a:p>
         </p:txBody>
       </p:sp>
     </p:spTree>
     <p:extLst>
       <p:ext uri="{BB962C8B-B14F-4D97-AF65-F5344CB8AC3E}">
-        <p14:creationId xmlns:p14="http://schemas.microsoft.com/office/powerpoint/2010/main" val="311917685"/>
+        <p14:creationId xmlns:p14="http://schemas.microsoft.com/office/powerpoint/2010/main" val="3040283090"/>
+      </p:ext>
+    </p:extLst>
+  </p:cSld>
+  <p:clrMapOvr>
+    <a:masterClrMapping/>
+  </p:clrMapOvr>
+</p:sld>
+</file>
+
+<file path=ppt/slides/slide5.xml><?xml version="1.0" encoding="utf-8"?>
+<p:sld xmlns:a="http://schemas.openxmlformats.org/drawingml/2006/main" xmlns:r="http://schemas.openxmlformats.org/officeDocument/2006/relationships" xmlns:p="http://schemas.openxmlformats.org/presentationml/2006/main">
+  <p:cSld>
+    <p:spTree>
+      <p:nvGrpSpPr>
+        <p:cNvPr id="1" name=""/>
+        <p:cNvGrpSpPr/>
+        <p:nvPr/>
+      </p:nvGrpSpPr>
+      <p:grpSpPr>
+        <a:xfrm>
+          <a:off x="0" y="0"/>
+          <a:ext cx="0" cy="0"/>
+          <a:chOff x="0" y="0"/>
+          <a:chExt cx="0" cy="0"/>
+        </a:xfrm>
+      </p:grpSpPr>
+      <p:pic>
+        <p:nvPicPr>
+          <p:cNvPr id="4" name="Graphic 1">
+            <a:extLst>
+              <a:ext uri="{FF2B5EF4-FFF2-40B4-BE49-F238E27FC236}">
+                <a16:creationId xmlns:a16="http://schemas.microsoft.com/office/drawing/2014/main" id="{D4E2A8A5-7B9A-9FCE-2C0C-40115BB72542}"/>
+              </a:ext>
+            </a:extLst>
+          </p:cNvPr>
+          <p:cNvPicPr>
+            <a:picLocks noChangeAspect="1"/>
+          </p:cNvPicPr>
+          <p:nvPr/>
+        </p:nvPicPr>
+        <p:blipFill>
+          <a:blip r:embed="rId3">
+            <a:extLst>
+              <a:ext uri="{28A0092B-C50C-407E-A947-70E740481C1C}">
+                <a14:useLocalDpi xmlns:a14="http://schemas.microsoft.com/office/drawing/2010/main" val="0"/>
+              </a:ext>
+              <a:ext uri="{96DAC541-7B7A-43D3-8B79-37D633B846F1}">
+                <asvg:svgBlip xmlns:asvg="http://schemas.microsoft.com/office/drawing/2016/SVG/main" r:embed="rId4"/>
+              </a:ext>
+            </a:extLst>
+          </a:blip>
+          <a:stretch>
+            <a:fillRect/>
+          </a:stretch>
+        </p:blipFill>
+        <p:spPr>
+          <a:xfrm>
+            <a:off x="160961" y="133521"/>
+            <a:ext cx="2371620" cy="485811"/>
+          </a:xfrm>
+          <a:prstGeom prst="rect">
+            <a:avLst/>
+          </a:prstGeom>
+        </p:spPr>
+      </p:pic>
+      <p:sp>
+        <p:nvSpPr>
+          <p:cNvPr id="6" name="TextBox 5">
+            <a:extLst>
+              <a:ext uri="{FF2B5EF4-FFF2-40B4-BE49-F238E27FC236}">
+                <a16:creationId xmlns:a16="http://schemas.microsoft.com/office/drawing/2014/main" id="{4BF11305-FC23-954B-7998-B1257FEE9257}"/>
+              </a:ext>
+            </a:extLst>
+          </p:cNvPr>
+          <p:cNvSpPr txBox="1"/>
+          <p:nvPr/>
+        </p:nvSpPr>
+        <p:spPr>
+          <a:xfrm>
+            <a:off x="66782" y="6529608"/>
+            <a:ext cx="10986501" cy="230832"/>
+          </a:xfrm>
+          <a:prstGeom prst="rect">
+            <a:avLst/>
+          </a:prstGeom>
+          <a:noFill/>
+        </p:spPr>
+        <p:txBody>
+          <a:bodyPr wrap="square">
+            <a:spAutoFit/>
+          </a:bodyPr>
+          <a:lstStyle/>
+          <a:p>
+            <a:r>
+              <a:rPr lang="de-DE" sz="900" dirty="0"/>
+              <a:t>Markov-Analyse &amp; Interview| WiSe 2023/24 I Hochschule Bielefeld I Linus Langenkamp, Jolan Eggers, Nicolas Schneider, Redouane Kabouchi I 03.11.2023 I Seite </a:t>
+            </a:r>
+            <a:fld id="{8665FA59-C0FE-4AB6-AD99-2451632B0EBE}" type="slidenum">
+              <a:rPr lang="de-DE" sz="900" smtClean="0"/>
+              <a:t>5</a:t>
+            </a:fld>
+            <a:endParaRPr lang="de-DE" sz="900" dirty="0"/>
+          </a:p>
+        </p:txBody>
+      </p:sp>
+      <p:sp>
+        <p:nvSpPr>
+          <p:cNvPr id="7" name="Title 1">
+            <a:extLst>
+              <a:ext uri="{FF2B5EF4-FFF2-40B4-BE49-F238E27FC236}">
+                <a16:creationId xmlns:a16="http://schemas.microsoft.com/office/drawing/2014/main" id="{C134D3AA-85CE-FCC6-6499-8202E6096899}"/>
+              </a:ext>
+            </a:extLst>
+          </p:cNvPr>
+          <p:cNvSpPr txBox="1">
+            <a:spLocks/>
+          </p:cNvSpPr>
+          <p:nvPr/>
+        </p:nvSpPr>
+        <p:spPr>
+          <a:xfrm>
+            <a:off x="738026" y="912189"/>
+            <a:ext cx="9144000" cy="626836"/>
+          </a:xfrm>
+          <a:prstGeom prst="rect">
+            <a:avLst/>
+          </a:prstGeom>
+        </p:spPr>
+        <p:txBody>
+          <a:bodyPr vert="horz" lIns="91440" tIns="45720" rIns="91440" bIns="45720" rtlCol="0" anchor="b">
+            <a:normAutofit/>
+          </a:bodyPr>
+          <a:lstStyle>
+            <a:lvl1pPr algn="ctr" defTabSz="914400" rtl="0" eaLnBrk="1" latinLnBrk="0" hangingPunct="1">
+              <a:lnSpc>
+                <a:spcPct val="90000"/>
+              </a:lnSpc>
+              <a:spcBef>
+                <a:spcPct val="0"/>
+              </a:spcBef>
+              <a:buNone/>
+              <a:defRPr sz="6000" kern="1200">
+                <a:solidFill>
+                  <a:schemeClr val="tx1"/>
+                </a:solidFill>
+                <a:latin typeface="+mj-lt"/>
+                <a:ea typeface="+mj-ea"/>
+                <a:cs typeface="+mj-cs"/>
+              </a:defRPr>
+            </a:lvl1pPr>
+          </a:lstStyle>
+          <a:p>
+            <a:pPr algn="l">
+              <a:lnSpc>
+                <a:spcPct val="100000"/>
+              </a:lnSpc>
+              <a:spcAft>
+                <a:spcPts val="600"/>
+              </a:spcAft>
+            </a:pPr>
+            <a:r>
+              <a:rPr lang="de-DE" sz="2800" b="1" dirty="0">
+                <a:effectLst/>
+                <a:latin typeface="Times New Roman" panose="02020603050405020304" pitchFamily="18" charset="0"/>
+                <a:ea typeface="Times New Roman" panose="02020603050405020304" pitchFamily="18" charset="0"/>
+                <a:cs typeface="Times New Roman" panose="02020603050405020304" pitchFamily="18" charset="0"/>
+              </a:rPr>
+              <a:t>Markov-Kette- Übertragung auf Kurse</a:t>
+            </a:r>
+            <a:endParaRPr lang="de-DE" sz="2800" dirty="0"/>
+          </a:p>
+        </p:txBody>
+      </p:sp>
+      <p:sp>
+        <p:nvSpPr>
+          <p:cNvPr id="11" name="Ellipse 10">
+            <a:extLst>
+              <a:ext uri="{FF2B5EF4-FFF2-40B4-BE49-F238E27FC236}">
+                <a16:creationId xmlns:a16="http://schemas.microsoft.com/office/drawing/2014/main" id="{790E52E3-7753-D026-BF7F-9A52F0F2FB33}"/>
+              </a:ext>
+            </a:extLst>
+          </p:cNvPr>
+          <p:cNvSpPr/>
+          <p:nvPr/>
+        </p:nvSpPr>
+        <p:spPr>
+          <a:xfrm>
+            <a:off x="1127234" y="1907628"/>
+            <a:ext cx="559676" cy="626836"/>
+          </a:xfrm>
+          <a:prstGeom prst="ellipse">
+            <a:avLst/>
+          </a:prstGeom>
+        </p:spPr>
+        <p:style>
+          <a:lnRef idx="2">
+            <a:schemeClr val="accent1">
+              <a:shade val="15000"/>
+            </a:schemeClr>
+          </a:lnRef>
+          <a:fillRef idx="1">
+            <a:schemeClr val="accent1"/>
+          </a:fillRef>
+          <a:effectRef idx="0">
+            <a:schemeClr val="accent1"/>
+          </a:effectRef>
+          <a:fontRef idx="minor">
+            <a:schemeClr val="lt1"/>
+          </a:fontRef>
+        </p:style>
+        <p:txBody>
+          <a:bodyPr rtlCol="0" anchor="ctr"/>
+          <a:lstStyle/>
+          <a:p>
+            <a:pPr algn="ctr"/>
+            <a:endParaRPr lang="de-DE"/>
+          </a:p>
+        </p:txBody>
+      </p:sp>
+      <p:sp>
+        <p:nvSpPr>
+          <p:cNvPr id="12" name="Ellipse 11">
+            <a:extLst>
+              <a:ext uri="{FF2B5EF4-FFF2-40B4-BE49-F238E27FC236}">
+                <a16:creationId xmlns:a16="http://schemas.microsoft.com/office/drawing/2014/main" id="{6349CF3B-AC34-99C3-2095-69952E738DDF}"/>
+              </a:ext>
+            </a:extLst>
+          </p:cNvPr>
+          <p:cNvSpPr/>
+          <p:nvPr/>
+        </p:nvSpPr>
+        <p:spPr>
+          <a:xfrm>
+            <a:off x="1127234" y="3094062"/>
+            <a:ext cx="559676" cy="626836"/>
+          </a:xfrm>
+          <a:prstGeom prst="ellipse">
+            <a:avLst/>
+          </a:prstGeom>
+        </p:spPr>
+        <p:style>
+          <a:lnRef idx="2">
+            <a:schemeClr val="accent1">
+              <a:shade val="15000"/>
+            </a:schemeClr>
+          </a:lnRef>
+          <a:fillRef idx="1">
+            <a:schemeClr val="accent1"/>
+          </a:fillRef>
+          <a:effectRef idx="0">
+            <a:schemeClr val="accent1"/>
+          </a:effectRef>
+          <a:fontRef idx="minor">
+            <a:schemeClr val="lt1"/>
+          </a:fontRef>
+        </p:style>
+        <p:txBody>
+          <a:bodyPr rtlCol="0" anchor="ctr"/>
+          <a:lstStyle/>
+          <a:p>
+            <a:pPr algn="ctr"/>
+            <a:endParaRPr lang="de-DE"/>
+          </a:p>
+        </p:txBody>
+      </p:sp>
+      <p:sp>
+        <p:nvSpPr>
+          <p:cNvPr id="13" name="Ellipse 12">
+            <a:extLst>
+              <a:ext uri="{FF2B5EF4-FFF2-40B4-BE49-F238E27FC236}">
+                <a16:creationId xmlns:a16="http://schemas.microsoft.com/office/drawing/2014/main" id="{216A090D-AEF3-A106-729B-CAECFB17D740}"/>
+              </a:ext>
+            </a:extLst>
+          </p:cNvPr>
+          <p:cNvSpPr/>
+          <p:nvPr/>
+        </p:nvSpPr>
+        <p:spPr>
+          <a:xfrm>
+            <a:off x="1127234" y="4498417"/>
+            <a:ext cx="559676" cy="626836"/>
+          </a:xfrm>
+          <a:prstGeom prst="ellipse">
+            <a:avLst/>
+          </a:prstGeom>
+        </p:spPr>
+        <p:style>
+          <a:lnRef idx="2">
+            <a:schemeClr val="accent1">
+              <a:shade val="15000"/>
+            </a:schemeClr>
+          </a:lnRef>
+          <a:fillRef idx="1">
+            <a:schemeClr val="accent1"/>
+          </a:fillRef>
+          <a:effectRef idx="0">
+            <a:schemeClr val="accent1"/>
+          </a:effectRef>
+          <a:fontRef idx="minor">
+            <a:schemeClr val="lt1"/>
+          </a:fontRef>
+        </p:style>
+        <p:txBody>
+          <a:bodyPr rtlCol="0" anchor="ctr"/>
+          <a:lstStyle/>
+          <a:p>
+            <a:pPr algn="ctr"/>
+            <a:endParaRPr lang="de-DE"/>
+          </a:p>
+        </p:txBody>
+      </p:sp>
+      <p:sp>
+        <p:nvSpPr>
+          <p:cNvPr id="14" name="Ellipse 13">
+            <a:extLst>
+              <a:ext uri="{FF2B5EF4-FFF2-40B4-BE49-F238E27FC236}">
+                <a16:creationId xmlns:a16="http://schemas.microsoft.com/office/drawing/2014/main" id="{57E3ED7C-3558-C6B9-3429-3CBBE36B795A}"/>
+              </a:ext>
+            </a:extLst>
+          </p:cNvPr>
+          <p:cNvSpPr/>
+          <p:nvPr/>
+        </p:nvSpPr>
+        <p:spPr>
+          <a:xfrm>
+            <a:off x="4740165" y="3161301"/>
+            <a:ext cx="559676" cy="626836"/>
+          </a:xfrm>
+          <a:prstGeom prst="ellipse">
+            <a:avLst/>
+          </a:prstGeom>
+        </p:spPr>
+        <p:style>
+          <a:lnRef idx="2">
+            <a:schemeClr val="accent1">
+              <a:shade val="15000"/>
+            </a:schemeClr>
+          </a:lnRef>
+          <a:fillRef idx="1">
+            <a:schemeClr val="accent1"/>
+          </a:fillRef>
+          <a:effectRef idx="0">
+            <a:schemeClr val="accent1"/>
+          </a:effectRef>
+          <a:fontRef idx="minor">
+            <a:schemeClr val="lt1"/>
+          </a:fontRef>
+        </p:style>
+        <p:txBody>
+          <a:bodyPr rtlCol="0" anchor="ctr"/>
+          <a:lstStyle/>
+          <a:p>
+            <a:pPr algn="ctr"/>
+            <a:endParaRPr lang="de-DE"/>
+          </a:p>
+        </p:txBody>
+      </p:sp>
+      <p:sp>
+        <p:nvSpPr>
+          <p:cNvPr id="15" name="Ellipse 14">
+            <a:extLst>
+              <a:ext uri="{FF2B5EF4-FFF2-40B4-BE49-F238E27FC236}">
+                <a16:creationId xmlns:a16="http://schemas.microsoft.com/office/drawing/2014/main" id="{2396106E-11A8-698D-5A7D-38BE3BF2448E}"/>
+              </a:ext>
+            </a:extLst>
+          </p:cNvPr>
+          <p:cNvSpPr/>
+          <p:nvPr/>
+        </p:nvSpPr>
+        <p:spPr>
+          <a:xfrm>
+            <a:off x="4740165" y="4347735"/>
+            <a:ext cx="559676" cy="626836"/>
+          </a:xfrm>
+          <a:prstGeom prst="ellipse">
+            <a:avLst/>
+          </a:prstGeom>
+        </p:spPr>
+        <p:style>
+          <a:lnRef idx="2">
+            <a:schemeClr val="accent1">
+              <a:shade val="15000"/>
+            </a:schemeClr>
+          </a:lnRef>
+          <a:fillRef idx="1">
+            <a:schemeClr val="accent1"/>
+          </a:fillRef>
+          <a:effectRef idx="0">
+            <a:schemeClr val="accent1"/>
+          </a:effectRef>
+          <a:fontRef idx="minor">
+            <a:schemeClr val="lt1"/>
+          </a:fontRef>
+        </p:style>
+        <p:txBody>
+          <a:bodyPr rtlCol="0" anchor="ctr"/>
+          <a:lstStyle/>
+          <a:p>
+            <a:pPr algn="ctr"/>
+            <a:endParaRPr lang="de-DE"/>
+          </a:p>
+        </p:txBody>
+      </p:sp>
+      <p:sp>
+        <p:nvSpPr>
+          <p:cNvPr id="16" name="Ellipse 15">
+            <a:extLst>
+              <a:ext uri="{FF2B5EF4-FFF2-40B4-BE49-F238E27FC236}">
+                <a16:creationId xmlns:a16="http://schemas.microsoft.com/office/drawing/2014/main" id="{EDF0B835-21EE-045C-C75B-1556D1AC97A9}"/>
+              </a:ext>
+            </a:extLst>
+          </p:cNvPr>
+          <p:cNvSpPr/>
+          <p:nvPr/>
+        </p:nvSpPr>
+        <p:spPr>
+          <a:xfrm>
+            <a:off x="4740165" y="5752090"/>
+            <a:ext cx="559676" cy="626836"/>
+          </a:xfrm>
+          <a:prstGeom prst="ellipse">
+            <a:avLst/>
+          </a:prstGeom>
+        </p:spPr>
+        <p:style>
+          <a:lnRef idx="2">
+            <a:schemeClr val="accent1">
+              <a:shade val="15000"/>
+            </a:schemeClr>
+          </a:lnRef>
+          <a:fillRef idx="1">
+            <a:schemeClr val="accent1"/>
+          </a:fillRef>
+          <a:effectRef idx="0">
+            <a:schemeClr val="accent1"/>
+          </a:effectRef>
+          <a:fontRef idx="minor">
+            <a:schemeClr val="lt1"/>
+          </a:fontRef>
+        </p:style>
+        <p:txBody>
+          <a:bodyPr rtlCol="0" anchor="ctr"/>
+          <a:lstStyle/>
+          <a:p>
+            <a:pPr algn="ctr"/>
+            <a:endParaRPr lang="de-DE"/>
+          </a:p>
+        </p:txBody>
+      </p:sp>
+      <p:sp>
+        <p:nvSpPr>
+          <p:cNvPr id="17" name="Ellipse 16">
+            <a:extLst>
+              <a:ext uri="{FF2B5EF4-FFF2-40B4-BE49-F238E27FC236}">
+                <a16:creationId xmlns:a16="http://schemas.microsoft.com/office/drawing/2014/main" id="{83E1F192-6642-6A4E-8DBC-4F52BC156577}"/>
+              </a:ext>
+            </a:extLst>
+          </p:cNvPr>
+          <p:cNvSpPr/>
+          <p:nvPr/>
+        </p:nvSpPr>
+        <p:spPr>
+          <a:xfrm>
+            <a:off x="7317827" y="1034159"/>
+            <a:ext cx="559676" cy="626836"/>
+          </a:xfrm>
+          <a:prstGeom prst="ellipse">
+            <a:avLst/>
+          </a:prstGeom>
+        </p:spPr>
+        <p:style>
+          <a:lnRef idx="2">
+            <a:schemeClr val="accent1">
+              <a:shade val="15000"/>
+            </a:schemeClr>
+          </a:lnRef>
+          <a:fillRef idx="1">
+            <a:schemeClr val="accent1"/>
+          </a:fillRef>
+          <a:effectRef idx="0">
+            <a:schemeClr val="accent1"/>
+          </a:effectRef>
+          <a:fontRef idx="minor">
+            <a:schemeClr val="lt1"/>
+          </a:fontRef>
+        </p:style>
+        <p:txBody>
+          <a:bodyPr rtlCol="0" anchor="ctr"/>
+          <a:lstStyle/>
+          <a:p>
+            <a:pPr algn="ctr"/>
+            <a:endParaRPr lang="de-DE"/>
+          </a:p>
+        </p:txBody>
+      </p:sp>
+      <p:sp>
+        <p:nvSpPr>
+          <p:cNvPr id="18" name="Ellipse 17">
+            <a:extLst>
+              <a:ext uri="{FF2B5EF4-FFF2-40B4-BE49-F238E27FC236}">
+                <a16:creationId xmlns:a16="http://schemas.microsoft.com/office/drawing/2014/main" id="{7E7950CB-29C6-765C-83E6-3EE5426F5B27}"/>
+              </a:ext>
+            </a:extLst>
+          </p:cNvPr>
+          <p:cNvSpPr/>
+          <p:nvPr/>
+        </p:nvSpPr>
+        <p:spPr>
+          <a:xfrm>
+            <a:off x="7317827" y="2220593"/>
+            <a:ext cx="559676" cy="626836"/>
+          </a:xfrm>
+          <a:prstGeom prst="ellipse">
+            <a:avLst/>
+          </a:prstGeom>
+        </p:spPr>
+        <p:style>
+          <a:lnRef idx="2">
+            <a:schemeClr val="accent1">
+              <a:shade val="15000"/>
+            </a:schemeClr>
+          </a:lnRef>
+          <a:fillRef idx="1">
+            <a:schemeClr val="accent1"/>
+          </a:fillRef>
+          <a:effectRef idx="0">
+            <a:schemeClr val="accent1"/>
+          </a:effectRef>
+          <a:fontRef idx="minor">
+            <a:schemeClr val="lt1"/>
+          </a:fontRef>
+        </p:style>
+        <p:txBody>
+          <a:bodyPr rtlCol="0" anchor="ctr"/>
+          <a:lstStyle/>
+          <a:p>
+            <a:pPr algn="ctr"/>
+            <a:endParaRPr lang="de-DE"/>
+          </a:p>
+        </p:txBody>
+      </p:sp>
+      <p:sp>
+        <p:nvSpPr>
+          <p:cNvPr id="19" name="Ellipse 18">
+            <a:extLst>
+              <a:ext uri="{FF2B5EF4-FFF2-40B4-BE49-F238E27FC236}">
+                <a16:creationId xmlns:a16="http://schemas.microsoft.com/office/drawing/2014/main" id="{47DE1A2C-570D-BF41-93E3-5DCDB2533B34}"/>
+              </a:ext>
+            </a:extLst>
+          </p:cNvPr>
+          <p:cNvSpPr/>
+          <p:nvPr/>
+        </p:nvSpPr>
+        <p:spPr>
+          <a:xfrm>
+            <a:off x="7317827" y="3624948"/>
+            <a:ext cx="559676" cy="626836"/>
+          </a:xfrm>
+          <a:prstGeom prst="ellipse">
+            <a:avLst/>
+          </a:prstGeom>
+        </p:spPr>
+        <p:style>
+          <a:lnRef idx="2">
+            <a:schemeClr val="accent1">
+              <a:shade val="15000"/>
+            </a:schemeClr>
+          </a:lnRef>
+          <a:fillRef idx="1">
+            <a:schemeClr val="accent1"/>
+          </a:fillRef>
+          <a:effectRef idx="0">
+            <a:schemeClr val="accent1"/>
+          </a:effectRef>
+          <a:fontRef idx="minor">
+            <a:schemeClr val="lt1"/>
+          </a:fontRef>
+        </p:style>
+        <p:txBody>
+          <a:bodyPr rtlCol="0" anchor="ctr"/>
+          <a:lstStyle/>
+          <a:p>
+            <a:pPr algn="ctr"/>
+            <a:endParaRPr lang="de-DE"/>
+          </a:p>
+        </p:txBody>
+      </p:sp>
+      <p:cxnSp>
+        <p:nvCxnSpPr>
+          <p:cNvPr id="21" name="Gerade Verbindung mit Pfeil 20">
+            <a:extLst>
+              <a:ext uri="{FF2B5EF4-FFF2-40B4-BE49-F238E27FC236}">
+                <a16:creationId xmlns:a16="http://schemas.microsoft.com/office/drawing/2014/main" id="{12E10DD5-C053-95F1-2A47-63D6F78F9B3C}"/>
+              </a:ext>
+            </a:extLst>
+          </p:cNvPr>
+          <p:cNvCxnSpPr/>
+          <p:nvPr/>
+        </p:nvCxnSpPr>
+        <p:spPr>
+          <a:xfrm flipV="1">
+            <a:off x="1458310" y="1334568"/>
+            <a:ext cx="5990897" cy="951432"/>
+          </a:xfrm>
+          <a:prstGeom prst="straightConnector1">
+            <a:avLst/>
+          </a:prstGeom>
+          <a:ln>
+            <a:tailEnd type="triangle"/>
+          </a:ln>
+        </p:spPr>
+        <p:style>
+          <a:lnRef idx="1">
+            <a:schemeClr val="accent1"/>
+          </a:lnRef>
+          <a:fillRef idx="0">
+            <a:schemeClr val="accent1"/>
+          </a:fillRef>
+          <a:effectRef idx="0">
+            <a:schemeClr val="accent1"/>
+          </a:effectRef>
+          <a:fontRef idx="minor">
+            <a:schemeClr val="tx1"/>
+          </a:fontRef>
+        </p:style>
+      </p:cxnSp>
+    </p:spTree>
+    <p:extLst>
+      <p:ext uri="{BB962C8B-B14F-4D97-AF65-F5344CB8AC3E}">
+        <p14:creationId xmlns:p14="http://schemas.microsoft.com/office/powerpoint/2010/main" val="607068944"/>
+      </p:ext>
+    </p:extLst>
+  </p:cSld>
+  <p:clrMapOvr>
+    <a:masterClrMapping/>
+  </p:clrMapOvr>
+</p:sld>
+</file>
+
+<file path=ppt/slides/slide6.xml><?xml version="1.0" encoding="utf-8"?>
+<p:sld xmlns:a="http://schemas.openxmlformats.org/drawingml/2006/main" xmlns:r="http://schemas.openxmlformats.org/officeDocument/2006/relationships" xmlns:p="http://schemas.openxmlformats.org/presentationml/2006/main">
+  <p:cSld>
+    <p:spTree>
+      <p:nvGrpSpPr>
+        <p:cNvPr id="1" name=""/>
+        <p:cNvGrpSpPr/>
+        <p:nvPr/>
+      </p:nvGrpSpPr>
+      <p:grpSpPr>
+        <a:xfrm>
+          <a:off x="0" y="0"/>
+          <a:ext cx="0" cy="0"/>
+          <a:chOff x="0" y="0"/>
+          <a:chExt cx="0" cy="0"/>
+        </a:xfrm>
+      </p:grpSpPr>
+      <p:pic>
+        <p:nvPicPr>
+          <p:cNvPr id="4" name="Graphic 1">
+            <a:extLst>
+              <a:ext uri="{FF2B5EF4-FFF2-40B4-BE49-F238E27FC236}">
+                <a16:creationId xmlns:a16="http://schemas.microsoft.com/office/drawing/2014/main" id="{D4E2A8A5-7B9A-9FCE-2C0C-40115BB72542}"/>
+              </a:ext>
+            </a:extLst>
+          </p:cNvPr>
+          <p:cNvPicPr>
+            <a:picLocks noChangeAspect="1"/>
+          </p:cNvPicPr>
+          <p:nvPr/>
+        </p:nvPicPr>
+        <p:blipFill>
+          <a:blip r:embed="rId3">
+            <a:extLst>
+              <a:ext uri="{28A0092B-C50C-407E-A947-70E740481C1C}">
+                <a14:useLocalDpi xmlns:a14="http://schemas.microsoft.com/office/drawing/2010/main" val="0"/>
+              </a:ext>
+              <a:ext uri="{96DAC541-7B7A-43D3-8B79-37D633B846F1}">
+                <asvg:svgBlip xmlns:asvg="http://schemas.microsoft.com/office/drawing/2016/SVG/main" r:embed="rId4"/>
+              </a:ext>
+            </a:extLst>
+          </a:blip>
+          <a:stretch>
+            <a:fillRect/>
+          </a:stretch>
+        </p:blipFill>
+        <p:spPr>
+          <a:xfrm>
+            <a:off x="160961" y="133521"/>
+            <a:ext cx="2371620" cy="485811"/>
+          </a:xfrm>
+          <a:prstGeom prst="rect">
+            <a:avLst/>
+          </a:prstGeom>
+        </p:spPr>
+      </p:pic>
+      <p:sp>
+        <p:nvSpPr>
+          <p:cNvPr id="6" name="TextBox 5">
+            <a:extLst>
+              <a:ext uri="{FF2B5EF4-FFF2-40B4-BE49-F238E27FC236}">
+                <a16:creationId xmlns:a16="http://schemas.microsoft.com/office/drawing/2014/main" id="{4BF11305-FC23-954B-7998-B1257FEE9257}"/>
+              </a:ext>
+            </a:extLst>
+          </p:cNvPr>
+          <p:cNvSpPr txBox="1"/>
+          <p:nvPr/>
+        </p:nvSpPr>
+        <p:spPr>
+          <a:xfrm>
+            <a:off x="66782" y="6529608"/>
+            <a:ext cx="10986501" cy="230832"/>
+          </a:xfrm>
+          <a:prstGeom prst="rect">
+            <a:avLst/>
+          </a:prstGeom>
+          <a:noFill/>
+        </p:spPr>
+        <p:txBody>
+          <a:bodyPr wrap="square">
+            <a:spAutoFit/>
+          </a:bodyPr>
+          <a:lstStyle/>
+          <a:p>
+            <a:r>
+              <a:rPr lang="de-DE" sz="900" dirty="0"/>
+              <a:t>Markov-Analyse &amp; Interview| WiSe 2023/24 I Hochschule Bielefeld I Linus Langenkamp, Jolan Eggers, Nicolas Schneider, Redouane Kabouchi I 03.11.2023 I Seite </a:t>
+            </a:r>
+            <a:fld id="{8665FA59-C0FE-4AB6-AD99-2451632B0EBE}" type="slidenum">
+              <a:rPr lang="de-DE" sz="900" smtClean="0"/>
+              <a:t>6</a:t>
+            </a:fld>
+            <a:endParaRPr lang="de-DE" sz="900" dirty="0"/>
+          </a:p>
+        </p:txBody>
+      </p:sp>
+      <p:sp>
+        <p:nvSpPr>
+          <p:cNvPr id="7" name="Title 1">
+            <a:extLst>
+              <a:ext uri="{FF2B5EF4-FFF2-40B4-BE49-F238E27FC236}">
+                <a16:creationId xmlns:a16="http://schemas.microsoft.com/office/drawing/2014/main" id="{C134D3AA-85CE-FCC6-6499-8202E6096899}"/>
+              </a:ext>
+            </a:extLst>
+          </p:cNvPr>
+          <p:cNvSpPr txBox="1">
+            <a:spLocks/>
+          </p:cNvSpPr>
+          <p:nvPr/>
+        </p:nvSpPr>
+        <p:spPr>
+          <a:xfrm>
+            <a:off x="738026" y="912189"/>
+            <a:ext cx="9144000" cy="626836"/>
+          </a:xfrm>
+          <a:prstGeom prst="rect">
+            <a:avLst/>
+          </a:prstGeom>
+        </p:spPr>
+        <p:txBody>
+          <a:bodyPr vert="horz" lIns="91440" tIns="45720" rIns="91440" bIns="45720" rtlCol="0" anchor="b">
+            <a:normAutofit/>
+          </a:bodyPr>
+          <a:lstStyle>
+            <a:lvl1pPr algn="ctr" defTabSz="914400" rtl="0" eaLnBrk="1" latinLnBrk="0" hangingPunct="1">
+              <a:lnSpc>
+                <a:spcPct val="90000"/>
+              </a:lnSpc>
+              <a:spcBef>
+                <a:spcPct val="0"/>
+              </a:spcBef>
+              <a:buNone/>
+              <a:defRPr sz="6000" kern="1200">
+                <a:solidFill>
+                  <a:schemeClr val="tx1"/>
+                </a:solidFill>
+                <a:latin typeface="+mj-lt"/>
+                <a:ea typeface="+mj-ea"/>
+                <a:cs typeface="+mj-cs"/>
+              </a:defRPr>
+            </a:lvl1pPr>
+          </a:lstStyle>
+          <a:p>
+            <a:pPr algn="l">
+              <a:lnSpc>
+                <a:spcPct val="100000"/>
+              </a:lnSpc>
+              <a:spcAft>
+                <a:spcPts val="600"/>
+              </a:spcAft>
+            </a:pPr>
+            <a:r>
+              <a:rPr lang="de-DE" sz="2800" b="1" dirty="0">
+                <a:effectLst/>
+                <a:latin typeface="Times New Roman" panose="02020603050405020304" pitchFamily="18" charset="0"/>
+                <a:ea typeface="Times New Roman" panose="02020603050405020304" pitchFamily="18" charset="0"/>
+                <a:cs typeface="Times New Roman" panose="02020603050405020304" pitchFamily="18" charset="0"/>
+              </a:rPr>
+              <a:t>Markov-Analyse&amp; Interview</a:t>
+            </a:r>
+            <a:endParaRPr lang="de-DE" sz="2800" dirty="0"/>
+          </a:p>
+        </p:txBody>
+      </p:sp>
+      <p:pic>
+        <p:nvPicPr>
+          <p:cNvPr id="3" name="Grafik 2">
+            <a:extLst>
+              <a:ext uri="{FF2B5EF4-FFF2-40B4-BE49-F238E27FC236}">
+                <a16:creationId xmlns:a16="http://schemas.microsoft.com/office/drawing/2014/main" id="{E5A2665D-6C7A-7834-A18F-09560C63633B}"/>
+              </a:ext>
+            </a:extLst>
+          </p:cNvPr>
+          <p:cNvPicPr>
+            <a:picLocks noChangeAspect="1"/>
+          </p:cNvPicPr>
+          <p:nvPr/>
+        </p:nvPicPr>
+        <p:blipFill>
+          <a:blip r:embed="rId5"/>
+          <a:stretch>
+            <a:fillRect/>
+          </a:stretch>
+        </p:blipFill>
+        <p:spPr>
+          <a:xfrm>
+            <a:off x="222813" y="1782154"/>
+            <a:ext cx="5646040" cy="4216708"/>
+          </a:xfrm>
+          <a:prstGeom prst="rect">
+            <a:avLst/>
+          </a:prstGeom>
+        </p:spPr>
+      </p:pic>
+      <p:pic>
+        <p:nvPicPr>
+          <p:cNvPr id="9" name="Grafik 8">
+            <a:extLst>
+              <a:ext uri="{FF2B5EF4-FFF2-40B4-BE49-F238E27FC236}">
+                <a16:creationId xmlns:a16="http://schemas.microsoft.com/office/drawing/2014/main" id="{9444B3E3-0965-383D-BD4A-42B48E28B6A4}"/>
+              </a:ext>
+            </a:extLst>
+          </p:cNvPr>
+          <p:cNvPicPr>
+            <a:picLocks noChangeAspect="1"/>
+          </p:cNvPicPr>
+          <p:nvPr/>
+        </p:nvPicPr>
+        <p:blipFill>
+          <a:blip r:embed="rId6"/>
+          <a:stretch>
+            <a:fillRect/>
+          </a:stretch>
+        </p:blipFill>
+        <p:spPr>
+          <a:xfrm>
+            <a:off x="6504702" y="1925962"/>
+            <a:ext cx="5552966" cy="4216708"/>
+          </a:xfrm>
+          <a:prstGeom prst="rect">
+            <a:avLst/>
+          </a:prstGeom>
+        </p:spPr>
+      </p:pic>
+      <p:sp>
+        <p:nvSpPr>
+          <p:cNvPr id="10" name="Pfeil: nach rechts 9">
+            <a:extLst>
+              <a:ext uri="{FF2B5EF4-FFF2-40B4-BE49-F238E27FC236}">
+                <a16:creationId xmlns:a16="http://schemas.microsoft.com/office/drawing/2014/main" id="{E0E0A9BB-8B79-F544-5617-FC098766D3BA}"/>
+              </a:ext>
+            </a:extLst>
+          </p:cNvPr>
+          <p:cNvSpPr/>
+          <p:nvPr/>
+        </p:nvSpPr>
+        <p:spPr>
+          <a:xfrm>
+            <a:off x="5950610" y="3429000"/>
+            <a:ext cx="591207" cy="512379"/>
+          </a:xfrm>
+          <a:prstGeom prst="rightArrow">
+            <a:avLst/>
+          </a:prstGeom>
+        </p:spPr>
+        <p:style>
+          <a:lnRef idx="2">
+            <a:schemeClr val="dk1">
+              <a:shade val="15000"/>
+            </a:schemeClr>
+          </a:lnRef>
+          <a:fillRef idx="1">
+            <a:schemeClr val="dk1"/>
+          </a:fillRef>
+          <a:effectRef idx="0">
+            <a:schemeClr val="dk1"/>
+          </a:effectRef>
+          <a:fontRef idx="minor">
+            <a:schemeClr val="lt1"/>
+          </a:fontRef>
+        </p:style>
+        <p:txBody>
+          <a:bodyPr rtlCol="0" anchor="ctr"/>
+          <a:lstStyle/>
+          <a:p>
+            <a:pPr algn="ctr"/>
+            <a:endParaRPr lang="de-DE"/>
+          </a:p>
+        </p:txBody>
+      </p:sp>
+    </p:spTree>
+    <p:extLst>
+      <p:ext uri="{BB962C8B-B14F-4D97-AF65-F5344CB8AC3E}">
+        <p14:creationId xmlns:p14="http://schemas.microsoft.com/office/powerpoint/2010/main" val="1833042010"/>
+      </p:ext>
+    </p:extLst>
+  </p:cSld>
+  <p:clrMapOvr>
+    <a:masterClrMapping/>
+  </p:clrMapOvr>
+</p:sld>
+</file>
+
+<file path=ppt/slides/slide7.xml><?xml version="1.0" encoding="utf-8"?>
+<p:sld xmlns:a="http://schemas.openxmlformats.org/drawingml/2006/main" xmlns:r="http://schemas.openxmlformats.org/officeDocument/2006/relationships" xmlns:p="http://schemas.openxmlformats.org/presentationml/2006/main">
+  <p:cSld>
+    <p:spTree>
+      <p:nvGrpSpPr>
+        <p:cNvPr id="1" name=""/>
+        <p:cNvGrpSpPr/>
+        <p:nvPr/>
+      </p:nvGrpSpPr>
+      <p:grpSpPr>
+        <a:xfrm>
+          <a:off x="0" y="0"/>
+          <a:ext cx="0" cy="0"/>
+          <a:chOff x="0" y="0"/>
+          <a:chExt cx="0" cy="0"/>
+        </a:xfrm>
+      </p:grpSpPr>
+      <p:pic>
+        <p:nvPicPr>
+          <p:cNvPr id="4" name="Graphic 1">
+            <a:extLst>
+              <a:ext uri="{FF2B5EF4-FFF2-40B4-BE49-F238E27FC236}">
+                <a16:creationId xmlns:a16="http://schemas.microsoft.com/office/drawing/2014/main" id="{D4E2A8A5-7B9A-9FCE-2C0C-40115BB72542}"/>
+              </a:ext>
+            </a:extLst>
+          </p:cNvPr>
+          <p:cNvPicPr>
+            <a:picLocks noChangeAspect="1"/>
+          </p:cNvPicPr>
+          <p:nvPr/>
+        </p:nvPicPr>
+        <p:blipFill>
+          <a:blip r:embed="rId3">
+            <a:extLst>
+              <a:ext uri="{28A0092B-C50C-407E-A947-70E740481C1C}">
+                <a14:useLocalDpi xmlns:a14="http://schemas.microsoft.com/office/drawing/2010/main" val="0"/>
+              </a:ext>
+              <a:ext uri="{96DAC541-7B7A-43D3-8B79-37D633B846F1}">
+                <asvg:svgBlip xmlns:asvg="http://schemas.microsoft.com/office/drawing/2016/SVG/main" r:embed="rId4"/>
+              </a:ext>
+            </a:extLst>
+          </a:blip>
+          <a:stretch>
+            <a:fillRect/>
+          </a:stretch>
+        </p:blipFill>
+        <p:spPr>
+          <a:xfrm>
+            <a:off x="160961" y="133521"/>
+            <a:ext cx="2371620" cy="485811"/>
+          </a:xfrm>
+          <a:prstGeom prst="rect">
+            <a:avLst/>
+          </a:prstGeom>
+        </p:spPr>
+      </p:pic>
+      <p:sp>
+        <p:nvSpPr>
+          <p:cNvPr id="6" name="TextBox 5">
+            <a:extLst>
+              <a:ext uri="{FF2B5EF4-FFF2-40B4-BE49-F238E27FC236}">
+                <a16:creationId xmlns:a16="http://schemas.microsoft.com/office/drawing/2014/main" id="{4BF11305-FC23-954B-7998-B1257FEE9257}"/>
+              </a:ext>
+            </a:extLst>
+          </p:cNvPr>
+          <p:cNvSpPr txBox="1"/>
+          <p:nvPr/>
+        </p:nvSpPr>
+        <p:spPr>
+          <a:xfrm>
+            <a:off x="66782" y="6529608"/>
+            <a:ext cx="10986501" cy="230832"/>
+          </a:xfrm>
+          <a:prstGeom prst="rect">
+            <a:avLst/>
+          </a:prstGeom>
+          <a:noFill/>
+        </p:spPr>
+        <p:txBody>
+          <a:bodyPr wrap="square">
+            <a:spAutoFit/>
+          </a:bodyPr>
+          <a:lstStyle/>
+          <a:p>
+            <a:r>
+              <a:rPr lang="de-DE" sz="900" dirty="0"/>
+              <a:t>Markov-Analyse &amp; Interview| WiSe 2023/24 I Hochschule Bielefeld I Linus Langenkamp, Jolan Eggers, Nicolas Schneider, Redouane Kabouchi I 03.11.2023 I Seite </a:t>
+            </a:r>
+            <a:fld id="{8665FA59-C0FE-4AB6-AD99-2451632B0EBE}" type="slidenum">
+              <a:rPr lang="de-DE" sz="900" smtClean="0"/>
+              <a:t>7</a:t>
+            </a:fld>
+            <a:endParaRPr lang="de-DE" sz="900" dirty="0"/>
+          </a:p>
+        </p:txBody>
+      </p:sp>
+      <p:sp>
+        <p:nvSpPr>
+          <p:cNvPr id="7" name="Title 1">
+            <a:extLst>
+              <a:ext uri="{FF2B5EF4-FFF2-40B4-BE49-F238E27FC236}">
+                <a16:creationId xmlns:a16="http://schemas.microsoft.com/office/drawing/2014/main" id="{C134D3AA-85CE-FCC6-6499-8202E6096899}"/>
+              </a:ext>
+            </a:extLst>
+          </p:cNvPr>
+          <p:cNvSpPr txBox="1">
+            <a:spLocks/>
+          </p:cNvSpPr>
+          <p:nvPr/>
+        </p:nvSpPr>
+        <p:spPr>
+          <a:xfrm>
+            <a:off x="738026" y="912189"/>
+            <a:ext cx="9144000" cy="626836"/>
+          </a:xfrm>
+          <a:prstGeom prst="rect">
+            <a:avLst/>
+          </a:prstGeom>
+        </p:spPr>
+        <p:txBody>
+          <a:bodyPr vert="horz" lIns="91440" tIns="45720" rIns="91440" bIns="45720" rtlCol="0" anchor="b">
+            <a:normAutofit/>
+          </a:bodyPr>
+          <a:lstStyle>
+            <a:lvl1pPr algn="ctr" defTabSz="914400" rtl="0" eaLnBrk="1" latinLnBrk="0" hangingPunct="1">
+              <a:lnSpc>
+                <a:spcPct val="90000"/>
+              </a:lnSpc>
+              <a:spcBef>
+                <a:spcPct val="0"/>
+              </a:spcBef>
+              <a:buNone/>
+              <a:defRPr sz="6000" kern="1200">
+                <a:solidFill>
+                  <a:schemeClr val="tx1"/>
+                </a:solidFill>
+                <a:latin typeface="+mj-lt"/>
+                <a:ea typeface="+mj-ea"/>
+                <a:cs typeface="+mj-cs"/>
+              </a:defRPr>
+            </a:lvl1pPr>
+          </a:lstStyle>
+          <a:p>
+            <a:pPr algn="l">
+              <a:lnSpc>
+                <a:spcPct val="100000"/>
+              </a:lnSpc>
+              <a:spcAft>
+                <a:spcPts val="600"/>
+              </a:spcAft>
+            </a:pPr>
+            <a:r>
+              <a:rPr lang="de-DE" sz="2800" b="1" dirty="0">
+                <a:effectLst/>
+                <a:latin typeface="Times New Roman" panose="02020603050405020304" pitchFamily="18" charset="0"/>
+                <a:ea typeface="Times New Roman" panose="02020603050405020304" pitchFamily="18" charset="0"/>
+                <a:cs typeface="Times New Roman" panose="02020603050405020304" pitchFamily="18" charset="0"/>
+              </a:rPr>
+              <a:t>Markov-Analyse</a:t>
+            </a:r>
+            <a:r>
+              <a:rPr lang="de-DE" sz="2800" b="1" dirty="0">
+                <a:latin typeface="Times New Roman" panose="02020603050405020304" pitchFamily="18" charset="0"/>
+                <a:ea typeface="Times New Roman" panose="02020603050405020304" pitchFamily="18" charset="0"/>
+                <a:cs typeface="Times New Roman" panose="02020603050405020304" pitchFamily="18" charset="0"/>
+              </a:rPr>
+              <a:t> – Übertragung in Kontinuierliche</a:t>
+            </a:r>
+            <a:endParaRPr lang="de-DE" sz="2800" dirty="0"/>
+          </a:p>
+        </p:txBody>
+      </p:sp>
+      <p:pic>
+        <p:nvPicPr>
+          <p:cNvPr id="3" name="Grafik 2">
+            <a:extLst>
+              <a:ext uri="{FF2B5EF4-FFF2-40B4-BE49-F238E27FC236}">
+                <a16:creationId xmlns:a16="http://schemas.microsoft.com/office/drawing/2014/main" id="{E5A2665D-6C7A-7834-A18F-09560C63633B}"/>
+              </a:ext>
+            </a:extLst>
+          </p:cNvPr>
+          <p:cNvPicPr>
+            <a:picLocks noChangeAspect="1"/>
+          </p:cNvPicPr>
+          <p:nvPr/>
+        </p:nvPicPr>
+        <p:blipFill>
+          <a:blip r:embed="rId5"/>
+          <a:stretch>
+            <a:fillRect/>
+          </a:stretch>
+        </p:blipFill>
+        <p:spPr>
+          <a:xfrm>
+            <a:off x="222813" y="1782154"/>
+            <a:ext cx="5646040" cy="4216708"/>
+          </a:xfrm>
+          <a:prstGeom prst="rect">
+            <a:avLst/>
+          </a:prstGeom>
+        </p:spPr>
+      </p:pic>
+      <p:sp>
+        <p:nvSpPr>
+          <p:cNvPr id="10" name="Pfeil: nach rechts 9">
+            <a:extLst>
+              <a:ext uri="{FF2B5EF4-FFF2-40B4-BE49-F238E27FC236}">
+                <a16:creationId xmlns:a16="http://schemas.microsoft.com/office/drawing/2014/main" id="{E0E0A9BB-8B79-F544-5617-FC098766D3BA}"/>
+              </a:ext>
+            </a:extLst>
+          </p:cNvPr>
+          <p:cNvSpPr/>
+          <p:nvPr/>
+        </p:nvSpPr>
+        <p:spPr>
+          <a:xfrm>
+            <a:off x="5950610" y="3429000"/>
+            <a:ext cx="591207" cy="512379"/>
+          </a:xfrm>
+          <a:prstGeom prst="rightArrow">
+            <a:avLst/>
+          </a:prstGeom>
+        </p:spPr>
+        <p:style>
+          <a:lnRef idx="2">
+            <a:schemeClr val="dk1">
+              <a:shade val="15000"/>
+            </a:schemeClr>
+          </a:lnRef>
+          <a:fillRef idx="1">
+            <a:schemeClr val="dk1"/>
+          </a:fillRef>
+          <a:effectRef idx="0">
+            <a:schemeClr val="dk1"/>
+          </a:effectRef>
+          <a:fontRef idx="minor">
+            <a:schemeClr val="lt1"/>
+          </a:fontRef>
+        </p:style>
+        <p:txBody>
+          <a:bodyPr rtlCol="0" anchor="ctr"/>
+          <a:lstStyle/>
+          <a:p>
+            <a:pPr algn="ctr"/>
+            <a:endParaRPr lang="de-DE"/>
+          </a:p>
+        </p:txBody>
+      </p:sp>
+      <p:pic>
+        <p:nvPicPr>
+          <p:cNvPr id="5" name="Grafik 4">
+            <a:extLst>
+              <a:ext uri="{FF2B5EF4-FFF2-40B4-BE49-F238E27FC236}">
+                <a16:creationId xmlns:a16="http://schemas.microsoft.com/office/drawing/2014/main" id="{CD51F602-E16D-7A41-31AB-AF38B59FE5B6}"/>
+              </a:ext>
+            </a:extLst>
+          </p:cNvPr>
+          <p:cNvPicPr>
+            <a:picLocks noChangeAspect="1"/>
+          </p:cNvPicPr>
+          <p:nvPr/>
+        </p:nvPicPr>
+        <p:blipFill>
+          <a:blip r:embed="rId6"/>
+          <a:stretch>
+            <a:fillRect/>
+          </a:stretch>
+        </p:blipFill>
+        <p:spPr>
+          <a:xfrm>
+            <a:off x="7346198" y="3281295"/>
+            <a:ext cx="4622989" cy="586350"/>
+          </a:xfrm>
+          <a:prstGeom prst="rect">
+            <a:avLst/>
+          </a:prstGeom>
+        </p:spPr>
+      </p:pic>
+    </p:spTree>
+    <p:extLst>
+      <p:ext uri="{BB962C8B-B14F-4D97-AF65-F5344CB8AC3E}">
+        <p14:creationId xmlns:p14="http://schemas.microsoft.com/office/powerpoint/2010/main" val="2144125464"/>
+      </p:ext>
+    </p:extLst>
+  </p:cSld>
+  <p:clrMapOvr>
+    <a:masterClrMapping/>
+  </p:clrMapOvr>
+</p:sld>
+</file>
+
+<file path=ppt/slides/slide8.xml><?xml version="1.0" encoding="utf-8"?>
+<p:sld xmlns:a="http://schemas.openxmlformats.org/drawingml/2006/main" xmlns:r="http://schemas.openxmlformats.org/officeDocument/2006/relationships" xmlns:p="http://schemas.openxmlformats.org/presentationml/2006/main">
+  <p:cSld>
+    <p:spTree>
+      <p:nvGrpSpPr>
+        <p:cNvPr id="1" name=""/>
+        <p:cNvGrpSpPr/>
+        <p:nvPr/>
+      </p:nvGrpSpPr>
+      <p:grpSpPr>
+        <a:xfrm>
+          <a:off x="0" y="0"/>
+          <a:ext cx="0" cy="0"/>
+          <a:chOff x="0" y="0"/>
+          <a:chExt cx="0" cy="0"/>
+        </a:xfrm>
+      </p:grpSpPr>
+      <p:pic>
+        <p:nvPicPr>
+          <p:cNvPr id="4" name="Graphic 1">
+            <a:extLst>
+              <a:ext uri="{FF2B5EF4-FFF2-40B4-BE49-F238E27FC236}">
+                <a16:creationId xmlns:a16="http://schemas.microsoft.com/office/drawing/2014/main" id="{D4E2A8A5-7B9A-9FCE-2C0C-40115BB72542}"/>
+              </a:ext>
+            </a:extLst>
+          </p:cNvPr>
+          <p:cNvPicPr>
+            <a:picLocks noChangeAspect="1"/>
+          </p:cNvPicPr>
+          <p:nvPr/>
+        </p:nvPicPr>
+        <p:blipFill>
+          <a:blip r:embed="rId3">
+            <a:extLst>
+              <a:ext uri="{28A0092B-C50C-407E-A947-70E740481C1C}">
+                <a14:useLocalDpi xmlns:a14="http://schemas.microsoft.com/office/drawing/2010/main" val="0"/>
+              </a:ext>
+              <a:ext uri="{96DAC541-7B7A-43D3-8B79-37D633B846F1}">
+                <asvg:svgBlip xmlns:asvg="http://schemas.microsoft.com/office/drawing/2016/SVG/main" r:embed="rId4"/>
+              </a:ext>
+            </a:extLst>
+          </a:blip>
+          <a:stretch>
+            <a:fillRect/>
+          </a:stretch>
+        </p:blipFill>
+        <p:spPr>
+          <a:xfrm>
+            <a:off x="160961" y="133521"/>
+            <a:ext cx="2371620" cy="485811"/>
+          </a:xfrm>
+          <a:prstGeom prst="rect">
+            <a:avLst/>
+          </a:prstGeom>
+        </p:spPr>
+      </p:pic>
+      <p:sp>
+        <p:nvSpPr>
+          <p:cNvPr id="6" name="TextBox 5">
+            <a:extLst>
+              <a:ext uri="{FF2B5EF4-FFF2-40B4-BE49-F238E27FC236}">
+                <a16:creationId xmlns:a16="http://schemas.microsoft.com/office/drawing/2014/main" id="{4BF11305-FC23-954B-7998-B1257FEE9257}"/>
+              </a:ext>
+            </a:extLst>
+          </p:cNvPr>
+          <p:cNvSpPr txBox="1"/>
+          <p:nvPr/>
+        </p:nvSpPr>
+        <p:spPr>
+          <a:xfrm>
+            <a:off x="66782" y="6529608"/>
+            <a:ext cx="10986501" cy="230832"/>
+          </a:xfrm>
+          <a:prstGeom prst="rect">
+            <a:avLst/>
+          </a:prstGeom>
+          <a:noFill/>
+        </p:spPr>
+        <p:txBody>
+          <a:bodyPr wrap="square">
+            <a:spAutoFit/>
+          </a:bodyPr>
+          <a:lstStyle/>
+          <a:p>
+            <a:r>
+              <a:rPr lang="de-DE" sz="900" dirty="0"/>
+              <a:t>Markov-Analyse &amp; Interview| WiSe 2023/24 I Hochschule Bielefeld I Linus Langenkamp, Jolan Eggers, Nicolas Schneider, Redouane Kabouchi I 03.11.2023 I Seite </a:t>
+            </a:r>
+            <a:fld id="{8665FA59-C0FE-4AB6-AD99-2451632B0EBE}" type="slidenum">
+              <a:rPr lang="de-DE" sz="900" smtClean="0"/>
+              <a:t>8</a:t>
+            </a:fld>
+            <a:endParaRPr lang="de-DE" sz="900" dirty="0"/>
+          </a:p>
+        </p:txBody>
+      </p:sp>
+      <p:sp>
+        <p:nvSpPr>
+          <p:cNvPr id="7" name="Title 1">
+            <a:extLst>
+              <a:ext uri="{FF2B5EF4-FFF2-40B4-BE49-F238E27FC236}">
+                <a16:creationId xmlns:a16="http://schemas.microsoft.com/office/drawing/2014/main" id="{C134D3AA-85CE-FCC6-6499-8202E6096899}"/>
+              </a:ext>
+            </a:extLst>
+          </p:cNvPr>
+          <p:cNvSpPr txBox="1">
+            <a:spLocks/>
+          </p:cNvSpPr>
+          <p:nvPr/>
+        </p:nvSpPr>
+        <p:spPr>
+          <a:xfrm>
+            <a:off x="738026" y="912189"/>
+            <a:ext cx="9144000" cy="626836"/>
+          </a:xfrm>
+          <a:prstGeom prst="rect">
+            <a:avLst/>
+          </a:prstGeom>
+        </p:spPr>
+        <p:txBody>
+          <a:bodyPr vert="horz" lIns="91440" tIns="45720" rIns="91440" bIns="45720" rtlCol="0" anchor="b">
+            <a:normAutofit/>
+          </a:bodyPr>
+          <a:lstStyle>
+            <a:lvl1pPr algn="ctr" defTabSz="914400" rtl="0" eaLnBrk="1" latinLnBrk="0" hangingPunct="1">
+              <a:lnSpc>
+                <a:spcPct val="90000"/>
+              </a:lnSpc>
+              <a:spcBef>
+                <a:spcPct val="0"/>
+              </a:spcBef>
+              <a:buNone/>
+              <a:defRPr sz="6000" kern="1200">
+                <a:solidFill>
+                  <a:schemeClr val="tx1"/>
+                </a:solidFill>
+                <a:latin typeface="+mj-lt"/>
+                <a:ea typeface="+mj-ea"/>
+                <a:cs typeface="+mj-cs"/>
+              </a:defRPr>
+            </a:lvl1pPr>
+          </a:lstStyle>
+          <a:p>
+            <a:pPr algn="l">
+              <a:lnSpc>
+                <a:spcPct val="100000"/>
+              </a:lnSpc>
+              <a:spcAft>
+                <a:spcPts val="600"/>
+              </a:spcAft>
+            </a:pPr>
+            <a:r>
+              <a:rPr lang="de-DE" sz="2800" b="1" dirty="0">
+                <a:effectLst/>
+                <a:latin typeface="Times New Roman" panose="02020603050405020304" pitchFamily="18" charset="0"/>
+                <a:ea typeface="Times New Roman" panose="02020603050405020304" pitchFamily="18" charset="0"/>
+                <a:cs typeface="Times New Roman" panose="02020603050405020304" pitchFamily="18" charset="0"/>
+              </a:rPr>
+              <a:t>Markov-Analyse</a:t>
+            </a:r>
+            <a:r>
+              <a:rPr lang="de-DE" sz="2800" b="1" dirty="0">
+                <a:latin typeface="Times New Roman" panose="02020603050405020304" pitchFamily="18" charset="0"/>
+                <a:ea typeface="Times New Roman" panose="02020603050405020304" pitchFamily="18" charset="0"/>
+                <a:cs typeface="Times New Roman" panose="02020603050405020304" pitchFamily="18" charset="0"/>
+              </a:rPr>
+              <a:t> – Pseudocode /Erklärung</a:t>
+            </a:r>
+            <a:endParaRPr lang="de-DE" sz="2800" dirty="0"/>
+          </a:p>
+        </p:txBody>
+      </p:sp>
+      <p:sp>
+        <p:nvSpPr>
+          <p:cNvPr id="2" name="Rectangle 1">
+            <a:extLst>
+              <a:ext uri="{FF2B5EF4-FFF2-40B4-BE49-F238E27FC236}">
+                <a16:creationId xmlns:a16="http://schemas.microsoft.com/office/drawing/2014/main" id="{D3C4E6D1-3578-CFD2-13B4-932EF2058131}"/>
+              </a:ext>
+            </a:extLst>
+          </p:cNvPr>
+          <p:cNvSpPr>
+            <a:spLocks noChangeArrowheads="1"/>
+          </p:cNvSpPr>
+          <p:nvPr/>
+        </p:nvSpPr>
+        <p:spPr bwMode="auto">
+          <a:xfrm>
+            <a:off x="901337" y="1539025"/>
+            <a:ext cx="10058400" cy="7155805"/>
+          </a:xfrm>
+          <a:prstGeom prst="rect">
+            <a:avLst/>
+          </a:prstGeom>
+          <a:solidFill>
+            <a:srgbClr val="0F111A"/>
+          </a:solidFill>
+          <a:ln>
+            <a:noFill/>
+          </a:ln>
+          <a:effectLst/>
+          <a:extLst>
+            <a:ext uri="{91240B29-F687-4F45-9708-019B960494DF}">
+              <a14:hiddenLine xmlns:a14="http://schemas.microsoft.com/office/drawing/2010/main" w="9525">
+                <a:solidFill>
+                  <a:schemeClr val="tx1"/>
+                </a:solidFill>
+                <a:miter lim="800000"/>
+                <a:headEnd/>
+                <a:tailEnd/>
+              </a14:hiddenLine>
+            </a:ext>
+            <a:ext uri="{AF507438-7753-43E0-B8FC-AC1667EBCBE1}">
+              <a14:hiddenEffects xmlns:a14="http://schemas.microsoft.com/office/drawing/2010/main">
+                <a:effectLst>
+                  <a:outerShdw dist="35921" dir="2700000" algn="ctr" rotWithShape="0">
+                    <a:schemeClr val="bg2"/>
+                  </a:outerShdw>
+                </a:effectLst>
+              </a14:hiddenEffects>
+            </a:ext>
+          </a:extLst>
+        </p:spPr>
+        <p:txBody>
+          <a:bodyPr vert="horz" wrap="square" lIns="91440" tIns="45720" rIns="91440" bIns="45720" numCol="1" anchor="ctr" anchorCtr="0" compatLnSpc="1">
+            <a:prstTxWarp prst="textNoShape">
+              <a:avLst/>
+            </a:prstTxWarp>
+            <a:spAutoFit/>
+          </a:bodyPr>
+          <a:lstStyle/>
+          <a:p>
+            <a:pPr marL="0" marR="0" lvl="0" indent="0" algn="l" defTabSz="914400" rtl="0" eaLnBrk="0" fontAlgn="base" latinLnBrk="0" hangingPunct="0">
+              <a:lnSpc>
+                <a:spcPct val="100000"/>
+              </a:lnSpc>
+              <a:spcBef>
+                <a:spcPct val="0"/>
+              </a:spcBef>
+              <a:spcAft>
+                <a:spcPct val="0"/>
+              </a:spcAft>
+              <a:buClrTx/>
+              <a:buSzTx/>
+              <a:buFontTx/>
+              <a:buNone/>
+              <a:tabLst/>
+            </a:pPr>
+            <a:r>
+              <a:rPr kumimoji="0" lang="de-DE" altLang="de-DE" sz="900" b="0" i="1" u="none" strike="noStrike" cap="none" normalizeH="0" baseline="0" dirty="0" err="1">
+                <a:ln>
+                  <a:noFill/>
+                </a:ln>
+                <a:solidFill>
+                  <a:srgbClr val="C792EA"/>
+                </a:solidFill>
+                <a:effectLst/>
+                <a:latin typeface="JetBrains Mono"/>
+              </a:rPr>
+              <a:t>import</a:t>
+            </a:r>
+            <a:r>
+              <a:rPr kumimoji="0" lang="de-DE" altLang="de-DE" sz="900" b="0" i="1" u="none" strike="noStrike" cap="none" normalizeH="0" baseline="0" dirty="0">
+                <a:ln>
+                  <a:noFill/>
+                </a:ln>
+                <a:solidFill>
+                  <a:srgbClr val="C792EA"/>
+                </a:solidFill>
+                <a:effectLst/>
+                <a:latin typeface="JetBrains Mono"/>
+              </a:rPr>
+              <a:t> </a:t>
+            </a:r>
+            <a:r>
+              <a:rPr kumimoji="0" lang="de-DE" altLang="de-DE" sz="900" b="0" i="0" u="none" strike="noStrike" cap="none" normalizeH="0" baseline="0" dirty="0" err="1">
+                <a:ln>
+                  <a:noFill/>
+                </a:ln>
+                <a:solidFill>
+                  <a:srgbClr val="C3CEE3"/>
+                </a:solidFill>
+                <a:effectLst/>
+                <a:latin typeface="JetBrains Mono"/>
+              </a:rPr>
+              <a:t>random</a:t>
+            </a:r>
+            <a:br>
+              <a:rPr kumimoji="0" lang="de-DE" altLang="de-DE" sz="900" b="0" i="0" u="none" strike="noStrike" cap="none" normalizeH="0" baseline="0" dirty="0">
+                <a:ln>
+                  <a:noFill/>
+                </a:ln>
+                <a:solidFill>
+                  <a:srgbClr val="C3CEE3"/>
+                </a:solidFill>
+                <a:effectLst/>
+                <a:latin typeface="JetBrains Mono"/>
+              </a:rPr>
+            </a:br>
+            <a:r>
+              <a:rPr kumimoji="0" lang="de-DE" altLang="de-DE" sz="900" b="0" i="1" u="none" strike="noStrike" cap="none" normalizeH="0" baseline="0" dirty="0" err="1">
+                <a:ln>
+                  <a:noFill/>
+                </a:ln>
+                <a:solidFill>
+                  <a:srgbClr val="C792EA"/>
+                </a:solidFill>
+                <a:effectLst/>
+                <a:latin typeface="JetBrains Mono"/>
+              </a:rPr>
+              <a:t>import</a:t>
+            </a:r>
+            <a:r>
+              <a:rPr kumimoji="0" lang="de-DE" altLang="de-DE" sz="900" b="0" i="1" u="none" strike="noStrike" cap="none" normalizeH="0" baseline="0" dirty="0">
+                <a:ln>
+                  <a:noFill/>
+                </a:ln>
+                <a:solidFill>
+                  <a:srgbClr val="C792EA"/>
+                </a:solidFill>
+                <a:effectLst/>
+                <a:latin typeface="JetBrains Mono"/>
+              </a:rPr>
+              <a:t> </a:t>
+            </a:r>
+            <a:r>
+              <a:rPr kumimoji="0" lang="de-DE" altLang="de-DE" sz="900" b="0" i="0" u="none" strike="noStrike" cap="none" normalizeH="0" baseline="0" dirty="0" err="1">
+                <a:ln>
+                  <a:noFill/>
+                </a:ln>
+                <a:solidFill>
+                  <a:srgbClr val="C3CEE3"/>
+                </a:solidFill>
+                <a:effectLst/>
+                <a:latin typeface="JetBrains Mono"/>
+              </a:rPr>
+              <a:t>numpy</a:t>
+            </a:r>
+            <a:r>
+              <a:rPr kumimoji="0" lang="de-DE" altLang="de-DE" sz="900" b="0" i="0" u="none" strike="noStrike" cap="none" normalizeH="0" baseline="0" dirty="0">
+                <a:ln>
+                  <a:noFill/>
+                </a:ln>
+                <a:solidFill>
+                  <a:srgbClr val="C3CEE3"/>
+                </a:solidFill>
+                <a:effectLst/>
+                <a:latin typeface="JetBrains Mono"/>
+              </a:rPr>
+              <a:t> </a:t>
+            </a:r>
+            <a:r>
+              <a:rPr kumimoji="0" lang="de-DE" altLang="de-DE" sz="900" b="0" i="1" u="none" strike="noStrike" cap="none" normalizeH="0" baseline="0" dirty="0" err="1">
+                <a:ln>
+                  <a:noFill/>
+                </a:ln>
+                <a:solidFill>
+                  <a:srgbClr val="C792EA"/>
+                </a:solidFill>
+                <a:effectLst/>
+                <a:latin typeface="JetBrains Mono"/>
+              </a:rPr>
+              <a:t>as</a:t>
+            </a:r>
+            <a:r>
+              <a:rPr kumimoji="0" lang="de-DE" altLang="de-DE" sz="900" b="0" i="1" u="none" strike="noStrike" cap="none" normalizeH="0" baseline="0" dirty="0">
+                <a:ln>
+                  <a:noFill/>
+                </a:ln>
+                <a:solidFill>
+                  <a:srgbClr val="C792EA"/>
+                </a:solidFill>
+                <a:effectLst/>
+                <a:latin typeface="JetBrains Mono"/>
+              </a:rPr>
+              <a:t> </a:t>
+            </a:r>
+            <a:r>
+              <a:rPr kumimoji="0" lang="de-DE" altLang="de-DE" sz="900" b="0" i="0" u="none" strike="noStrike" cap="none" normalizeH="0" baseline="0" dirty="0" err="1">
+                <a:ln>
+                  <a:noFill/>
+                </a:ln>
+                <a:solidFill>
+                  <a:srgbClr val="C3CEE3"/>
+                </a:solidFill>
+                <a:effectLst/>
+                <a:latin typeface="JetBrains Mono"/>
+              </a:rPr>
+              <a:t>np</a:t>
+            </a:r>
+            <a:br>
+              <a:rPr kumimoji="0" lang="de-DE" altLang="de-DE" sz="900" b="0" i="0" u="none" strike="noStrike" cap="none" normalizeH="0" baseline="0" dirty="0">
+                <a:ln>
+                  <a:noFill/>
+                </a:ln>
+                <a:solidFill>
+                  <a:srgbClr val="C3CEE3"/>
+                </a:solidFill>
+                <a:effectLst/>
+                <a:latin typeface="JetBrains Mono"/>
+              </a:rPr>
+            </a:br>
+            <a:r>
+              <a:rPr kumimoji="0" lang="de-DE" altLang="de-DE" sz="900" b="0" i="1" u="none" strike="noStrike" cap="none" normalizeH="0" baseline="0" dirty="0" err="1">
+                <a:ln>
+                  <a:noFill/>
+                </a:ln>
+                <a:solidFill>
+                  <a:srgbClr val="C792EA"/>
+                </a:solidFill>
+                <a:effectLst/>
+                <a:latin typeface="JetBrains Mono"/>
+              </a:rPr>
+              <a:t>import</a:t>
+            </a:r>
+            <a:r>
+              <a:rPr kumimoji="0" lang="de-DE" altLang="de-DE" sz="900" b="0" i="1" u="none" strike="noStrike" cap="none" normalizeH="0" baseline="0" dirty="0">
+                <a:ln>
+                  <a:noFill/>
+                </a:ln>
+                <a:solidFill>
+                  <a:srgbClr val="C792EA"/>
+                </a:solidFill>
+                <a:effectLst/>
+                <a:latin typeface="JetBrains Mono"/>
+              </a:rPr>
+              <a:t> </a:t>
+            </a:r>
+            <a:r>
+              <a:rPr kumimoji="0" lang="de-DE" altLang="de-DE" sz="900" b="0" i="0" u="none" strike="noStrike" cap="none" normalizeH="0" baseline="0" dirty="0" err="1">
+                <a:ln>
+                  <a:noFill/>
+                </a:ln>
+                <a:solidFill>
+                  <a:srgbClr val="C3CEE3"/>
+                </a:solidFill>
+                <a:effectLst/>
+                <a:latin typeface="JetBrains Mono"/>
+              </a:rPr>
+              <a:t>matplotlib</a:t>
+            </a:r>
+            <a:r>
+              <a:rPr kumimoji="0" lang="de-DE" altLang="de-DE" sz="900" b="0" i="0" u="none" strike="noStrike" cap="none" normalizeH="0" baseline="0" dirty="0" err="1">
+                <a:ln>
+                  <a:noFill/>
+                </a:ln>
+                <a:solidFill>
+                  <a:srgbClr val="89DDFF"/>
+                </a:solidFill>
+                <a:effectLst/>
+                <a:latin typeface="JetBrains Mono"/>
+              </a:rPr>
+              <a:t>.</a:t>
+            </a:r>
+            <a:r>
+              <a:rPr kumimoji="0" lang="de-DE" altLang="de-DE" sz="900" b="0" i="0" u="none" strike="noStrike" cap="none" normalizeH="0" baseline="0" dirty="0" err="1">
+                <a:ln>
+                  <a:noFill/>
+                </a:ln>
+                <a:solidFill>
+                  <a:srgbClr val="C3CEE3"/>
+                </a:solidFill>
+                <a:effectLst/>
+                <a:latin typeface="JetBrains Mono"/>
+              </a:rPr>
+              <a:t>pyplot</a:t>
+            </a:r>
+            <a:r>
+              <a:rPr kumimoji="0" lang="de-DE" altLang="de-DE" sz="900" b="0" i="0" u="none" strike="noStrike" cap="none" normalizeH="0" baseline="0" dirty="0">
+                <a:ln>
+                  <a:noFill/>
+                </a:ln>
+                <a:solidFill>
+                  <a:srgbClr val="C3CEE3"/>
+                </a:solidFill>
+                <a:effectLst/>
+                <a:latin typeface="JetBrains Mono"/>
+              </a:rPr>
+              <a:t> </a:t>
+            </a:r>
+            <a:r>
+              <a:rPr kumimoji="0" lang="de-DE" altLang="de-DE" sz="900" b="0" i="1" u="none" strike="noStrike" cap="none" normalizeH="0" baseline="0" dirty="0" err="1">
+                <a:ln>
+                  <a:noFill/>
+                </a:ln>
+                <a:solidFill>
+                  <a:srgbClr val="C792EA"/>
+                </a:solidFill>
+                <a:effectLst/>
+                <a:latin typeface="JetBrains Mono"/>
+              </a:rPr>
+              <a:t>as</a:t>
+            </a:r>
+            <a:r>
+              <a:rPr kumimoji="0" lang="de-DE" altLang="de-DE" sz="900" b="0" i="1" u="none" strike="noStrike" cap="none" normalizeH="0" baseline="0" dirty="0">
+                <a:ln>
+                  <a:noFill/>
+                </a:ln>
+                <a:solidFill>
+                  <a:srgbClr val="C792EA"/>
+                </a:solidFill>
+                <a:effectLst/>
+                <a:latin typeface="JetBrains Mono"/>
+              </a:rPr>
+              <a:t> </a:t>
+            </a:r>
+            <a:r>
+              <a:rPr kumimoji="0" lang="de-DE" altLang="de-DE" sz="900" b="0" i="0" u="none" strike="noStrike" cap="none" normalizeH="0" baseline="0" dirty="0" err="1">
+                <a:ln>
+                  <a:noFill/>
+                </a:ln>
+                <a:solidFill>
+                  <a:srgbClr val="C3CEE3"/>
+                </a:solidFill>
+                <a:effectLst/>
+                <a:latin typeface="JetBrains Mono"/>
+              </a:rPr>
+              <a:t>plt</a:t>
+            </a:r>
+            <a:br>
+              <a:rPr kumimoji="0" lang="de-DE" altLang="de-DE" sz="900" b="0" i="0" u="none" strike="noStrike" cap="none" normalizeH="0" baseline="0" dirty="0">
+                <a:ln>
+                  <a:noFill/>
+                </a:ln>
+                <a:solidFill>
+                  <a:srgbClr val="C3CEE3"/>
+                </a:solidFill>
+                <a:effectLst/>
+                <a:latin typeface="JetBrains Mono"/>
+              </a:rPr>
+            </a:br>
+            <a:r>
+              <a:rPr kumimoji="0" lang="de-DE" altLang="de-DE" sz="900" b="0" i="1" u="none" strike="noStrike" cap="none" normalizeH="0" baseline="0" dirty="0" err="1">
+                <a:ln>
+                  <a:noFill/>
+                </a:ln>
+                <a:solidFill>
+                  <a:srgbClr val="C792EA"/>
+                </a:solidFill>
+                <a:effectLst/>
+                <a:latin typeface="JetBrains Mono"/>
+              </a:rPr>
+              <a:t>from</a:t>
+            </a:r>
+            <a:r>
+              <a:rPr kumimoji="0" lang="de-DE" altLang="de-DE" sz="900" b="0" i="1" u="none" strike="noStrike" cap="none" normalizeH="0" baseline="0" dirty="0">
+                <a:ln>
+                  <a:noFill/>
+                </a:ln>
+                <a:solidFill>
+                  <a:srgbClr val="C792EA"/>
+                </a:solidFill>
+                <a:effectLst/>
+                <a:latin typeface="JetBrains Mono"/>
+              </a:rPr>
+              <a:t> </a:t>
+            </a:r>
+            <a:r>
+              <a:rPr kumimoji="0" lang="de-DE" altLang="de-DE" sz="900" b="0" i="0" u="none" strike="noStrike" cap="none" normalizeH="0" baseline="0" dirty="0" err="1">
+                <a:ln>
+                  <a:noFill/>
+                </a:ln>
+                <a:solidFill>
+                  <a:srgbClr val="C3CEE3"/>
+                </a:solidFill>
+                <a:effectLst/>
+                <a:latin typeface="JetBrains Mono"/>
+              </a:rPr>
+              <a:t>scipy</a:t>
+            </a:r>
+            <a:r>
+              <a:rPr kumimoji="0" lang="de-DE" altLang="de-DE" sz="900" b="0" i="0" u="none" strike="noStrike" cap="none" normalizeH="0" baseline="0" dirty="0" err="1">
+                <a:ln>
+                  <a:noFill/>
+                </a:ln>
+                <a:solidFill>
+                  <a:srgbClr val="89DDFF"/>
+                </a:solidFill>
+                <a:effectLst/>
+                <a:latin typeface="JetBrains Mono"/>
+              </a:rPr>
+              <a:t>.</a:t>
+            </a:r>
+            <a:r>
+              <a:rPr kumimoji="0" lang="de-DE" altLang="de-DE" sz="900" b="0" i="0" u="none" strike="noStrike" cap="none" normalizeH="0" baseline="0" dirty="0" err="1">
+                <a:ln>
+                  <a:noFill/>
+                </a:ln>
+                <a:solidFill>
+                  <a:srgbClr val="C3CEE3"/>
+                </a:solidFill>
+                <a:effectLst/>
+                <a:latin typeface="JetBrains Mono"/>
+              </a:rPr>
+              <a:t>stats</a:t>
+            </a:r>
+            <a:r>
+              <a:rPr kumimoji="0" lang="de-DE" altLang="de-DE" sz="900" b="0" i="0" u="none" strike="noStrike" cap="none" normalizeH="0" baseline="0" dirty="0">
+                <a:ln>
+                  <a:noFill/>
+                </a:ln>
+                <a:solidFill>
+                  <a:srgbClr val="C3CEE3"/>
+                </a:solidFill>
+                <a:effectLst/>
+                <a:latin typeface="JetBrains Mono"/>
+              </a:rPr>
+              <a:t> </a:t>
+            </a:r>
+            <a:r>
+              <a:rPr kumimoji="0" lang="de-DE" altLang="de-DE" sz="900" b="0" i="1" u="none" strike="noStrike" cap="none" normalizeH="0" baseline="0" dirty="0" err="1">
+                <a:ln>
+                  <a:noFill/>
+                </a:ln>
+                <a:solidFill>
+                  <a:srgbClr val="C792EA"/>
+                </a:solidFill>
+                <a:effectLst/>
+                <a:latin typeface="JetBrains Mono"/>
+              </a:rPr>
+              <a:t>import</a:t>
+            </a:r>
+            <a:r>
+              <a:rPr kumimoji="0" lang="de-DE" altLang="de-DE" sz="900" b="0" i="1" u="none" strike="noStrike" cap="none" normalizeH="0" baseline="0" dirty="0">
+                <a:ln>
+                  <a:noFill/>
+                </a:ln>
+                <a:solidFill>
+                  <a:srgbClr val="C792EA"/>
+                </a:solidFill>
+                <a:effectLst/>
+                <a:latin typeface="JetBrains Mono"/>
+              </a:rPr>
+              <a:t> </a:t>
+            </a:r>
+            <a:r>
+              <a:rPr kumimoji="0" lang="de-DE" altLang="de-DE" sz="900" b="0" i="0" u="none" strike="noStrike" cap="none" normalizeH="0" baseline="0" dirty="0" err="1">
+                <a:ln>
+                  <a:noFill/>
+                </a:ln>
+                <a:solidFill>
+                  <a:srgbClr val="C3CEE3"/>
+                </a:solidFill>
+                <a:effectLst/>
+                <a:latin typeface="JetBrains Mono"/>
+              </a:rPr>
+              <a:t>skew</a:t>
+            </a:r>
+            <a:br>
+              <a:rPr kumimoji="0" lang="de-DE" altLang="de-DE" sz="900" b="0" i="0" u="none" strike="noStrike" cap="none" normalizeH="0" baseline="0" dirty="0">
+                <a:ln>
+                  <a:noFill/>
+                </a:ln>
+                <a:solidFill>
+                  <a:srgbClr val="C3CEE3"/>
+                </a:solidFill>
+                <a:effectLst/>
+                <a:latin typeface="JetBrains Mono"/>
+              </a:rPr>
+            </a:br>
+            <a:br>
+              <a:rPr kumimoji="0" lang="de-DE" altLang="de-DE" sz="900" b="0" i="0" u="none" strike="noStrike" cap="none" normalizeH="0" baseline="0" dirty="0">
+                <a:ln>
+                  <a:noFill/>
+                </a:ln>
+                <a:solidFill>
+                  <a:srgbClr val="C3CEE3"/>
+                </a:solidFill>
+                <a:effectLst/>
+                <a:latin typeface="JetBrains Mono"/>
+              </a:rPr>
+            </a:br>
+            <a:br>
+              <a:rPr kumimoji="0" lang="de-DE" altLang="de-DE" sz="900" b="0" i="0" u="none" strike="noStrike" cap="none" normalizeH="0" baseline="0" dirty="0">
+                <a:ln>
+                  <a:noFill/>
+                </a:ln>
+                <a:solidFill>
+                  <a:srgbClr val="C3CEE3"/>
+                </a:solidFill>
+                <a:effectLst/>
+                <a:latin typeface="JetBrains Mono"/>
+              </a:rPr>
+            </a:br>
+            <a:r>
+              <a:rPr kumimoji="0" lang="de-DE" altLang="de-DE" sz="900" b="0" i="0" u="none" strike="noStrike" cap="none" normalizeH="0" baseline="0" dirty="0" err="1">
+                <a:ln>
+                  <a:noFill/>
+                </a:ln>
+                <a:solidFill>
+                  <a:srgbClr val="C3CEE3"/>
+                </a:solidFill>
+                <a:effectLst/>
+                <a:latin typeface="JetBrains Mono"/>
+              </a:rPr>
+              <a:t>realX</a:t>
+            </a:r>
+            <a:r>
+              <a:rPr kumimoji="0" lang="de-DE" altLang="de-DE" sz="900" b="0" i="0" u="none" strike="noStrike" cap="none" normalizeH="0" baseline="0" dirty="0">
+                <a:ln>
+                  <a:noFill/>
+                </a:ln>
+                <a:solidFill>
+                  <a:srgbClr val="C3CEE3"/>
+                </a:solidFill>
+                <a:effectLst/>
+                <a:latin typeface="JetBrains Mono"/>
+              </a:rPr>
+              <a:t> </a:t>
+            </a:r>
+            <a:r>
+              <a:rPr kumimoji="0" lang="de-DE" altLang="de-DE" sz="900" b="0" i="0" u="none" strike="noStrike" cap="none" normalizeH="0" baseline="0" dirty="0">
+                <a:ln>
+                  <a:noFill/>
+                </a:ln>
+                <a:solidFill>
+                  <a:srgbClr val="89DDFF"/>
+                </a:solidFill>
+                <a:effectLst/>
+                <a:latin typeface="JetBrains Mono"/>
+              </a:rPr>
+              <a:t>= [] </a:t>
+            </a:r>
+            <a:r>
+              <a:rPr kumimoji="0" lang="de-DE" altLang="de-DE" sz="900" b="0" i="0" u="none" strike="noStrike" cap="none" normalizeH="0" baseline="0" dirty="0" err="1">
+                <a:ln>
+                  <a:noFill/>
+                </a:ln>
+                <a:solidFill>
+                  <a:srgbClr val="C3CEE3"/>
+                </a:solidFill>
+                <a:effectLst/>
+                <a:latin typeface="JetBrains Mono"/>
+              </a:rPr>
+              <a:t>realX</a:t>
+            </a:r>
+            <a:r>
+              <a:rPr kumimoji="0" lang="de-DE" altLang="de-DE" sz="900" b="0" i="0" u="none" strike="noStrike" cap="none" normalizeH="0" baseline="0" dirty="0" err="1">
+                <a:ln>
+                  <a:noFill/>
+                </a:ln>
+                <a:solidFill>
+                  <a:srgbClr val="89DDFF"/>
+                </a:solidFill>
+                <a:effectLst/>
+                <a:latin typeface="JetBrains Mono"/>
+              </a:rPr>
+              <a:t>.</a:t>
+            </a:r>
+            <a:r>
+              <a:rPr kumimoji="0" lang="de-DE" altLang="de-DE" sz="900" b="0" i="0" u="none" strike="noStrike" cap="none" normalizeH="0" baseline="0" dirty="0" err="1">
+                <a:ln>
+                  <a:noFill/>
+                </a:ln>
+                <a:solidFill>
+                  <a:srgbClr val="82AAFF"/>
+                </a:solidFill>
+                <a:effectLst/>
+                <a:latin typeface="JetBrains Mono"/>
+              </a:rPr>
+              <a:t>append</a:t>
+            </a:r>
+            <a:r>
+              <a:rPr kumimoji="0" lang="de-DE" altLang="de-DE" sz="900" b="0" i="0" u="none" strike="noStrike" cap="none" normalizeH="0" baseline="0" dirty="0">
+                <a:ln>
+                  <a:noFill/>
+                </a:ln>
+                <a:solidFill>
+                  <a:srgbClr val="89DDFF"/>
+                </a:solidFill>
+                <a:effectLst/>
+                <a:latin typeface="JetBrains Mono"/>
+              </a:rPr>
+              <a:t>(</a:t>
+            </a:r>
+            <a:r>
+              <a:rPr kumimoji="0" lang="de-DE" altLang="de-DE" sz="900" b="0" i="0" u="none" strike="noStrike" cap="none" normalizeH="0" baseline="0" dirty="0">
+                <a:ln>
+                  <a:noFill/>
+                </a:ln>
+                <a:solidFill>
+                  <a:srgbClr val="C3CEE3"/>
+                </a:solidFill>
+                <a:effectLst/>
+                <a:latin typeface="JetBrains Mono"/>
+              </a:rPr>
+              <a:t>t</a:t>
+            </a:r>
+            <a:r>
+              <a:rPr kumimoji="0" lang="de-DE" altLang="de-DE" sz="900" b="0" i="0" u="none" strike="noStrike" cap="none" normalizeH="0" baseline="0" dirty="0">
+                <a:ln>
+                  <a:noFill/>
+                </a:ln>
+                <a:solidFill>
+                  <a:srgbClr val="89DDFF"/>
+                </a:solidFill>
+                <a:effectLst/>
+                <a:latin typeface="JetBrains Mono"/>
+              </a:rPr>
+              <a:t>)</a:t>
+            </a:r>
+            <a:br>
+              <a:rPr kumimoji="0" lang="de-DE" altLang="de-DE" sz="900" b="0" i="0" u="none" strike="noStrike" cap="none" normalizeH="0" baseline="0" dirty="0">
+                <a:ln>
+                  <a:noFill/>
+                </a:ln>
+                <a:solidFill>
+                  <a:srgbClr val="89DDFF"/>
+                </a:solidFill>
+                <a:effectLst/>
+                <a:latin typeface="JetBrains Mono"/>
+              </a:rPr>
+            </a:br>
+            <a:br>
+              <a:rPr kumimoji="0" lang="de-DE" altLang="de-DE" sz="900" b="0" i="0" u="none" strike="noStrike" cap="none" normalizeH="0" baseline="0" dirty="0">
+                <a:ln>
+                  <a:noFill/>
+                </a:ln>
+                <a:solidFill>
+                  <a:srgbClr val="89DDFF"/>
+                </a:solidFill>
+                <a:effectLst/>
+                <a:latin typeface="JetBrains Mono"/>
+              </a:rPr>
+            </a:br>
+            <a:r>
+              <a:rPr kumimoji="0" lang="de-DE" altLang="de-DE" sz="900" b="0" i="0" u="none" strike="noStrike" cap="none" normalizeH="0" baseline="0" dirty="0" err="1">
+                <a:ln>
+                  <a:noFill/>
+                </a:ln>
+                <a:solidFill>
+                  <a:srgbClr val="C3CEE3"/>
+                </a:solidFill>
+                <a:effectLst/>
+                <a:latin typeface="JetBrains Mono"/>
+              </a:rPr>
+              <a:t>anzahlSims</a:t>
+            </a:r>
+            <a:r>
+              <a:rPr kumimoji="0" lang="de-DE" altLang="de-DE" sz="900" b="0" i="0" u="none" strike="noStrike" cap="none" normalizeH="0" baseline="0" dirty="0">
+                <a:ln>
+                  <a:noFill/>
+                </a:ln>
+                <a:solidFill>
+                  <a:srgbClr val="C3CEE3"/>
+                </a:solidFill>
+                <a:effectLst/>
+                <a:latin typeface="JetBrains Mono"/>
+              </a:rPr>
+              <a:t> </a:t>
+            </a:r>
+            <a:r>
+              <a:rPr kumimoji="0" lang="de-DE" altLang="de-DE" sz="900" b="0" i="0" u="none" strike="noStrike" cap="none" normalizeH="0" baseline="0" dirty="0">
+                <a:ln>
+                  <a:noFill/>
+                </a:ln>
+                <a:solidFill>
+                  <a:srgbClr val="89DDFF"/>
+                </a:solidFill>
+                <a:effectLst/>
+                <a:latin typeface="JetBrains Mono"/>
+              </a:rPr>
+              <a:t>= </a:t>
+            </a:r>
+            <a:r>
+              <a:rPr kumimoji="0" lang="de-DE" altLang="de-DE" sz="900" b="0" i="0" u="none" strike="noStrike" cap="none" normalizeH="0" baseline="0" dirty="0">
+                <a:ln>
+                  <a:noFill/>
+                </a:ln>
+                <a:solidFill>
+                  <a:srgbClr val="F78C6C"/>
+                </a:solidFill>
+                <a:effectLst/>
+                <a:latin typeface="JetBrains Mono"/>
+              </a:rPr>
+              <a:t>1000</a:t>
+            </a:r>
+            <a:br>
+              <a:rPr kumimoji="0" lang="de-DE" altLang="de-DE" sz="900" b="0" i="0" u="none" strike="noStrike" cap="none" normalizeH="0" baseline="0" dirty="0">
+                <a:ln>
+                  <a:noFill/>
+                </a:ln>
+                <a:solidFill>
+                  <a:srgbClr val="F78C6C"/>
+                </a:solidFill>
+                <a:effectLst/>
+                <a:latin typeface="JetBrains Mono"/>
+              </a:rPr>
+            </a:br>
+            <a:r>
+              <a:rPr kumimoji="0" lang="de-DE" altLang="de-DE" sz="900" b="0" i="0" u="none" strike="noStrike" cap="none" normalizeH="0" baseline="0" dirty="0">
+                <a:ln>
+                  <a:noFill/>
+                </a:ln>
+                <a:solidFill>
+                  <a:srgbClr val="C3CEE3"/>
+                </a:solidFill>
+                <a:effectLst/>
+                <a:latin typeface="JetBrains Mono"/>
+              </a:rPr>
+              <a:t>x </a:t>
+            </a:r>
+            <a:r>
+              <a:rPr kumimoji="0" lang="de-DE" altLang="de-DE" sz="900" b="0" i="0" u="none" strike="noStrike" cap="none" normalizeH="0" baseline="0" dirty="0">
+                <a:ln>
+                  <a:noFill/>
+                </a:ln>
+                <a:solidFill>
+                  <a:srgbClr val="89DDFF"/>
+                </a:solidFill>
+                <a:effectLst/>
+                <a:latin typeface="JetBrains Mono"/>
+              </a:rPr>
+              <a:t>= [</a:t>
+            </a:r>
+            <a:r>
+              <a:rPr kumimoji="0" lang="de-DE" altLang="de-DE" sz="900" b="0" i="1" u="none" strike="noStrike" cap="none" normalizeH="0" baseline="0" dirty="0" err="1">
+                <a:ln>
+                  <a:noFill/>
+                </a:ln>
+                <a:solidFill>
+                  <a:srgbClr val="82AAFF"/>
+                </a:solidFill>
+                <a:effectLst/>
+                <a:latin typeface="JetBrains Mono"/>
+              </a:rPr>
+              <a:t>len</a:t>
+            </a:r>
+            <a:r>
+              <a:rPr kumimoji="0" lang="de-DE" altLang="de-DE" sz="900" b="0" i="0" u="none" strike="noStrike" cap="none" normalizeH="0" baseline="0" dirty="0">
+                <a:ln>
+                  <a:noFill/>
+                </a:ln>
+                <a:solidFill>
+                  <a:srgbClr val="89DDFF"/>
+                </a:solidFill>
+                <a:effectLst/>
+                <a:latin typeface="JetBrains Mono"/>
+              </a:rPr>
+              <a:t>(</a:t>
+            </a:r>
+            <a:r>
+              <a:rPr kumimoji="0" lang="de-DE" altLang="de-DE" sz="900" b="0" i="0" u="none" strike="noStrike" cap="none" normalizeH="0" baseline="0" dirty="0" err="1">
+                <a:ln>
+                  <a:noFill/>
+                </a:ln>
+                <a:solidFill>
+                  <a:srgbClr val="C3CEE3"/>
+                </a:solidFill>
+                <a:effectLst/>
+                <a:latin typeface="JetBrains Mono"/>
+              </a:rPr>
+              <a:t>realY</a:t>
+            </a:r>
+            <a:r>
+              <a:rPr kumimoji="0" lang="de-DE" altLang="de-DE" sz="900" b="0" i="0" u="none" strike="noStrike" cap="none" normalizeH="0" baseline="0" dirty="0">
+                <a:ln>
+                  <a:noFill/>
+                </a:ln>
+                <a:solidFill>
+                  <a:srgbClr val="89DDFF"/>
+                </a:solidFill>
+                <a:effectLst/>
+                <a:latin typeface="JetBrains Mono"/>
+              </a:rPr>
+              <a:t>)]</a:t>
+            </a:r>
+            <a:br>
+              <a:rPr kumimoji="0" lang="de-DE" altLang="de-DE" sz="900" b="0" i="0" u="none" strike="noStrike" cap="none" normalizeH="0" baseline="0" dirty="0">
+                <a:ln>
+                  <a:noFill/>
+                </a:ln>
+                <a:solidFill>
+                  <a:srgbClr val="89DDFF"/>
+                </a:solidFill>
+                <a:effectLst/>
+                <a:latin typeface="JetBrains Mono"/>
+              </a:rPr>
+            </a:br>
+            <a:r>
+              <a:rPr kumimoji="0" lang="de-DE" altLang="de-DE" sz="900" b="0" i="0" u="none" strike="noStrike" cap="none" normalizeH="0" baseline="0" dirty="0">
+                <a:ln>
+                  <a:noFill/>
+                </a:ln>
+                <a:solidFill>
+                  <a:srgbClr val="C3CEE3"/>
+                </a:solidFill>
+                <a:effectLst/>
+                <a:latin typeface="JetBrains Mono"/>
+              </a:rPr>
+              <a:t>y </a:t>
+            </a:r>
+            <a:r>
+              <a:rPr kumimoji="0" lang="de-DE" altLang="de-DE" sz="900" b="0" i="0" u="none" strike="noStrike" cap="none" normalizeH="0" baseline="0" dirty="0">
+                <a:ln>
+                  <a:noFill/>
+                </a:ln>
+                <a:solidFill>
+                  <a:srgbClr val="89DDFF"/>
+                </a:solidFill>
+                <a:effectLst/>
+                <a:latin typeface="JetBrains Mono"/>
+              </a:rPr>
+              <a:t>= []</a:t>
+            </a:r>
+            <a:br>
+              <a:rPr kumimoji="0" lang="de-DE" altLang="de-DE" sz="900" b="0" i="0" u="none" strike="noStrike" cap="none" normalizeH="0" baseline="0" dirty="0">
+                <a:ln>
+                  <a:noFill/>
+                </a:ln>
+                <a:solidFill>
+                  <a:srgbClr val="89DDFF"/>
+                </a:solidFill>
+                <a:effectLst/>
+                <a:latin typeface="JetBrains Mono"/>
+              </a:rPr>
+            </a:br>
+            <a:r>
+              <a:rPr kumimoji="0" lang="de-DE" altLang="de-DE" sz="900" b="0" i="1" u="none" strike="noStrike" cap="none" normalizeH="0" baseline="0" dirty="0" err="1">
+                <a:ln>
+                  <a:noFill/>
+                </a:ln>
+                <a:solidFill>
+                  <a:srgbClr val="C792EA"/>
+                </a:solidFill>
+                <a:effectLst/>
+                <a:latin typeface="JetBrains Mono"/>
+              </a:rPr>
+              <a:t>for</a:t>
+            </a:r>
+            <a:r>
+              <a:rPr kumimoji="0" lang="de-DE" altLang="de-DE" sz="900" b="0" i="1" u="none" strike="noStrike" cap="none" normalizeH="0" baseline="0" dirty="0">
+                <a:ln>
+                  <a:noFill/>
+                </a:ln>
+                <a:solidFill>
+                  <a:srgbClr val="C792EA"/>
+                </a:solidFill>
+                <a:effectLst/>
+                <a:latin typeface="JetBrains Mono"/>
+              </a:rPr>
+              <a:t> </a:t>
+            </a:r>
+            <a:r>
+              <a:rPr kumimoji="0" lang="de-DE" altLang="de-DE" sz="900" b="0" i="0" u="none" strike="noStrike" cap="none" normalizeH="0" baseline="0" dirty="0">
+                <a:ln>
+                  <a:noFill/>
+                </a:ln>
+                <a:solidFill>
+                  <a:srgbClr val="C3CEE3"/>
+                </a:solidFill>
+                <a:effectLst/>
+                <a:latin typeface="JetBrains Mono"/>
+              </a:rPr>
+              <a:t>n </a:t>
+            </a:r>
+            <a:r>
+              <a:rPr kumimoji="0" lang="de-DE" altLang="de-DE" sz="900" b="0" i="1" u="none" strike="noStrike" cap="none" normalizeH="0" baseline="0" dirty="0">
+                <a:ln>
+                  <a:noFill/>
+                </a:ln>
+                <a:solidFill>
+                  <a:srgbClr val="C792EA"/>
+                </a:solidFill>
+                <a:effectLst/>
+                <a:latin typeface="JetBrains Mono"/>
+              </a:rPr>
+              <a:t>in </a:t>
+            </a:r>
+            <a:r>
+              <a:rPr kumimoji="0" lang="de-DE" altLang="de-DE" sz="900" b="0" i="1" u="none" strike="noStrike" cap="none" normalizeH="0" baseline="0" dirty="0" err="1">
+                <a:ln>
+                  <a:noFill/>
+                </a:ln>
+                <a:solidFill>
+                  <a:srgbClr val="82AAFF"/>
+                </a:solidFill>
+                <a:effectLst/>
+                <a:latin typeface="JetBrains Mono"/>
+              </a:rPr>
+              <a:t>range</a:t>
+            </a:r>
+            <a:r>
+              <a:rPr kumimoji="0" lang="de-DE" altLang="de-DE" sz="900" b="0" i="0" u="none" strike="noStrike" cap="none" normalizeH="0" baseline="0" dirty="0">
+                <a:ln>
+                  <a:noFill/>
+                </a:ln>
+                <a:solidFill>
+                  <a:srgbClr val="89DDFF"/>
+                </a:solidFill>
+                <a:effectLst/>
+                <a:latin typeface="JetBrains Mono"/>
+              </a:rPr>
+              <a:t>(</a:t>
+            </a:r>
+            <a:r>
+              <a:rPr kumimoji="0" lang="de-DE" altLang="de-DE" sz="900" b="0" i="0" u="none" strike="noStrike" cap="none" normalizeH="0" baseline="0" dirty="0" err="1">
+                <a:ln>
+                  <a:noFill/>
+                </a:ln>
+                <a:solidFill>
+                  <a:srgbClr val="C3CEE3"/>
+                </a:solidFill>
+                <a:effectLst/>
+                <a:latin typeface="JetBrains Mono"/>
+              </a:rPr>
+              <a:t>anzahlSims</a:t>
+            </a:r>
+            <a:r>
+              <a:rPr kumimoji="0" lang="de-DE" altLang="de-DE" sz="900" b="0" i="0" u="none" strike="noStrike" cap="none" normalizeH="0" baseline="0" dirty="0">
+                <a:ln>
+                  <a:noFill/>
+                </a:ln>
+                <a:solidFill>
+                  <a:srgbClr val="89DDFF"/>
+                </a:solidFill>
+                <a:effectLst/>
+                <a:latin typeface="JetBrains Mono"/>
+              </a:rPr>
+              <a:t>):</a:t>
+            </a:r>
+            <a:br>
+              <a:rPr kumimoji="0" lang="de-DE" altLang="de-DE" sz="900" b="0" i="0" u="none" strike="noStrike" cap="none" normalizeH="0" baseline="0" dirty="0">
+                <a:ln>
+                  <a:noFill/>
+                </a:ln>
+                <a:solidFill>
+                  <a:srgbClr val="89DDFF"/>
+                </a:solidFill>
+                <a:effectLst/>
+                <a:latin typeface="JetBrains Mono"/>
+              </a:rPr>
+            </a:br>
+            <a:r>
+              <a:rPr kumimoji="0" lang="de-DE" altLang="de-DE" sz="900" b="0" i="0" u="none" strike="noStrike" cap="none" normalizeH="0" baseline="0" dirty="0">
+                <a:ln>
+                  <a:noFill/>
+                </a:ln>
+                <a:solidFill>
+                  <a:srgbClr val="89DDFF"/>
+                </a:solidFill>
+                <a:effectLst/>
+                <a:latin typeface="JetBrains Mono"/>
+              </a:rPr>
+              <a:t>    </a:t>
+            </a:r>
+            <a:r>
+              <a:rPr kumimoji="0" lang="de-DE" altLang="de-DE" sz="900" b="0" i="0" u="none" strike="noStrike" cap="none" normalizeH="0" baseline="0" dirty="0" err="1">
+                <a:ln>
+                  <a:noFill/>
+                </a:ln>
+                <a:solidFill>
+                  <a:srgbClr val="C3CEE3"/>
+                </a:solidFill>
+                <a:effectLst/>
+                <a:latin typeface="JetBrains Mono"/>
+              </a:rPr>
+              <a:t>y</a:t>
+            </a:r>
+            <a:r>
+              <a:rPr kumimoji="0" lang="de-DE" altLang="de-DE" sz="900" b="0" i="0" u="none" strike="noStrike" cap="none" normalizeH="0" baseline="0" dirty="0" err="1">
+                <a:ln>
+                  <a:noFill/>
+                </a:ln>
+                <a:solidFill>
+                  <a:srgbClr val="89DDFF"/>
+                </a:solidFill>
+                <a:effectLst/>
+                <a:latin typeface="JetBrains Mono"/>
+              </a:rPr>
+              <a:t>.</a:t>
+            </a:r>
+            <a:r>
+              <a:rPr kumimoji="0" lang="de-DE" altLang="de-DE" sz="900" b="0" i="0" u="none" strike="noStrike" cap="none" normalizeH="0" baseline="0" dirty="0" err="1">
+                <a:ln>
+                  <a:noFill/>
+                </a:ln>
+                <a:solidFill>
+                  <a:srgbClr val="82AAFF"/>
+                </a:solidFill>
+                <a:effectLst/>
+                <a:latin typeface="JetBrains Mono"/>
+              </a:rPr>
+              <a:t>append</a:t>
+            </a:r>
+            <a:r>
+              <a:rPr kumimoji="0" lang="de-DE" altLang="de-DE" sz="900" b="0" i="0" u="none" strike="noStrike" cap="none" normalizeH="0" baseline="0" dirty="0">
+                <a:ln>
+                  <a:noFill/>
+                </a:ln>
+                <a:solidFill>
+                  <a:srgbClr val="89DDFF"/>
+                </a:solidFill>
+                <a:effectLst/>
+                <a:latin typeface="JetBrains Mono"/>
+              </a:rPr>
+              <a:t>([</a:t>
+            </a:r>
+            <a:r>
+              <a:rPr kumimoji="0" lang="de-DE" altLang="de-DE" sz="900" b="0" i="0" u="none" strike="noStrike" cap="none" normalizeH="0" baseline="0" dirty="0">
+                <a:ln>
+                  <a:noFill/>
+                </a:ln>
+                <a:solidFill>
+                  <a:srgbClr val="F78C6C"/>
+                </a:solidFill>
+                <a:effectLst/>
+                <a:latin typeface="JetBrains Mono"/>
+              </a:rPr>
+              <a:t>276.0</a:t>
+            </a:r>
+            <a:r>
+              <a:rPr kumimoji="0" lang="de-DE" altLang="de-DE" sz="900" b="0" i="0" u="none" strike="noStrike" cap="none" normalizeH="0" baseline="0" dirty="0">
+                <a:ln>
+                  <a:noFill/>
+                </a:ln>
+                <a:solidFill>
+                  <a:srgbClr val="89DDFF"/>
+                </a:solidFill>
+                <a:effectLst/>
+                <a:latin typeface="JetBrains Mono"/>
+              </a:rPr>
+              <a:t>])</a:t>
+            </a:r>
+            <a:br>
+              <a:rPr kumimoji="0" lang="de-DE" altLang="de-DE" sz="900" b="0" i="0" u="none" strike="noStrike" cap="none" normalizeH="0" baseline="0" dirty="0">
+                <a:ln>
+                  <a:noFill/>
+                </a:ln>
+                <a:solidFill>
+                  <a:srgbClr val="89DDFF"/>
+                </a:solidFill>
+                <a:effectLst/>
+                <a:latin typeface="JetBrains Mono"/>
+              </a:rPr>
+            </a:br>
+            <a:br>
+              <a:rPr kumimoji="0" lang="de-DE" altLang="de-DE" sz="900" b="0" i="0" u="none" strike="noStrike" cap="none" normalizeH="0" baseline="0" dirty="0">
+                <a:ln>
+                  <a:noFill/>
+                </a:ln>
+                <a:solidFill>
+                  <a:srgbClr val="89DDFF"/>
+                </a:solidFill>
+                <a:effectLst/>
+                <a:latin typeface="JetBrains Mono"/>
+              </a:rPr>
+            </a:br>
+            <a:r>
+              <a:rPr kumimoji="0" lang="de-DE" altLang="de-DE" sz="900" b="0" i="1" u="none" strike="noStrike" cap="none" normalizeH="0" baseline="0" dirty="0" err="1">
+                <a:ln>
+                  <a:noFill/>
+                </a:ln>
+                <a:solidFill>
+                  <a:srgbClr val="C792EA"/>
+                </a:solidFill>
+                <a:effectLst/>
+                <a:latin typeface="JetBrains Mono"/>
+              </a:rPr>
+              <a:t>for</a:t>
+            </a:r>
+            <a:r>
+              <a:rPr kumimoji="0" lang="de-DE" altLang="de-DE" sz="900" b="0" i="1" u="none" strike="noStrike" cap="none" normalizeH="0" baseline="0" dirty="0">
+                <a:ln>
+                  <a:noFill/>
+                </a:ln>
+                <a:solidFill>
+                  <a:srgbClr val="C792EA"/>
+                </a:solidFill>
+                <a:effectLst/>
+                <a:latin typeface="JetBrains Mono"/>
+              </a:rPr>
+              <a:t> </a:t>
+            </a:r>
+            <a:r>
+              <a:rPr kumimoji="0" lang="de-DE" altLang="de-DE" sz="900" b="0" i="0" u="none" strike="noStrike" cap="none" normalizeH="0" baseline="0" dirty="0">
+                <a:ln>
+                  <a:noFill/>
+                </a:ln>
+                <a:solidFill>
+                  <a:srgbClr val="C3CEE3"/>
+                </a:solidFill>
+                <a:effectLst/>
+                <a:latin typeface="JetBrains Mono"/>
+              </a:rPr>
+              <a:t>t </a:t>
+            </a:r>
+            <a:r>
+              <a:rPr kumimoji="0" lang="de-DE" altLang="de-DE" sz="900" b="0" i="1" u="none" strike="noStrike" cap="none" normalizeH="0" baseline="0" dirty="0">
+                <a:ln>
+                  <a:noFill/>
+                </a:ln>
+                <a:solidFill>
+                  <a:srgbClr val="C792EA"/>
+                </a:solidFill>
+                <a:effectLst/>
+                <a:latin typeface="JetBrains Mono"/>
+              </a:rPr>
+              <a:t>in </a:t>
+            </a:r>
+            <a:r>
+              <a:rPr kumimoji="0" lang="de-DE" altLang="de-DE" sz="900" b="0" i="1" u="none" strike="noStrike" cap="none" normalizeH="0" baseline="0" dirty="0" err="1">
+                <a:ln>
+                  <a:noFill/>
+                </a:ln>
+                <a:solidFill>
+                  <a:srgbClr val="82AAFF"/>
+                </a:solidFill>
+                <a:effectLst/>
+                <a:latin typeface="JetBrains Mono"/>
+              </a:rPr>
+              <a:t>range</a:t>
+            </a:r>
+            <a:r>
+              <a:rPr kumimoji="0" lang="de-DE" altLang="de-DE" sz="900" b="0" i="0" u="none" strike="noStrike" cap="none" normalizeH="0" baseline="0" dirty="0">
+                <a:ln>
+                  <a:noFill/>
+                </a:ln>
+                <a:solidFill>
+                  <a:srgbClr val="89DDFF"/>
+                </a:solidFill>
+                <a:effectLst/>
+                <a:latin typeface="JetBrains Mono"/>
+              </a:rPr>
+              <a:t>(</a:t>
+            </a:r>
+            <a:r>
+              <a:rPr kumimoji="0" lang="de-DE" altLang="de-DE" sz="900" b="0" i="0" u="none" strike="noStrike" cap="none" normalizeH="0" baseline="0" dirty="0">
+                <a:ln>
+                  <a:noFill/>
+                </a:ln>
+                <a:solidFill>
+                  <a:srgbClr val="F78C6C"/>
+                </a:solidFill>
+                <a:effectLst/>
+                <a:latin typeface="JetBrains Mono"/>
+              </a:rPr>
+              <a:t>100</a:t>
+            </a:r>
+            <a:r>
+              <a:rPr kumimoji="0" lang="de-DE" altLang="de-DE" sz="900" b="0" i="0" u="none" strike="noStrike" cap="none" normalizeH="0" baseline="0" dirty="0">
+                <a:ln>
+                  <a:noFill/>
+                </a:ln>
+                <a:solidFill>
+                  <a:srgbClr val="89DDFF"/>
+                </a:solidFill>
+                <a:effectLst/>
+                <a:latin typeface="JetBrains Mono"/>
+              </a:rPr>
+              <a:t>):</a:t>
+            </a:r>
+            <a:br>
+              <a:rPr kumimoji="0" lang="de-DE" altLang="de-DE" sz="900" b="0" i="0" u="none" strike="noStrike" cap="none" normalizeH="0" baseline="0" dirty="0">
+                <a:ln>
+                  <a:noFill/>
+                </a:ln>
+                <a:solidFill>
+                  <a:srgbClr val="89DDFF"/>
+                </a:solidFill>
+                <a:effectLst/>
+                <a:latin typeface="JetBrains Mono"/>
+              </a:rPr>
+            </a:br>
+            <a:r>
+              <a:rPr kumimoji="0" lang="de-DE" altLang="de-DE" sz="900" b="0" i="0" u="none" strike="noStrike" cap="none" normalizeH="0" baseline="0" dirty="0">
+                <a:ln>
+                  <a:noFill/>
+                </a:ln>
+                <a:solidFill>
+                  <a:srgbClr val="89DDFF"/>
+                </a:solidFill>
+                <a:effectLst/>
+                <a:latin typeface="JetBrains Mono"/>
+              </a:rPr>
+              <a:t>    </a:t>
+            </a:r>
+            <a:r>
+              <a:rPr kumimoji="0" lang="de-DE" altLang="de-DE" sz="900" b="0" i="0" u="none" strike="noStrike" cap="none" normalizeH="0" baseline="0" dirty="0" err="1">
+                <a:ln>
+                  <a:noFill/>
+                </a:ln>
+                <a:solidFill>
+                  <a:srgbClr val="C3CEE3"/>
+                </a:solidFill>
+                <a:effectLst/>
+                <a:latin typeface="JetBrains Mono"/>
+              </a:rPr>
+              <a:t>x</a:t>
+            </a:r>
+            <a:r>
+              <a:rPr kumimoji="0" lang="de-DE" altLang="de-DE" sz="900" b="0" i="0" u="none" strike="noStrike" cap="none" normalizeH="0" baseline="0" dirty="0" err="1">
+                <a:ln>
+                  <a:noFill/>
+                </a:ln>
+                <a:solidFill>
+                  <a:srgbClr val="89DDFF"/>
+                </a:solidFill>
+                <a:effectLst/>
+                <a:latin typeface="JetBrains Mono"/>
+              </a:rPr>
+              <a:t>.</a:t>
+            </a:r>
+            <a:r>
+              <a:rPr kumimoji="0" lang="de-DE" altLang="de-DE" sz="900" b="0" i="0" u="none" strike="noStrike" cap="none" normalizeH="0" baseline="0" dirty="0" err="1">
+                <a:ln>
+                  <a:noFill/>
+                </a:ln>
+                <a:solidFill>
+                  <a:srgbClr val="82AAFF"/>
+                </a:solidFill>
+                <a:effectLst/>
+                <a:latin typeface="JetBrains Mono"/>
+              </a:rPr>
+              <a:t>append</a:t>
+            </a:r>
+            <a:r>
+              <a:rPr kumimoji="0" lang="de-DE" altLang="de-DE" sz="900" b="0" i="0" u="none" strike="noStrike" cap="none" normalizeH="0" baseline="0" dirty="0">
+                <a:ln>
+                  <a:noFill/>
+                </a:ln>
+                <a:solidFill>
+                  <a:srgbClr val="89DDFF"/>
+                </a:solidFill>
+                <a:effectLst/>
+                <a:latin typeface="JetBrains Mono"/>
+              </a:rPr>
+              <a:t>(</a:t>
+            </a:r>
+            <a:r>
+              <a:rPr kumimoji="0" lang="de-DE" altLang="de-DE" sz="900" b="0" i="0" u="none" strike="noStrike" cap="none" normalizeH="0" baseline="0" dirty="0">
+                <a:ln>
+                  <a:noFill/>
+                </a:ln>
+                <a:solidFill>
+                  <a:srgbClr val="C3CEE3"/>
+                </a:solidFill>
+                <a:effectLst/>
+                <a:latin typeface="JetBrains Mono"/>
+              </a:rPr>
+              <a:t>t</a:t>
+            </a:r>
+            <a:r>
+              <a:rPr kumimoji="0" lang="de-DE" altLang="de-DE" sz="900" b="0" i="0" u="none" strike="noStrike" cap="none" normalizeH="0" baseline="0" dirty="0">
+                <a:ln>
+                  <a:noFill/>
+                </a:ln>
+                <a:solidFill>
+                  <a:srgbClr val="89DDFF"/>
+                </a:solidFill>
+                <a:effectLst/>
+                <a:latin typeface="JetBrains Mono"/>
+              </a:rPr>
+              <a:t>+</a:t>
+            </a:r>
+            <a:r>
+              <a:rPr kumimoji="0" lang="de-DE" altLang="de-DE" sz="900" b="0" i="0" u="none" strike="noStrike" cap="none" normalizeH="0" baseline="0" dirty="0">
+                <a:ln>
+                  <a:noFill/>
+                </a:ln>
+                <a:solidFill>
+                  <a:srgbClr val="F78C6C"/>
+                </a:solidFill>
+                <a:effectLst/>
+                <a:latin typeface="JetBrains Mono"/>
+              </a:rPr>
+              <a:t>1</a:t>
+            </a:r>
+            <a:r>
+              <a:rPr kumimoji="0" lang="de-DE" altLang="de-DE" sz="900" b="0" i="0" u="none" strike="noStrike" cap="none" normalizeH="0" baseline="0" dirty="0">
+                <a:ln>
+                  <a:noFill/>
+                </a:ln>
+                <a:solidFill>
+                  <a:srgbClr val="89DDFF"/>
+                </a:solidFill>
+                <a:effectLst/>
+                <a:latin typeface="JetBrains Mono"/>
+              </a:rPr>
+              <a:t>+</a:t>
+            </a:r>
+            <a:r>
+              <a:rPr kumimoji="0" lang="de-DE" altLang="de-DE" sz="900" b="0" i="1" u="none" strike="noStrike" cap="none" normalizeH="0" baseline="0" dirty="0">
+                <a:ln>
+                  <a:noFill/>
+                </a:ln>
+                <a:solidFill>
+                  <a:srgbClr val="82AAFF"/>
+                </a:solidFill>
+                <a:effectLst/>
+                <a:latin typeface="JetBrains Mono"/>
+              </a:rPr>
+              <a:t>len</a:t>
+            </a:r>
+            <a:r>
+              <a:rPr kumimoji="0" lang="de-DE" altLang="de-DE" sz="900" b="0" i="0" u="none" strike="noStrike" cap="none" normalizeH="0" baseline="0" dirty="0">
+                <a:ln>
+                  <a:noFill/>
+                </a:ln>
+                <a:solidFill>
+                  <a:srgbClr val="89DDFF"/>
+                </a:solidFill>
+                <a:effectLst/>
+                <a:latin typeface="JetBrains Mono"/>
+              </a:rPr>
+              <a:t>(</a:t>
+            </a:r>
+            <a:r>
+              <a:rPr kumimoji="0" lang="de-DE" altLang="de-DE" sz="900" b="0" i="0" u="none" strike="noStrike" cap="none" normalizeH="0" baseline="0" dirty="0" err="1">
+                <a:ln>
+                  <a:noFill/>
+                </a:ln>
+                <a:solidFill>
+                  <a:srgbClr val="C3CEE3"/>
+                </a:solidFill>
+                <a:effectLst/>
+                <a:latin typeface="JetBrains Mono"/>
+              </a:rPr>
+              <a:t>realY</a:t>
+            </a:r>
+            <a:r>
+              <a:rPr kumimoji="0" lang="de-DE" altLang="de-DE" sz="900" b="0" i="0" u="none" strike="noStrike" cap="none" normalizeH="0" baseline="0" dirty="0">
+                <a:ln>
+                  <a:noFill/>
+                </a:ln>
+                <a:solidFill>
+                  <a:srgbClr val="89DDFF"/>
+                </a:solidFill>
+                <a:effectLst/>
+                <a:latin typeface="JetBrains Mono"/>
+              </a:rPr>
+              <a:t>))</a:t>
+            </a:r>
+            <a:br>
+              <a:rPr kumimoji="0" lang="de-DE" altLang="de-DE" sz="900" b="0" i="0" u="none" strike="noStrike" cap="none" normalizeH="0" baseline="0" dirty="0">
+                <a:ln>
+                  <a:noFill/>
+                </a:ln>
+                <a:solidFill>
+                  <a:srgbClr val="89DDFF"/>
+                </a:solidFill>
+                <a:effectLst/>
+                <a:latin typeface="JetBrains Mono"/>
+              </a:rPr>
+            </a:br>
+            <a:r>
+              <a:rPr kumimoji="0" lang="de-DE" altLang="de-DE" sz="900" b="0" i="0" u="none" strike="noStrike" cap="none" normalizeH="0" baseline="0" dirty="0">
+                <a:ln>
+                  <a:noFill/>
+                </a:ln>
+                <a:solidFill>
+                  <a:srgbClr val="89DDFF"/>
+                </a:solidFill>
+                <a:effectLst/>
+                <a:latin typeface="JetBrains Mono"/>
+              </a:rPr>
+              <a:t>    </a:t>
+            </a:r>
+            <a:r>
+              <a:rPr kumimoji="0" lang="de-DE" altLang="de-DE" sz="900" b="0" i="1" u="none" strike="noStrike" cap="none" normalizeH="0" baseline="0" dirty="0" err="1">
+                <a:ln>
+                  <a:noFill/>
+                </a:ln>
+                <a:solidFill>
+                  <a:srgbClr val="C792EA"/>
+                </a:solidFill>
+                <a:effectLst/>
+                <a:latin typeface="JetBrains Mono"/>
+              </a:rPr>
+              <a:t>for</a:t>
+            </a:r>
+            <a:r>
+              <a:rPr kumimoji="0" lang="de-DE" altLang="de-DE" sz="900" b="0" i="1" u="none" strike="noStrike" cap="none" normalizeH="0" baseline="0" dirty="0">
+                <a:ln>
+                  <a:noFill/>
+                </a:ln>
+                <a:solidFill>
+                  <a:srgbClr val="C792EA"/>
+                </a:solidFill>
+                <a:effectLst/>
+                <a:latin typeface="JetBrains Mono"/>
+              </a:rPr>
+              <a:t> </a:t>
+            </a:r>
+            <a:r>
+              <a:rPr kumimoji="0" lang="de-DE" altLang="de-DE" sz="900" b="0" i="0" u="none" strike="noStrike" cap="none" normalizeH="0" baseline="0" dirty="0">
+                <a:ln>
+                  <a:noFill/>
+                </a:ln>
+                <a:solidFill>
+                  <a:srgbClr val="C3CEE3"/>
+                </a:solidFill>
+                <a:effectLst/>
+                <a:latin typeface="JetBrains Mono"/>
+              </a:rPr>
+              <a:t>n </a:t>
+            </a:r>
+            <a:r>
+              <a:rPr kumimoji="0" lang="de-DE" altLang="de-DE" sz="900" b="0" i="1" u="none" strike="noStrike" cap="none" normalizeH="0" baseline="0" dirty="0">
+                <a:ln>
+                  <a:noFill/>
+                </a:ln>
+                <a:solidFill>
+                  <a:srgbClr val="C792EA"/>
+                </a:solidFill>
+                <a:effectLst/>
+                <a:latin typeface="JetBrains Mono"/>
+              </a:rPr>
+              <a:t>in </a:t>
+            </a:r>
+            <a:r>
+              <a:rPr kumimoji="0" lang="de-DE" altLang="de-DE" sz="900" b="0" i="1" u="none" strike="noStrike" cap="none" normalizeH="0" baseline="0" dirty="0" err="1">
+                <a:ln>
+                  <a:noFill/>
+                </a:ln>
+                <a:solidFill>
+                  <a:srgbClr val="82AAFF"/>
+                </a:solidFill>
+                <a:effectLst/>
+                <a:latin typeface="JetBrains Mono"/>
+              </a:rPr>
+              <a:t>range</a:t>
+            </a:r>
+            <a:r>
+              <a:rPr kumimoji="0" lang="de-DE" altLang="de-DE" sz="900" b="0" i="0" u="none" strike="noStrike" cap="none" normalizeH="0" baseline="0" dirty="0">
+                <a:ln>
+                  <a:noFill/>
+                </a:ln>
+                <a:solidFill>
+                  <a:srgbClr val="89DDFF"/>
+                </a:solidFill>
+                <a:effectLst/>
+                <a:latin typeface="JetBrains Mono"/>
+              </a:rPr>
+              <a:t>(</a:t>
+            </a:r>
+            <a:r>
+              <a:rPr kumimoji="0" lang="de-DE" altLang="de-DE" sz="900" b="0" i="0" u="none" strike="noStrike" cap="none" normalizeH="0" baseline="0" dirty="0" err="1">
+                <a:ln>
+                  <a:noFill/>
+                </a:ln>
+                <a:solidFill>
+                  <a:srgbClr val="C3CEE3"/>
+                </a:solidFill>
+                <a:effectLst/>
+                <a:latin typeface="JetBrains Mono"/>
+              </a:rPr>
+              <a:t>anzahlSims</a:t>
+            </a:r>
+            <a:r>
+              <a:rPr kumimoji="0" lang="de-DE" altLang="de-DE" sz="900" b="0" i="0" u="none" strike="noStrike" cap="none" normalizeH="0" baseline="0" dirty="0">
+                <a:ln>
+                  <a:noFill/>
+                </a:ln>
+                <a:solidFill>
+                  <a:srgbClr val="89DDFF"/>
+                </a:solidFill>
+                <a:effectLst/>
+                <a:latin typeface="JetBrains Mono"/>
+              </a:rPr>
+              <a:t>):</a:t>
+            </a:r>
+            <a:br>
+              <a:rPr kumimoji="0" lang="de-DE" altLang="de-DE" sz="900" b="0" i="0" u="none" strike="noStrike" cap="none" normalizeH="0" baseline="0" dirty="0">
+                <a:ln>
+                  <a:noFill/>
+                </a:ln>
+                <a:solidFill>
+                  <a:srgbClr val="89DDFF"/>
+                </a:solidFill>
+                <a:effectLst/>
+                <a:latin typeface="JetBrains Mono"/>
+              </a:rPr>
+            </a:br>
+            <a:r>
+              <a:rPr kumimoji="0" lang="de-DE" altLang="de-DE" sz="900" b="0" i="0" u="none" strike="noStrike" cap="none" normalizeH="0" baseline="0" dirty="0">
+                <a:ln>
+                  <a:noFill/>
+                </a:ln>
+                <a:solidFill>
+                  <a:srgbClr val="89DDFF"/>
+                </a:solidFill>
+                <a:effectLst/>
+                <a:latin typeface="JetBrains Mono"/>
+              </a:rPr>
+              <a:t>        </a:t>
+            </a:r>
+            <a:r>
+              <a:rPr kumimoji="0" lang="de-DE" altLang="de-DE" sz="900" b="0" i="0" u="none" strike="noStrike" cap="none" normalizeH="0" baseline="0" dirty="0">
+                <a:ln>
+                  <a:noFill/>
+                </a:ln>
+                <a:solidFill>
+                  <a:srgbClr val="C3CEE3"/>
+                </a:solidFill>
+                <a:effectLst/>
+                <a:latin typeface="JetBrains Mono"/>
+              </a:rPr>
+              <a:t>Zufallszahl </a:t>
+            </a:r>
+            <a:r>
+              <a:rPr kumimoji="0" lang="de-DE" altLang="de-DE" sz="900" b="0" i="0" u="none" strike="noStrike" cap="none" normalizeH="0" baseline="0" dirty="0">
+                <a:ln>
+                  <a:noFill/>
+                </a:ln>
+                <a:solidFill>
+                  <a:srgbClr val="89DDFF"/>
+                </a:solidFill>
+                <a:effectLst/>
+                <a:latin typeface="JetBrains Mono"/>
+              </a:rPr>
+              <a:t>= </a:t>
+            </a:r>
+            <a:r>
+              <a:rPr kumimoji="0" lang="de-DE" altLang="de-DE" sz="900" b="0" i="0" u="none" strike="noStrike" cap="none" normalizeH="0" baseline="0" dirty="0" err="1">
+                <a:ln>
+                  <a:noFill/>
+                </a:ln>
+                <a:solidFill>
+                  <a:srgbClr val="C3CEE3"/>
+                </a:solidFill>
+                <a:effectLst/>
+                <a:latin typeface="JetBrains Mono"/>
+              </a:rPr>
+              <a:t>np</a:t>
+            </a:r>
+            <a:r>
+              <a:rPr kumimoji="0" lang="de-DE" altLang="de-DE" sz="900" b="0" i="0" u="none" strike="noStrike" cap="none" normalizeH="0" baseline="0" dirty="0" err="1">
+                <a:ln>
+                  <a:noFill/>
+                </a:ln>
+                <a:solidFill>
+                  <a:srgbClr val="89DDFF"/>
+                </a:solidFill>
+                <a:effectLst/>
+                <a:latin typeface="JetBrains Mono"/>
+              </a:rPr>
+              <a:t>.</a:t>
+            </a:r>
+            <a:r>
+              <a:rPr kumimoji="0" lang="de-DE" altLang="de-DE" sz="900" b="0" i="0" u="none" strike="noStrike" cap="none" normalizeH="0" baseline="0" dirty="0" err="1">
+                <a:ln>
+                  <a:noFill/>
+                </a:ln>
+                <a:solidFill>
+                  <a:srgbClr val="C3CEE3"/>
+                </a:solidFill>
+                <a:effectLst/>
+                <a:latin typeface="JetBrains Mono"/>
+              </a:rPr>
+              <a:t>random</a:t>
+            </a:r>
+            <a:r>
+              <a:rPr kumimoji="0" lang="de-DE" altLang="de-DE" sz="900" b="0" i="0" u="none" strike="noStrike" cap="none" normalizeH="0" baseline="0" dirty="0" err="1">
+                <a:ln>
+                  <a:noFill/>
+                </a:ln>
+                <a:solidFill>
+                  <a:srgbClr val="89DDFF"/>
+                </a:solidFill>
+                <a:effectLst/>
+                <a:latin typeface="JetBrains Mono"/>
+              </a:rPr>
+              <a:t>.</a:t>
+            </a:r>
+            <a:r>
+              <a:rPr kumimoji="0" lang="de-DE" altLang="de-DE" sz="900" b="0" i="0" u="none" strike="noStrike" cap="none" normalizeH="0" baseline="0" dirty="0" err="1">
+                <a:ln>
+                  <a:noFill/>
+                </a:ln>
+                <a:solidFill>
+                  <a:srgbClr val="82AAFF"/>
+                </a:solidFill>
+                <a:effectLst/>
+                <a:latin typeface="JetBrains Mono"/>
+              </a:rPr>
+              <a:t>normal</a:t>
+            </a:r>
+            <a:r>
+              <a:rPr kumimoji="0" lang="de-DE" altLang="de-DE" sz="900" b="0" i="0" u="none" strike="noStrike" cap="none" normalizeH="0" baseline="0" dirty="0">
+                <a:ln>
+                  <a:noFill/>
+                </a:ln>
+                <a:solidFill>
+                  <a:srgbClr val="89DDFF"/>
+                </a:solidFill>
+                <a:effectLst/>
+                <a:latin typeface="JetBrains Mono"/>
+              </a:rPr>
+              <a:t>()</a:t>
+            </a:r>
+            <a:br>
+              <a:rPr kumimoji="0" lang="de-DE" altLang="de-DE" sz="900" b="0" i="0" u="none" strike="noStrike" cap="none" normalizeH="0" baseline="0" dirty="0">
+                <a:ln>
+                  <a:noFill/>
+                </a:ln>
+                <a:solidFill>
+                  <a:srgbClr val="89DDFF"/>
+                </a:solidFill>
+                <a:effectLst/>
+                <a:latin typeface="JetBrains Mono"/>
+              </a:rPr>
+            </a:br>
+            <a:r>
+              <a:rPr kumimoji="0" lang="de-DE" altLang="de-DE" sz="900" b="0" i="0" u="none" strike="noStrike" cap="none" normalizeH="0" baseline="0" dirty="0">
+                <a:ln>
+                  <a:noFill/>
+                </a:ln>
+                <a:solidFill>
+                  <a:srgbClr val="89DDFF"/>
+                </a:solidFill>
+                <a:effectLst/>
+                <a:latin typeface="JetBrains Mono"/>
+              </a:rPr>
+              <a:t>        </a:t>
+            </a:r>
+            <a:r>
+              <a:rPr kumimoji="0" lang="de-DE" altLang="de-DE" sz="900" b="0" i="0" u="none" strike="noStrike" cap="none" normalizeH="0" baseline="0" dirty="0">
+                <a:ln>
+                  <a:noFill/>
+                </a:ln>
+                <a:solidFill>
+                  <a:srgbClr val="C3CEE3"/>
+                </a:solidFill>
+                <a:effectLst/>
+                <a:latin typeface="JetBrains Mono"/>
+              </a:rPr>
+              <a:t>r</a:t>
+            </a:r>
+            <a:r>
+              <a:rPr kumimoji="0" lang="de-DE" altLang="de-DE" sz="900" b="0" i="0" u="none" strike="noStrike" cap="none" normalizeH="0" baseline="0" dirty="0">
+                <a:ln>
+                  <a:noFill/>
+                </a:ln>
+                <a:solidFill>
+                  <a:srgbClr val="89DDFF"/>
+                </a:solidFill>
+                <a:effectLst/>
+                <a:latin typeface="JetBrains Mono"/>
+              </a:rPr>
+              <a:t>=</a:t>
+            </a:r>
+            <a:r>
+              <a:rPr kumimoji="0" lang="de-DE" altLang="de-DE" sz="900" b="0" i="0" u="none" strike="noStrike" cap="none" normalizeH="0" baseline="0" dirty="0" err="1">
+                <a:ln>
+                  <a:noFill/>
+                </a:ln>
+                <a:solidFill>
+                  <a:srgbClr val="C3CEE3"/>
+                </a:solidFill>
+                <a:effectLst/>
+                <a:latin typeface="JetBrains Mono"/>
+              </a:rPr>
+              <a:t>np</a:t>
+            </a:r>
+            <a:r>
+              <a:rPr kumimoji="0" lang="de-DE" altLang="de-DE" sz="900" b="0" i="0" u="none" strike="noStrike" cap="none" normalizeH="0" baseline="0" dirty="0" err="1">
+                <a:ln>
+                  <a:noFill/>
+                </a:ln>
+                <a:solidFill>
+                  <a:srgbClr val="89DDFF"/>
+                </a:solidFill>
+                <a:effectLst/>
+                <a:latin typeface="JetBrains Mono"/>
+              </a:rPr>
+              <a:t>.</a:t>
+            </a:r>
+            <a:r>
+              <a:rPr kumimoji="0" lang="de-DE" altLang="de-DE" sz="900" b="0" i="0" u="none" strike="noStrike" cap="none" normalizeH="0" baseline="0" dirty="0" err="1">
+                <a:ln>
+                  <a:noFill/>
+                </a:ln>
+                <a:solidFill>
+                  <a:srgbClr val="82AAFF"/>
+                </a:solidFill>
+                <a:effectLst/>
+                <a:latin typeface="JetBrains Mono"/>
+              </a:rPr>
+              <a:t>exp</a:t>
+            </a:r>
+            <a:r>
+              <a:rPr kumimoji="0" lang="de-DE" altLang="de-DE" sz="900" b="0" i="0" u="none" strike="noStrike" cap="none" normalizeH="0" baseline="0" dirty="0">
+                <a:ln>
+                  <a:noFill/>
+                </a:ln>
+                <a:solidFill>
+                  <a:srgbClr val="89DDFF"/>
+                </a:solidFill>
+                <a:effectLst/>
+                <a:latin typeface="JetBrains Mono"/>
+              </a:rPr>
+              <a:t>(</a:t>
+            </a:r>
+            <a:r>
+              <a:rPr kumimoji="0" lang="de-DE" altLang="de-DE" sz="900" b="0" i="0" u="none" strike="noStrike" cap="none" normalizeH="0" baseline="0" dirty="0">
+                <a:ln>
+                  <a:noFill/>
+                </a:ln>
+                <a:solidFill>
+                  <a:srgbClr val="C3CEE3"/>
+                </a:solidFill>
+                <a:effectLst/>
+                <a:latin typeface="JetBrains Mono"/>
+              </a:rPr>
+              <a:t>Zufallszahl </a:t>
+            </a:r>
+            <a:r>
+              <a:rPr kumimoji="0" lang="de-DE" altLang="de-DE" sz="900" b="0" i="0" u="none" strike="noStrike" cap="none" normalizeH="0" baseline="0" dirty="0">
+                <a:ln>
+                  <a:noFill/>
+                </a:ln>
+                <a:solidFill>
+                  <a:srgbClr val="89DDFF"/>
+                </a:solidFill>
+                <a:effectLst/>
+                <a:latin typeface="JetBrains Mono"/>
+              </a:rPr>
+              <a:t>* </a:t>
+            </a:r>
+            <a:r>
+              <a:rPr kumimoji="0" lang="de-DE" altLang="de-DE" sz="900" b="0" i="0" u="none" strike="noStrike" cap="none" normalizeH="0" baseline="0" dirty="0">
+                <a:ln>
+                  <a:noFill/>
+                </a:ln>
+                <a:solidFill>
+                  <a:srgbClr val="F78C6C"/>
+                </a:solidFill>
+                <a:effectLst/>
+                <a:latin typeface="JetBrains Mono"/>
+              </a:rPr>
+              <a:t>30</a:t>
+            </a:r>
+            <a:r>
+              <a:rPr kumimoji="0" lang="de-DE" altLang="de-DE" sz="900" b="0" i="0" u="none" strike="noStrike" cap="none" normalizeH="0" baseline="0" dirty="0">
+                <a:ln>
+                  <a:noFill/>
+                </a:ln>
+                <a:solidFill>
+                  <a:srgbClr val="89DDFF"/>
+                </a:solidFill>
+                <a:effectLst/>
+                <a:latin typeface="JetBrains Mono"/>
+              </a:rPr>
+              <a:t>/</a:t>
+            </a:r>
+            <a:r>
+              <a:rPr kumimoji="0" lang="de-DE" altLang="de-DE" sz="900" b="0" i="0" u="none" strike="noStrike" cap="none" normalizeH="0" baseline="0" dirty="0">
+                <a:ln>
+                  <a:noFill/>
+                </a:ln>
+                <a:solidFill>
+                  <a:srgbClr val="F78C6C"/>
+                </a:solidFill>
+                <a:effectLst/>
+                <a:latin typeface="JetBrains Mono"/>
+              </a:rPr>
+              <a:t>281.5</a:t>
+            </a:r>
+            <a:r>
+              <a:rPr kumimoji="0" lang="de-DE" altLang="de-DE" sz="900" b="0" i="0" u="none" strike="noStrike" cap="none" normalizeH="0" baseline="0" dirty="0">
+                <a:ln>
+                  <a:noFill/>
+                </a:ln>
+                <a:solidFill>
+                  <a:srgbClr val="89DDFF"/>
+                </a:solidFill>
+                <a:effectLst/>
+                <a:latin typeface="JetBrains Mono"/>
+              </a:rPr>
+              <a:t>*</a:t>
+            </a:r>
+            <a:r>
+              <a:rPr kumimoji="0" lang="de-DE" altLang="de-DE" sz="900" b="0" i="0" u="none" strike="noStrike" cap="none" normalizeH="0" baseline="0" dirty="0" err="1">
+                <a:ln>
+                  <a:noFill/>
+                </a:ln>
+                <a:solidFill>
+                  <a:srgbClr val="C3CEE3"/>
+                </a:solidFill>
+                <a:effectLst/>
+                <a:latin typeface="JetBrains Mono"/>
+              </a:rPr>
+              <a:t>np</a:t>
+            </a:r>
+            <a:r>
+              <a:rPr kumimoji="0" lang="de-DE" altLang="de-DE" sz="900" b="0" i="0" u="none" strike="noStrike" cap="none" normalizeH="0" baseline="0" dirty="0" err="1">
+                <a:ln>
+                  <a:noFill/>
+                </a:ln>
+                <a:solidFill>
+                  <a:srgbClr val="89DDFF"/>
+                </a:solidFill>
+                <a:effectLst/>
+                <a:latin typeface="JetBrains Mono"/>
+              </a:rPr>
+              <a:t>.</a:t>
+            </a:r>
+            <a:r>
+              <a:rPr kumimoji="0" lang="de-DE" altLang="de-DE" sz="900" b="0" i="0" u="none" strike="noStrike" cap="none" normalizeH="0" baseline="0" dirty="0" err="1">
+                <a:ln>
+                  <a:noFill/>
+                </a:ln>
+                <a:solidFill>
+                  <a:srgbClr val="82AAFF"/>
+                </a:solidFill>
+                <a:effectLst/>
+                <a:latin typeface="JetBrains Mono"/>
+              </a:rPr>
+              <a:t>sqrt</a:t>
+            </a:r>
+            <a:r>
+              <a:rPr kumimoji="0" lang="de-DE" altLang="de-DE" sz="900" b="0" i="0" u="none" strike="noStrike" cap="none" normalizeH="0" baseline="0" dirty="0">
+                <a:ln>
+                  <a:noFill/>
+                </a:ln>
+                <a:solidFill>
+                  <a:srgbClr val="89DDFF"/>
+                </a:solidFill>
+                <a:effectLst/>
+                <a:latin typeface="JetBrains Mono"/>
+              </a:rPr>
+              <a:t>(</a:t>
+            </a:r>
+            <a:r>
+              <a:rPr kumimoji="0" lang="de-DE" altLang="de-DE" sz="900" b="0" i="0" u="none" strike="noStrike" cap="none" normalizeH="0" baseline="0" dirty="0">
+                <a:ln>
+                  <a:noFill/>
+                </a:ln>
+                <a:solidFill>
+                  <a:srgbClr val="F78C6C"/>
+                </a:solidFill>
+                <a:effectLst/>
+                <a:latin typeface="JetBrains Mono"/>
+              </a:rPr>
+              <a:t>1.0</a:t>
+            </a:r>
+            <a:r>
+              <a:rPr kumimoji="0" lang="de-DE" altLang="de-DE" sz="900" b="0" i="0" u="none" strike="noStrike" cap="none" normalizeH="0" baseline="0" dirty="0">
+                <a:ln>
+                  <a:noFill/>
+                </a:ln>
+                <a:solidFill>
+                  <a:srgbClr val="89DDFF"/>
+                </a:solidFill>
+                <a:effectLst/>
+                <a:latin typeface="JetBrains Mono"/>
+              </a:rPr>
+              <a:t>/</a:t>
+            </a:r>
+            <a:r>
+              <a:rPr kumimoji="0" lang="de-DE" altLang="de-DE" sz="900" b="0" i="1" u="none" strike="noStrike" cap="none" normalizeH="0" baseline="0" dirty="0" err="1">
+                <a:ln>
+                  <a:noFill/>
+                </a:ln>
+                <a:solidFill>
+                  <a:srgbClr val="82AAFF"/>
+                </a:solidFill>
+                <a:effectLst/>
+                <a:latin typeface="JetBrains Mono"/>
+              </a:rPr>
+              <a:t>len</a:t>
+            </a:r>
+            <a:r>
+              <a:rPr kumimoji="0" lang="de-DE" altLang="de-DE" sz="900" b="0" i="0" u="none" strike="noStrike" cap="none" normalizeH="0" baseline="0" dirty="0">
+                <a:ln>
+                  <a:noFill/>
+                </a:ln>
+                <a:solidFill>
+                  <a:srgbClr val="89DDFF"/>
+                </a:solidFill>
+                <a:effectLst/>
+                <a:latin typeface="JetBrains Mono"/>
+              </a:rPr>
+              <a:t>(</a:t>
+            </a:r>
+            <a:r>
+              <a:rPr kumimoji="0" lang="de-DE" altLang="de-DE" sz="900" b="0" i="0" u="none" strike="noStrike" cap="none" normalizeH="0" baseline="0" dirty="0" err="1">
+                <a:ln>
+                  <a:noFill/>
+                </a:ln>
+                <a:solidFill>
+                  <a:srgbClr val="C3CEE3"/>
+                </a:solidFill>
+                <a:effectLst/>
+                <a:latin typeface="JetBrains Mono"/>
+              </a:rPr>
+              <a:t>realY</a:t>
+            </a:r>
+            <a:r>
+              <a:rPr kumimoji="0" lang="de-DE" altLang="de-DE" sz="900" b="0" i="0" u="none" strike="noStrike" cap="none" normalizeH="0" baseline="0" dirty="0">
+                <a:ln>
+                  <a:noFill/>
+                </a:ln>
+                <a:solidFill>
+                  <a:srgbClr val="89DDFF"/>
+                </a:solidFill>
+                <a:effectLst/>
+                <a:latin typeface="JetBrains Mono"/>
+              </a:rPr>
+              <a:t>)))</a:t>
+            </a:r>
+            <a:br>
+              <a:rPr kumimoji="0" lang="de-DE" altLang="de-DE" sz="900" b="0" i="0" u="none" strike="noStrike" cap="none" normalizeH="0" baseline="0" dirty="0">
+                <a:ln>
+                  <a:noFill/>
+                </a:ln>
+                <a:solidFill>
+                  <a:srgbClr val="89DDFF"/>
+                </a:solidFill>
+                <a:effectLst/>
+                <a:latin typeface="JetBrains Mono"/>
+              </a:rPr>
+            </a:br>
+            <a:r>
+              <a:rPr kumimoji="0" lang="de-DE" altLang="de-DE" sz="900" b="0" i="0" u="none" strike="noStrike" cap="none" normalizeH="0" baseline="0" dirty="0">
+                <a:ln>
+                  <a:noFill/>
+                </a:ln>
+                <a:solidFill>
+                  <a:srgbClr val="89DDFF"/>
+                </a:solidFill>
+                <a:effectLst/>
+                <a:latin typeface="JetBrains Mono"/>
+              </a:rPr>
+              <a:t>        </a:t>
+            </a:r>
+            <a:r>
+              <a:rPr kumimoji="0" lang="de-DE" altLang="de-DE" sz="900" b="0" i="1" u="none" strike="noStrike" cap="none" normalizeH="0" baseline="0" dirty="0">
+                <a:ln>
+                  <a:noFill/>
+                </a:ln>
+                <a:solidFill>
+                  <a:srgbClr val="717CB4"/>
+                </a:solidFill>
+                <a:effectLst/>
+                <a:latin typeface="JetBrains Mono"/>
+              </a:rPr>
+              <a:t>#r=np.random.normal(1,0.01)</a:t>
+            </a:r>
+            <a:br>
+              <a:rPr kumimoji="0" lang="de-DE" altLang="de-DE" sz="900" b="0" i="1" u="none" strike="noStrike" cap="none" normalizeH="0" baseline="0" dirty="0">
+                <a:ln>
+                  <a:noFill/>
+                </a:ln>
+                <a:solidFill>
+                  <a:srgbClr val="717CB4"/>
+                </a:solidFill>
+                <a:effectLst/>
+                <a:latin typeface="JetBrains Mono"/>
+              </a:rPr>
+            </a:br>
+            <a:r>
+              <a:rPr kumimoji="0" lang="de-DE" altLang="de-DE" sz="900" b="0" i="1" u="none" strike="noStrike" cap="none" normalizeH="0" baseline="0" dirty="0">
+                <a:ln>
+                  <a:noFill/>
+                </a:ln>
+                <a:solidFill>
+                  <a:srgbClr val="717CB4"/>
+                </a:solidFill>
+                <a:effectLst/>
+                <a:latin typeface="JetBrains Mono"/>
+              </a:rPr>
+              <a:t>        </a:t>
+            </a:r>
+            <a:r>
+              <a:rPr kumimoji="0" lang="de-DE" altLang="de-DE" sz="900" b="0" i="0" u="none" strike="noStrike" cap="none" normalizeH="0" baseline="0" dirty="0">
+                <a:ln>
+                  <a:noFill/>
+                </a:ln>
+                <a:solidFill>
+                  <a:srgbClr val="C3CEE3"/>
+                </a:solidFill>
+                <a:effectLst/>
+                <a:latin typeface="JetBrains Mono"/>
+              </a:rPr>
+              <a:t>y</a:t>
+            </a:r>
+            <a:r>
+              <a:rPr kumimoji="0" lang="de-DE" altLang="de-DE" sz="900" b="0" i="0" u="none" strike="noStrike" cap="none" normalizeH="0" baseline="0" dirty="0">
+                <a:ln>
+                  <a:noFill/>
+                </a:ln>
+                <a:solidFill>
+                  <a:srgbClr val="89DDFF"/>
+                </a:solidFill>
+                <a:effectLst/>
+                <a:latin typeface="JetBrains Mono"/>
+              </a:rPr>
+              <a:t>[</a:t>
+            </a:r>
+            <a:r>
+              <a:rPr kumimoji="0" lang="de-DE" altLang="de-DE" sz="900" b="0" i="0" u="none" strike="noStrike" cap="none" normalizeH="0" baseline="0" dirty="0">
+                <a:ln>
+                  <a:noFill/>
+                </a:ln>
+                <a:solidFill>
+                  <a:srgbClr val="C3CEE3"/>
+                </a:solidFill>
+                <a:effectLst/>
+                <a:latin typeface="JetBrains Mono"/>
+              </a:rPr>
+              <a:t>n</a:t>
+            </a:r>
+            <a:r>
+              <a:rPr kumimoji="0" lang="de-DE" altLang="de-DE" sz="900" b="0" i="0" u="none" strike="noStrike" cap="none" normalizeH="0" baseline="0" dirty="0">
+                <a:ln>
+                  <a:noFill/>
+                </a:ln>
+                <a:solidFill>
+                  <a:srgbClr val="89DDFF"/>
+                </a:solidFill>
+                <a:effectLst/>
+                <a:latin typeface="JetBrains Mono"/>
+              </a:rPr>
+              <a:t>].</a:t>
+            </a:r>
+            <a:r>
+              <a:rPr kumimoji="0" lang="de-DE" altLang="de-DE" sz="900" b="0" i="0" u="none" strike="noStrike" cap="none" normalizeH="0" baseline="0" dirty="0" err="1">
+                <a:ln>
+                  <a:noFill/>
+                </a:ln>
+                <a:solidFill>
+                  <a:srgbClr val="82AAFF"/>
+                </a:solidFill>
+                <a:effectLst/>
+                <a:latin typeface="JetBrains Mono"/>
+              </a:rPr>
+              <a:t>append</a:t>
+            </a:r>
+            <a:r>
+              <a:rPr kumimoji="0" lang="de-DE" altLang="de-DE" sz="900" b="0" i="0" u="none" strike="noStrike" cap="none" normalizeH="0" baseline="0" dirty="0">
+                <a:ln>
+                  <a:noFill/>
+                </a:ln>
+                <a:solidFill>
+                  <a:srgbClr val="89DDFF"/>
+                </a:solidFill>
+                <a:effectLst/>
+                <a:latin typeface="JetBrains Mono"/>
+              </a:rPr>
+              <a:t>(</a:t>
+            </a:r>
+            <a:r>
+              <a:rPr kumimoji="0" lang="de-DE" altLang="de-DE" sz="900" b="0" i="0" u="none" strike="noStrike" cap="none" normalizeH="0" baseline="0" dirty="0">
+                <a:ln>
+                  <a:noFill/>
+                </a:ln>
+                <a:solidFill>
+                  <a:srgbClr val="C3CEE3"/>
+                </a:solidFill>
+                <a:effectLst/>
+                <a:latin typeface="JetBrains Mono"/>
+              </a:rPr>
+              <a:t>y</a:t>
+            </a:r>
+            <a:r>
+              <a:rPr kumimoji="0" lang="de-DE" altLang="de-DE" sz="900" b="0" i="0" u="none" strike="noStrike" cap="none" normalizeH="0" baseline="0" dirty="0">
+                <a:ln>
+                  <a:noFill/>
+                </a:ln>
+                <a:solidFill>
+                  <a:srgbClr val="89DDFF"/>
+                </a:solidFill>
+                <a:effectLst/>
+                <a:latin typeface="JetBrains Mono"/>
+              </a:rPr>
+              <a:t>[</a:t>
+            </a:r>
+            <a:r>
+              <a:rPr kumimoji="0" lang="de-DE" altLang="de-DE" sz="900" b="0" i="0" u="none" strike="noStrike" cap="none" normalizeH="0" baseline="0" dirty="0">
+                <a:ln>
+                  <a:noFill/>
+                </a:ln>
+                <a:solidFill>
+                  <a:srgbClr val="C3CEE3"/>
+                </a:solidFill>
+                <a:effectLst/>
+                <a:latin typeface="JetBrains Mono"/>
+              </a:rPr>
+              <a:t>n</a:t>
+            </a:r>
+            <a:r>
+              <a:rPr kumimoji="0" lang="de-DE" altLang="de-DE" sz="900" b="0" i="0" u="none" strike="noStrike" cap="none" normalizeH="0" baseline="0" dirty="0">
+                <a:ln>
+                  <a:noFill/>
+                </a:ln>
+                <a:solidFill>
+                  <a:srgbClr val="89DDFF"/>
+                </a:solidFill>
+                <a:effectLst/>
+                <a:latin typeface="JetBrains Mono"/>
+              </a:rPr>
+              <a:t>][</a:t>
+            </a:r>
+            <a:r>
+              <a:rPr kumimoji="0" lang="de-DE" altLang="de-DE" sz="900" b="0" i="0" u="none" strike="noStrike" cap="none" normalizeH="0" baseline="0" dirty="0">
+                <a:ln>
+                  <a:noFill/>
+                </a:ln>
+                <a:solidFill>
+                  <a:srgbClr val="C3CEE3"/>
+                </a:solidFill>
+                <a:effectLst/>
+                <a:latin typeface="JetBrains Mono"/>
+              </a:rPr>
+              <a:t>t</a:t>
+            </a:r>
+            <a:r>
+              <a:rPr kumimoji="0" lang="de-DE" altLang="de-DE" sz="900" b="0" i="0" u="none" strike="noStrike" cap="none" normalizeH="0" baseline="0" dirty="0">
+                <a:ln>
+                  <a:noFill/>
+                </a:ln>
+                <a:solidFill>
+                  <a:srgbClr val="89DDFF"/>
+                </a:solidFill>
+                <a:effectLst/>
+                <a:latin typeface="JetBrains Mono"/>
+              </a:rPr>
+              <a:t>]*</a:t>
+            </a:r>
+            <a:r>
+              <a:rPr kumimoji="0" lang="de-DE" altLang="de-DE" sz="900" b="0" i="0" u="none" strike="noStrike" cap="none" normalizeH="0" baseline="0" dirty="0">
+                <a:ln>
+                  <a:noFill/>
+                </a:ln>
+                <a:solidFill>
+                  <a:srgbClr val="C3CEE3"/>
+                </a:solidFill>
+                <a:effectLst/>
+                <a:latin typeface="JetBrains Mono"/>
+              </a:rPr>
+              <a:t>r</a:t>
+            </a:r>
+            <a:r>
+              <a:rPr kumimoji="0" lang="de-DE" altLang="de-DE" sz="900" b="0" i="0" u="none" strike="noStrike" cap="none" normalizeH="0" baseline="0" dirty="0">
+                <a:ln>
+                  <a:noFill/>
+                </a:ln>
+                <a:solidFill>
+                  <a:srgbClr val="89DDFF"/>
+                </a:solidFill>
+                <a:effectLst/>
+                <a:latin typeface="JetBrains Mono"/>
+              </a:rPr>
+              <a:t>)</a:t>
+            </a:r>
+            <a:br>
+              <a:rPr kumimoji="0" lang="de-DE" altLang="de-DE" sz="900" b="0" i="0" u="none" strike="noStrike" cap="none" normalizeH="0" baseline="0" dirty="0">
+                <a:ln>
+                  <a:noFill/>
+                </a:ln>
+                <a:solidFill>
+                  <a:srgbClr val="89DDFF"/>
+                </a:solidFill>
+                <a:effectLst/>
+                <a:latin typeface="JetBrains Mono"/>
+              </a:rPr>
+            </a:br>
+            <a:br>
+              <a:rPr kumimoji="0" lang="de-DE" altLang="de-DE" sz="900" b="0" i="0" u="none" strike="noStrike" cap="none" normalizeH="0" baseline="0" dirty="0">
+                <a:ln>
+                  <a:noFill/>
+                </a:ln>
+                <a:solidFill>
+                  <a:srgbClr val="89DDFF"/>
+                </a:solidFill>
+                <a:effectLst/>
+                <a:latin typeface="JetBrains Mono"/>
+              </a:rPr>
+            </a:br>
+            <a:r>
+              <a:rPr kumimoji="0" lang="de-DE" altLang="de-DE" sz="900" b="0" i="0" u="none" strike="noStrike" cap="none" normalizeH="0" baseline="0" dirty="0" err="1">
+                <a:ln>
+                  <a:noFill/>
+                </a:ln>
+                <a:solidFill>
+                  <a:srgbClr val="C3CEE3"/>
+                </a:solidFill>
+                <a:effectLst/>
+                <a:latin typeface="JetBrains Mono"/>
+              </a:rPr>
+              <a:t>plt</a:t>
+            </a:r>
+            <a:r>
+              <a:rPr kumimoji="0" lang="de-DE" altLang="de-DE" sz="900" b="0" i="0" u="none" strike="noStrike" cap="none" normalizeH="0" baseline="0" dirty="0" err="1">
+                <a:ln>
+                  <a:noFill/>
+                </a:ln>
+                <a:solidFill>
+                  <a:srgbClr val="89DDFF"/>
+                </a:solidFill>
+                <a:effectLst/>
+                <a:latin typeface="JetBrains Mono"/>
+              </a:rPr>
+              <a:t>.</a:t>
+            </a:r>
+            <a:r>
+              <a:rPr kumimoji="0" lang="de-DE" altLang="de-DE" sz="900" b="0" i="0" u="none" strike="noStrike" cap="none" normalizeH="0" baseline="0" dirty="0" err="1">
+                <a:ln>
+                  <a:noFill/>
+                </a:ln>
+                <a:solidFill>
+                  <a:srgbClr val="82AAFF"/>
+                </a:solidFill>
+                <a:effectLst/>
+                <a:latin typeface="JetBrains Mono"/>
+              </a:rPr>
+              <a:t>plot</a:t>
+            </a:r>
+            <a:r>
+              <a:rPr kumimoji="0" lang="de-DE" altLang="de-DE" sz="900" b="0" i="0" u="none" strike="noStrike" cap="none" normalizeH="0" baseline="0" dirty="0">
+                <a:ln>
+                  <a:noFill/>
+                </a:ln>
+                <a:solidFill>
+                  <a:srgbClr val="89DDFF"/>
+                </a:solidFill>
+                <a:effectLst/>
+                <a:latin typeface="JetBrains Mono"/>
+              </a:rPr>
+              <a:t>(</a:t>
+            </a:r>
+            <a:r>
+              <a:rPr kumimoji="0" lang="de-DE" altLang="de-DE" sz="900" b="0" i="0" u="none" strike="noStrike" cap="none" normalizeH="0" baseline="0" dirty="0" err="1">
+                <a:ln>
+                  <a:noFill/>
+                </a:ln>
+                <a:solidFill>
+                  <a:srgbClr val="C3CEE3"/>
+                </a:solidFill>
+                <a:effectLst/>
+                <a:latin typeface="JetBrains Mono"/>
+              </a:rPr>
+              <a:t>realX</a:t>
+            </a:r>
+            <a:r>
+              <a:rPr kumimoji="0" lang="de-DE" altLang="de-DE" sz="900" b="0" i="0" u="none" strike="noStrike" cap="none" normalizeH="0" baseline="0" dirty="0">
+                <a:ln>
+                  <a:noFill/>
+                </a:ln>
+                <a:solidFill>
+                  <a:srgbClr val="89DDFF"/>
+                </a:solidFill>
+                <a:effectLst/>
+                <a:latin typeface="JetBrains Mono"/>
+              </a:rPr>
+              <a:t>, </a:t>
+            </a:r>
+            <a:r>
+              <a:rPr kumimoji="0" lang="de-DE" altLang="de-DE" sz="900" b="0" i="0" u="none" strike="noStrike" cap="none" normalizeH="0" baseline="0" dirty="0" err="1">
+                <a:ln>
+                  <a:noFill/>
+                </a:ln>
+                <a:solidFill>
+                  <a:srgbClr val="C3CEE3"/>
+                </a:solidFill>
+                <a:effectLst/>
+                <a:latin typeface="JetBrains Mono"/>
+              </a:rPr>
+              <a:t>realY</a:t>
+            </a:r>
+            <a:r>
+              <a:rPr kumimoji="0" lang="de-DE" altLang="de-DE" sz="900" b="0" i="0" u="none" strike="noStrike" cap="none" normalizeH="0" baseline="0" dirty="0">
+                <a:ln>
+                  <a:noFill/>
+                </a:ln>
+                <a:solidFill>
+                  <a:srgbClr val="89DDFF"/>
+                </a:solidFill>
+                <a:effectLst/>
+                <a:latin typeface="JetBrains Mono"/>
+              </a:rPr>
+              <a:t>)</a:t>
+            </a:r>
+            <a:br>
+              <a:rPr kumimoji="0" lang="de-DE" altLang="de-DE" sz="900" b="0" i="0" u="none" strike="noStrike" cap="none" normalizeH="0" baseline="0" dirty="0">
+                <a:ln>
+                  <a:noFill/>
+                </a:ln>
+                <a:solidFill>
+                  <a:srgbClr val="89DDFF"/>
+                </a:solidFill>
+                <a:effectLst/>
+                <a:latin typeface="JetBrains Mono"/>
+              </a:rPr>
+            </a:br>
+            <a:r>
+              <a:rPr kumimoji="0" lang="de-DE" altLang="de-DE" sz="900" b="0" i="1" u="none" strike="noStrike" cap="none" normalizeH="0" baseline="0" dirty="0" err="1">
+                <a:ln>
+                  <a:noFill/>
+                </a:ln>
+                <a:solidFill>
+                  <a:srgbClr val="C792EA"/>
+                </a:solidFill>
+                <a:effectLst/>
+                <a:latin typeface="JetBrains Mono"/>
+              </a:rPr>
+              <a:t>for</a:t>
+            </a:r>
+            <a:r>
+              <a:rPr kumimoji="0" lang="de-DE" altLang="de-DE" sz="900" b="0" i="1" u="none" strike="noStrike" cap="none" normalizeH="0" baseline="0" dirty="0">
+                <a:ln>
+                  <a:noFill/>
+                </a:ln>
+                <a:solidFill>
+                  <a:srgbClr val="C792EA"/>
+                </a:solidFill>
+                <a:effectLst/>
+                <a:latin typeface="JetBrains Mono"/>
+              </a:rPr>
+              <a:t> </a:t>
+            </a:r>
+            <a:r>
+              <a:rPr kumimoji="0" lang="de-DE" altLang="de-DE" sz="900" b="0" i="0" u="none" strike="noStrike" cap="none" normalizeH="0" baseline="0" dirty="0">
+                <a:ln>
+                  <a:noFill/>
+                </a:ln>
+                <a:solidFill>
+                  <a:srgbClr val="C3CEE3"/>
+                </a:solidFill>
+                <a:effectLst/>
+                <a:latin typeface="JetBrains Mono"/>
+              </a:rPr>
+              <a:t>n </a:t>
+            </a:r>
+            <a:r>
+              <a:rPr kumimoji="0" lang="de-DE" altLang="de-DE" sz="900" b="0" i="1" u="none" strike="noStrike" cap="none" normalizeH="0" baseline="0" dirty="0">
+                <a:ln>
+                  <a:noFill/>
+                </a:ln>
+                <a:solidFill>
+                  <a:srgbClr val="C792EA"/>
+                </a:solidFill>
+                <a:effectLst/>
+                <a:latin typeface="JetBrains Mono"/>
+              </a:rPr>
+              <a:t>in </a:t>
+            </a:r>
+            <a:r>
+              <a:rPr kumimoji="0" lang="de-DE" altLang="de-DE" sz="900" b="0" i="1" u="none" strike="noStrike" cap="none" normalizeH="0" baseline="0" dirty="0" err="1">
+                <a:ln>
+                  <a:noFill/>
+                </a:ln>
+                <a:solidFill>
+                  <a:srgbClr val="82AAFF"/>
+                </a:solidFill>
+                <a:effectLst/>
+                <a:latin typeface="JetBrains Mono"/>
+              </a:rPr>
+              <a:t>range</a:t>
+            </a:r>
+            <a:r>
+              <a:rPr kumimoji="0" lang="de-DE" altLang="de-DE" sz="900" b="0" i="0" u="none" strike="noStrike" cap="none" normalizeH="0" baseline="0" dirty="0">
+                <a:ln>
+                  <a:noFill/>
+                </a:ln>
+                <a:solidFill>
+                  <a:srgbClr val="89DDFF"/>
+                </a:solidFill>
+                <a:effectLst/>
+                <a:latin typeface="JetBrains Mono"/>
+              </a:rPr>
+              <a:t>(</a:t>
+            </a:r>
+            <a:r>
+              <a:rPr kumimoji="0" lang="de-DE" altLang="de-DE" sz="900" b="0" i="0" u="none" strike="noStrike" cap="none" normalizeH="0" baseline="0" dirty="0" err="1">
+                <a:ln>
+                  <a:noFill/>
+                </a:ln>
+                <a:solidFill>
+                  <a:srgbClr val="C3CEE3"/>
+                </a:solidFill>
+                <a:effectLst/>
+                <a:latin typeface="JetBrains Mono"/>
+              </a:rPr>
+              <a:t>anzahlSims</a:t>
+            </a:r>
+            <a:r>
+              <a:rPr kumimoji="0" lang="de-DE" altLang="de-DE" sz="900" b="0" i="0" u="none" strike="noStrike" cap="none" normalizeH="0" baseline="0" dirty="0">
+                <a:ln>
+                  <a:noFill/>
+                </a:ln>
+                <a:solidFill>
+                  <a:srgbClr val="89DDFF"/>
+                </a:solidFill>
+                <a:effectLst/>
+                <a:latin typeface="JetBrains Mono"/>
+              </a:rPr>
+              <a:t>):</a:t>
+            </a:r>
+            <a:br>
+              <a:rPr kumimoji="0" lang="de-DE" altLang="de-DE" sz="900" b="0" i="0" u="none" strike="noStrike" cap="none" normalizeH="0" baseline="0" dirty="0">
+                <a:ln>
+                  <a:noFill/>
+                </a:ln>
+                <a:solidFill>
+                  <a:srgbClr val="89DDFF"/>
+                </a:solidFill>
+                <a:effectLst/>
+                <a:latin typeface="JetBrains Mono"/>
+              </a:rPr>
+            </a:br>
+            <a:r>
+              <a:rPr kumimoji="0" lang="de-DE" altLang="de-DE" sz="900" b="0" i="0" u="none" strike="noStrike" cap="none" normalizeH="0" baseline="0" dirty="0">
+                <a:ln>
+                  <a:noFill/>
+                </a:ln>
+                <a:solidFill>
+                  <a:srgbClr val="89DDFF"/>
+                </a:solidFill>
+                <a:effectLst/>
+                <a:latin typeface="JetBrains Mono"/>
+              </a:rPr>
+              <a:t>    </a:t>
+            </a:r>
+            <a:r>
+              <a:rPr kumimoji="0" lang="de-DE" altLang="de-DE" sz="900" b="0" i="0" u="none" strike="noStrike" cap="none" normalizeH="0" baseline="0" dirty="0" err="1">
+                <a:ln>
+                  <a:noFill/>
+                </a:ln>
+                <a:solidFill>
+                  <a:srgbClr val="C3CEE3"/>
+                </a:solidFill>
+                <a:effectLst/>
+                <a:latin typeface="JetBrains Mono"/>
+              </a:rPr>
+              <a:t>plt</a:t>
+            </a:r>
+            <a:r>
+              <a:rPr kumimoji="0" lang="de-DE" altLang="de-DE" sz="900" b="0" i="0" u="none" strike="noStrike" cap="none" normalizeH="0" baseline="0" dirty="0" err="1">
+                <a:ln>
+                  <a:noFill/>
+                </a:ln>
+                <a:solidFill>
+                  <a:srgbClr val="89DDFF"/>
+                </a:solidFill>
+                <a:effectLst/>
+                <a:latin typeface="JetBrains Mono"/>
+              </a:rPr>
+              <a:t>.</a:t>
+            </a:r>
+            <a:r>
+              <a:rPr kumimoji="0" lang="de-DE" altLang="de-DE" sz="900" b="0" i="0" u="none" strike="noStrike" cap="none" normalizeH="0" baseline="0" dirty="0" err="1">
+                <a:ln>
+                  <a:noFill/>
+                </a:ln>
+                <a:solidFill>
+                  <a:srgbClr val="82AAFF"/>
+                </a:solidFill>
+                <a:effectLst/>
+                <a:latin typeface="JetBrains Mono"/>
+              </a:rPr>
+              <a:t>plot</a:t>
+            </a:r>
+            <a:r>
+              <a:rPr kumimoji="0" lang="de-DE" altLang="de-DE" sz="900" b="0" i="0" u="none" strike="noStrike" cap="none" normalizeH="0" baseline="0" dirty="0">
+                <a:ln>
+                  <a:noFill/>
+                </a:ln>
+                <a:solidFill>
+                  <a:srgbClr val="89DDFF"/>
+                </a:solidFill>
+                <a:effectLst/>
+                <a:latin typeface="JetBrains Mono"/>
+              </a:rPr>
+              <a:t>(</a:t>
+            </a:r>
+            <a:r>
+              <a:rPr kumimoji="0" lang="de-DE" altLang="de-DE" sz="900" b="0" i="0" u="none" strike="noStrike" cap="none" normalizeH="0" baseline="0" dirty="0">
+                <a:ln>
+                  <a:noFill/>
+                </a:ln>
+                <a:solidFill>
+                  <a:srgbClr val="C3CEE3"/>
+                </a:solidFill>
+                <a:effectLst/>
+                <a:latin typeface="JetBrains Mono"/>
+              </a:rPr>
+              <a:t>x</a:t>
+            </a:r>
+            <a:r>
+              <a:rPr kumimoji="0" lang="de-DE" altLang="de-DE" sz="900" b="0" i="0" u="none" strike="noStrike" cap="none" normalizeH="0" baseline="0" dirty="0">
+                <a:ln>
+                  <a:noFill/>
+                </a:ln>
+                <a:solidFill>
+                  <a:srgbClr val="89DDFF"/>
+                </a:solidFill>
+                <a:effectLst/>
+                <a:latin typeface="JetBrains Mono"/>
+              </a:rPr>
+              <a:t>, </a:t>
+            </a:r>
+            <a:r>
+              <a:rPr kumimoji="0" lang="de-DE" altLang="de-DE" sz="900" b="0" i="0" u="none" strike="noStrike" cap="none" normalizeH="0" baseline="0" dirty="0">
+                <a:ln>
+                  <a:noFill/>
+                </a:ln>
+                <a:solidFill>
+                  <a:srgbClr val="C3CEE3"/>
+                </a:solidFill>
+                <a:effectLst/>
+                <a:latin typeface="JetBrains Mono"/>
+              </a:rPr>
+              <a:t>y</a:t>
+            </a:r>
+            <a:r>
+              <a:rPr kumimoji="0" lang="de-DE" altLang="de-DE" sz="900" b="0" i="0" u="none" strike="noStrike" cap="none" normalizeH="0" baseline="0" dirty="0">
+                <a:ln>
+                  <a:noFill/>
+                </a:ln>
+                <a:solidFill>
+                  <a:srgbClr val="89DDFF"/>
+                </a:solidFill>
+                <a:effectLst/>
+                <a:latin typeface="JetBrains Mono"/>
+              </a:rPr>
+              <a:t>[</a:t>
+            </a:r>
+            <a:r>
+              <a:rPr kumimoji="0" lang="de-DE" altLang="de-DE" sz="900" b="0" i="0" u="none" strike="noStrike" cap="none" normalizeH="0" baseline="0" dirty="0">
+                <a:ln>
+                  <a:noFill/>
+                </a:ln>
+                <a:solidFill>
+                  <a:srgbClr val="C3CEE3"/>
+                </a:solidFill>
+                <a:effectLst/>
+                <a:latin typeface="JetBrains Mono"/>
+              </a:rPr>
+              <a:t>n</a:t>
+            </a:r>
+            <a:r>
+              <a:rPr kumimoji="0" lang="de-DE" altLang="de-DE" sz="900" b="0" i="0" u="none" strike="noStrike" cap="none" normalizeH="0" baseline="0" dirty="0">
+                <a:ln>
+                  <a:noFill/>
+                </a:ln>
+                <a:solidFill>
+                  <a:srgbClr val="89DDFF"/>
+                </a:solidFill>
+                <a:effectLst/>
+                <a:latin typeface="JetBrains Mono"/>
+              </a:rPr>
+              <a:t>])</a:t>
+            </a:r>
+            <a:br>
+              <a:rPr kumimoji="0" lang="de-DE" altLang="de-DE" sz="900" b="0" i="0" u="none" strike="noStrike" cap="none" normalizeH="0" baseline="0" dirty="0">
+                <a:ln>
+                  <a:noFill/>
+                </a:ln>
+                <a:solidFill>
+                  <a:srgbClr val="89DDFF"/>
+                </a:solidFill>
+                <a:effectLst/>
+                <a:latin typeface="JetBrains Mono"/>
+              </a:rPr>
+            </a:br>
+            <a:br>
+              <a:rPr kumimoji="0" lang="de-DE" altLang="de-DE" sz="900" b="0" i="0" u="none" strike="noStrike" cap="none" normalizeH="0" baseline="0" dirty="0">
+                <a:ln>
+                  <a:noFill/>
+                </a:ln>
+                <a:solidFill>
+                  <a:srgbClr val="89DDFF"/>
+                </a:solidFill>
+                <a:effectLst/>
+                <a:latin typeface="JetBrains Mono"/>
+              </a:rPr>
+            </a:br>
+            <a:br>
+              <a:rPr kumimoji="0" lang="de-DE" altLang="de-DE" sz="900" b="0" i="0" u="none" strike="noStrike" cap="none" normalizeH="0" baseline="0" dirty="0">
+                <a:ln>
+                  <a:noFill/>
+                </a:ln>
+                <a:solidFill>
+                  <a:srgbClr val="89DDFF"/>
+                </a:solidFill>
+                <a:effectLst/>
+                <a:latin typeface="JetBrains Mono"/>
+              </a:rPr>
+            </a:br>
+            <a:r>
+              <a:rPr kumimoji="0" lang="de-DE" altLang="de-DE" sz="900" b="0" i="0" u="none" strike="noStrike" cap="none" normalizeH="0" baseline="0" dirty="0" err="1">
+                <a:ln>
+                  <a:noFill/>
+                </a:ln>
+                <a:solidFill>
+                  <a:srgbClr val="C3CEE3"/>
+                </a:solidFill>
+                <a:effectLst/>
+                <a:latin typeface="JetBrains Mono"/>
+              </a:rPr>
+              <a:t>plt</a:t>
+            </a:r>
+            <a:r>
+              <a:rPr kumimoji="0" lang="de-DE" altLang="de-DE" sz="900" b="0" i="0" u="none" strike="noStrike" cap="none" normalizeH="0" baseline="0" dirty="0" err="1">
+                <a:ln>
+                  <a:noFill/>
+                </a:ln>
+                <a:solidFill>
+                  <a:srgbClr val="89DDFF"/>
+                </a:solidFill>
+                <a:effectLst/>
+                <a:latin typeface="JetBrains Mono"/>
+              </a:rPr>
+              <a:t>.</a:t>
+            </a:r>
+            <a:r>
+              <a:rPr kumimoji="0" lang="de-DE" altLang="de-DE" sz="900" b="0" i="0" u="none" strike="noStrike" cap="none" normalizeH="0" baseline="0" dirty="0" err="1">
+                <a:ln>
+                  <a:noFill/>
+                </a:ln>
+                <a:solidFill>
+                  <a:srgbClr val="82AAFF"/>
+                </a:solidFill>
+                <a:effectLst/>
+                <a:latin typeface="JetBrains Mono"/>
+              </a:rPr>
+              <a:t>title</a:t>
+            </a:r>
+            <a:r>
+              <a:rPr kumimoji="0" lang="de-DE" altLang="de-DE" sz="900" b="0" i="0" u="none" strike="noStrike" cap="none" normalizeH="0" baseline="0" dirty="0">
+                <a:ln>
+                  <a:noFill/>
+                </a:ln>
+                <a:solidFill>
+                  <a:srgbClr val="89DDFF"/>
+                </a:solidFill>
+                <a:effectLst/>
+                <a:latin typeface="JetBrains Mono"/>
+              </a:rPr>
+              <a:t>(</a:t>
+            </a:r>
+            <a:r>
+              <a:rPr kumimoji="0" lang="de-DE" altLang="de-DE" sz="900" b="0" i="0" u="none" strike="noStrike" cap="none" normalizeH="0" baseline="0" dirty="0">
+                <a:ln>
+                  <a:noFill/>
+                </a:ln>
+                <a:solidFill>
+                  <a:srgbClr val="C3E88D"/>
+                </a:solidFill>
+                <a:effectLst/>
+                <a:latin typeface="JetBrains Mono"/>
+              </a:rPr>
+              <a:t>'Rheinmetall - Markov Chain'</a:t>
+            </a:r>
+            <a:r>
+              <a:rPr kumimoji="0" lang="de-DE" altLang="de-DE" sz="900" b="0" i="0" u="none" strike="noStrike" cap="none" normalizeH="0" baseline="0" dirty="0">
+                <a:ln>
+                  <a:noFill/>
+                </a:ln>
+                <a:solidFill>
+                  <a:srgbClr val="89DDFF"/>
+                </a:solidFill>
+                <a:effectLst/>
+                <a:latin typeface="JetBrains Mono"/>
+              </a:rPr>
+              <a:t>)</a:t>
+            </a:r>
+            <a:br>
+              <a:rPr kumimoji="0" lang="de-DE" altLang="de-DE" sz="900" b="0" i="0" u="none" strike="noStrike" cap="none" normalizeH="0" baseline="0" dirty="0">
+                <a:ln>
+                  <a:noFill/>
+                </a:ln>
+                <a:solidFill>
+                  <a:srgbClr val="89DDFF"/>
+                </a:solidFill>
+                <a:effectLst/>
+                <a:latin typeface="JetBrains Mono"/>
+              </a:rPr>
+            </a:br>
+            <a:r>
+              <a:rPr kumimoji="0" lang="de-DE" altLang="de-DE" sz="900" b="0" i="0" u="none" strike="noStrike" cap="none" normalizeH="0" baseline="0" dirty="0" err="1">
+                <a:ln>
+                  <a:noFill/>
+                </a:ln>
+                <a:solidFill>
+                  <a:srgbClr val="C3CEE3"/>
+                </a:solidFill>
+                <a:effectLst/>
+                <a:latin typeface="JetBrains Mono"/>
+              </a:rPr>
+              <a:t>plt</a:t>
+            </a:r>
+            <a:r>
+              <a:rPr kumimoji="0" lang="de-DE" altLang="de-DE" sz="900" b="0" i="0" u="none" strike="noStrike" cap="none" normalizeH="0" baseline="0" dirty="0" err="1">
+                <a:ln>
+                  <a:noFill/>
+                </a:ln>
+                <a:solidFill>
+                  <a:srgbClr val="89DDFF"/>
+                </a:solidFill>
+                <a:effectLst/>
+                <a:latin typeface="JetBrains Mono"/>
+              </a:rPr>
+              <a:t>.</a:t>
+            </a:r>
+            <a:r>
+              <a:rPr kumimoji="0" lang="de-DE" altLang="de-DE" sz="900" b="0" i="0" u="none" strike="noStrike" cap="none" normalizeH="0" baseline="0" dirty="0" err="1">
+                <a:ln>
+                  <a:noFill/>
+                </a:ln>
+                <a:solidFill>
+                  <a:srgbClr val="82AAFF"/>
+                </a:solidFill>
+                <a:effectLst/>
+                <a:latin typeface="JetBrains Mono"/>
+              </a:rPr>
+              <a:t>legend</a:t>
+            </a:r>
+            <a:r>
+              <a:rPr kumimoji="0" lang="de-DE" altLang="de-DE" sz="900" b="0" i="0" u="none" strike="noStrike" cap="none" normalizeH="0" baseline="0" dirty="0">
+                <a:ln>
+                  <a:noFill/>
+                </a:ln>
+                <a:solidFill>
+                  <a:srgbClr val="89DDFF"/>
+                </a:solidFill>
+                <a:effectLst/>
+                <a:latin typeface="JetBrains Mono"/>
+              </a:rPr>
+              <a:t>()</a:t>
+            </a:r>
+            <a:br>
+              <a:rPr kumimoji="0" lang="de-DE" altLang="de-DE" sz="900" b="0" i="0" u="none" strike="noStrike" cap="none" normalizeH="0" baseline="0" dirty="0">
+                <a:ln>
+                  <a:noFill/>
+                </a:ln>
+                <a:solidFill>
+                  <a:srgbClr val="89DDFF"/>
+                </a:solidFill>
+                <a:effectLst/>
+                <a:latin typeface="JetBrains Mono"/>
+              </a:rPr>
+            </a:br>
+            <a:r>
+              <a:rPr kumimoji="0" lang="de-DE" altLang="de-DE" sz="900" b="0" i="0" u="none" strike="noStrike" cap="none" normalizeH="0" baseline="0" dirty="0" err="1">
+                <a:ln>
+                  <a:noFill/>
+                </a:ln>
+                <a:solidFill>
+                  <a:srgbClr val="C3CEE3"/>
+                </a:solidFill>
+                <a:effectLst/>
+                <a:latin typeface="JetBrains Mono"/>
+              </a:rPr>
+              <a:t>plt</a:t>
+            </a:r>
+            <a:r>
+              <a:rPr kumimoji="0" lang="de-DE" altLang="de-DE" sz="900" b="0" i="0" u="none" strike="noStrike" cap="none" normalizeH="0" baseline="0" dirty="0" err="1">
+                <a:ln>
+                  <a:noFill/>
+                </a:ln>
+                <a:solidFill>
+                  <a:srgbClr val="89DDFF"/>
+                </a:solidFill>
+                <a:effectLst/>
+                <a:latin typeface="JetBrains Mono"/>
+              </a:rPr>
+              <a:t>.</a:t>
+            </a:r>
+            <a:r>
+              <a:rPr kumimoji="0" lang="de-DE" altLang="de-DE" sz="900" b="0" i="0" u="none" strike="noStrike" cap="none" normalizeH="0" baseline="0" dirty="0" err="1">
+                <a:ln>
+                  <a:noFill/>
+                </a:ln>
+                <a:solidFill>
+                  <a:srgbClr val="82AAFF"/>
+                </a:solidFill>
+                <a:effectLst/>
+                <a:latin typeface="JetBrains Mono"/>
+              </a:rPr>
+              <a:t>grid</a:t>
+            </a:r>
+            <a:r>
+              <a:rPr kumimoji="0" lang="de-DE" altLang="de-DE" sz="900" b="0" i="0" u="none" strike="noStrike" cap="none" normalizeH="0" baseline="0" dirty="0">
+                <a:ln>
+                  <a:noFill/>
+                </a:ln>
+                <a:solidFill>
+                  <a:srgbClr val="89DDFF"/>
+                </a:solidFill>
+                <a:effectLst/>
+                <a:latin typeface="JetBrains Mono"/>
+              </a:rPr>
+              <a:t>()</a:t>
+            </a:r>
+            <a:br>
+              <a:rPr kumimoji="0" lang="de-DE" altLang="de-DE" sz="900" b="0" i="0" u="none" strike="noStrike" cap="none" normalizeH="0" baseline="0" dirty="0">
+                <a:ln>
+                  <a:noFill/>
+                </a:ln>
+                <a:solidFill>
+                  <a:srgbClr val="89DDFF"/>
+                </a:solidFill>
+                <a:effectLst/>
+                <a:latin typeface="JetBrains Mono"/>
+              </a:rPr>
+            </a:br>
+            <a:r>
+              <a:rPr kumimoji="0" lang="de-DE" altLang="de-DE" sz="900" b="0" i="0" u="none" strike="noStrike" cap="none" normalizeH="0" baseline="0" dirty="0" err="1">
+                <a:ln>
+                  <a:noFill/>
+                </a:ln>
+                <a:solidFill>
+                  <a:srgbClr val="C3CEE3"/>
+                </a:solidFill>
+                <a:effectLst/>
+                <a:latin typeface="JetBrains Mono"/>
+              </a:rPr>
+              <a:t>plt</a:t>
+            </a:r>
+            <a:r>
+              <a:rPr kumimoji="0" lang="de-DE" altLang="de-DE" sz="900" b="0" i="0" u="none" strike="noStrike" cap="none" normalizeH="0" baseline="0" dirty="0" err="1">
+                <a:ln>
+                  <a:noFill/>
+                </a:ln>
+                <a:solidFill>
+                  <a:srgbClr val="89DDFF"/>
+                </a:solidFill>
+                <a:effectLst/>
+                <a:latin typeface="JetBrains Mono"/>
+              </a:rPr>
+              <a:t>.</a:t>
+            </a:r>
+            <a:r>
+              <a:rPr kumimoji="0" lang="de-DE" altLang="de-DE" sz="900" b="0" i="0" u="none" strike="noStrike" cap="none" normalizeH="0" baseline="0" dirty="0" err="1">
+                <a:ln>
+                  <a:noFill/>
+                </a:ln>
+                <a:solidFill>
+                  <a:srgbClr val="82AAFF"/>
+                </a:solidFill>
+                <a:effectLst/>
+                <a:latin typeface="JetBrains Mono"/>
+              </a:rPr>
+              <a:t>xlabel</a:t>
+            </a:r>
+            <a:r>
+              <a:rPr kumimoji="0" lang="de-DE" altLang="de-DE" sz="900" b="0" i="0" u="none" strike="noStrike" cap="none" normalizeH="0" baseline="0" dirty="0">
+                <a:ln>
+                  <a:noFill/>
+                </a:ln>
+                <a:solidFill>
+                  <a:srgbClr val="89DDFF"/>
+                </a:solidFill>
+                <a:effectLst/>
+                <a:latin typeface="JetBrains Mono"/>
+              </a:rPr>
+              <a:t>(</a:t>
+            </a:r>
+            <a:r>
+              <a:rPr kumimoji="0" lang="de-DE" altLang="de-DE" sz="900" b="0" i="0" u="none" strike="noStrike" cap="none" normalizeH="0" baseline="0" dirty="0">
+                <a:ln>
+                  <a:noFill/>
+                </a:ln>
+                <a:solidFill>
+                  <a:srgbClr val="C3E88D"/>
+                </a:solidFill>
+                <a:effectLst/>
+                <a:latin typeface="JetBrains Mono"/>
+              </a:rPr>
+              <a:t>"Zeit in Tagen"</a:t>
+            </a:r>
+            <a:r>
+              <a:rPr kumimoji="0" lang="de-DE" altLang="de-DE" sz="900" b="0" i="0" u="none" strike="noStrike" cap="none" normalizeH="0" baseline="0" dirty="0">
+                <a:ln>
+                  <a:noFill/>
+                </a:ln>
+                <a:solidFill>
+                  <a:srgbClr val="89DDFF"/>
+                </a:solidFill>
+                <a:effectLst/>
+                <a:latin typeface="JetBrains Mono"/>
+              </a:rPr>
+              <a:t>)</a:t>
+            </a:r>
+            <a:br>
+              <a:rPr kumimoji="0" lang="de-DE" altLang="de-DE" sz="900" b="0" i="0" u="none" strike="noStrike" cap="none" normalizeH="0" baseline="0" dirty="0">
+                <a:ln>
+                  <a:noFill/>
+                </a:ln>
+                <a:solidFill>
+                  <a:srgbClr val="89DDFF"/>
+                </a:solidFill>
+                <a:effectLst/>
+                <a:latin typeface="JetBrains Mono"/>
+              </a:rPr>
+            </a:br>
+            <a:r>
+              <a:rPr kumimoji="0" lang="de-DE" altLang="de-DE" sz="900" b="0" i="0" u="none" strike="noStrike" cap="none" normalizeH="0" baseline="0" dirty="0" err="1">
+                <a:ln>
+                  <a:noFill/>
+                </a:ln>
+                <a:solidFill>
+                  <a:srgbClr val="C3CEE3"/>
+                </a:solidFill>
+                <a:effectLst/>
+                <a:latin typeface="JetBrains Mono"/>
+              </a:rPr>
+              <a:t>plt</a:t>
+            </a:r>
+            <a:r>
+              <a:rPr kumimoji="0" lang="de-DE" altLang="de-DE" sz="900" b="0" i="0" u="none" strike="noStrike" cap="none" normalizeH="0" baseline="0" dirty="0" err="1">
+                <a:ln>
+                  <a:noFill/>
+                </a:ln>
+                <a:solidFill>
+                  <a:srgbClr val="89DDFF"/>
+                </a:solidFill>
+                <a:effectLst/>
+                <a:latin typeface="JetBrains Mono"/>
+              </a:rPr>
+              <a:t>.</a:t>
+            </a:r>
+            <a:r>
+              <a:rPr kumimoji="0" lang="de-DE" altLang="de-DE" sz="900" b="0" i="0" u="none" strike="noStrike" cap="none" normalizeH="0" baseline="0" dirty="0" err="1">
+                <a:ln>
+                  <a:noFill/>
+                </a:ln>
+                <a:solidFill>
+                  <a:srgbClr val="82AAFF"/>
+                </a:solidFill>
+                <a:effectLst/>
+                <a:latin typeface="JetBrains Mono"/>
+              </a:rPr>
+              <a:t>ylabel</a:t>
+            </a:r>
+            <a:r>
+              <a:rPr kumimoji="0" lang="de-DE" altLang="de-DE" sz="900" b="0" i="0" u="none" strike="noStrike" cap="none" normalizeH="0" baseline="0" dirty="0">
+                <a:ln>
+                  <a:noFill/>
+                </a:ln>
+                <a:solidFill>
+                  <a:srgbClr val="89DDFF"/>
+                </a:solidFill>
+                <a:effectLst/>
+                <a:latin typeface="JetBrains Mono"/>
+              </a:rPr>
+              <a:t>(</a:t>
+            </a:r>
+            <a:r>
+              <a:rPr kumimoji="0" lang="de-DE" altLang="de-DE" sz="900" b="0" i="0" u="none" strike="noStrike" cap="none" normalizeH="0" baseline="0" dirty="0">
+                <a:ln>
+                  <a:noFill/>
+                </a:ln>
+                <a:solidFill>
+                  <a:srgbClr val="C3E88D"/>
+                </a:solidFill>
+                <a:effectLst/>
+                <a:latin typeface="JetBrains Mono"/>
+              </a:rPr>
+              <a:t>"Preis in €"</a:t>
+            </a:r>
+            <a:r>
+              <a:rPr kumimoji="0" lang="de-DE" altLang="de-DE" sz="900" b="0" i="0" u="none" strike="noStrike" cap="none" normalizeH="0" baseline="0" dirty="0">
+                <a:ln>
+                  <a:noFill/>
+                </a:ln>
+                <a:solidFill>
+                  <a:srgbClr val="89DDFF"/>
+                </a:solidFill>
+                <a:effectLst/>
+                <a:latin typeface="JetBrains Mono"/>
+              </a:rPr>
+              <a:t>)</a:t>
+            </a:r>
+            <a:br>
+              <a:rPr kumimoji="0" lang="de-DE" altLang="de-DE" sz="900" b="0" i="0" u="none" strike="noStrike" cap="none" normalizeH="0" baseline="0" dirty="0">
+                <a:ln>
+                  <a:noFill/>
+                </a:ln>
+                <a:solidFill>
+                  <a:srgbClr val="89DDFF"/>
+                </a:solidFill>
+                <a:effectLst/>
+                <a:latin typeface="JetBrains Mono"/>
+              </a:rPr>
+            </a:br>
+            <a:r>
+              <a:rPr kumimoji="0" lang="de-DE" altLang="de-DE" sz="900" b="0" i="1" u="none" strike="noStrike" cap="none" normalizeH="0" baseline="0" dirty="0">
+                <a:ln>
+                  <a:noFill/>
+                </a:ln>
+                <a:solidFill>
+                  <a:srgbClr val="717CB4"/>
+                </a:solidFill>
+                <a:effectLst/>
+                <a:latin typeface="JetBrains Mono"/>
+              </a:rPr>
+              <a:t># Show </a:t>
+            </a:r>
+            <a:r>
+              <a:rPr kumimoji="0" lang="de-DE" altLang="de-DE" sz="900" b="0" i="1" u="none" strike="noStrike" cap="none" normalizeH="0" baseline="0" dirty="0" err="1">
+                <a:ln>
+                  <a:noFill/>
+                </a:ln>
+                <a:solidFill>
+                  <a:srgbClr val="717CB4"/>
+                </a:solidFill>
+                <a:effectLst/>
+                <a:latin typeface="JetBrains Mono"/>
+              </a:rPr>
+              <a:t>the</a:t>
+            </a:r>
+            <a:r>
+              <a:rPr kumimoji="0" lang="de-DE" altLang="de-DE" sz="900" b="0" i="1" u="none" strike="noStrike" cap="none" normalizeH="0" baseline="0" dirty="0">
+                <a:ln>
+                  <a:noFill/>
+                </a:ln>
+                <a:solidFill>
+                  <a:srgbClr val="717CB4"/>
+                </a:solidFill>
+                <a:effectLst/>
+                <a:latin typeface="JetBrains Mono"/>
+              </a:rPr>
+              <a:t> </a:t>
+            </a:r>
+            <a:r>
+              <a:rPr kumimoji="0" lang="de-DE" altLang="de-DE" sz="900" b="0" i="1" u="none" strike="noStrike" cap="none" normalizeH="0" baseline="0" dirty="0" err="1">
+                <a:ln>
+                  <a:noFill/>
+                </a:ln>
+                <a:solidFill>
+                  <a:srgbClr val="717CB4"/>
+                </a:solidFill>
+                <a:effectLst/>
+                <a:latin typeface="JetBrains Mono"/>
+              </a:rPr>
+              <a:t>plot</a:t>
+            </a:r>
+            <a:br>
+              <a:rPr kumimoji="0" lang="de-DE" altLang="de-DE" sz="900" b="0" i="1" u="none" strike="noStrike" cap="none" normalizeH="0" baseline="0" dirty="0">
+                <a:ln>
+                  <a:noFill/>
+                </a:ln>
+                <a:solidFill>
+                  <a:srgbClr val="717CB4"/>
+                </a:solidFill>
+                <a:effectLst/>
+                <a:latin typeface="JetBrains Mono"/>
+              </a:rPr>
+            </a:br>
+            <a:r>
+              <a:rPr kumimoji="0" lang="de-DE" altLang="de-DE" sz="900" b="0" i="0" u="none" strike="noStrike" cap="none" normalizeH="0" baseline="0" dirty="0" err="1">
+                <a:ln>
+                  <a:noFill/>
+                </a:ln>
+                <a:solidFill>
+                  <a:srgbClr val="C3CEE3"/>
+                </a:solidFill>
+                <a:effectLst/>
+                <a:latin typeface="JetBrains Mono"/>
+              </a:rPr>
+              <a:t>plt</a:t>
+            </a:r>
+            <a:r>
+              <a:rPr kumimoji="0" lang="de-DE" altLang="de-DE" sz="900" b="0" i="0" u="none" strike="noStrike" cap="none" normalizeH="0" baseline="0" dirty="0" err="1">
+                <a:ln>
+                  <a:noFill/>
+                </a:ln>
+                <a:solidFill>
+                  <a:srgbClr val="89DDFF"/>
+                </a:solidFill>
+                <a:effectLst/>
+                <a:latin typeface="JetBrains Mono"/>
+              </a:rPr>
+              <a:t>.</a:t>
+            </a:r>
+            <a:r>
+              <a:rPr kumimoji="0" lang="de-DE" altLang="de-DE" sz="900" b="0" i="0" u="none" strike="noStrike" cap="none" normalizeH="0" baseline="0" dirty="0" err="1">
+                <a:ln>
+                  <a:noFill/>
+                </a:ln>
+                <a:solidFill>
+                  <a:srgbClr val="82AAFF"/>
+                </a:solidFill>
+                <a:effectLst/>
+                <a:latin typeface="JetBrains Mono"/>
+              </a:rPr>
+              <a:t>show</a:t>
+            </a:r>
+            <a:r>
+              <a:rPr kumimoji="0" lang="de-DE" altLang="de-DE" sz="900" b="0" i="0" u="none" strike="noStrike" cap="none" normalizeH="0" baseline="0" dirty="0">
+                <a:ln>
+                  <a:noFill/>
+                </a:ln>
+                <a:solidFill>
+                  <a:srgbClr val="89DDFF"/>
+                </a:solidFill>
+                <a:effectLst/>
+                <a:latin typeface="JetBrains Mono"/>
+              </a:rPr>
+              <a:t>()</a:t>
+            </a:r>
+            <a:br>
+              <a:rPr kumimoji="0" lang="de-DE" altLang="de-DE" sz="900" b="0" i="0" u="none" strike="noStrike" cap="none" normalizeH="0" baseline="0" dirty="0">
+                <a:ln>
+                  <a:noFill/>
+                </a:ln>
+                <a:solidFill>
+                  <a:srgbClr val="89DDFF"/>
+                </a:solidFill>
+                <a:effectLst/>
+                <a:latin typeface="JetBrains Mono"/>
+              </a:rPr>
+            </a:br>
+            <a:br>
+              <a:rPr kumimoji="0" lang="de-DE" altLang="de-DE" sz="900" b="0" i="0" u="none" strike="noStrike" cap="none" normalizeH="0" baseline="0" dirty="0">
+                <a:ln>
+                  <a:noFill/>
+                </a:ln>
+                <a:solidFill>
+                  <a:srgbClr val="89DDFF"/>
+                </a:solidFill>
+                <a:effectLst/>
+                <a:latin typeface="JetBrains Mono"/>
+              </a:rPr>
+            </a:br>
+            <a:r>
+              <a:rPr kumimoji="0" lang="de-DE" altLang="de-DE" sz="900" b="0" i="0" u="none" strike="noStrike" cap="none" normalizeH="0" baseline="0" dirty="0" err="1">
+                <a:ln>
+                  <a:noFill/>
+                </a:ln>
+                <a:solidFill>
+                  <a:srgbClr val="C3CEE3"/>
+                </a:solidFill>
+                <a:effectLst/>
+                <a:latin typeface="JetBrains Mono"/>
+              </a:rPr>
+              <a:t>distributions</a:t>
+            </a:r>
+            <a:r>
+              <a:rPr kumimoji="0" lang="de-DE" altLang="de-DE" sz="900" b="0" i="0" u="none" strike="noStrike" cap="none" normalizeH="0" baseline="0" dirty="0">
+                <a:ln>
+                  <a:noFill/>
+                </a:ln>
+                <a:solidFill>
+                  <a:srgbClr val="C3CEE3"/>
+                </a:solidFill>
+                <a:effectLst/>
+                <a:latin typeface="JetBrains Mono"/>
+              </a:rPr>
+              <a:t> </a:t>
+            </a:r>
+            <a:r>
+              <a:rPr kumimoji="0" lang="de-DE" altLang="de-DE" sz="900" b="0" i="0" u="none" strike="noStrike" cap="none" normalizeH="0" baseline="0" dirty="0">
+                <a:ln>
+                  <a:noFill/>
+                </a:ln>
+                <a:solidFill>
+                  <a:srgbClr val="89DDFF"/>
+                </a:solidFill>
+                <a:effectLst/>
+                <a:latin typeface="JetBrains Mono"/>
+              </a:rPr>
+              <a:t>= []</a:t>
+            </a:r>
+            <a:br>
+              <a:rPr kumimoji="0" lang="de-DE" altLang="de-DE" sz="900" b="0" i="0" u="none" strike="noStrike" cap="none" normalizeH="0" baseline="0" dirty="0">
+                <a:ln>
+                  <a:noFill/>
+                </a:ln>
+                <a:solidFill>
+                  <a:srgbClr val="89DDFF"/>
+                </a:solidFill>
+                <a:effectLst/>
+                <a:latin typeface="JetBrains Mono"/>
+              </a:rPr>
+            </a:br>
+            <a:r>
+              <a:rPr kumimoji="0" lang="de-DE" altLang="de-DE" sz="900" b="0" i="1" u="none" strike="noStrike" cap="none" normalizeH="0" baseline="0" dirty="0" err="1">
+                <a:ln>
+                  <a:noFill/>
+                </a:ln>
+                <a:solidFill>
+                  <a:srgbClr val="C792EA"/>
+                </a:solidFill>
+                <a:effectLst/>
+                <a:latin typeface="JetBrains Mono"/>
+              </a:rPr>
+              <a:t>for</a:t>
+            </a:r>
+            <a:r>
+              <a:rPr kumimoji="0" lang="de-DE" altLang="de-DE" sz="900" b="0" i="1" u="none" strike="noStrike" cap="none" normalizeH="0" baseline="0" dirty="0">
+                <a:ln>
+                  <a:noFill/>
+                </a:ln>
+                <a:solidFill>
+                  <a:srgbClr val="C792EA"/>
+                </a:solidFill>
+                <a:effectLst/>
+                <a:latin typeface="JetBrains Mono"/>
+              </a:rPr>
+              <a:t> </a:t>
+            </a:r>
+            <a:r>
+              <a:rPr kumimoji="0" lang="de-DE" altLang="de-DE" sz="900" b="0" i="0" u="none" strike="noStrike" cap="none" normalizeH="0" baseline="0" dirty="0">
+                <a:ln>
+                  <a:noFill/>
+                </a:ln>
+                <a:solidFill>
+                  <a:srgbClr val="C3CEE3"/>
+                </a:solidFill>
+                <a:effectLst/>
+                <a:latin typeface="JetBrains Mono"/>
+              </a:rPr>
+              <a:t>i </a:t>
+            </a:r>
+            <a:r>
+              <a:rPr kumimoji="0" lang="de-DE" altLang="de-DE" sz="900" b="0" i="1" u="none" strike="noStrike" cap="none" normalizeH="0" baseline="0" dirty="0">
+                <a:ln>
+                  <a:noFill/>
+                </a:ln>
+                <a:solidFill>
+                  <a:srgbClr val="C792EA"/>
+                </a:solidFill>
+                <a:effectLst/>
+                <a:latin typeface="JetBrains Mono"/>
+              </a:rPr>
+              <a:t>in </a:t>
+            </a:r>
+            <a:r>
+              <a:rPr kumimoji="0" lang="de-DE" altLang="de-DE" sz="900" b="0" i="1" u="none" strike="noStrike" cap="none" normalizeH="0" baseline="0" dirty="0" err="1">
+                <a:ln>
+                  <a:noFill/>
+                </a:ln>
+                <a:solidFill>
+                  <a:srgbClr val="82AAFF"/>
+                </a:solidFill>
+                <a:effectLst/>
+                <a:latin typeface="JetBrains Mono"/>
+              </a:rPr>
+              <a:t>range</a:t>
+            </a:r>
+            <a:r>
+              <a:rPr kumimoji="0" lang="de-DE" altLang="de-DE" sz="900" b="0" i="0" u="none" strike="noStrike" cap="none" normalizeH="0" baseline="0" dirty="0">
+                <a:ln>
+                  <a:noFill/>
+                </a:ln>
+                <a:solidFill>
+                  <a:srgbClr val="89DDFF"/>
+                </a:solidFill>
+                <a:effectLst/>
+                <a:latin typeface="JetBrains Mono"/>
+              </a:rPr>
+              <a:t>(</a:t>
+            </a:r>
+            <a:r>
+              <a:rPr kumimoji="0" lang="de-DE" altLang="de-DE" sz="900" b="0" i="0" u="none" strike="noStrike" cap="none" normalizeH="0" baseline="0" dirty="0" err="1">
+                <a:ln>
+                  <a:noFill/>
+                </a:ln>
+                <a:solidFill>
+                  <a:srgbClr val="C3CEE3"/>
+                </a:solidFill>
+                <a:effectLst/>
+                <a:latin typeface="JetBrains Mono"/>
+              </a:rPr>
+              <a:t>anzahlSims</a:t>
+            </a:r>
+            <a:r>
+              <a:rPr kumimoji="0" lang="de-DE" altLang="de-DE" sz="900" b="0" i="0" u="none" strike="noStrike" cap="none" normalizeH="0" baseline="0" dirty="0">
+                <a:ln>
+                  <a:noFill/>
+                </a:ln>
+                <a:solidFill>
+                  <a:srgbClr val="89DDFF"/>
+                </a:solidFill>
+                <a:effectLst/>
+                <a:latin typeface="JetBrains Mono"/>
+              </a:rPr>
+              <a:t>):</a:t>
+            </a:r>
+            <a:br>
+              <a:rPr kumimoji="0" lang="de-DE" altLang="de-DE" sz="900" b="0" i="0" u="none" strike="noStrike" cap="none" normalizeH="0" baseline="0" dirty="0">
+                <a:ln>
+                  <a:noFill/>
+                </a:ln>
+                <a:solidFill>
+                  <a:srgbClr val="89DDFF"/>
+                </a:solidFill>
+                <a:effectLst/>
+                <a:latin typeface="JetBrains Mono"/>
+              </a:rPr>
+            </a:br>
+            <a:r>
+              <a:rPr kumimoji="0" lang="de-DE" altLang="de-DE" sz="900" b="0" i="0" u="none" strike="noStrike" cap="none" normalizeH="0" baseline="0" dirty="0">
+                <a:ln>
+                  <a:noFill/>
+                </a:ln>
+                <a:solidFill>
+                  <a:srgbClr val="89DDFF"/>
+                </a:solidFill>
+                <a:effectLst/>
+                <a:latin typeface="JetBrains Mono"/>
+              </a:rPr>
+              <a:t>    </a:t>
+            </a:r>
+            <a:r>
+              <a:rPr kumimoji="0" lang="de-DE" altLang="de-DE" sz="900" b="0" i="0" u="none" strike="noStrike" cap="none" normalizeH="0" baseline="0" dirty="0" err="1">
+                <a:ln>
+                  <a:noFill/>
+                </a:ln>
+                <a:solidFill>
+                  <a:srgbClr val="C3CEE3"/>
+                </a:solidFill>
+                <a:effectLst/>
+                <a:latin typeface="JetBrains Mono"/>
+              </a:rPr>
+              <a:t>distributions</a:t>
+            </a:r>
+            <a:r>
+              <a:rPr kumimoji="0" lang="de-DE" altLang="de-DE" sz="900" b="0" i="0" u="none" strike="noStrike" cap="none" normalizeH="0" baseline="0" dirty="0" err="1">
+                <a:ln>
+                  <a:noFill/>
+                </a:ln>
+                <a:solidFill>
+                  <a:srgbClr val="89DDFF"/>
+                </a:solidFill>
+                <a:effectLst/>
+                <a:latin typeface="JetBrains Mono"/>
+              </a:rPr>
+              <a:t>.</a:t>
+            </a:r>
+            <a:r>
+              <a:rPr kumimoji="0" lang="de-DE" altLang="de-DE" sz="900" b="0" i="0" u="none" strike="noStrike" cap="none" normalizeH="0" baseline="0" dirty="0" err="1">
+                <a:ln>
+                  <a:noFill/>
+                </a:ln>
+                <a:solidFill>
+                  <a:srgbClr val="82AAFF"/>
+                </a:solidFill>
+                <a:effectLst/>
+                <a:latin typeface="JetBrains Mono"/>
+              </a:rPr>
+              <a:t>append</a:t>
+            </a:r>
+            <a:r>
+              <a:rPr kumimoji="0" lang="de-DE" altLang="de-DE" sz="900" b="0" i="0" u="none" strike="noStrike" cap="none" normalizeH="0" baseline="0" dirty="0">
+                <a:ln>
+                  <a:noFill/>
+                </a:ln>
+                <a:solidFill>
+                  <a:srgbClr val="89DDFF"/>
+                </a:solidFill>
+                <a:effectLst/>
+                <a:latin typeface="JetBrains Mono"/>
+              </a:rPr>
+              <a:t>(</a:t>
+            </a:r>
+            <a:r>
+              <a:rPr kumimoji="0" lang="de-DE" altLang="de-DE" sz="900" b="0" i="0" u="none" strike="noStrike" cap="none" normalizeH="0" baseline="0" dirty="0">
+                <a:ln>
+                  <a:noFill/>
+                </a:ln>
+                <a:solidFill>
+                  <a:srgbClr val="C3CEE3"/>
+                </a:solidFill>
+                <a:effectLst/>
+                <a:latin typeface="JetBrains Mono"/>
+              </a:rPr>
+              <a:t>y</a:t>
+            </a:r>
+            <a:r>
+              <a:rPr kumimoji="0" lang="de-DE" altLang="de-DE" sz="900" b="0" i="0" u="none" strike="noStrike" cap="none" normalizeH="0" baseline="0" dirty="0">
+                <a:ln>
+                  <a:noFill/>
+                </a:ln>
+                <a:solidFill>
+                  <a:srgbClr val="89DDFF"/>
+                </a:solidFill>
+                <a:effectLst/>
+                <a:latin typeface="JetBrains Mono"/>
+              </a:rPr>
+              <a:t>[</a:t>
+            </a:r>
+            <a:r>
+              <a:rPr kumimoji="0" lang="de-DE" altLang="de-DE" sz="900" b="0" i="0" u="none" strike="noStrike" cap="none" normalizeH="0" baseline="0" dirty="0">
+                <a:ln>
+                  <a:noFill/>
+                </a:ln>
+                <a:solidFill>
+                  <a:srgbClr val="C3CEE3"/>
+                </a:solidFill>
+                <a:effectLst/>
+                <a:latin typeface="JetBrains Mono"/>
+              </a:rPr>
+              <a:t>i</a:t>
+            </a:r>
+            <a:r>
+              <a:rPr kumimoji="0" lang="de-DE" altLang="de-DE" sz="900" b="0" i="0" u="none" strike="noStrike" cap="none" normalizeH="0" baseline="0" dirty="0">
+                <a:ln>
+                  <a:noFill/>
+                </a:ln>
+                <a:solidFill>
+                  <a:srgbClr val="89DDFF"/>
+                </a:solidFill>
+                <a:effectLst/>
+                <a:latin typeface="JetBrains Mono"/>
+              </a:rPr>
+              <a:t>][</a:t>
+            </a:r>
+            <a:r>
+              <a:rPr kumimoji="0" lang="de-DE" altLang="de-DE" sz="900" b="0" i="0" u="none" strike="noStrike" cap="none" normalizeH="0" baseline="0" dirty="0">
+                <a:ln>
+                  <a:noFill/>
+                </a:ln>
+                <a:solidFill>
+                  <a:srgbClr val="F78C6C"/>
+                </a:solidFill>
+                <a:effectLst/>
+                <a:latin typeface="JetBrains Mono"/>
+              </a:rPr>
+              <a:t>100</a:t>
+            </a:r>
+            <a:r>
+              <a:rPr kumimoji="0" lang="de-DE" altLang="de-DE" sz="900" b="0" i="0" u="none" strike="noStrike" cap="none" normalizeH="0" baseline="0" dirty="0">
+                <a:ln>
+                  <a:noFill/>
+                </a:ln>
+                <a:solidFill>
+                  <a:srgbClr val="89DDFF"/>
+                </a:solidFill>
+                <a:effectLst/>
+                <a:latin typeface="JetBrains Mono"/>
+              </a:rPr>
+              <a:t>])</a:t>
+            </a:r>
+            <a:br>
+              <a:rPr kumimoji="0" lang="de-DE" altLang="de-DE" sz="900" b="0" i="0" u="none" strike="noStrike" cap="none" normalizeH="0" baseline="0" dirty="0">
+                <a:ln>
+                  <a:noFill/>
+                </a:ln>
+                <a:solidFill>
+                  <a:srgbClr val="89DDFF"/>
+                </a:solidFill>
+                <a:effectLst/>
+                <a:latin typeface="JetBrains Mono"/>
+              </a:rPr>
+            </a:br>
+            <a:r>
+              <a:rPr kumimoji="0" lang="de-DE" altLang="de-DE" sz="900" b="0" i="0" u="none" strike="noStrike" cap="none" normalizeH="0" baseline="0" dirty="0" err="1">
+                <a:ln>
+                  <a:noFill/>
+                </a:ln>
+                <a:solidFill>
+                  <a:srgbClr val="C3CEE3"/>
+                </a:solidFill>
+                <a:effectLst/>
+                <a:latin typeface="JetBrains Mono"/>
+              </a:rPr>
+              <a:t>plt</a:t>
+            </a:r>
+            <a:r>
+              <a:rPr kumimoji="0" lang="de-DE" altLang="de-DE" sz="900" b="0" i="0" u="none" strike="noStrike" cap="none" normalizeH="0" baseline="0" dirty="0" err="1">
+                <a:ln>
+                  <a:noFill/>
+                </a:ln>
+                <a:solidFill>
+                  <a:srgbClr val="89DDFF"/>
+                </a:solidFill>
+                <a:effectLst/>
+                <a:latin typeface="JetBrains Mono"/>
+              </a:rPr>
+              <a:t>.</a:t>
+            </a:r>
+            <a:r>
+              <a:rPr kumimoji="0" lang="de-DE" altLang="de-DE" sz="900" b="0" i="0" u="none" strike="noStrike" cap="none" normalizeH="0" baseline="0" dirty="0" err="1">
+                <a:ln>
+                  <a:noFill/>
+                </a:ln>
+                <a:solidFill>
+                  <a:srgbClr val="82AAFF"/>
+                </a:solidFill>
+                <a:effectLst/>
+                <a:latin typeface="JetBrains Mono"/>
+              </a:rPr>
+              <a:t>hist</a:t>
+            </a:r>
+            <a:r>
+              <a:rPr kumimoji="0" lang="de-DE" altLang="de-DE" sz="900" b="0" i="0" u="none" strike="noStrike" cap="none" normalizeH="0" baseline="0" dirty="0">
+                <a:ln>
+                  <a:noFill/>
+                </a:ln>
+                <a:solidFill>
+                  <a:srgbClr val="89DDFF"/>
+                </a:solidFill>
+                <a:effectLst/>
+                <a:latin typeface="JetBrains Mono"/>
+              </a:rPr>
+              <a:t>(</a:t>
+            </a:r>
+            <a:r>
+              <a:rPr kumimoji="0" lang="de-DE" altLang="de-DE" sz="900" b="0" i="0" u="none" strike="noStrike" cap="none" normalizeH="0" baseline="0" dirty="0" err="1">
+                <a:ln>
+                  <a:noFill/>
+                </a:ln>
+                <a:solidFill>
+                  <a:srgbClr val="C3CEE3"/>
+                </a:solidFill>
+                <a:effectLst/>
+                <a:latin typeface="JetBrains Mono"/>
+              </a:rPr>
+              <a:t>distributions</a:t>
+            </a:r>
+            <a:r>
+              <a:rPr kumimoji="0" lang="de-DE" altLang="de-DE" sz="900" b="0" i="0" u="none" strike="noStrike" cap="none" normalizeH="0" baseline="0" dirty="0">
+                <a:ln>
+                  <a:noFill/>
+                </a:ln>
+                <a:solidFill>
+                  <a:srgbClr val="89DDFF"/>
+                </a:solidFill>
+                <a:effectLst/>
+                <a:latin typeface="JetBrains Mono"/>
+              </a:rPr>
+              <a:t>, </a:t>
+            </a:r>
+            <a:r>
+              <a:rPr kumimoji="0" lang="de-DE" altLang="de-DE" sz="900" b="0" i="0" u="none" strike="noStrike" cap="none" normalizeH="0" baseline="0" dirty="0" err="1">
+                <a:ln>
+                  <a:noFill/>
+                </a:ln>
+                <a:solidFill>
+                  <a:srgbClr val="F78C6C"/>
+                </a:solidFill>
+                <a:effectLst/>
+                <a:latin typeface="JetBrains Mono"/>
+              </a:rPr>
+              <a:t>bins</a:t>
+            </a:r>
+            <a:r>
+              <a:rPr kumimoji="0" lang="de-DE" altLang="de-DE" sz="900" b="0" i="0" u="none" strike="noStrike" cap="none" normalizeH="0" baseline="0" dirty="0">
+                <a:ln>
+                  <a:noFill/>
+                </a:ln>
+                <a:solidFill>
+                  <a:srgbClr val="89DDFF"/>
+                </a:solidFill>
+                <a:effectLst/>
+                <a:latin typeface="JetBrains Mono"/>
+              </a:rPr>
+              <a:t>=</a:t>
+            </a:r>
+            <a:r>
+              <a:rPr kumimoji="0" lang="de-DE" altLang="de-DE" sz="900" b="0" i="0" u="none" strike="noStrike" cap="none" normalizeH="0" baseline="0" dirty="0">
+                <a:ln>
+                  <a:noFill/>
+                </a:ln>
+                <a:solidFill>
+                  <a:srgbClr val="F78C6C"/>
+                </a:solidFill>
+                <a:effectLst/>
+                <a:latin typeface="JetBrains Mono"/>
+              </a:rPr>
+              <a:t>30</a:t>
+            </a:r>
+            <a:r>
+              <a:rPr kumimoji="0" lang="de-DE" altLang="de-DE" sz="900" b="0" i="0" u="none" strike="noStrike" cap="none" normalizeH="0" baseline="0" dirty="0">
+                <a:ln>
+                  <a:noFill/>
+                </a:ln>
+                <a:solidFill>
+                  <a:srgbClr val="89DDFF"/>
+                </a:solidFill>
+                <a:effectLst/>
+                <a:latin typeface="JetBrains Mono"/>
+              </a:rPr>
+              <a:t>, </a:t>
+            </a:r>
+            <a:r>
+              <a:rPr kumimoji="0" lang="de-DE" altLang="de-DE" sz="900" b="0" i="0" u="none" strike="noStrike" cap="none" normalizeH="0" baseline="0" dirty="0" err="1">
+                <a:ln>
+                  <a:noFill/>
+                </a:ln>
+                <a:solidFill>
+                  <a:srgbClr val="F78C6C"/>
+                </a:solidFill>
+                <a:effectLst/>
+                <a:latin typeface="JetBrains Mono"/>
+              </a:rPr>
+              <a:t>density</a:t>
+            </a:r>
+            <a:r>
+              <a:rPr kumimoji="0" lang="de-DE" altLang="de-DE" sz="900" b="0" i="0" u="none" strike="noStrike" cap="none" normalizeH="0" baseline="0" dirty="0">
+                <a:ln>
+                  <a:noFill/>
+                </a:ln>
+                <a:solidFill>
+                  <a:srgbClr val="89DDFF"/>
+                </a:solidFill>
+                <a:effectLst/>
+                <a:latin typeface="JetBrains Mono"/>
+              </a:rPr>
+              <a:t>=</a:t>
+            </a:r>
+            <a:r>
+              <a:rPr kumimoji="0" lang="de-DE" altLang="de-DE" sz="900" b="0" i="1" u="none" strike="noStrike" cap="none" normalizeH="0" baseline="0" dirty="0">
+                <a:ln>
+                  <a:noFill/>
+                </a:ln>
+                <a:solidFill>
+                  <a:srgbClr val="C792EA"/>
+                </a:solidFill>
+                <a:effectLst/>
+                <a:latin typeface="JetBrains Mono"/>
+              </a:rPr>
+              <a:t>True</a:t>
+            </a:r>
+            <a:r>
+              <a:rPr kumimoji="0" lang="de-DE" altLang="de-DE" sz="900" b="0" i="0" u="none" strike="noStrike" cap="none" normalizeH="0" baseline="0" dirty="0">
+                <a:ln>
+                  <a:noFill/>
+                </a:ln>
+                <a:solidFill>
+                  <a:srgbClr val="89DDFF"/>
+                </a:solidFill>
+                <a:effectLst/>
+                <a:latin typeface="JetBrains Mono"/>
+              </a:rPr>
+              <a:t>, </a:t>
+            </a:r>
+            <a:r>
+              <a:rPr kumimoji="0" lang="de-DE" altLang="de-DE" sz="900" b="0" i="0" u="none" strike="noStrike" cap="none" normalizeH="0" baseline="0" dirty="0" err="1">
+                <a:ln>
+                  <a:noFill/>
+                </a:ln>
+                <a:solidFill>
+                  <a:srgbClr val="F78C6C"/>
+                </a:solidFill>
+                <a:effectLst/>
+                <a:latin typeface="JetBrains Mono"/>
+              </a:rPr>
+              <a:t>alpha</a:t>
+            </a:r>
+            <a:r>
+              <a:rPr kumimoji="0" lang="de-DE" altLang="de-DE" sz="900" b="0" i="0" u="none" strike="noStrike" cap="none" normalizeH="0" baseline="0" dirty="0">
+                <a:ln>
+                  <a:noFill/>
+                </a:ln>
+                <a:solidFill>
+                  <a:srgbClr val="89DDFF"/>
+                </a:solidFill>
+                <a:effectLst/>
+                <a:latin typeface="JetBrains Mono"/>
+              </a:rPr>
+              <a:t>=</a:t>
+            </a:r>
+            <a:r>
+              <a:rPr kumimoji="0" lang="de-DE" altLang="de-DE" sz="900" b="0" i="0" u="none" strike="noStrike" cap="none" normalizeH="0" baseline="0" dirty="0">
+                <a:ln>
+                  <a:noFill/>
+                </a:ln>
+                <a:solidFill>
+                  <a:srgbClr val="F78C6C"/>
+                </a:solidFill>
+                <a:effectLst/>
+                <a:latin typeface="JetBrains Mono"/>
+              </a:rPr>
+              <a:t>0.7</a:t>
+            </a:r>
+            <a:r>
+              <a:rPr kumimoji="0" lang="de-DE" altLang="de-DE" sz="900" b="0" i="0" u="none" strike="noStrike" cap="none" normalizeH="0" baseline="0" dirty="0">
+                <a:ln>
+                  <a:noFill/>
+                </a:ln>
+                <a:solidFill>
+                  <a:srgbClr val="89DDFF"/>
+                </a:solidFill>
+                <a:effectLst/>
+                <a:latin typeface="JetBrains Mono"/>
+              </a:rPr>
+              <a:t>, </a:t>
+            </a:r>
+            <a:r>
+              <a:rPr kumimoji="0" lang="de-DE" altLang="de-DE" sz="900" b="0" i="0" u="none" strike="noStrike" cap="none" normalizeH="0" baseline="0" dirty="0" err="1">
+                <a:ln>
+                  <a:noFill/>
+                </a:ln>
+                <a:solidFill>
+                  <a:srgbClr val="F78C6C"/>
+                </a:solidFill>
+                <a:effectLst/>
+                <a:latin typeface="JetBrains Mono"/>
+              </a:rPr>
+              <a:t>color</a:t>
+            </a:r>
+            <a:r>
+              <a:rPr kumimoji="0" lang="de-DE" altLang="de-DE" sz="900" b="0" i="0" u="none" strike="noStrike" cap="none" normalizeH="0" baseline="0" dirty="0">
+                <a:ln>
+                  <a:noFill/>
+                </a:ln>
+                <a:solidFill>
+                  <a:srgbClr val="89DDFF"/>
+                </a:solidFill>
+                <a:effectLst/>
+                <a:latin typeface="JetBrains Mono"/>
+              </a:rPr>
+              <a:t>=</a:t>
+            </a:r>
+            <a:r>
+              <a:rPr kumimoji="0" lang="de-DE" altLang="de-DE" sz="900" b="0" i="0" u="none" strike="noStrike" cap="none" normalizeH="0" baseline="0" dirty="0">
+                <a:ln>
+                  <a:noFill/>
+                </a:ln>
+                <a:solidFill>
+                  <a:srgbClr val="C3E88D"/>
+                </a:solidFill>
+                <a:effectLst/>
+                <a:latin typeface="JetBrains Mono"/>
+              </a:rPr>
+              <a:t>'</a:t>
+            </a:r>
+            <a:r>
+              <a:rPr kumimoji="0" lang="de-DE" altLang="de-DE" sz="900" b="0" i="0" u="none" strike="noStrike" cap="none" normalizeH="0" baseline="0" dirty="0" err="1">
+                <a:ln>
+                  <a:noFill/>
+                </a:ln>
+                <a:solidFill>
+                  <a:srgbClr val="C3E88D"/>
+                </a:solidFill>
+                <a:effectLst/>
+                <a:latin typeface="JetBrains Mono"/>
+              </a:rPr>
+              <a:t>skyblue</a:t>
+            </a:r>
+            <a:r>
+              <a:rPr kumimoji="0" lang="de-DE" altLang="de-DE" sz="900" b="0" i="0" u="none" strike="noStrike" cap="none" normalizeH="0" baseline="0" dirty="0">
+                <a:ln>
+                  <a:noFill/>
+                </a:ln>
+                <a:solidFill>
+                  <a:srgbClr val="C3E88D"/>
+                </a:solidFill>
+                <a:effectLst/>
+                <a:latin typeface="JetBrains Mono"/>
+              </a:rPr>
+              <a:t>'</a:t>
+            </a:r>
+            <a:r>
+              <a:rPr kumimoji="0" lang="de-DE" altLang="de-DE" sz="900" b="0" i="0" u="none" strike="noStrike" cap="none" normalizeH="0" baseline="0" dirty="0">
+                <a:ln>
+                  <a:noFill/>
+                </a:ln>
+                <a:solidFill>
+                  <a:srgbClr val="89DDFF"/>
+                </a:solidFill>
+                <a:effectLst/>
+                <a:latin typeface="JetBrains Mono"/>
+              </a:rPr>
+              <a:t>, </a:t>
+            </a:r>
+            <a:r>
+              <a:rPr kumimoji="0" lang="de-DE" altLang="de-DE" sz="900" b="0" i="0" u="none" strike="noStrike" cap="none" normalizeH="0" baseline="0" dirty="0" err="1">
+                <a:ln>
+                  <a:noFill/>
+                </a:ln>
+                <a:solidFill>
+                  <a:srgbClr val="F78C6C"/>
+                </a:solidFill>
+                <a:effectLst/>
+                <a:latin typeface="JetBrains Mono"/>
+              </a:rPr>
+              <a:t>edgecolor</a:t>
+            </a:r>
+            <a:r>
+              <a:rPr kumimoji="0" lang="de-DE" altLang="de-DE" sz="900" b="0" i="0" u="none" strike="noStrike" cap="none" normalizeH="0" baseline="0" dirty="0">
+                <a:ln>
+                  <a:noFill/>
+                </a:ln>
+                <a:solidFill>
+                  <a:srgbClr val="89DDFF"/>
+                </a:solidFill>
+                <a:effectLst/>
+                <a:latin typeface="JetBrains Mono"/>
+              </a:rPr>
+              <a:t>=</a:t>
+            </a:r>
+            <a:r>
+              <a:rPr kumimoji="0" lang="de-DE" altLang="de-DE" sz="900" b="0" i="0" u="none" strike="noStrike" cap="none" normalizeH="0" baseline="0" dirty="0">
+                <a:ln>
+                  <a:noFill/>
+                </a:ln>
+                <a:solidFill>
+                  <a:srgbClr val="C3E88D"/>
+                </a:solidFill>
+                <a:effectLst/>
+                <a:latin typeface="JetBrains Mono"/>
+              </a:rPr>
+              <a:t>'</a:t>
+            </a:r>
+            <a:r>
+              <a:rPr kumimoji="0" lang="de-DE" altLang="de-DE" sz="900" b="0" i="0" u="none" strike="noStrike" cap="none" normalizeH="0" baseline="0" dirty="0" err="1">
+                <a:ln>
+                  <a:noFill/>
+                </a:ln>
+                <a:solidFill>
+                  <a:srgbClr val="C3E88D"/>
+                </a:solidFill>
+                <a:effectLst/>
+                <a:latin typeface="JetBrains Mono"/>
+              </a:rPr>
+              <a:t>black</a:t>
+            </a:r>
+            <a:r>
+              <a:rPr kumimoji="0" lang="de-DE" altLang="de-DE" sz="900" b="0" i="0" u="none" strike="noStrike" cap="none" normalizeH="0" baseline="0" dirty="0">
+                <a:ln>
+                  <a:noFill/>
+                </a:ln>
+                <a:solidFill>
+                  <a:srgbClr val="C3E88D"/>
+                </a:solidFill>
+                <a:effectLst/>
+                <a:latin typeface="JetBrains Mono"/>
+              </a:rPr>
+              <a:t>'</a:t>
+            </a:r>
+            <a:r>
+              <a:rPr kumimoji="0" lang="de-DE" altLang="de-DE" sz="900" b="0" i="0" u="none" strike="noStrike" cap="none" normalizeH="0" baseline="0" dirty="0">
+                <a:ln>
+                  <a:noFill/>
+                </a:ln>
+                <a:solidFill>
+                  <a:srgbClr val="89DDFF"/>
+                </a:solidFill>
+                <a:effectLst/>
+                <a:latin typeface="JetBrains Mono"/>
+              </a:rPr>
+              <a:t>)</a:t>
+            </a:r>
+            <a:br>
+              <a:rPr kumimoji="0" lang="de-DE" altLang="de-DE" sz="900" b="0" i="0" u="none" strike="noStrike" cap="none" normalizeH="0" baseline="0" dirty="0">
+                <a:ln>
+                  <a:noFill/>
+                </a:ln>
+                <a:solidFill>
+                  <a:srgbClr val="89DDFF"/>
+                </a:solidFill>
+                <a:effectLst/>
+                <a:latin typeface="JetBrains Mono"/>
+              </a:rPr>
+            </a:br>
+            <a:br>
+              <a:rPr kumimoji="0" lang="de-DE" altLang="de-DE" sz="900" b="0" i="0" u="none" strike="noStrike" cap="none" normalizeH="0" baseline="0" dirty="0">
+                <a:ln>
+                  <a:noFill/>
+                </a:ln>
+                <a:solidFill>
+                  <a:srgbClr val="89DDFF"/>
+                </a:solidFill>
+                <a:effectLst/>
+                <a:latin typeface="JetBrains Mono"/>
+              </a:rPr>
+            </a:br>
+            <a:r>
+              <a:rPr kumimoji="0" lang="de-DE" altLang="de-DE" sz="900" b="0" i="0" u="none" strike="noStrike" cap="none" normalizeH="0" baseline="0" dirty="0" err="1">
+                <a:ln>
+                  <a:noFill/>
+                </a:ln>
+                <a:solidFill>
+                  <a:srgbClr val="C3CEE3"/>
+                </a:solidFill>
+                <a:effectLst/>
+                <a:latin typeface="JetBrains Mono"/>
+              </a:rPr>
+              <a:t>plt</a:t>
+            </a:r>
+            <a:r>
+              <a:rPr kumimoji="0" lang="de-DE" altLang="de-DE" sz="900" b="0" i="0" u="none" strike="noStrike" cap="none" normalizeH="0" baseline="0" dirty="0" err="1">
+                <a:ln>
+                  <a:noFill/>
+                </a:ln>
+                <a:solidFill>
+                  <a:srgbClr val="89DDFF"/>
+                </a:solidFill>
+                <a:effectLst/>
+                <a:latin typeface="JetBrains Mono"/>
+              </a:rPr>
+              <a:t>.</a:t>
+            </a:r>
+            <a:r>
+              <a:rPr kumimoji="0" lang="de-DE" altLang="de-DE" sz="900" b="0" i="0" u="none" strike="noStrike" cap="none" normalizeH="0" baseline="0" dirty="0" err="1">
+                <a:ln>
+                  <a:noFill/>
+                </a:ln>
+                <a:solidFill>
+                  <a:srgbClr val="82AAFF"/>
+                </a:solidFill>
+                <a:effectLst/>
+                <a:latin typeface="JetBrains Mono"/>
+              </a:rPr>
+              <a:t>title</a:t>
+            </a:r>
+            <a:r>
+              <a:rPr kumimoji="0" lang="de-DE" altLang="de-DE" sz="900" b="0" i="0" u="none" strike="noStrike" cap="none" normalizeH="0" baseline="0" dirty="0">
+                <a:ln>
+                  <a:noFill/>
+                </a:ln>
+                <a:solidFill>
+                  <a:srgbClr val="89DDFF"/>
+                </a:solidFill>
+                <a:effectLst/>
+                <a:latin typeface="JetBrains Mono"/>
+              </a:rPr>
+              <a:t>(</a:t>
+            </a:r>
+            <a:r>
+              <a:rPr kumimoji="0" lang="de-DE" altLang="de-DE" sz="900" b="0" i="0" u="none" strike="noStrike" cap="none" normalizeH="0" baseline="0" dirty="0">
+                <a:ln>
+                  <a:noFill/>
+                </a:ln>
+                <a:solidFill>
+                  <a:srgbClr val="C3E88D"/>
+                </a:solidFill>
+                <a:effectLst/>
+                <a:latin typeface="JetBrains Mono"/>
+              </a:rPr>
+              <a:t>'</a:t>
+            </a:r>
+            <a:r>
+              <a:rPr kumimoji="0" lang="de-DE" altLang="de-DE" sz="900" b="0" i="0" u="none" strike="noStrike" cap="none" normalizeH="0" baseline="0" dirty="0" err="1">
+                <a:ln>
+                  <a:noFill/>
+                </a:ln>
+                <a:solidFill>
+                  <a:srgbClr val="C3E88D"/>
+                </a:solidFill>
+                <a:effectLst/>
+                <a:latin typeface="JetBrains Mono"/>
+              </a:rPr>
+              <a:t>Product</a:t>
+            </a:r>
+            <a:r>
+              <a:rPr kumimoji="0" lang="de-DE" altLang="de-DE" sz="900" b="0" i="0" u="none" strike="noStrike" cap="none" normalizeH="0" baseline="0" dirty="0">
+                <a:ln>
+                  <a:noFill/>
+                </a:ln>
+                <a:solidFill>
+                  <a:srgbClr val="C3E88D"/>
+                </a:solidFill>
+                <a:effectLst/>
+                <a:latin typeface="JetBrains Mono"/>
+              </a:rPr>
+              <a:t> Distribution'</a:t>
+            </a:r>
+            <a:r>
+              <a:rPr kumimoji="0" lang="de-DE" altLang="de-DE" sz="900" b="0" i="0" u="none" strike="noStrike" cap="none" normalizeH="0" baseline="0" dirty="0">
+                <a:ln>
+                  <a:noFill/>
+                </a:ln>
+                <a:solidFill>
+                  <a:srgbClr val="89DDFF"/>
+                </a:solidFill>
+                <a:effectLst/>
+                <a:latin typeface="JetBrains Mono"/>
+              </a:rPr>
+              <a:t>, </a:t>
+            </a:r>
+            <a:r>
+              <a:rPr kumimoji="0" lang="de-DE" altLang="de-DE" sz="900" b="0" i="0" u="none" strike="noStrike" cap="none" normalizeH="0" baseline="0" dirty="0" err="1">
+                <a:ln>
+                  <a:noFill/>
+                </a:ln>
+                <a:solidFill>
+                  <a:srgbClr val="F78C6C"/>
+                </a:solidFill>
+                <a:effectLst/>
+                <a:latin typeface="JetBrains Mono"/>
+              </a:rPr>
+              <a:t>fontsize</a:t>
+            </a:r>
+            <a:r>
+              <a:rPr kumimoji="0" lang="de-DE" altLang="de-DE" sz="900" b="0" i="0" u="none" strike="noStrike" cap="none" normalizeH="0" baseline="0" dirty="0">
+                <a:ln>
+                  <a:noFill/>
+                </a:ln>
+                <a:solidFill>
+                  <a:srgbClr val="89DDFF"/>
+                </a:solidFill>
+                <a:effectLst/>
+                <a:latin typeface="JetBrains Mono"/>
+              </a:rPr>
+              <a:t>=</a:t>
+            </a:r>
+            <a:r>
+              <a:rPr kumimoji="0" lang="de-DE" altLang="de-DE" sz="900" b="0" i="0" u="none" strike="noStrike" cap="none" normalizeH="0" baseline="0" dirty="0">
+                <a:ln>
+                  <a:noFill/>
+                </a:ln>
+                <a:solidFill>
+                  <a:srgbClr val="F78C6C"/>
+                </a:solidFill>
+                <a:effectLst/>
+                <a:latin typeface="JetBrains Mono"/>
+              </a:rPr>
+              <a:t>16</a:t>
+            </a:r>
+            <a:r>
+              <a:rPr kumimoji="0" lang="de-DE" altLang="de-DE" sz="900" b="0" i="0" u="none" strike="noStrike" cap="none" normalizeH="0" baseline="0" dirty="0">
+                <a:ln>
+                  <a:noFill/>
+                </a:ln>
+                <a:solidFill>
+                  <a:srgbClr val="89DDFF"/>
+                </a:solidFill>
+                <a:effectLst/>
+                <a:latin typeface="JetBrains Mono"/>
+              </a:rPr>
+              <a:t>, </a:t>
+            </a:r>
+            <a:r>
+              <a:rPr kumimoji="0" lang="de-DE" altLang="de-DE" sz="900" b="0" i="0" u="none" strike="noStrike" cap="none" normalizeH="0" baseline="0" dirty="0" err="1">
+                <a:ln>
+                  <a:noFill/>
+                </a:ln>
+                <a:solidFill>
+                  <a:srgbClr val="F78C6C"/>
+                </a:solidFill>
+                <a:effectLst/>
+                <a:latin typeface="JetBrains Mono"/>
+              </a:rPr>
+              <a:t>fontweight</a:t>
+            </a:r>
+            <a:r>
+              <a:rPr kumimoji="0" lang="de-DE" altLang="de-DE" sz="900" b="0" i="0" u="none" strike="noStrike" cap="none" normalizeH="0" baseline="0" dirty="0">
+                <a:ln>
+                  <a:noFill/>
+                </a:ln>
+                <a:solidFill>
+                  <a:srgbClr val="89DDFF"/>
+                </a:solidFill>
+                <a:effectLst/>
+                <a:latin typeface="JetBrains Mono"/>
+              </a:rPr>
+              <a:t>=</a:t>
+            </a:r>
+            <a:r>
+              <a:rPr kumimoji="0" lang="de-DE" altLang="de-DE" sz="900" b="0" i="0" u="none" strike="noStrike" cap="none" normalizeH="0" baseline="0" dirty="0">
+                <a:ln>
+                  <a:noFill/>
+                </a:ln>
+                <a:solidFill>
+                  <a:srgbClr val="C3E88D"/>
+                </a:solidFill>
+                <a:effectLst/>
+                <a:latin typeface="JetBrains Mono"/>
+              </a:rPr>
+              <a:t>'</a:t>
+            </a:r>
+            <a:r>
+              <a:rPr kumimoji="0" lang="de-DE" altLang="de-DE" sz="900" b="0" i="0" u="none" strike="noStrike" cap="none" normalizeH="0" baseline="0" dirty="0" err="1">
+                <a:ln>
+                  <a:noFill/>
+                </a:ln>
+                <a:solidFill>
+                  <a:srgbClr val="C3E88D"/>
+                </a:solidFill>
+                <a:effectLst/>
+                <a:latin typeface="JetBrains Mono"/>
+              </a:rPr>
+              <a:t>bold</a:t>
+            </a:r>
+            <a:r>
+              <a:rPr kumimoji="0" lang="de-DE" altLang="de-DE" sz="900" b="0" i="0" u="none" strike="noStrike" cap="none" normalizeH="0" baseline="0" dirty="0">
+                <a:ln>
+                  <a:noFill/>
+                </a:ln>
+                <a:solidFill>
+                  <a:srgbClr val="C3E88D"/>
+                </a:solidFill>
+                <a:effectLst/>
+                <a:latin typeface="JetBrains Mono"/>
+              </a:rPr>
+              <a:t>'</a:t>
+            </a:r>
+            <a:r>
+              <a:rPr kumimoji="0" lang="de-DE" altLang="de-DE" sz="900" b="0" i="0" u="none" strike="noStrike" cap="none" normalizeH="0" baseline="0" dirty="0">
+                <a:ln>
+                  <a:noFill/>
+                </a:ln>
+                <a:solidFill>
+                  <a:srgbClr val="89DDFF"/>
+                </a:solidFill>
+                <a:effectLst/>
+                <a:latin typeface="JetBrains Mono"/>
+              </a:rPr>
+              <a:t>)</a:t>
+            </a:r>
+            <a:br>
+              <a:rPr kumimoji="0" lang="de-DE" altLang="de-DE" sz="900" b="0" i="0" u="none" strike="noStrike" cap="none" normalizeH="0" baseline="0" dirty="0">
+                <a:ln>
+                  <a:noFill/>
+                </a:ln>
+                <a:solidFill>
+                  <a:srgbClr val="89DDFF"/>
+                </a:solidFill>
+                <a:effectLst/>
+                <a:latin typeface="JetBrains Mono"/>
+              </a:rPr>
+            </a:br>
+            <a:r>
+              <a:rPr kumimoji="0" lang="de-DE" altLang="de-DE" sz="900" b="0" i="0" u="none" strike="noStrike" cap="none" normalizeH="0" baseline="0" dirty="0" err="1">
+                <a:ln>
+                  <a:noFill/>
+                </a:ln>
+                <a:solidFill>
+                  <a:srgbClr val="C3CEE3"/>
+                </a:solidFill>
+                <a:effectLst/>
+                <a:latin typeface="JetBrains Mono"/>
+              </a:rPr>
+              <a:t>plt</a:t>
+            </a:r>
+            <a:r>
+              <a:rPr kumimoji="0" lang="de-DE" altLang="de-DE" sz="900" b="0" i="0" u="none" strike="noStrike" cap="none" normalizeH="0" baseline="0" dirty="0" err="1">
+                <a:ln>
+                  <a:noFill/>
+                </a:ln>
+                <a:solidFill>
+                  <a:srgbClr val="89DDFF"/>
+                </a:solidFill>
+                <a:effectLst/>
+                <a:latin typeface="JetBrains Mono"/>
+              </a:rPr>
+              <a:t>.</a:t>
+            </a:r>
+            <a:r>
+              <a:rPr kumimoji="0" lang="de-DE" altLang="de-DE" sz="900" b="0" i="0" u="none" strike="noStrike" cap="none" normalizeH="0" baseline="0" dirty="0" err="1">
+                <a:ln>
+                  <a:noFill/>
+                </a:ln>
+                <a:solidFill>
+                  <a:srgbClr val="82AAFF"/>
+                </a:solidFill>
+                <a:effectLst/>
+                <a:latin typeface="JetBrains Mono"/>
+              </a:rPr>
+              <a:t>xlabel</a:t>
+            </a:r>
+            <a:r>
+              <a:rPr kumimoji="0" lang="de-DE" altLang="de-DE" sz="900" b="0" i="0" u="none" strike="noStrike" cap="none" normalizeH="0" baseline="0" dirty="0">
+                <a:ln>
+                  <a:noFill/>
+                </a:ln>
+                <a:solidFill>
+                  <a:srgbClr val="89DDFF"/>
+                </a:solidFill>
+                <a:effectLst/>
+                <a:latin typeface="JetBrains Mono"/>
+              </a:rPr>
+              <a:t>(</a:t>
+            </a:r>
+            <a:r>
+              <a:rPr kumimoji="0" lang="de-DE" altLang="de-DE" sz="900" b="0" i="0" u="none" strike="noStrike" cap="none" normalizeH="0" baseline="0" dirty="0">
+                <a:ln>
+                  <a:noFill/>
+                </a:ln>
+                <a:solidFill>
+                  <a:srgbClr val="C3E88D"/>
+                </a:solidFill>
+                <a:effectLst/>
+                <a:latin typeface="JetBrains Mono"/>
+              </a:rPr>
+              <a:t>'Value'</a:t>
+            </a:r>
+            <a:r>
+              <a:rPr kumimoji="0" lang="de-DE" altLang="de-DE" sz="900" b="0" i="0" u="none" strike="noStrike" cap="none" normalizeH="0" baseline="0" dirty="0">
+                <a:ln>
+                  <a:noFill/>
+                </a:ln>
+                <a:solidFill>
+                  <a:srgbClr val="89DDFF"/>
+                </a:solidFill>
+                <a:effectLst/>
+                <a:latin typeface="JetBrains Mono"/>
+              </a:rPr>
+              <a:t>, </a:t>
+            </a:r>
+            <a:r>
+              <a:rPr kumimoji="0" lang="de-DE" altLang="de-DE" sz="900" b="0" i="0" u="none" strike="noStrike" cap="none" normalizeH="0" baseline="0" dirty="0" err="1">
+                <a:ln>
+                  <a:noFill/>
+                </a:ln>
+                <a:solidFill>
+                  <a:srgbClr val="F78C6C"/>
+                </a:solidFill>
+                <a:effectLst/>
+                <a:latin typeface="JetBrains Mono"/>
+              </a:rPr>
+              <a:t>fontsize</a:t>
+            </a:r>
+            <a:r>
+              <a:rPr kumimoji="0" lang="de-DE" altLang="de-DE" sz="900" b="0" i="0" u="none" strike="noStrike" cap="none" normalizeH="0" baseline="0" dirty="0">
+                <a:ln>
+                  <a:noFill/>
+                </a:ln>
+                <a:solidFill>
+                  <a:srgbClr val="89DDFF"/>
+                </a:solidFill>
+                <a:effectLst/>
+                <a:latin typeface="JetBrains Mono"/>
+              </a:rPr>
+              <a:t>=</a:t>
+            </a:r>
+            <a:r>
+              <a:rPr kumimoji="0" lang="de-DE" altLang="de-DE" sz="900" b="0" i="0" u="none" strike="noStrike" cap="none" normalizeH="0" baseline="0" dirty="0">
+                <a:ln>
+                  <a:noFill/>
+                </a:ln>
+                <a:solidFill>
+                  <a:srgbClr val="F78C6C"/>
+                </a:solidFill>
+                <a:effectLst/>
+                <a:latin typeface="JetBrains Mono"/>
+              </a:rPr>
+              <a:t>12</a:t>
+            </a:r>
+            <a:r>
+              <a:rPr kumimoji="0" lang="de-DE" altLang="de-DE" sz="900" b="0" i="0" u="none" strike="noStrike" cap="none" normalizeH="0" baseline="0" dirty="0">
+                <a:ln>
+                  <a:noFill/>
+                </a:ln>
+                <a:solidFill>
+                  <a:srgbClr val="89DDFF"/>
+                </a:solidFill>
+                <a:effectLst/>
+                <a:latin typeface="JetBrains Mono"/>
+              </a:rPr>
+              <a:t>)</a:t>
+            </a:r>
+            <a:br>
+              <a:rPr kumimoji="0" lang="de-DE" altLang="de-DE" sz="900" b="0" i="0" u="none" strike="noStrike" cap="none" normalizeH="0" baseline="0" dirty="0">
+                <a:ln>
+                  <a:noFill/>
+                </a:ln>
+                <a:solidFill>
+                  <a:srgbClr val="89DDFF"/>
+                </a:solidFill>
+                <a:effectLst/>
+                <a:latin typeface="JetBrains Mono"/>
+              </a:rPr>
+            </a:br>
+            <a:r>
+              <a:rPr kumimoji="0" lang="de-DE" altLang="de-DE" sz="900" b="0" i="0" u="none" strike="noStrike" cap="none" normalizeH="0" baseline="0" dirty="0" err="1">
+                <a:ln>
+                  <a:noFill/>
+                </a:ln>
+                <a:solidFill>
+                  <a:srgbClr val="C3CEE3"/>
+                </a:solidFill>
+                <a:effectLst/>
+                <a:latin typeface="JetBrains Mono"/>
+              </a:rPr>
+              <a:t>plt</a:t>
+            </a:r>
+            <a:r>
+              <a:rPr kumimoji="0" lang="de-DE" altLang="de-DE" sz="900" b="0" i="0" u="none" strike="noStrike" cap="none" normalizeH="0" baseline="0" dirty="0" err="1">
+                <a:ln>
+                  <a:noFill/>
+                </a:ln>
+                <a:solidFill>
+                  <a:srgbClr val="89DDFF"/>
+                </a:solidFill>
+                <a:effectLst/>
+                <a:latin typeface="JetBrains Mono"/>
+              </a:rPr>
+              <a:t>.</a:t>
+            </a:r>
+            <a:r>
+              <a:rPr kumimoji="0" lang="de-DE" altLang="de-DE" sz="900" b="0" i="0" u="none" strike="noStrike" cap="none" normalizeH="0" baseline="0" dirty="0" err="1">
+                <a:ln>
+                  <a:noFill/>
+                </a:ln>
+                <a:solidFill>
+                  <a:srgbClr val="82AAFF"/>
+                </a:solidFill>
+                <a:effectLst/>
+                <a:latin typeface="JetBrains Mono"/>
+              </a:rPr>
+              <a:t>ylabel</a:t>
+            </a:r>
+            <a:r>
+              <a:rPr kumimoji="0" lang="de-DE" altLang="de-DE" sz="900" b="0" i="0" u="none" strike="noStrike" cap="none" normalizeH="0" baseline="0" dirty="0">
+                <a:ln>
+                  <a:noFill/>
+                </a:ln>
+                <a:solidFill>
+                  <a:srgbClr val="89DDFF"/>
+                </a:solidFill>
+                <a:effectLst/>
+                <a:latin typeface="JetBrains Mono"/>
+              </a:rPr>
+              <a:t>(</a:t>
+            </a:r>
+            <a:r>
+              <a:rPr kumimoji="0" lang="de-DE" altLang="de-DE" sz="900" b="0" i="0" u="none" strike="noStrike" cap="none" normalizeH="0" baseline="0" dirty="0">
+                <a:ln>
+                  <a:noFill/>
+                </a:ln>
+                <a:solidFill>
+                  <a:srgbClr val="C3E88D"/>
+                </a:solidFill>
+                <a:effectLst/>
+                <a:latin typeface="JetBrains Mono"/>
+              </a:rPr>
+              <a:t>'</a:t>
+            </a:r>
+            <a:r>
+              <a:rPr kumimoji="0" lang="de-DE" altLang="de-DE" sz="900" b="0" i="0" u="none" strike="noStrike" cap="none" normalizeH="0" baseline="0" dirty="0" err="1">
+                <a:ln>
+                  <a:noFill/>
+                </a:ln>
+                <a:solidFill>
+                  <a:srgbClr val="C3E88D"/>
+                </a:solidFill>
+                <a:effectLst/>
+                <a:latin typeface="JetBrains Mono"/>
+              </a:rPr>
+              <a:t>Probability</a:t>
+            </a:r>
+            <a:r>
+              <a:rPr kumimoji="0" lang="de-DE" altLang="de-DE" sz="900" b="0" i="0" u="none" strike="noStrike" cap="none" normalizeH="0" baseline="0" dirty="0">
+                <a:ln>
+                  <a:noFill/>
+                </a:ln>
+                <a:solidFill>
+                  <a:srgbClr val="C3E88D"/>
+                </a:solidFill>
+                <a:effectLst/>
+                <a:latin typeface="JetBrains Mono"/>
+              </a:rPr>
+              <a:t> Density'</a:t>
+            </a:r>
+            <a:r>
+              <a:rPr kumimoji="0" lang="de-DE" altLang="de-DE" sz="900" b="0" i="0" u="none" strike="noStrike" cap="none" normalizeH="0" baseline="0" dirty="0">
+                <a:ln>
+                  <a:noFill/>
+                </a:ln>
+                <a:solidFill>
+                  <a:srgbClr val="89DDFF"/>
+                </a:solidFill>
+                <a:effectLst/>
+                <a:latin typeface="JetBrains Mono"/>
+              </a:rPr>
+              <a:t>, </a:t>
+            </a:r>
+            <a:r>
+              <a:rPr kumimoji="0" lang="de-DE" altLang="de-DE" sz="900" b="0" i="0" u="none" strike="noStrike" cap="none" normalizeH="0" baseline="0" dirty="0" err="1">
+                <a:ln>
+                  <a:noFill/>
+                </a:ln>
+                <a:solidFill>
+                  <a:srgbClr val="F78C6C"/>
+                </a:solidFill>
+                <a:effectLst/>
+                <a:latin typeface="JetBrains Mono"/>
+              </a:rPr>
+              <a:t>fontsize</a:t>
+            </a:r>
+            <a:r>
+              <a:rPr kumimoji="0" lang="de-DE" altLang="de-DE" sz="900" b="0" i="0" u="none" strike="noStrike" cap="none" normalizeH="0" baseline="0" dirty="0">
+                <a:ln>
+                  <a:noFill/>
+                </a:ln>
+                <a:solidFill>
+                  <a:srgbClr val="89DDFF"/>
+                </a:solidFill>
+                <a:effectLst/>
+                <a:latin typeface="JetBrains Mono"/>
+              </a:rPr>
+              <a:t>=</a:t>
+            </a:r>
+            <a:r>
+              <a:rPr kumimoji="0" lang="de-DE" altLang="de-DE" sz="900" b="0" i="0" u="none" strike="noStrike" cap="none" normalizeH="0" baseline="0" dirty="0">
+                <a:ln>
+                  <a:noFill/>
+                </a:ln>
+                <a:solidFill>
+                  <a:srgbClr val="F78C6C"/>
+                </a:solidFill>
+                <a:effectLst/>
+                <a:latin typeface="JetBrains Mono"/>
+              </a:rPr>
+              <a:t>12</a:t>
+            </a:r>
+            <a:r>
+              <a:rPr kumimoji="0" lang="de-DE" altLang="de-DE" sz="900" b="0" i="0" u="none" strike="noStrike" cap="none" normalizeH="0" baseline="0" dirty="0">
+                <a:ln>
+                  <a:noFill/>
+                </a:ln>
+                <a:solidFill>
+                  <a:srgbClr val="89DDFF"/>
+                </a:solidFill>
+                <a:effectLst/>
+                <a:latin typeface="JetBrains Mono"/>
+              </a:rPr>
+              <a:t>)</a:t>
+            </a:r>
+            <a:br>
+              <a:rPr kumimoji="0" lang="de-DE" altLang="de-DE" sz="900" b="0" i="0" u="none" strike="noStrike" cap="none" normalizeH="0" baseline="0" dirty="0">
+                <a:ln>
+                  <a:noFill/>
+                </a:ln>
+                <a:solidFill>
+                  <a:srgbClr val="89DDFF"/>
+                </a:solidFill>
+                <a:effectLst/>
+                <a:latin typeface="JetBrains Mono"/>
+              </a:rPr>
+            </a:br>
+            <a:r>
+              <a:rPr kumimoji="0" lang="de-DE" altLang="de-DE" sz="900" b="0" i="0" u="none" strike="noStrike" cap="none" normalizeH="0" baseline="0" dirty="0" err="1">
+                <a:ln>
+                  <a:noFill/>
+                </a:ln>
+                <a:solidFill>
+                  <a:srgbClr val="C3CEE3"/>
+                </a:solidFill>
+                <a:effectLst/>
+                <a:latin typeface="JetBrains Mono"/>
+              </a:rPr>
+              <a:t>plt</a:t>
+            </a:r>
+            <a:r>
+              <a:rPr kumimoji="0" lang="de-DE" altLang="de-DE" sz="900" b="0" i="0" u="none" strike="noStrike" cap="none" normalizeH="0" baseline="0" dirty="0" err="1">
+                <a:ln>
+                  <a:noFill/>
+                </a:ln>
+                <a:solidFill>
+                  <a:srgbClr val="89DDFF"/>
+                </a:solidFill>
+                <a:effectLst/>
+                <a:latin typeface="JetBrains Mono"/>
+              </a:rPr>
+              <a:t>.</a:t>
+            </a:r>
+            <a:r>
+              <a:rPr kumimoji="0" lang="de-DE" altLang="de-DE" sz="900" b="0" i="0" u="none" strike="noStrike" cap="none" normalizeH="0" baseline="0" dirty="0" err="1">
+                <a:ln>
+                  <a:noFill/>
+                </a:ln>
+                <a:solidFill>
+                  <a:srgbClr val="82AAFF"/>
+                </a:solidFill>
+                <a:effectLst/>
+                <a:latin typeface="JetBrains Mono"/>
+              </a:rPr>
+              <a:t>grid</a:t>
+            </a:r>
+            <a:r>
+              <a:rPr kumimoji="0" lang="de-DE" altLang="de-DE" sz="900" b="0" i="0" u="none" strike="noStrike" cap="none" normalizeH="0" baseline="0" dirty="0">
+                <a:ln>
+                  <a:noFill/>
+                </a:ln>
+                <a:solidFill>
+                  <a:srgbClr val="89DDFF"/>
+                </a:solidFill>
+                <a:effectLst/>
+                <a:latin typeface="JetBrains Mono"/>
+              </a:rPr>
+              <a:t>(</a:t>
+            </a:r>
+            <a:r>
+              <a:rPr kumimoji="0" lang="de-DE" altLang="de-DE" sz="900" b="0" i="0" u="none" strike="noStrike" cap="none" normalizeH="0" baseline="0" dirty="0" err="1">
+                <a:ln>
+                  <a:noFill/>
+                </a:ln>
+                <a:solidFill>
+                  <a:srgbClr val="F78C6C"/>
+                </a:solidFill>
+                <a:effectLst/>
+                <a:latin typeface="JetBrains Mono"/>
+              </a:rPr>
+              <a:t>axis</a:t>
+            </a:r>
+            <a:r>
+              <a:rPr kumimoji="0" lang="de-DE" altLang="de-DE" sz="900" b="0" i="0" u="none" strike="noStrike" cap="none" normalizeH="0" baseline="0" dirty="0">
+                <a:ln>
+                  <a:noFill/>
+                </a:ln>
+                <a:solidFill>
+                  <a:srgbClr val="89DDFF"/>
+                </a:solidFill>
+                <a:effectLst/>
+                <a:latin typeface="JetBrains Mono"/>
+              </a:rPr>
+              <a:t>=</a:t>
+            </a:r>
+            <a:r>
+              <a:rPr kumimoji="0" lang="de-DE" altLang="de-DE" sz="900" b="0" i="0" u="none" strike="noStrike" cap="none" normalizeH="0" baseline="0" dirty="0">
+                <a:ln>
+                  <a:noFill/>
+                </a:ln>
+                <a:solidFill>
+                  <a:srgbClr val="C3E88D"/>
+                </a:solidFill>
+                <a:effectLst/>
+                <a:latin typeface="JetBrains Mono"/>
+              </a:rPr>
+              <a:t>'y'</a:t>
+            </a:r>
+            <a:r>
+              <a:rPr kumimoji="0" lang="de-DE" altLang="de-DE" sz="900" b="0" i="0" u="none" strike="noStrike" cap="none" normalizeH="0" baseline="0" dirty="0">
+                <a:ln>
+                  <a:noFill/>
+                </a:ln>
+                <a:solidFill>
+                  <a:srgbClr val="89DDFF"/>
+                </a:solidFill>
+                <a:effectLst/>
+                <a:latin typeface="JetBrains Mono"/>
+              </a:rPr>
+              <a:t>, </a:t>
+            </a:r>
+            <a:r>
+              <a:rPr kumimoji="0" lang="de-DE" altLang="de-DE" sz="900" b="0" i="0" u="none" strike="noStrike" cap="none" normalizeH="0" baseline="0" dirty="0" err="1">
+                <a:ln>
+                  <a:noFill/>
+                </a:ln>
+                <a:solidFill>
+                  <a:srgbClr val="F78C6C"/>
+                </a:solidFill>
+                <a:effectLst/>
+                <a:latin typeface="JetBrains Mono"/>
+              </a:rPr>
+              <a:t>linestyle</a:t>
+            </a:r>
+            <a:r>
+              <a:rPr kumimoji="0" lang="de-DE" altLang="de-DE" sz="900" b="0" i="0" u="none" strike="noStrike" cap="none" normalizeH="0" baseline="0" dirty="0">
+                <a:ln>
+                  <a:noFill/>
+                </a:ln>
+                <a:solidFill>
+                  <a:srgbClr val="89DDFF"/>
+                </a:solidFill>
+                <a:effectLst/>
+                <a:latin typeface="JetBrains Mono"/>
+              </a:rPr>
+              <a:t>=</a:t>
+            </a:r>
+            <a:r>
+              <a:rPr kumimoji="0" lang="de-DE" altLang="de-DE" sz="900" b="0" i="0" u="none" strike="noStrike" cap="none" normalizeH="0" baseline="0" dirty="0">
+                <a:ln>
+                  <a:noFill/>
+                </a:ln>
+                <a:solidFill>
+                  <a:srgbClr val="C3E88D"/>
+                </a:solidFill>
+                <a:effectLst/>
+                <a:latin typeface="JetBrains Mono"/>
+              </a:rPr>
+              <a:t>'--'</a:t>
+            </a:r>
+            <a:r>
+              <a:rPr kumimoji="0" lang="de-DE" altLang="de-DE" sz="900" b="0" i="0" u="none" strike="noStrike" cap="none" normalizeH="0" baseline="0" dirty="0">
+                <a:ln>
+                  <a:noFill/>
+                </a:ln>
+                <a:solidFill>
+                  <a:srgbClr val="89DDFF"/>
+                </a:solidFill>
+                <a:effectLst/>
+                <a:latin typeface="JetBrains Mono"/>
+              </a:rPr>
+              <a:t>, </a:t>
+            </a:r>
+            <a:r>
+              <a:rPr kumimoji="0" lang="de-DE" altLang="de-DE" sz="900" b="0" i="0" u="none" strike="noStrike" cap="none" normalizeH="0" baseline="0" dirty="0" err="1">
+                <a:ln>
+                  <a:noFill/>
+                </a:ln>
+                <a:solidFill>
+                  <a:srgbClr val="F78C6C"/>
+                </a:solidFill>
+                <a:effectLst/>
+                <a:latin typeface="JetBrains Mono"/>
+              </a:rPr>
+              <a:t>alpha</a:t>
+            </a:r>
+            <a:r>
+              <a:rPr kumimoji="0" lang="de-DE" altLang="de-DE" sz="900" b="0" i="0" u="none" strike="noStrike" cap="none" normalizeH="0" baseline="0" dirty="0">
+                <a:ln>
+                  <a:noFill/>
+                </a:ln>
+                <a:solidFill>
+                  <a:srgbClr val="89DDFF"/>
+                </a:solidFill>
+                <a:effectLst/>
+                <a:latin typeface="JetBrains Mono"/>
+              </a:rPr>
+              <a:t>=</a:t>
+            </a:r>
+            <a:r>
+              <a:rPr kumimoji="0" lang="de-DE" altLang="de-DE" sz="900" b="0" i="0" u="none" strike="noStrike" cap="none" normalizeH="0" baseline="0" dirty="0">
+                <a:ln>
+                  <a:noFill/>
+                </a:ln>
+                <a:solidFill>
+                  <a:srgbClr val="F78C6C"/>
+                </a:solidFill>
+                <a:effectLst/>
+                <a:latin typeface="JetBrains Mono"/>
+              </a:rPr>
+              <a:t>0.7</a:t>
+            </a:r>
+            <a:r>
+              <a:rPr kumimoji="0" lang="de-DE" altLang="de-DE" sz="900" b="0" i="0" u="none" strike="noStrike" cap="none" normalizeH="0" baseline="0" dirty="0">
+                <a:ln>
+                  <a:noFill/>
+                </a:ln>
+                <a:solidFill>
+                  <a:srgbClr val="89DDFF"/>
+                </a:solidFill>
+                <a:effectLst/>
+                <a:latin typeface="JetBrains Mono"/>
+              </a:rPr>
+              <a:t>)</a:t>
+            </a:r>
+            <a:br>
+              <a:rPr kumimoji="0" lang="de-DE" altLang="de-DE" sz="900" b="0" i="0" u="none" strike="noStrike" cap="none" normalizeH="0" baseline="0" dirty="0">
+                <a:ln>
+                  <a:noFill/>
+                </a:ln>
+                <a:solidFill>
+                  <a:srgbClr val="89DDFF"/>
+                </a:solidFill>
+                <a:effectLst/>
+                <a:latin typeface="JetBrains Mono"/>
+              </a:rPr>
+            </a:br>
+            <a:r>
+              <a:rPr kumimoji="0" lang="de-DE" altLang="de-DE" sz="900" b="0" i="0" u="none" strike="noStrike" cap="none" normalizeH="0" baseline="0" dirty="0" err="1">
+                <a:ln>
+                  <a:noFill/>
+                </a:ln>
+                <a:solidFill>
+                  <a:srgbClr val="C3CEE3"/>
+                </a:solidFill>
+                <a:effectLst/>
+                <a:latin typeface="JetBrains Mono"/>
+              </a:rPr>
+              <a:t>plt</a:t>
+            </a:r>
+            <a:r>
+              <a:rPr kumimoji="0" lang="de-DE" altLang="de-DE" sz="900" b="0" i="0" u="none" strike="noStrike" cap="none" normalizeH="0" baseline="0" dirty="0" err="1">
+                <a:ln>
+                  <a:noFill/>
+                </a:ln>
+                <a:solidFill>
+                  <a:srgbClr val="89DDFF"/>
+                </a:solidFill>
+                <a:effectLst/>
+                <a:latin typeface="JetBrains Mono"/>
+              </a:rPr>
+              <a:t>.</a:t>
+            </a:r>
+            <a:r>
+              <a:rPr kumimoji="0" lang="de-DE" altLang="de-DE" sz="900" b="0" i="0" u="none" strike="noStrike" cap="none" normalizeH="0" baseline="0" dirty="0" err="1">
+                <a:ln>
+                  <a:noFill/>
+                </a:ln>
+                <a:solidFill>
+                  <a:srgbClr val="82AAFF"/>
+                </a:solidFill>
+                <a:effectLst/>
+                <a:latin typeface="JetBrains Mono"/>
+              </a:rPr>
+              <a:t>gca</a:t>
+            </a:r>
+            <a:r>
+              <a:rPr kumimoji="0" lang="de-DE" altLang="de-DE" sz="900" b="0" i="0" u="none" strike="noStrike" cap="none" normalizeH="0" baseline="0" dirty="0">
+                <a:ln>
+                  <a:noFill/>
+                </a:ln>
+                <a:solidFill>
+                  <a:srgbClr val="89DDFF"/>
+                </a:solidFill>
+                <a:effectLst/>
+                <a:latin typeface="JetBrains Mono"/>
+              </a:rPr>
+              <a:t>().</a:t>
+            </a:r>
+            <a:r>
+              <a:rPr kumimoji="0" lang="de-DE" altLang="de-DE" sz="900" b="0" i="0" u="none" strike="noStrike" cap="none" normalizeH="0" baseline="0" dirty="0" err="1">
+                <a:ln>
+                  <a:noFill/>
+                </a:ln>
+                <a:solidFill>
+                  <a:srgbClr val="82AAFF"/>
+                </a:solidFill>
+                <a:effectLst/>
+                <a:latin typeface="JetBrains Mono"/>
+              </a:rPr>
+              <a:t>set_facecolor</a:t>
+            </a:r>
+            <a:r>
+              <a:rPr kumimoji="0" lang="de-DE" altLang="de-DE" sz="900" b="0" i="0" u="none" strike="noStrike" cap="none" normalizeH="0" baseline="0" dirty="0">
+                <a:ln>
+                  <a:noFill/>
+                </a:ln>
+                <a:solidFill>
+                  <a:srgbClr val="89DDFF"/>
+                </a:solidFill>
+                <a:effectLst/>
+                <a:latin typeface="JetBrains Mono"/>
+              </a:rPr>
+              <a:t>(</a:t>
+            </a:r>
+            <a:r>
+              <a:rPr kumimoji="0" lang="de-DE" altLang="de-DE" sz="900" b="0" i="0" u="none" strike="noStrike" cap="none" normalizeH="0" baseline="0" dirty="0">
+                <a:ln>
+                  <a:noFill/>
+                </a:ln>
+                <a:solidFill>
+                  <a:srgbClr val="C3E88D"/>
+                </a:solidFill>
+                <a:effectLst/>
+                <a:latin typeface="JetBrains Mono"/>
+              </a:rPr>
+              <a:t>'#f5f5f5'</a:t>
+            </a:r>
+            <a:r>
+              <a:rPr kumimoji="0" lang="de-DE" altLang="de-DE" sz="900" b="0" i="0" u="none" strike="noStrike" cap="none" normalizeH="0" baseline="0" dirty="0">
+                <a:ln>
+                  <a:noFill/>
+                </a:ln>
+                <a:solidFill>
+                  <a:srgbClr val="89DDFF"/>
+                </a:solidFill>
+                <a:effectLst/>
+                <a:latin typeface="JetBrains Mono"/>
+              </a:rPr>
+              <a:t>)</a:t>
+            </a:r>
+            <a:br>
+              <a:rPr kumimoji="0" lang="de-DE" altLang="de-DE" sz="900" b="0" i="0" u="none" strike="noStrike" cap="none" normalizeH="0" baseline="0" dirty="0">
+                <a:ln>
+                  <a:noFill/>
+                </a:ln>
+                <a:solidFill>
+                  <a:srgbClr val="89DDFF"/>
+                </a:solidFill>
+                <a:effectLst/>
+                <a:latin typeface="JetBrains Mono"/>
+              </a:rPr>
+            </a:br>
+            <a:r>
+              <a:rPr kumimoji="0" lang="de-DE" altLang="de-DE" sz="900" b="0" i="0" u="none" strike="noStrike" cap="none" normalizeH="0" baseline="0" dirty="0" err="1">
+                <a:ln>
+                  <a:noFill/>
+                </a:ln>
+                <a:solidFill>
+                  <a:srgbClr val="C3CEE3"/>
+                </a:solidFill>
+                <a:effectLst/>
+                <a:latin typeface="JetBrains Mono"/>
+              </a:rPr>
+              <a:t>plt</a:t>
+            </a:r>
+            <a:r>
+              <a:rPr kumimoji="0" lang="de-DE" altLang="de-DE" sz="900" b="0" i="0" u="none" strike="noStrike" cap="none" normalizeH="0" baseline="0" dirty="0" err="1">
+                <a:ln>
+                  <a:noFill/>
+                </a:ln>
+                <a:solidFill>
+                  <a:srgbClr val="89DDFF"/>
+                </a:solidFill>
+                <a:effectLst/>
+                <a:latin typeface="JetBrains Mono"/>
+              </a:rPr>
+              <a:t>.</a:t>
+            </a:r>
+            <a:r>
+              <a:rPr kumimoji="0" lang="de-DE" altLang="de-DE" sz="900" b="0" i="0" u="none" strike="noStrike" cap="none" normalizeH="0" baseline="0" dirty="0" err="1">
+                <a:ln>
+                  <a:noFill/>
+                </a:ln>
+                <a:solidFill>
+                  <a:srgbClr val="82AAFF"/>
+                </a:solidFill>
+                <a:effectLst/>
+                <a:latin typeface="JetBrains Mono"/>
+              </a:rPr>
+              <a:t>gca</a:t>
+            </a:r>
+            <a:r>
+              <a:rPr kumimoji="0" lang="de-DE" altLang="de-DE" sz="900" b="0" i="0" u="none" strike="noStrike" cap="none" normalizeH="0" baseline="0" dirty="0">
+                <a:ln>
+                  <a:noFill/>
+                </a:ln>
+                <a:solidFill>
+                  <a:srgbClr val="89DDFF"/>
+                </a:solidFill>
+                <a:effectLst/>
+                <a:latin typeface="JetBrains Mono"/>
+              </a:rPr>
+              <a:t>().</a:t>
+            </a:r>
+            <a:r>
+              <a:rPr kumimoji="0" lang="de-DE" altLang="de-DE" sz="900" b="0" i="0" u="none" strike="noStrike" cap="none" normalizeH="0" baseline="0" dirty="0" err="1">
+                <a:ln>
+                  <a:noFill/>
+                </a:ln>
+                <a:solidFill>
+                  <a:srgbClr val="C3CEE3"/>
+                </a:solidFill>
+                <a:effectLst/>
+                <a:latin typeface="JetBrains Mono"/>
+              </a:rPr>
+              <a:t>patch</a:t>
+            </a:r>
+            <a:r>
+              <a:rPr kumimoji="0" lang="de-DE" altLang="de-DE" sz="900" b="0" i="0" u="none" strike="noStrike" cap="none" normalizeH="0" baseline="0" dirty="0" err="1">
+                <a:ln>
+                  <a:noFill/>
+                </a:ln>
+                <a:solidFill>
+                  <a:srgbClr val="89DDFF"/>
+                </a:solidFill>
+                <a:effectLst/>
+                <a:latin typeface="JetBrains Mono"/>
+              </a:rPr>
+              <a:t>.</a:t>
+            </a:r>
+            <a:r>
+              <a:rPr kumimoji="0" lang="de-DE" altLang="de-DE" sz="900" b="0" i="0" u="none" strike="noStrike" cap="none" normalizeH="0" baseline="0" dirty="0" err="1">
+                <a:ln>
+                  <a:noFill/>
+                </a:ln>
+                <a:solidFill>
+                  <a:srgbClr val="82AAFF"/>
+                </a:solidFill>
+                <a:effectLst/>
+                <a:latin typeface="JetBrains Mono"/>
+              </a:rPr>
+              <a:t>set_alpha</a:t>
+            </a:r>
+            <a:r>
+              <a:rPr kumimoji="0" lang="de-DE" altLang="de-DE" sz="900" b="0" i="0" u="none" strike="noStrike" cap="none" normalizeH="0" baseline="0" dirty="0">
+                <a:ln>
+                  <a:noFill/>
+                </a:ln>
+                <a:solidFill>
+                  <a:srgbClr val="89DDFF"/>
+                </a:solidFill>
+                <a:effectLst/>
+                <a:latin typeface="JetBrains Mono"/>
+              </a:rPr>
+              <a:t>(</a:t>
+            </a:r>
+            <a:r>
+              <a:rPr kumimoji="0" lang="de-DE" altLang="de-DE" sz="900" b="0" i="0" u="none" strike="noStrike" cap="none" normalizeH="0" baseline="0" dirty="0">
+                <a:ln>
+                  <a:noFill/>
+                </a:ln>
+                <a:solidFill>
+                  <a:srgbClr val="F78C6C"/>
+                </a:solidFill>
+                <a:effectLst/>
+                <a:latin typeface="JetBrains Mono"/>
+              </a:rPr>
+              <a:t>0.1</a:t>
+            </a:r>
+            <a:r>
+              <a:rPr kumimoji="0" lang="de-DE" altLang="de-DE" sz="900" b="0" i="0" u="none" strike="noStrike" cap="none" normalizeH="0" baseline="0" dirty="0">
+                <a:ln>
+                  <a:noFill/>
+                </a:ln>
+                <a:solidFill>
+                  <a:srgbClr val="89DDFF"/>
+                </a:solidFill>
+                <a:effectLst/>
+                <a:latin typeface="JetBrains Mono"/>
+              </a:rPr>
+              <a:t>)</a:t>
+            </a:r>
+            <a:br>
+              <a:rPr kumimoji="0" lang="de-DE" altLang="de-DE" sz="900" b="0" i="0" u="none" strike="noStrike" cap="none" normalizeH="0" baseline="0" dirty="0">
+                <a:ln>
+                  <a:noFill/>
+                </a:ln>
+                <a:solidFill>
+                  <a:srgbClr val="89DDFF"/>
+                </a:solidFill>
+                <a:effectLst/>
+                <a:latin typeface="JetBrains Mono"/>
+              </a:rPr>
+            </a:br>
+            <a:r>
+              <a:rPr kumimoji="0" lang="de-DE" altLang="de-DE" sz="900" b="0" i="0" u="none" strike="noStrike" cap="none" normalizeH="0" baseline="0" dirty="0" err="1">
+                <a:ln>
+                  <a:noFill/>
+                </a:ln>
+                <a:solidFill>
+                  <a:srgbClr val="C3CEE3"/>
+                </a:solidFill>
+                <a:effectLst/>
+                <a:latin typeface="JetBrains Mono"/>
+              </a:rPr>
+              <a:t>plt</a:t>
+            </a:r>
+            <a:r>
+              <a:rPr kumimoji="0" lang="de-DE" altLang="de-DE" sz="900" b="0" i="0" u="none" strike="noStrike" cap="none" normalizeH="0" baseline="0" dirty="0" err="1">
+                <a:ln>
+                  <a:noFill/>
+                </a:ln>
+                <a:solidFill>
+                  <a:srgbClr val="89DDFF"/>
+                </a:solidFill>
+                <a:effectLst/>
+                <a:latin typeface="JetBrains Mono"/>
+              </a:rPr>
+              <a:t>.</a:t>
+            </a:r>
+            <a:r>
+              <a:rPr kumimoji="0" lang="de-DE" altLang="de-DE" sz="900" b="0" i="0" u="none" strike="noStrike" cap="none" normalizeH="0" baseline="0" dirty="0" err="1">
+                <a:ln>
+                  <a:noFill/>
+                </a:ln>
+                <a:solidFill>
+                  <a:srgbClr val="82AAFF"/>
+                </a:solidFill>
+                <a:effectLst/>
+                <a:latin typeface="JetBrains Mono"/>
+              </a:rPr>
+              <a:t>show</a:t>
+            </a:r>
+            <a:r>
+              <a:rPr kumimoji="0" lang="de-DE" altLang="de-DE" sz="900" b="0" i="0" u="none" strike="noStrike" cap="none" normalizeH="0" baseline="0" dirty="0">
+                <a:ln>
+                  <a:noFill/>
+                </a:ln>
+                <a:solidFill>
+                  <a:srgbClr val="89DDFF"/>
+                </a:solidFill>
+                <a:effectLst/>
+                <a:latin typeface="JetBrains Mono"/>
+              </a:rPr>
+              <a:t>()</a:t>
+            </a:r>
+            <a:br>
+              <a:rPr kumimoji="0" lang="de-DE" altLang="de-DE" sz="900" b="0" i="0" u="none" strike="noStrike" cap="none" normalizeH="0" baseline="0" dirty="0">
+                <a:ln>
+                  <a:noFill/>
+                </a:ln>
+                <a:solidFill>
+                  <a:srgbClr val="89DDFF"/>
+                </a:solidFill>
+                <a:effectLst/>
+                <a:latin typeface="JetBrains Mono"/>
+              </a:rPr>
+            </a:br>
+            <a:br>
+              <a:rPr kumimoji="0" lang="de-DE" altLang="de-DE" sz="900" b="0" i="0" u="none" strike="noStrike" cap="none" normalizeH="0" baseline="0" dirty="0">
+                <a:ln>
+                  <a:noFill/>
+                </a:ln>
+                <a:solidFill>
+                  <a:srgbClr val="89DDFF"/>
+                </a:solidFill>
+                <a:effectLst/>
+                <a:latin typeface="JetBrains Mono"/>
+              </a:rPr>
+            </a:br>
+            <a:br>
+              <a:rPr kumimoji="0" lang="de-DE" altLang="de-DE" sz="900" b="0" i="0" u="none" strike="noStrike" cap="none" normalizeH="0" baseline="0" dirty="0">
+                <a:ln>
+                  <a:noFill/>
+                </a:ln>
+                <a:solidFill>
+                  <a:srgbClr val="89DDFF"/>
+                </a:solidFill>
+                <a:effectLst/>
+                <a:latin typeface="JetBrains Mono"/>
+              </a:rPr>
+            </a:br>
+            <a:br>
+              <a:rPr kumimoji="0" lang="de-DE" altLang="de-DE" sz="900" b="0" i="0" u="none" strike="noStrike" cap="none" normalizeH="0" baseline="0" dirty="0">
+                <a:ln>
+                  <a:noFill/>
+                </a:ln>
+                <a:solidFill>
+                  <a:srgbClr val="89DDFF"/>
+                </a:solidFill>
+                <a:effectLst/>
+                <a:latin typeface="JetBrains Mono"/>
+              </a:rPr>
+            </a:br>
+            <a:r>
+              <a:rPr kumimoji="0" lang="de-DE" altLang="de-DE" sz="900" b="0" i="1" u="none" strike="noStrike" cap="none" normalizeH="0" baseline="0" dirty="0" err="1">
+                <a:ln>
+                  <a:noFill/>
+                </a:ln>
+                <a:solidFill>
+                  <a:srgbClr val="82AAFF"/>
+                </a:solidFill>
+                <a:effectLst/>
+                <a:latin typeface="JetBrains Mono"/>
+              </a:rPr>
+              <a:t>print</a:t>
+            </a:r>
+            <a:r>
+              <a:rPr kumimoji="0" lang="de-DE" altLang="de-DE" sz="900" b="0" i="0" u="none" strike="noStrike" cap="none" normalizeH="0" baseline="0" dirty="0">
+                <a:ln>
+                  <a:noFill/>
+                </a:ln>
+                <a:solidFill>
+                  <a:srgbClr val="89DDFF"/>
+                </a:solidFill>
+                <a:effectLst/>
+                <a:latin typeface="JetBrains Mono"/>
+              </a:rPr>
+              <a:t>(</a:t>
+            </a:r>
+            <a:r>
+              <a:rPr kumimoji="0" lang="de-DE" altLang="de-DE" sz="900" b="0" i="0" u="none" strike="noStrike" cap="none" normalizeH="0" baseline="0" dirty="0" err="1">
+                <a:ln>
+                  <a:noFill/>
+                </a:ln>
+                <a:solidFill>
+                  <a:srgbClr val="82AAFF"/>
+                </a:solidFill>
+                <a:effectLst/>
+                <a:latin typeface="JetBrains Mono"/>
+              </a:rPr>
+              <a:t>skew</a:t>
+            </a:r>
+            <a:r>
+              <a:rPr kumimoji="0" lang="de-DE" altLang="de-DE" sz="900" b="0" i="0" u="none" strike="noStrike" cap="none" normalizeH="0" baseline="0" dirty="0">
+                <a:ln>
+                  <a:noFill/>
+                </a:ln>
+                <a:solidFill>
+                  <a:srgbClr val="89DDFF"/>
+                </a:solidFill>
+                <a:effectLst/>
+                <a:latin typeface="JetBrains Mono"/>
+              </a:rPr>
+              <a:t>(</a:t>
+            </a:r>
+            <a:r>
+              <a:rPr kumimoji="0" lang="de-DE" altLang="de-DE" sz="900" b="0" i="0" u="none" strike="noStrike" cap="none" normalizeH="0" baseline="0" dirty="0" err="1">
+                <a:ln>
+                  <a:noFill/>
+                </a:ln>
+                <a:solidFill>
+                  <a:srgbClr val="C3CEE3"/>
+                </a:solidFill>
+                <a:effectLst/>
+                <a:latin typeface="JetBrains Mono"/>
+              </a:rPr>
+              <a:t>distributions</a:t>
+            </a:r>
+            <a:r>
+              <a:rPr kumimoji="0" lang="de-DE" altLang="de-DE" sz="900" b="0" i="0" u="none" strike="noStrike" cap="none" normalizeH="0" baseline="0" dirty="0">
+                <a:ln>
+                  <a:noFill/>
+                </a:ln>
+                <a:solidFill>
+                  <a:srgbClr val="89DDFF"/>
+                </a:solidFill>
+                <a:effectLst/>
+                <a:latin typeface="JetBrains Mono"/>
+              </a:rPr>
+              <a:t>))</a:t>
+            </a:r>
+            <a:endParaRPr kumimoji="0" lang="de-DE" altLang="de-DE" sz="1800" b="0" i="0" u="none" strike="noStrike" cap="none" normalizeH="0" baseline="0" dirty="0">
+              <a:ln>
+                <a:noFill/>
+              </a:ln>
+              <a:solidFill>
+                <a:schemeClr val="tx1"/>
+              </a:solidFill>
+              <a:effectLst/>
+              <a:latin typeface="Arial" panose="020B0604020202020204" pitchFamily="34" charset="0"/>
+            </a:endParaRPr>
+          </a:p>
+        </p:txBody>
+      </p:sp>
+    </p:spTree>
+    <p:extLst>
+      <p:ext uri="{BB962C8B-B14F-4D97-AF65-F5344CB8AC3E}">
+        <p14:creationId xmlns:p14="http://schemas.microsoft.com/office/powerpoint/2010/main" val="3539458580"/>
+      </p:ext>
+    </p:extLst>
+  </p:cSld>
+  <p:clrMapOvr>
+    <a:masterClrMapping/>
+  </p:clrMapOvr>
+</p:sld>
+</file>
+
+<file path=ppt/slides/slide9.xml><?xml version="1.0" encoding="utf-8"?>
+<p:sld xmlns:a="http://schemas.openxmlformats.org/drawingml/2006/main" xmlns:r="http://schemas.openxmlformats.org/officeDocument/2006/relationships" xmlns:p="http://schemas.openxmlformats.org/presentationml/2006/main">
+  <p:cSld>
+    <p:spTree>
+      <p:nvGrpSpPr>
+        <p:cNvPr id="1" name=""/>
+        <p:cNvGrpSpPr/>
+        <p:nvPr/>
+      </p:nvGrpSpPr>
+      <p:grpSpPr>
+        <a:xfrm>
+          <a:off x="0" y="0"/>
+          <a:ext cx="0" cy="0"/>
+          <a:chOff x="0" y="0"/>
+          <a:chExt cx="0" cy="0"/>
+        </a:xfrm>
+      </p:grpSpPr>
+      <p:pic>
+        <p:nvPicPr>
+          <p:cNvPr id="11" name="Grafik 10" descr="Ein Bild, das Diagramm, Reihe, Text enthält.&#10;&#10;Automatisch generierte Beschreibung">
+            <a:extLst>
+              <a:ext uri="{FF2B5EF4-FFF2-40B4-BE49-F238E27FC236}">
+                <a16:creationId xmlns:a16="http://schemas.microsoft.com/office/drawing/2014/main" id="{F0C49266-73A7-D922-78ED-C8347C7086DF}"/>
+              </a:ext>
+            </a:extLst>
+          </p:cNvPr>
+          <p:cNvPicPr>
+            <a:picLocks noChangeAspect="1"/>
+          </p:cNvPicPr>
+          <p:nvPr/>
+        </p:nvPicPr>
+        <p:blipFill>
+          <a:blip r:embed="rId3">
+            <a:extLst>
+              <a:ext uri="{28A0092B-C50C-407E-A947-70E740481C1C}">
+                <a14:useLocalDpi xmlns:a14="http://schemas.microsoft.com/office/drawing/2010/main" val="0"/>
+              </a:ext>
+            </a:extLst>
+          </a:blip>
+          <a:stretch>
+            <a:fillRect/>
+          </a:stretch>
+        </p:blipFill>
+        <p:spPr>
+          <a:xfrm>
+            <a:off x="-258271" y="1225607"/>
+            <a:ext cx="12708542" cy="5348580"/>
+          </a:xfrm>
+          <a:prstGeom prst="rect">
+            <a:avLst/>
+          </a:prstGeom>
+        </p:spPr>
+      </p:pic>
+      <p:pic>
+        <p:nvPicPr>
+          <p:cNvPr id="4" name="Graphic 1">
+            <a:extLst>
+              <a:ext uri="{FF2B5EF4-FFF2-40B4-BE49-F238E27FC236}">
+                <a16:creationId xmlns:a16="http://schemas.microsoft.com/office/drawing/2014/main" id="{D4E2A8A5-7B9A-9FCE-2C0C-40115BB72542}"/>
+              </a:ext>
+            </a:extLst>
+          </p:cNvPr>
+          <p:cNvPicPr>
+            <a:picLocks noChangeAspect="1"/>
+          </p:cNvPicPr>
+          <p:nvPr/>
+        </p:nvPicPr>
+        <p:blipFill>
+          <a:blip r:embed="rId4">
+            <a:extLst>
+              <a:ext uri="{28A0092B-C50C-407E-A947-70E740481C1C}">
+                <a14:useLocalDpi xmlns:a14="http://schemas.microsoft.com/office/drawing/2010/main" val="0"/>
+              </a:ext>
+              <a:ext uri="{96DAC541-7B7A-43D3-8B79-37D633B846F1}">
+                <asvg:svgBlip xmlns:asvg="http://schemas.microsoft.com/office/drawing/2016/SVG/main" r:embed="rId5"/>
+              </a:ext>
+            </a:extLst>
+          </a:blip>
+          <a:stretch>
+            <a:fillRect/>
+          </a:stretch>
+        </p:blipFill>
+        <p:spPr>
+          <a:xfrm>
+            <a:off x="160961" y="133521"/>
+            <a:ext cx="2371620" cy="485811"/>
+          </a:xfrm>
+          <a:prstGeom prst="rect">
+            <a:avLst/>
+          </a:prstGeom>
+        </p:spPr>
+      </p:pic>
+      <p:sp>
+        <p:nvSpPr>
+          <p:cNvPr id="6" name="TextBox 5">
+            <a:extLst>
+              <a:ext uri="{FF2B5EF4-FFF2-40B4-BE49-F238E27FC236}">
+                <a16:creationId xmlns:a16="http://schemas.microsoft.com/office/drawing/2014/main" id="{4BF11305-FC23-954B-7998-B1257FEE9257}"/>
+              </a:ext>
+            </a:extLst>
+          </p:cNvPr>
+          <p:cNvSpPr txBox="1"/>
+          <p:nvPr/>
+        </p:nvSpPr>
+        <p:spPr>
+          <a:xfrm>
+            <a:off x="66782" y="6529608"/>
+            <a:ext cx="10986501" cy="230832"/>
+          </a:xfrm>
+          <a:prstGeom prst="rect">
+            <a:avLst/>
+          </a:prstGeom>
+          <a:noFill/>
+        </p:spPr>
+        <p:txBody>
+          <a:bodyPr wrap="square">
+            <a:spAutoFit/>
+          </a:bodyPr>
+          <a:lstStyle/>
+          <a:p>
+            <a:r>
+              <a:rPr lang="de-DE" sz="900" dirty="0"/>
+              <a:t>Markov-Analyse &amp; Interview| WiSe 2023/24 I Hochschule Bielefeld I Linus Langenkamp, Jolan Eggers, Nicolas Schneider, Redouane Kabouchi I 03.11.2023 I Seite </a:t>
+            </a:r>
+            <a:fld id="{8665FA59-C0FE-4AB6-AD99-2451632B0EBE}" type="slidenum">
+              <a:rPr lang="de-DE" sz="900" smtClean="0"/>
+              <a:t>9</a:t>
+            </a:fld>
+            <a:endParaRPr lang="de-DE" sz="900" dirty="0"/>
+          </a:p>
+        </p:txBody>
+      </p:sp>
+      <p:sp>
+        <p:nvSpPr>
+          <p:cNvPr id="7" name="Title 1">
+            <a:extLst>
+              <a:ext uri="{FF2B5EF4-FFF2-40B4-BE49-F238E27FC236}">
+                <a16:creationId xmlns:a16="http://schemas.microsoft.com/office/drawing/2014/main" id="{C134D3AA-85CE-FCC6-6499-8202E6096899}"/>
+              </a:ext>
+            </a:extLst>
+          </p:cNvPr>
+          <p:cNvSpPr txBox="1">
+            <a:spLocks/>
+          </p:cNvSpPr>
+          <p:nvPr/>
+        </p:nvSpPr>
+        <p:spPr>
+          <a:xfrm>
+            <a:off x="738026" y="912189"/>
+            <a:ext cx="9144000" cy="626836"/>
+          </a:xfrm>
+          <a:prstGeom prst="rect">
+            <a:avLst/>
+          </a:prstGeom>
+        </p:spPr>
+        <p:txBody>
+          <a:bodyPr vert="horz" lIns="91440" tIns="45720" rIns="91440" bIns="45720" rtlCol="0" anchor="b">
+            <a:normAutofit/>
+          </a:bodyPr>
+          <a:lstStyle>
+            <a:lvl1pPr algn="ctr" defTabSz="914400" rtl="0" eaLnBrk="1" latinLnBrk="0" hangingPunct="1">
+              <a:lnSpc>
+                <a:spcPct val="90000"/>
+              </a:lnSpc>
+              <a:spcBef>
+                <a:spcPct val="0"/>
+              </a:spcBef>
+              <a:buNone/>
+              <a:defRPr sz="6000" kern="1200">
+                <a:solidFill>
+                  <a:schemeClr val="tx1"/>
+                </a:solidFill>
+                <a:latin typeface="+mj-lt"/>
+                <a:ea typeface="+mj-ea"/>
+                <a:cs typeface="+mj-cs"/>
+              </a:defRPr>
+            </a:lvl1pPr>
+          </a:lstStyle>
+          <a:p>
+            <a:pPr algn="l">
+              <a:lnSpc>
+                <a:spcPct val="100000"/>
+              </a:lnSpc>
+              <a:spcAft>
+                <a:spcPts val="600"/>
+              </a:spcAft>
+            </a:pPr>
+            <a:r>
+              <a:rPr lang="de-DE" sz="2800" b="1" dirty="0">
+                <a:effectLst/>
+                <a:latin typeface="Times New Roman" panose="02020603050405020304" pitchFamily="18" charset="0"/>
+                <a:ea typeface="Times New Roman" panose="02020603050405020304" pitchFamily="18" charset="0"/>
+                <a:cs typeface="Times New Roman" panose="02020603050405020304" pitchFamily="18" charset="0"/>
+              </a:rPr>
+              <a:t>Rheinmetall</a:t>
+            </a:r>
+            <a:r>
+              <a:rPr lang="de-DE" sz="2800" b="1" dirty="0">
+                <a:latin typeface="Times New Roman" panose="02020603050405020304" pitchFamily="18" charset="0"/>
+                <a:ea typeface="Times New Roman" panose="02020603050405020304" pitchFamily="18" charset="0"/>
+                <a:cs typeface="Times New Roman" panose="02020603050405020304" pitchFamily="18" charset="0"/>
+              </a:rPr>
+              <a:t> - </a:t>
+            </a:r>
+            <a:r>
+              <a:rPr lang="de-DE" sz="2800" b="1" dirty="0">
+                <a:effectLst/>
+                <a:latin typeface="Times New Roman" panose="02020603050405020304" pitchFamily="18" charset="0"/>
+                <a:ea typeface="Times New Roman" panose="02020603050405020304" pitchFamily="18" charset="0"/>
+                <a:cs typeface="Times New Roman" panose="02020603050405020304" pitchFamily="18" charset="0"/>
+              </a:rPr>
+              <a:t> Markov Analyse</a:t>
+            </a:r>
+            <a:endParaRPr lang="de-DE" sz="2800" dirty="0"/>
+          </a:p>
+        </p:txBody>
+      </p:sp>
+    </p:spTree>
+    <p:extLst>
+      <p:ext uri="{BB962C8B-B14F-4D97-AF65-F5344CB8AC3E}">
+        <p14:creationId xmlns:p14="http://schemas.microsoft.com/office/powerpoint/2010/main" val="3465323831"/>
       </p:ext>
     </p:extLst>
   </p:cSld>

--- a/2.Vortrag/Markov-Analyse_Präsentation.pptx
+++ b/2.Vortrag/Markov-Analyse_Präsentation.pptx
@@ -11,20 +11,20 @@
     <p:sldId id="256" r:id="rId2"/>
     <p:sldId id="308" r:id="rId3"/>
     <p:sldId id="321" r:id="rId4"/>
-    <p:sldId id="322" r:id="rId5"/>
-    <p:sldId id="323" r:id="rId6"/>
-    <p:sldId id="324" r:id="rId7"/>
-    <p:sldId id="325" r:id="rId8"/>
+    <p:sldId id="324" r:id="rId5"/>
+    <p:sldId id="325" r:id="rId6"/>
+    <p:sldId id="326" r:id="rId7"/>
+    <p:sldId id="327" r:id="rId8"/>
     <p:sldId id="310" r:id="rId9"/>
     <p:sldId id="317" r:id="rId10"/>
     <p:sldId id="316" r:id="rId11"/>
     <p:sldId id="314" r:id="rId12"/>
     <p:sldId id="318" r:id="rId13"/>
-    <p:sldId id="319" r:id="rId14"/>
-    <p:sldId id="311" r:id="rId15"/>
-    <p:sldId id="312" r:id="rId16"/>
-    <p:sldId id="313" r:id="rId17"/>
-    <p:sldId id="320" r:id="rId18"/>
+    <p:sldId id="311" r:id="rId14"/>
+    <p:sldId id="312" r:id="rId15"/>
+    <p:sldId id="313" r:id="rId16"/>
+    <p:sldId id="322" r:id="rId17"/>
+    <p:sldId id="323" r:id="rId18"/>
     <p:sldId id="309" r:id="rId19"/>
   </p:sldIdLst>
   <p:sldSz cx="12192000" cy="6858000"/>
@@ -646,7 +646,7 @@
     </p:spTree>
     <p:extLst>
       <p:ext uri="{BB962C8B-B14F-4D97-AF65-F5344CB8AC3E}">
-        <p14:creationId xmlns:p14="http://schemas.microsoft.com/office/powerpoint/2010/main" val="1290760823"/>
+        <p14:creationId xmlns:p14="http://schemas.microsoft.com/office/powerpoint/2010/main" val="473032296"/>
       </p:ext>
     </p:extLst>
   </p:cSld>
@@ -675,7 +675,7 @@
       </p:grpSpPr>
       <p:sp>
         <p:nvSpPr>
-          <p:cNvPr id="2" name="Slide Image Placeholder 1"/>
+          <p:cNvPr id="2" name="Folienbildplatzhalter 1"/>
           <p:cNvSpPr>
             <a:spLocks noGrp="1" noRot="1" noChangeAspect="1"/>
           </p:cNvSpPr>
@@ -687,7 +687,7 @@
       </p:sp>
       <p:sp>
         <p:nvSpPr>
-          <p:cNvPr id="3" name="Notes Placeholder 2"/>
+          <p:cNvPr id="3" name="Notizenplatzhalter 2"/>
           <p:cNvSpPr>
             <a:spLocks noGrp="1"/>
           </p:cNvSpPr>
@@ -700,16 +700,13 @@
           <a:bodyPr/>
           <a:lstStyle/>
           <a:p>
-            <a:r>
-              <a:rPr lang="de-DE" dirty="0"/>
-              <a:t>Jolan</a:t>
-            </a:r>
-          </a:p>
-        </p:txBody>
-      </p:sp>
-      <p:sp>
-        <p:nvSpPr>
-          <p:cNvPr id="4" name="Slide Number Placeholder 3"/>
+            <a:endParaRPr lang="de-DE" dirty="0"/>
+          </a:p>
+        </p:txBody>
+      </p:sp>
+      <p:sp>
+        <p:nvSpPr>
+          <p:cNvPr id="4" name="Foliennummernplatzhalter 3"/>
           <p:cNvSpPr>
             <a:spLocks noGrp="1"/>
           </p:cNvSpPr>
@@ -733,7 +730,7 @@
     </p:spTree>
     <p:extLst>
       <p:ext uri="{BB962C8B-B14F-4D97-AF65-F5344CB8AC3E}">
-        <p14:creationId xmlns:p14="http://schemas.microsoft.com/office/powerpoint/2010/main" val="473032296"/>
+        <p14:creationId xmlns:p14="http://schemas.microsoft.com/office/powerpoint/2010/main" val="1384926250"/>
       </p:ext>
     </p:extLst>
   </p:cSld>
@@ -744,93 +741,6 @@
 </file>
 
 <file path=ppt/notesSlides/notesSlide12.xml><?xml version="1.0" encoding="utf-8"?>
-<p:notes xmlns:a="http://schemas.openxmlformats.org/drawingml/2006/main" xmlns:r="http://schemas.openxmlformats.org/officeDocument/2006/relationships" xmlns:p="http://schemas.openxmlformats.org/presentationml/2006/main">
-  <p:cSld>
-    <p:spTree>
-      <p:nvGrpSpPr>
-        <p:cNvPr id="1" name=""/>
-        <p:cNvGrpSpPr/>
-        <p:nvPr/>
-      </p:nvGrpSpPr>
-      <p:grpSpPr>
-        <a:xfrm>
-          <a:off x="0" y="0"/>
-          <a:ext cx="0" cy="0"/>
-          <a:chOff x="0" y="0"/>
-          <a:chExt cx="0" cy="0"/>
-        </a:xfrm>
-      </p:grpSpPr>
-      <p:sp>
-        <p:nvSpPr>
-          <p:cNvPr id="2" name="Slide Image Placeholder 1"/>
-          <p:cNvSpPr>
-            <a:spLocks noGrp="1" noRot="1" noChangeAspect="1"/>
-          </p:cNvSpPr>
-          <p:nvPr>
-            <p:ph type="sldImg"/>
-          </p:nvPr>
-        </p:nvSpPr>
-        <p:spPr/>
-      </p:sp>
-      <p:sp>
-        <p:nvSpPr>
-          <p:cNvPr id="3" name="Notes Placeholder 2"/>
-          <p:cNvSpPr>
-            <a:spLocks noGrp="1"/>
-          </p:cNvSpPr>
-          <p:nvPr>
-            <p:ph type="body" idx="1"/>
-          </p:nvPr>
-        </p:nvSpPr>
-        <p:spPr/>
-        <p:txBody>
-          <a:bodyPr/>
-          <a:lstStyle/>
-          <a:p>
-            <a:r>
-              <a:rPr lang="de-DE" dirty="0"/>
-              <a:t>Nicolas</a:t>
-            </a:r>
-          </a:p>
-        </p:txBody>
-      </p:sp>
-      <p:sp>
-        <p:nvSpPr>
-          <p:cNvPr id="4" name="Slide Number Placeholder 3"/>
-          <p:cNvSpPr>
-            <a:spLocks noGrp="1"/>
-          </p:cNvSpPr>
-          <p:nvPr>
-            <p:ph type="sldNum" sz="quarter" idx="5"/>
-          </p:nvPr>
-        </p:nvSpPr>
-        <p:spPr/>
-        <p:txBody>
-          <a:bodyPr/>
-          <a:lstStyle/>
-          <a:p>
-            <a:fld id="{A4B1B59E-D5B0-4E80-9D86-EC6522F3FBF9}" type="slidenum">
-              <a:rPr lang="de-DE" smtClean="0"/>
-              <a:t>17</a:t>
-            </a:fld>
-            <a:endParaRPr lang="de-DE"/>
-          </a:p>
-        </p:txBody>
-      </p:sp>
-    </p:spTree>
-    <p:extLst>
-      <p:ext uri="{BB962C8B-B14F-4D97-AF65-F5344CB8AC3E}">
-        <p14:creationId xmlns:p14="http://schemas.microsoft.com/office/powerpoint/2010/main" val="642486079"/>
-      </p:ext>
-    </p:extLst>
-  </p:cSld>
-  <p:clrMapOvr>
-    <a:masterClrMapping/>
-  </p:clrMapOvr>
-</p:notes>
-</file>
-
-<file path=ppt/notesSlides/notesSlide13.xml><?xml version="1.0" encoding="utf-8"?>
 <p:notes xmlns:a="http://schemas.openxmlformats.org/drawingml/2006/main" xmlns:r="http://schemas.openxmlformats.org/officeDocument/2006/relationships" xmlns:p="http://schemas.openxmlformats.org/presentationml/2006/main">
   <p:cSld>
     <p:spTree>
@@ -1486,7 +1396,7 @@
           <a:p>
             <a:r>
               <a:rPr lang="de-DE" dirty="0"/>
-              <a:t>Jolan</a:t>
+              <a:t>Nicolas</a:t>
             </a:r>
           </a:p>
         </p:txBody>
@@ -1517,7 +1427,7 @@
     </p:spTree>
     <p:extLst>
       <p:ext uri="{BB962C8B-B14F-4D97-AF65-F5344CB8AC3E}">
-        <p14:creationId xmlns:p14="http://schemas.microsoft.com/office/powerpoint/2010/main" val="2879471235"/>
+        <p14:creationId xmlns:p14="http://schemas.microsoft.com/office/powerpoint/2010/main" val="2655196514"/>
       </p:ext>
     </p:extLst>
   </p:cSld>
@@ -1573,7 +1483,7 @@
           <a:p>
             <a:r>
               <a:rPr lang="de-DE" dirty="0"/>
-              <a:t>Nicolas</a:t>
+              <a:t>Jolan</a:t>
             </a:r>
           </a:p>
         </p:txBody>
@@ -1604,7 +1514,7 @@
     </p:spTree>
     <p:extLst>
       <p:ext uri="{BB962C8B-B14F-4D97-AF65-F5344CB8AC3E}">
-        <p14:creationId xmlns:p14="http://schemas.microsoft.com/office/powerpoint/2010/main" val="2655196514"/>
+        <p14:creationId xmlns:p14="http://schemas.microsoft.com/office/powerpoint/2010/main" val="1290760823"/>
       </p:ext>
     </p:extLst>
   </p:cSld>
@@ -5374,10 +5284,10 @@
       </p:pic>
       <p:pic>
         <p:nvPicPr>
-          <p:cNvPr id="5" name="Grafik 4">
-            <a:extLst>
-              <a:ext uri="{FF2B5EF4-FFF2-40B4-BE49-F238E27FC236}">
-                <a16:creationId xmlns:a16="http://schemas.microsoft.com/office/drawing/2014/main" id="{DD3DD7E9-838B-9DD3-52BE-B15D22D9B00D}"/>
+          <p:cNvPr id="7" name="Grafik 6" descr="Ein Bild, das Diagramm, Reihe, Text enthält.&#10;&#10;Automatisch generierte Beschreibung">
+            <a:extLst>
+              <a:ext uri="{FF2B5EF4-FFF2-40B4-BE49-F238E27FC236}">
+                <a16:creationId xmlns:a16="http://schemas.microsoft.com/office/drawing/2014/main" id="{211BE6F9-0363-F4AF-C75F-D7B6C97D54AF}"/>
               </a:ext>
             </a:extLst>
           </p:cNvPr>
@@ -5386,16 +5296,21 @@
           </p:cNvPicPr>
           <p:nvPr/>
         </p:nvPicPr>
-        <p:blipFill>
-          <a:blip r:embed="rId6"/>
-          <a:stretch>
-            <a:fillRect/>
-          </a:stretch>
+        <p:blipFill rotWithShape="1">
+          <a:blip r:embed="rId6">
+            <a:extLst>
+              <a:ext uri="{28A0092B-C50C-407E-A947-70E740481C1C}">
+                <a14:useLocalDpi xmlns:a14="http://schemas.microsoft.com/office/drawing/2010/main" val="0"/>
+              </a:ext>
+            </a:extLst>
+          </a:blip>
+          <a:srcRect l="6937" r="8325"/>
+          <a:stretch/>
         </p:blipFill>
         <p:spPr>
           <a:xfrm>
-            <a:off x="2467843" y="1916241"/>
-            <a:ext cx="5282039" cy="1881860"/>
+            <a:off x="8096019" y="1938358"/>
+            <a:ext cx="3948547" cy="1961107"/>
           </a:xfrm>
           <a:prstGeom prst="rect">
             <a:avLst/>
@@ -5404,10 +5319,10 @@
       </p:pic>
       <p:pic>
         <p:nvPicPr>
-          <p:cNvPr id="7" name="Grafik 6" descr="Ein Bild, das Diagramm, Reihe, Text enthält.&#10;&#10;Automatisch generierte Beschreibung">
-            <a:extLst>
-              <a:ext uri="{FF2B5EF4-FFF2-40B4-BE49-F238E27FC236}">
-                <a16:creationId xmlns:a16="http://schemas.microsoft.com/office/drawing/2014/main" id="{211BE6F9-0363-F4AF-C75F-D7B6C97D54AF}"/>
+          <p:cNvPr id="8" name="Grafik 7">
+            <a:extLst>
+              <a:ext uri="{FF2B5EF4-FFF2-40B4-BE49-F238E27FC236}">
+                <a16:creationId xmlns:a16="http://schemas.microsoft.com/office/drawing/2014/main" id="{2F47C770-4FE1-A487-3406-E1A115BAABC1}"/>
               </a:ext>
             </a:extLst>
           </p:cNvPr>
@@ -5416,21 +5331,16 @@
           </p:cNvPicPr>
           <p:nvPr/>
         </p:nvPicPr>
-        <p:blipFill rotWithShape="1">
-          <a:blip r:embed="rId7">
-            <a:extLst>
-              <a:ext uri="{28A0092B-C50C-407E-A947-70E740481C1C}">
-                <a14:useLocalDpi xmlns:a14="http://schemas.microsoft.com/office/drawing/2010/main" val="0"/>
-              </a:ext>
-            </a:extLst>
-          </a:blip>
-          <a:srcRect l="6937" r="8325"/>
-          <a:stretch/>
+        <p:blipFill>
+          <a:blip r:embed="rId7"/>
+          <a:stretch>
+            <a:fillRect/>
+          </a:stretch>
         </p:blipFill>
         <p:spPr>
           <a:xfrm>
-            <a:off x="8096019" y="1938358"/>
-            <a:ext cx="3948547" cy="1961107"/>
+            <a:off x="3143531" y="2124050"/>
+            <a:ext cx="4705174" cy="1690717"/>
           </a:xfrm>
           <a:prstGeom prst="rect">
             <a:avLst/>
@@ -6246,10 +6156,10 @@
       </p:sp>
       <p:pic>
         <p:nvPicPr>
-          <p:cNvPr id="3" name="Grafik 2">
-            <a:extLst>
-              <a:ext uri="{FF2B5EF4-FFF2-40B4-BE49-F238E27FC236}">
-                <a16:creationId xmlns:a16="http://schemas.microsoft.com/office/drawing/2014/main" id="{E5A2665D-6C7A-7834-A18F-09560C63633B}"/>
+          <p:cNvPr id="5" name="Grafik 4">
+            <a:extLst>
+              <a:ext uri="{FF2B5EF4-FFF2-40B4-BE49-F238E27FC236}">
+                <a16:creationId xmlns:a16="http://schemas.microsoft.com/office/drawing/2014/main" id="{73976280-5E85-14D8-29D3-02375A986833}"/>
               </a:ext>
             </a:extLst>
           </p:cNvPr>
@@ -6266,59 +6176,29 @@
         </p:blipFill>
         <p:spPr>
           <a:xfrm>
-            <a:off x="222813" y="1782154"/>
-            <a:ext cx="5646040" cy="4216708"/>
+            <a:off x="6459560" y="1782154"/>
+            <a:ext cx="5716752" cy="4337095"/>
           </a:xfrm>
           <a:prstGeom prst="rect">
             <a:avLst/>
           </a:prstGeom>
         </p:spPr>
       </p:pic>
-      <p:pic>
-        <p:nvPicPr>
-          <p:cNvPr id="9" name="Grafik 8">
-            <a:extLst>
-              <a:ext uri="{FF2B5EF4-FFF2-40B4-BE49-F238E27FC236}">
-                <a16:creationId xmlns:a16="http://schemas.microsoft.com/office/drawing/2014/main" id="{9444B3E3-0965-383D-BD4A-42B48E28B6A4}"/>
-              </a:ext>
-            </a:extLst>
-          </p:cNvPr>
-          <p:cNvPicPr>
-            <a:picLocks noChangeAspect="1"/>
-          </p:cNvPicPr>
+      <p:sp>
+        <p:nvSpPr>
+          <p:cNvPr id="10" name="Pfeil: nach rechts 9">
+            <a:extLst>
+              <a:ext uri="{FF2B5EF4-FFF2-40B4-BE49-F238E27FC236}">
+                <a16:creationId xmlns:a16="http://schemas.microsoft.com/office/drawing/2014/main" id="{E0E0A9BB-8B79-F544-5617-FC098766D3BA}"/>
+              </a:ext>
+            </a:extLst>
+          </p:cNvPr>
+          <p:cNvSpPr/>
           <p:nvPr/>
-        </p:nvPicPr>
-        <p:blipFill>
-          <a:blip r:embed="rId6"/>
-          <a:stretch>
-            <a:fillRect/>
-          </a:stretch>
-        </p:blipFill>
+        </p:nvSpPr>
         <p:spPr>
           <a:xfrm>
-            <a:off x="6504702" y="1925962"/>
-            <a:ext cx="5552966" cy="4216708"/>
-          </a:xfrm>
-          <a:prstGeom prst="rect">
-            <a:avLst/>
-          </a:prstGeom>
-        </p:spPr>
-      </p:pic>
-      <p:sp>
-        <p:nvSpPr>
-          <p:cNvPr id="10" name="Pfeil: nach rechts 9">
-            <a:extLst>
-              <a:ext uri="{FF2B5EF4-FFF2-40B4-BE49-F238E27FC236}">
-                <a16:creationId xmlns:a16="http://schemas.microsoft.com/office/drawing/2014/main" id="{E0E0A9BB-8B79-F544-5617-FC098766D3BA}"/>
-              </a:ext>
-            </a:extLst>
-          </p:cNvPr>
-          <p:cNvSpPr/>
-          <p:nvPr/>
-        </p:nvSpPr>
-        <p:spPr>
-          <a:xfrm>
-            <a:off x="5950610" y="3429000"/>
+            <a:off x="5868353" y="3429000"/>
             <a:ext cx="591207" cy="512379"/>
           </a:xfrm>
           <a:prstGeom prst="rightArrow">
@@ -6350,6 +6230,36 @@
           </a:p>
         </p:txBody>
       </p:sp>
+      <p:pic>
+        <p:nvPicPr>
+          <p:cNvPr id="11" name="Grafik 10">
+            <a:extLst>
+              <a:ext uri="{FF2B5EF4-FFF2-40B4-BE49-F238E27FC236}">
+                <a16:creationId xmlns:a16="http://schemas.microsoft.com/office/drawing/2014/main" id="{844AB532-0908-FE61-001D-8B905A3EF0A6}"/>
+              </a:ext>
+            </a:extLst>
+          </p:cNvPr>
+          <p:cNvPicPr>
+            <a:picLocks noChangeAspect="1"/>
+          </p:cNvPicPr>
+          <p:nvPr/>
+        </p:nvPicPr>
+        <p:blipFill>
+          <a:blip r:embed="rId6"/>
+          <a:stretch>
+            <a:fillRect/>
+          </a:stretch>
+        </p:blipFill>
+        <p:spPr>
+          <a:xfrm>
+            <a:off x="66782" y="1782154"/>
+            <a:ext cx="5634356" cy="4186738"/>
+          </a:xfrm>
+          <a:prstGeom prst="rect">
+            <a:avLst/>
+          </a:prstGeom>
+        </p:spPr>
+      </p:pic>
     </p:spTree>
     <p:extLst>
       <p:ext uri="{BB962C8B-B14F-4D97-AF65-F5344CB8AC3E}">
@@ -6382,10 +6292,10 @@
       </p:grpSpPr>
       <p:pic>
         <p:nvPicPr>
-          <p:cNvPr id="4" name="Graphic 1">
-            <a:extLst>
-              <a:ext uri="{FF2B5EF4-FFF2-40B4-BE49-F238E27FC236}">
-                <a16:creationId xmlns:a16="http://schemas.microsoft.com/office/drawing/2014/main" id="{D4E2A8A5-7B9A-9FCE-2C0C-40115BB72542}"/>
+          <p:cNvPr id="40" name="Grafik 39">
+            <a:extLst>
+              <a:ext uri="{FF2B5EF4-FFF2-40B4-BE49-F238E27FC236}">
+                <a16:creationId xmlns:a16="http://schemas.microsoft.com/office/drawing/2014/main" id="{E82F690E-FD13-1D80-AD79-1063F7A10B4C}"/>
               </a:ext>
             </a:extLst>
           </p:cNvPr>
@@ -6395,13 +6305,43 @@
           <p:nvPr/>
         </p:nvPicPr>
         <p:blipFill>
-          <a:blip r:embed="rId3">
+          <a:blip r:embed="rId3"/>
+          <a:stretch>
+            <a:fillRect/>
+          </a:stretch>
+        </p:blipFill>
+        <p:spPr>
+          <a:xfrm>
+            <a:off x="278429" y="1848010"/>
+            <a:ext cx="5634356" cy="4186738"/>
+          </a:xfrm>
+          <a:prstGeom prst="rect">
+            <a:avLst/>
+          </a:prstGeom>
+        </p:spPr>
+      </p:pic>
+      <p:pic>
+        <p:nvPicPr>
+          <p:cNvPr id="4" name="Graphic 1">
+            <a:extLst>
+              <a:ext uri="{FF2B5EF4-FFF2-40B4-BE49-F238E27FC236}">
+                <a16:creationId xmlns:a16="http://schemas.microsoft.com/office/drawing/2014/main" id="{D4E2A8A5-7B9A-9FCE-2C0C-40115BB72542}"/>
+              </a:ext>
+            </a:extLst>
+          </p:cNvPr>
+          <p:cNvPicPr>
+            <a:picLocks noChangeAspect="1"/>
+          </p:cNvPicPr>
+          <p:nvPr/>
+        </p:nvPicPr>
+        <p:blipFill>
+          <a:blip r:embed="rId4">
             <a:extLst>
               <a:ext uri="{28A0092B-C50C-407E-A947-70E740481C1C}">
                 <a14:useLocalDpi xmlns:a14="http://schemas.microsoft.com/office/drawing/2010/main" val="0"/>
               </a:ext>
               <a:ext uri="{96DAC541-7B7A-43D3-8B79-37D633B846F1}">
-                <asvg:svgBlip xmlns:asvg="http://schemas.microsoft.com/office/drawing/2016/SVG/main" r:embed="rId4"/>
+                <asvg:svgBlip xmlns:asvg="http://schemas.microsoft.com/office/drawing/2016/SVG/main" r:embed="rId5"/>
               </a:ext>
             </a:extLst>
           </a:blip>
@@ -6529,74 +6469,535 @@
                 <a:ea typeface="Times New Roman" panose="02020603050405020304" pitchFamily="18" charset="0"/>
                 <a:cs typeface="Times New Roman" panose="02020603050405020304" pitchFamily="18" charset="0"/>
               </a:rPr>
-              <a:t> – Übertragung in Kontinuierliche</a:t>
+              <a:t> – Übertragung ins Kontinuierliche</a:t>
             </a:r>
             <a:endParaRPr lang="de-DE" sz="2800" dirty="0"/>
           </a:p>
         </p:txBody>
       </p:sp>
-      <p:pic>
-        <p:nvPicPr>
-          <p:cNvPr id="3" name="Grafik 2">
-            <a:extLst>
-              <a:ext uri="{FF2B5EF4-FFF2-40B4-BE49-F238E27FC236}">
-                <a16:creationId xmlns:a16="http://schemas.microsoft.com/office/drawing/2014/main" id="{E5A2665D-6C7A-7834-A18F-09560C63633B}"/>
-              </a:ext>
-            </a:extLst>
-          </p:cNvPr>
-          <p:cNvPicPr>
-            <a:picLocks noChangeAspect="1"/>
-          </p:cNvPicPr>
+      <mc:AlternateContent xmlns:mc="http://schemas.openxmlformats.org/markup-compatibility/2006">
+        <mc:Choice xmlns:a14="http://schemas.microsoft.com/office/drawing/2010/main" Requires="a14">
+          <p:sp>
+            <p:nvSpPr>
+              <p:cNvPr id="8" name="Textfeld 7">
+                <a:extLst>
+                  <a:ext uri="{FF2B5EF4-FFF2-40B4-BE49-F238E27FC236}">
+                    <a16:creationId xmlns:a16="http://schemas.microsoft.com/office/drawing/2014/main" id="{E4067D19-6F22-796B-355A-5A3D04F7CB98}"/>
+                  </a:ext>
+                </a:extLst>
+              </p:cNvPr>
+              <p:cNvSpPr txBox="1"/>
+              <p:nvPr/>
+            </p:nvSpPr>
+            <p:spPr>
+              <a:xfrm>
+                <a:off x="6973719" y="1730017"/>
+                <a:ext cx="1445267" cy="384721"/>
+              </a:xfrm>
+              <a:prstGeom prst="rect">
+                <a:avLst/>
+              </a:prstGeom>
+              <a:noFill/>
+            </p:spPr>
+            <p:txBody>
+              <a:bodyPr wrap="none" lIns="0" tIns="0" rIns="0" bIns="0" rtlCol="0">
+                <a:spAutoFit/>
+              </a:bodyPr>
+              <a:lstStyle/>
+              <a:p>
+                <a14:m>
+                  <m:oMathPara xmlns:m="http://schemas.openxmlformats.org/officeDocument/2006/math">
+                    <m:oMathParaPr>
+                      <m:jc m:val="centerGroup"/>
+                    </m:oMathParaPr>
+                    <m:oMath xmlns:m="http://schemas.openxmlformats.org/officeDocument/2006/math">
+                      <m:sSub>
+                        <m:sSubPr>
+                          <m:ctrlPr>
+                            <a:rPr lang="de-DE" sz="2500" b="0" i="1" smtClean="0">
+                              <a:latin typeface="Cambria Math" panose="02040503050406030204" pitchFamily="18" charset="0"/>
+                            </a:rPr>
+                          </m:ctrlPr>
+                        </m:sSubPr>
+                        <m:e>
+                          <m:r>
+                            <a:rPr lang="de-DE" sz="2500" b="0" i="1" smtClean="0">
+                              <a:latin typeface="Cambria Math" panose="02040503050406030204" pitchFamily="18" charset="0"/>
+                            </a:rPr>
+                            <m:t>𝐴</m:t>
+                          </m:r>
+                        </m:e>
+                        <m:sub>
+                          <m:r>
+                            <a:rPr lang="de-DE" sz="2500" b="0" i="1" smtClean="0">
+                              <a:latin typeface="Cambria Math" panose="02040503050406030204" pitchFamily="18" charset="0"/>
+                            </a:rPr>
+                            <m:t>𝑡</m:t>
+                          </m:r>
+                          <m:r>
+                            <a:rPr lang="de-DE" sz="2500" b="0" i="1" smtClean="0">
+                              <a:latin typeface="Cambria Math" panose="02040503050406030204" pitchFamily="18" charset="0"/>
+                            </a:rPr>
+                            <m:t>+1</m:t>
+                          </m:r>
+                        </m:sub>
+                      </m:sSub>
+                      <m:r>
+                        <a:rPr lang="de-DE" sz="2500" b="0" i="1" smtClean="0">
+                          <a:latin typeface="Cambria Math" panose="02040503050406030204" pitchFamily="18" charset="0"/>
+                        </a:rPr>
+                        <m:t>=</m:t>
+                      </m:r>
+                      <m:sSub>
+                        <m:sSubPr>
+                          <m:ctrlPr>
+                            <a:rPr lang="de-DE" sz="2500" b="0" i="1" smtClean="0">
+                              <a:latin typeface="Cambria Math" panose="02040503050406030204" pitchFamily="18" charset="0"/>
+                            </a:rPr>
+                          </m:ctrlPr>
+                        </m:sSubPr>
+                        <m:e>
+                          <m:r>
+                            <a:rPr lang="de-DE" sz="2500" b="0" i="1" smtClean="0">
+                              <a:latin typeface="Cambria Math" panose="02040503050406030204" pitchFamily="18" charset="0"/>
+                            </a:rPr>
+                            <m:t>𝐴</m:t>
+                          </m:r>
+                        </m:e>
+                        <m:sub>
+                          <m:r>
+                            <a:rPr lang="de-DE" sz="2500" b="0" i="1" smtClean="0">
+                              <a:latin typeface="Cambria Math" panose="02040503050406030204" pitchFamily="18" charset="0"/>
+                            </a:rPr>
+                            <m:t>𝑡</m:t>
+                          </m:r>
+                        </m:sub>
+                      </m:sSub>
+                    </m:oMath>
+                  </m:oMathPara>
+                </a14:m>
+                <a:endParaRPr lang="de-DE" sz="2500" dirty="0"/>
+              </a:p>
+            </p:txBody>
+          </p:sp>
+        </mc:Choice>
+        <mc:Fallback>
+          <p:sp>
+            <p:nvSpPr>
+              <p:cNvPr id="8" name="Textfeld 7">
+                <a:extLst>
+                  <a:ext uri="{FF2B5EF4-FFF2-40B4-BE49-F238E27FC236}">
+                    <a16:creationId xmlns:a16="http://schemas.microsoft.com/office/drawing/2014/main" id="{E4067D19-6F22-796B-355A-5A3D04F7CB98}"/>
+                  </a:ext>
+                </a:extLst>
+              </p:cNvPr>
+              <p:cNvSpPr txBox="1">
+                <a:spLocks noRot="1" noChangeAspect="1" noMove="1" noResize="1" noEditPoints="1" noAdjustHandles="1" noChangeArrowheads="1" noChangeShapeType="1" noTextEdit="1"/>
+              </p:cNvSpPr>
+              <p:nvPr/>
+            </p:nvSpPr>
+            <p:spPr>
+              <a:xfrm>
+                <a:off x="6973719" y="1730017"/>
+                <a:ext cx="1445267" cy="384721"/>
+              </a:xfrm>
+              <a:prstGeom prst="rect">
+                <a:avLst/>
+              </a:prstGeom>
+              <a:blipFill>
+                <a:blip r:embed="rId6"/>
+                <a:stretch>
+                  <a:fillRect l="-4641" r="-844" b="-15873"/>
+                </a:stretch>
+              </a:blipFill>
+            </p:spPr>
+            <p:txBody>
+              <a:bodyPr/>
+              <a:lstStyle/>
+              <a:p>
+                <a:r>
+                  <a:rPr lang="de-DE">
+                    <a:noFill/>
+                  </a:rPr>
+                  <a:t> </a:t>
+                </a:r>
+              </a:p>
+            </p:txBody>
+          </p:sp>
+        </mc:Fallback>
+      </mc:AlternateContent>
+      <mc:AlternateContent xmlns:mc="http://schemas.openxmlformats.org/markup-compatibility/2006">
+        <mc:Choice xmlns:a14="http://schemas.microsoft.com/office/drawing/2010/main" Requires="a14">
+          <p:sp>
+            <p:nvSpPr>
+              <p:cNvPr id="11" name="Textfeld 10">
+                <a:extLst>
+                  <a:ext uri="{FF2B5EF4-FFF2-40B4-BE49-F238E27FC236}">
+                    <a16:creationId xmlns:a16="http://schemas.microsoft.com/office/drawing/2014/main" id="{8775C015-2408-6405-D8D3-B3E519FC3C4A}"/>
+                  </a:ext>
+                </a:extLst>
+              </p:cNvPr>
+              <p:cNvSpPr txBox="1"/>
+              <p:nvPr/>
+            </p:nvSpPr>
+            <p:spPr>
+              <a:xfrm>
+                <a:off x="6602560" y="4819575"/>
+                <a:ext cx="1974590" cy="477054"/>
+              </a:xfrm>
+              <a:prstGeom prst="rect">
+                <a:avLst/>
+              </a:prstGeom>
+              <a:noFill/>
+            </p:spPr>
+            <p:txBody>
+              <a:bodyPr wrap="square">
+                <a:spAutoFit/>
+              </a:bodyPr>
+              <a:lstStyle/>
+              <a:p>
+                <a:pPr/>
+                <a14:m>
+                  <m:oMathPara xmlns:m="http://schemas.openxmlformats.org/officeDocument/2006/math">
+                    <m:oMathParaPr>
+                      <m:jc m:val="centerGroup"/>
+                    </m:oMathParaPr>
+                    <m:oMath xmlns:m="http://schemas.openxmlformats.org/officeDocument/2006/math">
+                      <m:sSub>
+                        <m:sSubPr>
+                          <m:ctrlPr>
+                            <a:rPr lang="de-DE" sz="2500" b="0" i="1" smtClean="0">
+                              <a:latin typeface="Cambria Math" panose="02040503050406030204" pitchFamily="18" charset="0"/>
+                            </a:rPr>
+                          </m:ctrlPr>
+                        </m:sSubPr>
+                        <m:e>
+                          <m:r>
+                            <a:rPr lang="de-DE" sz="2500" b="0" i="1" smtClean="0">
+                              <a:latin typeface="Cambria Math" panose="02040503050406030204" pitchFamily="18" charset="0"/>
+                            </a:rPr>
+                            <m:t>𝐴</m:t>
+                          </m:r>
+                        </m:e>
+                        <m:sub>
+                          <m:r>
+                            <a:rPr lang="de-DE" sz="2500" b="0" i="1" smtClean="0">
+                              <a:latin typeface="Cambria Math" panose="02040503050406030204" pitchFamily="18" charset="0"/>
+                            </a:rPr>
+                            <m:t>𝑡</m:t>
+                          </m:r>
+                          <m:r>
+                            <a:rPr lang="de-DE" sz="2500" b="0" i="1" smtClean="0">
+                              <a:latin typeface="Cambria Math" panose="02040503050406030204" pitchFamily="18" charset="0"/>
+                            </a:rPr>
+                            <m:t>+1</m:t>
+                          </m:r>
+                        </m:sub>
+                      </m:sSub>
+                    </m:oMath>
+                  </m:oMathPara>
+                </a14:m>
+                <a:endParaRPr lang="de-DE" sz="2500" dirty="0"/>
+              </a:p>
+            </p:txBody>
+          </p:sp>
+        </mc:Choice>
+        <mc:Fallback>
+          <p:sp>
+            <p:nvSpPr>
+              <p:cNvPr id="11" name="Textfeld 10">
+                <a:extLst>
+                  <a:ext uri="{FF2B5EF4-FFF2-40B4-BE49-F238E27FC236}">
+                    <a16:creationId xmlns:a16="http://schemas.microsoft.com/office/drawing/2014/main" id="{8775C015-2408-6405-D8D3-B3E519FC3C4A}"/>
+                  </a:ext>
+                </a:extLst>
+              </p:cNvPr>
+              <p:cNvSpPr txBox="1">
+                <a:spLocks noRot="1" noChangeAspect="1" noMove="1" noResize="1" noEditPoints="1" noAdjustHandles="1" noChangeArrowheads="1" noChangeShapeType="1" noTextEdit="1"/>
+              </p:cNvSpPr>
+              <p:nvPr/>
+            </p:nvSpPr>
+            <p:spPr>
+              <a:xfrm>
+                <a:off x="6602560" y="4819575"/>
+                <a:ext cx="1974590" cy="477054"/>
+              </a:xfrm>
+              <a:prstGeom prst="rect">
+                <a:avLst/>
+              </a:prstGeom>
+              <a:blipFill>
+                <a:blip r:embed="rId7"/>
+                <a:stretch>
+                  <a:fillRect b="-2564"/>
+                </a:stretch>
+              </a:blipFill>
+            </p:spPr>
+            <p:txBody>
+              <a:bodyPr/>
+              <a:lstStyle/>
+              <a:p>
+                <a:r>
+                  <a:rPr lang="de-DE">
+                    <a:noFill/>
+                  </a:rPr>
+                  <a:t> </a:t>
+                </a:r>
+              </a:p>
+            </p:txBody>
+          </p:sp>
+        </mc:Fallback>
+      </mc:AlternateContent>
+      <mc:AlternateContent xmlns:mc="http://schemas.openxmlformats.org/markup-compatibility/2006">
+        <mc:Choice xmlns:a14="http://schemas.microsoft.com/office/drawing/2010/main" Requires="a14">
+          <p:sp>
+            <p:nvSpPr>
+              <p:cNvPr id="12" name="Textfeld 11">
+                <a:extLst>
+                  <a:ext uri="{FF2B5EF4-FFF2-40B4-BE49-F238E27FC236}">
+                    <a16:creationId xmlns:a16="http://schemas.microsoft.com/office/drawing/2014/main" id="{3EDA8440-F84E-6FC9-6232-B273A424EB88}"/>
+                  </a:ext>
+                </a:extLst>
+              </p:cNvPr>
+              <p:cNvSpPr txBox="1"/>
+              <p:nvPr/>
+            </p:nvSpPr>
+            <p:spPr>
+              <a:xfrm>
+                <a:off x="-461683" y="1645768"/>
+                <a:ext cx="1974590" cy="477054"/>
+              </a:xfrm>
+              <a:prstGeom prst="rect">
+                <a:avLst/>
+              </a:prstGeom>
+              <a:noFill/>
+            </p:spPr>
+            <p:txBody>
+              <a:bodyPr wrap="square">
+                <a:spAutoFit/>
+              </a:bodyPr>
+              <a:lstStyle/>
+              <a:p>
+                <a:pPr/>
+                <a14:m>
+                  <m:oMathPara xmlns:m="http://schemas.openxmlformats.org/officeDocument/2006/math">
+                    <m:oMathParaPr>
+                      <m:jc m:val="centerGroup"/>
+                    </m:oMathParaPr>
+                    <m:oMath xmlns:m="http://schemas.openxmlformats.org/officeDocument/2006/math">
+                      <m:sSub>
+                        <m:sSubPr>
+                          <m:ctrlPr>
+                            <a:rPr lang="de-DE" sz="2500" b="0" i="1" smtClean="0">
+                              <a:latin typeface="Cambria Math" panose="02040503050406030204" pitchFamily="18" charset="0"/>
+                            </a:rPr>
+                          </m:ctrlPr>
+                        </m:sSubPr>
+                        <m:e>
+                          <m:r>
+                            <a:rPr lang="de-DE" sz="2500" b="0" i="1" smtClean="0">
+                              <a:latin typeface="Cambria Math" panose="02040503050406030204" pitchFamily="18" charset="0"/>
+                            </a:rPr>
+                            <m:t>𝐴</m:t>
+                          </m:r>
+                        </m:e>
+                        <m:sub>
+                          <m:r>
+                            <a:rPr lang="de-DE" sz="2500" b="0" i="1" smtClean="0">
+                              <a:latin typeface="Cambria Math" panose="02040503050406030204" pitchFamily="18" charset="0"/>
+                            </a:rPr>
+                            <m:t>𝑡</m:t>
+                          </m:r>
+                        </m:sub>
+                      </m:sSub>
+                    </m:oMath>
+                  </m:oMathPara>
+                </a14:m>
+                <a:endParaRPr lang="de-DE" sz="2500" dirty="0"/>
+              </a:p>
+            </p:txBody>
+          </p:sp>
+        </mc:Choice>
+        <mc:Fallback>
+          <p:sp>
+            <p:nvSpPr>
+              <p:cNvPr id="12" name="Textfeld 11">
+                <a:extLst>
+                  <a:ext uri="{FF2B5EF4-FFF2-40B4-BE49-F238E27FC236}">
+                    <a16:creationId xmlns:a16="http://schemas.microsoft.com/office/drawing/2014/main" id="{3EDA8440-F84E-6FC9-6232-B273A424EB88}"/>
+                  </a:ext>
+                </a:extLst>
+              </p:cNvPr>
+              <p:cNvSpPr txBox="1">
+                <a:spLocks noRot="1" noChangeAspect="1" noMove="1" noResize="1" noEditPoints="1" noAdjustHandles="1" noChangeArrowheads="1" noChangeShapeType="1" noTextEdit="1"/>
+              </p:cNvSpPr>
+              <p:nvPr/>
+            </p:nvSpPr>
+            <p:spPr>
+              <a:xfrm>
+                <a:off x="-461683" y="1645768"/>
+                <a:ext cx="1974590" cy="477054"/>
+              </a:xfrm>
+              <a:prstGeom prst="rect">
+                <a:avLst/>
+              </a:prstGeom>
+              <a:blipFill>
+                <a:blip r:embed="rId8"/>
+                <a:stretch>
+                  <a:fillRect b="-2564"/>
+                </a:stretch>
+              </a:blipFill>
+            </p:spPr>
+            <p:txBody>
+              <a:bodyPr/>
+              <a:lstStyle/>
+              <a:p>
+                <a:r>
+                  <a:rPr lang="de-DE">
+                    <a:noFill/>
+                  </a:rPr>
+                  <a:t> </a:t>
+                </a:r>
+              </a:p>
+            </p:txBody>
+          </p:sp>
+        </mc:Fallback>
+      </mc:AlternateContent>
+      <p:cxnSp>
+        <p:nvCxnSpPr>
+          <p:cNvPr id="14" name="Verbinder: gekrümmt 13">
+            <a:extLst>
+              <a:ext uri="{FF2B5EF4-FFF2-40B4-BE49-F238E27FC236}">
+                <a16:creationId xmlns:a16="http://schemas.microsoft.com/office/drawing/2014/main" id="{95F52CF2-9D5C-1CC9-4C81-883B07E04A3E}"/>
+              </a:ext>
+            </a:extLst>
+          </p:cNvPr>
+          <p:cNvCxnSpPr>
+            <a:cxnSpLocks/>
+            <a:stCxn id="12" idx="2"/>
+          </p:cNvCxnSpPr>
           <p:nvPr/>
-        </p:nvPicPr>
-        <p:blipFill>
-          <a:blip r:embed="rId5"/>
-          <a:stretch>
-            <a:fillRect/>
-          </a:stretch>
-        </p:blipFill>
+        </p:nvCxnSpPr>
         <p:spPr>
-          <a:xfrm>
-            <a:off x="222813" y="1782154"/>
-            <a:ext cx="5646040" cy="4216708"/>
+          <a:xfrm rot="16200000" flipH="1">
+            <a:off x="313970" y="2334463"/>
+            <a:ext cx="865862" cy="442579"/>
+          </a:xfrm>
+          <a:prstGeom prst="curvedConnector3">
+            <a:avLst>
+              <a:gd name="adj1" fmla="val 101250"/>
+            </a:avLst>
+          </a:prstGeom>
+          <a:ln>
+            <a:solidFill>
+              <a:schemeClr val="tx1"/>
+            </a:solidFill>
+            <a:tailEnd type="triangle"/>
+          </a:ln>
+        </p:spPr>
+        <p:style>
+          <a:lnRef idx="1">
+            <a:schemeClr val="accent1"/>
+          </a:lnRef>
+          <a:fillRef idx="0">
+            <a:schemeClr val="accent1"/>
+          </a:fillRef>
+          <a:effectRef idx="0">
+            <a:schemeClr val="accent1"/>
+          </a:effectRef>
+          <a:fontRef idx="minor">
+            <a:schemeClr val="tx1"/>
+          </a:fontRef>
+        </p:style>
+      </p:cxnSp>
+      <p:cxnSp>
+        <p:nvCxnSpPr>
+          <p:cNvPr id="21" name="Verbinder: gekrümmt 20">
+            <a:extLst>
+              <a:ext uri="{FF2B5EF4-FFF2-40B4-BE49-F238E27FC236}">
+                <a16:creationId xmlns:a16="http://schemas.microsoft.com/office/drawing/2014/main" id="{2D565FE9-32D0-2902-0067-4B823F254C74}"/>
+              </a:ext>
+            </a:extLst>
+          </p:cNvPr>
+          <p:cNvCxnSpPr>
+            <a:cxnSpLocks/>
+          </p:cNvCxnSpPr>
+          <p:nvPr/>
+        </p:nvCxnSpPr>
+        <p:spPr>
+          <a:xfrm rot="10800000" flipV="1">
+            <a:off x="5868856" y="5079949"/>
+            <a:ext cx="1243575" cy="661947"/>
+          </a:xfrm>
+          <a:prstGeom prst="curvedConnector3">
+            <a:avLst>
+              <a:gd name="adj1" fmla="val 50000"/>
+            </a:avLst>
+          </a:prstGeom>
+          <a:ln>
+            <a:solidFill>
+              <a:schemeClr val="tx1"/>
+            </a:solidFill>
+            <a:tailEnd type="triangle"/>
+          </a:ln>
+        </p:spPr>
+        <p:style>
+          <a:lnRef idx="1">
+            <a:schemeClr val="accent1"/>
+          </a:lnRef>
+          <a:fillRef idx="0">
+            <a:schemeClr val="accent1"/>
+          </a:fillRef>
+          <a:effectRef idx="0">
+            <a:schemeClr val="accent1"/>
+          </a:effectRef>
+          <a:fontRef idx="minor">
+            <a:schemeClr val="tx1"/>
+          </a:fontRef>
+        </p:style>
+      </p:cxnSp>
+      <p:sp>
+        <p:nvSpPr>
+          <p:cNvPr id="27" name="Rechteck 26">
+            <a:extLst>
+              <a:ext uri="{FF2B5EF4-FFF2-40B4-BE49-F238E27FC236}">
+                <a16:creationId xmlns:a16="http://schemas.microsoft.com/office/drawing/2014/main" id="{12727C32-0B69-D1EB-F91C-33E9D2AD804F}"/>
+              </a:ext>
+            </a:extLst>
+          </p:cNvPr>
+          <p:cNvSpPr/>
+          <p:nvPr/>
+        </p:nvSpPr>
+        <p:spPr>
+          <a:xfrm rot="8176751">
+            <a:off x="1181374" y="2749540"/>
+            <a:ext cx="5264996" cy="1655107"/>
           </a:xfrm>
           <a:prstGeom prst="rect">
             <a:avLst/>
           </a:prstGeom>
-        </p:spPr>
-      </p:pic>
-      <p:sp>
-        <p:nvSpPr>
-          <p:cNvPr id="10" name="Pfeil: nach rechts 9">
-            <a:extLst>
-              <a:ext uri="{FF2B5EF4-FFF2-40B4-BE49-F238E27FC236}">
-                <a16:creationId xmlns:a16="http://schemas.microsoft.com/office/drawing/2014/main" id="{E0E0A9BB-8B79-F544-5617-FC098766D3BA}"/>
-              </a:ext>
-            </a:extLst>
-          </p:cNvPr>
-          <p:cNvSpPr/>
-          <p:nvPr/>
-        </p:nvSpPr>
-        <p:spPr>
-          <a:xfrm>
-            <a:off x="5950610" y="3429000"/>
-            <a:ext cx="591207" cy="512379"/>
-          </a:xfrm>
-          <a:prstGeom prst="rightArrow">
-            <a:avLst/>
-          </a:prstGeom>
+          <a:solidFill>
+            <a:schemeClr val="tx1"/>
+          </a:solidFill>
+          <a:ln>
+            <a:solidFill>
+              <a:schemeClr val="tx1"/>
+            </a:solidFill>
+          </a:ln>
+          <a:effectLst>
+            <a:softEdge rad="635000"/>
+          </a:effectLst>
         </p:spPr>
         <p:style>
           <a:lnRef idx="2">
-            <a:schemeClr val="dk1">
+            <a:schemeClr val="accent1">
               <a:shade val="15000"/>
             </a:schemeClr>
           </a:lnRef>
           <a:fillRef idx="1">
-            <a:schemeClr val="dk1"/>
+            <a:schemeClr val="accent1"/>
           </a:fillRef>
           <a:effectRef idx="0">
-            <a:schemeClr val="dk1"/>
+            <a:schemeClr val="accent1"/>
           </a:effectRef>
           <a:fontRef idx="minor">
             <a:schemeClr val="lt1"/>
@@ -6607,40 +7008,940 @@
           <a:lstStyle/>
           <a:p>
             <a:pPr algn="ctr"/>
-            <a:endParaRPr lang="de-DE"/>
-          </a:p>
-        </p:txBody>
-      </p:sp>
-      <p:pic>
-        <p:nvPicPr>
-          <p:cNvPr id="5" name="Grafik 4">
-            <a:extLst>
-              <a:ext uri="{FF2B5EF4-FFF2-40B4-BE49-F238E27FC236}">
-                <a16:creationId xmlns:a16="http://schemas.microsoft.com/office/drawing/2014/main" id="{CD51F602-E16D-7A41-31AB-AF38B59FE5B6}"/>
-              </a:ext>
-            </a:extLst>
-          </p:cNvPr>
-          <p:cNvPicPr>
-            <a:picLocks noChangeAspect="1"/>
-          </p:cNvPicPr>
+            <a:endParaRPr lang="de-DE">
+              <a:ln w="0"/>
+              <a:solidFill>
+                <a:schemeClr val="tx1"/>
+              </a:solidFill>
+              <a:effectLst>
+                <a:outerShdw blurRad="38100" dist="19050" dir="2700000" algn="tl" rotWithShape="0">
+                  <a:schemeClr val="dk1">
+                    <a:alpha val="40000"/>
+                  </a:schemeClr>
+                </a:outerShdw>
+              </a:effectLst>
+            </a:endParaRPr>
+          </a:p>
+        </p:txBody>
+      </p:sp>
+      <p:cxnSp>
+        <p:nvCxnSpPr>
+          <p:cNvPr id="24" name="Gerader Verbinder 23">
+            <a:extLst>
+              <a:ext uri="{FF2B5EF4-FFF2-40B4-BE49-F238E27FC236}">
+                <a16:creationId xmlns:a16="http://schemas.microsoft.com/office/drawing/2014/main" id="{D5DF3EA9-1F64-C2D0-63B4-1A01F796627F}"/>
+              </a:ext>
+            </a:extLst>
+          </p:cNvPr>
+          <p:cNvCxnSpPr>
+            <a:cxnSpLocks/>
+          </p:cNvCxnSpPr>
           <p:nvPr/>
-        </p:nvPicPr>
-        <p:blipFill>
-          <a:blip r:embed="rId6"/>
-          <a:stretch>
-            <a:fillRect/>
-          </a:stretch>
-        </p:blipFill>
+        </p:nvCxnSpPr>
+        <p:spPr>
+          <a:xfrm flipH="1">
+            <a:off x="2253019" y="2030569"/>
+            <a:ext cx="3087185" cy="2912834"/>
+          </a:xfrm>
+          <a:prstGeom prst="line">
+            <a:avLst/>
+          </a:prstGeom>
+          <a:ln w="57150">
+            <a:solidFill>
+              <a:schemeClr val="tx1"/>
+            </a:solidFill>
+          </a:ln>
+        </p:spPr>
+        <p:style>
+          <a:lnRef idx="1">
+            <a:schemeClr val="accent1"/>
+          </a:lnRef>
+          <a:fillRef idx="0">
+            <a:schemeClr val="accent1"/>
+          </a:fillRef>
+          <a:effectRef idx="0">
+            <a:schemeClr val="accent1"/>
+          </a:effectRef>
+          <a:fontRef idx="minor">
+            <a:schemeClr val="tx1"/>
+          </a:fontRef>
+        </p:style>
+      </p:cxnSp>
+      <mc:AlternateContent xmlns:mc="http://schemas.openxmlformats.org/markup-compatibility/2006">
+        <mc:Choice xmlns:a14="http://schemas.microsoft.com/office/drawing/2010/main" Requires="a14">
+          <p:sp>
+            <p:nvSpPr>
+              <p:cNvPr id="28" name="Textfeld 27">
+                <a:extLst>
+                  <a:ext uri="{FF2B5EF4-FFF2-40B4-BE49-F238E27FC236}">
+                    <a16:creationId xmlns:a16="http://schemas.microsoft.com/office/drawing/2014/main" id="{7C5F886D-EEEF-FDB0-B944-7F6D3A35B214}"/>
+                  </a:ext>
+                </a:extLst>
+              </p:cNvPr>
+              <p:cNvSpPr txBox="1"/>
+              <p:nvPr/>
+            </p:nvSpPr>
+            <p:spPr>
+              <a:xfrm>
+                <a:off x="8353269" y="1660296"/>
+                <a:ext cx="1184490" cy="451086"/>
+              </a:xfrm>
+              <a:prstGeom prst="rect">
+                <a:avLst/>
+              </a:prstGeom>
+              <a:noFill/>
+            </p:spPr>
+            <p:txBody>
+              <a:bodyPr wrap="none" lIns="0" tIns="0" rIns="0" bIns="0" rtlCol="0">
+                <a:spAutoFit/>
+              </a:bodyPr>
+              <a:lstStyle/>
+              <a:p>
+                <a14:m>
+                  <m:oMathPara xmlns:m="http://schemas.openxmlformats.org/officeDocument/2006/math">
+                    <m:oMathParaPr>
+                      <m:jc m:val="centerGroup"/>
+                    </m:oMathParaPr>
+                    <m:oMath xmlns:m="http://schemas.openxmlformats.org/officeDocument/2006/math">
+                      <m:r>
+                        <a:rPr lang="de-DE" sz="2500" i="1" smtClean="0">
+                          <a:latin typeface="Cambria Math" panose="02040503050406030204" pitchFamily="18" charset="0"/>
+                          <a:ea typeface="Cambria Math" panose="02040503050406030204" pitchFamily="18" charset="0"/>
+                        </a:rPr>
+                        <m:t>∙</m:t>
+                      </m:r>
+                      <m:sSup>
+                        <m:sSupPr>
+                          <m:ctrlPr>
+                            <a:rPr lang="de-DE" sz="2500" b="0" i="1" smtClean="0">
+                              <a:latin typeface="Cambria Math" panose="02040503050406030204" pitchFamily="18" charset="0"/>
+                            </a:rPr>
+                          </m:ctrlPr>
+                        </m:sSupPr>
+                        <m:e>
+                          <m:r>
+                            <a:rPr lang="de-DE" sz="2500" b="0" i="1" smtClean="0">
+                              <a:latin typeface="Cambria Math" panose="02040503050406030204" pitchFamily="18" charset="0"/>
+                            </a:rPr>
+                            <m:t>𝑒</m:t>
+                          </m:r>
+                        </m:e>
+                        <m:sup>
+                          <m:r>
+                            <a:rPr lang="de-DE" sz="2500" i="1">
+                              <a:latin typeface="Cambria Math" panose="02040503050406030204" pitchFamily="18" charset="0"/>
+                            </a:rPr>
+                            <m:t>𝑍</m:t>
+                          </m:r>
+                          <m:r>
+                            <a:rPr lang="de-DE" sz="2500" i="1">
+                              <a:latin typeface="Cambria Math" panose="02040503050406030204" pitchFamily="18" charset="0"/>
+                              <a:ea typeface="Cambria Math" panose="02040503050406030204" pitchFamily="18" charset="0"/>
+                            </a:rPr>
+                            <m:t>∙</m:t>
+                          </m:r>
+                          <m:r>
+                            <a:rPr lang="de-DE" sz="2500" i="1">
+                              <a:latin typeface="Cambria Math" panose="02040503050406030204" pitchFamily="18" charset="0"/>
+                              <a:ea typeface="Cambria Math" panose="02040503050406030204" pitchFamily="18" charset="0"/>
+                            </a:rPr>
+                            <m:t>𝜎</m:t>
+                          </m:r>
+                          <m:r>
+                            <a:rPr lang="de-DE" sz="2500" i="1">
+                              <a:latin typeface="Cambria Math" panose="02040503050406030204" pitchFamily="18" charset="0"/>
+                            </a:rPr>
+                            <m:t> </m:t>
+                          </m:r>
+                          <m:r>
+                            <a:rPr lang="de-DE" sz="2500" i="1">
+                              <a:latin typeface="Cambria Math" panose="02040503050406030204" pitchFamily="18" charset="0"/>
+                              <a:ea typeface="Cambria Math" panose="02040503050406030204" pitchFamily="18" charset="0"/>
+                            </a:rPr>
+                            <m:t>∙</m:t>
+                          </m:r>
+                          <m:r>
+                            <a:rPr lang="de-DE" sz="2500" i="1">
+                              <a:latin typeface="Cambria Math" panose="02040503050406030204" pitchFamily="18" charset="0"/>
+                            </a:rPr>
+                            <m:t>√</m:t>
+                          </m:r>
+                          <m:r>
+                            <a:rPr lang="de-DE" sz="2500" i="1">
+                              <a:latin typeface="Cambria Math" panose="02040503050406030204" pitchFamily="18" charset="0"/>
+                            </a:rPr>
+                            <m:t>𝑡</m:t>
+                          </m:r>
+                        </m:sup>
+                      </m:sSup>
+                    </m:oMath>
+                  </m:oMathPara>
+                </a14:m>
+                <a:endParaRPr lang="de-DE" sz="2500" dirty="0"/>
+              </a:p>
+            </p:txBody>
+          </p:sp>
+        </mc:Choice>
+        <mc:Fallback>
+          <p:sp>
+            <p:nvSpPr>
+              <p:cNvPr id="28" name="Textfeld 27">
+                <a:extLst>
+                  <a:ext uri="{FF2B5EF4-FFF2-40B4-BE49-F238E27FC236}">
+                    <a16:creationId xmlns:a16="http://schemas.microsoft.com/office/drawing/2014/main" id="{7C5F886D-EEEF-FDB0-B944-7F6D3A35B214}"/>
+                  </a:ext>
+                </a:extLst>
+              </p:cNvPr>
+              <p:cNvSpPr txBox="1">
+                <a:spLocks noRot="1" noChangeAspect="1" noMove="1" noResize="1" noEditPoints="1" noAdjustHandles="1" noChangeArrowheads="1" noChangeShapeType="1" noTextEdit="1"/>
+              </p:cNvSpPr>
+              <p:nvPr/>
+            </p:nvSpPr>
+            <p:spPr>
+              <a:xfrm>
+                <a:off x="8353269" y="1660296"/>
+                <a:ext cx="1184490" cy="451086"/>
+              </a:xfrm>
+              <a:prstGeom prst="rect">
+                <a:avLst/>
+              </a:prstGeom>
+              <a:blipFill>
+                <a:blip r:embed="rId9"/>
+                <a:stretch>
+                  <a:fillRect/>
+                </a:stretch>
+              </a:blipFill>
+            </p:spPr>
+            <p:txBody>
+              <a:bodyPr/>
+              <a:lstStyle/>
+              <a:p>
+                <a:r>
+                  <a:rPr lang="de-DE">
+                    <a:noFill/>
+                  </a:rPr>
+                  <a:t> </a:t>
+                </a:r>
+              </a:p>
+            </p:txBody>
+          </p:sp>
+        </mc:Fallback>
+      </mc:AlternateContent>
+      <mc:AlternateContent xmlns:mc="http://schemas.openxmlformats.org/markup-compatibility/2006">
+        <mc:Choice xmlns:a14="http://schemas.microsoft.com/office/drawing/2010/main" Requires="a14">
+          <p:sp>
+            <p:nvSpPr>
+              <p:cNvPr id="30" name="Textfeld 29">
+                <a:extLst>
+                  <a:ext uri="{FF2B5EF4-FFF2-40B4-BE49-F238E27FC236}">
+                    <a16:creationId xmlns:a16="http://schemas.microsoft.com/office/drawing/2014/main" id="{E9BD7832-D00F-C2EA-1B50-BB6D37D8BEF7}"/>
+                  </a:ext>
+                </a:extLst>
+              </p:cNvPr>
+              <p:cNvSpPr txBox="1"/>
+              <p:nvPr/>
+            </p:nvSpPr>
+            <p:spPr>
+              <a:xfrm>
+                <a:off x="6541817" y="2203325"/>
+                <a:ext cx="1321174" cy="477054"/>
+              </a:xfrm>
+              <a:prstGeom prst="rect">
+                <a:avLst/>
+              </a:prstGeom>
+              <a:noFill/>
+            </p:spPr>
+            <p:txBody>
+              <a:bodyPr wrap="square">
+                <a:spAutoFit/>
+              </a:bodyPr>
+              <a:lstStyle/>
+              <a:p>
+                <a:pPr/>
+                <a14:m>
+                  <m:oMathPara xmlns:m="http://schemas.openxmlformats.org/officeDocument/2006/math">
+                    <m:oMathParaPr>
+                      <m:jc m:val="centerGroup"/>
+                    </m:oMathParaPr>
+                    <m:oMath xmlns:m="http://schemas.openxmlformats.org/officeDocument/2006/math">
+                      <m:sSub>
+                        <m:sSubPr>
+                          <m:ctrlPr>
+                            <a:rPr lang="de-DE" sz="2500" b="0" i="1" smtClean="0">
+                              <a:latin typeface="Cambria Math" panose="02040503050406030204" pitchFamily="18" charset="0"/>
+                            </a:rPr>
+                          </m:ctrlPr>
+                        </m:sSubPr>
+                        <m:e>
+                          <m:r>
+                            <a:rPr lang="de-DE" sz="2500" b="0" i="1" smtClean="0">
+                              <a:latin typeface="Cambria Math" panose="02040503050406030204" pitchFamily="18" charset="0"/>
+                            </a:rPr>
+                            <m:t>𝐴</m:t>
+                          </m:r>
+                        </m:e>
+                        <m:sub>
+                          <m:r>
+                            <a:rPr lang="de-DE" sz="2500" b="0" i="1" smtClean="0">
+                              <a:latin typeface="Cambria Math" panose="02040503050406030204" pitchFamily="18" charset="0"/>
+                            </a:rPr>
+                            <m:t>𝑡</m:t>
+                          </m:r>
+                        </m:sub>
+                      </m:sSub>
+                    </m:oMath>
+                  </m:oMathPara>
+                </a14:m>
+                <a:endParaRPr lang="de-DE" sz="2500" dirty="0"/>
+              </a:p>
+            </p:txBody>
+          </p:sp>
+        </mc:Choice>
+        <mc:Fallback>
+          <p:sp>
+            <p:nvSpPr>
+              <p:cNvPr id="30" name="Textfeld 29">
+                <a:extLst>
+                  <a:ext uri="{FF2B5EF4-FFF2-40B4-BE49-F238E27FC236}">
+                    <a16:creationId xmlns:a16="http://schemas.microsoft.com/office/drawing/2014/main" id="{E9BD7832-D00F-C2EA-1B50-BB6D37D8BEF7}"/>
+                  </a:ext>
+                </a:extLst>
+              </p:cNvPr>
+              <p:cNvSpPr txBox="1">
+                <a:spLocks noRot="1" noChangeAspect="1" noMove="1" noResize="1" noEditPoints="1" noAdjustHandles="1" noChangeArrowheads="1" noChangeShapeType="1" noTextEdit="1"/>
+              </p:cNvSpPr>
+              <p:nvPr/>
+            </p:nvSpPr>
+            <p:spPr>
+              <a:xfrm>
+                <a:off x="6541817" y="2203325"/>
+                <a:ext cx="1321174" cy="477054"/>
+              </a:xfrm>
+              <a:prstGeom prst="rect">
+                <a:avLst/>
+              </a:prstGeom>
+              <a:blipFill>
+                <a:blip r:embed="rId10"/>
+                <a:stretch>
+                  <a:fillRect b="-1266"/>
+                </a:stretch>
+              </a:blipFill>
+            </p:spPr>
+            <p:txBody>
+              <a:bodyPr/>
+              <a:lstStyle/>
+              <a:p>
+                <a:r>
+                  <a:rPr lang="de-DE">
+                    <a:noFill/>
+                  </a:rPr>
+                  <a:t> </a:t>
+                </a:r>
+              </a:p>
+            </p:txBody>
+          </p:sp>
+        </mc:Fallback>
+      </mc:AlternateContent>
+      <mc:AlternateContent xmlns:mc="http://schemas.openxmlformats.org/markup-compatibility/2006">
+        <mc:Choice xmlns:a14="http://schemas.microsoft.com/office/drawing/2010/main" Requires="a14">
+          <p:sp>
+            <p:nvSpPr>
+              <p:cNvPr id="32" name="Textfeld 31">
+                <a:extLst>
+                  <a:ext uri="{FF2B5EF4-FFF2-40B4-BE49-F238E27FC236}">
+                    <a16:creationId xmlns:a16="http://schemas.microsoft.com/office/drawing/2014/main" id="{F29F0CAF-B9AC-7118-8C65-02DA491F9669}"/>
+                  </a:ext>
+                </a:extLst>
+              </p:cNvPr>
+              <p:cNvSpPr txBox="1"/>
+              <p:nvPr/>
+            </p:nvSpPr>
+            <p:spPr>
+              <a:xfrm>
+                <a:off x="6587846" y="2768434"/>
+                <a:ext cx="1516156" cy="480501"/>
+              </a:xfrm>
+              <a:prstGeom prst="rect">
+                <a:avLst/>
+              </a:prstGeom>
+              <a:noFill/>
+            </p:spPr>
+            <p:txBody>
+              <a:bodyPr wrap="square">
+                <a:spAutoFit/>
+              </a:bodyPr>
+              <a:lstStyle/>
+              <a:p>
+                <a:pPr/>
+                <a14:m>
+                  <m:oMathPara xmlns:m="http://schemas.openxmlformats.org/officeDocument/2006/math">
+                    <m:oMathParaPr>
+                      <m:jc m:val="centerGroup"/>
+                    </m:oMathParaPr>
+                    <m:oMath xmlns:m="http://schemas.openxmlformats.org/officeDocument/2006/math">
+                      <m:sSub>
+                        <m:sSubPr>
+                          <m:ctrlPr>
+                            <a:rPr lang="de-DE" sz="2500" b="0" i="1" smtClean="0">
+                              <a:latin typeface="Cambria Math" panose="02040503050406030204" pitchFamily="18" charset="0"/>
+                            </a:rPr>
+                          </m:ctrlPr>
+                        </m:sSubPr>
+                        <m:e>
+                          <m:r>
+                            <a:rPr lang="de-DE" sz="2500" b="0" i="1" smtClean="0">
+                              <a:latin typeface="Cambria Math" panose="02040503050406030204" pitchFamily="18" charset="0"/>
+                            </a:rPr>
+                            <m:t>𝐴</m:t>
+                          </m:r>
+                        </m:e>
+                        <m:sub>
+                          <m:r>
+                            <a:rPr lang="de-DE" sz="2500" b="0" i="1" smtClean="0">
+                              <a:latin typeface="Cambria Math" panose="02040503050406030204" pitchFamily="18" charset="0"/>
+                            </a:rPr>
+                            <m:t>𝑡</m:t>
+                          </m:r>
+                          <m:r>
+                            <a:rPr lang="de-DE" sz="2500" b="0" i="1" smtClean="0">
+                              <a:latin typeface="Cambria Math" panose="02040503050406030204" pitchFamily="18" charset="0"/>
+                            </a:rPr>
+                            <m:t>+1</m:t>
+                          </m:r>
+                        </m:sub>
+                      </m:sSub>
+                    </m:oMath>
+                  </m:oMathPara>
+                </a14:m>
+                <a:endParaRPr lang="de-DE" sz="2500" dirty="0"/>
+              </a:p>
+            </p:txBody>
+          </p:sp>
+        </mc:Choice>
+        <mc:Fallback>
+          <p:sp>
+            <p:nvSpPr>
+              <p:cNvPr id="32" name="Textfeld 31">
+                <a:extLst>
+                  <a:ext uri="{FF2B5EF4-FFF2-40B4-BE49-F238E27FC236}">
+                    <a16:creationId xmlns:a16="http://schemas.microsoft.com/office/drawing/2014/main" id="{F29F0CAF-B9AC-7118-8C65-02DA491F9669}"/>
+                  </a:ext>
+                </a:extLst>
+              </p:cNvPr>
+              <p:cNvSpPr txBox="1">
+                <a:spLocks noRot="1" noChangeAspect="1" noMove="1" noResize="1" noEditPoints="1" noAdjustHandles="1" noChangeArrowheads="1" noChangeShapeType="1" noTextEdit="1"/>
+              </p:cNvSpPr>
+              <p:nvPr/>
+            </p:nvSpPr>
+            <p:spPr>
+              <a:xfrm>
+                <a:off x="6587846" y="2768434"/>
+                <a:ext cx="1516156" cy="480501"/>
+              </a:xfrm>
+              <a:prstGeom prst="rect">
+                <a:avLst/>
+              </a:prstGeom>
+              <a:blipFill>
+                <a:blip r:embed="rId11"/>
+                <a:stretch>
+                  <a:fillRect b="-2532"/>
+                </a:stretch>
+              </a:blipFill>
+            </p:spPr>
+            <p:txBody>
+              <a:bodyPr/>
+              <a:lstStyle/>
+              <a:p>
+                <a:r>
+                  <a:rPr lang="de-DE">
+                    <a:noFill/>
+                  </a:rPr>
+                  <a:t> </a:t>
+                </a:r>
+              </a:p>
+            </p:txBody>
+          </p:sp>
+        </mc:Fallback>
+      </mc:AlternateContent>
+      <mc:AlternateContent xmlns:mc="http://schemas.openxmlformats.org/markup-compatibility/2006">
+        <mc:Choice xmlns:a14="http://schemas.microsoft.com/office/drawing/2010/main" Requires="a14">
+          <p:sp>
+            <p:nvSpPr>
+              <p:cNvPr id="34" name="Textfeld 33">
+                <a:extLst>
+                  <a:ext uri="{FF2B5EF4-FFF2-40B4-BE49-F238E27FC236}">
+                    <a16:creationId xmlns:a16="http://schemas.microsoft.com/office/drawing/2014/main" id="{94B72F1C-8C01-CD69-84B6-ABAC8841D4CA}"/>
+                  </a:ext>
+                </a:extLst>
+              </p:cNvPr>
+              <p:cNvSpPr txBox="1"/>
+              <p:nvPr/>
+            </p:nvSpPr>
+            <p:spPr>
+              <a:xfrm>
+                <a:off x="6770220" y="3339435"/>
+                <a:ext cx="668991" cy="477054"/>
+              </a:xfrm>
+              <a:prstGeom prst="rect">
+                <a:avLst/>
+              </a:prstGeom>
+              <a:noFill/>
+            </p:spPr>
+            <p:txBody>
+              <a:bodyPr wrap="square">
+                <a:spAutoFit/>
+              </a:bodyPr>
+              <a:lstStyle/>
+              <a:p>
+                <a:pPr/>
+                <a14:m>
+                  <m:oMathPara xmlns:m="http://schemas.openxmlformats.org/officeDocument/2006/math">
+                    <m:oMathParaPr>
+                      <m:jc m:val="centerGroup"/>
+                    </m:oMathParaPr>
+                    <m:oMath xmlns:m="http://schemas.openxmlformats.org/officeDocument/2006/math">
+                      <m:r>
+                        <a:rPr lang="de-DE" sz="2500" i="1" smtClean="0">
+                          <a:latin typeface="Cambria Math" panose="02040503050406030204" pitchFamily="18" charset="0"/>
+                        </a:rPr>
+                        <m:t>𝑍</m:t>
+                      </m:r>
+                    </m:oMath>
+                  </m:oMathPara>
+                </a14:m>
+                <a:endParaRPr lang="de-DE" sz="2500" dirty="0"/>
+              </a:p>
+            </p:txBody>
+          </p:sp>
+        </mc:Choice>
+        <mc:Fallback>
+          <p:sp>
+            <p:nvSpPr>
+              <p:cNvPr id="34" name="Textfeld 33">
+                <a:extLst>
+                  <a:ext uri="{FF2B5EF4-FFF2-40B4-BE49-F238E27FC236}">
+                    <a16:creationId xmlns:a16="http://schemas.microsoft.com/office/drawing/2014/main" id="{94B72F1C-8C01-CD69-84B6-ABAC8841D4CA}"/>
+                  </a:ext>
+                </a:extLst>
+              </p:cNvPr>
+              <p:cNvSpPr txBox="1">
+                <a:spLocks noRot="1" noChangeAspect="1" noMove="1" noResize="1" noEditPoints="1" noAdjustHandles="1" noChangeArrowheads="1" noChangeShapeType="1" noTextEdit="1"/>
+              </p:cNvSpPr>
+              <p:nvPr/>
+            </p:nvSpPr>
+            <p:spPr>
+              <a:xfrm>
+                <a:off x="6770220" y="3339435"/>
+                <a:ext cx="668991" cy="477054"/>
+              </a:xfrm>
+              <a:prstGeom prst="rect">
+                <a:avLst/>
+              </a:prstGeom>
+              <a:blipFill>
+                <a:blip r:embed="rId12"/>
+                <a:stretch>
+                  <a:fillRect/>
+                </a:stretch>
+              </a:blipFill>
+            </p:spPr>
+            <p:txBody>
+              <a:bodyPr/>
+              <a:lstStyle/>
+              <a:p>
+                <a:r>
+                  <a:rPr lang="de-DE">
+                    <a:noFill/>
+                  </a:rPr>
+                  <a:t> </a:t>
+                </a:r>
+              </a:p>
+            </p:txBody>
+          </p:sp>
+        </mc:Fallback>
+      </mc:AlternateContent>
+      <mc:AlternateContent xmlns:mc="http://schemas.openxmlformats.org/markup-compatibility/2006">
+        <mc:Choice xmlns:a14="http://schemas.microsoft.com/office/drawing/2010/main" Requires="a14">
+          <p:sp>
+            <p:nvSpPr>
+              <p:cNvPr id="36" name="Textfeld 35">
+                <a:extLst>
+                  <a:ext uri="{FF2B5EF4-FFF2-40B4-BE49-F238E27FC236}">
+                    <a16:creationId xmlns:a16="http://schemas.microsoft.com/office/drawing/2014/main" id="{978BA08E-0C30-A282-C413-FC6D018FABBC}"/>
+                  </a:ext>
+                </a:extLst>
+              </p:cNvPr>
+              <p:cNvSpPr txBox="1"/>
+              <p:nvPr/>
+            </p:nvSpPr>
+            <p:spPr>
+              <a:xfrm>
+                <a:off x="6898809" y="3826203"/>
+                <a:ext cx="447115" cy="477054"/>
+              </a:xfrm>
+              <a:prstGeom prst="rect">
+                <a:avLst/>
+              </a:prstGeom>
+              <a:noFill/>
+            </p:spPr>
+            <p:txBody>
+              <a:bodyPr wrap="square">
+                <a:spAutoFit/>
+              </a:bodyPr>
+              <a:lstStyle/>
+              <a:p>
+                <a:pPr/>
+                <a14:m>
+                  <m:oMathPara xmlns:m="http://schemas.openxmlformats.org/officeDocument/2006/math">
+                    <m:oMathParaPr>
+                      <m:jc m:val="centerGroup"/>
+                    </m:oMathParaPr>
+                    <m:oMath xmlns:m="http://schemas.openxmlformats.org/officeDocument/2006/math">
+                      <m:r>
+                        <a:rPr lang="de-DE" sz="2500" i="1" smtClean="0">
+                          <a:latin typeface="Cambria Math" panose="02040503050406030204" pitchFamily="18" charset="0"/>
+                          <a:ea typeface="Cambria Math" panose="02040503050406030204" pitchFamily="18" charset="0"/>
+                        </a:rPr>
+                        <m:t>𝜎</m:t>
+                      </m:r>
+                    </m:oMath>
+                  </m:oMathPara>
+                </a14:m>
+                <a:endParaRPr lang="de-DE" sz="2500" dirty="0"/>
+              </a:p>
+            </p:txBody>
+          </p:sp>
+        </mc:Choice>
+        <mc:Fallback>
+          <p:sp>
+            <p:nvSpPr>
+              <p:cNvPr id="36" name="Textfeld 35">
+                <a:extLst>
+                  <a:ext uri="{FF2B5EF4-FFF2-40B4-BE49-F238E27FC236}">
+                    <a16:creationId xmlns:a16="http://schemas.microsoft.com/office/drawing/2014/main" id="{978BA08E-0C30-A282-C413-FC6D018FABBC}"/>
+                  </a:ext>
+                </a:extLst>
+              </p:cNvPr>
+              <p:cNvSpPr txBox="1">
+                <a:spLocks noRot="1" noChangeAspect="1" noMove="1" noResize="1" noEditPoints="1" noAdjustHandles="1" noChangeArrowheads="1" noChangeShapeType="1" noTextEdit="1"/>
+              </p:cNvSpPr>
+              <p:nvPr/>
+            </p:nvSpPr>
+            <p:spPr>
+              <a:xfrm>
+                <a:off x="6898809" y="3826203"/>
+                <a:ext cx="447115" cy="477054"/>
+              </a:xfrm>
+              <a:prstGeom prst="rect">
+                <a:avLst/>
+              </a:prstGeom>
+              <a:blipFill>
+                <a:blip r:embed="rId13"/>
+                <a:stretch>
+                  <a:fillRect/>
+                </a:stretch>
+              </a:blipFill>
+            </p:spPr>
+            <p:txBody>
+              <a:bodyPr/>
+              <a:lstStyle/>
+              <a:p>
+                <a:r>
+                  <a:rPr lang="de-DE">
+                    <a:noFill/>
+                  </a:rPr>
+                  <a:t> </a:t>
+                </a:r>
+              </a:p>
+            </p:txBody>
+          </p:sp>
+        </mc:Fallback>
+      </mc:AlternateContent>
+      <mc:AlternateContent xmlns:mc="http://schemas.openxmlformats.org/markup-compatibility/2006">
+        <mc:Choice xmlns:a14="http://schemas.microsoft.com/office/drawing/2010/main" Requires="a14">
+          <p:sp>
+            <p:nvSpPr>
+              <p:cNvPr id="37" name="Textfeld 36">
+                <a:extLst>
+                  <a:ext uri="{FF2B5EF4-FFF2-40B4-BE49-F238E27FC236}">
+                    <a16:creationId xmlns:a16="http://schemas.microsoft.com/office/drawing/2014/main" id="{ECEDB9F5-4651-A200-07D6-6B67B6D6C4D2}"/>
+                  </a:ext>
+                </a:extLst>
+              </p:cNvPr>
+              <p:cNvSpPr txBox="1"/>
+              <p:nvPr/>
+            </p:nvSpPr>
+            <p:spPr>
+              <a:xfrm>
+                <a:off x="6881157" y="4312971"/>
+                <a:ext cx="447115" cy="477054"/>
+              </a:xfrm>
+              <a:prstGeom prst="rect">
+                <a:avLst/>
+              </a:prstGeom>
+              <a:noFill/>
+            </p:spPr>
+            <p:txBody>
+              <a:bodyPr wrap="square">
+                <a:spAutoFit/>
+              </a:bodyPr>
+              <a:lstStyle/>
+              <a:p>
+                <a:pPr/>
+                <a14:m>
+                  <m:oMathPara xmlns:m="http://schemas.openxmlformats.org/officeDocument/2006/math">
+                    <m:oMathParaPr>
+                      <m:jc m:val="centerGroup"/>
+                    </m:oMathParaPr>
+                    <m:oMath xmlns:m="http://schemas.openxmlformats.org/officeDocument/2006/math">
+                      <m:r>
+                        <a:rPr lang="de-DE" sz="2500" b="0" i="1" smtClean="0">
+                          <a:latin typeface="Cambria Math" panose="02040503050406030204" pitchFamily="18" charset="0"/>
+                        </a:rPr>
+                        <m:t>𝑡</m:t>
+                      </m:r>
+                    </m:oMath>
+                  </m:oMathPara>
+                </a14:m>
+                <a:endParaRPr lang="de-DE" sz="2500" dirty="0"/>
+              </a:p>
+            </p:txBody>
+          </p:sp>
+        </mc:Choice>
+        <mc:Fallback>
+          <p:sp>
+            <p:nvSpPr>
+              <p:cNvPr id="37" name="Textfeld 36">
+                <a:extLst>
+                  <a:ext uri="{FF2B5EF4-FFF2-40B4-BE49-F238E27FC236}">
+                    <a16:creationId xmlns:a16="http://schemas.microsoft.com/office/drawing/2014/main" id="{ECEDB9F5-4651-A200-07D6-6B67B6D6C4D2}"/>
+                  </a:ext>
+                </a:extLst>
+              </p:cNvPr>
+              <p:cNvSpPr txBox="1">
+                <a:spLocks noRot="1" noChangeAspect="1" noMove="1" noResize="1" noEditPoints="1" noAdjustHandles="1" noChangeArrowheads="1" noChangeShapeType="1" noTextEdit="1"/>
+              </p:cNvSpPr>
+              <p:nvPr/>
+            </p:nvSpPr>
+            <p:spPr>
+              <a:xfrm>
+                <a:off x="6881157" y="4312971"/>
+                <a:ext cx="447115" cy="477054"/>
+              </a:xfrm>
+              <a:prstGeom prst="rect">
+                <a:avLst/>
+              </a:prstGeom>
+              <a:blipFill>
+                <a:blip r:embed="rId14"/>
+                <a:stretch>
+                  <a:fillRect/>
+                </a:stretch>
+              </a:blipFill>
+            </p:spPr>
+            <p:txBody>
+              <a:bodyPr/>
+              <a:lstStyle/>
+              <a:p>
+                <a:r>
+                  <a:rPr lang="de-DE">
+                    <a:noFill/>
+                  </a:rPr>
+                  <a:t> </a:t>
+                </a:r>
+              </a:p>
+            </p:txBody>
+          </p:sp>
+        </mc:Fallback>
+      </mc:AlternateContent>
+      <p:sp>
+        <p:nvSpPr>
+          <p:cNvPr id="38" name="Textfeld 37">
+            <a:extLst>
+              <a:ext uri="{FF2B5EF4-FFF2-40B4-BE49-F238E27FC236}">
+                <a16:creationId xmlns:a16="http://schemas.microsoft.com/office/drawing/2014/main" id="{EFFBAC31-80FB-D9DC-C849-654AC7CE44DD}"/>
+              </a:ext>
+            </a:extLst>
+          </p:cNvPr>
+          <p:cNvSpPr txBox="1"/>
+          <p:nvPr/>
+        </p:nvSpPr>
         <p:spPr>
           <a:xfrm>
-            <a:off x="7346198" y="3281295"/>
-            <a:ext cx="4622989" cy="586350"/>
+            <a:off x="7665272" y="2244601"/>
+            <a:ext cx="2887329" cy="446276"/>
           </a:xfrm>
           <a:prstGeom prst="rect">
             <a:avLst/>
           </a:prstGeom>
+          <a:noFill/>
         </p:spPr>
-      </p:pic>
+        <p:txBody>
+          <a:bodyPr wrap="none" rtlCol="0">
+            <a:spAutoFit/>
+          </a:bodyPr>
+          <a:lstStyle/>
+          <a:p>
+            <a:r>
+              <a:rPr lang="de-DE" sz="2300" dirty="0">
+                <a:latin typeface="Times New Roman" panose="02020603050405020304" pitchFamily="18" charset="0"/>
+                <a:cs typeface="Times New Roman" panose="02020603050405020304" pitchFamily="18" charset="0"/>
+              </a:rPr>
+              <a:t>: Preis zum Zeitpunkt t</a:t>
+            </a:r>
+          </a:p>
+        </p:txBody>
+      </p:sp>
+      <p:sp>
+        <p:nvSpPr>
+          <p:cNvPr id="39" name="Textfeld 38">
+            <a:extLst>
+              <a:ext uri="{FF2B5EF4-FFF2-40B4-BE49-F238E27FC236}">
+                <a16:creationId xmlns:a16="http://schemas.microsoft.com/office/drawing/2014/main" id="{F2EC76EA-6579-E8AE-41FF-45554BA7AC33}"/>
+              </a:ext>
+            </a:extLst>
+          </p:cNvPr>
+          <p:cNvSpPr txBox="1"/>
+          <p:nvPr/>
+        </p:nvSpPr>
+        <p:spPr>
+          <a:xfrm>
+            <a:off x="7665273" y="2807740"/>
+            <a:ext cx="2887329" cy="446276"/>
+          </a:xfrm>
+          <a:prstGeom prst="rect">
+            <a:avLst/>
+          </a:prstGeom>
+          <a:noFill/>
+        </p:spPr>
+        <p:txBody>
+          <a:bodyPr wrap="none" rtlCol="0">
+            <a:spAutoFit/>
+          </a:bodyPr>
+          <a:lstStyle/>
+          <a:p>
+            <a:r>
+              <a:rPr lang="de-DE" sz="2300" dirty="0">
+                <a:latin typeface="Times New Roman" panose="02020603050405020304" pitchFamily="18" charset="0"/>
+                <a:cs typeface="Times New Roman" panose="02020603050405020304" pitchFamily="18" charset="0"/>
+              </a:rPr>
+              <a:t>: Preis zum Zeitpunkt t</a:t>
+            </a:r>
+          </a:p>
+        </p:txBody>
+      </p:sp>
+      <p:sp>
+        <p:nvSpPr>
+          <p:cNvPr id="43" name="Textfeld 42">
+            <a:extLst>
+              <a:ext uri="{FF2B5EF4-FFF2-40B4-BE49-F238E27FC236}">
+                <a16:creationId xmlns:a16="http://schemas.microsoft.com/office/drawing/2014/main" id="{A0C7D216-114C-67AA-2257-F09CA881B2E7}"/>
+              </a:ext>
+            </a:extLst>
+          </p:cNvPr>
+          <p:cNvSpPr txBox="1"/>
+          <p:nvPr/>
+        </p:nvSpPr>
+        <p:spPr>
+          <a:xfrm>
+            <a:off x="7665272" y="3326492"/>
+            <a:ext cx="3608680" cy="446276"/>
+          </a:xfrm>
+          <a:prstGeom prst="rect">
+            <a:avLst/>
+          </a:prstGeom>
+          <a:noFill/>
+        </p:spPr>
+        <p:txBody>
+          <a:bodyPr wrap="none" rtlCol="0">
+            <a:spAutoFit/>
+          </a:bodyPr>
+          <a:lstStyle/>
+          <a:p>
+            <a:r>
+              <a:rPr lang="de-DE" sz="2300" dirty="0">
+                <a:latin typeface="Times New Roman" panose="02020603050405020304" pitchFamily="18" charset="0"/>
+                <a:cs typeface="Times New Roman" panose="02020603050405020304" pitchFamily="18" charset="0"/>
+              </a:rPr>
+              <a:t>: Normalverteilte Zufallszahl</a:t>
+            </a:r>
+          </a:p>
+        </p:txBody>
+      </p:sp>
+      <p:sp>
+        <p:nvSpPr>
+          <p:cNvPr id="44" name="Textfeld 43">
+            <a:extLst>
+              <a:ext uri="{FF2B5EF4-FFF2-40B4-BE49-F238E27FC236}">
+                <a16:creationId xmlns:a16="http://schemas.microsoft.com/office/drawing/2014/main" id="{4ECAFE04-56B6-C85C-161D-9C9BA1FA89B3}"/>
+              </a:ext>
+            </a:extLst>
+          </p:cNvPr>
+          <p:cNvSpPr txBox="1"/>
+          <p:nvPr/>
+        </p:nvSpPr>
+        <p:spPr>
+          <a:xfrm>
+            <a:off x="7665272" y="3815315"/>
+            <a:ext cx="3773790" cy="446276"/>
+          </a:xfrm>
+          <a:prstGeom prst="rect">
+            <a:avLst/>
+          </a:prstGeom>
+          <a:noFill/>
+        </p:spPr>
+        <p:txBody>
+          <a:bodyPr wrap="none" rtlCol="0">
+            <a:spAutoFit/>
+          </a:bodyPr>
+          <a:lstStyle/>
+          <a:p>
+            <a:r>
+              <a:rPr lang="de-DE" sz="2300" dirty="0">
+                <a:latin typeface="Times New Roman" panose="02020603050405020304" pitchFamily="18" charset="0"/>
+                <a:cs typeface="Times New Roman" panose="02020603050405020304" pitchFamily="18" charset="0"/>
+              </a:rPr>
+              <a:t>: relative Standardabweichung</a:t>
+            </a:r>
+          </a:p>
+        </p:txBody>
+      </p:sp>
+      <p:sp>
+        <p:nvSpPr>
+          <p:cNvPr id="45" name="Textfeld 44">
+            <a:extLst>
+              <a:ext uri="{FF2B5EF4-FFF2-40B4-BE49-F238E27FC236}">
+                <a16:creationId xmlns:a16="http://schemas.microsoft.com/office/drawing/2014/main" id="{991A0525-FA4F-17B8-6674-D274CA4D7063}"/>
+              </a:ext>
+            </a:extLst>
+          </p:cNvPr>
+          <p:cNvSpPr txBox="1"/>
+          <p:nvPr/>
+        </p:nvSpPr>
+        <p:spPr>
+          <a:xfrm>
+            <a:off x="7685264" y="4303257"/>
+            <a:ext cx="814647" cy="446276"/>
+          </a:xfrm>
+          <a:prstGeom prst="rect">
+            <a:avLst/>
+          </a:prstGeom>
+          <a:noFill/>
+        </p:spPr>
+        <p:txBody>
+          <a:bodyPr wrap="none" rtlCol="0">
+            <a:spAutoFit/>
+          </a:bodyPr>
+          <a:lstStyle/>
+          <a:p>
+            <a:r>
+              <a:rPr lang="de-DE" sz="2300" dirty="0">
+                <a:latin typeface="Times New Roman" panose="02020603050405020304" pitchFamily="18" charset="0"/>
+                <a:cs typeface="Times New Roman" panose="02020603050405020304" pitchFamily="18" charset="0"/>
+              </a:rPr>
+              <a:t>: Zeit</a:t>
+            </a:r>
+          </a:p>
+        </p:txBody>
+      </p:sp>
     </p:spTree>
     <p:extLst>
       <p:ext uri="{BB962C8B-B14F-4D97-AF65-F5344CB8AC3E}">
@@ -6651,6 +7952,737 @@
   <p:clrMapOvr>
     <a:masterClrMapping/>
   </p:clrMapOvr>
+  <p:timing>
+    <p:tnLst>
+      <p:par>
+        <p:cTn id="1" dur="indefinite" restart="never" nodeType="tmRoot">
+          <p:childTnLst>
+            <p:seq concurrent="1" nextAc="seek">
+              <p:cTn id="2" dur="indefinite" nodeType="mainSeq">
+                <p:childTnLst>
+                  <p:par>
+                    <p:cTn id="3" fill="hold">
+                      <p:stCondLst>
+                        <p:cond delay="indefinite"/>
+                      </p:stCondLst>
+                      <p:childTnLst>
+                        <p:par>
+                          <p:cTn id="4" fill="hold">
+                            <p:stCondLst>
+                              <p:cond delay="0"/>
+                            </p:stCondLst>
+                            <p:childTnLst>
+                              <p:par>
+                                <p:cTn id="5" presetID="1" presetClass="entr" presetSubtype="0" fill="hold" grpId="0" nodeType="clickEffect">
+                                  <p:stCondLst>
+                                    <p:cond delay="0"/>
+                                  </p:stCondLst>
+                                  <p:childTnLst>
+                                    <p:set>
+                                      <p:cBhvr>
+                                        <p:cTn id="6" dur="1" fill="hold">
+                                          <p:stCondLst>
+                                            <p:cond delay="0"/>
+                                          </p:stCondLst>
+                                        </p:cTn>
+                                        <p:tgtEl>
+                                          <p:spTgt spid="12"/>
+                                        </p:tgtEl>
+                                        <p:attrNameLst>
+                                          <p:attrName>style.visibility</p:attrName>
+                                        </p:attrNameLst>
+                                      </p:cBhvr>
+                                      <p:to>
+                                        <p:strVal val="visible"/>
+                                      </p:to>
+                                    </p:set>
+                                  </p:childTnLst>
+                                </p:cTn>
+                              </p:par>
+                              <p:par>
+                                <p:cTn id="7" presetID="1" presetClass="entr" presetSubtype="0" fill="hold" nodeType="withEffect">
+                                  <p:stCondLst>
+                                    <p:cond delay="0"/>
+                                  </p:stCondLst>
+                                  <p:childTnLst>
+                                    <p:set>
+                                      <p:cBhvr>
+                                        <p:cTn id="8" dur="1" fill="hold">
+                                          <p:stCondLst>
+                                            <p:cond delay="0"/>
+                                          </p:stCondLst>
+                                        </p:cTn>
+                                        <p:tgtEl>
+                                          <p:spTgt spid="14"/>
+                                        </p:tgtEl>
+                                        <p:attrNameLst>
+                                          <p:attrName>style.visibility</p:attrName>
+                                        </p:attrNameLst>
+                                      </p:cBhvr>
+                                      <p:to>
+                                        <p:strVal val="visible"/>
+                                      </p:to>
+                                    </p:set>
+                                  </p:childTnLst>
+                                </p:cTn>
+                              </p:par>
+                            </p:childTnLst>
+                          </p:cTn>
+                        </p:par>
+                      </p:childTnLst>
+                    </p:cTn>
+                  </p:par>
+                  <p:par>
+                    <p:cTn id="9" fill="hold">
+                      <p:stCondLst>
+                        <p:cond delay="indefinite"/>
+                      </p:stCondLst>
+                      <p:childTnLst>
+                        <p:par>
+                          <p:cTn id="10" fill="hold">
+                            <p:stCondLst>
+                              <p:cond delay="0"/>
+                            </p:stCondLst>
+                            <p:childTnLst>
+                              <p:par>
+                                <p:cTn id="11" presetID="1" presetClass="entr" presetSubtype="0" fill="hold" nodeType="clickEffect">
+                                  <p:stCondLst>
+                                    <p:cond delay="0"/>
+                                  </p:stCondLst>
+                                  <p:childTnLst>
+                                    <p:set>
+                                      <p:cBhvr>
+                                        <p:cTn id="12" dur="1" fill="hold">
+                                          <p:stCondLst>
+                                            <p:cond delay="0"/>
+                                          </p:stCondLst>
+                                        </p:cTn>
+                                        <p:tgtEl>
+                                          <p:spTgt spid="21"/>
+                                        </p:tgtEl>
+                                        <p:attrNameLst>
+                                          <p:attrName>style.visibility</p:attrName>
+                                        </p:attrNameLst>
+                                      </p:cBhvr>
+                                      <p:to>
+                                        <p:strVal val="visible"/>
+                                      </p:to>
+                                    </p:set>
+                                  </p:childTnLst>
+                                </p:cTn>
+                              </p:par>
+                              <p:par>
+                                <p:cTn id="13" presetID="1" presetClass="entr" presetSubtype="0" fill="hold" grpId="0" nodeType="withEffect">
+                                  <p:stCondLst>
+                                    <p:cond delay="0"/>
+                                  </p:stCondLst>
+                                  <p:childTnLst>
+                                    <p:set>
+                                      <p:cBhvr>
+                                        <p:cTn id="14" dur="1" fill="hold">
+                                          <p:stCondLst>
+                                            <p:cond delay="0"/>
+                                          </p:stCondLst>
+                                        </p:cTn>
+                                        <p:tgtEl>
+                                          <p:spTgt spid="11"/>
+                                        </p:tgtEl>
+                                        <p:attrNameLst>
+                                          <p:attrName>style.visibility</p:attrName>
+                                        </p:attrNameLst>
+                                      </p:cBhvr>
+                                      <p:to>
+                                        <p:strVal val="visible"/>
+                                      </p:to>
+                                    </p:set>
+                                  </p:childTnLst>
+                                </p:cTn>
+                              </p:par>
+                            </p:childTnLst>
+                          </p:cTn>
+                        </p:par>
+                      </p:childTnLst>
+                    </p:cTn>
+                  </p:par>
+                  <p:par>
+                    <p:cTn id="15" fill="hold">
+                      <p:stCondLst>
+                        <p:cond delay="indefinite"/>
+                      </p:stCondLst>
+                      <p:childTnLst>
+                        <p:par>
+                          <p:cTn id="16" fill="hold">
+                            <p:stCondLst>
+                              <p:cond delay="0"/>
+                            </p:stCondLst>
+                            <p:childTnLst>
+                              <p:par>
+                                <p:cTn id="17" presetID="1" presetClass="entr" presetSubtype="0" fill="hold" nodeType="clickEffect">
+                                  <p:stCondLst>
+                                    <p:cond delay="0"/>
+                                  </p:stCondLst>
+                                  <p:childTnLst>
+                                    <p:set>
+                                      <p:cBhvr>
+                                        <p:cTn id="18" dur="1" fill="hold">
+                                          <p:stCondLst>
+                                            <p:cond delay="0"/>
+                                          </p:stCondLst>
+                                        </p:cTn>
+                                        <p:tgtEl>
+                                          <p:spTgt spid="24"/>
+                                        </p:tgtEl>
+                                        <p:attrNameLst>
+                                          <p:attrName>style.visibility</p:attrName>
+                                        </p:attrNameLst>
+                                      </p:cBhvr>
+                                      <p:to>
+                                        <p:strVal val="visible"/>
+                                      </p:to>
+                                    </p:set>
+                                  </p:childTnLst>
+                                </p:cTn>
+                              </p:par>
+                            </p:childTnLst>
+                          </p:cTn>
+                        </p:par>
+                      </p:childTnLst>
+                    </p:cTn>
+                  </p:par>
+                  <p:par>
+                    <p:cTn id="19" fill="hold">
+                      <p:stCondLst>
+                        <p:cond delay="indefinite"/>
+                      </p:stCondLst>
+                      <p:childTnLst>
+                        <p:par>
+                          <p:cTn id="20" fill="hold">
+                            <p:stCondLst>
+                              <p:cond delay="0"/>
+                            </p:stCondLst>
+                            <p:childTnLst>
+                              <p:par>
+                                <p:cTn id="21" presetID="1" presetClass="entr" presetSubtype="0" fill="hold" grpId="0" nodeType="clickEffect">
+                                  <p:stCondLst>
+                                    <p:cond delay="0"/>
+                                  </p:stCondLst>
+                                  <p:childTnLst>
+                                    <p:set>
+                                      <p:cBhvr>
+                                        <p:cTn id="22" dur="1" fill="hold">
+                                          <p:stCondLst>
+                                            <p:cond delay="0"/>
+                                          </p:stCondLst>
+                                        </p:cTn>
+                                        <p:tgtEl>
+                                          <p:spTgt spid="8"/>
+                                        </p:tgtEl>
+                                        <p:attrNameLst>
+                                          <p:attrName>style.visibility</p:attrName>
+                                        </p:attrNameLst>
+                                      </p:cBhvr>
+                                      <p:to>
+                                        <p:strVal val="visible"/>
+                                      </p:to>
+                                    </p:set>
+                                  </p:childTnLst>
+                                </p:cTn>
+                              </p:par>
+                            </p:childTnLst>
+                          </p:cTn>
+                        </p:par>
+                      </p:childTnLst>
+                    </p:cTn>
+                  </p:par>
+                  <p:par>
+                    <p:cTn id="23" fill="hold">
+                      <p:stCondLst>
+                        <p:cond delay="indefinite"/>
+                      </p:stCondLst>
+                      <p:childTnLst>
+                        <p:par>
+                          <p:cTn id="24" fill="hold">
+                            <p:stCondLst>
+                              <p:cond delay="0"/>
+                            </p:stCondLst>
+                            <p:childTnLst>
+                              <p:par>
+                                <p:cTn id="25" presetID="1" presetClass="entr" presetSubtype="0" fill="hold" grpId="0" nodeType="clickEffect">
+                                  <p:stCondLst>
+                                    <p:cond delay="0"/>
+                                  </p:stCondLst>
+                                  <p:childTnLst>
+                                    <p:set>
+                                      <p:cBhvr>
+                                        <p:cTn id="26" dur="1" fill="hold">
+                                          <p:stCondLst>
+                                            <p:cond delay="0"/>
+                                          </p:stCondLst>
+                                        </p:cTn>
+                                        <p:tgtEl>
+                                          <p:spTgt spid="38"/>
+                                        </p:tgtEl>
+                                        <p:attrNameLst>
+                                          <p:attrName>style.visibility</p:attrName>
+                                        </p:attrNameLst>
+                                      </p:cBhvr>
+                                      <p:to>
+                                        <p:strVal val="visible"/>
+                                      </p:to>
+                                    </p:set>
+                                  </p:childTnLst>
+                                </p:cTn>
+                              </p:par>
+                              <p:par>
+                                <p:cTn id="27" presetID="1" presetClass="entr" presetSubtype="0" fill="hold" grpId="0" nodeType="withEffect">
+                                  <p:stCondLst>
+                                    <p:cond delay="0"/>
+                                  </p:stCondLst>
+                                  <p:childTnLst>
+                                    <p:set>
+                                      <p:cBhvr>
+                                        <p:cTn id="28" dur="1" fill="hold">
+                                          <p:stCondLst>
+                                            <p:cond delay="0"/>
+                                          </p:stCondLst>
+                                        </p:cTn>
+                                        <p:tgtEl>
+                                          <p:spTgt spid="30"/>
+                                        </p:tgtEl>
+                                        <p:attrNameLst>
+                                          <p:attrName>style.visibility</p:attrName>
+                                        </p:attrNameLst>
+                                      </p:cBhvr>
+                                      <p:to>
+                                        <p:strVal val="visible"/>
+                                      </p:to>
+                                    </p:set>
+                                  </p:childTnLst>
+                                </p:cTn>
+                              </p:par>
+                            </p:childTnLst>
+                          </p:cTn>
+                        </p:par>
+                      </p:childTnLst>
+                    </p:cTn>
+                  </p:par>
+                  <p:par>
+                    <p:cTn id="29" fill="hold">
+                      <p:stCondLst>
+                        <p:cond delay="indefinite"/>
+                      </p:stCondLst>
+                      <p:childTnLst>
+                        <p:par>
+                          <p:cTn id="30" fill="hold">
+                            <p:stCondLst>
+                              <p:cond delay="0"/>
+                            </p:stCondLst>
+                            <p:childTnLst>
+                              <p:par>
+                                <p:cTn id="31" presetID="1" presetClass="entr" presetSubtype="0" fill="hold" grpId="0" nodeType="clickEffect">
+                                  <p:stCondLst>
+                                    <p:cond delay="0"/>
+                                  </p:stCondLst>
+                                  <p:childTnLst>
+                                    <p:set>
+                                      <p:cBhvr>
+                                        <p:cTn id="32" dur="1" fill="hold">
+                                          <p:stCondLst>
+                                            <p:cond delay="0"/>
+                                          </p:stCondLst>
+                                        </p:cTn>
+                                        <p:tgtEl>
+                                          <p:spTgt spid="39"/>
+                                        </p:tgtEl>
+                                        <p:attrNameLst>
+                                          <p:attrName>style.visibility</p:attrName>
+                                        </p:attrNameLst>
+                                      </p:cBhvr>
+                                      <p:to>
+                                        <p:strVal val="visible"/>
+                                      </p:to>
+                                    </p:set>
+                                  </p:childTnLst>
+                                </p:cTn>
+                              </p:par>
+                              <p:par>
+                                <p:cTn id="33" presetID="1" presetClass="entr" presetSubtype="0" fill="hold" grpId="0" nodeType="withEffect">
+                                  <p:stCondLst>
+                                    <p:cond delay="0"/>
+                                  </p:stCondLst>
+                                  <p:childTnLst>
+                                    <p:set>
+                                      <p:cBhvr>
+                                        <p:cTn id="34" dur="1" fill="hold">
+                                          <p:stCondLst>
+                                            <p:cond delay="0"/>
+                                          </p:stCondLst>
+                                        </p:cTn>
+                                        <p:tgtEl>
+                                          <p:spTgt spid="32"/>
+                                        </p:tgtEl>
+                                        <p:attrNameLst>
+                                          <p:attrName>style.visibility</p:attrName>
+                                        </p:attrNameLst>
+                                      </p:cBhvr>
+                                      <p:to>
+                                        <p:strVal val="visible"/>
+                                      </p:to>
+                                    </p:set>
+                                  </p:childTnLst>
+                                </p:cTn>
+                              </p:par>
+                            </p:childTnLst>
+                          </p:cTn>
+                        </p:par>
+                      </p:childTnLst>
+                    </p:cTn>
+                  </p:par>
+                  <p:par>
+                    <p:cTn id="35" fill="hold">
+                      <p:stCondLst>
+                        <p:cond delay="indefinite"/>
+                      </p:stCondLst>
+                      <p:childTnLst>
+                        <p:par>
+                          <p:cTn id="36" fill="hold">
+                            <p:stCondLst>
+                              <p:cond delay="0"/>
+                            </p:stCondLst>
+                            <p:childTnLst>
+                              <p:par>
+                                <p:cTn id="37" presetID="1" presetClass="entr" presetSubtype="0" fill="hold" grpId="0" nodeType="clickEffect">
+                                  <p:stCondLst>
+                                    <p:cond delay="0"/>
+                                  </p:stCondLst>
+                                  <p:childTnLst>
+                                    <p:set>
+                                      <p:cBhvr>
+                                        <p:cTn id="38" dur="1" fill="hold">
+                                          <p:stCondLst>
+                                            <p:cond delay="0"/>
+                                          </p:stCondLst>
+                                        </p:cTn>
+                                        <p:tgtEl>
+                                          <p:spTgt spid="27"/>
+                                        </p:tgtEl>
+                                        <p:attrNameLst>
+                                          <p:attrName>style.visibility</p:attrName>
+                                        </p:attrNameLst>
+                                      </p:cBhvr>
+                                      <p:to>
+                                        <p:strVal val="visible"/>
+                                      </p:to>
+                                    </p:set>
+                                  </p:childTnLst>
+                                </p:cTn>
+                              </p:par>
+                            </p:childTnLst>
+                          </p:cTn>
+                        </p:par>
+                      </p:childTnLst>
+                    </p:cTn>
+                  </p:par>
+                  <p:par>
+                    <p:cTn id="39" fill="hold">
+                      <p:stCondLst>
+                        <p:cond delay="indefinite"/>
+                      </p:stCondLst>
+                      <p:childTnLst>
+                        <p:par>
+                          <p:cTn id="40" fill="hold">
+                            <p:stCondLst>
+                              <p:cond delay="0"/>
+                            </p:stCondLst>
+                            <p:childTnLst>
+                              <p:par>
+                                <p:cTn id="41" presetID="1" presetClass="entr" presetSubtype="0" fill="hold" grpId="0" nodeType="clickEffect">
+                                  <p:stCondLst>
+                                    <p:cond delay="0"/>
+                                  </p:stCondLst>
+                                  <p:childTnLst>
+                                    <p:set>
+                                      <p:cBhvr>
+                                        <p:cTn id="42" dur="1" fill="hold">
+                                          <p:stCondLst>
+                                            <p:cond delay="0"/>
+                                          </p:stCondLst>
+                                        </p:cTn>
+                                        <p:tgtEl>
+                                          <p:spTgt spid="28"/>
+                                        </p:tgtEl>
+                                        <p:attrNameLst>
+                                          <p:attrName>style.visibility</p:attrName>
+                                        </p:attrNameLst>
+                                      </p:cBhvr>
+                                      <p:to>
+                                        <p:strVal val="visible"/>
+                                      </p:to>
+                                    </p:set>
+                                  </p:childTnLst>
+                                </p:cTn>
+                              </p:par>
+                            </p:childTnLst>
+                          </p:cTn>
+                        </p:par>
+                      </p:childTnLst>
+                    </p:cTn>
+                  </p:par>
+                  <p:par>
+                    <p:cTn id="43" fill="hold">
+                      <p:stCondLst>
+                        <p:cond delay="indefinite"/>
+                      </p:stCondLst>
+                      <p:childTnLst>
+                        <p:par>
+                          <p:cTn id="44" fill="hold">
+                            <p:stCondLst>
+                              <p:cond delay="0"/>
+                            </p:stCondLst>
+                            <p:childTnLst>
+                              <p:par>
+                                <p:cTn id="45" presetID="1" presetClass="entr" presetSubtype="0" fill="hold" grpId="0" nodeType="clickEffect">
+                                  <p:stCondLst>
+                                    <p:cond delay="0"/>
+                                  </p:stCondLst>
+                                  <p:childTnLst>
+                                    <p:set>
+                                      <p:cBhvr>
+                                        <p:cTn id="46" dur="1" fill="hold">
+                                          <p:stCondLst>
+                                            <p:cond delay="0"/>
+                                          </p:stCondLst>
+                                        </p:cTn>
+                                        <p:tgtEl>
+                                          <p:spTgt spid="34"/>
+                                        </p:tgtEl>
+                                        <p:attrNameLst>
+                                          <p:attrName>style.visibility</p:attrName>
+                                        </p:attrNameLst>
+                                      </p:cBhvr>
+                                      <p:to>
+                                        <p:strVal val="visible"/>
+                                      </p:to>
+                                    </p:set>
+                                  </p:childTnLst>
+                                </p:cTn>
+                              </p:par>
+                              <p:par>
+                                <p:cTn id="47" presetID="1" presetClass="entr" presetSubtype="0" fill="hold" grpId="0" nodeType="withEffect">
+                                  <p:stCondLst>
+                                    <p:cond delay="0"/>
+                                  </p:stCondLst>
+                                  <p:childTnLst>
+                                    <p:set>
+                                      <p:cBhvr>
+                                        <p:cTn id="48" dur="1" fill="hold">
+                                          <p:stCondLst>
+                                            <p:cond delay="0"/>
+                                          </p:stCondLst>
+                                        </p:cTn>
+                                        <p:tgtEl>
+                                          <p:spTgt spid="43"/>
+                                        </p:tgtEl>
+                                        <p:attrNameLst>
+                                          <p:attrName>style.visibility</p:attrName>
+                                        </p:attrNameLst>
+                                      </p:cBhvr>
+                                      <p:to>
+                                        <p:strVal val="visible"/>
+                                      </p:to>
+                                    </p:set>
+                                  </p:childTnLst>
+                                </p:cTn>
+                              </p:par>
+                            </p:childTnLst>
+                          </p:cTn>
+                        </p:par>
+                      </p:childTnLst>
+                    </p:cTn>
+                  </p:par>
+                  <p:par>
+                    <p:cTn id="49" fill="hold">
+                      <p:stCondLst>
+                        <p:cond delay="indefinite"/>
+                      </p:stCondLst>
+                      <p:childTnLst>
+                        <p:par>
+                          <p:cTn id="50" fill="hold">
+                            <p:stCondLst>
+                              <p:cond delay="0"/>
+                            </p:stCondLst>
+                            <p:childTnLst>
+                              <p:par>
+                                <p:cTn id="51" presetID="1" presetClass="entr" presetSubtype="0" fill="hold" grpId="0" nodeType="clickEffect">
+                                  <p:stCondLst>
+                                    <p:cond delay="0"/>
+                                  </p:stCondLst>
+                                  <p:childTnLst>
+                                    <p:set>
+                                      <p:cBhvr>
+                                        <p:cTn id="52" dur="1" fill="hold">
+                                          <p:stCondLst>
+                                            <p:cond delay="0"/>
+                                          </p:stCondLst>
+                                        </p:cTn>
+                                        <p:tgtEl>
+                                          <p:spTgt spid="36"/>
+                                        </p:tgtEl>
+                                        <p:attrNameLst>
+                                          <p:attrName>style.visibility</p:attrName>
+                                        </p:attrNameLst>
+                                      </p:cBhvr>
+                                      <p:to>
+                                        <p:strVal val="visible"/>
+                                      </p:to>
+                                    </p:set>
+                                  </p:childTnLst>
+                                </p:cTn>
+                              </p:par>
+                              <p:par>
+                                <p:cTn id="53" presetID="1" presetClass="entr" presetSubtype="0" fill="hold" grpId="0" nodeType="withEffect">
+                                  <p:stCondLst>
+                                    <p:cond delay="0"/>
+                                  </p:stCondLst>
+                                  <p:childTnLst>
+                                    <p:set>
+                                      <p:cBhvr>
+                                        <p:cTn id="54" dur="1" fill="hold">
+                                          <p:stCondLst>
+                                            <p:cond delay="0"/>
+                                          </p:stCondLst>
+                                        </p:cTn>
+                                        <p:tgtEl>
+                                          <p:spTgt spid="44"/>
+                                        </p:tgtEl>
+                                        <p:attrNameLst>
+                                          <p:attrName>style.visibility</p:attrName>
+                                        </p:attrNameLst>
+                                      </p:cBhvr>
+                                      <p:to>
+                                        <p:strVal val="visible"/>
+                                      </p:to>
+                                    </p:set>
+                                  </p:childTnLst>
+                                </p:cTn>
+                              </p:par>
+                            </p:childTnLst>
+                          </p:cTn>
+                        </p:par>
+                      </p:childTnLst>
+                    </p:cTn>
+                  </p:par>
+                  <p:par>
+                    <p:cTn id="55" fill="hold">
+                      <p:stCondLst>
+                        <p:cond delay="indefinite"/>
+                      </p:stCondLst>
+                      <p:childTnLst>
+                        <p:par>
+                          <p:cTn id="56" fill="hold">
+                            <p:stCondLst>
+                              <p:cond delay="0"/>
+                            </p:stCondLst>
+                            <p:childTnLst>
+                              <p:par>
+                                <p:cTn id="57" presetID="1" presetClass="entr" presetSubtype="0" fill="hold" grpId="0" nodeType="clickEffect">
+                                  <p:stCondLst>
+                                    <p:cond delay="0"/>
+                                  </p:stCondLst>
+                                  <p:childTnLst>
+                                    <p:set>
+                                      <p:cBhvr>
+                                        <p:cTn id="58" dur="1" fill="hold">
+                                          <p:stCondLst>
+                                            <p:cond delay="0"/>
+                                          </p:stCondLst>
+                                        </p:cTn>
+                                        <p:tgtEl>
+                                          <p:spTgt spid="37"/>
+                                        </p:tgtEl>
+                                        <p:attrNameLst>
+                                          <p:attrName>style.visibility</p:attrName>
+                                        </p:attrNameLst>
+                                      </p:cBhvr>
+                                      <p:to>
+                                        <p:strVal val="visible"/>
+                                      </p:to>
+                                    </p:set>
+                                  </p:childTnLst>
+                                </p:cTn>
+                              </p:par>
+                              <p:par>
+                                <p:cTn id="59" presetID="1" presetClass="entr" presetSubtype="0" fill="hold" grpId="0" nodeType="withEffect">
+                                  <p:stCondLst>
+                                    <p:cond delay="0"/>
+                                  </p:stCondLst>
+                                  <p:childTnLst>
+                                    <p:set>
+                                      <p:cBhvr>
+                                        <p:cTn id="60" dur="1" fill="hold">
+                                          <p:stCondLst>
+                                            <p:cond delay="0"/>
+                                          </p:stCondLst>
+                                        </p:cTn>
+                                        <p:tgtEl>
+                                          <p:spTgt spid="45"/>
+                                        </p:tgtEl>
+                                        <p:attrNameLst>
+                                          <p:attrName>style.visibility</p:attrName>
+                                        </p:attrNameLst>
+                                      </p:cBhvr>
+                                      <p:to>
+                                        <p:strVal val="visible"/>
+                                      </p:to>
+                                    </p:set>
+                                  </p:childTnLst>
+                                </p:cTn>
+                              </p:par>
+                            </p:childTnLst>
+                          </p:cTn>
+                        </p:par>
+                      </p:childTnLst>
+                    </p:cTn>
+                  </p:par>
+                </p:childTnLst>
+              </p:cTn>
+              <p:prevCondLst>
+                <p:cond evt="onPrev" delay="0">
+                  <p:tgtEl>
+                    <p:sldTgt/>
+                  </p:tgtEl>
+                </p:cond>
+              </p:prevCondLst>
+              <p:nextCondLst>
+                <p:cond evt="onNext" delay="0">
+                  <p:tgtEl>
+                    <p:sldTgt/>
+                  </p:tgtEl>
+                </p:cond>
+              </p:nextCondLst>
+            </p:seq>
+          </p:childTnLst>
+        </p:cTn>
+      </p:par>
+    </p:tnLst>
+    <p:bldLst>
+      <p:bldP spid="8" grpId="0"/>
+      <p:bldP spid="11" grpId="0"/>
+      <p:bldP spid="12" grpId="0"/>
+      <p:bldP spid="27" grpId="0" animBg="1"/>
+      <p:bldP spid="28" grpId="0"/>
+      <p:bldP spid="30" grpId="0"/>
+      <p:bldP spid="32" grpId="0"/>
+      <p:bldP spid="34" grpId="0"/>
+      <p:bldP spid="36" grpId="0"/>
+      <p:bldP spid="37" grpId="0"/>
+      <p:bldP spid="38" grpId="0"/>
+      <p:bldP spid="39" grpId="0"/>
+      <p:bldP spid="43" grpId="0"/>
+      <p:bldP spid="44" grpId="0"/>
+      <p:bldP spid="45" grpId="0"/>
+    </p:bldLst>
+  </p:timing>
 </p:sld>
 </file>
 
@@ -6673,10 +8705,10 @@
       </p:grpSpPr>
       <p:pic>
         <p:nvPicPr>
-          <p:cNvPr id="4" name="Graphic 1">
-            <a:extLst>
-              <a:ext uri="{FF2B5EF4-FFF2-40B4-BE49-F238E27FC236}">
-                <a16:creationId xmlns:a16="http://schemas.microsoft.com/office/drawing/2014/main" id="{D4E2A8A5-7B9A-9FCE-2C0C-40115BB72542}"/>
+          <p:cNvPr id="11" name="Grafik 10" descr="Ein Bild, das Diagramm, Reihe, Text enthält.&#10;&#10;Automatisch generierte Beschreibung">
+            <a:extLst>
+              <a:ext uri="{FF2B5EF4-FFF2-40B4-BE49-F238E27FC236}">
+                <a16:creationId xmlns:a16="http://schemas.microsoft.com/office/drawing/2014/main" id="{F0C49266-73A7-D922-78ED-C8347C7086DF}"/>
               </a:ext>
             </a:extLst>
           </p:cNvPr>
@@ -6691,8 +8723,44 @@
               <a:ext uri="{28A0092B-C50C-407E-A947-70E740481C1C}">
                 <a14:useLocalDpi xmlns:a14="http://schemas.microsoft.com/office/drawing/2010/main" val="0"/>
               </a:ext>
+            </a:extLst>
+          </a:blip>
+          <a:stretch>
+            <a:fillRect/>
+          </a:stretch>
+        </p:blipFill>
+        <p:spPr>
+          <a:xfrm>
+            <a:off x="-258271" y="1225607"/>
+            <a:ext cx="12708542" cy="5348580"/>
+          </a:xfrm>
+          <a:prstGeom prst="rect">
+            <a:avLst/>
+          </a:prstGeom>
+        </p:spPr>
+      </p:pic>
+      <p:pic>
+        <p:nvPicPr>
+          <p:cNvPr id="4" name="Graphic 1">
+            <a:extLst>
+              <a:ext uri="{FF2B5EF4-FFF2-40B4-BE49-F238E27FC236}">
+                <a16:creationId xmlns:a16="http://schemas.microsoft.com/office/drawing/2014/main" id="{D4E2A8A5-7B9A-9FCE-2C0C-40115BB72542}"/>
+              </a:ext>
+            </a:extLst>
+          </p:cNvPr>
+          <p:cNvPicPr>
+            <a:picLocks noChangeAspect="1"/>
+          </p:cNvPicPr>
+          <p:nvPr/>
+        </p:nvPicPr>
+        <p:blipFill>
+          <a:blip r:embed="rId4">
+            <a:extLst>
+              <a:ext uri="{28A0092B-C50C-407E-A947-70E740481C1C}">
+                <a14:useLocalDpi xmlns:a14="http://schemas.microsoft.com/office/drawing/2010/main" val="0"/>
+              </a:ext>
               <a:ext uri="{96DAC541-7B7A-43D3-8B79-37D633B846F1}">
-                <asvg:svgBlip xmlns:asvg="http://schemas.microsoft.com/office/drawing/2016/SVG/main" r:embed="rId4"/>
+                <asvg:svgBlip xmlns:asvg="http://schemas.microsoft.com/office/drawing/2016/SVG/main" r:embed="rId5"/>
               </a:ext>
             </a:extLst>
           </a:blip>
@@ -6812,7 +8880,7 @@
                 <a:ea typeface="Times New Roman" panose="02020603050405020304" pitchFamily="18" charset="0"/>
                 <a:cs typeface="Times New Roman" panose="02020603050405020304" pitchFamily="18" charset="0"/>
               </a:rPr>
-              <a:t>Markov-Analyse</a:t>
+              <a:t>Rheinmetall</a:t>
             </a:r>
             <a:r>
               <a:rPr lang="de-DE" sz="2800" b="1" dirty="0">
@@ -6820,5125 +8888,25 @@
                 <a:ea typeface="Times New Roman" panose="02020603050405020304" pitchFamily="18" charset="0"/>
                 <a:cs typeface="Times New Roman" panose="02020603050405020304" pitchFamily="18" charset="0"/>
               </a:rPr>
-              <a:t> – Pseudocode /Erklärung</a:t>
+              <a:t> - </a:t>
+            </a:r>
+            <a:r>
+              <a:rPr lang="de-DE" sz="2800" b="1" dirty="0">
+                <a:effectLst/>
+                <a:latin typeface="Times New Roman" panose="02020603050405020304" pitchFamily="18" charset="0"/>
+                <a:ea typeface="Times New Roman" panose="02020603050405020304" pitchFamily="18" charset="0"/>
+                <a:cs typeface="Times New Roman" panose="02020603050405020304" pitchFamily="18" charset="0"/>
+              </a:rPr>
+              <a:t> Markov Analyse</a:t>
             </a:r>
             <a:endParaRPr lang="de-DE" sz="2800" dirty="0"/>
-          </a:p>
-        </p:txBody>
-      </p:sp>
-      <p:sp>
-        <p:nvSpPr>
-          <p:cNvPr id="2" name="Rectangle 1">
-            <a:extLst>
-              <a:ext uri="{FF2B5EF4-FFF2-40B4-BE49-F238E27FC236}">
-                <a16:creationId xmlns:a16="http://schemas.microsoft.com/office/drawing/2014/main" id="{D3C4E6D1-3578-CFD2-13B4-932EF2058131}"/>
-              </a:ext>
-            </a:extLst>
-          </p:cNvPr>
-          <p:cNvSpPr>
-            <a:spLocks noChangeArrowheads="1"/>
-          </p:cNvSpPr>
-          <p:nvPr/>
-        </p:nvSpPr>
-        <p:spPr bwMode="auto">
-          <a:xfrm>
-            <a:off x="901337" y="1539025"/>
-            <a:ext cx="10058400" cy="7155805"/>
-          </a:xfrm>
-          <a:prstGeom prst="rect">
-            <a:avLst/>
-          </a:prstGeom>
-          <a:solidFill>
-            <a:srgbClr val="0F111A"/>
-          </a:solidFill>
-          <a:ln>
-            <a:noFill/>
-          </a:ln>
-          <a:effectLst/>
-          <a:extLst>
-            <a:ext uri="{91240B29-F687-4F45-9708-019B960494DF}">
-              <a14:hiddenLine xmlns:a14="http://schemas.microsoft.com/office/drawing/2010/main" w="9525">
-                <a:solidFill>
-                  <a:schemeClr val="tx1"/>
-                </a:solidFill>
-                <a:miter lim="800000"/>
-                <a:headEnd/>
-                <a:tailEnd/>
-              </a14:hiddenLine>
-            </a:ext>
-            <a:ext uri="{AF507438-7753-43E0-B8FC-AC1667EBCBE1}">
-              <a14:hiddenEffects xmlns:a14="http://schemas.microsoft.com/office/drawing/2010/main">
-                <a:effectLst>
-                  <a:outerShdw dist="35921" dir="2700000" algn="ctr" rotWithShape="0">
-                    <a:schemeClr val="bg2"/>
-                  </a:outerShdw>
-                </a:effectLst>
-              </a14:hiddenEffects>
-            </a:ext>
-          </a:extLst>
-        </p:spPr>
-        <p:txBody>
-          <a:bodyPr vert="horz" wrap="square" lIns="91440" tIns="45720" rIns="91440" bIns="45720" numCol="1" anchor="ctr" anchorCtr="0" compatLnSpc="1">
-            <a:prstTxWarp prst="textNoShape">
-              <a:avLst/>
-            </a:prstTxWarp>
-            <a:spAutoFit/>
-          </a:bodyPr>
-          <a:lstStyle/>
-          <a:p>
-            <a:pPr marL="0" marR="0" lvl="0" indent="0" algn="l" defTabSz="914400" rtl="0" eaLnBrk="0" fontAlgn="base" latinLnBrk="0" hangingPunct="0">
-              <a:lnSpc>
-                <a:spcPct val="100000"/>
-              </a:lnSpc>
-              <a:spcBef>
-                <a:spcPct val="0"/>
-              </a:spcBef>
-              <a:spcAft>
-                <a:spcPct val="0"/>
-              </a:spcAft>
-              <a:buClrTx/>
-              <a:buSzTx/>
-              <a:buFontTx/>
-              <a:buNone/>
-              <a:tabLst/>
-            </a:pPr>
-            <a:r>
-              <a:rPr kumimoji="0" lang="de-DE" altLang="de-DE" sz="900" b="0" i="1" u="none" strike="noStrike" cap="none" normalizeH="0" baseline="0" dirty="0" err="1">
-                <a:ln>
-                  <a:noFill/>
-                </a:ln>
-                <a:solidFill>
-                  <a:srgbClr val="C792EA"/>
-                </a:solidFill>
-                <a:effectLst/>
-                <a:latin typeface="JetBrains Mono"/>
-              </a:rPr>
-              <a:t>import</a:t>
-            </a:r>
-            <a:r>
-              <a:rPr kumimoji="0" lang="de-DE" altLang="de-DE" sz="900" b="0" i="1" u="none" strike="noStrike" cap="none" normalizeH="0" baseline="0" dirty="0">
-                <a:ln>
-                  <a:noFill/>
-                </a:ln>
-                <a:solidFill>
-                  <a:srgbClr val="C792EA"/>
-                </a:solidFill>
-                <a:effectLst/>
-                <a:latin typeface="JetBrains Mono"/>
-              </a:rPr>
-              <a:t> </a:t>
-            </a:r>
-            <a:r>
-              <a:rPr kumimoji="0" lang="de-DE" altLang="de-DE" sz="900" b="0" i="0" u="none" strike="noStrike" cap="none" normalizeH="0" baseline="0" dirty="0" err="1">
-                <a:ln>
-                  <a:noFill/>
-                </a:ln>
-                <a:solidFill>
-                  <a:srgbClr val="C3CEE3"/>
-                </a:solidFill>
-                <a:effectLst/>
-                <a:latin typeface="JetBrains Mono"/>
-              </a:rPr>
-              <a:t>random</a:t>
-            </a:r>
-            <a:br>
-              <a:rPr kumimoji="0" lang="de-DE" altLang="de-DE" sz="900" b="0" i="0" u="none" strike="noStrike" cap="none" normalizeH="0" baseline="0" dirty="0">
-                <a:ln>
-                  <a:noFill/>
-                </a:ln>
-                <a:solidFill>
-                  <a:srgbClr val="C3CEE3"/>
-                </a:solidFill>
-                <a:effectLst/>
-                <a:latin typeface="JetBrains Mono"/>
-              </a:rPr>
-            </a:br>
-            <a:r>
-              <a:rPr kumimoji="0" lang="de-DE" altLang="de-DE" sz="900" b="0" i="1" u="none" strike="noStrike" cap="none" normalizeH="0" baseline="0" dirty="0" err="1">
-                <a:ln>
-                  <a:noFill/>
-                </a:ln>
-                <a:solidFill>
-                  <a:srgbClr val="C792EA"/>
-                </a:solidFill>
-                <a:effectLst/>
-                <a:latin typeface="JetBrains Mono"/>
-              </a:rPr>
-              <a:t>import</a:t>
-            </a:r>
-            <a:r>
-              <a:rPr kumimoji="0" lang="de-DE" altLang="de-DE" sz="900" b="0" i="1" u="none" strike="noStrike" cap="none" normalizeH="0" baseline="0" dirty="0">
-                <a:ln>
-                  <a:noFill/>
-                </a:ln>
-                <a:solidFill>
-                  <a:srgbClr val="C792EA"/>
-                </a:solidFill>
-                <a:effectLst/>
-                <a:latin typeface="JetBrains Mono"/>
-              </a:rPr>
-              <a:t> </a:t>
-            </a:r>
-            <a:r>
-              <a:rPr kumimoji="0" lang="de-DE" altLang="de-DE" sz="900" b="0" i="0" u="none" strike="noStrike" cap="none" normalizeH="0" baseline="0" dirty="0" err="1">
-                <a:ln>
-                  <a:noFill/>
-                </a:ln>
-                <a:solidFill>
-                  <a:srgbClr val="C3CEE3"/>
-                </a:solidFill>
-                <a:effectLst/>
-                <a:latin typeface="JetBrains Mono"/>
-              </a:rPr>
-              <a:t>numpy</a:t>
-            </a:r>
-            <a:r>
-              <a:rPr kumimoji="0" lang="de-DE" altLang="de-DE" sz="900" b="0" i="0" u="none" strike="noStrike" cap="none" normalizeH="0" baseline="0" dirty="0">
-                <a:ln>
-                  <a:noFill/>
-                </a:ln>
-                <a:solidFill>
-                  <a:srgbClr val="C3CEE3"/>
-                </a:solidFill>
-                <a:effectLst/>
-                <a:latin typeface="JetBrains Mono"/>
-              </a:rPr>
-              <a:t> </a:t>
-            </a:r>
-            <a:r>
-              <a:rPr kumimoji="0" lang="de-DE" altLang="de-DE" sz="900" b="0" i="1" u="none" strike="noStrike" cap="none" normalizeH="0" baseline="0" dirty="0" err="1">
-                <a:ln>
-                  <a:noFill/>
-                </a:ln>
-                <a:solidFill>
-                  <a:srgbClr val="C792EA"/>
-                </a:solidFill>
-                <a:effectLst/>
-                <a:latin typeface="JetBrains Mono"/>
-              </a:rPr>
-              <a:t>as</a:t>
-            </a:r>
-            <a:r>
-              <a:rPr kumimoji="0" lang="de-DE" altLang="de-DE" sz="900" b="0" i="1" u="none" strike="noStrike" cap="none" normalizeH="0" baseline="0" dirty="0">
-                <a:ln>
-                  <a:noFill/>
-                </a:ln>
-                <a:solidFill>
-                  <a:srgbClr val="C792EA"/>
-                </a:solidFill>
-                <a:effectLst/>
-                <a:latin typeface="JetBrains Mono"/>
-              </a:rPr>
-              <a:t> </a:t>
-            </a:r>
-            <a:r>
-              <a:rPr kumimoji="0" lang="de-DE" altLang="de-DE" sz="900" b="0" i="0" u="none" strike="noStrike" cap="none" normalizeH="0" baseline="0" dirty="0" err="1">
-                <a:ln>
-                  <a:noFill/>
-                </a:ln>
-                <a:solidFill>
-                  <a:srgbClr val="C3CEE3"/>
-                </a:solidFill>
-                <a:effectLst/>
-                <a:latin typeface="JetBrains Mono"/>
-              </a:rPr>
-              <a:t>np</a:t>
-            </a:r>
-            <a:br>
-              <a:rPr kumimoji="0" lang="de-DE" altLang="de-DE" sz="900" b="0" i="0" u="none" strike="noStrike" cap="none" normalizeH="0" baseline="0" dirty="0">
-                <a:ln>
-                  <a:noFill/>
-                </a:ln>
-                <a:solidFill>
-                  <a:srgbClr val="C3CEE3"/>
-                </a:solidFill>
-                <a:effectLst/>
-                <a:latin typeface="JetBrains Mono"/>
-              </a:rPr>
-            </a:br>
-            <a:r>
-              <a:rPr kumimoji="0" lang="de-DE" altLang="de-DE" sz="900" b="0" i="1" u="none" strike="noStrike" cap="none" normalizeH="0" baseline="0" dirty="0" err="1">
-                <a:ln>
-                  <a:noFill/>
-                </a:ln>
-                <a:solidFill>
-                  <a:srgbClr val="C792EA"/>
-                </a:solidFill>
-                <a:effectLst/>
-                <a:latin typeface="JetBrains Mono"/>
-              </a:rPr>
-              <a:t>import</a:t>
-            </a:r>
-            <a:r>
-              <a:rPr kumimoji="0" lang="de-DE" altLang="de-DE" sz="900" b="0" i="1" u="none" strike="noStrike" cap="none" normalizeH="0" baseline="0" dirty="0">
-                <a:ln>
-                  <a:noFill/>
-                </a:ln>
-                <a:solidFill>
-                  <a:srgbClr val="C792EA"/>
-                </a:solidFill>
-                <a:effectLst/>
-                <a:latin typeface="JetBrains Mono"/>
-              </a:rPr>
-              <a:t> </a:t>
-            </a:r>
-            <a:r>
-              <a:rPr kumimoji="0" lang="de-DE" altLang="de-DE" sz="900" b="0" i="0" u="none" strike="noStrike" cap="none" normalizeH="0" baseline="0" dirty="0" err="1">
-                <a:ln>
-                  <a:noFill/>
-                </a:ln>
-                <a:solidFill>
-                  <a:srgbClr val="C3CEE3"/>
-                </a:solidFill>
-                <a:effectLst/>
-                <a:latin typeface="JetBrains Mono"/>
-              </a:rPr>
-              <a:t>matplotlib</a:t>
-            </a:r>
-            <a:r>
-              <a:rPr kumimoji="0" lang="de-DE" altLang="de-DE" sz="900" b="0" i="0" u="none" strike="noStrike" cap="none" normalizeH="0" baseline="0" dirty="0" err="1">
-                <a:ln>
-                  <a:noFill/>
-                </a:ln>
-                <a:solidFill>
-                  <a:srgbClr val="89DDFF"/>
-                </a:solidFill>
-                <a:effectLst/>
-                <a:latin typeface="JetBrains Mono"/>
-              </a:rPr>
-              <a:t>.</a:t>
-            </a:r>
-            <a:r>
-              <a:rPr kumimoji="0" lang="de-DE" altLang="de-DE" sz="900" b="0" i="0" u="none" strike="noStrike" cap="none" normalizeH="0" baseline="0" dirty="0" err="1">
-                <a:ln>
-                  <a:noFill/>
-                </a:ln>
-                <a:solidFill>
-                  <a:srgbClr val="C3CEE3"/>
-                </a:solidFill>
-                <a:effectLst/>
-                <a:latin typeface="JetBrains Mono"/>
-              </a:rPr>
-              <a:t>pyplot</a:t>
-            </a:r>
-            <a:r>
-              <a:rPr kumimoji="0" lang="de-DE" altLang="de-DE" sz="900" b="0" i="0" u="none" strike="noStrike" cap="none" normalizeH="0" baseline="0" dirty="0">
-                <a:ln>
-                  <a:noFill/>
-                </a:ln>
-                <a:solidFill>
-                  <a:srgbClr val="C3CEE3"/>
-                </a:solidFill>
-                <a:effectLst/>
-                <a:latin typeface="JetBrains Mono"/>
-              </a:rPr>
-              <a:t> </a:t>
-            </a:r>
-            <a:r>
-              <a:rPr kumimoji="0" lang="de-DE" altLang="de-DE" sz="900" b="0" i="1" u="none" strike="noStrike" cap="none" normalizeH="0" baseline="0" dirty="0" err="1">
-                <a:ln>
-                  <a:noFill/>
-                </a:ln>
-                <a:solidFill>
-                  <a:srgbClr val="C792EA"/>
-                </a:solidFill>
-                <a:effectLst/>
-                <a:latin typeface="JetBrains Mono"/>
-              </a:rPr>
-              <a:t>as</a:t>
-            </a:r>
-            <a:r>
-              <a:rPr kumimoji="0" lang="de-DE" altLang="de-DE" sz="900" b="0" i="1" u="none" strike="noStrike" cap="none" normalizeH="0" baseline="0" dirty="0">
-                <a:ln>
-                  <a:noFill/>
-                </a:ln>
-                <a:solidFill>
-                  <a:srgbClr val="C792EA"/>
-                </a:solidFill>
-                <a:effectLst/>
-                <a:latin typeface="JetBrains Mono"/>
-              </a:rPr>
-              <a:t> </a:t>
-            </a:r>
-            <a:r>
-              <a:rPr kumimoji="0" lang="de-DE" altLang="de-DE" sz="900" b="0" i="0" u="none" strike="noStrike" cap="none" normalizeH="0" baseline="0" dirty="0" err="1">
-                <a:ln>
-                  <a:noFill/>
-                </a:ln>
-                <a:solidFill>
-                  <a:srgbClr val="C3CEE3"/>
-                </a:solidFill>
-                <a:effectLst/>
-                <a:latin typeface="JetBrains Mono"/>
-              </a:rPr>
-              <a:t>plt</a:t>
-            </a:r>
-            <a:br>
-              <a:rPr kumimoji="0" lang="de-DE" altLang="de-DE" sz="900" b="0" i="0" u="none" strike="noStrike" cap="none" normalizeH="0" baseline="0" dirty="0">
-                <a:ln>
-                  <a:noFill/>
-                </a:ln>
-                <a:solidFill>
-                  <a:srgbClr val="C3CEE3"/>
-                </a:solidFill>
-                <a:effectLst/>
-                <a:latin typeface="JetBrains Mono"/>
-              </a:rPr>
-            </a:br>
-            <a:r>
-              <a:rPr kumimoji="0" lang="de-DE" altLang="de-DE" sz="900" b="0" i="1" u="none" strike="noStrike" cap="none" normalizeH="0" baseline="0" dirty="0" err="1">
-                <a:ln>
-                  <a:noFill/>
-                </a:ln>
-                <a:solidFill>
-                  <a:srgbClr val="C792EA"/>
-                </a:solidFill>
-                <a:effectLst/>
-                <a:latin typeface="JetBrains Mono"/>
-              </a:rPr>
-              <a:t>from</a:t>
-            </a:r>
-            <a:r>
-              <a:rPr kumimoji="0" lang="de-DE" altLang="de-DE" sz="900" b="0" i="1" u="none" strike="noStrike" cap="none" normalizeH="0" baseline="0" dirty="0">
-                <a:ln>
-                  <a:noFill/>
-                </a:ln>
-                <a:solidFill>
-                  <a:srgbClr val="C792EA"/>
-                </a:solidFill>
-                <a:effectLst/>
-                <a:latin typeface="JetBrains Mono"/>
-              </a:rPr>
-              <a:t> </a:t>
-            </a:r>
-            <a:r>
-              <a:rPr kumimoji="0" lang="de-DE" altLang="de-DE" sz="900" b="0" i="0" u="none" strike="noStrike" cap="none" normalizeH="0" baseline="0" dirty="0" err="1">
-                <a:ln>
-                  <a:noFill/>
-                </a:ln>
-                <a:solidFill>
-                  <a:srgbClr val="C3CEE3"/>
-                </a:solidFill>
-                <a:effectLst/>
-                <a:latin typeface="JetBrains Mono"/>
-              </a:rPr>
-              <a:t>scipy</a:t>
-            </a:r>
-            <a:r>
-              <a:rPr kumimoji="0" lang="de-DE" altLang="de-DE" sz="900" b="0" i="0" u="none" strike="noStrike" cap="none" normalizeH="0" baseline="0" dirty="0" err="1">
-                <a:ln>
-                  <a:noFill/>
-                </a:ln>
-                <a:solidFill>
-                  <a:srgbClr val="89DDFF"/>
-                </a:solidFill>
-                <a:effectLst/>
-                <a:latin typeface="JetBrains Mono"/>
-              </a:rPr>
-              <a:t>.</a:t>
-            </a:r>
-            <a:r>
-              <a:rPr kumimoji="0" lang="de-DE" altLang="de-DE" sz="900" b="0" i="0" u="none" strike="noStrike" cap="none" normalizeH="0" baseline="0" dirty="0" err="1">
-                <a:ln>
-                  <a:noFill/>
-                </a:ln>
-                <a:solidFill>
-                  <a:srgbClr val="C3CEE3"/>
-                </a:solidFill>
-                <a:effectLst/>
-                <a:latin typeface="JetBrains Mono"/>
-              </a:rPr>
-              <a:t>stats</a:t>
-            </a:r>
-            <a:r>
-              <a:rPr kumimoji="0" lang="de-DE" altLang="de-DE" sz="900" b="0" i="0" u="none" strike="noStrike" cap="none" normalizeH="0" baseline="0" dirty="0">
-                <a:ln>
-                  <a:noFill/>
-                </a:ln>
-                <a:solidFill>
-                  <a:srgbClr val="C3CEE3"/>
-                </a:solidFill>
-                <a:effectLst/>
-                <a:latin typeface="JetBrains Mono"/>
-              </a:rPr>
-              <a:t> </a:t>
-            </a:r>
-            <a:r>
-              <a:rPr kumimoji="0" lang="de-DE" altLang="de-DE" sz="900" b="0" i="1" u="none" strike="noStrike" cap="none" normalizeH="0" baseline="0" dirty="0" err="1">
-                <a:ln>
-                  <a:noFill/>
-                </a:ln>
-                <a:solidFill>
-                  <a:srgbClr val="C792EA"/>
-                </a:solidFill>
-                <a:effectLst/>
-                <a:latin typeface="JetBrains Mono"/>
-              </a:rPr>
-              <a:t>import</a:t>
-            </a:r>
-            <a:r>
-              <a:rPr kumimoji="0" lang="de-DE" altLang="de-DE" sz="900" b="0" i="1" u="none" strike="noStrike" cap="none" normalizeH="0" baseline="0" dirty="0">
-                <a:ln>
-                  <a:noFill/>
-                </a:ln>
-                <a:solidFill>
-                  <a:srgbClr val="C792EA"/>
-                </a:solidFill>
-                <a:effectLst/>
-                <a:latin typeface="JetBrains Mono"/>
-              </a:rPr>
-              <a:t> </a:t>
-            </a:r>
-            <a:r>
-              <a:rPr kumimoji="0" lang="de-DE" altLang="de-DE" sz="900" b="0" i="0" u="none" strike="noStrike" cap="none" normalizeH="0" baseline="0" dirty="0" err="1">
-                <a:ln>
-                  <a:noFill/>
-                </a:ln>
-                <a:solidFill>
-                  <a:srgbClr val="C3CEE3"/>
-                </a:solidFill>
-                <a:effectLst/>
-                <a:latin typeface="JetBrains Mono"/>
-              </a:rPr>
-              <a:t>skew</a:t>
-            </a:r>
-            <a:br>
-              <a:rPr kumimoji="0" lang="de-DE" altLang="de-DE" sz="900" b="0" i="0" u="none" strike="noStrike" cap="none" normalizeH="0" baseline="0" dirty="0">
-                <a:ln>
-                  <a:noFill/>
-                </a:ln>
-                <a:solidFill>
-                  <a:srgbClr val="C3CEE3"/>
-                </a:solidFill>
-                <a:effectLst/>
-                <a:latin typeface="JetBrains Mono"/>
-              </a:rPr>
-            </a:br>
-            <a:br>
-              <a:rPr kumimoji="0" lang="de-DE" altLang="de-DE" sz="900" b="0" i="0" u="none" strike="noStrike" cap="none" normalizeH="0" baseline="0" dirty="0">
-                <a:ln>
-                  <a:noFill/>
-                </a:ln>
-                <a:solidFill>
-                  <a:srgbClr val="C3CEE3"/>
-                </a:solidFill>
-                <a:effectLst/>
-                <a:latin typeface="JetBrains Mono"/>
-              </a:rPr>
-            </a:br>
-            <a:br>
-              <a:rPr kumimoji="0" lang="de-DE" altLang="de-DE" sz="900" b="0" i="0" u="none" strike="noStrike" cap="none" normalizeH="0" baseline="0" dirty="0">
-                <a:ln>
-                  <a:noFill/>
-                </a:ln>
-                <a:solidFill>
-                  <a:srgbClr val="C3CEE3"/>
-                </a:solidFill>
-                <a:effectLst/>
-                <a:latin typeface="JetBrains Mono"/>
-              </a:rPr>
-            </a:br>
-            <a:r>
-              <a:rPr kumimoji="0" lang="de-DE" altLang="de-DE" sz="900" b="0" i="0" u="none" strike="noStrike" cap="none" normalizeH="0" baseline="0" dirty="0" err="1">
-                <a:ln>
-                  <a:noFill/>
-                </a:ln>
-                <a:solidFill>
-                  <a:srgbClr val="C3CEE3"/>
-                </a:solidFill>
-                <a:effectLst/>
-                <a:latin typeface="JetBrains Mono"/>
-              </a:rPr>
-              <a:t>realX</a:t>
-            </a:r>
-            <a:r>
-              <a:rPr kumimoji="0" lang="de-DE" altLang="de-DE" sz="900" b="0" i="0" u="none" strike="noStrike" cap="none" normalizeH="0" baseline="0" dirty="0">
-                <a:ln>
-                  <a:noFill/>
-                </a:ln>
-                <a:solidFill>
-                  <a:srgbClr val="C3CEE3"/>
-                </a:solidFill>
-                <a:effectLst/>
-                <a:latin typeface="JetBrains Mono"/>
-              </a:rPr>
-              <a:t> </a:t>
-            </a:r>
-            <a:r>
-              <a:rPr kumimoji="0" lang="de-DE" altLang="de-DE" sz="900" b="0" i="0" u="none" strike="noStrike" cap="none" normalizeH="0" baseline="0" dirty="0">
-                <a:ln>
-                  <a:noFill/>
-                </a:ln>
-                <a:solidFill>
-                  <a:srgbClr val="89DDFF"/>
-                </a:solidFill>
-                <a:effectLst/>
-                <a:latin typeface="JetBrains Mono"/>
-              </a:rPr>
-              <a:t>= [] </a:t>
-            </a:r>
-            <a:r>
-              <a:rPr kumimoji="0" lang="de-DE" altLang="de-DE" sz="900" b="0" i="0" u="none" strike="noStrike" cap="none" normalizeH="0" baseline="0" dirty="0" err="1">
-                <a:ln>
-                  <a:noFill/>
-                </a:ln>
-                <a:solidFill>
-                  <a:srgbClr val="C3CEE3"/>
-                </a:solidFill>
-                <a:effectLst/>
-                <a:latin typeface="JetBrains Mono"/>
-              </a:rPr>
-              <a:t>realX</a:t>
-            </a:r>
-            <a:r>
-              <a:rPr kumimoji="0" lang="de-DE" altLang="de-DE" sz="900" b="0" i="0" u="none" strike="noStrike" cap="none" normalizeH="0" baseline="0" dirty="0" err="1">
-                <a:ln>
-                  <a:noFill/>
-                </a:ln>
-                <a:solidFill>
-                  <a:srgbClr val="89DDFF"/>
-                </a:solidFill>
-                <a:effectLst/>
-                <a:latin typeface="JetBrains Mono"/>
-              </a:rPr>
-              <a:t>.</a:t>
-            </a:r>
-            <a:r>
-              <a:rPr kumimoji="0" lang="de-DE" altLang="de-DE" sz="900" b="0" i="0" u="none" strike="noStrike" cap="none" normalizeH="0" baseline="0" dirty="0" err="1">
-                <a:ln>
-                  <a:noFill/>
-                </a:ln>
-                <a:solidFill>
-                  <a:srgbClr val="82AAFF"/>
-                </a:solidFill>
-                <a:effectLst/>
-                <a:latin typeface="JetBrains Mono"/>
-              </a:rPr>
-              <a:t>append</a:t>
-            </a:r>
-            <a:r>
-              <a:rPr kumimoji="0" lang="de-DE" altLang="de-DE" sz="900" b="0" i="0" u="none" strike="noStrike" cap="none" normalizeH="0" baseline="0" dirty="0">
-                <a:ln>
-                  <a:noFill/>
-                </a:ln>
-                <a:solidFill>
-                  <a:srgbClr val="89DDFF"/>
-                </a:solidFill>
-                <a:effectLst/>
-                <a:latin typeface="JetBrains Mono"/>
-              </a:rPr>
-              <a:t>(</a:t>
-            </a:r>
-            <a:r>
-              <a:rPr kumimoji="0" lang="de-DE" altLang="de-DE" sz="900" b="0" i="0" u="none" strike="noStrike" cap="none" normalizeH="0" baseline="0" dirty="0">
-                <a:ln>
-                  <a:noFill/>
-                </a:ln>
-                <a:solidFill>
-                  <a:srgbClr val="C3CEE3"/>
-                </a:solidFill>
-                <a:effectLst/>
-                <a:latin typeface="JetBrains Mono"/>
-              </a:rPr>
-              <a:t>t</a:t>
-            </a:r>
-            <a:r>
-              <a:rPr kumimoji="0" lang="de-DE" altLang="de-DE" sz="900" b="0" i="0" u="none" strike="noStrike" cap="none" normalizeH="0" baseline="0" dirty="0">
-                <a:ln>
-                  <a:noFill/>
-                </a:ln>
-                <a:solidFill>
-                  <a:srgbClr val="89DDFF"/>
-                </a:solidFill>
-                <a:effectLst/>
-                <a:latin typeface="JetBrains Mono"/>
-              </a:rPr>
-              <a:t>)</a:t>
-            </a:r>
-            <a:br>
-              <a:rPr kumimoji="0" lang="de-DE" altLang="de-DE" sz="900" b="0" i="0" u="none" strike="noStrike" cap="none" normalizeH="0" baseline="0" dirty="0">
-                <a:ln>
-                  <a:noFill/>
-                </a:ln>
-                <a:solidFill>
-                  <a:srgbClr val="89DDFF"/>
-                </a:solidFill>
-                <a:effectLst/>
-                <a:latin typeface="JetBrains Mono"/>
-              </a:rPr>
-            </a:br>
-            <a:br>
-              <a:rPr kumimoji="0" lang="de-DE" altLang="de-DE" sz="900" b="0" i="0" u="none" strike="noStrike" cap="none" normalizeH="0" baseline="0" dirty="0">
-                <a:ln>
-                  <a:noFill/>
-                </a:ln>
-                <a:solidFill>
-                  <a:srgbClr val="89DDFF"/>
-                </a:solidFill>
-                <a:effectLst/>
-                <a:latin typeface="JetBrains Mono"/>
-              </a:rPr>
-            </a:br>
-            <a:r>
-              <a:rPr kumimoji="0" lang="de-DE" altLang="de-DE" sz="900" b="0" i="0" u="none" strike="noStrike" cap="none" normalizeH="0" baseline="0" dirty="0" err="1">
-                <a:ln>
-                  <a:noFill/>
-                </a:ln>
-                <a:solidFill>
-                  <a:srgbClr val="C3CEE3"/>
-                </a:solidFill>
-                <a:effectLst/>
-                <a:latin typeface="JetBrains Mono"/>
-              </a:rPr>
-              <a:t>anzahlSims</a:t>
-            </a:r>
-            <a:r>
-              <a:rPr kumimoji="0" lang="de-DE" altLang="de-DE" sz="900" b="0" i="0" u="none" strike="noStrike" cap="none" normalizeH="0" baseline="0" dirty="0">
-                <a:ln>
-                  <a:noFill/>
-                </a:ln>
-                <a:solidFill>
-                  <a:srgbClr val="C3CEE3"/>
-                </a:solidFill>
-                <a:effectLst/>
-                <a:latin typeface="JetBrains Mono"/>
-              </a:rPr>
-              <a:t> </a:t>
-            </a:r>
-            <a:r>
-              <a:rPr kumimoji="0" lang="de-DE" altLang="de-DE" sz="900" b="0" i="0" u="none" strike="noStrike" cap="none" normalizeH="0" baseline="0" dirty="0">
-                <a:ln>
-                  <a:noFill/>
-                </a:ln>
-                <a:solidFill>
-                  <a:srgbClr val="89DDFF"/>
-                </a:solidFill>
-                <a:effectLst/>
-                <a:latin typeface="JetBrains Mono"/>
-              </a:rPr>
-              <a:t>= </a:t>
-            </a:r>
-            <a:r>
-              <a:rPr kumimoji="0" lang="de-DE" altLang="de-DE" sz="900" b="0" i="0" u="none" strike="noStrike" cap="none" normalizeH="0" baseline="0" dirty="0">
-                <a:ln>
-                  <a:noFill/>
-                </a:ln>
-                <a:solidFill>
-                  <a:srgbClr val="F78C6C"/>
-                </a:solidFill>
-                <a:effectLst/>
-                <a:latin typeface="JetBrains Mono"/>
-              </a:rPr>
-              <a:t>1000</a:t>
-            </a:r>
-            <a:br>
-              <a:rPr kumimoji="0" lang="de-DE" altLang="de-DE" sz="900" b="0" i="0" u="none" strike="noStrike" cap="none" normalizeH="0" baseline="0" dirty="0">
-                <a:ln>
-                  <a:noFill/>
-                </a:ln>
-                <a:solidFill>
-                  <a:srgbClr val="F78C6C"/>
-                </a:solidFill>
-                <a:effectLst/>
-                <a:latin typeface="JetBrains Mono"/>
-              </a:rPr>
-            </a:br>
-            <a:r>
-              <a:rPr kumimoji="0" lang="de-DE" altLang="de-DE" sz="900" b="0" i="0" u="none" strike="noStrike" cap="none" normalizeH="0" baseline="0" dirty="0">
-                <a:ln>
-                  <a:noFill/>
-                </a:ln>
-                <a:solidFill>
-                  <a:srgbClr val="C3CEE3"/>
-                </a:solidFill>
-                <a:effectLst/>
-                <a:latin typeface="JetBrains Mono"/>
-              </a:rPr>
-              <a:t>x </a:t>
-            </a:r>
-            <a:r>
-              <a:rPr kumimoji="0" lang="de-DE" altLang="de-DE" sz="900" b="0" i="0" u="none" strike="noStrike" cap="none" normalizeH="0" baseline="0" dirty="0">
-                <a:ln>
-                  <a:noFill/>
-                </a:ln>
-                <a:solidFill>
-                  <a:srgbClr val="89DDFF"/>
-                </a:solidFill>
-                <a:effectLst/>
-                <a:latin typeface="JetBrains Mono"/>
-              </a:rPr>
-              <a:t>= [</a:t>
-            </a:r>
-            <a:r>
-              <a:rPr kumimoji="0" lang="de-DE" altLang="de-DE" sz="900" b="0" i="1" u="none" strike="noStrike" cap="none" normalizeH="0" baseline="0" dirty="0" err="1">
-                <a:ln>
-                  <a:noFill/>
-                </a:ln>
-                <a:solidFill>
-                  <a:srgbClr val="82AAFF"/>
-                </a:solidFill>
-                <a:effectLst/>
-                <a:latin typeface="JetBrains Mono"/>
-              </a:rPr>
-              <a:t>len</a:t>
-            </a:r>
-            <a:r>
-              <a:rPr kumimoji="0" lang="de-DE" altLang="de-DE" sz="900" b="0" i="0" u="none" strike="noStrike" cap="none" normalizeH="0" baseline="0" dirty="0">
-                <a:ln>
-                  <a:noFill/>
-                </a:ln>
-                <a:solidFill>
-                  <a:srgbClr val="89DDFF"/>
-                </a:solidFill>
-                <a:effectLst/>
-                <a:latin typeface="JetBrains Mono"/>
-              </a:rPr>
-              <a:t>(</a:t>
-            </a:r>
-            <a:r>
-              <a:rPr kumimoji="0" lang="de-DE" altLang="de-DE" sz="900" b="0" i="0" u="none" strike="noStrike" cap="none" normalizeH="0" baseline="0" dirty="0" err="1">
-                <a:ln>
-                  <a:noFill/>
-                </a:ln>
-                <a:solidFill>
-                  <a:srgbClr val="C3CEE3"/>
-                </a:solidFill>
-                <a:effectLst/>
-                <a:latin typeface="JetBrains Mono"/>
-              </a:rPr>
-              <a:t>realY</a:t>
-            </a:r>
-            <a:r>
-              <a:rPr kumimoji="0" lang="de-DE" altLang="de-DE" sz="900" b="0" i="0" u="none" strike="noStrike" cap="none" normalizeH="0" baseline="0" dirty="0">
-                <a:ln>
-                  <a:noFill/>
-                </a:ln>
-                <a:solidFill>
-                  <a:srgbClr val="89DDFF"/>
-                </a:solidFill>
-                <a:effectLst/>
-                <a:latin typeface="JetBrains Mono"/>
-              </a:rPr>
-              <a:t>)]</a:t>
-            </a:r>
-            <a:br>
-              <a:rPr kumimoji="0" lang="de-DE" altLang="de-DE" sz="900" b="0" i="0" u="none" strike="noStrike" cap="none" normalizeH="0" baseline="0" dirty="0">
-                <a:ln>
-                  <a:noFill/>
-                </a:ln>
-                <a:solidFill>
-                  <a:srgbClr val="89DDFF"/>
-                </a:solidFill>
-                <a:effectLst/>
-                <a:latin typeface="JetBrains Mono"/>
-              </a:rPr>
-            </a:br>
-            <a:r>
-              <a:rPr kumimoji="0" lang="de-DE" altLang="de-DE" sz="900" b="0" i="0" u="none" strike="noStrike" cap="none" normalizeH="0" baseline="0" dirty="0">
-                <a:ln>
-                  <a:noFill/>
-                </a:ln>
-                <a:solidFill>
-                  <a:srgbClr val="C3CEE3"/>
-                </a:solidFill>
-                <a:effectLst/>
-                <a:latin typeface="JetBrains Mono"/>
-              </a:rPr>
-              <a:t>y </a:t>
-            </a:r>
-            <a:r>
-              <a:rPr kumimoji="0" lang="de-DE" altLang="de-DE" sz="900" b="0" i="0" u="none" strike="noStrike" cap="none" normalizeH="0" baseline="0" dirty="0">
-                <a:ln>
-                  <a:noFill/>
-                </a:ln>
-                <a:solidFill>
-                  <a:srgbClr val="89DDFF"/>
-                </a:solidFill>
-                <a:effectLst/>
-                <a:latin typeface="JetBrains Mono"/>
-              </a:rPr>
-              <a:t>= []</a:t>
-            </a:r>
-            <a:br>
-              <a:rPr kumimoji="0" lang="de-DE" altLang="de-DE" sz="900" b="0" i="0" u="none" strike="noStrike" cap="none" normalizeH="0" baseline="0" dirty="0">
-                <a:ln>
-                  <a:noFill/>
-                </a:ln>
-                <a:solidFill>
-                  <a:srgbClr val="89DDFF"/>
-                </a:solidFill>
-                <a:effectLst/>
-                <a:latin typeface="JetBrains Mono"/>
-              </a:rPr>
-            </a:br>
-            <a:r>
-              <a:rPr kumimoji="0" lang="de-DE" altLang="de-DE" sz="900" b="0" i="1" u="none" strike="noStrike" cap="none" normalizeH="0" baseline="0" dirty="0" err="1">
-                <a:ln>
-                  <a:noFill/>
-                </a:ln>
-                <a:solidFill>
-                  <a:srgbClr val="C792EA"/>
-                </a:solidFill>
-                <a:effectLst/>
-                <a:latin typeface="JetBrains Mono"/>
-              </a:rPr>
-              <a:t>for</a:t>
-            </a:r>
-            <a:r>
-              <a:rPr kumimoji="0" lang="de-DE" altLang="de-DE" sz="900" b="0" i="1" u="none" strike="noStrike" cap="none" normalizeH="0" baseline="0" dirty="0">
-                <a:ln>
-                  <a:noFill/>
-                </a:ln>
-                <a:solidFill>
-                  <a:srgbClr val="C792EA"/>
-                </a:solidFill>
-                <a:effectLst/>
-                <a:latin typeface="JetBrains Mono"/>
-              </a:rPr>
-              <a:t> </a:t>
-            </a:r>
-            <a:r>
-              <a:rPr kumimoji="0" lang="de-DE" altLang="de-DE" sz="900" b="0" i="0" u="none" strike="noStrike" cap="none" normalizeH="0" baseline="0" dirty="0">
-                <a:ln>
-                  <a:noFill/>
-                </a:ln>
-                <a:solidFill>
-                  <a:srgbClr val="C3CEE3"/>
-                </a:solidFill>
-                <a:effectLst/>
-                <a:latin typeface="JetBrains Mono"/>
-              </a:rPr>
-              <a:t>n </a:t>
-            </a:r>
-            <a:r>
-              <a:rPr kumimoji="0" lang="de-DE" altLang="de-DE" sz="900" b="0" i="1" u="none" strike="noStrike" cap="none" normalizeH="0" baseline="0" dirty="0">
-                <a:ln>
-                  <a:noFill/>
-                </a:ln>
-                <a:solidFill>
-                  <a:srgbClr val="C792EA"/>
-                </a:solidFill>
-                <a:effectLst/>
-                <a:latin typeface="JetBrains Mono"/>
-              </a:rPr>
-              <a:t>in </a:t>
-            </a:r>
-            <a:r>
-              <a:rPr kumimoji="0" lang="de-DE" altLang="de-DE" sz="900" b="0" i="1" u="none" strike="noStrike" cap="none" normalizeH="0" baseline="0" dirty="0" err="1">
-                <a:ln>
-                  <a:noFill/>
-                </a:ln>
-                <a:solidFill>
-                  <a:srgbClr val="82AAFF"/>
-                </a:solidFill>
-                <a:effectLst/>
-                <a:latin typeface="JetBrains Mono"/>
-              </a:rPr>
-              <a:t>range</a:t>
-            </a:r>
-            <a:r>
-              <a:rPr kumimoji="0" lang="de-DE" altLang="de-DE" sz="900" b="0" i="0" u="none" strike="noStrike" cap="none" normalizeH="0" baseline="0" dirty="0">
-                <a:ln>
-                  <a:noFill/>
-                </a:ln>
-                <a:solidFill>
-                  <a:srgbClr val="89DDFF"/>
-                </a:solidFill>
-                <a:effectLst/>
-                <a:latin typeface="JetBrains Mono"/>
-              </a:rPr>
-              <a:t>(</a:t>
-            </a:r>
-            <a:r>
-              <a:rPr kumimoji="0" lang="de-DE" altLang="de-DE" sz="900" b="0" i="0" u="none" strike="noStrike" cap="none" normalizeH="0" baseline="0" dirty="0" err="1">
-                <a:ln>
-                  <a:noFill/>
-                </a:ln>
-                <a:solidFill>
-                  <a:srgbClr val="C3CEE3"/>
-                </a:solidFill>
-                <a:effectLst/>
-                <a:latin typeface="JetBrains Mono"/>
-              </a:rPr>
-              <a:t>anzahlSims</a:t>
-            </a:r>
-            <a:r>
-              <a:rPr kumimoji="0" lang="de-DE" altLang="de-DE" sz="900" b="0" i="0" u="none" strike="noStrike" cap="none" normalizeH="0" baseline="0" dirty="0">
-                <a:ln>
-                  <a:noFill/>
-                </a:ln>
-                <a:solidFill>
-                  <a:srgbClr val="89DDFF"/>
-                </a:solidFill>
-                <a:effectLst/>
-                <a:latin typeface="JetBrains Mono"/>
-              </a:rPr>
-              <a:t>):</a:t>
-            </a:r>
-            <a:br>
-              <a:rPr kumimoji="0" lang="de-DE" altLang="de-DE" sz="900" b="0" i="0" u="none" strike="noStrike" cap="none" normalizeH="0" baseline="0" dirty="0">
-                <a:ln>
-                  <a:noFill/>
-                </a:ln>
-                <a:solidFill>
-                  <a:srgbClr val="89DDFF"/>
-                </a:solidFill>
-                <a:effectLst/>
-                <a:latin typeface="JetBrains Mono"/>
-              </a:rPr>
-            </a:br>
-            <a:r>
-              <a:rPr kumimoji="0" lang="de-DE" altLang="de-DE" sz="900" b="0" i="0" u="none" strike="noStrike" cap="none" normalizeH="0" baseline="0" dirty="0">
-                <a:ln>
-                  <a:noFill/>
-                </a:ln>
-                <a:solidFill>
-                  <a:srgbClr val="89DDFF"/>
-                </a:solidFill>
-                <a:effectLst/>
-                <a:latin typeface="JetBrains Mono"/>
-              </a:rPr>
-              <a:t>    </a:t>
-            </a:r>
-            <a:r>
-              <a:rPr kumimoji="0" lang="de-DE" altLang="de-DE" sz="900" b="0" i="0" u="none" strike="noStrike" cap="none" normalizeH="0" baseline="0" dirty="0" err="1">
-                <a:ln>
-                  <a:noFill/>
-                </a:ln>
-                <a:solidFill>
-                  <a:srgbClr val="C3CEE3"/>
-                </a:solidFill>
-                <a:effectLst/>
-                <a:latin typeface="JetBrains Mono"/>
-              </a:rPr>
-              <a:t>y</a:t>
-            </a:r>
-            <a:r>
-              <a:rPr kumimoji="0" lang="de-DE" altLang="de-DE" sz="900" b="0" i="0" u="none" strike="noStrike" cap="none" normalizeH="0" baseline="0" dirty="0" err="1">
-                <a:ln>
-                  <a:noFill/>
-                </a:ln>
-                <a:solidFill>
-                  <a:srgbClr val="89DDFF"/>
-                </a:solidFill>
-                <a:effectLst/>
-                <a:latin typeface="JetBrains Mono"/>
-              </a:rPr>
-              <a:t>.</a:t>
-            </a:r>
-            <a:r>
-              <a:rPr kumimoji="0" lang="de-DE" altLang="de-DE" sz="900" b="0" i="0" u="none" strike="noStrike" cap="none" normalizeH="0" baseline="0" dirty="0" err="1">
-                <a:ln>
-                  <a:noFill/>
-                </a:ln>
-                <a:solidFill>
-                  <a:srgbClr val="82AAFF"/>
-                </a:solidFill>
-                <a:effectLst/>
-                <a:latin typeface="JetBrains Mono"/>
-              </a:rPr>
-              <a:t>append</a:t>
-            </a:r>
-            <a:r>
-              <a:rPr kumimoji="0" lang="de-DE" altLang="de-DE" sz="900" b="0" i="0" u="none" strike="noStrike" cap="none" normalizeH="0" baseline="0" dirty="0">
-                <a:ln>
-                  <a:noFill/>
-                </a:ln>
-                <a:solidFill>
-                  <a:srgbClr val="89DDFF"/>
-                </a:solidFill>
-                <a:effectLst/>
-                <a:latin typeface="JetBrains Mono"/>
-              </a:rPr>
-              <a:t>([</a:t>
-            </a:r>
-            <a:r>
-              <a:rPr kumimoji="0" lang="de-DE" altLang="de-DE" sz="900" b="0" i="0" u="none" strike="noStrike" cap="none" normalizeH="0" baseline="0" dirty="0">
-                <a:ln>
-                  <a:noFill/>
-                </a:ln>
-                <a:solidFill>
-                  <a:srgbClr val="F78C6C"/>
-                </a:solidFill>
-                <a:effectLst/>
-                <a:latin typeface="JetBrains Mono"/>
-              </a:rPr>
-              <a:t>276.0</a:t>
-            </a:r>
-            <a:r>
-              <a:rPr kumimoji="0" lang="de-DE" altLang="de-DE" sz="900" b="0" i="0" u="none" strike="noStrike" cap="none" normalizeH="0" baseline="0" dirty="0">
-                <a:ln>
-                  <a:noFill/>
-                </a:ln>
-                <a:solidFill>
-                  <a:srgbClr val="89DDFF"/>
-                </a:solidFill>
-                <a:effectLst/>
-                <a:latin typeface="JetBrains Mono"/>
-              </a:rPr>
-              <a:t>])</a:t>
-            </a:r>
-            <a:br>
-              <a:rPr kumimoji="0" lang="de-DE" altLang="de-DE" sz="900" b="0" i="0" u="none" strike="noStrike" cap="none" normalizeH="0" baseline="0" dirty="0">
-                <a:ln>
-                  <a:noFill/>
-                </a:ln>
-                <a:solidFill>
-                  <a:srgbClr val="89DDFF"/>
-                </a:solidFill>
-                <a:effectLst/>
-                <a:latin typeface="JetBrains Mono"/>
-              </a:rPr>
-            </a:br>
-            <a:br>
-              <a:rPr kumimoji="0" lang="de-DE" altLang="de-DE" sz="900" b="0" i="0" u="none" strike="noStrike" cap="none" normalizeH="0" baseline="0" dirty="0">
-                <a:ln>
-                  <a:noFill/>
-                </a:ln>
-                <a:solidFill>
-                  <a:srgbClr val="89DDFF"/>
-                </a:solidFill>
-                <a:effectLst/>
-                <a:latin typeface="JetBrains Mono"/>
-              </a:rPr>
-            </a:br>
-            <a:r>
-              <a:rPr kumimoji="0" lang="de-DE" altLang="de-DE" sz="900" b="0" i="1" u="none" strike="noStrike" cap="none" normalizeH="0" baseline="0" dirty="0" err="1">
-                <a:ln>
-                  <a:noFill/>
-                </a:ln>
-                <a:solidFill>
-                  <a:srgbClr val="C792EA"/>
-                </a:solidFill>
-                <a:effectLst/>
-                <a:latin typeface="JetBrains Mono"/>
-              </a:rPr>
-              <a:t>for</a:t>
-            </a:r>
-            <a:r>
-              <a:rPr kumimoji="0" lang="de-DE" altLang="de-DE" sz="900" b="0" i="1" u="none" strike="noStrike" cap="none" normalizeH="0" baseline="0" dirty="0">
-                <a:ln>
-                  <a:noFill/>
-                </a:ln>
-                <a:solidFill>
-                  <a:srgbClr val="C792EA"/>
-                </a:solidFill>
-                <a:effectLst/>
-                <a:latin typeface="JetBrains Mono"/>
-              </a:rPr>
-              <a:t> </a:t>
-            </a:r>
-            <a:r>
-              <a:rPr kumimoji="0" lang="de-DE" altLang="de-DE" sz="900" b="0" i="0" u="none" strike="noStrike" cap="none" normalizeH="0" baseline="0" dirty="0">
-                <a:ln>
-                  <a:noFill/>
-                </a:ln>
-                <a:solidFill>
-                  <a:srgbClr val="C3CEE3"/>
-                </a:solidFill>
-                <a:effectLst/>
-                <a:latin typeface="JetBrains Mono"/>
-              </a:rPr>
-              <a:t>t </a:t>
-            </a:r>
-            <a:r>
-              <a:rPr kumimoji="0" lang="de-DE" altLang="de-DE" sz="900" b="0" i="1" u="none" strike="noStrike" cap="none" normalizeH="0" baseline="0" dirty="0">
-                <a:ln>
-                  <a:noFill/>
-                </a:ln>
-                <a:solidFill>
-                  <a:srgbClr val="C792EA"/>
-                </a:solidFill>
-                <a:effectLst/>
-                <a:latin typeface="JetBrains Mono"/>
-              </a:rPr>
-              <a:t>in </a:t>
-            </a:r>
-            <a:r>
-              <a:rPr kumimoji="0" lang="de-DE" altLang="de-DE" sz="900" b="0" i="1" u="none" strike="noStrike" cap="none" normalizeH="0" baseline="0" dirty="0" err="1">
-                <a:ln>
-                  <a:noFill/>
-                </a:ln>
-                <a:solidFill>
-                  <a:srgbClr val="82AAFF"/>
-                </a:solidFill>
-                <a:effectLst/>
-                <a:latin typeface="JetBrains Mono"/>
-              </a:rPr>
-              <a:t>range</a:t>
-            </a:r>
-            <a:r>
-              <a:rPr kumimoji="0" lang="de-DE" altLang="de-DE" sz="900" b="0" i="0" u="none" strike="noStrike" cap="none" normalizeH="0" baseline="0" dirty="0">
-                <a:ln>
-                  <a:noFill/>
-                </a:ln>
-                <a:solidFill>
-                  <a:srgbClr val="89DDFF"/>
-                </a:solidFill>
-                <a:effectLst/>
-                <a:latin typeface="JetBrains Mono"/>
-              </a:rPr>
-              <a:t>(</a:t>
-            </a:r>
-            <a:r>
-              <a:rPr kumimoji="0" lang="de-DE" altLang="de-DE" sz="900" b="0" i="0" u="none" strike="noStrike" cap="none" normalizeH="0" baseline="0" dirty="0">
-                <a:ln>
-                  <a:noFill/>
-                </a:ln>
-                <a:solidFill>
-                  <a:srgbClr val="F78C6C"/>
-                </a:solidFill>
-                <a:effectLst/>
-                <a:latin typeface="JetBrains Mono"/>
-              </a:rPr>
-              <a:t>100</a:t>
-            </a:r>
-            <a:r>
-              <a:rPr kumimoji="0" lang="de-DE" altLang="de-DE" sz="900" b="0" i="0" u="none" strike="noStrike" cap="none" normalizeH="0" baseline="0" dirty="0">
-                <a:ln>
-                  <a:noFill/>
-                </a:ln>
-                <a:solidFill>
-                  <a:srgbClr val="89DDFF"/>
-                </a:solidFill>
-                <a:effectLst/>
-                <a:latin typeface="JetBrains Mono"/>
-              </a:rPr>
-              <a:t>):</a:t>
-            </a:r>
-            <a:br>
-              <a:rPr kumimoji="0" lang="de-DE" altLang="de-DE" sz="900" b="0" i="0" u="none" strike="noStrike" cap="none" normalizeH="0" baseline="0" dirty="0">
-                <a:ln>
-                  <a:noFill/>
-                </a:ln>
-                <a:solidFill>
-                  <a:srgbClr val="89DDFF"/>
-                </a:solidFill>
-                <a:effectLst/>
-                <a:latin typeface="JetBrains Mono"/>
-              </a:rPr>
-            </a:br>
-            <a:r>
-              <a:rPr kumimoji="0" lang="de-DE" altLang="de-DE" sz="900" b="0" i="0" u="none" strike="noStrike" cap="none" normalizeH="0" baseline="0" dirty="0">
-                <a:ln>
-                  <a:noFill/>
-                </a:ln>
-                <a:solidFill>
-                  <a:srgbClr val="89DDFF"/>
-                </a:solidFill>
-                <a:effectLst/>
-                <a:latin typeface="JetBrains Mono"/>
-              </a:rPr>
-              <a:t>    </a:t>
-            </a:r>
-            <a:r>
-              <a:rPr kumimoji="0" lang="de-DE" altLang="de-DE" sz="900" b="0" i="0" u="none" strike="noStrike" cap="none" normalizeH="0" baseline="0" dirty="0" err="1">
-                <a:ln>
-                  <a:noFill/>
-                </a:ln>
-                <a:solidFill>
-                  <a:srgbClr val="C3CEE3"/>
-                </a:solidFill>
-                <a:effectLst/>
-                <a:latin typeface="JetBrains Mono"/>
-              </a:rPr>
-              <a:t>x</a:t>
-            </a:r>
-            <a:r>
-              <a:rPr kumimoji="0" lang="de-DE" altLang="de-DE" sz="900" b="0" i="0" u="none" strike="noStrike" cap="none" normalizeH="0" baseline="0" dirty="0" err="1">
-                <a:ln>
-                  <a:noFill/>
-                </a:ln>
-                <a:solidFill>
-                  <a:srgbClr val="89DDFF"/>
-                </a:solidFill>
-                <a:effectLst/>
-                <a:latin typeface="JetBrains Mono"/>
-              </a:rPr>
-              <a:t>.</a:t>
-            </a:r>
-            <a:r>
-              <a:rPr kumimoji="0" lang="de-DE" altLang="de-DE" sz="900" b="0" i="0" u="none" strike="noStrike" cap="none" normalizeH="0" baseline="0" dirty="0" err="1">
-                <a:ln>
-                  <a:noFill/>
-                </a:ln>
-                <a:solidFill>
-                  <a:srgbClr val="82AAFF"/>
-                </a:solidFill>
-                <a:effectLst/>
-                <a:latin typeface="JetBrains Mono"/>
-              </a:rPr>
-              <a:t>append</a:t>
-            </a:r>
-            <a:r>
-              <a:rPr kumimoji="0" lang="de-DE" altLang="de-DE" sz="900" b="0" i="0" u="none" strike="noStrike" cap="none" normalizeH="0" baseline="0" dirty="0">
-                <a:ln>
-                  <a:noFill/>
-                </a:ln>
-                <a:solidFill>
-                  <a:srgbClr val="89DDFF"/>
-                </a:solidFill>
-                <a:effectLst/>
-                <a:latin typeface="JetBrains Mono"/>
-              </a:rPr>
-              <a:t>(</a:t>
-            </a:r>
-            <a:r>
-              <a:rPr kumimoji="0" lang="de-DE" altLang="de-DE" sz="900" b="0" i="0" u="none" strike="noStrike" cap="none" normalizeH="0" baseline="0" dirty="0">
-                <a:ln>
-                  <a:noFill/>
-                </a:ln>
-                <a:solidFill>
-                  <a:srgbClr val="C3CEE3"/>
-                </a:solidFill>
-                <a:effectLst/>
-                <a:latin typeface="JetBrains Mono"/>
-              </a:rPr>
-              <a:t>t</a:t>
-            </a:r>
-            <a:r>
-              <a:rPr kumimoji="0" lang="de-DE" altLang="de-DE" sz="900" b="0" i="0" u="none" strike="noStrike" cap="none" normalizeH="0" baseline="0" dirty="0">
-                <a:ln>
-                  <a:noFill/>
-                </a:ln>
-                <a:solidFill>
-                  <a:srgbClr val="89DDFF"/>
-                </a:solidFill>
-                <a:effectLst/>
-                <a:latin typeface="JetBrains Mono"/>
-              </a:rPr>
-              <a:t>+</a:t>
-            </a:r>
-            <a:r>
-              <a:rPr kumimoji="0" lang="de-DE" altLang="de-DE" sz="900" b="0" i="0" u="none" strike="noStrike" cap="none" normalizeH="0" baseline="0" dirty="0">
-                <a:ln>
-                  <a:noFill/>
-                </a:ln>
-                <a:solidFill>
-                  <a:srgbClr val="F78C6C"/>
-                </a:solidFill>
-                <a:effectLst/>
-                <a:latin typeface="JetBrains Mono"/>
-              </a:rPr>
-              <a:t>1</a:t>
-            </a:r>
-            <a:r>
-              <a:rPr kumimoji="0" lang="de-DE" altLang="de-DE" sz="900" b="0" i="0" u="none" strike="noStrike" cap="none" normalizeH="0" baseline="0" dirty="0">
-                <a:ln>
-                  <a:noFill/>
-                </a:ln>
-                <a:solidFill>
-                  <a:srgbClr val="89DDFF"/>
-                </a:solidFill>
-                <a:effectLst/>
-                <a:latin typeface="JetBrains Mono"/>
-              </a:rPr>
-              <a:t>+</a:t>
-            </a:r>
-            <a:r>
-              <a:rPr kumimoji="0" lang="de-DE" altLang="de-DE" sz="900" b="0" i="1" u="none" strike="noStrike" cap="none" normalizeH="0" baseline="0" dirty="0">
-                <a:ln>
-                  <a:noFill/>
-                </a:ln>
-                <a:solidFill>
-                  <a:srgbClr val="82AAFF"/>
-                </a:solidFill>
-                <a:effectLst/>
-                <a:latin typeface="JetBrains Mono"/>
-              </a:rPr>
-              <a:t>len</a:t>
-            </a:r>
-            <a:r>
-              <a:rPr kumimoji="0" lang="de-DE" altLang="de-DE" sz="900" b="0" i="0" u="none" strike="noStrike" cap="none" normalizeH="0" baseline="0" dirty="0">
-                <a:ln>
-                  <a:noFill/>
-                </a:ln>
-                <a:solidFill>
-                  <a:srgbClr val="89DDFF"/>
-                </a:solidFill>
-                <a:effectLst/>
-                <a:latin typeface="JetBrains Mono"/>
-              </a:rPr>
-              <a:t>(</a:t>
-            </a:r>
-            <a:r>
-              <a:rPr kumimoji="0" lang="de-DE" altLang="de-DE" sz="900" b="0" i="0" u="none" strike="noStrike" cap="none" normalizeH="0" baseline="0" dirty="0" err="1">
-                <a:ln>
-                  <a:noFill/>
-                </a:ln>
-                <a:solidFill>
-                  <a:srgbClr val="C3CEE3"/>
-                </a:solidFill>
-                <a:effectLst/>
-                <a:latin typeface="JetBrains Mono"/>
-              </a:rPr>
-              <a:t>realY</a:t>
-            </a:r>
-            <a:r>
-              <a:rPr kumimoji="0" lang="de-DE" altLang="de-DE" sz="900" b="0" i="0" u="none" strike="noStrike" cap="none" normalizeH="0" baseline="0" dirty="0">
-                <a:ln>
-                  <a:noFill/>
-                </a:ln>
-                <a:solidFill>
-                  <a:srgbClr val="89DDFF"/>
-                </a:solidFill>
-                <a:effectLst/>
-                <a:latin typeface="JetBrains Mono"/>
-              </a:rPr>
-              <a:t>))</a:t>
-            </a:r>
-            <a:br>
-              <a:rPr kumimoji="0" lang="de-DE" altLang="de-DE" sz="900" b="0" i="0" u="none" strike="noStrike" cap="none" normalizeH="0" baseline="0" dirty="0">
-                <a:ln>
-                  <a:noFill/>
-                </a:ln>
-                <a:solidFill>
-                  <a:srgbClr val="89DDFF"/>
-                </a:solidFill>
-                <a:effectLst/>
-                <a:latin typeface="JetBrains Mono"/>
-              </a:rPr>
-            </a:br>
-            <a:r>
-              <a:rPr kumimoji="0" lang="de-DE" altLang="de-DE" sz="900" b="0" i="0" u="none" strike="noStrike" cap="none" normalizeH="0" baseline="0" dirty="0">
-                <a:ln>
-                  <a:noFill/>
-                </a:ln>
-                <a:solidFill>
-                  <a:srgbClr val="89DDFF"/>
-                </a:solidFill>
-                <a:effectLst/>
-                <a:latin typeface="JetBrains Mono"/>
-              </a:rPr>
-              <a:t>    </a:t>
-            </a:r>
-            <a:r>
-              <a:rPr kumimoji="0" lang="de-DE" altLang="de-DE" sz="900" b="0" i="1" u="none" strike="noStrike" cap="none" normalizeH="0" baseline="0" dirty="0" err="1">
-                <a:ln>
-                  <a:noFill/>
-                </a:ln>
-                <a:solidFill>
-                  <a:srgbClr val="C792EA"/>
-                </a:solidFill>
-                <a:effectLst/>
-                <a:latin typeface="JetBrains Mono"/>
-              </a:rPr>
-              <a:t>for</a:t>
-            </a:r>
-            <a:r>
-              <a:rPr kumimoji="0" lang="de-DE" altLang="de-DE" sz="900" b="0" i="1" u="none" strike="noStrike" cap="none" normalizeH="0" baseline="0" dirty="0">
-                <a:ln>
-                  <a:noFill/>
-                </a:ln>
-                <a:solidFill>
-                  <a:srgbClr val="C792EA"/>
-                </a:solidFill>
-                <a:effectLst/>
-                <a:latin typeface="JetBrains Mono"/>
-              </a:rPr>
-              <a:t> </a:t>
-            </a:r>
-            <a:r>
-              <a:rPr kumimoji="0" lang="de-DE" altLang="de-DE" sz="900" b="0" i="0" u="none" strike="noStrike" cap="none" normalizeH="0" baseline="0" dirty="0">
-                <a:ln>
-                  <a:noFill/>
-                </a:ln>
-                <a:solidFill>
-                  <a:srgbClr val="C3CEE3"/>
-                </a:solidFill>
-                <a:effectLst/>
-                <a:latin typeface="JetBrains Mono"/>
-              </a:rPr>
-              <a:t>n </a:t>
-            </a:r>
-            <a:r>
-              <a:rPr kumimoji="0" lang="de-DE" altLang="de-DE" sz="900" b="0" i="1" u="none" strike="noStrike" cap="none" normalizeH="0" baseline="0" dirty="0">
-                <a:ln>
-                  <a:noFill/>
-                </a:ln>
-                <a:solidFill>
-                  <a:srgbClr val="C792EA"/>
-                </a:solidFill>
-                <a:effectLst/>
-                <a:latin typeface="JetBrains Mono"/>
-              </a:rPr>
-              <a:t>in </a:t>
-            </a:r>
-            <a:r>
-              <a:rPr kumimoji="0" lang="de-DE" altLang="de-DE" sz="900" b="0" i="1" u="none" strike="noStrike" cap="none" normalizeH="0" baseline="0" dirty="0" err="1">
-                <a:ln>
-                  <a:noFill/>
-                </a:ln>
-                <a:solidFill>
-                  <a:srgbClr val="82AAFF"/>
-                </a:solidFill>
-                <a:effectLst/>
-                <a:latin typeface="JetBrains Mono"/>
-              </a:rPr>
-              <a:t>range</a:t>
-            </a:r>
-            <a:r>
-              <a:rPr kumimoji="0" lang="de-DE" altLang="de-DE" sz="900" b="0" i="0" u="none" strike="noStrike" cap="none" normalizeH="0" baseline="0" dirty="0">
-                <a:ln>
-                  <a:noFill/>
-                </a:ln>
-                <a:solidFill>
-                  <a:srgbClr val="89DDFF"/>
-                </a:solidFill>
-                <a:effectLst/>
-                <a:latin typeface="JetBrains Mono"/>
-              </a:rPr>
-              <a:t>(</a:t>
-            </a:r>
-            <a:r>
-              <a:rPr kumimoji="0" lang="de-DE" altLang="de-DE" sz="900" b="0" i="0" u="none" strike="noStrike" cap="none" normalizeH="0" baseline="0" dirty="0" err="1">
-                <a:ln>
-                  <a:noFill/>
-                </a:ln>
-                <a:solidFill>
-                  <a:srgbClr val="C3CEE3"/>
-                </a:solidFill>
-                <a:effectLst/>
-                <a:latin typeface="JetBrains Mono"/>
-              </a:rPr>
-              <a:t>anzahlSims</a:t>
-            </a:r>
-            <a:r>
-              <a:rPr kumimoji="0" lang="de-DE" altLang="de-DE" sz="900" b="0" i="0" u="none" strike="noStrike" cap="none" normalizeH="0" baseline="0" dirty="0">
-                <a:ln>
-                  <a:noFill/>
-                </a:ln>
-                <a:solidFill>
-                  <a:srgbClr val="89DDFF"/>
-                </a:solidFill>
-                <a:effectLst/>
-                <a:latin typeface="JetBrains Mono"/>
-              </a:rPr>
-              <a:t>):</a:t>
-            </a:r>
-            <a:br>
-              <a:rPr kumimoji="0" lang="de-DE" altLang="de-DE" sz="900" b="0" i="0" u="none" strike="noStrike" cap="none" normalizeH="0" baseline="0" dirty="0">
-                <a:ln>
-                  <a:noFill/>
-                </a:ln>
-                <a:solidFill>
-                  <a:srgbClr val="89DDFF"/>
-                </a:solidFill>
-                <a:effectLst/>
-                <a:latin typeface="JetBrains Mono"/>
-              </a:rPr>
-            </a:br>
-            <a:r>
-              <a:rPr kumimoji="0" lang="de-DE" altLang="de-DE" sz="900" b="0" i="0" u="none" strike="noStrike" cap="none" normalizeH="0" baseline="0" dirty="0">
-                <a:ln>
-                  <a:noFill/>
-                </a:ln>
-                <a:solidFill>
-                  <a:srgbClr val="89DDFF"/>
-                </a:solidFill>
-                <a:effectLst/>
-                <a:latin typeface="JetBrains Mono"/>
-              </a:rPr>
-              <a:t>        </a:t>
-            </a:r>
-            <a:r>
-              <a:rPr kumimoji="0" lang="de-DE" altLang="de-DE" sz="900" b="0" i="0" u="none" strike="noStrike" cap="none" normalizeH="0" baseline="0" dirty="0">
-                <a:ln>
-                  <a:noFill/>
-                </a:ln>
-                <a:solidFill>
-                  <a:srgbClr val="C3CEE3"/>
-                </a:solidFill>
-                <a:effectLst/>
-                <a:latin typeface="JetBrains Mono"/>
-              </a:rPr>
-              <a:t>Zufallszahl </a:t>
-            </a:r>
-            <a:r>
-              <a:rPr kumimoji="0" lang="de-DE" altLang="de-DE" sz="900" b="0" i="0" u="none" strike="noStrike" cap="none" normalizeH="0" baseline="0" dirty="0">
-                <a:ln>
-                  <a:noFill/>
-                </a:ln>
-                <a:solidFill>
-                  <a:srgbClr val="89DDFF"/>
-                </a:solidFill>
-                <a:effectLst/>
-                <a:latin typeface="JetBrains Mono"/>
-              </a:rPr>
-              <a:t>= </a:t>
-            </a:r>
-            <a:r>
-              <a:rPr kumimoji="0" lang="de-DE" altLang="de-DE" sz="900" b="0" i="0" u="none" strike="noStrike" cap="none" normalizeH="0" baseline="0" dirty="0" err="1">
-                <a:ln>
-                  <a:noFill/>
-                </a:ln>
-                <a:solidFill>
-                  <a:srgbClr val="C3CEE3"/>
-                </a:solidFill>
-                <a:effectLst/>
-                <a:latin typeface="JetBrains Mono"/>
-              </a:rPr>
-              <a:t>np</a:t>
-            </a:r>
-            <a:r>
-              <a:rPr kumimoji="0" lang="de-DE" altLang="de-DE" sz="900" b="0" i="0" u="none" strike="noStrike" cap="none" normalizeH="0" baseline="0" dirty="0" err="1">
-                <a:ln>
-                  <a:noFill/>
-                </a:ln>
-                <a:solidFill>
-                  <a:srgbClr val="89DDFF"/>
-                </a:solidFill>
-                <a:effectLst/>
-                <a:latin typeface="JetBrains Mono"/>
-              </a:rPr>
-              <a:t>.</a:t>
-            </a:r>
-            <a:r>
-              <a:rPr kumimoji="0" lang="de-DE" altLang="de-DE" sz="900" b="0" i="0" u="none" strike="noStrike" cap="none" normalizeH="0" baseline="0" dirty="0" err="1">
-                <a:ln>
-                  <a:noFill/>
-                </a:ln>
-                <a:solidFill>
-                  <a:srgbClr val="C3CEE3"/>
-                </a:solidFill>
-                <a:effectLst/>
-                <a:latin typeface="JetBrains Mono"/>
-              </a:rPr>
-              <a:t>random</a:t>
-            </a:r>
-            <a:r>
-              <a:rPr kumimoji="0" lang="de-DE" altLang="de-DE" sz="900" b="0" i="0" u="none" strike="noStrike" cap="none" normalizeH="0" baseline="0" dirty="0" err="1">
-                <a:ln>
-                  <a:noFill/>
-                </a:ln>
-                <a:solidFill>
-                  <a:srgbClr val="89DDFF"/>
-                </a:solidFill>
-                <a:effectLst/>
-                <a:latin typeface="JetBrains Mono"/>
-              </a:rPr>
-              <a:t>.</a:t>
-            </a:r>
-            <a:r>
-              <a:rPr kumimoji="0" lang="de-DE" altLang="de-DE" sz="900" b="0" i="0" u="none" strike="noStrike" cap="none" normalizeH="0" baseline="0" dirty="0" err="1">
-                <a:ln>
-                  <a:noFill/>
-                </a:ln>
-                <a:solidFill>
-                  <a:srgbClr val="82AAFF"/>
-                </a:solidFill>
-                <a:effectLst/>
-                <a:latin typeface="JetBrains Mono"/>
-              </a:rPr>
-              <a:t>normal</a:t>
-            </a:r>
-            <a:r>
-              <a:rPr kumimoji="0" lang="de-DE" altLang="de-DE" sz="900" b="0" i="0" u="none" strike="noStrike" cap="none" normalizeH="0" baseline="0" dirty="0">
-                <a:ln>
-                  <a:noFill/>
-                </a:ln>
-                <a:solidFill>
-                  <a:srgbClr val="89DDFF"/>
-                </a:solidFill>
-                <a:effectLst/>
-                <a:latin typeface="JetBrains Mono"/>
-              </a:rPr>
-              <a:t>()</a:t>
-            </a:r>
-            <a:br>
-              <a:rPr kumimoji="0" lang="de-DE" altLang="de-DE" sz="900" b="0" i="0" u="none" strike="noStrike" cap="none" normalizeH="0" baseline="0" dirty="0">
-                <a:ln>
-                  <a:noFill/>
-                </a:ln>
-                <a:solidFill>
-                  <a:srgbClr val="89DDFF"/>
-                </a:solidFill>
-                <a:effectLst/>
-                <a:latin typeface="JetBrains Mono"/>
-              </a:rPr>
-            </a:br>
-            <a:r>
-              <a:rPr kumimoji="0" lang="de-DE" altLang="de-DE" sz="900" b="0" i="0" u="none" strike="noStrike" cap="none" normalizeH="0" baseline="0" dirty="0">
-                <a:ln>
-                  <a:noFill/>
-                </a:ln>
-                <a:solidFill>
-                  <a:srgbClr val="89DDFF"/>
-                </a:solidFill>
-                <a:effectLst/>
-                <a:latin typeface="JetBrains Mono"/>
-              </a:rPr>
-              <a:t>        </a:t>
-            </a:r>
-            <a:r>
-              <a:rPr kumimoji="0" lang="de-DE" altLang="de-DE" sz="900" b="0" i="0" u="none" strike="noStrike" cap="none" normalizeH="0" baseline="0" dirty="0">
-                <a:ln>
-                  <a:noFill/>
-                </a:ln>
-                <a:solidFill>
-                  <a:srgbClr val="C3CEE3"/>
-                </a:solidFill>
-                <a:effectLst/>
-                <a:latin typeface="JetBrains Mono"/>
-              </a:rPr>
-              <a:t>r</a:t>
-            </a:r>
-            <a:r>
-              <a:rPr kumimoji="0" lang="de-DE" altLang="de-DE" sz="900" b="0" i="0" u="none" strike="noStrike" cap="none" normalizeH="0" baseline="0" dirty="0">
-                <a:ln>
-                  <a:noFill/>
-                </a:ln>
-                <a:solidFill>
-                  <a:srgbClr val="89DDFF"/>
-                </a:solidFill>
-                <a:effectLst/>
-                <a:latin typeface="JetBrains Mono"/>
-              </a:rPr>
-              <a:t>=</a:t>
-            </a:r>
-            <a:r>
-              <a:rPr kumimoji="0" lang="de-DE" altLang="de-DE" sz="900" b="0" i="0" u="none" strike="noStrike" cap="none" normalizeH="0" baseline="0" dirty="0" err="1">
-                <a:ln>
-                  <a:noFill/>
-                </a:ln>
-                <a:solidFill>
-                  <a:srgbClr val="C3CEE3"/>
-                </a:solidFill>
-                <a:effectLst/>
-                <a:latin typeface="JetBrains Mono"/>
-              </a:rPr>
-              <a:t>np</a:t>
-            </a:r>
-            <a:r>
-              <a:rPr kumimoji="0" lang="de-DE" altLang="de-DE" sz="900" b="0" i="0" u="none" strike="noStrike" cap="none" normalizeH="0" baseline="0" dirty="0" err="1">
-                <a:ln>
-                  <a:noFill/>
-                </a:ln>
-                <a:solidFill>
-                  <a:srgbClr val="89DDFF"/>
-                </a:solidFill>
-                <a:effectLst/>
-                <a:latin typeface="JetBrains Mono"/>
-              </a:rPr>
-              <a:t>.</a:t>
-            </a:r>
-            <a:r>
-              <a:rPr kumimoji="0" lang="de-DE" altLang="de-DE" sz="900" b="0" i="0" u="none" strike="noStrike" cap="none" normalizeH="0" baseline="0" dirty="0" err="1">
-                <a:ln>
-                  <a:noFill/>
-                </a:ln>
-                <a:solidFill>
-                  <a:srgbClr val="82AAFF"/>
-                </a:solidFill>
-                <a:effectLst/>
-                <a:latin typeface="JetBrains Mono"/>
-              </a:rPr>
-              <a:t>exp</a:t>
-            </a:r>
-            <a:r>
-              <a:rPr kumimoji="0" lang="de-DE" altLang="de-DE" sz="900" b="0" i="0" u="none" strike="noStrike" cap="none" normalizeH="0" baseline="0" dirty="0">
-                <a:ln>
-                  <a:noFill/>
-                </a:ln>
-                <a:solidFill>
-                  <a:srgbClr val="89DDFF"/>
-                </a:solidFill>
-                <a:effectLst/>
-                <a:latin typeface="JetBrains Mono"/>
-              </a:rPr>
-              <a:t>(</a:t>
-            </a:r>
-            <a:r>
-              <a:rPr kumimoji="0" lang="de-DE" altLang="de-DE" sz="900" b="0" i="0" u="none" strike="noStrike" cap="none" normalizeH="0" baseline="0" dirty="0">
-                <a:ln>
-                  <a:noFill/>
-                </a:ln>
-                <a:solidFill>
-                  <a:srgbClr val="C3CEE3"/>
-                </a:solidFill>
-                <a:effectLst/>
-                <a:latin typeface="JetBrains Mono"/>
-              </a:rPr>
-              <a:t>Zufallszahl </a:t>
-            </a:r>
-            <a:r>
-              <a:rPr kumimoji="0" lang="de-DE" altLang="de-DE" sz="900" b="0" i="0" u="none" strike="noStrike" cap="none" normalizeH="0" baseline="0" dirty="0">
-                <a:ln>
-                  <a:noFill/>
-                </a:ln>
-                <a:solidFill>
-                  <a:srgbClr val="89DDFF"/>
-                </a:solidFill>
-                <a:effectLst/>
-                <a:latin typeface="JetBrains Mono"/>
-              </a:rPr>
-              <a:t>* </a:t>
-            </a:r>
-            <a:r>
-              <a:rPr kumimoji="0" lang="de-DE" altLang="de-DE" sz="900" b="0" i="0" u="none" strike="noStrike" cap="none" normalizeH="0" baseline="0" dirty="0">
-                <a:ln>
-                  <a:noFill/>
-                </a:ln>
-                <a:solidFill>
-                  <a:srgbClr val="F78C6C"/>
-                </a:solidFill>
-                <a:effectLst/>
-                <a:latin typeface="JetBrains Mono"/>
-              </a:rPr>
-              <a:t>30</a:t>
-            </a:r>
-            <a:r>
-              <a:rPr kumimoji="0" lang="de-DE" altLang="de-DE" sz="900" b="0" i="0" u="none" strike="noStrike" cap="none" normalizeH="0" baseline="0" dirty="0">
-                <a:ln>
-                  <a:noFill/>
-                </a:ln>
-                <a:solidFill>
-                  <a:srgbClr val="89DDFF"/>
-                </a:solidFill>
-                <a:effectLst/>
-                <a:latin typeface="JetBrains Mono"/>
-              </a:rPr>
-              <a:t>/</a:t>
-            </a:r>
-            <a:r>
-              <a:rPr kumimoji="0" lang="de-DE" altLang="de-DE" sz="900" b="0" i="0" u="none" strike="noStrike" cap="none" normalizeH="0" baseline="0" dirty="0">
-                <a:ln>
-                  <a:noFill/>
-                </a:ln>
-                <a:solidFill>
-                  <a:srgbClr val="F78C6C"/>
-                </a:solidFill>
-                <a:effectLst/>
-                <a:latin typeface="JetBrains Mono"/>
-              </a:rPr>
-              <a:t>281.5</a:t>
-            </a:r>
-            <a:r>
-              <a:rPr kumimoji="0" lang="de-DE" altLang="de-DE" sz="900" b="0" i="0" u="none" strike="noStrike" cap="none" normalizeH="0" baseline="0" dirty="0">
-                <a:ln>
-                  <a:noFill/>
-                </a:ln>
-                <a:solidFill>
-                  <a:srgbClr val="89DDFF"/>
-                </a:solidFill>
-                <a:effectLst/>
-                <a:latin typeface="JetBrains Mono"/>
-              </a:rPr>
-              <a:t>*</a:t>
-            </a:r>
-            <a:r>
-              <a:rPr kumimoji="0" lang="de-DE" altLang="de-DE" sz="900" b="0" i="0" u="none" strike="noStrike" cap="none" normalizeH="0" baseline="0" dirty="0" err="1">
-                <a:ln>
-                  <a:noFill/>
-                </a:ln>
-                <a:solidFill>
-                  <a:srgbClr val="C3CEE3"/>
-                </a:solidFill>
-                <a:effectLst/>
-                <a:latin typeface="JetBrains Mono"/>
-              </a:rPr>
-              <a:t>np</a:t>
-            </a:r>
-            <a:r>
-              <a:rPr kumimoji="0" lang="de-DE" altLang="de-DE" sz="900" b="0" i="0" u="none" strike="noStrike" cap="none" normalizeH="0" baseline="0" dirty="0" err="1">
-                <a:ln>
-                  <a:noFill/>
-                </a:ln>
-                <a:solidFill>
-                  <a:srgbClr val="89DDFF"/>
-                </a:solidFill>
-                <a:effectLst/>
-                <a:latin typeface="JetBrains Mono"/>
-              </a:rPr>
-              <a:t>.</a:t>
-            </a:r>
-            <a:r>
-              <a:rPr kumimoji="0" lang="de-DE" altLang="de-DE" sz="900" b="0" i="0" u="none" strike="noStrike" cap="none" normalizeH="0" baseline="0" dirty="0" err="1">
-                <a:ln>
-                  <a:noFill/>
-                </a:ln>
-                <a:solidFill>
-                  <a:srgbClr val="82AAFF"/>
-                </a:solidFill>
-                <a:effectLst/>
-                <a:latin typeface="JetBrains Mono"/>
-              </a:rPr>
-              <a:t>sqrt</a:t>
-            </a:r>
-            <a:r>
-              <a:rPr kumimoji="0" lang="de-DE" altLang="de-DE" sz="900" b="0" i="0" u="none" strike="noStrike" cap="none" normalizeH="0" baseline="0" dirty="0">
-                <a:ln>
-                  <a:noFill/>
-                </a:ln>
-                <a:solidFill>
-                  <a:srgbClr val="89DDFF"/>
-                </a:solidFill>
-                <a:effectLst/>
-                <a:latin typeface="JetBrains Mono"/>
-              </a:rPr>
-              <a:t>(</a:t>
-            </a:r>
-            <a:r>
-              <a:rPr kumimoji="0" lang="de-DE" altLang="de-DE" sz="900" b="0" i="0" u="none" strike="noStrike" cap="none" normalizeH="0" baseline="0" dirty="0">
-                <a:ln>
-                  <a:noFill/>
-                </a:ln>
-                <a:solidFill>
-                  <a:srgbClr val="F78C6C"/>
-                </a:solidFill>
-                <a:effectLst/>
-                <a:latin typeface="JetBrains Mono"/>
-              </a:rPr>
-              <a:t>1.0</a:t>
-            </a:r>
-            <a:r>
-              <a:rPr kumimoji="0" lang="de-DE" altLang="de-DE" sz="900" b="0" i="0" u="none" strike="noStrike" cap="none" normalizeH="0" baseline="0" dirty="0">
-                <a:ln>
-                  <a:noFill/>
-                </a:ln>
-                <a:solidFill>
-                  <a:srgbClr val="89DDFF"/>
-                </a:solidFill>
-                <a:effectLst/>
-                <a:latin typeface="JetBrains Mono"/>
-              </a:rPr>
-              <a:t>/</a:t>
-            </a:r>
-            <a:r>
-              <a:rPr kumimoji="0" lang="de-DE" altLang="de-DE" sz="900" b="0" i="1" u="none" strike="noStrike" cap="none" normalizeH="0" baseline="0" dirty="0" err="1">
-                <a:ln>
-                  <a:noFill/>
-                </a:ln>
-                <a:solidFill>
-                  <a:srgbClr val="82AAFF"/>
-                </a:solidFill>
-                <a:effectLst/>
-                <a:latin typeface="JetBrains Mono"/>
-              </a:rPr>
-              <a:t>len</a:t>
-            </a:r>
-            <a:r>
-              <a:rPr kumimoji="0" lang="de-DE" altLang="de-DE" sz="900" b="0" i="0" u="none" strike="noStrike" cap="none" normalizeH="0" baseline="0" dirty="0">
-                <a:ln>
-                  <a:noFill/>
-                </a:ln>
-                <a:solidFill>
-                  <a:srgbClr val="89DDFF"/>
-                </a:solidFill>
-                <a:effectLst/>
-                <a:latin typeface="JetBrains Mono"/>
-              </a:rPr>
-              <a:t>(</a:t>
-            </a:r>
-            <a:r>
-              <a:rPr kumimoji="0" lang="de-DE" altLang="de-DE" sz="900" b="0" i="0" u="none" strike="noStrike" cap="none" normalizeH="0" baseline="0" dirty="0" err="1">
-                <a:ln>
-                  <a:noFill/>
-                </a:ln>
-                <a:solidFill>
-                  <a:srgbClr val="C3CEE3"/>
-                </a:solidFill>
-                <a:effectLst/>
-                <a:latin typeface="JetBrains Mono"/>
-              </a:rPr>
-              <a:t>realY</a:t>
-            </a:r>
-            <a:r>
-              <a:rPr kumimoji="0" lang="de-DE" altLang="de-DE" sz="900" b="0" i="0" u="none" strike="noStrike" cap="none" normalizeH="0" baseline="0" dirty="0">
-                <a:ln>
-                  <a:noFill/>
-                </a:ln>
-                <a:solidFill>
-                  <a:srgbClr val="89DDFF"/>
-                </a:solidFill>
-                <a:effectLst/>
-                <a:latin typeface="JetBrains Mono"/>
-              </a:rPr>
-              <a:t>)))</a:t>
-            </a:r>
-            <a:br>
-              <a:rPr kumimoji="0" lang="de-DE" altLang="de-DE" sz="900" b="0" i="0" u="none" strike="noStrike" cap="none" normalizeH="0" baseline="0" dirty="0">
-                <a:ln>
-                  <a:noFill/>
-                </a:ln>
-                <a:solidFill>
-                  <a:srgbClr val="89DDFF"/>
-                </a:solidFill>
-                <a:effectLst/>
-                <a:latin typeface="JetBrains Mono"/>
-              </a:rPr>
-            </a:br>
-            <a:r>
-              <a:rPr kumimoji="0" lang="de-DE" altLang="de-DE" sz="900" b="0" i="0" u="none" strike="noStrike" cap="none" normalizeH="0" baseline="0" dirty="0">
-                <a:ln>
-                  <a:noFill/>
-                </a:ln>
-                <a:solidFill>
-                  <a:srgbClr val="89DDFF"/>
-                </a:solidFill>
-                <a:effectLst/>
-                <a:latin typeface="JetBrains Mono"/>
-              </a:rPr>
-              <a:t>        </a:t>
-            </a:r>
-            <a:r>
-              <a:rPr kumimoji="0" lang="de-DE" altLang="de-DE" sz="900" b="0" i="1" u="none" strike="noStrike" cap="none" normalizeH="0" baseline="0" dirty="0">
-                <a:ln>
-                  <a:noFill/>
-                </a:ln>
-                <a:solidFill>
-                  <a:srgbClr val="717CB4"/>
-                </a:solidFill>
-                <a:effectLst/>
-                <a:latin typeface="JetBrains Mono"/>
-              </a:rPr>
-              <a:t>#r=np.random.normal(1,0.01)</a:t>
-            </a:r>
-            <a:br>
-              <a:rPr kumimoji="0" lang="de-DE" altLang="de-DE" sz="900" b="0" i="1" u="none" strike="noStrike" cap="none" normalizeH="0" baseline="0" dirty="0">
-                <a:ln>
-                  <a:noFill/>
-                </a:ln>
-                <a:solidFill>
-                  <a:srgbClr val="717CB4"/>
-                </a:solidFill>
-                <a:effectLst/>
-                <a:latin typeface="JetBrains Mono"/>
-              </a:rPr>
-            </a:br>
-            <a:r>
-              <a:rPr kumimoji="0" lang="de-DE" altLang="de-DE" sz="900" b="0" i="1" u="none" strike="noStrike" cap="none" normalizeH="0" baseline="0" dirty="0">
-                <a:ln>
-                  <a:noFill/>
-                </a:ln>
-                <a:solidFill>
-                  <a:srgbClr val="717CB4"/>
-                </a:solidFill>
-                <a:effectLst/>
-                <a:latin typeface="JetBrains Mono"/>
-              </a:rPr>
-              <a:t>        </a:t>
-            </a:r>
-            <a:r>
-              <a:rPr kumimoji="0" lang="de-DE" altLang="de-DE" sz="900" b="0" i="0" u="none" strike="noStrike" cap="none" normalizeH="0" baseline="0" dirty="0">
-                <a:ln>
-                  <a:noFill/>
-                </a:ln>
-                <a:solidFill>
-                  <a:srgbClr val="C3CEE3"/>
-                </a:solidFill>
-                <a:effectLst/>
-                <a:latin typeface="JetBrains Mono"/>
-              </a:rPr>
-              <a:t>y</a:t>
-            </a:r>
-            <a:r>
-              <a:rPr kumimoji="0" lang="de-DE" altLang="de-DE" sz="900" b="0" i="0" u="none" strike="noStrike" cap="none" normalizeH="0" baseline="0" dirty="0">
-                <a:ln>
-                  <a:noFill/>
-                </a:ln>
-                <a:solidFill>
-                  <a:srgbClr val="89DDFF"/>
-                </a:solidFill>
-                <a:effectLst/>
-                <a:latin typeface="JetBrains Mono"/>
-              </a:rPr>
-              <a:t>[</a:t>
-            </a:r>
-            <a:r>
-              <a:rPr kumimoji="0" lang="de-DE" altLang="de-DE" sz="900" b="0" i="0" u="none" strike="noStrike" cap="none" normalizeH="0" baseline="0" dirty="0">
-                <a:ln>
-                  <a:noFill/>
-                </a:ln>
-                <a:solidFill>
-                  <a:srgbClr val="C3CEE3"/>
-                </a:solidFill>
-                <a:effectLst/>
-                <a:latin typeface="JetBrains Mono"/>
-              </a:rPr>
-              <a:t>n</a:t>
-            </a:r>
-            <a:r>
-              <a:rPr kumimoji="0" lang="de-DE" altLang="de-DE" sz="900" b="0" i="0" u="none" strike="noStrike" cap="none" normalizeH="0" baseline="0" dirty="0">
-                <a:ln>
-                  <a:noFill/>
-                </a:ln>
-                <a:solidFill>
-                  <a:srgbClr val="89DDFF"/>
-                </a:solidFill>
-                <a:effectLst/>
-                <a:latin typeface="JetBrains Mono"/>
-              </a:rPr>
-              <a:t>].</a:t>
-            </a:r>
-            <a:r>
-              <a:rPr kumimoji="0" lang="de-DE" altLang="de-DE" sz="900" b="0" i="0" u="none" strike="noStrike" cap="none" normalizeH="0" baseline="0" dirty="0" err="1">
-                <a:ln>
-                  <a:noFill/>
-                </a:ln>
-                <a:solidFill>
-                  <a:srgbClr val="82AAFF"/>
-                </a:solidFill>
-                <a:effectLst/>
-                <a:latin typeface="JetBrains Mono"/>
-              </a:rPr>
-              <a:t>append</a:t>
-            </a:r>
-            <a:r>
-              <a:rPr kumimoji="0" lang="de-DE" altLang="de-DE" sz="900" b="0" i="0" u="none" strike="noStrike" cap="none" normalizeH="0" baseline="0" dirty="0">
-                <a:ln>
-                  <a:noFill/>
-                </a:ln>
-                <a:solidFill>
-                  <a:srgbClr val="89DDFF"/>
-                </a:solidFill>
-                <a:effectLst/>
-                <a:latin typeface="JetBrains Mono"/>
-              </a:rPr>
-              <a:t>(</a:t>
-            </a:r>
-            <a:r>
-              <a:rPr kumimoji="0" lang="de-DE" altLang="de-DE" sz="900" b="0" i="0" u="none" strike="noStrike" cap="none" normalizeH="0" baseline="0" dirty="0">
-                <a:ln>
-                  <a:noFill/>
-                </a:ln>
-                <a:solidFill>
-                  <a:srgbClr val="C3CEE3"/>
-                </a:solidFill>
-                <a:effectLst/>
-                <a:latin typeface="JetBrains Mono"/>
-              </a:rPr>
-              <a:t>y</a:t>
-            </a:r>
-            <a:r>
-              <a:rPr kumimoji="0" lang="de-DE" altLang="de-DE" sz="900" b="0" i="0" u="none" strike="noStrike" cap="none" normalizeH="0" baseline="0" dirty="0">
-                <a:ln>
-                  <a:noFill/>
-                </a:ln>
-                <a:solidFill>
-                  <a:srgbClr val="89DDFF"/>
-                </a:solidFill>
-                <a:effectLst/>
-                <a:latin typeface="JetBrains Mono"/>
-              </a:rPr>
-              <a:t>[</a:t>
-            </a:r>
-            <a:r>
-              <a:rPr kumimoji="0" lang="de-DE" altLang="de-DE" sz="900" b="0" i="0" u="none" strike="noStrike" cap="none" normalizeH="0" baseline="0" dirty="0">
-                <a:ln>
-                  <a:noFill/>
-                </a:ln>
-                <a:solidFill>
-                  <a:srgbClr val="C3CEE3"/>
-                </a:solidFill>
-                <a:effectLst/>
-                <a:latin typeface="JetBrains Mono"/>
-              </a:rPr>
-              <a:t>n</a:t>
-            </a:r>
-            <a:r>
-              <a:rPr kumimoji="0" lang="de-DE" altLang="de-DE" sz="900" b="0" i="0" u="none" strike="noStrike" cap="none" normalizeH="0" baseline="0" dirty="0">
-                <a:ln>
-                  <a:noFill/>
-                </a:ln>
-                <a:solidFill>
-                  <a:srgbClr val="89DDFF"/>
-                </a:solidFill>
-                <a:effectLst/>
-                <a:latin typeface="JetBrains Mono"/>
-              </a:rPr>
-              <a:t>][</a:t>
-            </a:r>
-            <a:r>
-              <a:rPr kumimoji="0" lang="de-DE" altLang="de-DE" sz="900" b="0" i="0" u="none" strike="noStrike" cap="none" normalizeH="0" baseline="0" dirty="0">
-                <a:ln>
-                  <a:noFill/>
-                </a:ln>
-                <a:solidFill>
-                  <a:srgbClr val="C3CEE3"/>
-                </a:solidFill>
-                <a:effectLst/>
-                <a:latin typeface="JetBrains Mono"/>
-              </a:rPr>
-              <a:t>t</a:t>
-            </a:r>
-            <a:r>
-              <a:rPr kumimoji="0" lang="de-DE" altLang="de-DE" sz="900" b="0" i="0" u="none" strike="noStrike" cap="none" normalizeH="0" baseline="0" dirty="0">
-                <a:ln>
-                  <a:noFill/>
-                </a:ln>
-                <a:solidFill>
-                  <a:srgbClr val="89DDFF"/>
-                </a:solidFill>
-                <a:effectLst/>
-                <a:latin typeface="JetBrains Mono"/>
-              </a:rPr>
-              <a:t>]*</a:t>
-            </a:r>
-            <a:r>
-              <a:rPr kumimoji="0" lang="de-DE" altLang="de-DE" sz="900" b="0" i="0" u="none" strike="noStrike" cap="none" normalizeH="0" baseline="0" dirty="0">
-                <a:ln>
-                  <a:noFill/>
-                </a:ln>
-                <a:solidFill>
-                  <a:srgbClr val="C3CEE3"/>
-                </a:solidFill>
-                <a:effectLst/>
-                <a:latin typeface="JetBrains Mono"/>
-              </a:rPr>
-              <a:t>r</a:t>
-            </a:r>
-            <a:r>
-              <a:rPr kumimoji="0" lang="de-DE" altLang="de-DE" sz="900" b="0" i="0" u="none" strike="noStrike" cap="none" normalizeH="0" baseline="0" dirty="0">
-                <a:ln>
-                  <a:noFill/>
-                </a:ln>
-                <a:solidFill>
-                  <a:srgbClr val="89DDFF"/>
-                </a:solidFill>
-                <a:effectLst/>
-                <a:latin typeface="JetBrains Mono"/>
-              </a:rPr>
-              <a:t>)</a:t>
-            </a:r>
-            <a:br>
-              <a:rPr kumimoji="0" lang="de-DE" altLang="de-DE" sz="900" b="0" i="0" u="none" strike="noStrike" cap="none" normalizeH="0" baseline="0" dirty="0">
-                <a:ln>
-                  <a:noFill/>
-                </a:ln>
-                <a:solidFill>
-                  <a:srgbClr val="89DDFF"/>
-                </a:solidFill>
-                <a:effectLst/>
-                <a:latin typeface="JetBrains Mono"/>
-              </a:rPr>
-            </a:br>
-            <a:br>
-              <a:rPr kumimoji="0" lang="de-DE" altLang="de-DE" sz="900" b="0" i="0" u="none" strike="noStrike" cap="none" normalizeH="0" baseline="0" dirty="0">
-                <a:ln>
-                  <a:noFill/>
-                </a:ln>
-                <a:solidFill>
-                  <a:srgbClr val="89DDFF"/>
-                </a:solidFill>
-                <a:effectLst/>
-                <a:latin typeface="JetBrains Mono"/>
-              </a:rPr>
-            </a:br>
-            <a:r>
-              <a:rPr kumimoji="0" lang="de-DE" altLang="de-DE" sz="900" b="0" i="0" u="none" strike="noStrike" cap="none" normalizeH="0" baseline="0" dirty="0" err="1">
-                <a:ln>
-                  <a:noFill/>
-                </a:ln>
-                <a:solidFill>
-                  <a:srgbClr val="C3CEE3"/>
-                </a:solidFill>
-                <a:effectLst/>
-                <a:latin typeface="JetBrains Mono"/>
-              </a:rPr>
-              <a:t>plt</a:t>
-            </a:r>
-            <a:r>
-              <a:rPr kumimoji="0" lang="de-DE" altLang="de-DE" sz="900" b="0" i="0" u="none" strike="noStrike" cap="none" normalizeH="0" baseline="0" dirty="0" err="1">
-                <a:ln>
-                  <a:noFill/>
-                </a:ln>
-                <a:solidFill>
-                  <a:srgbClr val="89DDFF"/>
-                </a:solidFill>
-                <a:effectLst/>
-                <a:latin typeface="JetBrains Mono"/>
-              </a:rPr>
-              <a:t>.</a:t>
-            </a:r>
-            <a:r>
-              <a:rPr kumimoji="0" lang="de-DE" altLang="de-DE" sz="900" b="0" i="0" u="none" strike="noStrike" cap="none" normalizeH="0" baseline="0" dirty="0" err="1">
-                <a:ln>
-                  <a:noFill/>
-                </a:ln>
-                <a:solidFill>
-                  <a:srgbClr val="82AAFF"/>
-                </a:solidFill>
-                <a:effectLst/>
-                <a:latin typeface="JetBrains Mono"/>
-              </a:rPr>
-              <a:t>plot</a:t>
-            </a:r>
-            <a:r>
-              <a:rPr kumimoji="0" lang="de-DE" altLang="de-DE" sz="900" b="0" i="0" u="none" strike="noStrike" cap="none" normalizeH="0" baseline="0" dirty="0">
-                <a:ln>
-                  <a:noFill/>
-                </a:ln>
-                <a:solidFill>
-                  <a:srgbClr val="89DDFF"/>
-                </a:solidFill>
-                <a:effectLst/>
-                <a:latin typeface="JetBrains Mono"/>
-              </a:rPr>
-              <a:t>(</a:t>
-            </a:r>
-            <a:r>
-              <a:rPr kumimoji="0" lang="de-DE" altLang="de-DE" sz="900" b="0" i="0" u="none" strike="noStrike" cap="none" normalizeH="0" baseline="0" dirty="0" err="1">
-                <a:ln>
-                  <a:noFill/>
-                </a:ln>
-                <a:solidFill>
-                  <a:srgbClr val="C3CEE3"/>
-                </a:solidFill>
-                <a:effectLst/>
-                <a:latin typeface="JetBrains Mono"/>
-              </a:rPr>
-              <a:t>realX</a:t>
-            </a:r>
-            <a:r>
-              <a:rPr kumimoji="0" lang="de-DE" altLang="de-DE" sz="900" b="0" i="0" u="none" strike="noStrike" cap="none" normalizeH="0" baseline="0" dirty="0">
-                <a:ln>
-                  <a:noFill/>
-                </a:ln>
-                <a:solidFill>
-                  <a:srgbClr val="89DDFF"/>
-                </a:solidFill>
-                <a:effectLst/>
-                <a:latin typeface="JetBrains Mono"/>
-              </a:rPr>
-              <a:t>, </a:t>
-            </a:r>
-            <a:r>
-              <a:rPr kumimoji="0" lang="de-DE" altLang="de-DE" sz="900" b="0" i="0" u="none" strike="noStrike" cap="none" normalizeH="0" baseline="0" dirty="0" err="1">
-                <a:ln>
-                  <a:noFill/>
-                </a:ln>
-                <a:solidFill>
-                  <a:srgbClr val="C3CEE3"/>
-                </a:solidFill>
-                <a:effectLst/>
-                <a:latin typeface="JetBrains Mono"/>
-              </a:rPr>
-              <a:t>realY</a:t>
-            </a:r>
-            <a:r>
-              <a:rPr kumimoji="0" lang="de-DE" altLang="de-DE" sz="900" b="0" i="0" u="none" strike="noStrike" cap="none" normalizeH="0" baseline="0" dirty="0">
-                <a:ln>
-                  <a:noFill/>
-                </a:ln>
-                <a:solidFill>
-                  <a:srgbClr val="89DDFF"/>
-                </a:solidFill>
-                <a:effectLst/>
-                <a:latin typeface="JetBrains Mono"/>
-              </a:rPr>
-              <a:t>)</a:t>
-            </a:r>
-            <a:br>
-              <a:rPr kumimoji="0" lang="de-DE" altLang="de-DE" sz="900" b="0" i="0" u="none" strike="noStrike" cap="none" normalizeH="0" baseline="0" dirty="0">
-                <a:ln>
-                  <a:noFill/>
-                </a:ln>
-                <a:solidFill>
-                  <a:srgbClr val="89DDFF"/>
-                </a:solidFill>
-                <a:effectLst/>
-                <a:latin typeface="JetBrains Mono"/>
-              </a:rPr>
-            </a:br>
-            <a:r>
-              <a:rPr kumimoji="0" lang="de-DE" altLang="de-DE" sz="900" b="0" i="1" u="none" strike="noStrike" cap="none" normalizeH="0" baseline="0" dirty="0" err="1">
-                <a:ln>
-                  <a:noFill/>
-                </a:ln>
-                <a:solidFill>
-                  <a:srgbClr val="C792EA"/>
-                </a:solidFill>
-                <a:effectLst/>
-                <a:latin typeface="JetBrains Mono"/>
-              </a:rPr>
-              <a:t>for</a:t>
-            </a:r>
-            <a:r>
-              <a:rPr kumimoji="0" lang="de-DE" altLang="de-DE" sz="900" b="0" i="1" u="none" strike="noStrike" cap="none" normalizeH="0" baseline="0" dirty="0">
-                <a:ln>
-                  <a:noFill/>
-                </a:ln>
-                <a:solidFill>
-                  <a:srgbClr val="C792EA"/>
-                </a:solidFill>
-                <a:effectLst/>
-                <a:latin typeface="JetBrains Mono"/>
-              </a:rPr>
-              <a:t> </a:t>
-            </a:r>
-            <a:r>
-              <a:rPr kumimoji="0" lang="de-DE" altLang="de-DE" sz="900" b="0" i="0" u="none" strike="noStrike" cap="none" normalizeH="0" baseline="0" dirty="0">
-                <a:ln>
-                  <a:noFill/>
-                </a:ln>
-                <a:solidFill>
-                  <a:srgbClr val="C3CEE3"/>
-                </a:solidFill>
-                <a:effectLst/>
-                <a:latin typeface="JetBrains Mono"/>
-              </a:rPr>
-              <a:t>n </a:t>
-            </a:r>
-            <a:r>
-              <a:rPr kumimoji="0" lang="de-DE" altLang="de-DE" sz="900" b="0" i="1" u="none" strike="noStrike" cap="none" normalizeH="0" baseline="0" dirty="0">
-                <a:ln>
-                  <a:noFill/>
-                </a:ln>
-                <a:solidFill>
-                  <a:srgbClr val="C792EA"/>
-                </a:solidFill>
-                <a:effectLst/>
-                <a:latin typeface="JetBrains Mono"/>
-              </a:rPr>
-              <a:t>in </a:t>
-            </a:r>
-            <a:r>
-              <a:rPr kumimoji="0" lang="de-DE" altLang="de-DE" sz="900" b="0" i="1" u="none" strike="noStrike" cap="none" normalizeH="0" baseline="0" dirty="0" err="1">
-                <a:ln>
-                  <a:noFill/>
-                </a:ln>
-                <a:solidFill>
-                  <a:srgbClr val="82AAFF"/>
-                </a:solidFill>
-                <a:effectLst/>
-                <a:latin typeface="JetBrains Mono"/>
-              </a:rPr>
-              <a:t>range</a:t>
-            </a:r>
-            <a:r>
-              <a:rPr kumimoji="0" lang="de-DE" altLang="de-DE" sz="900" b="0" i="0" u="none" strike="noStrike" cap="none" normalizeH="0" baseline="0" dirty="0">
-                <a:ln>
-                  <a:noFill/>
-                </a:ln>
-                <a:solidFill>
-                  <a:srgbClr val="89DDFF"/>
-                </a:solidFill>
-                <a:effectLst/>
-                <a:latin typeface="JetBrains Mono"/>
-              </a:rPr>
-              <a:t>(</a:t>
-            </a:r>
-            <a:r>
-              <a:rPr kumimoji="0" lang="de-DE" altLang="de-DE" sz="900" b="0" i="0" u="none" strike="noStrike" cap="none" normalizeH="0" baseline="0" dirty="0" err="1">
-                <a:ln>
-                  <a:noFill/>
-                </a:ln>
-                <a:solidFill>
-                  <a:srgbClr val="C3CEE3"/>
-                </a:solidFill>
-                <a:effectLst/>
-                <a:latin typeface="JetBrains Mono"/>
-              </a:rPr>
-              <a:t>anzahlSims</a:t>
-            </a:r>
-            <a:r>
-              <a:rPr kumimoji="0" lang="de-DE" altLang="de-DE" sz="900" b="0" i="0" u="none" strike="noStrike" cap="none" normalizeH="0" baseline="0" dirty="0">
-                <a:ln>
-                  <a:noFill/>
-                </a:ln>
-                <a:solidFill>
-                  <a:srgbClr val="89DDFF"/>
-                </a:solidFill>
-                <a:effectLst/>
-                <a:latin typeface="JetBrains Mono"/>
-              </a:rPr>
-              <a:t>):</a:t>
-            </a:r>
-            <a:br>
-              <a:rPr kumimoji="0" lang="de-DE" altLang="de-DE" sz="900" b="0" i="0" u="none" strike="noStrike" cap="none" normalizeH="0" baseline="0" dirty="0">
-                <a:ln>
-                  <a:noFill/>
-                </a:ln>
-                <a:solidFill>
-                  <a:srgbClr val="89DDFF"/>
-                </a:solidFill>
-                <a:effectLst/>
-                <a:latin typeface="JetBrains Mono"/>
-              </a:rPr>
-            </a:br>
-            <a:r>
-              <a:rPr kumimoji="0" lang="de-DE" altLang="de-DE" sz="900" b="0" i="0" u="none" strike="noStrike" cap="none" normalizeH="0" baseline="0" dirty="0">
-                <a:ln>
-                  <a:noFill/>
-                </a:ln>
-                <a:solidFill>
-                  <a:srgbClr val="89DDFF"/>
-                </a:solidFill>
-                <a:effectLst/>
-                <a:latin typeface="JetBrains Mono"/>
-              </a:rPr>
-              <a:t>    </a:t>
-            </a:r>
-            <a:r>
-              <a:rPr kumimoji="0" lang="de-DE" altLang="de-DE" sz="900" b="0" i="0" u="none" strike="noStrike" cap="none" normalizeH="0" baseline="0" dirty="0" err="1">
-                <a:ln>
-                  <a:noFill/>
-                </a:ln>
-                <a:solidFill>
-                  <a:srgbClr val="C3CEE3"/>
-                </a:solidFill>
-                <a:effectLst/>
-                <a:latin typeface="JetBrains Mono"/>
-              </a:rPr>
-              <a:t>plt</a:t>
-            </a:r>
-            <a:r>
-              <a:rPr kumimoji="0" lang="de-DE" altLang="de-DE" sz="900" b="0" i="0" u="none" strike="noStrike" cap="none" normalizeH="0" baseline="0" dirty="0" err="1">
-                <a:ln>
-                  <a:noFill/>
-                </a:ln>
-                <a:solidFill>
-                  <a:srgbClr val="89DDFF"/>
-                </a:solidFill>
-                <a:effectLst/>
-                <a:latin typeface="JetBrains Mono"/>
-              </a:rPr>
-              <a:t>.</a:t>
-            </a:r>
-            <a:r>
-              <a:rPr kumimoji="0" lang="de-DE" altLang="de-DE" sz="900" b="0" i="0" u="none" strike="noStrike" cap="none" normalizeH="0" baseline="0" dirty="0" err="1">
-                <a:ln>
-                  <a:noFill/>
-                </a:ln>
-                <a:solidFill>
-                  <a:srgbClr val="82AAFF"/>
-                </a:solidFill>
-                <a:effectLst/>
-                <a:latin typeface="JetBrains Mono"/>
-              </a:rPr>
-              <a:t>plot</a:t>
-            </a:r>
-            <a:r>
-              <a:rPr kumimoji="0" lang="de-DE" altLang="de-DE" sz="900" b="0" i="0" u="none" strike="noStrike" cap="none" normalizeH="0" baseline="0" dirty="0">
-                <a:ln>
-                  <a:noFill/>
-                </a:ln>
-                <a:solidFill>
-                  <a:srgbClr val="89DDFF"/>
-                </a:solidFill>
-                <a:effectLst/>
-                <a:latin typeface="JetBrains Mono"/>
-              </a:rPr>
-              <a:t>(</a:t>
-            </a:r>
-            <a:r>
-              <a:rPr kumimoji="0" lang="de-DE" altLang="de-DE" sz="900" b="0" i="0" u="none" strike="noStrike" cap="none" normalizeH="0" baseline="0" dirty="0">
-                <a:ln>
-                  <a:noFill/>
-                </a:ln>
-                <a:solidFill>
-                  <a:srgbClr val="C3CEE3"/>
-                </a:solidFill>
-                <a:effectLst/>
-                <a:latin typeface="JetBrains Mono"/>
-              </a:rPr>
-              <a:t>x</a:t>
-            </a:r>
-            <a:r>
-              <a:rPr kumimoji="0" lang="de-DE" altLang="de-DE" sz="900" b="0" i="0" u="none" strike="noStrike" cap="none" normalizeH="0" baseline="0" dirty="0">
-                <a:ln>
-                  <a:noFill/>
-                </a:ln>
-                <a:solidFill>
-                  <a:srgbClr val="89DDFF"/>
-                </a:solidFill>
-                <a:effectLst/>
-                <a:latin typeface="JetBrains Mono"/>
-              </a:rPr>
-              <a:t>, </a:t>
-            </a:r>
-            <a:r>
-              <a:rPr kumimoji="0" lang="de-DE" altLang="de-DE" sz="900" b="0" i="0" u="none" strike="noStrike" cap="none" normalizeH="0" baseline="0" dirty="0">
-                <a:ln>
-                  <a:noFill/>
-                </a:ln>
-                <a:solidFill>
-                  <a:srgbClr val="C3CEE3"/>
-                </a:solidFill>
-                <a:effectLst/>
-                <a:latin typeface="JetBrains Mono"/>
-              </a:rPr>
-              <a:t>y</a:t>
-            </a:r>
-            <a:r>
-              <a:rPr kumimoji="0" lang="de-DE" altLang="de-DE" sz="900" b="0" i="0" u="none" strike="noStrike" cap="none" normalizeH="0" baseline="0" dirty="0">
-                <a:ln>
-                  <a:noFill/>
-                </a:ln>
-                <a:solidFill>
-                  <a:srgbClr val="89DDFF"/>
-                </a:solidFill>
-                <a:effectLst/>
-                <a:latin typeface="JetBrains Mono"/>
-              </a:rPr>
-              <a:t>[</a:t>
-            </a:r>
-            <a:r>
-              <a:rPr kumimoji="0" lang="de-DE" altLang="de-DE" sz="900" b="0" i="0" u="none" strike="noStrike" cap="none" normalizeH="0" baseline="0" dirty="0">
-                <a:ln>
-                  <a:noFill/>
-                </a:ln>
-                <a:solidFill>
-                  <a:srgbClr val="C3CEE3"/>
-                </a:solidFill>
-                <a:effectLst/>
-                <a:latin typeface="JetBrains Mono"/>
-              </a:rPr>
-              <a:t>n</a:t>
-            </a:r>
-            <a:r>
-              <a:rPr kumimoji="0" lang="de-DE" altLang="de-DE" sz="900" b="0" i="0" u="none" strike="noStrike" cap="none" normalizeH="0" baseline="0" dirty="0">
-                <a:ln>
-                  <a:noFill/>
-                </a:ln>
-                <a:solidFill>
-                  <a:srgbClr val="89DDFF"/>
-                </a:solidFill>
-                <a:effectLst/>
-                <a:latin typeface="JetBrains Mono"/>
-              </a:rPr>
-              <a:t>])</a:t>
-            </a:r>
-            <a:br>
-              <a:rPr kumimoji="0" lang="de-DE" altLang="de-DE" sz="900" b="0" i="0" u="none" strike="noStrike" cap="none" normalizeH="0" baseline="0" dirty="0">
-                <a:ln>
-                  <a:noFill/>
-                </a:ln>
-                <a:solidFill>
-                  <a:srgbClr val="89DDFF"/>
-                </a:solidFill>
-                <a:effectLst/>
-                <a:latin typeface="JetBrains Mono"/>
-              </a:rPr>
-            </a:br>
-            <a:br>
-              <a:rPr kumimoji="0" lang="de-DE" altLang="de-DE" sz="900" b="0" i="0" u="none" strike="noStrike" cap="none" normalizeH="0" baseline="0" dirty="0">
-                <a:ln>
-                  <a:noFill/>
-                </a:ln>
-                <a:solidFill>
-                  <a:srgbClr val="89DDFF"/>
-                </a:solidFill>
-                <a:effectLst/>
-                <a:latin typeface="JetBrains Mono"/>
-              </a:rPr>
-            </a:br>
-            <a:br>
-              <a:rPr kumimoji="0" lang="de-DE" altLang="de-DE" sz="900" b="0" i="0" u="none" strike="noStrike" cap="none" normalizeH="0" baseline="0" dirty="0">
-                <a:ln>
-                  <a:noFill/>
-                </a:ln>
-                <a:solidFill>
-                  <a:srgbClr val="89DDFF"/>
-                </a:solidFill>
-                <a:effectLst/>
-                <a:latin typeface="JetBrains Mono"/>
-              </a:rPr>
-            </a:br>
-            <a:r>
-              <a:rPr kumimoji="0" lang="de-DE" altLang="de-DE" sz="900" b="0" i="0" u="none" strike="noStrike" cap="none" normalizeH="0" baseline="0" dirty="0" err="1">
-                <a:ln>
-                  <a:noFill/>
-                </a:ln>
-                <a:solidFill>
-                  <a:srgbClr val="C3CEE3"/>
-                </a:solidFill>
-                <a:effectLst/>
-                <a:latin typeface="JetBrains Mono"/>
-              </a:rPr>
-              <a:t>plt</a:t>
-            </a:r>
-            <a:r>
-              <a:rPr kumimoji="0" lang="de-DE" altLang="de-DE" sz="900" b="0" i="0" u="none" strike="noStrike" cap="none" normalizeH="0" baseline="0" dirty="0" err="1">
-                <a:ln>
-                  <a:noFill/>
-                </a:ln>
-                <a:solidFill>
-                  <a:srgbClr val="89DDFF"/>
-                </a:solidFill>
-                <a:effectLst/>
-                <a:latin typeface="JetBrains Mono"/>
-              </a:rPr>
-              <a:t>.</a:t>
-            </a:r>
-            <a:r>
-              <a:rPr kumimoji="0" lang="de-DE" altLang="de-DE" sz="900" b="0" i="0" u="none" strike="noStrike" cap="none" normalizeH="0" baseline="0" dirty="0" err="1">
-                <a:ln>
-                  <a:noFill/>
-                </a:ln>
-                <a:solidFill>
-                  <a:srgbClr val="82AAFF"/>
-                </a:solidFill>
-                <a:effectLst/>
-                <a:latin typeface="JetBrains Mono"/>
-              </a:rPr>
-              <a:t>title</a:t>
-            </a:r>
-            <a:r>
-              <a:rPr kumimoji="0" lang="de-DE" altLang="de-DE" sz="900" b="0" i="0" u="none" strike="noStrike" cap="none" normalizeH="0" baseline="0" dirty="0">
-                <a:ln>
-                  <a:noFill/>
-                </a:ln>
-                <a:solidFill>
-                  <a:srgbClr val="89DDFF"/>
-                </a:solidFill>
-                <a:effectLst/>
-                <a:latin typeface="JetBrains Mono"/>
-              </a:rPr>
-              <a:t>(</a:t>
-            </a:r>
-            <a:r>
-              <a:rPr kumimoji="0" lang="de-DE" altLang="de-DE" sz="900" b="0" i="0" u="none" strike="noStrike" cap="none" normalizeH="0" baseline="0" dirty="0">
-                <a:ln>
-                  <a:noFill/>
-                </a:ln>
-                <a:solidFill>
-                  <a:srgbClr val="C3E88D"/>
-                </a:solidFill>
-                <a:effectLst/>
-                <a:latin typeface="JetBrains Mono"/>
-              </a:rPr>
-              <a:t>'Rheinmetall - Markov Chain'</a:t>
-            </a:r>
-            <a:r>
-              <a:rPr kumimoji="0" lang="de-DE" altLang="de-DE" sz="900" b="0" i="0" u="none" strike="noStrike" cap="none" normalizeH="0" baseline="0" dirty="0">
-                <a:ln>
-                  <a:noFill/>
-                </a:ln>
-                <a:solidFill>
-                  <a:srgbClr val="89DDFF"/>
-                </a:solidFill>
-                <a:effectLst/>
-                <a:latin typeface="JetBrains Mono"/>
-              </a:rPr>
-              <a:t>)</a:t>
-            </a:r>
-            <a:br>
-              <a:rPr kumimoji="0" lang="de-DE" altLang="de-DE" sz="900" b="0" i="0" u="none" strike="noStrike" cap="none" normalizeH="0" baseline="0" dirty="0">
-                <a:ln>
-                  <a:noFill/>
-                </a:ln>
-                <a:solidFill>
-                  <a:srgbClr val="89DDFF"/>
-                </a:solidFill>
-                <a:effectLst/>
-                <a:latin typeface="JetBrains Mono"/>
-              </a:rPr>
-            </a:br>
-            <a:r>
-              <a:rPr kumimoji="0" lang="de-DE" altLang="de-DE" sz="900" b="0" i="0" u="none" strike="noStrike" cap="none" normalizeH="0" baseline="0" dirty="0" err="1">
-                <a:ln>
-                  <a:noFill/>
-                </a:ln>
-                <a:solidFill>
-                  <a:srgbClr val="C3CEE3"/>
-                </a:solidFill>
-                <a:effectLst/>
-                <a:latin typeface="JetBrains Mono"/>
-              </a:rPr>
-              <a:t>plt</a:t>
-            </a:r>
-            <a:r>
-              <a:rPr kumimoji="0" lang="de-DE" altLang="de-DE" sz="900" b="0" i="0" u="none" strike="noStrike" cap="none" normalizeH="0" baseline="0" dirty="0" err="1">
-                <a:ln>
-                  <a:noFill/>
-                </a:ln>
-                <a:solidFill>
-                  <a:srgbClr val="89DDFF"/>
-                </a:solidFill>
-                <a:effectLst/>
-                <a:latin typeface="JetBrains Mono"/>
-              </a:rPr>
-              <a:t>.</a:t>
-            </a:r>
-            <a:r>
-              <a:rPr kumimoji="0" lang="de-DE" altLang="de-DE" sz="900" b="0" i="0" u="none" strike="noStrike" cap="none" normalizeH="0" baseline="0" dirty="0" err="1">
-                <a:ln>
-                  <a:noFill/>
-                </a:ln>
-                <a:solidFill>
-                  <a:srgbClr val="82AAFF"/>
-                </a:solidFill>
-                <a:effectLst/>
-                <a:latin typeface="JetBrains Mono"/>
-              </a:rPr>
-              <a:t>legend</a:t>
-            </a:r>
-            <a:r>
-              <a:rPr kumimoji="0" lang="de-DE" altLang="de-DE" sz="900" b="0" i="0" u="none" strike="noStrike" cap="none" normalizeH="0" baseline="0" dirty="0">
-                <a:ln>
-                  <a:noFill/>
-                </a:ln>
-                <a:solidFill>
-                  <a:srgbClr val="89DDFF"/>
-                </a:solidFill>
-                <a:effectLst/>
-                <a:latin typeface="JetBrains Mono"/>
-              </a:rPr>
-              <a:t>()</a:t>
-            </a:r>
-            <a:br>
-              <a:rPr kumimoji="0" lang="de-DE" altLang="de-DE" sz="900" b="0" i="0" u="none" strike="noStrike" cap="none" normalizeH="0" baseline="0" dirty="0">
-                <a:ln>
-                  <a:noFill/>
-                </a:ln>
-                <a:solidFill>
-                  <a:srgbClr val="89DDFF"/>
-                </a:solidFill>
-                <a:effectLst/>
-                <a:latin typeface="JetBrains Mono"/>
-              </a:rPr>
-            </a:br>
-            <a:r>
-              <a:rPr kumimoji="0" lang="de-DE" altLang="de-DE" sz="900" b="0" i="0" u="none" strike="noStrike" cap="none" normalizeH="0" baseline="0" dirty="0" err="1">
-                <a:ln>
-                  <a:noFill/>
-                </a:ln>
-                <a:solidFill>
-                  <a:srgbClr val="C3CEE3"/>
-                </a:solidFill>
-                <a:effectLst/>
-                <a:latin typeface="JetBrains Mono"/>
-              </a:rPr>
-              <a:t>plt</a:t>
-            </a:r>
-            <a:r>
-              <a:rPr kumimoji="0" lang="de-DE" altLang="de-DE" sz="900" b="0" i="0" u="none" strike="noStrike" cap="none" normalizeH="0" baseline="0" dirty="0" err="1">
-                <a:ln>
-                  <a:noFill/>
-                </a:ln>
-                <a:solidFill>
-                  <a:srgbClr val="89DDFF"/>
-                </a:solidFill>
-                <a:effectLst/>
-                <a:latin typeface="JetBrains Mono"/>
-              </a:rPr>
-              <a:t>.</a:t>
-            </a:r>
-            <a:r>
-              <a:rPr kumimoji="0" lang="de-DE" altLang="de-DE" sz="900" b="0" i="0" u="none" strike="noStrike" cap="none" normalizeH="0" baseline="0" dirty="0" err="1">
-                <a:ln>
-                  <a:noFill/>
-                </a:ln>
-                <a:solidFill>
-                  <a:srgbClr val="82AAFF"/>
-                </a:solidFill>
-                <a:effectLst/>
-                <a:latin typeface="JetBrains Mono"/>
-              </a:rPr>
-              <a:t>grid</a:t>
-            </a:r>
-            <a:r>
-              <a:rPr kumimoji="0" lang="de-DE" altLang="de-DE" sz="900" b="0" i="0" u="none" strike="noStrike" cap="none" normalizeH="0" baseline="0" dirty="0">
-                <a:ln>
-                  <a:noFill/>
-                </a:ln>
-                <a:solidFill>
-                  <a:srgbClr val="89DDFF"/>
-                </a:solidFill>
-                <a:effectLst/>
-                <a:latin typeface="JetBrains Mono"/>
-              </a:rPr>
-              <a:t>()</a:t>
-            </a:r>
-            <a:br>
-              <a:rPr kumimoji="0" lang="de-DE" altLang="de-DE" sz="900" b="0" i="0" u="none" strike="noStrike" cap="none" normalizeH="0" baseline="0" dirty="0">
-                <a:ln>
-                  <a:noFill/>
-                </a:ln>
-                <a:solidFill>
-                  <a:srgbClr val="89DDFF"/>
-                </a:solidFill>
-                <a:effectLst/>
-                <a:latin typeface="JetBrains Mono"/>
-              </a:rPr>
-            </a:br>
-            <a:r>
-              <a:rPr kumimoji="0" lang="de-DE" altLang="de-DE" sz="900" b="0" i="0" u="none" strike="noStrike" cap="none" normalizeH="0" baseline="0" dirty="0" err="1">
-                <a:ln>
-                  <a:noFill/>
-                </a:ln>
-                <a:solidFill>
-                  <a:srgbClr val="C3CEE3"/>
-                </a:solidFill>
-                <a:effectLst/>
-                <a:latin typeface="JetBrains Mono"/>
-              </a:rPr>
-              <a:t>plt</a:t>
-            </a:r>
-            <a:r>
-              <a:rPr kumimoji="0" lang="de-DE" altLang="de-DE" sz="900" b="0" i="0" u="none" strike="noStrike" cap="none" normalizeH="0" baseline="0" dirty="0" err="1">
-                <a:ln>
-                  <a:noFill/>
-                </a:ln>
-                <a:solidFill>
-                  <a:srgbClr val="89DDFF"/>
-                </a:solidFill>
-                <a:effectLst/>
-                <a:latin typeface="JetBrains Mono"/>
-              </a:rPr>
-              <a:t>.</a:t>
-            </a:r>
-            <a:r>
-              <a:rPr kumimoji="0" lang="de-DE" altLang="de-DE" sz="900" b="0" i="0" u="none" strike="noStrike" cap="none" normalizeH="0" baseline="0" dirty="0" err="1">
-                <a:ln>
-                  <a:noFill/>
-                </a:ln>
-                <a:solidFill>
-                  <a:srgbClr val="82AAFF"/>
-                </a:solidFill>
-                <a:effectLst/>
-                <a:latin typeface="JetBrains Mono"/>
-              </a:rPr>
-              <a:t>xlabel</a:t>
-            </a:r>
-            <a:r>
-              <a:rPr kumimoji="0" lang="de-DE" altLang="de-DE" sz="900" b="0" i="0" u="none" strike="noStrike" cap="none" normalizeH="0" baseline="0" dirty="0">
-                <a:ln>
-                  <a:noFill/>
-                </a:ln>
-                <a:solidFill>
-                  <a:srgbClr val="89DDFF"/>
-                </a:solidFill>
-                <a:effectLst/>
-                <a:latin typeface="JetBrains Mono"/>
-              </a:rPr>
-              <a:t>(</a:t>
-            </a:r>
-            <a:r>
-              <a:rPr kumimoji="0" lang="de-DE" altLang="de-DE" sz="900" b="0" i="0" u="none" strike="noStrike" cap="none" normalizeH="0" baseline="0" dirty="0">
-                <a:ln>
-                  <a:noFill/>
-                </a:ln>
-                <a:solidFill>
-                  <a:srgbClr val="C3E88D"/>
-                </a:solidFill>
-                <a:effectLst/>
-                <a:latin typeface="JetBrains Mono"/>
-              </a:rPr>
-              <a:t>"Zeit in Tagen"</a:t>
-            </a:r>
-            <a:r>
-              <a:rPr kumimoji="0" lang="de-DE" altLang="de-DE" sz="900" b="0" i="0" u="none" strike="noStrike" cap="none" normalizeH="0" baseline="0" dirty="0">
-                <a:ln>
-                  <a:noFill/>
-                </a:ln>
-                <a:solidFill>
-                  <a:srgbClr val="89DDFF"/>
-                </a:solidFill>
-                <a:effectLst/>
-                <a:latin typeface="JetBrains Mono"/>
-              </a:rPr>
-              <a:t>)</a:t>
-            </a:r>
-            <a:br>
-              <a:rPr kumimoji="0" lang="de-DE" altLang="de-DE" sz="900" b="0" i="0" u="none" strike="noStrike" cap="none" normalizeH="0" baseline="0" dirty="0">
-                <a:ln>
-                  <a:noFill/>
-                </a:ln>
-                <a:solidFill>
-                  <a:srgbClr val="89DDFF"/>
-                </a:solidFill>
-                <a:effectLst/>
-                <a:latin typeface="JetBrains Mono"/>
-              </a:rPr>
-            </a:br>
-            <a:r>
-              <a:rPr kumimoji="0" lang="de-DE" altLang="de-DE" sz="900" b="0" i="0" u="none" strike="noStrike" cap="none" normalizeH="0" baseline="0" dirty="0" err="1">
-                <a:ln>
-                  <a:noFill/>
-                </a:ln>
-                <a:solidFill>
-                  <a:srgbClr val="C3CEE3"/>
-                </a:solidFill>
-                <a:effectLst/>
-                <a:latin typeface="JetBrains Mono"/>
-              </a:rPr>
-              <a:t>plt</a:t>
-            </a:r>
-            <a:r>
-              <a:rPr kumimoji="0" lang="de-DE" altLang="de-DE" sz="900" b="0" i="0" u="none" strike="noStrike" cap="none" normalizeH="0" baseline="0" dirty="0" err="1">
-                <a:ln>
-                  <a:noFill/>
-                </a:ln>
-                <a:solidFill>
-                  <a:srgbClr val="89DDFF"/>
-                </a:solidFill>
-                <a:effectLst/>
-                <a:latin typeface="JetBrains Mono"/>
-              </a:rPr>
-              <a:t>.</a:t>
-            </a:r>
-            <a:r>
-              <a:rPr kumimoji="0" lang="de-DE" altLang="de-DE" sz="900" b="0" i="0" u="none" strike="noStrike" cap="none" normalizeH="0" baseline="0" dirty="0" err="1">
-                <a:ln>
-                  <a:noFill/>
-                </a:ln>
-                <a:solidFill>
-                  <a:srgbClr val="82AAFF"/>
-                </a:solidFill>
-                <a:effectLst/>
-                <a:latin typeface="JetBrains Mono"/>
-              </a:rPr>
-              <a:t>ylabel</a:t>
-            </a:r>
-            <a:r>
-              <a:rPr kumimoji="0" lang="de-DE" altLang="de-DE" sz="900" b="0" i="0" u="none" strike="noStrike" cap="none" normalizeH="0" baseline="0" dirty="0">
-                <a:ln>
-                  <a:noFill/>
-                </a:ln>
-                <a:solidFill>
-                  <a:srgbClr val="89DDFF"/>
-                </a:solidFill>
-                <a:effectLst/>
-                <a:latin typeface="JetBrains Mono"/>
-              </a:rPr>
-              <a:t>(</a:t>
-            </a:r>
-            <a:r>
-              <a:rPr kumimoji="0" lang="de-DE" altLang="de-DE" sz="900" b="0" i="0" u="none" strike="noStrike" cap="none" normalizeH="0" baseline="0" dirty="0">
-                <a:ln>
-                  <a:noFill/>
-                </a:ln>
-                <a:solidFill>
-                  <a:srgbClr val="C3E88D"/>
-                </a:solidFill>
-                <a:effectLst/>
-                <a:latin typeface="JetBrains Mono"/>
-              </a:rPr>
-              <a:t>"Preis in €"</a:t>
-            </a:r>
-            <a:r>
-              <a:rPr kumimoji="0" lang="de-DE" altLang="de-DE" sz="900" b="0" i="0" u="none" strike="noStrike" cap="none" normalizeH="0" baseline="0" dirty="0">
-                <a:ln>
-                  <a:noFill/>
-                </a:ln>
-                <a:solidFill>
-                  <a:srgbClr val="89DDFF"/>
-                </a:solidFill>
-                <a:effectLst/>
-                <a:latin typeface="JetBrains Mono"/>
-              </a:rPr>
-              <a:t>)</a:t>
-            </a:r>
-            <a:br>
-              <a:rPr kumimoji="0" lang="de-DE" altLang="de-DE" sz="900" b="0" i="0" u="none" strike="noStrike" cap="none" normalizeH="0" baseline="0" dirty="0">
-                <a:ln>
-                  <a:noFill/>
-                </a:ln>
-                <a:solidFill>
-                  <a:srgbClr val="89DDFF"/>
-                </a:solidFill>
-                <a:effectLst/>
-                <a:latin typeface="JetBrains Mono"/>
-              </a:rPr>
-            </a:br>
-            <a:r>
-              <a:rPr kumimoji="0" lang="de-DE" altLang="de-DE" sz="900" b="0" i="1" u="none" strike="noStrike" cap="none" normalizeH="0" baseline="0" dirty="0">
-                <a:ln>
-                  <a:noFill/>
-                </a:ln>
-                <a:solidFill>
-                  <a:srgbClr val="717CB4"/>
-                </a:solidFill>
-                <a:effectLst/>
-                <a:latin typeface="JetBrains Mono"/>
-              </a:rPr>
-              <a:t># Show </a:t>
-            </a:r>
-            <a:r>
-              <a:rPr kumimoji="0" lang="de-DE" altLang="de-DE" sz="900" b="0" i="1" u="none" strike="noStrike" cap="none" normalizeH="0" baseline="0" dirty="0" err="1">
-                <a:ln>
-                  <a:noFill/>
-                </a:ln>
-                <a:solidFill>
-                  <a:srgbClr val="717CB4"/>
-                </a:solidFill>
-                <a:effectLst/>
-                <a:latin typeface="JetBrains Mono"/>
-              </a:rPr>
-              <a:t>the</a:t>
-            </a:r>
-            <a:r>
-              <a:rPr kumimoji="0" lang="de-DE" altLang="de-DE" sz="900" b="0" i="1" u="none" strike="noStrike" cap="none" normalizeH="0" baseline="0" dirty="0">
-                <a:ln>
-                  <a:noFill/>
-                </a:ln>
-                <a:solidFill>
-                  <a:srgbClr val="717CB4"/>
-                </a:solidFill>
-                <a:effectLst/>
-                <a:latin typeface="JetBrains Mono"/>
-              </a:rPr>
-              <a:t> </a:t>
-            </a:r>
-            <a:r>
-              <a:rPr kumimoji="0" lang="de-DE" altLang="de-DE" sz="900" b="0" i="1" u="none" strike="noStrike" cap="none" normalizeH="0" baseline="0" dirty="0" err="1">
-                <a:ln>
-                  <a:noFill/>
-                </a:ln>
-                <a:solidFill>
-                  <a:srgbClr val="717CB4"/>
-                </a:solidFill>
-                <a:effectLst/>
-                <a:latin typeface="JetBrains Mono"/>
-              </a:rPr>
-              <a:t>plot</a:t>
-            </a:r>
-            <a:br>
-              <a:rPr kumimoji="0" lang="de-DE" altLang="de-DE" sz="900" b="0" i="1" u="none" strike="noStrike" cap="none" normalizeH="0" baseline="0" dirty="0">
-                <a:ln>
-                  <a:noFill/>
-                </a:ln>
-                <a:solidFill>
-                  <a:srgbClr val="717CB4"/>
-                </a:solidFill>
-                <a:effectLst/>
-                <a:latin typeface="JetBrains Mono"/>
-              </a:rPr>
-            </a:br>
-            <a:r>
-              <a:rPr kumimoji="0" lang="de-DE" altLang="de-DE" sz="900" b="0" i="0" u="none" strike="noStrike" cap="none" normalizeH="0" baseline="0" dirty="0" err="1">
-                <a:ln>
-                  <a:noFill/>
-                </a:ln>
-                <a:solidFill>
-                  <a:srgbClr val="C3CEE3"/>
-                </a:solidFill>
-                <a:effectLst/>
-                <a:latin typeface="JetBrains Mono"/>
-              </a:rPr>
-              <a:t>plt</a:t>
-            </a:r>
-            <a:r>
-              <a:rPr kumimoji="0" lang="de-DE" altLang="de-DE" sz="900" b="0" i="0" u="none" strike="noStrike" cap="none" normalizeH="0" baseline="0" dirty="0" err="1">
-                <a:ln>
-                  <a:noFill/>
-                </a:ln>
-                <a:solidFill>
-                  <a:srgbClr val="89DDFF"/>
-                </a:solidFill>
-                <a:effectLst/>
-                <a:latin typeface="JetBrains Mono"/>
-              </a:rPr>
-              <a:t>.</a:t>
-            </a:r>
-            <a:r>
-              <a:rPr kumimoji="0" lang="de-DE" altLang="de-DE" sz="900" b="0" i="0" u="none" strike="noStrike" cap="none" normalizeH="0" baseline="0" dirty="0" err="1">
-                <a:ln>
-                  <a:noFill/>
-                </a:ln>
-                <a:solidFill>
-                  <a:srgbClr val="82AAFF"/>
-                </a:solidFill>
-                <a:effectLst/>
-                <a:latin typeface="JetBrains Mono"/>
-              </a:rPr>
-              <a:t>show</a:t>
-            </a:r>
-            <a:r>
-              <a:rPr kumimoji="0" lang="de-DE" altLang="de-DE" sz="900" b="0" i="0" u="none" strike="noStrike" cap="none" normalizeH="0" baseline="0" dirty="0">
-                <a:ln>
-                  <a:noFill/>
-                </a:ln>
-                <a:solidFill>
-                  <a:srgbClr val="89DDFF"/>
-                </a:solidFill>
-                <a:effectLst/>
-                <a:latin typeface="JetBrains Mono"/>
-              </a:rPr>
-              <a:t>()</a:t>
-            </a:r>
-            <a:br>
-              <a:rPr kumimoji="0" lang="de-DE" altLang="de-DE" sz="900" b="0" i="0" u="none" strike="noStrike" cap="none" normalizeH="0" baseline="0" dirty="0">
-                <a:ln>
-                  <a:noFill/>
-                </a:ln>
-                <a:solidFill>
-                  <a:srgbClr val="89DDFF"/>
-                </a:solidFill>
-                <a:effectLst/>
-                <a:latin typeface="JetBrains Mono"/>
-              </a:rPr>
-            </a:br>
-            <a:br>
-              <a:rPr kumimoji="0" lang="de-DE" altLang="de-DE" sz="900" b="0" i="0" u="none" strike="noStrike" cap="none" normalizeH="0" baseline="0" dirty="0">
-                <a:ln>
-                  <a:noFill/>
-                </a:ln>
-                <a:solidFill>
-                  <a:srgbClr val="89DDFF"/>
-                </a:solidFill>
-                <a:effectLst/>
-                <a:latin typeface="JetBrains Mono"/>
-              </a:rPr>
-            </a:br>
-            <a:r>
-              <a:rPr kumimoji="0" lang="de-DE" altLang="de-DE" sz="900" b="0" i="0" u="none" strike="noStrike" cap="none" normalizeH="0" baseline="0" dirty="0" err="1">
-                <a:ln>
-                  <a:noFill/>
-                </a:ln>
-                <a:solidFill>
-                  <a:srgbClr val="C3CEE3"/>
-                </a:solidFill>
-                <a:effectLst/>
-                <a:latin typeface="JetBrains Mono"/>
-              </a:rPr>
-              <a:t>distributions</a:t>
-            </a:r>
-            <a:r>
-              <a:rPr kumimoji="0" lang="de-DE" altLang="de-DE" sz="900" b="0" i="0" u="none" strike="noStrike" cap="none" normalizeH="0" baseline="0" dirty="0">
-                <a:ln>
-                  <a:noFill/>
-                </a:ln>
-                <a:solidFill>
-                  <a:srgbClr val="C3CEE3"/>
-                </a:solidFill>
-                <a:effectLst/>
-                <a:latin typeface="JetBrains Mono"/>
-              </a:rPr>
-              <a:t> </a:t>
-            </a:r>
-            <a:r>
-              <a:rPr kumimoji="0" lang="de-DE" altLang="de-DE" sz="900" b="0" i="0" u="none" strike="noStrike" cap="none" normalizeH="0" baseline="0" dirty="0">
-                <a:ln>
-                  <a:noFill/>
-                </a:ln>
-                <a:solidFill>
-                  <a:srgbClr val="89DDFF"/>
-                </a:solidFill>
-                <a:effectLst/>
-                <a:latin typeface="JetBrains Mono"/>
-              </a:rPr>
-              <a:t>= []</a:t>
-            </a:r>
-            <a:br>
-              <a:rPr kumimoji="0" lang="de-DE" altLang="de-DE" sz="900" b="0" i="0" u="none" strike="noStrike" cap="none" normalizeH="0" baseline="0" dirty="0">
-                <a:ln>
-                  <a:noFill/>
-                </a:ln>
-                <a:solidFill>
-                  <a:srgbClr val="89DDFF"/>
-                </a:solidFill>
-                <a:effectLst/>
-                <a:latin typeface="JetBrains Mono"/>
-              </a:rPr>
-            </a:br>
-            <a:r>
-              <a:rPr kumimoji="0" lang="de-DE" altLang="de-DE" sz="900" b="0" i="1" u="none" strike="noStrike" cap="none" normalizeH="0" baseline="0" dirty="0" err="1">
-                <a:ln>
-                  <a:noFill/>
-                </a:ln>
-                <a:solidFill>
-                  <a:srgbClr val="C792EA"/>
-                </a:solidFill>
-                <a:effectLst/>
-                <a:latin typeface="JetBrains Mono"/>
-              </a:rPr>
-              <a:t>for</a:t>
-            </a:r>
-            <a:r>
-              <a:rPr kumimoji="0" lang="de-DE" altLang="de-DE" sz="900" b="0" i="1" u="none" strike="noStrike" cap="none" normalizeH="0" baseline="0" dirty="0">
-                <a:ln>
-                  <a:noFill/>
-                </a:ln>
-                <a:solidFill>
-                  <a:srgbClr val="C792EA"/>
-                </a:solidFill>
-                <a:effectLst/>
-                <a:latin typeface="JetBrains Mono"/>
-              </a:rPr>
-              <a:t> </a:t>
-            </a:r>
-            <a:r>
-              <a:rPr kumimoji="0" lang="de-DE" altLang="de-DE" sz="900" b="0" i="0" u="none" strike="noStrike" cap="none" normalizeH="0" baseline="0" dirty="0">
-                <a:ln>
-                  <a:noFill/>
-                </a:ln>
-                <a:solidFill>
-                  <a:srgbClr val="C3CEE3"/>
-                </a:solidFill>
-                <a:effectLst/>
-                <a:latin typeface="JetBrains Mono"/>
-              </a:rPr>
-              <a:t>i </a:t>
-            </a:r>
-            <a:r>
-              <a:rPr kumimoji="0" lang="de-DE" altLang="de-DE" sz="900" b="0" i="1" u="none" strike="noStrike" cap="none" normalizeH="0" baseline="0" dirty="0">
-                <a:ln>
-                  <a:noFill/>
-                </a:ln>
-                <a:solidFill>
-                  <a:srgbClr val="C792EA"/>
-                </a:solidFill>
-                <a:effectLst/>
-                <a:latin typeface="JetBrains Mono"/>
-              </a:rPr>
-              <a:t>in </a:t>
-            </a:r>
-            <a:r>
-              <a:rPr kumimoji="0" lang="de-DE" altLang="de-DE" sz="900" b="0" i="1" u="none" strike="noStrike" cap="none" normalizeH="0" baseline="0" dirty="0" err="1">
-                <a:ln>
-                  <a:noFill/>
-                </a:ln>
-                <a:solidFill>
-                  <a:srgbClr val="82AAFF"/>
-                </a:solidFill>
-                <a:effectLst/>
-                <a:latin typeface="JetBrains Mono"/>
-              </a:rPr>
-              <a:t>range</a:t>
-            </a:r>
-            <a:r>
-              <a:rPr kumimoji="0" lang="de-DE" altLang="de-DE" sz="900" b="0" i="0" u="none" strike="noStrike" cap="none" normalizeH="0" baseline="0" dirty="0">
-                <a:ln>
-                  <a:noFill/>
-                </a:ln>
-                <a:solidFill>
-                  <a:srgbClr val="89DDFF"/>
-                </a:solidFill>
-                <a:effectLst/>
-                <a:latin typeface="JetBrains Mono"/>
-              </a:rPr>
-              <a:t>(</a:t>
-            </a:r>
-            <a:r>
-              <a:rPr kumimoji="0" lang="de-DE" altLang="de-DE" sz="900" b="0" i="0" u="none" strike="noStrike" cap="none" normalizeH="0" baseline="0" dirty="0" err="1">
-                <a:ln>
-                  <a:noFill/>
-                </a:ln>
-                <a:solidFill>
-                  <a:srgbClr val="C3CEE3"/>
-                </a:solidFill>
-                <a:effectLst/>
-                <a:latin typeface="JetBrains Mono"/>
-              </a:rPr>
-              <a:t>anzahlSims</a:t>
-            </a:r>
-            <a:r>
-              <a:rPr kumimoji="0" lang="de-DE" altLang="de-DE" sz="900" b="0" i="0" u="none" strike="noStrike" cap="none" normalizeH="0" baseline="0" dirty="0">
-                <a:ln>
-                  <a:noFill/>
-                </a:ln>
-                <a:solidFill>
-                  <a:srgbClr val="89DDFF"/>
-                </a:solidFill>
-                <a:effectLst/>
-                <a:latin typeface="JetBrains Mono"/>
-              </a:rPr>
-              <a:t>):</a:t>
-            </a:r>
-            <a:br>
-              <a:rPr kumimoji="0" lang="de-DE" altLang="de-DE" sz="900" b="0" i="0" u="none" strike="noStrike" cap="none" normalizeH="0" baseline="0" dirty="0">
-                <a:ln>
-                  <a:noFill/>
-                </a:ln>
-                <a:solidFill>
-                  <a:srgbClr val="89DDFF"/>
-                </a:solidFill>
-                <a:effectLst/>
-                <a:latin typeface="JetBrains Mono"/>
-              </a:rPr>
-            </a:br>
-            <a:r>
-              <a:rPr kumimoji="0" lang="de-DE" altLang="de-DE" sz="900" b="0" i="0" u="none" strike="noStrike" cap="none" normalizeH="0" baseline="0" dirty="0">
-                <a:ln>
-                  <a:noFill/>
-                </a:ln>
-                <a:solidFill>
-                  <a:srgbClr val="89DDFF"/>
-                </a:solidFill>
-                <a:effectLst/>
-                <a:latin typeface="JetBrains Mono"/>
-              </a:rPr>
-              <a:t>    </a:t>
-            </a:r>
-            <a:r>
-              <a:rPr kumimoji="0" lang="de-DE" altLang="de-DE" sz="900" b="0" i="0" u="none" strike="noStrike" cap="none" normalizeH="0" baseline="0" dirty="0" err="1">
-                <a:ln>
-                  <a:noFill/>
-                </a:ln>
-                <a:solidFill>
-                  <a:srgbClr val="C3CEE3"/>
-                </a:solidFill>
-                <a:effectLst/>
-                <a:latin typeface="JetBrains Mono"/>
-              </a:rPr>
-              <a:t>distributions</a:t>
-            </a:r>
-            <a:r>
-              <a:rPr kumimoji="0" lang="de-DE" altLang="de-DE" sz="900" b="0" i="0" u="none" strike="noStrike" cap="none" normalizeH="0" baseline="0" dirty="0" err="1">
-                <a:ln>
-                  <a:noFill/>
-                </a:ln>
-                <a:solidFill>
-                  <a:srgbClr val="89DDFF"/>
-                </a:solidFill>
-                <a:effectLst/>
-                <a:latin typeface="JetBrains Mono"/>
-              </a:rPr>
-              <a:t>.</a:t>
-            </a:r>
-            <a:r>
-              <a:rPr kumimoji="0" lang="de-DE" altLang="de-DE" sz="900" b="0" i="0" u="none" strike="noStrike" cap="none" normalizeH="0" baseline="0" dirty="0" err="1">
-                <a:ln>
-                  <a:noFill/>
-                </a:ln>
-                <a:solidFill>
-                  <a:srgbClr val="82AAFF"/>
-                </a:solidFill>
-                <a:effectLst/>
-                <a:latin typeface="JetBrains Mono"/>
-              </a:rPr>
-              <a:t>append</a:t>
-            </a:r>
-            <a:r>
-              <a:rPr kumimoji="0" lang="de-DE" altLang="de-DE" sz="900" b="0" i="0" u="none" strike="noStrike" cap="none" normalizeH="0" baseline="0" dirty="0">
-                <a:ln>
-                  <a:noFill/>
-                </a:ln>
-                <a:solidFill>
-                  <a:srgbClr val="89DDFF"/>
-                </a:solidFill>
-                <a:effectLst/>
-                <a:latin typeface="JetBrains Mono"/>
-              </a:rPr>
-              <a:t>(</a:t>
-            </a:r>
-            <a:r>
-              <a:rPr kumimoji="0" lang="de-DE" altLang="de-DE" sz="900" b="0" i="0" u="none" strike="noStrike" cap="none" normalizeH="0" baseline="0" dirty="0">
-                <a:ln>
-                  <a:noFill/>
-                </a:ln>
-                <a:solidFill>
-                  <a:srgbClr val="C3CEE3"/>
-                </a:solidFill>
-                <a:effectLst/>
-                <a:latin typeface="JetBrains Mono"/>
-              </a:rPr>
-              <a:t>y</a:t>
-            </a:r>
-            <a:r>
-              <a:rPr kumimoji="0" lang="de-DE" altLang="de-DE" sz="900" b="0" i="0" u="none" strike="noStrike" cap="none" normalizeH="0" baseline="0" dirty="0">
-                <a:ln>
-                  <a:noFill/>
-                </a:ln>
-                <a:solidFill>
-                  <a:srgbClr val="89DDFF"/>
-                </a:solidFill>
-                <a:effectLst/>
-                <a:latin typeface="JetBrains Mono"/>
-              </a:rPr>
-              <a:t>[</a:t>
-            </a:r>
-            <a:r>
-              <a:rPr kumimoji="0" lang="de-DE" altLang="de-DE" sz="900" b="0" i="0" u="none" strike="noStrike" cap="none" normalizeH="0" baseline="0" dirty="0">
-                <a:ln>
-                  <a:noFill/>
-                </a:ln>
-                <a:solidFill>
-                  <a:srgbClr val="C3CEE3"/>
-                </a:solidFill>
-                <a:effectLst/>
-                <a:latin typeface="JetBrains Mono"/>
-              </a:rPr>
-              <a:t>i</a:t>
-            </a:r>
-            <a:r>
-              <a:rPr kumimoji="0" lang="de-DE" altLang="de-DE" sz="900" b="0" i="0" u="none" strike="noStrike" cap="none" normalizeH="0" baseline="0" dirty="0">
-                <a:ln>
-                  <a:noFill/>
-                </a:ln>
-                <a:solidFill>
-                  <a:srgbClr val="89DDFF"/>
-                </a:solidFill>
-                <a:effectLst/>
-                <a:latin typeface="JetBrains Mono"/>
-              </a:rPr>
-              <a:t>][</a:t>
-            </a:r>
-            <a:r>
-              <a:rPr kumimoji="0" lang="de-DE" altLang="de-DE" sz="900" b="0" i="0" u="none" strike="noStrike" cap="none" normalizeH="0" baseline="0" dirty="0">
-                <a:ln>
-                  <a:noFill/>
-                </a:ln>
-                <a:solidFill>
-                  <a:srgbClr val="F78C6C"/>
-                </a:solidFill>
-                <a:effectLst/>
-                <a:latin typeface="JetBrains Mono"/>
-              </a:rPr>
-              <a:t>100</a:t>
-            </a:r>
-            <a:r>
-              <a:rPr kumimoji="0" lang="de-DE" altLang="de-DE" sz="900" b="0" i="0" u="none" strike="noStrike" cap="none" normalizeH="0" baseline="0" dirty="0">
-                <a:ln>
-                  <a:noFill/>
-                </a:ln>
-                <a:solidFill>
-                  <a:srgbClr val="89DDFF"/>
-                </a:solidFill>
-                <a:effectLst/>
-                <a:latin typeface="JetBrains Mono"/>
-              </a:rPr>
-              <a:t>])</a:t>
-            </a:r>
-            <a:br>
-              <a:rPr kumimoji="0" lang="de-DE" altLang="de-DE" sz="900" b="0" i="0" u="none" strike="noStrike" cap="none" normalizeH="0" baseline="0" dirty="0">
-                <a:ln>
-                  <a:noFill/>
-                </a:ln>
-                <a:solidFill>
-                  <a:srgbClr val="89DDFF"/>
-                </a:solidFill>
-                <a:effectLst/>
-                <a:latin typeface="JetBrains Mono"/>
-              </a:rPr>
-            </a:br>
-            <a:r>
-              <a:rPr kumimoji="0" lang="de-DE" altLang="de-DE" sz="900" b="0" i="0" u="none" strike="noStrike" cap="none" normalizeH="0" baseline="0" dirty="0" err="1">
-                <a:ln>
-                  <a:noFill/>
-                </a:ln>
-                <a:solidFill>
-                  <a:srgbClr val="C3CEE3"/>
-                </a:solidFill>
-                <a:effectLst/>
-                <a:latin typeface="JetBrains Mono"/>
-              </a:rPr>
-              <a:t>plt</a:t>
-            </a:r>
-            <a:r>
-              <a:rPr kumimoji="0" lang="de-DE" altLang="de-DE" sz="900" b="0" i="0" u="none" strike="noStrike" cap="none" normalizeH="0" baseline="0" dirty="0" err="1">
-                <a:ln>
-                  <a:noFill/>
-                </a:ln>
-                <a:solidFill>
-                  <a:srgbClr val="89DDFF"/>
-                </a:solidFill>
-                <a:effectLst/>
-                <a:latin typeface="JetBrains Mono"/>
-              </a:rPr>
-              <a:t>.</a:t>
-            </a:r>
-            <a:r>
-              <a:rPr kumimoji="0" lang="de-DE" altLang="de-DE" sz="900" b="0" i="0" u="none" strike="noStrike" cap="none" normalizeH="0" baseline="0" dirty="0" err="1">
-                <a:ln>
-                  <a:noFill/>
-                </a:ln>
-                <a:solidFill>
-                  <a:srgbClr val="82AAFF"/>
-                </a:solidFill>
-                <a:effectLst/>
-                <a:latin typeface="JetBrains Mono"/>
-              </a:rPr>
-              <a:t>hist</a:t>
-            </a:r>
-            <a:r>
-              <a:rPr kumimoji="0" lang="de-DE" altLang="de-DE" sz="900" b="0" i="0" u="none" strike="noStrike" cap="none" normalizeH="0" baseline="0" dirty="0">
-                <a:ln>
-                  <a:noFill/>
-                </a:ln>
-                <a:solidFill>
-                  <a:srgbClr val="89DDFF"/>
-                </a:solidFill>
-                <a:effectLst/>
-                <a:latin typeface="JetBrains Mono"/>
-              </a:rPr>
-              <a:t>(</a:t>
-            </a:r>
-            <a:r>
-              <a:rPr kumimoji="0" lang="de-DE" altLang="de-DE" sz="900" b="0" i="0" u="none" strike="noStrike" cap="none" normalizeH="0" baseline="0" dirty="0" err="1">
-                <a:ln>
-                  <a:noFill/>
-                </a:ln>
-                <a:solidFill>
-                  <a:srgbClr val="C3CEE3"/>
-                </a:solidFill>
-                <a:effectLst/>
-                <a:latin typeface="JetBrains Mono"/>
-              </a:rPr>
-              <a:t>distributions</a:t>
-            </a:r>
-            <a:r>
-              <a:rPr kumimoji="0" lang="de-DE" altLang="de-DE" sz="900" b="0" i="0" u="none" strike="noStrike" cap="none" normalizeH="0" baseline="0" dirty="0">
-                <a:ln>
-                  <a:noFill/>
-                </a:ln>
-                <a:solidFill>
-                  <a:srgbClr val="89DDFF"/>
-                </a:solidFill>
-                <a:effectLst/>
-                <a:latin typeface="JetBrains Mono"/>
-              </a:rPr>
-              <a:t>, </a:t>
-            </a:r>
-            <a:r>
-              <a:rPr kumimoji="0" lang="de-DE" altLang="de-DE" sz="900" b="0" i="0" u="none" strike="noStrike" cap="none" normalizeH="0" baseline="0" dirty="0" err="1">
-                <a:ln>
-                  <a:noFill/>
-                </a:ln>
-                <a:solidFill>
-                  <a:srgbClr val="F78C6C"/>
-                </a:solidFill>
-                <a:effectLst/>
-                <a:latin typeface="JetBrains Mono"/>
-              </a:rPr>
-              <a:t>bins</a:t>
-            </a:r>
-            <a:r>
-              <a:rPr kumimoji="0" lang="de-DE" altLang="de-DE" sz="900" b="0" i="0" u="none" strike="noStrike" cap="none" normalizeH="0" baseline="0" dirty="0">
-                <a:ln>
-                  <a:noFill/>
-                </a:ln>
-                <a:solidFill>
-                  <a:srgbClr val="89DDFF"/>
-                </a:solidFill>
-                <a:effectLst/>
-                <a:latin typeface="JetBrains Mono"/>
-              </a:rPr>
-              <a:t>=</a:t>
-            </a:r>
-            <a:r>
-              <a:rPr kumimoji="0" lang="de-DE" altLang="de-DE" sz="900" b="0" i="0" u="none" strike="noStrike" cap="none" normalizeH="0" baseline="0" dirty="0">
-                <a:ln>
-                  <a:noFill/>
-                </a:ln>
-                <a:solidFill>
-                  <a:srgbClr val="F78C6C"/>
-                </a:solidFill>
-                <a:effectLst/>
-                <a:latin typeface="JetBrains Mono"/>
-              </a:rPr>
-              <a:t>30</a:t>
-            </a:r>
-            <a:r>
-              <a:rPr kumimoji="0" lang="de-DE" altLang="de-DE" sz="900" b="0" i="0" u="none" strike="noStrike" cap="none" normalizeH="0" baseline="0" dirty="0">
-                <a:ln>
-                  <a:noFill/>
-                </a:ln>
-                <a:solidFill>
-                  <a:srgbClr val="89DDFF"/>
-                </a:solidFill>
-                <a:effectLst/>
-                <a:latin typeface="JetBrains Mono"/>
-              </a:rPr>
-              <a:t>, </a:t>
-            </a:r>
-            <a:r>
-              <a:rPr kumimoji="0" lang="de-DE" altLang="de-DE" sz="900" b="0" i="0" u="none" strike="noStrike" cap="none" normalizeH="0" baseline="0" dirty="0" err="1">
-                <a:ln>
-                  <a:noFill/>
-                </a:ln>
-                <a:solidFill>
-                  <a:srgbClr val="F78C6C"/>
-                </a:solidFill>
-                <a:effectLst/>
-                <a:latin typeface="JetBrains Mono"/>
-              </a:rPr>
-              <a:t>density</a:t>
-            </a:r>
-            <a:r>
-              <a:rPr kumimoji="0" lang="de-DE" altLang="de-DE" sz="900" b="0" i="0" u="none" strike="noStrike" cap="none" normalizeH="0" baseline="0" dirty="0">
-                <a:ln>
-                  <a:noFill/>
-                </a:ln>
-                <a:solidFill>
-                  <a:srgbClr val="89DDFF"/>
-                </a:solidFill>
-                <a:effectLst/>
-                <a:latin typeface="JetBrains Mono"/>
-              </a:rPr>
-              <a:t>=</a:t>
-            </a:r>
-            <a:r>
-              <a:rPr kumimoji="0" lang="de-DE" altLang="de-DE" sz="900" b="0" i="1" u="none" strike="noStrike" cap="none" normalizeH="0" baseline="0" dirty="0">
-                <a:ln>
-                  <a:noFill/>
-                </a:ln>
-                <a:solidFill>
-                  <a:srgbClr val="C792EA"/>
-                </a:solidFill>
-                <a:effectLst/>
-                <a:latin typeface="JetBrains Mono"/>
-              </a:rPr>
-              <a:t>True</a:t>
-            </a:r>
-            <a:r>
-              <a:rPr kumimoji="0" lang="de-DE" altLang="de-DE" sz="900" b="0" i="0" u="none" strike="noStrike" cap="none" normalizeH="0" baseline="0" dirty="0">
-                <a:ln>
-                  <a:noFill/>
-                </a:ln>
-                <a:solidFill>
-                  <a:srgbClr val="89DDFF"/>
-                </a:solidFill>
-                <a:effectLst/>
-                <a:latin typeface="JetBrains Mono"/>
-              </a:rPr>
-              <a:t>, </a:t>
-            </a:r>
-            <a:r>
-              <a:rPr kumimoji="0" lang="de-DE" altLang="de-DE" sz="900" b="0" i="0" u="none" strike="noStrike" cap="none" normalizeH="0" baseline="0" dirty="0" err="1">
-                <a:ln>
-                  <a:noFill/>
-                </a:ln>
-                <a:solidFill>
-                  <a:srgbClr val="F78C6C"/>
-                </a:solidFill>
-                <a:effectLst/>
-                <a:latin typeface="JetBrains Mono"/>
-              </a:rPr>
-              <a:t>alpha</a:t>
-            </a:r>
-            <a:r>
-              <a:rPr kumimoji="0" lang="de-DE" altLang="de-DE" sz="900" b="0" i="0" u="none" strike="noStrike" cap="none" normalizeH="0" baseline="0" dirty="0">
-                <a:ln>
-                  <a:noFill/>
-                </a:ln>
-                <a:solidFill>
-                  <a:srgbClr val="89DDFF"/>
-                </a:solidFill>
-                <a:effectLst/>
-                <a:latin typeface="JetBrains Mono"/>
-              </a:rPr>
-              <a:t>=</a:t>
-            </a:r>
-            <a:r>
-              <a:rPr kumimoji="0" lang="de-DE" altLang="de-DE" sz="900" b="0" i="0" u="none" strike="noStrike" cap="none" normalizeH="0" baseline="0" dirty="0">
-                <a:ln>
-                  <a:noFill/>
-                </a:ln>
-                <a:solidFill>
-                  <a:srgbClr val="F78C6C"/>
-                </a:solidFill>
-                <a:effectLst/>
-                <a:latin typeface="JetBrains Mono"/>
-              </a:rPr>
-              <a:t>0.7</a:t>
-            </a:r>
-            <a:r>
-              <a:rPr kumimoji="0" lang="de-DE" altLang="de-DE" sz="900" b="0" i="0" u="none" strike="noStrike" cap="none" normalizeH="0" baseline="0" dirty="0">
-                <a:ln>
-                  <a:noFill/>
-                </a:ln>
-                <a:solidFill>
-                  <a:srgbClr val="89DDFF"/>
-                </a:solidFill>
-                <a:effectLst/>
-                <a:latin typeface="JetBrains Mono"/>
-              </a:rPr>
-              <a:t>, </a:t>
-            </a:r>
-            <a:r>
-              <a:rPr kumimoji="0" lang="de-DE" altLang="de-DE" sz="900" b="0" i="0" u="none" strike="noStrike" cap="none" normalizeH="0" baseline="0" dirty="0" err="1">
-                <a:ln>
-                  <a:noFill/>
-                </a:ln>
-                <a:solidFill>
-                  <a:srgbClr val="F78C6C"/>
-                </a:solidFill>
-                <a:effectLst/>
-                <a:latin typeface="JetBrains Mono"/>
-              </a:rPr>
-              <a:t>color</a:t>
-            </a:r>
-            <a:r>
-              <a:rPr kumimoji="0" lang="de-DE" altLang="de-DE" sz="900" b="0" i="0" u="none" strike="noStrike" cap="none" normalizeH="0" baseline="0" dirty="0">
-                <a:ln>
-                  <a:noFill/>
-                </a:ln>
-                <a:solidFill>
-                  <a:srgbClr val="89DDFF"/>
-                </a:solidFill>
-                <a:effectLst/>
-                <a:latin typeface="JetBrains Mono"/>
-              </a:rPr>
-              <a:t>=</a:t>
-            </a:r>
-            <a:r>
-              <a:rPr kumimoji="0" lang="de-DE" altLang="de-DE" sz="900" b="0" i="0" u="none" strike="noStrike" cap="none" normalizeH="0" baseline="0" dirty="0">
-                <a:ln>
-                  <a:noFill/>
-                </a:ln>
-                <a:solidFill>
-                  <a:srgbClr val="C3E88D"/>
-                </a:solidFill>
-                <a:effectLst/>
-                <a:latin typeface="JetBrains Mono"/>
-              </a:rPr>
-              <a:t>'</a:t>
-            </a:r>
-            <a:r>
-              <a:rPr kumimoji="0" lang="de-DE" altLang="de-DE" sz="900" b="0" i="0" u="none" strike="noStrike" cap="none" normalizeH="0" baseline="0" dirty="0" err="1">
-                <a:ln>
-                  <a:noFill/>
-                </a:ln>
-                <a:solidFill>
-                  <a:srgbClr val="C3E88D"/>
-                </a:solidFill>
-                <a:effectLst/>
-                <a:latin typeface="JetBrains Mono"/>
-              </a:rPr>
-              <a:t>skyblue</a:t>
-            </a:r>
-            <a:r>
-              <a:rPr kumimoji="0" lang="de-DE" altLang="de-DE" sz="900" b="0" i="0" u="none" strike="noStrike" cap="none" normalizeH="0" baseline="0" dirty="0">
-                <a:ln>
-                  <a:noFill/>
-                </a:ln>
-                <a:solidFill>
-                  <a:srgbClr val="C3E88D"/>
-                </a:solidFill>
-                <a:effectLst/>
-                <a:latin typeface="JetBrains Mono"/>
-              </a:rPr>
-              <a:t>'</a:t>
-            </a:r>
-            <a:r>
-              <a:rPr kumimoji="0" lang="de-DE" altLang="de-DE" sz="900" b="0" i="0" u="none" strike="noStrike" cap="none" normalizeH="0" baseline="0" dirty="0">
-                <a:ln>
-                  <a:noFill/>
-                </a:ln>
-                <a:solidFill>
-                  <a:srgbClr val="89DDFF"/>
-                </a:solidFill>
-                <a:effectLst/>
-                <a:latin typeface="JetBrains Mono"/>
-              </a:rPr>
-              <a:t>, </a:t>
-            </a:r>
-            <a:r>
-              <a:rPr kumimoji="0" lang="de-DE" altLang="de-DE" sz="900" b="0" i="0" u="none" strike="noStrike" cap="none" normalizeH="0" baseline="0" dirty="0" err="1">
-                <a:ln>
-                  <a:noFill/>
-                </a:ln>
-                <a:solidFill>
-                  <a:srgbClr val="F78C6C"/>
-                </a:solidFill>
-                <a:effectLst/>
-                <a:latin typeface="JetBrains Mono"/>
-              </a:rPr>
-              <a:t>edgecolor</a:t>
-            </a:r>
-            <a:r>
-              <a:rPr kumimoji="0" lang="de-DE" altLang="de-DE" sz="900" b="0" i="0" u="none" strike="noStrike" cap="none" normalizeH="0" baseline="0" dirty="0">
-                <a:ln>
-                  <a:noFill/>
-                </a:ln>
-                <a:solidFill>
-                  <a:srgbClr val="89DDFF"/>
-                </a:solidFill>
-                <a:effectLst/>
-                <a:latin typeface="JetBrains Mono"/>
-              </a:rPr>
-              <a:t>=</a:t>
-            </a:r>
-            <a:r>
-              <a:rPr kumimoji="0" lang="de-DE" altLang="de-DE" sz="900" b="0" i="0" u="none" strike="noStrike" cap="none" normalizeH="0" baseline="0" dirty="0">
-                <a:ln>
-                  <a:noFill/>
-                </a:ln>
-                <a:solidFill>
-                  <a:srgbClr val="C3E88D"/>
-                </a:solidFill>
-                <a:effectLst/>
-                <a:latin typeface="JetBrains Mono"/>
-              </a:rPr>
-              <a:t>'</a:t>
-            </a:r>
-            <a:r>
-              <a:rPr kumimoji="0" lang="de-DE" altLang="de-DE" sz="900" b="0" i="0" u="none" strike="noStrike" cap="none" normalizeH="0" baseline="0" dirty="0" err="1">
-                <a:ln>
-                  <a:noFill/>
-                </a:ln>
-                <a:solidFill>
-                  <a:srgbClr val="C3E88D"/>
-                </a:solidFill>
-                <a:effectLst/>
-                <a:latin typeface="JetBrains Mono"/>
-              </a:rPr>
-              <a:t>black</a:t>
-            </a:r>
-            <a:r>
-              <a:rPr kumimoji="0" lang="de-DE" altLang="de-DE" sz="900" b="0" i="0" u="none" strike="noStrike" cap="none" normalizeH="0" baseline="0" dirty="0">
-                <a:ln>
-                  <a:noFill/>
-                </a:ln>
-                <a:solidFill>
-                  <a:srgbClr val="C3E88D"/>
-                </a:solidFill>
-                <a:effectLst/>
-                <a:latin typeface="JetBrains Mono"/>
-              </a:rPr>
-              <a:t>'</a:t>
-            </a:r>
-            <a:r>
-              <a:rPr kumimoji="0" lang="de-DE" altLang="de-DE" sz="900" b="0" i="0" u="none" strike="noStrike" cap="none" normalizeH="0" baseline="0" dirty="0">
-                <a:ln>
-                  <a:noFill/>
-                </a:ln>
-                <a:solidFill>
-                  <a:srgbClr val="89DDFF"/>
-                </a:solidFill>
-                <a:effectLst/>
-                <a:latin typeface="JetBrains Mono"/>
-              </a:rPr>
-              <a:t>)</a:t>
-            </a:r>
-            <a:br>
-              <a:rPr kumimoji="0" lang="de-DE" altLang="de-DE" sz="900" b="0" i="0" u="none" strike="noStrike" cap="none" normalizeH="0" baseline="0" dirty="0">
-                <a:ln>
-                  <a:noFill/>
-                </a:ln>
-                <a:solidFill>
-                  <a:srgbClr val="89DDFF"/>
-                </a:solidFill>
-                <a:effectLst/>
-                <a:latin typeface="JetBrains Mono"/>
-              </a:rPr>
-            </a:br>
-            <a:br>
-              <a:rPr kumimoji="0" lang="de-DE" altLang="de-DE" sz="900" b="0" i="0" u="none" strike="noStrike" cap="none" normalizeH="0" baseline="0" dirty="0">
-                <a:ln>
-                  <a:noFill/>
-                </a:ln>
-                <a:solidFill>
-                  <a:srgbClr val="89DDFF"/>
-                </a:solidFill>
-                <a:effectLst/>
-                <a:latin typeface="JetBrains Mono"/>
-              </a:rPr>
-            </a:br>
-            <a:r>
-              <a:rPr kumimoji="0" lang="de-DE" altLang="de-DE" sz="900" b="0" i="0" u="none" strike="noStrike" cap="none" normalizeH="0" baseline="0" dirty="0" err="1">
-                <a:ln>
-                  <a:noFill/>
-                </a:ln>
-                <a:solidFill>
-                  <a:srgbClr val="C3CEE3"/>
-                </a:solidFill>
-                <a:effectLst/>
-                <a:latin typeface="JetBrains Mono"/>
-              </a:rPr>
-              <a:t>plt</a:t>
-            </a:r>
-            <a:r>
-              <a:rPr kumimoji="0" lang="de-DE" altLang="de-DE" sz="900" b="0" i="0" u="none" strike="noStrike" cap="none" normalizeH="0" baseline="0" dirty="0" err="1">
-                <a:ln>
-                  <a:noFill/>
-                </a:ln>
-                <a:solidFill>
-                  <a:srgbClr val="89DDFF"/>
-                </a:solidFill>
-                <a:effectLst/>
-                <a:latin typeface="JetBrains Mono"/>
-              </a:rPr>
-              <a:t>.</a:t>
-            </a:r>
-            <a:r>
-              <a:rPr kumimoji="0" lang="de-DE" altLang="de-DE" sz="900" b="0" i="0" u="none" strike="noStrike" cap="none" normalizeH="0" baseline="0" dirty="0" err="1">
-                <a:ln>
-                  <a:noFill/>
-                </a:ln>
-                <a:solidFill>
-                  <a:srgbClr val="82AAFF"/>
-                </a:solidFill>
-                <a:effectLst/>
-                <a:latin typeface="JetBrains Mono"/>
-              </a:rPr>
-              <a:t>title</a:t>
-            </a:r>
-            <a:r>
-              <a:rPr kumimoji="0" lang="de-DE" altLang="de-DE" sz="900" b="0" i="0" u="none" strike="noStrike" cap="none" normalizeH="0" baseline="0" dirty="0">
-                <a:ln>
-                  <a:noFill/>
-                </a:ln>
-                <a:solidFill>
-                  <a:srgbClr val="89DDFF"/>
-                </a:solidFill>
-                <a:effectLst/>
-                <a:latin typeface="JetBrains Mono"/>
-              </a:rPr>
-              <a:t>(</a:t>
-            </a:r>
-            <a:r>
-              <a:rPr kumimoji="0" lang="de-DE" altLang="de-DE" sz="900" b="0" i="0" u="none" strike="noStrike" cap="none" normalizeH="0" baseline="0" dirty="0">
-                <a:ln>
-                  <a:noFill/>
-                </a:ln>
-                <a:solidFill>
-                  <a:srgbClr val="C3E88D"/>
-                </a:solidFill>
-                <a:effectLst/>
-                <a:latin typeface="JetBrains Mono"/>
-              </a:rPr>
-              <a:t>'</a:t>
-            </a:r>
-            <a:r>
-              <a:rPr kumimoji="0" lang="de-DE" altLang="de-DE" sz="900" b="0" i="0" u="none" strike="noStrike" cap="none" normalizeH="0" baseline="0" dirty="0" err="1">
-                <a:ln>
-                  <a:noFill/>
-                </a:ln>
-                <a:solidFill>
-                  <a:srgbClr val="C3E88D"/>
-                </a:solidFill>
-                <a:effectLst/>
-                <a:latin typeface="JetBrains Mono"/>
-              </a:rPr>
-              <a:t>Product</a:t>
-            </a:r>
-            <a:r>
-              <a:rPr kumimoji="0" lang="de-DE" altLang="de-DE" sz="900" b="0" i="0" u="none" strike="noStrike" cap="none" normalizeH="0" baseline="0" dirty="0">
-                <a:ln>
-                  <a:noFill/>
-                </a:ln>
-                <a:solidFill>
-                  <a:srgbClr val="C3E88D"/>
-                </a:solidFill>
-                <a:effectLst/>
-                <a:latin typeface="JetBrains Mono"/>
-              </a:rPr>
-              <a:t> Distribution'</a:t>
-            </a:r>
-            <a:r>
-              <a:rPr kumimoji="0" lang="de-DE" altLang="de-DE" sz="900" b="0" i="0" u="none" strike="noStrike" cap="none" normalizeH="0" baseline="0" dirty="0">
-                <a:ln>
-                  <a:noFill/>
-                </a:ln>
-                <a:solidFill>
-                  <a:srgbClr val="89DDFF"/>
-                </a:solidFill>
-                <a:effectLst/>
-                <a:latin typeface="JetBrains Mono"/>
-              </a:rPr>
-              <a:t>, </a:t>
-            </a:r>
-            <a:r>
-              <a:rPr kumimoji="0" lang="de-DE" altLang="de-DE" sz="900" b="0" i="0" u="none" strike="noStrike" cap="none" normalizeH="0" baseline="0" dirty="0" err="1">
-                <a:ln>
-                  <a:noFill/>
-                </a:ln>
-                <a:solidFill>
-                  <a:srgbClr val="F78C6C"/>
-                </a:solidFill>
-                <a:effectLst/>
-                <a:latin typeface="JetBrains Mono"/>
-              </a:rPr>
-              <a:t>fontsize</a:t>
-            </a:r>
-            <a:r>
-              <a:rPr kumimoji="0" lang="de-DE" altLang="de-DE" sz="900" b="0" i="0" u="none" strike="noStrike" cap="none" normalizeH="0" baseline="0" dirty="0">
-                <a:ln>
-                  <a:noFill/>
-                </a:ln>
-                <a:solidFill>
-                  <a:srgbClr val="89DDFF"/>
-                </a:solidFill>
-                <a:effectLst/>
-                <a:latin typeface="JetBrains Mono"/>
-              </a:rPr>
-              <a:t>=</a:t>
-            </a:r>
-            <a:r>
-              <a:rPr kumimoji="0" lang="de-DE" altLang="de-DE" sz="900" b="0" i="0" u="none" strike="noStrike" cap="none" normalizeH="0" baseline="0" dirty="0">
-                <a:ln>
-                  <a:noFill/>
-                </a:ln>
-                <a:solidFill>
-                  <a:srgbClr val="F78C6C"/>
-                </a:solidFill>
-                <a:effectLst/>
-                <a:latin typeface="JetBrains Mono"/>
-              </a:rPr>
-              <a:t>16</a:t>
-            </a:r>
-            <a:r>
-              <a:rPr kumimoji="0" lang="de-DE" altLang="de-DE" sz="900" b="0" i="0" u="none" strike="noStrike" cap="none" normalizeH="0" baseline="0" dirty="0">
-                <a:ln>
-                  <a:noFill/>
-                </a:ln>
-                <a:solidFill>
-                  <a:srgbClr val="89DDFF"/>
-                </a:solidFill>
-                <a:effectLst/>
-                <a:latin typeface="JetBrains Mono"/>
-              </a:rPr>
-              <a:t>, </a:t>
-            </a:r>
-            <a:r>
-              <a:rPr kumimoji="0" lang="de-DE" altLang="de-DE" sz="900" b="0" i="0" u="none" strike="noStrike" cap="none" normalizeH="0" baseline="0" dirty="0" err="1">
-                <a:ln>
-                  <a:noFill/>
-                </a:ln>
-                <a:solidFill>
-                  <a:srgbClr val="F78C6C"/>
-                </a:solidFill>
-                <a:effectLst/>
-                <a:latin typeface="JetBrains Mono"/>
-              </a:rPr>
-              <a:t>fontweight</a:t>
-            </a:r>
-            <a:r>
-              <a:rPr kumimoji="0" lang="de-DE" altLang="de-DE" sz="900" b="0" i="0" u="none" strike="noStrike" cap="none" normalizeH="0" baseline="0" dirty="0">
-                <a:ln>
-                  <a:noFill/>
-                </a:ln>
-                <a:solidFill>
-                  <a:srgbClr val="89DDFF"/>
-                </a:solidFill>
-                <a:effectLst/>
-                <a:latin typeface="JetBrains Mono"/>
-              </a:rPr>
-              <a:t>=</a:t>
-            </a:r>
-            <a:r>
-              <a:rPr kumimoji="0" lang="de-DE" altLang="de-DE" sz="900" b="0" i="0" u="none" strike="noStrike" cap="none" normalizeH="0" baseline="0" dirty="0">
-                <a:ln>
-                  <a:noFill/>
-                </a:ln>
-                <a:solidFill>
-                  <a:srgbClr val="C3E88D"/>
-                </a:solidFill>
-                <a:effectLst/>
-                <a:latin typeface="JetBrains Mono"/>
-              </a:rPr>
-              <a:t>'</a:t>
-            </a:r>
-            <a:r>
-              <a:rPr kumimoji="0" lang="de-DE" altLang="de-DE" sz="900" b="0" i="0" u="none" strike="noStrike" cap="none" normalizeH="0" baseline="0" dirty="0" err="1">
-                <a:ln>
-                  <a:noFill/>
-                </a:ln>
-                <a:solidFill>
-                  <a:srgbClr val="C3E88D"/>
-                </a:solidFill>
-                <a:effectLst/>
-                <a:latin typeface="JetBrains Mono"/>
-              </a:rPr>
-              <a:t>bold</a:t>
-            </a:r>
-            <a:r>
-              <a:rPr kumimoji="0" lang="de-DE" altLang="de-DE" sz="900" b="0" i="0" u="none" strike="noStrike" cap="none" normalizeH="0" baseline="0" dirty="0">
-                <a:ln>
-                  <a:noFill/>
-                </a:ln>
-                <a:solidFill>
-                  <a:srgbClr val="C3E88D"/>
-                </a:solidFill>
-                <a:effectLst/>
-                <a:latin typeface="JetBrains Mono"/>
-              </a:rPr>
-              <a:t>'</a:t>
-            </a:r>
-            <a:r>
-              <a:rPr kumimoji="0" lang="de-DE" altLang="de-DE" sz="900" b="0" i="0" u="none" strike="noStrike" cap="none" normalizeH="0" baseline="0" dirty="0">
-                <a:ln>
-                  <a:noFill/>
-                </a:ln>
-                <a:solidFill>
-                  <a:srgbClr val="89DDFF"/>
-                </a:solidFill>
-                <a:effectLst/>
-                <a:latin typeface="JetBrains Mono"/>
-              </a:rPr>
-              <a:t>)</a:t>
-            </a:r>
-            <a:br>
-              <a:rPr kumimoji="0" lang="de-DE" altLang="de-DE" sz="900" b="0" i="0" u="none" strike="noStrike" cap="none" normalizeH="0" baseline="0" dirty="0">
-                <a:ln>
-                  <a:noFill/>
-                </a:ln>
-                <a:solidFill>
-                  <a:srgbClr val="89DDFF"/>
-                </a:solidFill>
-                <a:effectLst/>
-                <a:latin typeface="JetBrains Mono"/>
-              </a:rPr>
-            </a:br>
-            <a:r>
-              <a:rPr kumimoji="0" lang="de-DE" altLang="de-DE" sz="900" b="0" i="0" u="none" strike="noStrike" cap="none" normalizeH="0" baseline="0" dirty="0" err="1">
-                <a:ln>
-                  <a:noFill/>
-                </a:ln>
-                <a:solidFill>
-                  <a:srgbClr val="C3CEE3"/>
-                </a:solidFill>
-                <a:effectLst/>
-                <a:latin typeface="JetBrains Mono"/>
-              </a:rPr>
-              <a:t>plt</a:t>
-            </a:r>
-            <a:r>
-              <a:rPr kumimoji="0" lang="de-DE" altLang="de-DE" sz="900" b="0" i="0" u="none" strike="noStrike" cap="none" normalizeH="0" baseline="0" dirty="0" err="1">
-                <a:ln>
-                  <a:noFill/>
-                </a:ln>
-                <a:solidFill>
-                  <a:srgbClr val="89DDFF"/>
-                </a:solidFill>
-                <a:effectLst/>
-                <a:latin typeface="JetBrains Mono"/>
-              </a:rPr>
-              <a:t>.</a:t>
-            </a:r>
-            <a:r>
-              <a:rPr kumimoji="0" lang="de-DE" altLang="de-DE" sz="900" b="0" i="0" u="none" strike="noStrike" cap="none" normalizeH="0" baseline="0" dirty="0" err="1">
-                <a:ln>
-                  <a:noFill/>
-                </a:ln>
-                <a:solidFill>
-                  <a:srgbClr val="82AAFF"/>
-                </a:solidFill>
-                <a:effectLst/>
-                <a:latin typeface="JetBrains Mono"/>
-              </a:rPr>
-              <a:t>xlabel</a:t>
-            </a:r>
-            <a:r>
-              <a:rPr kumimoji="0" lang="de-DE" altLang="de-DE" sz="900" b="0" i="0" u="none" strike="noStrike" cap="none" normalizeH="0" baseline="0" dirty="0">
-                <a:ln>
-                  <a:noFill/>
-                </a:ln>
-                <a:solidFill>
-                  <a:srgbClr val="89DDFF"/>
-                </a:solidFill>
-                <a:effectLst/>
-                <a:latin typeface="JetBrains Mono"/>
-              </a:rPr>
-              <a:t>(</a:t>
-            </a:r>
-            <a:r>
-              <a:rPr kumimoji="0" lang="de-DE" altLang="de-DE" sz="900" b="0" i="0" u="none" strike="noStrike" cap="none" normalizeH="0" baseline="0" dirty="0">
-                <a:ln>
-                  <a:noFill/>
-                </a:ln>
-                <a:solidFill>
-                  <a:srgbClr val="C3E88D"/>
-                </a:solidFill>
-                <a:effectLst/>
-                <a:latin typeface="JetBrains Mono"/>
-              </a:rPr>
-              <a:t>'Value'</a:t>
-            </a:r>
-            <a:r>
-              <a:rPr kumimoji="0" lang="de-DE" altLang="de-DE" sz="900" b="0" i="0" u="none" strike="noStrike" cap="none" normalizeH="0" baseline="0" dirty="0">
-                <a:ln>
-                  <a:noFill/>
-                </a:ln>
-                <a:solidFill>
-                  <a:srgbClr val="89DDFF"/>
-                </a:solidFill>
-                <a:effectLst/>
-                <a:latin typeface="JetBrains Mono"/>
-              </a:rPr>
-              <a:t>, </a:t>
-            </a:r>
-            <a:r>
-              <a:rPr kumimoji="0" lang="de-DE" altLang="de-DE" sz="900" b="0" i="0" u="none" strike="noStrike" cap="none" normalizeH="0" baseline="0" dirty="0" err="1">
-                <a:ln>
-                  <a:noFill/>
-                </a:ln>
-                <a:solidFill>
-                  <a:srgbClr val="F78C6C"/>
-                </a:solidFill>
-                <a:effectLst/>
-                <a:latin typeface="JetBrains Mono"/>
-              </a:rPr>
-              <a:t>fontsize</a:t>
-            </a:r>
-            <a:r>
-              <a:rPr kumimoji="0" lang="de-DE" altLang="de-DE" sz="900" b="0" i="0" u="none" strike="noStrike" cap="none" normalizeH="0" baseline="0" dirty="0">
-                <a:ln>
-                  <a:noFill/>
-                </a:ln>
-                <a:solidFill>
-                  <a:srgbClr val="89DDFF"/>
-                </a:solidFill>
-                <a:effectLst/>
-                <a:latin typeface="JetBrains Mono"/>
-              </a:rPr>
-              <a:t>=</a:t>
-            </a:r>
-            <a:r>
-              <a:rPr kumimoji="0" lang="de-DE" altLang="de-DE" sz="900" b="0" i="0" u="none" strike="noStrike" cap="none" normalizeH="0" baseline="0" dirty="0">
-                <a:ln>
-                  <a:noFill/>
-                </a:ln>
-                <a:solidFill>
-                  <a:srgbClr val="F78C6C"/>
-                </a:solidFill>
-                <a:effectLst/>
-                <a:latin typeface="JetBrains Mono"/>
-              </a:rPr>
-              <a:t>12</a:t>
-            </a:r>
-            <a:r>
-              <a:rPr kumimoji="0" lang="de-DE" altLang="de-DE" sz="900" b="0" i="0" u="none" strike="noStrike" cap="none" normalizeH="0" baseline="0" dirty="0">
-                <a:ln>
-                  <a:noFill/>
-                </a:ln>
-                <a:solidFill>
-                  <a:srgbClr val="89DDFF"/>
-                </a:solidFill>
-                <a:effectLst/>
-                <a:latin typeface="JetBrains Mono"/>
-              </a:rPr>
-              <a:t>)</a:t>
-            </a:r>
-            <a:br>
-              <a:rPr kumimoji="0" lang="de-DE" altLang="de-DE" sz="900" b="0" i="0" u="none" strike="noStrike" cap="none" normalizeH="0" baseline="0" dirty="0">
-                <a:ln>
-                  <a:noFill/>
-                </a:ln>
-                <a:solidFill>
-                  <a:srgbClr val="89DDFF"/>
-                </a:solidFill>
-                <a:effectLst/>
-                <a:latin typeface="JetBrains Mono"/>
-              </a:rPr>
-            </a:br>
-            <a:r>
-              <a:rPr kumimoji="0" lang="de-DE" altLang="de-DE" sz="900" b="0" i="0" u="none" strike="noStrike" cap="none" normalizeH="0" baseline="0" dirty="0" err="1">
-                <a:ln>
-                  <a:noFill/>
-                </a:ln>
-                <a:solidFill>
-                  <a:srgbClr val="C3CEE3"/>
-                </a:solidFill>
-                <a:effectLst/>
-                <a:latin typeface="JetBrains Mono"/>
-              </a:rPr>
-              <a:t>plt</a:t>
-            </a:r>
-            <a:r>
-              <a:rPr kumimoji="0" lang="de-DE" altLang="de-DE" sz="900" b="0" i="0" u="none" strike="noStrike" cap="none" normalizeH="0" baseline="0" dirty="0" err="1">
-                <a:ln>
-                  <a:noFill/>
-                </a:ln>
-                <a:solidFill>
-                  <a:srgbClr val="89DDFF"/>
-                </a:solidFill>
-                <a:effectLst/>
-                <a:latin typeface="JetBrains Mono"/>
-              </a:rPr>
-              <a:t>.</a:t>
-            </a:r>
-            <a:r>
-              <a:rPr kumimoji="0" lang="de-DE" altLang="de-DE" sz="900" b="0" i="0" u="none" strike="noStrike" cap="none" normalizeH="0" baseline="0" dirty="0" err="1">
-                <a:ln>
-                  <a:noFill/>
-                </a:ln>
-                <a:solidFill>
-                  <a:srgbClr val="82AAFF"/>
-                </a:solidFill>
-                <a:effectLst/>
-                <a:latin typeface="JetBrains Mono"/>
-              </a:rPr>
-              <a:t>ylabel</a:t>
-            </a:r>
-            <a:r>
-              <a:rPr kumimoji="0" lang="de-DE" altLang="de-DE" sz="900" b="0" i="0" u="none" strike="noStrike" cap="none" normalizeH="0" baseline="0" dirty="0">
-                <a:ln>
-                  <a:noFill/>
-                </a:ln>
-                <a:solidFill>
-                  <a:srgbClr val="89DDFF"/>
-                </a:solidFill>
-                <a:effectLst/>
-                <a:latin typeface="JetBrains Mono"/>
-              </a:rPr>
-              <a:t>(</a:t>
-            </a:r>
-            <a:r>
-              <a:rPr kumimoji="0" lang="de-DE" altLang="de-DE" sz="900" b="0" i="0" u="none" strike="noStrike" cap="none" normalizeH="0" baseline="0" dirty="0">
-                <a:ln>
-                  <a:noFill/>
-                </a:ln>
-                <a:solidFill>
-                  <a:srgbClr val="C3E88D"/>
-                </a:solidFill>
-                <a:effectLst/>
-                <a:latin typeface="JetBrains Mono"/>
-              </a:rPr>
-              <a:t>'</a:t>
-            </a:r>
-            <a:r>
-              <a:rPr kumimoji="0" lang="de-DE" altLang="de-DE" sz="900" b="0" i="0" u="none" strike="noStrike" cap="none" normalizeH="0" baseline="0" dirty="0" err="1">
-                <a:ln>
-                  <a:noFill/>
-                </a:ln>
-                <a:solidFill>
-                  <a:srgbClr val="C3E88D"/>
-                </a:solidFill>
-                <a:effectLst/>
-                <a:latin typeface="JetBrains Mono"/>
-              </a:rPr>
-              <a:t>Probability</a:t>
-            </a:r>
-            <a:r>
-              <a:rPr kumimoji="0" lang="de-DE" altLang="de-DE" sz="900" b="0" i="0" u="none" strike="noStrike" cap="none" normalizeH="0" baseline="0" dirty="0">
-                <a:ln>
-                  <a:noFill/>
-                </a:ln>
-                <a:solidFill>
-                  <a:srgbClr val="C3E88D"/>
-                </a:solidFill>
-                <a:effectLst/>
-                <a:latin typeface="JetBrains Mono"/>
-              </a:rPr>
-              <a:t> Density'</a:t>
-            </a:r>
-            <a:r>
-              <a:rPr kumimoji="0" lang="de-DE" altLang="de-DE" sz="900" b="0" i="0" u="none" strike="noStrike" cap="none" normalizeH="0" baseline="0" dirty="0">
-                <a:ln>
-                  <a:noFill/>
-                </a:ln>
-                <a:solidFill>
-                  <a:srgbClr val="89DDFF"/>
-                </a:solidFill>
-                <a:effectLst/>
-                <a:latin typeface="JetBrains Mono"/>
-              </a:rPr>
-              <a:t>, </a:t>
-            </a:r>
-            <a:r>
-              <a:rPr kumimoji="0" lang="de-DE" altLang="de-DE" sz="900" b="0" i="0" u="none" strike="noStrike" cap="none" normalizeH="0" baseline="0" dirty="0" err="1">
-                <a:ln>
-                  <a:noFill/>
-                </a:ln>
-                <a:solidFill>
-                  <a:srgbClr val="F78C6C"/>
-                </a:solidFill>
-                <a:effectLst/>
-                <a:latin typeface="JetBrains Mono"/>
-              </a:rPr>
-              <a:t>fontsize</a:t>
-            </a:r>
-            <a:r>
-              <a:rPr kumimoji="0" lang="de-DE" altLang="de-DE" sz="900" b="0" i="0" u="none" strike="noStrike" cap="none" normalizeH="0" baseline="0" dirty="0">
-                <a:ln>
-                  <a:noFill/>
-                </a:ln>
-                <a:solidFill>
-                  <a:srgbClr val="89DDFF"/>
-                </a:solidFill>
-                <a:effectLst/>
-                <a:latin typeface="JetBrains Mono"/>
-              </a:rPr>
-              <a:t>=</a:t>
-            </a:r>
-            <a:r>
-              <a:rPr kumimoji="0" lang="de-DE" altLang="de-DE" sz="900" b="0" i="0" u="none" strike="noStrike" cap="none" normalizeH="0" baseline="0" dirty="0">
-                <a:ln>
-                  <a:noFill/>
-                </a:ln>
-                <a:solidFill>
-                  <a:srgbClr val="F78C6C"/>
-                </a:solidFill>
-                <a:effectLst/>
-                <a:latin typeface="JetBrains Mono"/>
-              </a:rPr>
-              <a:t>12</a:t>
-            </a:r>
-            <a:r>
-              <a:rPr kumimoji="0" lang="de-DE" altLang="de-DE" sz="900" b="0" i="0" u="none" strike="noStrike" cap="none" normalizeH="0" baseline="0" dirty="0">
-                <a:ln>
-                  <a:noFill/>
-                </a:ln>
-                <a:solidFill>
-                  <a:srgbClr val="89DDFF"/>
-                </a:solidFill>
-                <a:effectLst/>
-                <a:latin typeface="JetBrains Mono"/>
-              </a:rPr>
-              <a:t>)</a:t>
-            </a:r>
-            <a:br>
-              <a:rPr kumimoji="0" lang="de-DE" altLang="de-DE" sz="900" b="0" i="0" u="none" strike="noStrike" cap="none" normalizeH="0" baseline="0" dirty="0">
-                <a:ln>
-                  <a:noFill/>
-                </a:ln>
-                <a:solidFill>
-                  <a:srgbClr val="89DDFF"/>
-                </a:solidFill>
-                <a:effectLst/>
-                <a:latin typeface="JetBrains Mono"/>
-              </a:rPr>
-            </a:br>
-            <a:r>
-              <a:rPr kumimoji="0" lang="de-DE" altLang="de-DE" sz="900" b="0" i="0" u="none" strike="noStrike" cap="none" normalizeH="0" baseline="0" dirty="0" err="1">
-                <a:ln>
-                  <a:noFill/>
-                </a:ln>
-                <a:solidFill>
-                  <a:srgbClr val="C3CEE3"/>
-                </a:solidFill>
-                <a:effectLst/>
-                <a:latin typeface="JetBrains Mono"/>
-              </a:rPr>
-              <a:t>plt</a:t>
-            </a:r>
-            <a:r>
-              <a:rPr kumimoji="0" lang="de-DE" altLang="de-DE" sz="900" b="0" i="0" u="none" strike="noStrike" cap="none" normalizeH="0" baseline="0" dirty="0" err="1">
-                <a:ln>
-                  <a:noFill/>
-                </a:ln>
-                <a:solidFill>
-                  <a:srgbClr val="89DDFF"/>
-                </a:solidFill>
-                <a:effectLst/>
-                <a:latin typeface="JetBrains Mono"/>
-              </a:rPr>
-              <a:t>.</a:t>
-            </a:r>
-            <a:r>
-              <a:rPr kumimoji="0" lang="de-DE" altLang="de-DE" sz="900" b="0" i="0" u="none" strike="noStrike" cap="none" normalizeH="0" baseline="0" dirty="0" err="1">
-                <a:ln>
-                  <a:noFill/>
-                </a:ln>
-                <a:solidFill>
-                  <a:srgbClr val="82AAFF"/>
-                </a:solidFill>
-                <a:effectLst/>
-                <a:latin typeface="JetBrains Mono"/>
-              </a:rPr>
-              <a:t>grid</a:t>
-            </a:r>
-            <a:r>
-              <a:rPr kumimoji="0" lang="de-DE" altLang="de-DE" sz="900" b="0" i="0" u="none" strike="noStrike" cap="none" normalizeH="0" baseline="0" dirty="0">
-                <a:ln>
-                  <a:noFill/>
-                </a:ln>
-                <a:solidFill>
-                  <a:srgbClr val="89DDFF"/>
-                </a:solidFill>
-                <a:effectLst/>
-                <a:latin typeface="JetBrains Mono"/>
-              </a:rPr>
-              <a:t>(</a:t>
-            </a:r>
-            <a:r>
-              <a:rPr kumimoji="0" lang="de-DE" altLang="de-DE" sz="900" b="0" i="0" u="none" strike="noStrike" cap="none" normalizeH="0" baseline="0" dirty="0" err="1">
-                <a:ln>
-                  <a:noFill/>
-                </a:ln>
-                <a:solidFill>
-                  <a:srgbClr val="F78C6C"/>
-                </a:solidFill>
-                <a:effectLst/>
-                <a:latin typeface="JetBrains Mono"/>
-              </a:rPr>
-              <a:t>axis</a:t>
-            </a:r>
-            <a:r>
-              <a:rPr kumimoji="0" lang="de-DE" altLang="de-DE" sz="900" b="0" i="0" u="none" strike="noStrike" cap="none" normalizeH="0" baseline="0" dirty="0">
-                <a:ln>
-                  <a:noFill/>
-                </a:ln>
-                <a:solidFill>
-                  <a:srgbClr val="89DDFF"/>
-                </a:solidFill>
-                <a:effectLst/>
-                <a:latin typeface="JetBrains Mono"/>
-              </a:rPr>
-              <a:t>=</a:t>
-            </a:r>
-            <a:r>
-              <a:rPr kumimoji="0" lang="de-DE" altLang="de-DE" sz="900" b="0" i="0" u="none" strike="noStrike" cap="none" normalizeH="0" baseline="0" dirty="0">
-                <a:ln>
-                  <a:noFill/>
-                </a:ln>
-                <a:solidFill>
-                  <a:srgbClr val="C3E88D"/>
-                </a:solidFill>
-                <a:effectLst/>
-                <a:latin typeface="JetBrains Mono"/>
-              </a:rPr>
-              <a:t>'y'</a:t>
-            </a:r>
-            <a:r>
-              <a:rPr kumimoji="0" lang="de-DE" altLang="de-DE" sz="900" b="0" i="0" u="none" strike="noStrike" cap="none" normalizeH="0" baseline="0" dirty="0">
-                <a:ln>
-                  <a:noFill/>
-                </a:ln>
-                <a:solidFill>
-                  <a:srgbClr val="89DDFF"/>
-                </a:solidFill>
-                <a:effectLst/>
-                <a:latin typeface="JetBrains Mono"/>
-              </a:rPr>
-              <a:t>, </a:t>
-            </a:r>
-            <a:r>
-              <a:rPr kumimoji="0" lang="de-DE" altLang="de-DE" sz="900" b="0" i="0" u="none" strike="noStrike" cap="none" normalizeH="0" baseline="0" dirty="0" err="1">
-                <a:ln>
-                  <a:noFill/>
-                </a:ln>
-                <a:solidFill>
-                  <a:srgbClr val="F78C6C"/>
-                </a:solidFill>
-                <a:effectLst/>
-                <a:latin typeface="JetBrains Mono"/>
-              </a:rPr>
-              <a:t>linestyle</a:t>
-            </a:r>
-            <a:r>
-              <a:rPr kumimoji="0" lang="de-DE" altLang="de-DE" sz="900" b="0" i="0" u="none" strike="noStrike" cap="none" normalizeH="0" baseline="0" dirty="0">
-                <a:ln>
-                  <a:noFill/>
-                </a:ln>
-                <a:solidFill>
-                  <a:srgbClr val="89DDFF"/>
-                </a:solidFill>
-                <a:effectLst/>
-                <a:latin typeface="JetBrains Mono"/>
-              </a:rPr>
-              <a:t>=</a:t>
-            </a:r>
-            <a:r>
-              <a:rPr kumimoji="0" lang="de-DE" altLang="de-DE" sz="900" b="0" i="0" u="none" strike="noStrike" cap="none" normalizeH="0" baseline="0" dirty="0">
-                <a:ln>
-                  <a:noFill/>
-                </a:ln>
-                <a:solidFill>
-                  <a:srgbClr val="C3E88D"/>
-                </a:solidFill>
-                <a:effectLst/>
-                <a:latin typeface="JetBrains Mono"/>
-              </a:rPr>
-              <a:t>'--'</a:t>
-            </a:r>
-            <a:r>
-              <a:rPr kumimoji="0" lang="de-DE" altLang="de-DE" sz="900" b="0" i="0" u="none" strike="noStrike" cap="none" normalizeH="0" baseline="0" dirty="0">
-                <a:ln>
-                  <a:noFill/>
-                </a:ln>
-                <a:solidFill>
-                  <a:srgbClr val="89DDFF"/>
-                </a:solidFill>
-                <a:effectLst/>
-                <a:latin typeface="JetBrains Mono"/>
-              </a:rPr>
-              <a:t>, </a:t>
-            </a:r>
-            <a:r>
-              <a:rPr kumimoji="0" lang="de-DE" altLang="de-DE" sz="900" b="0" i="0" u="none" strike="noStrike" cap="none" normalizeH="0" baseline="0" dirty="0" err="1">
-                <a:ln>
-                  <a:noFill/>
-                </a:ln>
-                <a:solidFill>
-                  <a:srgbClr val="F78C6C"/>
-                </a:solidFill>
-                <a:effectLst/>
-                <a:latin typeface="JetBrains Mono"/>
-              </a:rPr>
-              <a:t>alpha</a:t>
-            </a:r>
-            <a:r>
-              <a:rPr kumimoji="0" lang="de-DE" altLang="de-DE" sz="900" b="0" i="0" u="none" strike="noStrike" cap="none" normalizeH="0" baseline="0" dirty="0">
-                <a:ln>
-                  <a:noFill/>
-                </a:ln>
-                <a:solidFill>
-                  <a:srgbClr val="89DDFF"/>
-                </a:solidFill>
-                <a:effectLst/>
-                <a:latin typeface="JetBrains Mono"/>
-              </a:rPr>
-              <a:t>=</a:t>
-            </a:r>
-            <a:r>
-              <a:rPr kumimoji="0" lang="de-DE" altLang="de-DE" sz="900" b="0" i="0" u="none" strike="noStrike" cap="none" normalizeH="0" baseline="0" dirty="0">
-                <a:ln>
-                  <a:noFill/>
-                </a:ln>
-                <a:solidFill>
-                  <a:srgbClr val="F78C6C"/>
-                </a:solidFill>
-                <a:effectLst/>
-                <a:latin typeface="JetBrains Mono"/>
-              </a:rPr>
-              <a:t>0.7</a:t>
-            </a:r>
-            <a:r>
-              <a:rPr kumimoji="0" lang="de-DE" altLang="de-DE" sz="900" b="0" i="0" u="none" strike="noStrike" cap="none" normalizeH="0" baseline="0" dirty="0">
-                <a:ln>
-                  <a:noFill/>
-                </a:ln>
-                <a:solidFill>
-                  <a:srgbClr val="89DDFF"/>
-                </a:solidFill>
-                <a:effectLst/>
-                <a:latin typeface="JetBrains Mono"/>
-              </a:rPr>
-              <a:t>)</a:t>
-            </a:r>
-            <a:br>
-              <a:rPr kumimoji="0" lang="de-DE" altLang="de-DE" sz="900" b="0" i="0" u="none" strike="noStrike" cap="none" normalizeH="0" baseline="0" dirty="0">
-                <a:ln>
-                  <a:noFill/>
-                </a:ln>
-                <a:solidFill>
-                  <a:srgbClr val="89DDFF"/>
-                </a:solidFill>
-                <a:effectLst/>
-                <a:latin typeface="JetBrains Mono"/>
-              </a:rPr>
-            </a:br>
-            <a:r>
-              <a:rPr kumimoji="0" lang="de-DE" altLang="de-DE" sz="900" b="0" i="0" u="none" strike="noStrike" cap="none" normalizeH="0" baseline="0" dirty="0" err="1">
-                <a:ln>
-                  <a:noFill/>
-                </a:ln>
-                <a:solidFill>
-                  <a:srgbClr val="C3CEE3"/>
-                </a:solidFill>
-                <a:effectLst/>
-                <a:latin typeface="JetBrains Mono"/>
-              </a:rPr>
-              <a:t>plt</a:t>
-            </a:r>
-            <a:r>
-              <a:rPr kumimoji="0" lang="de-DE" altLang="de-DE" sz="900" b="0" i="0" u="none" strike="noStrike" cap="none" normalizeH="0" baseline="0" dirty="0" err="1">
-                <a:ln>
-                  <a:noFill/>
-                </a:ln>
-                <a:solidFill>
-                  <a:srgbClr val="89DDFF"/>
-                </a:solidFill>
-                <a:effectLst/>
-                <a:latin typeface="JetBrains Mono"/>
-              </a:rPr>
-              <a:t>.</a:t>
-            </a:r>
-            <a:r>
-              <a:rPr kumimoji="0" lang="de-DE" altLang="de-DE" sz="900" b="0" i="0" u="none" strike="noStrike" cap="none" normalizeH="0" baseline="0" dirty="0" err="1">
-                <a:ln>
-                  <a:noFill/>
-                </a:ln>
-                <a:solidFill>
-                  <a:srgbClr val="82AAFF"/>
-                </a:solidFill>
-                <a:effectLst/>
-                <a:latin typeface="JetBrains Mono"/>
-              </a:rPr>
-              <a:t>gca</a:t>
-            </a:r>
-            <a:r>
-              <a:rPr kumimoji="0" lang="de-DE" altLang="de-DE" sz="900" b="0" i="0" u="none" strike="noStrike" cap="none" normalizeH="0" baseline="0" dirty="0">
-                <a:ln>
-                  <a:noFill/>
-                </a:ln>
-                <a:solidFill>
-                  <a:srgbClr val="89DDFF"/>
-                </a:solidFill>
-                <a:effectLst/>
-                <a:latin typeface="JetBrains Mono"/>
-              </a:rPr>
-              <a:t>().</a:t>
-            </a:r>
-            <a:r>
-              <a:rPr kumimoji="0" lang="de-DE" altLang="de-DE" sz="900" b="0" i="0" u="none" strike="noStrike" cap="none" normalizeH="0" baseline="0" dirty="0" err="1">
-                <a:ln>
-                  <a:noFill/>
-                </a:ln>
-                <a:solidFill>
-                  <a:srgbClr val="82AAFF"/>
-                </a:solidFill>
-                <a:effectLst/>
-                <a:latin typeface="JetBrains Mono"/>
-              </a:rPr>
-              <a:t>set_facecolor</a:t>
-            </a:r>
-            <a:r>
-              <a:rPr kumimoji="0" lang="de-DE" altLang="de-DE" sz="900" b="0" i="0" u="none" strike="noStrike" cap="none" normalizeH="0" baseline="0" dirty="0">
-                <a:ln>
-                  <a:noFill/>
-                </a:ln>
-                <a:solidFill>
-                  <a:srgbClr val="89DDFF"/>
-                </a:solidFill>
-                <a:effectLst/>
-                <a:latin typeface="JetBrains Mono"/>
-              </a:rPr>
-              <a:t>(</a:t>
-            </a:r>
-            <a:r>
-              <a:rPr kumimoji="0" lang="de-DE" altLang="de-DE" sz="900" b="0" i="0" u="none" strike="noStrike" cap="none" normalizeH="0" baseline="0" dirty="0">
-                <a:ln>
-                  <a:noFill/>
-                </a:ln>
-                <a:solidFill>
-                  <a:srgbClr val="C3E88D"/>
-                </a:solidFill>
-                <a:effectLst/>
-                <a:latin typeface="JetBrains Mono"/>
-              </a:rPr>
-              <a:t>'#f5f5f5'</a:t>
-            </a:r>
-            <a:r>
-              <a:rPr kumimoji="0" lang="de-DE" altLang="de-DE" sz="900" b="0" i="0" u="none" strike="noStrike" cap="none" normalizeH="0" baseline="0" dirty="0">
-                <a:ln>
-                  <a:noFill/>
-                </a:ln>
-                <a:solidFill>
-                  <a:srgbClr val="89DDFF"/>
-                </a:solidFill>
-                <a:effectLst/>
-                <a:latin typeface="JetBrains Mono"/>
-              </a:rPr>
-              <a:t>)</a:t>
-            </a:r>
-            <a:br>
-              <a:rPr kumimoji="0" lang="de-DE" altLang="de-DE" sz="900" b="0" i="0" u="none" strike="noStrike" cap="none" normalizeH="0" baseline="0" dirty="0">
-                <a:ln>
-                  <a:noFill/>
-                </a:ln>
-                <a:solidFill>
-                  <a:srgbClr val="89DDFF"/>
-                </a:solidFill>
-                <a:effectLst/>
-                <a:latin typeface="JetBrains Mono"/>
-              </a:rPr>
-            </a:br>
-            <a:r>
-              <a:rPr kumimoji="0" lang="de-DE" altLang="de-DE" sz="900" b="0" i="0" u="none" strike="noStrike" cap="none" normalizeH="0" baseline="0" dirty="0" err="1">
-                <a:ln>
-                  <a:noFill/>
-                </a:ln>
-                <a:solidFill>
-                  <a:srgbClr val="C3CEE3"/>
-                </a:solidFill>
-                <a:effectLst/>
-                <a:latin typeface="JetBrains Mono"/>
-              </a:rPr>
-              <a:t>plt</a:t>
-            </a:r>
-            <a:r>
-              <a:rPr kumimoji="0" lang="de-DE" altLang="de-DE" sz="900" b="0" i="0" u="none" strike="noStrike" cap="none" normalizeH="0" baseline="0" dirty="0" err="1">
-                <a:ln>
-                  <a:noFill/>
-                </a:ln>
-                <a:solidFill>
-                  <a:srgbClr val="89DDFF"/>
-                </a:solidFill>
-                <a:effectLst/>
-                <a:latin typeface="JetBrains Mono"/>
-              </a:rPr>
-              <a:t>.</a:t>
-            </a:r>
-            <a:r>
-              <a:rPr kumimoji="0" lang="de-DE" altLang="de-DE" sz="900" b="0" i="0" u="none" strike="noStrike" cap="none" normalizeH="0" baseline="0" dirty="0" err="1">
-                <a:ln>
-                  <a:noFill/>
-                </a:ln>
-                <a:solidFill>
-                  <a:srgbClr val="82AAFF"/>
-                </a:solidFill>
-                <a:effectLst/>
-                <a:latin typeface="JetBrains Mono"/>
-              </a:rPr>
-              <a:t>gca</a:t>
-            </a:r>
-            <a:r>
-              <a:rPr kumimoji="0" lang="de-DE" altLang="de-DE" sz="900" b="0" i="0" u="none" strike="noStrike" cap="none" normalizeH="0" baseline="0" dirty="0">
-                <a:ln>
-                  <a:noFill/>
-                </a:ln>
-                <a:solidFill>
-                  <a:srgbClr val="89DDFF"/>
-                </a:solidFill>
-                <a:effectLst/>
-                <a:latin typeface="JetBrains Mono"/>
-              </a:rPr>
-              <a:t>().</a:t>
-            </a:r>
-            <a:r>
-              <a:rPr kumimoji="0" lang="de-DE" altLang="de-DE" sz="900" b="0" i="0" u="none" strike="noStrike" cap="none" normalizeH="0" baseline="0" dirty="0" err="1">
-                <a:ln>
-                  <a:noFill/>
-                </a:ln>
-                <a:solidFill>
-                  <a:srgbClr val="C3CEE3"/>
-                </a:solidFill>
-                <a:effectLst/>
-                <a:latin typeface="JetBrains Mono"/>
-              </a:rPr>
-              <a:t>patch</a:t>
-            </a:r>
-            <a:r>
-              <a:rPr kumimoji="0" lang="de-DE" altLang="de-DE" sz="900" b="0" i="0" u="none" strike="noStrike" cap="none" normalizeH="0" baseline="0" dirty="0" err="1">
-                <a:ln>
-                  <a:noFill/>
-                </a:ln>
-                <a:solidFill>
-                  <a:srgbClr val="89DDFF"/>
-                </a:solidFill>
-                <a:effectLst/>
-                <a:latin typeface="JetBrains Mono"/>
-              </a:rPr>
-              <a:t>.</a:t>
-            </a:r>
-            <a:r>
-              <a:rPr kumimoji="0" lang="de-DE" altLang="de-DE" sz="900" b="0" i="0" u="none" strike="noStrike" cap="none" normalizeH="0" baseline="0" dirty="0" err="1">
-                <a:ln>
-                  <a:noFill/>
-                </a:ln>
-                <a:solidFill>
-                  <a:srgbClr val="82AAFF"/>
-                </a:solidFill>
-                <a:effectLst/>
-                <a:latin typeface="JetBrains Mono"/>
-              </a:rPr>
-              <a:t>set_alpha</a:t>
-            </a:r>
-            <a:r>
-              <a:rPr kumimoji="0" lang="de-DE" altLang="de-DE" sz="900" b="0" i="0" u="none" strike="noStrike" cap="none" normalizeH="0" baseline="0" dirty="0">
-                <a:ln>
-                  <a:noFill/>
-                </a:ln>
-                <a:solidFill>
-                  <a:srgbClr val="89DDFF"/>
-                </a:solidFill>
-                <a:effectLst/>
-                <a:latin typeface="JetBrains Mono"/>
-              </a:rPr>
-              <a:t>(</a:t>
-            </a:r>
-            <a:r>
-              <a:rPr kumimoji="0" lang="de-DE" altLang="de-DE" sz="900" b="0" i="0" u="none" strike="noStrike" cap="none" normalizeH="0" baseline="0" dirty="0">
-                <a:ln>
-                  <a:noFill/>
-                </a:ln>
-                <a:solidFill>
-                  <a:srgbClr val="F78C6C"/>
-                </a:solidFill>
-                <a:effectLst/>
-                <a:latin typeface="JetBrains Mono"/>
-              </a:rPr>
-              <a:t>0.1</a:t>
-            </a:r>
-            <a:r>
-              <a:rPr kumimoji="0" lang="de-DE" altLang="de-DE" sz="900" b="0" i="0" u="none" strike="noStrike" cap="none" normalizeH="0" baseline="0" dirty="0">
-                <a:ln>
-                  <a:noFill/>
-                </a:ln>
-                <a:solidFill>
-                  <a:srgbClr val="89DDFF"/>
-                </a:solidFill>
-                <a:effectLst/>
-                <a:latin typeface="JetBrains Mono"/>
-              </a:rPr>
-              <a:t>)</a:t>
-            </a:r>
-            <a:br>
-              <a:rPr kumimoji="0" lang="de-DE" altLang="de-DE" sz="900" b="0" i="0" u="none" strike="noStrike" cap="none" normalizeH="0" baseline="0" dirty="0">
-                <a:ln>
-                  <a:noFill/>
-                </a:ln>
-                <a:solidFill>
-                  <a:srgbClr val="89DDFF"/>
-                </a:solidFill>
-                <a:effectLst/>
-                <a:latin typeface="JetBrains Mono"/>
-              </a:rPr>
-            </a:br>
-            <a:r>
-              <a:rPr kumimoji="0" lang="de-DE" altLang="de-DE" sz="900" b="0" i="0" u="none" strike="noStrike" cap="none" normalizeH="0" baseline="0" dirty="0" err="1">
-                <a:ln>
-                  <a:noFill/>
-                </a:ln>
-                <a:solidFill>
-                  <a:srgbClr val="C3CEE3"/>
-                </a:solidFill>
-                <a:effectLst/>
-                <a:latin typeface="JetBrains Mono"/>
-              </a:rPr>
-              <a:t>plt</a:t>
-            </a:r>
-            <a:r>
-              <a:rPr kumimoji="0" lang="de-DE" altLang="de-DE" sz="900" b="0" i="0" u="none" strike="noStrike" cap="none" normalizeH="0" baseline="0" dirty="0" err="1">
-                <a:ln>
-                  <a:noFill/>
-                </a:ln>
-                <a:solidFill>
-                  <a:srgbClr val="89DDFF"/>
-                </a:solidFill>
-                <a:effectLst/>
-                <a:latin typeface="JetBrains Mono"/>
-              </a:rPr>
-              <a:t>.</a:t>
-            </a:r>
-            <a:r>
-              <a:rPr kumimoji="0" lang="de-DE" altLang="de-DE" sz="900" b="0" i="0" u="none" strike="noStrike" cap="none" normalizeH="0" baseline="0" dirty="0" err="1">
-                <a:ln>
-                  <a:noFill/>
-                </a:ln>
-                <a:solidFill>
-                  <a:srgbClr val="82AAFF"/>
-                </a:solidFill>
-                <a:effectLst/>
-                <a:latin typeface="JetBrains Mono"/>
-              </a:rPr>
-              <a:t>show</a:t>
-            </a:r>
-            <a:r>
-              <a:rPr kumimoji="0" lang="de-DE" altLang="de-DE" sz="900" b="0" i="0" u="none" strike="noStrike" cap="none" normalizeH="0" baseline="0" dirty="0">
-                <a:ln>
-                  <a:noFill/>
-                </a:ln>
-                <a:solidFill>
-                  <a:srgbClr val="89DDFF"/>
-                </a:solidFill>
-                <a:effectLst/>
-                <a:latin typeface="JetBrains Mono"/>
-              </a:rPr>
-              <a:t>()</a:t>
-            </a:r>
-            <a:br>
-              <a:rPr kumimoji="0" lang="de-DE" altLang="de-DE" sz="900" b="0" i="0" u="none" strike="noStrike" cap="none" normalizeH="0" baseline="0" dirty="0">
-                <a:ln>
-                  <a:noFill/>
-                </a:ln>
-                <a:solidFill>
-                  <a:srgbClr val="89DDFF"/>
-                </a:solidFill>
-                <a:effectLst/>
-                <a:latin typeface="JetBrains Mono"/>
-              </a:rPr>
-            </a:br>
-            <a:br>
-              <a:rPr kumimoji="0" lang="de-DE" altLang="de-DE" sz="900" b="0" i="0" u="none" strike="noStrike" cap="none" normalizeH="0" baseline="0" dirty="0">
-                <a:ln>
-                  <a:noFill/>
-                </a:ln>
-                <a:solidFill>
-                  <a:srgbClr val="89DDFF"/>
-                </a:solidFill>
-                <a:effectLst/>
-                <a:latin typeface="JetBrains Mono"/>
-              </a:rPr>
-            </a:br>
-            <a:br>
-              <a:rPr kumimoji="0" lang="de-DE" altLang="de-DE" sz="900" b="0" i="0" u="none" strike="noStrike" cap="none" normalizeH="0" baseline="0" dirty="0">
-                <a:ln>
-                  <a:noFill/>
-                </a:ln>
-                <a:solidFill>
-                  <a:srgbClr val="89DDFF"/>
-                </a:solidFill>
-                <a:effectLst/>
-                <a:latin typeface="JetBrains Mono"/>
-              </a:rPr>
-            </a:br>
-            <a:br>
-              <a:rPr kumimoji="0" lang="de-DE" altLang="de-DE" sz="900" b="0" i="0" u="none" strike="noStrike" cap="none" normalizeH="0" baseline="0" dirty="0">
-                <a:ln>
-                  <a:noFill/>
-                </a:ln>
-                <a:solidFill>
-                  <a:srgbClr val="89DDFF"/>
-                </a:solidFill>
-                <a:effectLst/>
-                <a:latin typeface="JetBrains Mono"/>
-              </a:rPr>
-            </a:br>
-            <a:r>
-              <a:rPr kumimoji="0" lang="de-DE" altLang="de-DE" sz="900" b="0" i="1" u="none" strike="noStrike" cap="none" normalizeH="0" baseline="0" dirty="0" err="1">
-                <a:ln>
-                  <a:noFill/>
-                </a:ln>
-                <a:solidFill>
-                  <a:srgbClr val="82AAFF"/>
-                </a:solidFill>
-                <a:effectLst/>
-                <a:latin typeface="JetBrains Mono"/>
-              </a:rPr>
-              <a:t>print</a:t>
-            </a:r>
-            <a:r>
-              <a:rPr kumimoji="0" lang="de-DE" altLang="de-DE" sz="900" b="0" i="0" u="none" strike="noStrike" cap="none" normalizeH="0" baseline="0" dirty="0">
-                <a:ln>
-                  <a:noFill/>
-                </a:ln>
-                <a:solidFill>
-                  <a:srgbClr val="89DDFF"/>
-                </a:solidFill>
-                <a:effectLst/>
-                <a:latin typeface="JetBrains Mono"/>
-              </a:rPr>
-              <a:t>(</a:t>
-            </a:r>
-            <a:r>
-              <a:rPr kumimoji="0" lang="de-DE" altLang="de-DE" sz="900" b="0" i="0" u="none" strike="noStrike" cap="none" normalizeH="0" baseline="0" dirty="0" err="1">
-                <a:ln>
-                  <a:noFill/>
-                </a:ln>
-                <a:solidFill>
-                  <a:srgbClr val="82AAFF"/>
-                </a:solidFill>
-                <a:effectLst/>
-                <a:latin typeface="JetBrains Mono"/>
-              </a:rPr>
-              <a:t>skew</a:t>
-            </a:r>
-            <a:r>
-              <a:rPr kumimoji="0" lang="de-DE" altLang="de-DE" sz="900" b="0" i="0" u="none" strike="noStrike" cap="none" normalizeH="0" baseline="0" dirty="0">
-                <a:ln>
-                  <a:noFill/>
-                </a:ln>
-                <a:solidFill>
-                  <a:srgbClr val="89DDFF"/>
-                </a:solidFill>
-                <a:effectLst/>
-                <a:latin typeface="JetBrains Mono"/>
-              </a:rPr>
-              <a:t>(</a:t>
-            </a:r>
-            <a:r>
-              <a:rPr kumimoji="0" lang="de-DE" altLang="de-DE" sz="900" b="0" i="0" u="none" strike="noStrike" cap="none" normalizeH="0" baseline="0" dirty="0" err="1">
-                <a:ln>
-                  <a:noFill/>
-                </a:ln>
-                <a:solidFill>
-                  <a:srgbClr val="C3CEE3"/>
-                </a:solidFill>
-                <a:effectLst/>
-                <a:latin typeface="JetBrains Mono"/>
-              </a:rPr>
-              <a:t>distributions</a:t>
-            </a:r>
-            <a:r>
-              <a:rPr kumimoji="0" lang="de-DE" altLang="de-DE" sz="900" b="0" i="0" u="none" strike="noStrike" cap="none" normalizeH="0" baseline="0" dirty="0">
-                <a:ln>
-                  <a:noFill/>
-                </a:ln>
-                <a:solidFill>
-                  <a:srgbClr val="89DDFF"/>
-                </a:solidFill>
-                <a:effectLst/>
-                <a:latin typeface="JetBrains Mono"/>
-              </a:rPr>
-              <a:t>))</a:t>
-            </a:r>
-            <a:endParaRPr kumimoji="0" lang="de-DE" altLang="de-DE" sz="1800" b="0" i="0" u="none" strike="noStrike" cap="none" normalizeH="0" baseline="0" dirty="0">
-              <a:ln>
-                <a:noFill/>
-              </a:ln>
-              <a:solidFill>
-                <a:schemeClr val="tx1"/>
-              </a:solidFill>
-              <a:effectLst/>
-              <a:latin typeface="Arial" panose="020B0604020202020204" pitchFamily="34" charset="0"/>
-            </a:endParaRPr>
           </a:p>
         </p:txBody>
       </p:sp>
     </p:spTree>
     <p:extLst>
       <p:ext uri="{BB962C8B-B14F-4D97-AF65-F5344CB8AC3E}">
-        <p14:creationId xmlns:p14="http://schemas.microsoft.com/office/powerpoint/2010/main" val="3539458580"/>
+        <p14:creationId xmlns:p14="http://schemas.microsoft.com/office/powerpoint/2010/main" val="3465323831"/>
       </p:ext>
     </p:extLst>
   </p:cSld>
@@ -11967,10 +8935,10 @@
       </p:grpSpPr>
       <p:pic>
         <p:nvPicPr>
-          <p:cNvPr id="11" name="Grafik 10" descr="Ein Bild, das Diagramm, Reihe, Text enthält.&#10;&#10;Automatisch generierte Beschreibung">
-            <a:extLst>
-              <a:ext uri="{FF2B5EF4-FFF2-40B4-BE49-F238E27FC236}">
-                <a16:creationId xmlns:a16="http://schemas.microsoft.com/office/drawing/2014/main" id="{F0C49266-73A7-D922-78ED-C8347C7086DF}"/>
+          <p:cNvPr id="3" name="Grafik 2" descr="Ein Bild, das Text, Diagramm, Reihe enthält.&#10;&#10;Automatisch generierte Beschreibung">
+            <a:extLst>
+              <a:ext uri="{FF2B5EF4-FFF2-40B4-BE49-F238E27FC236}">
+                <a16:creationId xmlns:a16="http://schemas.microsoft.com/office/drawing/2014/main" id="{B649579C-01D2-E3BB-C007-3A56E82342BE}"/>
               </a:ext>
             </a:extLst>
           </p:cNvPr>
@@ -11993,8 +8961,8 @@
         </p:blipFill>
         <p:spPr>
           <a:xfrm>
-            <a:off x="-258271" y="1225607"/>
-            <a:ext cx="12708542" cy="5348580"/>
+            <a:off x="-480848" y="1087821"/>
+            <a:ext cx="13132676" cy="5770178"/>
           </a:xfrm>
           <a:prstGeom prst="rect">
             <a:avLst/>
@@ -12168,7 +9136,7 @@
     </p:spTree>
     <p:extLst>
       <p:ext uri="{BB962C8B-B14F-4D97-AF65-F5344CB8AC3E}">
-        <p14:creationId xmlns:p14="http://schemas.microsoft.com/office/powerpoint/2010/main" val="3465323831"/>
+        <p14:creationId xmlns:p14="http://schemas.microsoft.com/office/powerpoint/2010/main" val="4256822083"/>
       </p:ext>
     </p:extLst>
   </p:cSld>
@@ -12197,10 +9165,10 @@
       </p:grpSpPr>
       <p:pic>
         <p:nvPicPr>
-          <p:cNvPr id="3" name="Grafik 2" descr="Ein Bild, das Text, Diagramm, Reihe enthält.&#10;&#10;Automatisch generierte Beschreibung">
-            <a:extLst>
-              <a:ext uri="{FF2B5EF4-FFF2-40B4-BE49-F238E27FC236}">
-                <a16:creationId xmlns:a16="http://schemas.microsoft.com/office/drawing/2014/main" id="{B649579C-01D2-E3BB-C007-3A56E82342BE}"/>
+          <p:cNvPr id="4" name="Graphic 1">
+            <a:extLst>
+              <a:ext uri="{FF2B5EF4-FFF2-40B4-BE49-F238E27FC236}">
+                <a16:creationId xmlns:a16="http://schemas.microsoft.com/office/drawing/2014/main" id="{D4E2A8A5-7B9A-9FCE-2C0C-40115BB72542}"/>
               </a:ext>
             </a:extLst>
           </p:cNvPr>
@@ -12215,44 +9183,8 @@
               <a:ext uri="{28A0092B-C50C-407E-A947-70E740481C1C}">
                 <a14:useLocalDpi xmlns:a14="http://schemas.microsoft.com/office/drawing/2010/main" val="0"/>
               </a:ext>
-            </a:extLst>
-          </a:blip>
-          <a:stretch>
-            <a:fillRect/>
-          </a:stretch>
-        </p:blipFill>
-        <p:spPr>
-          <a:xfrm>
-            <a:off x="-480848" y="1087821"/>
-            <a:ext cx="13132676" cy="5770178"/>
-          </a:xfrm>
-          <a:prstGeom prst="rect">
-            <a:avLst/>
-          </a:prstGeom>
-        </p:spPr>
-      </p:pic>
-      <p:pic>
-        <p:nvPicPr>
-          <p:cNvPr id="4" name="Graphic 1">
-            <a:extLst>
-              <a:ext uri="{FF2B5EF4-FFF2-40B4-BE49-F238E27FC236}">
-                <a16:creationId xmlns:a16="http://schemas.microsoft.com/office/drawing/2014/main" id="{D4E2A8A5-7B9A-9FCE-2C0C-40115BB72542}"/>
-              </a:ext>
-            </a:extLst>
-          </p:cNvPr>
-          <p:cNvPicPr>
-            <a:picLocks noChangeAspect="1"/>
-          </p:cNvPicPr>
-          <p:nvPr/>
-        </p:nvPicPr>
-        <p:blipFill>
-          <a:blip r:embed="rId4">
-            <a:extLst>
-              <a:ext uri="{28A0092B-C50C-407E-A947-70E740481C1C}">
-                <a14:useLocalDpi xmlns:a14="http://schemas.microsoft.com/office/drawing/2010/main" val="0"/>
-              </a:ext>
               <a:ext uri="{96DAC541-7B7A-43D3-8B79-37D633B846F1}">
-                <asvg:svgBlip xmlns:asvg="http://schemas.microsoft.com/office/drawing/2016/SVG/main" r:embed="rId5"/>
+                <asvg:svgBlip xmlns:asvg="http://schemas.microsoft.com/office/drawing/2016/SVG/main" r:embed="rId4"/>
               </a:ext>
             </a:extLst>
           </a:blip>
@@ -12395,10 +9327,80 @@
           </a:p>
         </p:txBody>
       </p:sp>
+      <p:pic>
+        <p:nvPicPr>
+          <p:cNvPr id="5" name="Grafik 4" descr="Ein Bild, das Diagramm, Reihe, Screenshot enthält.&#10;&#10;Automatisch generierte Beschreibung">
+            <a:extLst>
+              <a:ext uri="{FF2B5EF4-FFF2-40B4-BE49-F238E27FC236}">
+                <a16:creationId xmlns:a16="http://schemas.microsoft.com/office/drawing/2014/main" id="{622822AD-1186-D977-7D05-66C1EA31D12F}"/>
+              </a:ext>
+            </a:extLst>
+          </p:cNvPr>
+          <p:cNvPicPr>
+            <a:picLocks noChangeAspect="1"/>
+          </p:cNvPicPr>
+          <p:nvPr/>
+        </p:nvPicPr>
+        <p:blipFill rotWithShape="1">
+          <a:blip r:embed="rId5">
+            <a:extLst>
+              <a:ext uri="{28A0092B-C50C-407E-A947-70E740481C1C}">
+                <a14:useLocalDpi xmlns:a14="http://schemas.microsoft.com/office/drawing/2010/main" val="0"/>
+              </a:ext>
+            </a:extLst>
+          </a:blip>
+          <a:srcRect t="10959"/>
+          <a:stretch/>
+        </p:blipFill>
+        <p:spPr>
+          <a:xfrm>
+            <a:off x="66782" y="1539025"/>
+            <a:ext cx="12047152" cy="4787816"/>
+          </a:xfrm>
+          <a:prstGeom prst="rect">
+            <a:avLst/>
+          </a:prstGeom>
+        </p:spPr>
+      </p:pic>
+      <p:sp>
+        <p:nvSpPr>
+          <p:cNvPr id="8" name="Textfeld 7">
+            <a:extLst>
+              <a:ext uri="{FF2B5EF4-FFF2-40B4-BE49-F238E27FC236}">
+                <a16:creationId xmlns:a16="http://schemas.microsoft.com/office/drawing/2014/main" id="{1D1F077E-6B39-AC78-1753-D9AE2934A01E}"/>
+              </a:ext>
+            </a:extLst>
+          </p:cNvPr>
+          <p:cNvSpPr txBox="1"/>
+          <p:nvPr/>
+        </p:nvSpPr>
+        <p:spPr>
+          <a:xfrm>
+            <a:off x="8347771" y="4398206"/>
+            <a:ext cx="1263679" cy="369332"/>
+          </a:xfrm>
+          <a:prstGeom prst="rect">
+            <a:avLst/>
+          </a:prstGeom>
+          <a:noFill/>
+        </p:spPr>
+        <p:txBody>
+          <a:bodyPr wrap="none" rtlCol="0">
+            <a:spAutoFit/>
+          </a:bodyPr>
+          <a:lstStyle/>
+          <a:p>
+            <a:r>
+              <a:rPr lang="de-DE" dirty="0"/>
+              <a:t>Schiefe=0.2</a:t>
+            </a:r>
+          </a:p>
+        </p:txBody>
+      </p:sp>
     </p:spTree>
     <p:extLst>
       <p:ext uri="{BB962C8B-B14F-4D97-AF65-F5344CB8AC3E}">
-        <p14:creationId xmlns:p14="http://schemas.microsoft.com/office/powerpoint/2010/main" val="4256822083"/>
+        <p14:creationId xmlns:p14="http://schemas.microsoft.com/office/powerpoint/2010/main" val="651607249"/>
       </p:ext>
     </p:extLst>
   </p:cSld>
@@ -12425,245 +9427,348 @@
           <a:chExt cx="0" cy="0"/>
         </a:xfrm>
       </p:grpSpPr>
-      <p:pic>
-        <p:nvPicPr>
-          <p:cNvPr id="4" name="Graphic 1">
-            <a:extLst>
-              <a:ext uri="{FF2B5EF4-FFF2-40B4-BE49-F238E27FC236}">
-                <a16:creationId xmlns:a16="http://schemas.microsoft.com/office/drawing/2014/main" id="{D4E2A8A5-7B9A-9FCE-2C0C-40115BB72542}"/>
-              </a:ext>
-            </a:extLst>
-          </p:cNvPr>
-          <p:cNvPicPr>
-            <a:picLocks noChangeAspect="1"/>
-          </p:cNvPicPr>
-          <p:nvPr/>
-        </p:nvPicPr>
-        <p:blipFill>
-          <a:blip r:embed="rId3">
-            <a:extLst>
-              <a:ext uri="{28A0092B-C50C-407E-A947-70E740481C1C}">
-                <a14:useLocalDpi xmlns:a14="http://schemas.microsoft.com/office/drawing/2010/main" val="0"/>
-              </a:ext>
-              <a:ext uri="{96DAC541-7B7A-43D3-8B79-37D633B846F1}">
-                <asvg:svgBlip xmlns:asvg="http://schemas.microsoft.com/office/drawing/2016/SVG/main" r:embed="rId4"/>
-              </a:ext>
-            </a:extLst>
-          </a:blip>
-          <a:stretch>
-            <a:fillRect/>
-          </a:stretch>
-        </p:blipFill>
+      <p:sp>
+        <p:nvSpPr>
+          <p:cNvPr id="2" name="Titel 1">
+            <a:extLst>
+              <a:ext uri="{FF2B5EF4-FFF2-40B4-BE49-F238E27FC236}">
+                <a16:creationId xmlns:a16="http://schemas.microsoft.com/office/drawing/2014/main" id="{D6D7DCE4-D261-61AB-6B9B-011733C8B63E}"/>
+              </a:ext>
+            </a:extLst>
+          </p:cNvPr>
+          <p:cNvSpPr>
+            <a:spLocks noGrp="1"/>
+          </p:cNvSpPr>
+          <p:nvPr>
+            <p:ph type="title"/>
+          </p:nvPr>
+        </p:nvSpPr>
         <p:spPr>
           <a:xfrm>
-            <a:off x="160961" y="133521"/>
-            <a:ext cx="2371620" cy="485811"/>
+            <a:off x="838200" y="365126"/>
+            <a:ext cx="10515600" cy="944129"/>
           </a:xfrm>
-          <a:prstGeom prst="rect">
-            <a:avLst/>
-          </a:prstGeom>
         </p:spPr>
-      </p:pic>
-      <p:sp>
-        <p:nvSpPr>
-          <p:cNvPr id="6" name="TextBox 5">
-            <a:extLst>
-              <a:ext uri="{FF2B5EF4-FFF2-40B4-BE49-F238E27FC236}">
-                <a16:creationId xmlns:a16="http://schemas.microsoft.com/office/drawing/2014/main" id="{4BF11305-FC23-954B-7998-B1257FEE9257}"/>
-              </a:ext>
-            </a:extLst>
-          </p:cNvPr>
-          <p:cNvSpPr txBox="1"/>
-          <p:nvPr/>
-        </p:nvSpPr>
-        <p:spPr>
-          <a:xfrm>
-            <a:off x="66782" y="6529608"/>
-            <a:ext cx="10986501" cy="230832"/>
-          </a:xfrm>
-          <a:prstGeom prst="rect">
-            <a:avLst/>
-          </a:prstGeom>
-          <a:noFill/>
-        </p:spPr>
-        <p:txBody>
-          <a:bodyPr wrap="square">
-            <a:spAutoFit/>
+        <p:txBody>
+          <a:bodyPr>
+            <a:normAutofit fontScale="90000"/>
           </a:bodyPr>
           <a:lstStyle/>
           <a:p>
             <a:r>
-              <a:rPr lang="de-DE" sz="900" dirty="0"/>
-              <a:t>Markov-Analyse &amp; Interview| WiSe 2023/24 I Hochschule Bielefeld I Linus Langenkamp, Jolan Eggers, Nicolas Schneider, Redouane Kabouchi I 03.11.2023 I Seite </a:t>
-            </a:r>
-            <a:fld id="{8665FA59-C0FE-4AB6-AD99-2451632B0EBE}" type="slidenum">
-              <a:rPr lang="de-DE" sz="900" smtClean="0"/>
-              <a:t>16</a:t>
-            </a:fld>
-            <a:endParaRPr lang="de-DE" sz="900" dirty="0"/>
-          </a:p>
-        </p:txBody>
-      </p:sp>
-      <p:sp>
-        <p:nvSpPr>
-          <p:cNvPr id="7" name="Title 1">
-            <a:extLst>
-              <a:ext uri="{FF2B5EF4-FFF2-40B4-BE49-F238E27FC236}">
-                <a16:creationId xmlns:a16="http://schemas.microsoft.com/office/drawing/2014/main" id="{C134D3AA-85CE-FCC6-6499-8202E6096899}"/>
-              </a:ext>
-            </a:extLst>
-          </p:cNvPr>
-          <p:cNvSpPr txBox="1">
-            <a:spLocks/>
-          </p:cNvSpPr>
-          <p:nvPr/>
-        </p:nvSpPr>
-        <p:spPr>
-          <a:xfrm>
-            <a:off x="738026" y="912189"/>
-            <a:ext cx="9144000" cy="626836"/>
-          </a:xfrm>
-          <a:prstGeom prst="rect">
-            <a:avLst/>
-          </a:prstGeom>
-        </p:spPr>
-        <p:txBody>
-          <a:bodyPr vert="horz" lIns="91440" tIns="45720" rIns="91440" bIns="45720" rtlCol="0" anchor="b">
-            <a:normAutofit/>
-          </a:bodyPr>
-          <a:lstStyle>
-            <a:lvl1pPr algn="ctr" defTabSz="914400" rtl="0" eaLnBrk="1" latinLnBrk="0" hangingPunct="1">
-              <a:lnSpc>
-                <a:spcPct val="90000"/>
-              </a:lnSpc>
-              <a:spcBef>
-                <a:spcPct val="0"/>
-              </a:spcBef>
-              <a:buNone/>
-              <a:defRPr sz="6000" kern="1200">
-                <a:solidFill>
-                  <a:schemeClr val="tx1"/>
-                </a:solidFill>
-                <a:latin typeface="+mj-lt"/>
-                <a:ea typeface="+mj-ea"/>
-                <a:cs typeface="+mj-cs"/>
-              </a:defRPr>
-            </a:lvl1pPr>
-          </a:lstStyle>
-          <a:p>
-            <a:pPr algn="l">
-              <a:lnSpc>
-                <a:spcPct val="100000"/>
-              </a:lnSpc>
-              <a:spcAft>
-                <a:spcPts val="600"/>
-              </a:spcAft>
-            </a:pPr>
-            <a:r>
               <a:rPr lang="de-DE" sz="2800" b="1" dirty="0">
-                <a:effectLst/>
                 <a:latin typeface="Times New Roman" panose="02020603050405020304" pitchFamily="18" charset="0"/>
-                <a:ea typeface="Times New Roman" panose="02020603050405020304" pitchFamily="18" charset="0"/>
                 <a:cs typeface="Times New Roman" panose="02020603050405020304" pitchFamily="18" charset="0"/>
               </a:rPr>
-              <a:t>Rheinmetall</a:t>
-            </a:r>
-            <a:r>
-              <a:rPr lang="de-DE" sz="2800" b="1" dirty="0">
-                <a:latin typeface="Times New Roman" panose="02020603050405020304" pitchFamily="18" charset="0"/>
-                <a:ea typeface="Times New Roman" panose="02020603050405020304" pitchFamily="18" charset="0"/>
-                <a:cs typeface="Times New Roman" panose="02020603050405020304" pitchFamily="18" charset="0"/>
-              </a:rPr>
-              <a:t> - </a:t>
-            </a:r>
-            <a:r>
-              <a:rPr lang="de-DE" sz="2800" b="1" dirty="0">
-                <a:effectLst/>
-                <a:latin typeface="Times New Roman" panose="02020603050405020304" pitchFamily="18" charset="0"/>
-                <a:ea typeface="Times New Roman" panose="02020603050405020304" pitchFamily="18" charset="0"/>
-                <a:cs typeface="Times New Roman" panose="02020603050405020304" pitchFamily="18" charset="0"/>
-              </a:rPr>
-              <a:t> Markov Analyse</a:t>
-            </a:r>
-            <a:endParaRPr lang="de-DE" sz="2800" dirty="0"/>
-          </a:p>
-        </p:txBody>
-      </p:sp>
-      <p:pic>
-        <p:nvPicPr>
-          <p:cNvPr id="5" name="Grafik 4" descr="Ein Bild, das Diagramm, Reihe, Screenshot enthält.&#10;&#10;Automatisch generierte Beschreibung">
-            <a:extLst>
-              <a:ext uri="{FF2B5EF4-FFF2-40B4-BE49-F238E27FC236}">
-                <a16:creationId xmlns:a16="http://schemas.microsoft.com/office/drawing/2014/main" id="{622822AD-1186-D977-7D05-66C1EA31D12F}"/>
-              </a:ext>
-            </a:extLst>
-          </p:cNvPr>
-          <p:cNvPicPr>
-            <a:picLocks noChangeAspect="1"/>
-          </p:cNvPicPr>
-          <p:nvPr/>
-        </p:nvPicPr>
-        <p:blipFill>
-          <a:blip r:embed="rId5">
-            <a:extLst>
-              <a:ext uri="{28A0092B-C50C-407E-A947-70E740481C1C}">
-                <a14:useLocalDpi xmlns:a14="http://schemas.microsoft.com/office/drawing/2010/main" val="0"/>
-              </a:ext>
-            </a:extLst>
-          </a:blip>
-          <a:stretch>
-            <a:fillRect/>
-          </a:stretch>
-        </p:blipFill>
-        <p:spPr>
-          <a:xfrm>
-            <a:off x="578689" y="1539025"/>
-            <a:ext cx="10735077" cy="4791466"/>
-          </a:xfrm>
-          <a:prstGeom prst="rect">
-            <a:avLst/>
-          </a:prstGeom>
-        </p:spPr>
-      </p:pic>
-      <p:sp>
-        <p:nvSpPr>
-          <p:cNvPr id="8" name="Textfeld 7">
-            <a:extLst>
-              <a:ext uri="{FF2B5EF4-FFF2-40B4-BE49-F238E27FC236}">
-                <a16:creationId xmlns:a16="http://schemas.microsoft.com/office/drawing/2014/main" id="{1D1F077E-6B39-AC78-1753-D9AE2934A01E}"/>
-              </a:ext>
-            </a:extLst>
-          </p:cNvPr>
-          <p:cNvSpPr txBox="1"/>
-          <p:nvPr/>
-        </p:nvSpPr>
-        <p:spPr>
-          <a:xfrm>
-            <a:off x="8361218" y="4606636"/>
-            <a:ext cx="1263679" cy="369332"/>
-          </a:xfrm>
-          <a:prstGeom prst="rect">
-            <a:avLst/>
-          </a:prstGeom>
-          <a:noFill/>
-        </p:spPr>
-        <p:txBody>
-          <a:bodyPr wrap="none" rtlCol="0">
-            <a:spAutoFit/>
-          </a:bodyPr>
-          <a:lstStyle/>
-          <a:p>
-            <a:r>
-              <a:rPr lang="de-DE" dirty="0"/>
-              <a:t>Schiefe=0.2</a:t>
-            </a:r>
-          </a:p>
-        </p:txBody>
-      </p:sp>
+              <a:t>Interview im Risikomanagement</a:t>
+            </a:r>
+            <a:br>
+              <a:rPr lang="de-DE" b="1" dirty="0"/>
+            </a:br>
+            <a:endParaRPr lang="de-DE" dirty="0"/>
+          </a:p>
+        </p:txBody>
+      </p:sp>
+      <mc:AlternateContent xmlns:mc="http://schemas.openxmlformats.org/markup-compatibility/2006" xmlns:a14="http://schemas.microsoft.com/office/drawing/2010/main">
+        <mc:Choice Requires="a14">
+          <p:sp>
+            <p:nvSpPr>
+              <p:cNvPr id="3" name="Inhaltsplatzhalter 2">
+                <a:extLst>
+                  <a:ext uri="{FF2B5EF4-FFF2-40B4-BE49-F238E27FC236}">
+                    <a16:creationId xmlns:a16="http://schemas.microsoft.com/office/drawing/2014/main" id="{4E7574C4-A7ED-B0C7-BC59-48FFD4D3E380}"/>
+                  </a:ext>
+                </a:extLst>
+              </p:cNvPr>
+              <p:cNvSpPr>
+                <a:spLocks noGrp="1"/>
+              </p:cNvSpPr>
+              <p:nvPr>
+                <p:ph idx="1"/>
+              </p:nvPr>
+            </p:nvSpPr>
+            <p:spPr>
+              <a:xfrm>
+                <a:off x="838200" y="1080655"/>
+                <a:ext cx="10747664" cy="5579918"/>
+              </a:xfrm>
+            </p:spPr>
+            <p:txBody>
+              <a:bodyPr>
+                <a:normAutofit lnSpcReduction="10000"/>
+              </a:bodyPr>
+              <a:lstStyle/>
+              <a:p>
+                <a:pPr>
+                  <a:buFont typeface="Arial" panose="020B0604020202020204" pitchFamily="34" charset="0"/>
+                  <a:buChar char="•"/>
+                </a:pPr>
+                <a:r>
+                  <a:rPr lang="de-DE" sz="1800" dirty="0">
+                    <a:latin typeface="Times New Roman" panose="02020603050405020304" pitchFamily="18" charset="0"/>
+                    <a:cs typeface="Times New Roman" panose="02020603050405020304" pitchFamily="18" charset="0"/>
+                  </a:rPr>
+                  <a:t>Expertenbefragungen ergänzen häufig andere Methoden wie analytische oder kreative Ansätze.</a:t>
+                </a:r>
+              </a:p>
+              <a:p>
+                <a:pPr>
+                  <a:buFont typeface="Wingdings" panose="05000000000000000000" pitchFamily="2" charset="2"/>
+                  <a:buChar char="ü"/>
+                </a:pPr>
+                <a:r>
+                  <a:rPr lang="de-DE" sz="1800" dirty="0">
+                    <a:latin typeface="Times New Roman" panose="02020603050405020304" pitchFamily="18" charset="0"/>
+                    <a:cs typeface="Times New Roman" panose="02020603050405020304" pitchFamily="18" charset="0"/>
+                  </a:rPr>
+                  <a:t>Wichtig hier: Berücksichtigung verschiedener Perspektiven für umfassendes Verständnis, mithilfe Interviews </a:t>
+                </a:r>
+                <a14:m>
+                  <m:oMath xmlns:m="http://schemas.openxmlformats.org/officeDocument/2006/math">
+                    <m:r>
+                      <a:rPr lang="de-DE" sz="1800" smtClean="0">
+                        <a:latin typeface="Cambria Math" panose="02040503050406030204" pitchFamily="18" charset="0"/>
+                      </a:rPr>
+                      <m:t>⇒</m:t>
+                    </m:r>
+                    <m:r>
+                      <a:rPr lang="de-DE" sz="1800" b="0" i="0" smtClean="0">
+                        <a:latin typeface="Cambria Math" panose="02040503050406030204" pitchFamily="18" charset="0"/>
+                      </a:rPr>
+                      <m:t> </m:t>
+                    </m:r>
+                  </m:oMath>
+                </a14:m>
+                <a:r>
+                  <a:rPr lang="de-DE" sz="1800" dirty="0">
+                    <a:latin typeface="Times New Roman" panose="02020603050405020304" pitchFamily="18" charset="0"/>
+                    <a:cs typeface="Times New Roman" panose="02020603050405020304" pitchFamily="18" charset="0"/>
+                  </a:rPr>
+                  <a:t>neuen Einsichten und Blickwinkeln, nicht allein durch analytische oder kreative Ansätze erfassbar</a:t>
+                </a:r>
+              </a:p>
+              <a:p>
+                <a:pPr>
+                  <a:buFont typeface="Arial" panose="020B0604020202020204" pitchFamily="34" charset="0"/>
+                  <a:buChar char="•"/>
+                </a:pPr>
+                <a:r>
+                  <a:rPr lang="de-DE" sz="1600" dirty="0">
+                    <a:latin typeface="Times New Roman" panose="02020603050405020304" pitchFamily="18" charset="0"/>
+                    <a:cs typeface="Times New Roman" panose="02020603050405020304" pitchFamily="18" charset="0"/>
+                  </a:rPr>
+                  <a:t>Expertenbefragungen</a:t>
+                </a:r>
+                <a:r>
+                  <a:rPr lang="de-DE" sz="1800" dirty="0">
+                    <a:latin typeface="Times New Roman" panose="02020603050405020304" pitchFamily="18" charset="0"/>
+                    <a:cs typeface="Times New Roman" panose="02020603050405020304" pitchFamily="18" charset="0"/>
+                  </a:rPr>
+                  <a:t> dienen als wichtige Informationsquelle und liefern Denkanstöße für bisher nicht betrachtete Risiken.</a:t>
+                </a:r>
+              </a:p>
+              <a:p>
+                <a:pPr>
+                  <a:buFont typeface="Wingdings" panose="05000000000000000000" pitchFamily="2" charset="2"/>
+                  <a:buChar char="ü"/>
+                </a:pPr>
+                <a:r>
+                  <a:rPr lang="de-DE" sz="1800" dirty="0">
+                    <a:latin typeface="Times New Roman" panose="02020603050405020304" pitchFamily="18" charset="0"/>
+                    <a:cs typeface="Times New Roman" panose="02020603050405020304" pitchFamily="18" charset="0"/>
+                  </a:rPr>
+                  <a:t>Die Einbeziehung verschiedener Experten ⇒blinde Flecken zu erkennen und umfassendere Risikobewertungen zu ermöglichen.</a:t>
+                </a:r>
+              </a:p>
+              <a:p>
+                <a:pPr>
+                  <a:buFont typeface="Arial" panose="020B0604020202020204" pitchFamily="34" charset="0"/>
+                  <a:buChar char="•"/>
+                </a:pPr>
+                <a:r>
+                  <a:rPr lang="de-DE" sz="1800" dirty="0">
+                    <a:latin typeface="Times New Roman" panose="02020603050405020304" pitchFamily="18" charset="0"/>
+                    <a:cs typeface="Times New Roman" panose="02020603050405020304" pitchFamily="18" charset="0"/>
+                  </a:rPr>
+                  <a:t>Bei Kollektionsmethoden ist es ratsam, verschiedene Fachexperten intern und extern zu interviewen, um breite Erkenntnisse zu erhalten.</a:t>
+                </a:r>
+              </a:p>
+              <a:p>
+                <a:pPr>
+                  <a:buFont typeface="Wingdings" panose="05000000000000000000" pitchFamily="2" charset="2"/>
+                  <a:buChar char="ü"/>
+                </a:pPr>
+                <a:r>
+                  <a:rPr lang="de-DE" sz="1800" dirty="0">
+                    <a:latin typeface="Times New Roman" panose="02020603050405020304" pitchFamily="18" charset="0"/>
+                    <a:cs typeface="Times New Roman" panose="02020603050405020304" pitchFamily="18" charset="0"/>
+                  </a:rPr>
+                  <a:t>z.B., Ingenieure, Betriebswirte, Juristen...</a:t>
+                </a:r>
+              </a:p>
+              <a:p>
+                <a:pPr>
+                  <a:buFont typeface="Arial" panose="020B0604020202020204" pitchFamily="34" charset="0"/>
+                  <a:buChar char="•"/>
+                </a:pPr>
+                <a:r>
+                  <a:rPr lang="de-DE" sz="1800" dirty="0">
+                    <a:latin typeface="Times New Roman" panose="02020603050405020304" pitchFamily="18" charset="0"/>
+                    <a:cs typeface="Times New Roman" panose="02020603050405020304" pitchFamily="18" charset="0"/>
+                  </a:rPr>
+                  <a:t>In der Praxis gibt es </a:t>
+                </a:r>
+                <a:r>
+                  <a:rPr lang="de-DE" sz="2000" dirty="0">
+                    <a:latin typeface="Times New Roman" panose="02020603050405020304" pitchFamily="18" charset="0"/>
+                    <a:cs typeface="Times New Roman" panose="02020603050405020304" pitchFamily="18" charset="0"/>
+                  </a:rPr>
+                  <a:t>verschiedene Interviewtechniken: </a:t>
+                </a:r>
+              </a:p>
+              <a:p>
+                <a:pPr>
+                  <a:buFont typeface="Wingdings" panose="05000000000000000000" pitchFamily="2" charset="2"/>
+                  <a:buChar char="v"/>
+                </a:pPr>
+                <a:r>
+                  <a:rPr lang="de-DE" sz="2000" b="1" dirty="0">
+                    <a:latin typeface="Times New Roman" panose="02020603050405020304" pitchFamily="18" charset="0"/>
+                    <a:cs typeface="Times New Roman" panose="02020603050405020304" pitchFamily="18" charset="0"/>
+                  </a:rPr>
+                  <a:t>Strukturierte Interviews:</a:t>
+                </a:r>
+                <a:r>
+                  <a:rPr lang="de-DE" sz="2000" dirty="0">
+                    <a:latin typeface="Times New Roman" panose="02020603050405020304" pitchFamily="18" charset="0"/>
+                    <a:cs typeface="Times New Roman" panose="02020603050405020304" pitchFamily="18" charset="0"/>
+                  </a:rPr>
+                  <a:t> Definieren Fragenbereiche und potenzielle Fragen.</a:t>
+                </a:r>
+              </a:p>
+              <a:p>
+                <a:pPr>
+                  <a:buFont typeface="Wingdings" panose="05000000000000000000" pitchFamily="2" charset="2"/>
+                  <a:buChar char="v"/>
+                </a:pPr>
+                <a:r>
+                  <a:rPr lang="de-DE" sz="2000" b="1" dirty="0">
+                    <a:latin typeface="Times New Roman" panose="02020603050405020304" pitchFamily="18" charset="0"/>
+                    <a:cs typeface="Times New Roman" panose="02020603050405020304" pitchFamily="18" charset="0"/>
+                  </a:rPr>
+                  <a:t>Standardisierte Interviews:</a:t>
+                </a:r>
+                <a:r>
+                  <a:rPr lang="de-DE" sz="2000" dirty="0">
+                    <a:latin typeface="Times New Roman" panose="02020603050405020304" pitchFamily="18" charset="0"/>
+                    <a:cs typeface="Times New Roman" panose="02020603050405020304" pitchFamily="18" charset="0"/>
+                  </a:rPr>
+                  <a:t> weiter in der Formalisierung: Konkrete Fragen, ihre Abfolge und die Bewertung der Antworten vorgeben.</a:t>
+                </a:r>
+              </a:p>
+              <a:p>
+                <a:pPr>
+                  <a:buFont typeface="Arial" panose="020B0604020202020204" pitchFamily="34" charset="0"/>
+                  <a:buChar char="•"/>
+                </a:pPr>
+                <a:r>
+                  <a:rPr lang="de-DE" sz="2000" dirty="0">
+                    <a:latin typeface="Times New Roman" panose="02020603050405020304" pitchFamily="18" charset="0"/>
+                    <a:cs typeface="Times New Roman" panose="02020603050405020304" pitchFamily="18" charset="0"/>
+                  </a:rPr>
+                  <a:t>Die Standardisierung </a:t>
+                </a:r>
+                <a14:m>
+                  <m:oMath xmlns:m="http://schemas.openxmlformats.org/officeDocument/2006/math">
+                    <m:r>
+                      <a:rPr lang="de-DE" sz="2000" smtClean="0">
+                        <a:latin typeface="Cambria Math" panose="02040503050406030204" pitchFamily="18" charset="0"/>
+                      </a:rPr>
+                      <m:t>⇒</m:t>
+                    </m:r>
+                    <m:r>
+                      <a:rPr lang="de-DE" sz="2000" i="1" smtClean="0">
+                        <a:latin typeface="Cambria Math" panose="02040503050406030204" pitchFamily="18" charset="0"/>
+                      </a:rPr>
+                      <m:t> </m:t>
+                    </m:r>
+                  </m:oMath>
+                </a14:m>
+                <a:r>
+                  <a:rPr lang="de-DE" sz="2000" dirty="0">
+                    <a:latin typeface="Times New Roman" panose="02020603050405020304" pitchFamily="18" charset="0"/>
+                    <a:cs typeface="Times New Roman" panose="02020603050405020304" pitchFamily="18" charset="0"/>
+                  </a:rPr>
+                  <a:t>den Interviewer-Bias zu reduzieren zur Minimierung bewussten oder unbewussten Beeinflussung (vgl. Kahneman 2011; Romeike 2013a, 2013b).</a:t>
+                </a:r>
+              </a:p>
+              <a:p>
+                <a:pPr>
+                  <a:buFont typeface="Arial" panose="020B0604020202020204" pitchFamily="34" charset="0"/>
+                  <a:buChar char="•"/>
+                </a:pPr>
+                <a:r>
+                  <a:rPr lang="de-DE" sz="2000" dirty="0">
+                    <a:latin typeface="Times New Roman" panose="02020603050405020304" pitchFamily="18" charset="0"/>
+                    <a:cs typeface="Times New Roman" panose="02020603050405020304" pitchFamily="18" charset="0"/>
+                  </a:rPr>
+                  <a:t>Interviews: Effektive und zeitsparende Methode zur Erkennung potenzieller Risiken und eignen sich ideal als Ergänzung zu anderen analytischen Methoden oder Kreativitätsmethoden.</a:t>
+                </a:r>
+              </a:p>
+              <a:p>
+                <a:endParaRPr lang="de-DE" dirty="0"/>
+              </a:p>
+            </p:txBody>
+          </p:sp>
+        </mc:Choice>
+        <mc:Fallback xmlns="">
+          <p:sp>
+            <p:nvSpPr>
+              <p:cNvPr id="3" name="Inhaltsplatzhalter 2">
+                <a:extLst>
+                  <a:ext uri="{FF2B5EF4-FFF2-40B4-BE49-F238E27FC236}">
+                    <a16:creationId xmlns:a16="http://schemas.microsoft.com/office/drawing/2014/main" id="{4E7574C4-A7ED-B0C7-BC59-48FFD4D3E380}"/>
+                  </a:ext>
+                </a:extLst>
+              </p:cNvPr>
+              <p:cNvSpPr>
+                <a:spLocks noGrp="1" noRot="1" noChangeAspect="1" noMove="1" noResize="1" noEditPoints="1" noAdjustHandles="1" noChangeArrowheads="1" noChangeShapeType="1" noTextEdit="1"/>
+              </p:cNvSpPr>
+              <p:nvPr>
+                <p:ph idx="1"/>
+              </p:nvPr>
+            </p:nvSpPr>
+            <p:spPr>
+              <a:xfrm>
+                <a:off x="838200" y="1080655"/>
+                <a:ext cx="10747664" cy="5579918"/>
+              </a:xfrm>
+              <a:blipFill>
+                <a:blip r:embed="rId3"/>
+                <a:stretch>
+                  <a:fillRect l="-510" t="-1528" b="-655"/>
+                </a:stretch>
+              </a:blipFill>
+            </p:spPr>
+            <p:txBody>
+              <a:bodyPr/>
+              <a:lstStyle/>
+              <a:p>
+                <a:r>
+                  <a:rPr lang="de-DE">
+                    <a:noFill/>
+                  </a:rPr>
+                  <a:t> </a:t>
+                </a:r>
+              </a:p>
+            </p:txBody>
+          </p:sp>
+        </mc:Fallback>
+      </mc:AlternateContent>
     </p:spTree>
     <p:extLst>
       <p:ext uri="{BB962C8B-B14F-4D97-AF65-F5344CB8AC3E}">
-        <p14:creationId xmlns:p14="http://schemas.microsoft.com/office/powerpoint/2010/main" val="651607249"/>
+        <p14:creationId xmlns:p14="http://schemas.microsoft.com/office/powerpoint/2010/main" val="2288937928"/>
       </p:ext>
     </p:extLst>
   </p:cSld>
@@ -12690,157 +9795,194 @@
           <a:chExt cx="0" cy="0"/>
         </a:xfrm>
       </p:grpSpPr>
-      <p:pic>
-        <p:nvPicPr>
-          <p:cNvPr id="4" name="Graphic 1">
-            <a:extLst>
-              <a:ext uri="{FF2B5EF4-FFF2-40B4-BE49-F238E27FC236}">
-                <a16:creationId xmlns:a16="http://schemas.microsoft.com/office/drawing/2014/main" id="{D4E2A8A5-7B9A-9FCE-2C0C-40115BB72542}"/>
-              </a:ext>
-            </a:extLst>
-          </p:cNvPr>
-          <p:cNvPicPr>
-            <a:picLocks noChangeAspect="1"/>
-          </p:cNvPicPr>
-          <p:nvPr/>
-        </p:nvPicPr>
-        <p:blipFill>
-          <a:blip r:embed="rId3">
-            <a:extLst>
-              <a:ext uri="{28A0092B-C50C-407E-A947-70E740481C1C}">
-                <a14:useLocalDpi xmlns:a14="http://schemas.microsoft.com/office/drawing/2010/main" val="0"/>
-              </a:ext>
-              <a:ext uri="{96DAC541-7B7A-43D3-8B79-37D633B846F1}">
-                <asvg:svgBlip xmlns:asvg="http://schemas.microsoft.com/office/drawing/2016/SVG/main" r:embed="rId4"/>
-              </a:ext>
-            </a:extLst>
-          </a:blip>
-          <a:stretch>
-            <a:fillRect/>
-          </a:stretch>
-        </p:blipFill>
-        <p:spPr>
-          <a:xfrm>
-            <a:off x="160961" y="133521"/>
-            <a:ext cx="2371620" cy="485811"/>
-          </a:xfrm>
-          <a:prstGeom prst="rect">
-            <a:avLst/>
-          </a:prstGeom>
-        </p:spPr>
-      </p:pic>
-      <p:sp>
-        <p:nvSpPr>
-          <p:cNvPr id="6" name="TextBox 5">
-            <a:extLst>
-              <a:ext uri="{FF2B5EF4-FFF2-40B4-BE49-F238E27FC236}">
-                <a16:creationId xmlns:a16="http://schemas.microsoft.com/office/drawing/2014/main" id="{4BF11305-FC23-954B-7998-B1257FEE9257}"/>
-              </a:ext>
-            </a:extLst>
-          </p:cNvPr>
-          <p:cNvSpPr txBox="1"/>
-          <p:nvPr/>
-        </p:nvSpPr>
-        <p:spPr>
-          <a:xfrm>
-            <a:off x="66782" y="6529608"/>
-            <a:ext cx="10986501" cy="230832"/>
-          </a:xfrm>
-          <a:prstGeom prst="rect">
-            <a:avLst/>
-          </a:prstGeom>
-          <a:noFill/>
-        </p:spPr>
-        <p:txBody>
-          <a:bodyPr wrap="square">
-            <a:spAutoFit/>
+      <p:sp>
+        <p:nvSpPr>
+          <p:cNvPr id="2" name="Titel 1">
+            <a:extLst>
+              <a:ext uri="{FF2B5EF4-FFF2-40B4-BE49-F238E27FC236}">
+                <a16:creationId xmlns:a16="http://schemas.microsoft.com/office/drawing/2014/main" id="{3B5C3EF2-2079-72C9-B8BF-A117234631BF}"/>
+              </a:ext>
+            </a:extLst>
+          </p:cNvPr>
+          <p:cNvSpPr>
+            <a:spLocks noGrp="1"/>
+          </p:cNvSpPr>
+          <p:nvPr>
+            <p:ph type="title"/>
+          </p:nvPr>
+        </p:nvSpPr>
+        <p:spPr/>
+        <p:txBody>
+          <a:bodyPr/>
+          <a:lstStyle/>
+          <a:p>
+            <a:r>
+              <a:rPr lang="de-DE" dirty="0"/>
+              <a:t>Fazit</a:t>
+            </a:r>
+          </a:p>
+        </p:txBody>
+      </p:sp>
+      <p:sp>
+        <p:nvSpPr>
+          <p:cNvPr id="3" name="Inhaltsplatzhalter 2">
+            <a:extLst>
+              <a:ext uri="{FF2B5EF4-FFF2-40B4-BE49-F238E27FC236}">
+                <a16:creationId xmlns:a16="http://schemas.microsoft.com/office/drawing/2014/main" id="{05564FAA-FD46-1F64-C9D6-EFDF3A2ED2DC}"/>
+              </a:ext>
+            </a:extLst>
+          </p:cNvPr>
+          <p:cNvSpPr>
+            <a:spLocks noGrp="1"/>
+          </p:cNvSpPr>
+          <p:nvPr>
+            <p:ph idx="1"/>
+          </p:nvPr>
+        </p:nvSpPr>
+        <p:spPr/>
+        <p:txBody>
+          <a:bodyPr>
+            <a:normAutofit/>
           </a:bodyPr>
           <a:lstStyle/>
           <a:p>
-            <a:r>
-              <a:rPr lang="de-DE" sz="900" dirty="0"/>
-              <a:t>Markov-Analyse &amp; Interview| WiSe 2023/24 I Hochschule Bielefeld I Linus Langenkamp, Jolan Eggers, Nicolas Schneider, Redouane Kabouchi I 03.11.2023 I Seite </a:t>
-            </a:r>
-            <a:fld id="{8665FA59-C0FE-4AB6-AD99-2451632B0EBE}" type="slidenum">
-              <a:rPr lang="de-DE" sz="900" smtClean="0"/>
-              <a:t>17</a:t>
-            </a:fld>
-            <a:endParaRPr lang="de-DE" sz="900" dirty="0"/>
-          </a:p>
-        </p:txBody>
-      </p:sp>
-      <p:sp>
-        <p:nvSpPr>
-          <p:cNvPr id="7" name="Title 1">
-            <a:extLst>
-              <a:ext uri="{FF2B5EF4-FFF2-40B4-BE49-F238E27FC236}">
-                <a16:creationId xmlns:a16="http://schemas.microsoft.com/office/drawing/2014/main" id="{C134D3AA-85CE-FCC6-6499-8202E6096899}"/>
-              </a:ext>
-            </a:extLst>
-          </p:cNvPr>
-          <p:cNvSpPr txBox="1">
-            <a:spLocks/>
-          </p:cNvSpPr>
-          <p:nvPr/>
-        </p:nvSpPr>
-        <p:spPr>
-          <a:xfrm>
-            <a:off x="738026" y="912189"/>
-            <a:ext cx="9144000" cy="626836"/>
-          </a:xfrm>
-          <a:prstGeom prst="rect">
-            <a:avLst/>
-          </a:prstGeom>
-        </p:spPr>
-        <p:txBody>
-          <a:bodyPr vert="horz" lIns="91440" tIns="45720" rIns="91440" bIns="45720" rtlCol="0" anchor="b">
-            <a:normAutofit/>
-          </a:bodyPr>
-          <a:lstStyle>
-            <a:lvl1pPr algn="ctr" defTabSz="914400" rtl="0" eaLnBrk="1" latinLnBrk="0" hangingPunct="1">
-              <a:lnSpc>
-                <a:spcPct val="90000"/>
-              </a:lnSpc>
-              <a:spcBef>
-                <a:spcPct val="0"/>
-              </a:spcBef>
-              <a:buNone/>
-              <a:defRPr sz="6000" kern="1200">
-                <a:solidFill>
-                  <a:schemeClr val="tx1"/>
-                </a:solidFill>
-                <a:latin typeface="+mj-lt"/>
-                <a:ea typeface="+mj-ea"/>
-                <a:cs typeface="+mj-cs"/>
-              </a:defRPr>
-            </a:lvl1pPr>
-          </a:lstStyle>
-          <a:p>
-            <a:pPr algn="l">
-              <a:lnSpc>
-                <a:spcPct val="100000"/>
-              </a:lnSpc>
-              <a:spcAft>
-                <a:spcPts val="600"/>
-              </a:spcAft>
+            <a:pPr>
+              <a:buFont typeface="Arial" panose="020B0604020202020204" pitchFamily="34" charset="0"/>
+              <a:buChar char="•"/>
             </a:pPr>
             <a:r>
-              <a:rPr lang="de-DE" sz="2800" b="1" dirty="0">
-                <a:effectLst/>
+              <a:rPr lang="de-DE" sz="1800" b="1" dirty="0">
                 <a:latin typeface="Times New Roman" panose="02020603050405020304" pitchFamily="18" charset="0"/>
-                <a:ea typeface="Times New Roman" panose="02020603050405020304" pitchFamily="18" charset="0"/>
                 <a:cs typeface="Times New Roman" panose="02020603050405020304" pitchFamily="18" charset="0"/>
               </a:rPr>
-              <a:t>Interview</a:t>
-            </a:r>
-            <a:endParaRPr lang="de-DE" sz="2800" dirty="0"/>
+              <a:t>Markov-Analyse Methode:</a:t>
+            </a:r>
+            <a:endParaRPr lang="de-DE" sz="1800" dirty="0">
+              <a:latin typeface="Times New Roman" panose="02020603050405020304" pitchFamily="18" charset="0"/>
+              <a:cs typeface="Times New Roman" panose="02020603050405020304" pitchFamily="18" charset="0"/>
+            </a:endParaRPr>
+          </a:p>
+          <a:p>
+            <a:pPr marL="742950" lvl="1" indent="-285750">
+              <a:buFont typeface="Arial" panose="020B0604020202020204" pitchFamily="34" charset="0"/>
+              <a:buChar char="•"/>
+            </a:pPr>
+            <a:r>
+              <a:rPr lang="de-DE" sz="1800" dirty="0">
+                <a:latin typeface="Times New Roman" panose="02020603050405020304" pitchFamily="18" charset="0"/>
+                <a:cs typeface="Times New Roman" panose="02020603050405020304" pitchFamily="18" charset="0"/>
+              </a:rPr>
+              <a:t>Angewendet am </a:t>
+            </a:r>
+            <a:r>
+              <a:rPr lang="de-DE" sz="1800" dirty="0" err="1">
+                <a:latin typeface="Times New Roman" panose="02020603050405020304" pitchFamily="18" charset="0"/>
+                <a:cs typeface="Times New Roman" panose="02020603050405020304" pitchFamily="18" charset="0"/>
+              </a:rPr>
+              <a:t>Reihnmetall</a:t>
+            </a:r>
+            <a:r>
+              <a:rPr lang="de-DE" sz="1800" dirty="0">
+                <a:latin typeface="Times New Roman" panose="02020603050405020304" pitchFamily="18" charset="0"/>
+                <a:cs typeface="Times New Roman" panose="02020603050405020304" pitchFamily="18" charset="0"/>
+              </a:rPr>
+              <a:t>-Unternehmen.</a:t>
+            </a:r>
+          </a:p>
+          <a:p>
+            <a:pPr marL="742950" lvl="1" indent="-285750">
+              <a:buFont typeface="Arial" panose="020B0604020202020204" pitchFamily="34" charset="0"/>
+              <a:buChar char="•"/>
+            </a:pPr>
+            <a:r>
+              <a:rPr lang="de-DE" sz="1800" dirty="0">
+                <a:latin typeface="Times New Roman" panose="02020603050405020304" pitchFamily="18" charset="0"/>
+                <a:cs typeface="Times New Roman" panose="02020603050405020304" pitchFamily="18" charset="0"/>
+              </a:rPr>
+              <a:t>Modelliert Ausfallwahrscheinlichkeiten, Zustandsänderungen, Ausfallraten und Reparaturraten.</a:t>
+            </a:r>
+          </a:p>
+          <a:p>
+            <a:pPr marL="742950" lvl="1" indent="-285750">
+              <a:buFont typeface="Arial" panose="020B0604020202020204" pitchFamily="34" charset="0"/>
+              <a:buChar char="•"/>
+            </a:pPr>
+            <a:r>
+              <a:rPr lang="de-DE" sz="1800" dirty="0">
+                <a:latin typeface="Times New Roman" panose="02020603050405020304" pitchFamily="18" charset="0"/>
+                <a:cs typeface="Times New Roman" panose="02020603050405020304" pitchFamily="18" charset="0"/>
+              </a:rPr>
+              <a:t>Quantitatives Analyseverfahren mit grafischen Modellen für mögliche Systemzustände.</a:t>
+            </a:r>
+          </a:p>
+          <a:p>
+            <a:pPr>
+              <a:buFont typeface="Arial" panose="020B0604020202020204" pitchFamily="34" charset="0"/>
+              <a:buChar char="•"/>
+            </a:pPr>
+            <a:r>
+              <a:rPr lang="de-DE" sz="1800" b="1" dirty="0">
+                <a:latin typeface="Times New Roman" panose="02020603050405020304" pitchFamily="18" charset="0"/>
+                <a:cs typeface="Times New Roman" panose="02020603050405020304" pitchFamily="18" charset="0"/>
+              </a:rPr>
+              <a:t>Experteninterviews:</a:t>
+            </a:r>
+            <a:endParaRPr lang="de-DE" sz="1800" dirty="0">
+              <a:latin typeface="Times New Roman" panose="02020603050405020304" pitchFamily="18" charset="0"/>
+              <a:cs typeface="Times New Roman" panose="02020603050405020304" pitchFamily="18" charset="0"/>
+            </a:endParaRPr>
+          </a:p>
+          <a:p>
+            <a:pPr marL="742950" lvl="1" indent="-285750">
+              <a:buFont typeface="Arial" panose="020B0604020202020204" pitchFamily="34" charset="0"/>
+              <a:buChar char="•"/>
+            </a:pPr>
+            <a:r>
+              <a:rPr lang="de-DE" sz="1800" dirty="0">
+                <a:latin typeface="Times New Roman" panose="02020603050405020304" pitchFamily="18" charset="0"/>
+                <a:cs typeface="Times New Roman" panose="02020603050405020304" pitchFamily="18" charset="0"/>
+              </a:rPr>
+              <a:t>Effiziente Methode zur Identifikation potenzieller Risiken.</a:t>
+            </a:r>
+          </a:p>
+          <a:p>
+            <a:pPr marL="742950" lvl="1" indent="-285750">
+              <a:buFont typeface="Arial" panose="020B0604020202020204" pitchFamily="34" charset="0"/>
+              <a:buChar char="•"/>
+            </a:pPr>
+            <a:r>
+              <a:rPr lang="de-DE" sz="1800" dirty="0">
+                <a:latin typeface="Times New Roman" panose="02020603050405020304" pitchFamily="18" charset="0"/>
+                <a:cs typeface="Times New Roman" panose="02020603050405020304" pitchFamily="18" charset="0"/>
+              </a:rPr>
+              <a:t>Direkter Austausch mit Experten ermöglicht schnelle Datenerfassung.</a:t>
+            </a:r>
+          </a:p>
+          <a:p>
+            <a:pPr marL="742950" lvl="1" indent="-285750">
+              <a:buFont typeface="Arial" panose="020B0604020202020204" pitchFamily="34" charset="0"/>
+              <a:buChar char="•"/>
+            </a:pPr>
+            <a:r>
+              <a:rPr lang="de-DE" sz="1800" dirty="0">
+                <a:latin typeface="Times New Roman" panose="02020603050405020304" pitchFamily="18" charset="0"/>
+                <a:cs typeface="Times New Roman" panose="02020603050405020304" pitchFamily="18" charset="0"/>
+              </a:rPr>
+              <a:t>Effektive Erkennung potenzieller Risiken im Vergleich zu rein analytischen oder kreativen Ansätzen.</a:t>
+            </a:r>
+          </a:p>
+          <a:p>
+            <a:endParaRPr lang="de-DE" sz="1800" dirty="0">
+              <a:latin typeface="Times New Roman" panose="02020603050405020304" pitchFamily="18" charset="0"/>
+              <a:cs typeface="Times New Roman" panose="02020603050405020304" pitchFamily="18" charset="0"/>
+            </a:endParaRPr>
           </a:p>
         </p:txBody>
       </p:sp>
     </p:spTree>
     <p:extLst>
       <p:ext uri="{BB962C8B-B14F-4D97-AF65-F5344CB8AC3E}">
-        <p14:creationId xmlns:p14="http://schemas.microsoft.com/office/powerpoint/2010/main" val="3851463952"/>
+        <p14:creationId xmlns:p14="http://schemas.microsoft.com/office/powerpoint/2010/main" val="565091077"/>
       </p:ext>
     </p:extLst>
   </p:cSld>
@@ -15190,12 +12332,70 @@
           </a:p>
         </p:txBody>
       </p:sp>
+      <p:sp>
+        <p:nvSpPr>
+          <p:cNvPr id="5" name="Textfeld 4">
+            <a:extLst>
+              <a:ext uri="{FF2B5EF4-FFF2-40B4-BE49-F238E27FC236}">
+                <a16:creationId xmlns:a16="http://schemas.microsoft.com/office/drawing/2014/main" id="{D550C7DA-5A99-3A72-159F-A70769C46B90}"/>
+              </a:ext>
+            </a:extLst>
+          </p:cNvPr>
+          <p:cNvSpPr txBox="1"/>
+          <p:nvPr/>
+        </p:nvSpPr>
+        <p:spPr>
+          <a:xfrm>
+            <a:off x="9077325" y="828675"/>
+            <a:ext cx="2347950" cy="1200329"/>
+          </a:xfrm>
+          <a:prstGeom prst="rect">
+            <a:avLst/>
+          </a:prstGeom>
+          <a:noFill/>
+        </p:spPr>
+        <p:txBody>
+          <a:bodyPr wrap="none" rtlCol="0">
+            <a:spAutoFit/>
+          </a:bodyPr>
+          <a:lstStyle/>
+          <a:p>
+            <a:r>
+              <a:rPr lang="de-DE" dirty="0"/>
+              <a:t>3 Notwendigen Sachen</a:t>
+            </a:r>
+          </a:p>
+          <a:p>
+            <a:r>
+              <a:rPr lang="de-DE" dirty="0"/>
+              <a:t>-Zustände</a:t>
+            </a:r>
+          </a:p>
+          <a:p>
+            <a:r>
+              <a:rPr lang="de-DE" dirty="0"/>
+              <a:t>-Initialisierung</a:t>
+            </a:r>
+          </a:p>
+          <a:p>
+            <a:r>
+              <a:rPr lang="de-DE" dirty="0"/>
+              <a:t>-</a:t>
+            </a:r>
+            <a:r>
+              <a:rPr lang="de-DE" dirty="0" err="1"/>
+              <a:t>Transitionsmodell</a:t>
+            </a:r>
+            <a:endParaRPr lang="de-DE" dirty="0"/>
+          </a:p>
+        </p:txBody>
+      </p:sp>
       <p:pic>
         <p:nvPicPr>
-          <p:cNvPr id="3" name="Grafik 2">
-            <a:extLst>
-              <a:ext uri="{FF2B5EF4-FFF2-40B4-BE49-F238E27FC236}">
-                <a16:creationId xmlns:a16="http://schemas.microsoft.com/office/drawing/2014/main" id="{CDC16EBC-81A9-2A6A-263D-92DA241B3D5E}"/>
+          <p:cNvPr id="8" name="Grafik 7">
+            <a:extLst>
+              <a:ext uri="{FF2B5EF4-FFF2-40B4-BE49-F238E27FC236}">
+                <a16:creationId xmlns:a16="http://schemas.microsoft.com/office/drawing/2014/main" id="{4873834D-6E91-A79B-7E04-201D891F36EB}"/>
               </a:ext>
             </a:extLst>
           </p:cNvPr>
@@ -15212,72 +12412,14 @@
         </p:blipFill>
         <p:spPr>
           <a:xfrm>
-            <a:off x="8875642" y="2944180"/>
-            <a:ext cx="2896276" cy="2199320"/>
+            <a:off x="8685283" y="2948697"/>
+            <a:ext cx="3457411" cy="2623014"/>
           </a:xfrm>
           <a:prstGeom prst="rect">
             <a:avLst/>
           </a:prstGeom>
         </p:spPr>
       </p:pic>
-      <p:sp>
-        <p:nvSpPr>
-          <p:cNvPr id="5" name="Textfeld 4">
-            <a:extLst>
-              <a:ext uri="{FF2B5EF4-FFF2-40B4-BE49-F238E27FC236}">
-                <a16:creationId xmlns:a16="http://schemas.microsoft.com/office/drawing/2014/main" id="{D550C7DA-5A99-3A72-159F-A70769C46B90}"/>
-              </a:ext>
-            </a:extLst>
-          </p:cNvPr>
-          <p:cNvSpPr txBox="1"/>
-          <p:nvPr/>
-        </p:nvSpPr>
-        <p:spPr>
-          <a:xfrm>
-            <a:off x="9077325" y="828675"/>
-            <a:ext cx="2347950" cy="1200329"/>
-          </a:xfrm>
-          <a:prstGeom prst="rect">
-            <a:avLst/>
-          </a:prstGeom>
-          <a:noFill/>
-        </p:spPr>
-        <p:txBody>
-          <a:bodyPr wrap="none" rtlCol="0">
-            <a:spAutoFit/>
-          </a:bodyPr>
-          <a:lstStyle/>
-          <a:p>
-            <a:r>
-              <a:rPr lang="de-DE" dirty="0"/>
-              <a:t>3 Notwendigen Sachen</a:t>
-            </a:r>
-          </a:p>
-          <a:p>
-            <a:r>
-              <a:rPr lang="de-DE" dirty="0"/>
-              <a:t>-Zustände</a:t>
-            </a:r>
-          </a:p>
-          <a:p>
-            <a:r>
-              <a:rPr lang="de-DE" dirty="0"/>
-              <a:t>-Initialisierung</a:t>
-            </a:r>
-          </a:p>
-          <a:p>
-            <a:r>
-              <a:rPr lang="de-DE" dirty="0"/>
-              <a:t>-</a:t>
-            </a:r>
-            <a:r>
-              <a:rPr lang="de-DE" dirty="0" err="1"/>
-              <a:t>Transitionsmodell</a:t>
-            </a:r>
-            <a:endParaRPr lang="de-DE" dirty="0"/>
-          </a:p>
-        </p:txBody>
-      </p:sp>
     </p:spTree>
     <p:extLst>
       <p:ext uri="{BB962C8B-B14F-4D97-AF65-F5344CB8AC3E}">

--- a/2.Vortrag/Markov-Analyse_Präsentation.pptx
+++ b/2.Vortrag/Markov-Analyse_Präsentation.pptx
@@ -5,27 +5,28 @@
     <p:sldMasterId id="2147483648" r:id="rId1"/>
   </p:sldMasterIdLst>
   <p:notesMasterIdLst>
-    <p:notesMasterId r:id="rId20"/>
+    <p:notesMasterId r:id="rId21"/>
   </p:notesMasterIdLst>
   <p:sldIdLst>
     <p:sldId id="256" r:id="rId2"/>
     <p:sldId id="308" r:id="rId3"/>
-    <p:sldId id="321" r:id="rId4"/>
-    <p:sldId id="324" r:id="rId5"/>
-    <p:sldId id="325" r:id="rId6"/>
-    <p:sldId id="326" r:id="rId7"/>
-    <p:sldId id="327" r:id="rId8"/>
-    <p:sldId id="310" r:id="rId9"/>
-    <p:sldId id="317" r:id="rId10"/>
+    <p:sldId id="329" r:id="rId4"/>
+    <p:sldId id="331" r:id="rId5"/>
+    <p:sldId id="310" r:id="rId6"/>
+    <p:sldId id="317" r:id="rId7"/>
+    <p:sldId id="332" r:id="rId8"/>
+    <p:sldId id="333" r:id="rId9"/>
+    <p:sldId id="330" r:id="rId10"/>
     <p:sldId id="316" r:id="rId11"/>
     <p:sldId id="314" r:id="rId12"/>
     <p:sldId id="318" r:id="rId13"/>
     <p:sldId id="311" r:id="rId14"/>
     <p:sldId id="312" r:id="rId15"/>
     <p:sldId id="313" r:id="rId16"/>
-    <p:sldId id="322" r:id="rId17"/>
-    <p:sldId id="323" r:id="rId18"/>
-    <p:sldId id="309" r:id="rId19"/>
+    <p:sldId id="334" r:id="rId17"/>
+    <p:sldId id="335" r:id="rId18"/>
+    <p:sldId id="336" r:id="rId19"/>
+    <p:sldId id="309" r:id="rId20"/>
   </p:sldIdLst>
   <p:sldSz cx="12192000" cy="6858000"/>
   <p:notesSz cx="6858000" cy="9144000"/>
@@ -214,7 +215,7 @@
           <a:p>
             <a:fld id="{2712EE82-0201-4A98-A82F-62919E8E970E}" type="datetimeFigureOut">
               <a:rPr lang="de-DE" smtClean="0"/>
-              <a:t>29.11.2023</a:t>
+              <a:t>30.11.2023</a:t>
             </a:fld>
             <a:endParaRPr lang="de-DE"/>
           </a:p>
@@ -615,7 +616,7 @@
           <a:p>
             <a:r>
               <a:rPr lang="de-DE" dirty="0"/>
-              <a:t>Jolan</a:t>
+              <a:t>Linus</a:t>
             </a:r>
           </a:p>
         </p:txBody>
@@ -637,7 +638,7 @@
           <a:p>
             <a:fld id="{A4B1B59E-D5B0-4E80-9D86-EC6522F3FBF9}" type="slidenum">
               <a:rPr lang="de-DE" smtClean="0"/>
-              <a:t>15</a:t>
+              <a:t>10</a:t>
             </a:fld>
             <a:endParaRPr lang="de-DE"/>
           </a:p>
@@ -646,7 +647,7 @@
     </p:spTree>
     <p:extLst>
       <p:ext uri="{BB962C8B-B14F-4D97-AF65-F5344CB8AC3E}">
-        <p14:creationId xmlns:p14="http://schemas.microsoft.com/office/powerpoint/2010/main" val="473032296"/>
+        <p14:creationId xmlns:p14="http://schemas.microsoft.com/office/powerpoint/2010/main" val="3339058330"/>
       </p:ext>
     </p:extLst>
   </p:cSld>
@@ -675,7 +676,7 @@
       </p:grpSpPr>
       <p:sp>
         <p:nvSpPr>
-          <p:cNvPr id="2" name="Folienbildplatzhalter 1"/>
+          <p:cNvPr id="2" name="Slide Image Placeholder 1"/>
           <p:cNvSpPr>
             <a:spLocks noGrp="1" noRot="1" noChangeAspect="1"/>
           </p:cNvSpPr>
@@ -687,7 +688,7 @@
       </p:sp>
       <p:sp>
         <p:nvSpPr>
-          <p:cNvPr id="3" name="Notizenplatzhalter 2"/>
+          <p:cNvPr id="3" name="Notes Placeholder 2"/>
           <p:cNvSpPr>
             <a:spLocks noGrp="1"/>
           </p:cNvSpPr>
@@ -700,13 +701,16 @@
           <a:bodyPr/>
           <a:lstStyle/>
           <a:p>
-            <a:endParaRPr lang="de-DE" dirty="0"/>
-          </a:p>
-        </p:txBody>
-      </p:sp>
-      <p:sp>
-        <p:nvSpPr>
-          <p:cNvPr id="4" name="Foliennummernplatzhalter 3"/>
+            <a:r>
+              <a:rPr lang="de-DE" dirty="0"/>
+              <a:t>Linus</a:t>
+            </a:r>
+          </a:p>
+        </p:txBody>
+      </p:sp>
+      <p:sp>
+        <p:nvSpPr>
+          <p:cNvPr id="4" name="Slide Number Placeholder 3"/>
           <p:cNvSpPr>
             <a:spLocks noGrp="1"/>
           </p:cNvSpPr>
@@ -721,7 +725,7 @@
           <a:p>
             <a:fld id="{A4B1B59E-D5B0-4E80-9D86-EC6522F3FBF9}" type="slidenum">
               <a:rPr lang="de-DE" smtClean="0"/>
-              <a:t>16</a:t>
+              <a:t>11</a:t>
             </a:fld>
             <a:endParaRPr lang="de-DE"/>
           </a:p>
@@ -730,7 +734,7 @@
     </p:spTree>
     <p:extLst>
       <p:ext uri="{BB962C8B-B14F-4D97-AF65-F5344CB8AC3E}">
-        <p14:creationId xmlns:p14="http://schemas.microsoft.com/office/powerpoint/2010/main" val="1384926250"/>
+        <p14:creationId xmlns:p14="http://schemas.microsoft.com/office/powerpoint/2010/main" val="2106620309"/>
       </p:ext>
     </p:extLst>
   </p:cSld>
@@ -785,10 +789,9 @@
           <a:lstStyle/>
           <a:p>
             <a:r>
-              <a:rPr lang="de-DE" dirty="0" err="1"/>
-              <a:t>Redi</a:t>
-            </a:r>
-            <a:endParaRPr lang="de-DE" dirty="0"/>
+              <a:rPr lang="de-DE" dirty="0"/>
+              <a:t>Jolan</a:t>
+            </a:r>
           </a:p>
         </p:txBody>
       </p:sp>
@@ -809,7 +812,617 @@
           <a:p>
             <a:fld id="{A4B1B59E-D5B0-4E80-9D86-EC6522F3FBF9}" type="slidenum">
               <a:rPr lang="de-DE" smtClean="0"/>
+              <a:t>12</a:t>
+            </a:fld>
+            <a:endParaRPr lang="de-DE"/>
+          </a:p>
+        </p:txBody>
+      </p:sp>
+    </p:spTree>
+    <p:extLst>
+      <p:ext uri="{BB962C8B-B14F-4D97-AF65-F5344CB8AC3E}">
+        <p14:creationId xmlns:p14="http://schemas.microsoft.com/office/powerpoint/2010/main" val="4047679535"/>
+      </p:ext>
+    </p:extLst>
+  </p:cSld>
+  <p:clrMapOvr>
+    <a:masterClrMapping/>
+  </p:clrMapOvr>
+</p:notes>
+</file>
+
+<file path=ppt/notesSlides/notesSlide13.xml><?xml version="1.0" encoding="utf-8"?>
+<p:notes xmlns:a="http://schemas.openxmlformats.org/drawingml/2006/main" xmlns:r="http://schemas.openxmlformats.org/officeDocument/2006/relationships" xmlns:p="http://schemas.openxmlformats.org/presentationml/2006/main">
+  <p:cSld>
+    <p:spTree>
+      <p:nvGrpSpPr>
+        <p:cNvPr id="1" name=""/>
+        <p:cNvGrpSpPr/>
+        <p:nvPr/>
+      </p:nvGrpSpPr>
+      <p:grpSpPr>
+        <a:xfrm>
+          <a:off x="0" y="0"/>
+          <a:ext cx="0" cy="0"/>
+          <a:chOff x="0" y="0"/>
+          <a:chExt cx="0" cy="0"/>
+        </a:xfrm>
+      </p:grpSpPr>
+      <p:sp>
+        <p:nvSpPr>
+          <p:cNvPr id="2" name="Slide Image Placeholder 1"/>
+          <p:cNvSpPr>
+            <a:spLocks noGrp="1" noRot="1" noChangeAspect="1"/>
+          </p:cNvSpPr>
+          <p:nvPr>
+            <p:ph type="sldImg"/>
+          </p:nvPr>
+        </p:nvSpPr>
+        <p:spPr/>
+      </p:sp>
+      <p:sp>
+        <p:nvSpPr>
+          <p:cNvPr id="3" name="Notes Placeholder 2"/>
+          <p:cNvSpPr>
+            <a:spLocks noGrp="1"/>
+          </p:cNvSpPr>
+          <p:nvPr>
+            <p:ph type="body" idx="1"/>
+          </p:nvPr>
+        </p:nvSpPr>
+        <p:spPr/>
+        <p:txBody>
+          <a:bodyPr/>
+          <a:lstStyle/>
+          <a:p>
+            <a:r>
+              <a:rPr lang="de-DE" dirty="0"/>
+              <a:t>Nicolas</a:t>
+            </a:r>
+          </a:p>
+        </p:txBody>
+      </p:sp>
+      <p:sp>
+        <p:nvSpPr>
+          <p:cNvPr id="4" name="Slide Number Placeholder 3"/>
+          <p:cNvSpPr>
+            <a:spLocks noGrp="1"/>
+          </p:cNvSpPr>
+          <p:nvPr>
+            <p:ph type="sldNum" sz="quarter" idx="5"/>
+          </p:nvPr>
+        </p:nvSpPr>
+        <p:spPr/>
+        <p:txBody>
+          <a:bodyPr/>
+          <a:lstStyle/>
+          <a:p>
+            <a:fld id="{A4B1B59E-D5B0-4E80-9D86-EC6522F3FBF9}" type="slidenum">
+              <a:rPr lang="de-DE" smtClean="0"/>
+              <a:t>13</a:t>
+            </a:fld>
+            <a:endParaRPr lang="de-DE"/>
+          </a:p>
+        </p:txBody>
+      </p:sp>
+    </p:spTree>
+    <p:extLst>
+      <p:ext uri="{BB962C8B-B14F-4D97-AF65-F5344CB8AC3E}">
+        <p14:creationId xmlns:p14="http://schemas.microsoft.com/office/powerpoint/2010/main" val="2655196514"/>
+      </p:ext>
+    </p:extLst>
+  </p:cSld>
+  <p:clrMapOvr>
+    <a:masterClrMapping/>
+  </p:clrMapOvr>
+</p:notes>
+</file>
+
+<file path=ppt/notesSlides/notesSlide14.xml><?xml version="1.0" encoding="utf-8"?>
+<p:notes xmlns:a="http://schemas.openxmlformats.org/drawingml/2006/main" xmlns:r="http://schemas.openxmlformats.org/officeDocument/2006/relationships" xmlns:p="http://schemas.openxmlformats.org/presentationml/2006/main">
+  <p:cSld>
+    <p:spTree>
+      <p:nvGrpSpPr>
+        <p:cNvPr id="1" name=""/>
+        <p:cNvGrpSpPr/>
+        <p:nvPr/>
+      </p:nvGrpSpPr>
+      <p:grpSpPr>
+        <a:xfrm>
+          <a:off x="0" y="0"/>
+          <a:ext cx="0" cy="0"/>
+          <a:chOff x="0" y="0"/>
+          <a:chExt cx="0" cy="0"/>
+        </a:xfrm>
+      </p:grpSpPr>
+      <p:sp>
+        <p:nvSpPr>
+          <p:cNvPr id="2" name="Slide Image Placeholder 1"/>
+          <p:cNvSpPr>
+            <a:spLocks noGrp="1" noRot="1" noChangeAspect="1"/>
+          </p:cNvSpPr>
+          <p:nvPr>
+            <p:ph type="sldImg"/>
+          </p:nvPr>
+        </p:nvSpPr>
+        <p:spPr/>
+      </p:sp>
+      <p:sp>
+        <p:nvSpPr>
+          <p:cNvPr id="3" name="Notes Placeholder 2"/>
+          <p:cNvSpPr>
+            <a:spLocks noGrp="1"/>
+          </p:cNvSpPr>
+          <p:nvPr>
+            <p:ph type="body" idx="1"/>
+          </p:nvPr>
+        </p:nvSpPr>
+        <p:spPr/>
+        <p:txBody>
+          <a:bodyPr/>
+          <a:lstStyle/>
+          <a:p>
+            <a:r>
+              <a:rPr lang="de-DE" dirty="0"/>
+              <a:t>Jolan</a:t>
+            </a:r>
+          </a:p>
+        </p:txBody>
+      </p:sp>
+      <p:sp>
+        <p:nvSpPr>
+          <p:cNvPr id="4" name="Slide Number Placeholder 3"/>
+          <p:cNvSpPr>
+            <a:spLocks noGrp="1"/>
+          </p:cNvSpPr>
+          <p:nvPr>
+            <p:ph type="sldNum" sz="quarter" idx="5"/>
+          </p:nvPr>
+        </p:nvSpPr>
+        <p:spPr/>
+        <p:txBody>
+          <a:bodyPr/>
+          <a:lstStyle/>
+          <a:p>
+            <a:fld id="{A4B1B59E-D5B0-4E80-9D86-EC6522F3FBF9}" type="slidenum">
+              <a:rPr lang="de-DE" smtClean="0"/>
+              <a:t>14</a:t>
+            </a:fld>
+            <a:endParaRPr lang="de-DE"/>
+          </a:p>
+        </p:txBody>
+      </p:sp>
+    </p:spTree>
+    <p:extLst>
+      <p:ext uri="{BB962C8B-B14F-4D97-AF65-F5344CB8AC3E}">
+        <p14:creationId xmlns:p14="http://schemas.microsoft.com/office/powerpoint/2010/main" val="1290760823"/>
+      </p:ext>
+    </p:extLst>
+  </p:cSld>
+  <p:clrMapOvr>
+    <a:masterClrMapping/>
+  </p:clrMapOvr>
+</p:notes>
+</file>
+
+<file path=ppt/notesSlides/notesSlide15.xml><?xml version="1.0" encoding="utf-8"?>
+<p:notes xmlns:a="http://schemas.openxmlformats.org/drawingml/2006/main" xmlns:r="http://schemas.openxmlformats.org/officeDocument/2006/relationships" xmlns:p="http://schemas.openxmlformats.org/presentationml/2006/main">
+  <p:cSld>
+    <p:spTree>
+      <p:nvGrpSpPr>
+        <p:cNvPr id="1" name=""/>
+        <p:cNvGrpSpPr/>
+        <p:nvPr/>
+      </p:nvGrpSpPr>
+      <p:grpSpPr>
+        <a:xfrm>
+          <a:off x="0" y="0"/>
+          <a:ext cx="0" cy="0"/>
+          <a:chOff x="0" y="0"/>
+          <a:chExt cx="0" cy="0"/>
+        </a:xfrm>
+      </p:grpSpPr>
+      <p:sp>
+        <p:nvSpPr>
+          <p:cNvPr id="2" name="Slide Image Placeholder 1"/>
+          <p:cNvSpPr>
+            <a:spLocks noGrp="1" noRot="1" noChangeAspect="1"/>
+          </p:cNvSpPr>
+          <p:nvPr>
+            <p:ph type="sldImg"/>
+          </p:nvPr>
+        </p:nvSpPr>
+        <p:spPr/>
+      </p:sp>
+      <p:sp>
+        <p:nvSpPr>
+          <p:cNvPr id="3" name="Notes Placeholder 2"/>
+          <p:cNvSpPr>
+            <a:spLocks noGrp="1"/>
+          </p:cNvSpPr>
+          <p:nvPr>
+            <p:ph type="body" idx="1"/>
+          </p:nvPr>
+        </p:nvSpPr>
+        <p:spPr/>
+        <p:txBody>
+          <a:bodyPr/>
+          <a:lstStyle/>
+          <a:p>
+            <a:r>
+              <a:rPr lang="de-DE" dirty="0"/>
+              <a:t>Jolan</a:t>
+            </a:r>
+          </a:p>
+        </p:txBody>
+      </p:sp>
+      <p:sp>
+        <p:nvSpPr>
+          <p:cNvPr id="4" name="Slide Number Placeholder 3"/>
+          <p:cNvSpPr>
+            <a:spLocks noGrp="1"/>
+          </p:cNvSpPr>
+          <p:nvPr>
+            <p:ph type="sldNum" sz="quarter" idx="5"/>
+          </p:nvPr>
+        </p:nvSpPr>
+        <p:spPr/>
+        <p:txBody>
+          <a:bodyPr/>
+          <a:lstStyle/>
+          <a:p>
+            <a:fld id="{A4B1B59E-D5B0-4E80-9D86-EC6522F3FBF9}" type="slidenum">
+              <a:rPr lang="de-DE" smtClean="0"/>
+              <a:t>15</a:t>
+            </a:fld>
+            <a:endParaRPr lang="de-DE"/>
+          </a:p>
+        </p:txBody>
+      </p:sp>
+    </p:spTree>
+    <p:extLst>
+      <p:ext uri="{BB962C8B-B14F-4D97-AF65-F5344CB8AC3E}">
+        <p14:creationId xmlns:p14="http://schemas.microsoft.com/office/powerpoint/2010/main" val="473032296"/>
+      </p:ext>
+    </p:extLst>
+  </p:cSld>
+  <p:clrMapOvr>
+    <a:masterClrMapping/>
+  </p:clrMapOvr>
+</p:notes>
+</file>
+
+<file path=ppt/notesSlides/notesSlide16.xml><?xml version="1.0" encoding="utf-8"?>
+<p:notes xmlns:a="http://schemas.openxmlformats.org/drawingml/2006/main" xmlns:r="http://schemas.openxmlformats.org/officeDocument/2006/relationships" xmlns:p="http://schemas.openxmlformats.org/presentationml/2006/main">
+  <p:cSld>
+    <p:spTree>
+      <p:nvGrpSpPr>
+        <p:cNvPr id="1" name=""/>
+        <p:cNvGrpSpPr/>
+        <p:nvPr/>
+      </p:nvGrpSpPr>
+      <p:grpSpPr>
+        <a:xfrm>
+          <a:off x="0" y="0"/>
+          <a:ext cx="0" cy="0"/>
+          <a:chOff x="0" y="0"/>
+          <a:chExt cx="0" cy="0"/>
+        </a:xfrm>
+      </p:grpSpPr>
+      <p:sp>
+        <p:nvSpPr>
+          <p:cNvPr id="2" name="Slide Image Placeholder 1"/>
+          <p:cNvSpPr>
+            <a:spLocks noGrp="1" noRot="1" noChangeAspect="1"/>
+          </p:cNvSpPr>
+          <p:nvPr>
+            <p:ph type="sldImg"/>
+          </p:nvPr>
+        </p:nvSpPr>
+        <p:spPr/>
+      </p:sp>
+      <p:sp>
+        <p:nvSpPr>
+          <p:cNvPr id="3" name="Notes Placeholder 2"/>
+          <p:cNvSpPr>
+            <a:spLocks noGrp="1"/>
+          </p:cNvSpPr>
+          <p:nvPr>
+            <p:ph type="body" idx="1"/>
+          </p:nvPr>
+        </p:nvSpPr>
+        <p:spPr/>
+        <p:txBody>
+          <a:bodyPr/>
+          <a:lstStyle/>
+          <a:p>
+            <a:r>
+              <a:rPr lang="de-DE" dirty="0"/>
+              <a:t>Jolan</a:t>
+            </a:r>
+          </a:p>
+        </p:txBody>
+      </p:sp>
+      <p:sp>
+        <p:nvSpPr>
+          <p:cNvPr id="4" name="Slide Number Placeholder 3"/>
+          <p:cNvSpPr>
+            <a:spLocks noGrp="1"/>
+          </p:cNvSpPr>
+          <p:nvPr>
+            <p:ph type="sldNum" sz="quarter" idx="5"/>
+          </p:nvPr>
+        </p:nvSpPr>
+        <p:spPr/>
+        <p:txBody>
+          <a:bodyPr/>
+          <a:lstStyle/>
+          <a:p>
+            <a:fld id="{A4B1B59E-D5B0-4E80-9D86-EC6522F3FBF9}" type="slidenum">
+              <a:rPr lang="de-DE" smtClean="0"/>
+              <a:t>16</a:t>
+            </a:fld>
+            <a:endParaRPr lang="de-DE"/>
+          </a:p>
+        </p:txBody>
+      </p:sp>
+    </p:spTree>
+    <p:extLst>
+      <p:ext uri="{BB962C8B-B14F-4D97-AF65-F5344CB8AC3E}">
+        <p14:creationId xmlns:p14="http://schemas.microsoft.com/office/powerpoint/2010/main" val="1814878001"/>
+      </p:ext>
+    </p:extLst>
+  </p:cSld>
+  <p:clrMapOvr>
+    <a:masterClrMapping/>
+  </p:clrMapOvr>
+</p:notes>
+</file>
+
+<file path=ppt/notesSlides/notesSlide17.xml><?xml version="1.0" encoding="utf-8"?>
+<p:notes xmlns:a="http://schemas.openxmlformats.org/drawingml/2006/main" xmlns:r="http://schemas.openxmlformats.org/officeDocument/2006/relationships" xmlns:p="http://schemas.openxmlformats.org/presentationml/2006/main">
+  <p:cSld>
+    <p:spTree>
+      <p:nvGrpSpPr>
+        <p:cNvPr id="1" name=""/>
+        <p:cNvGrpSpPr/>
+        <p:nvPr/>
+      </p:nvGrpSpPr>
+      <p:grpSpPr>
+        <a:xfrm>
+          <a:off x="0" y="0"/>
+          <a:ext cx="0" cy="0"/>
+          <a:chOff x="0" y="0"/>
+          <a:chExt cx="0" cy="0"/>
+        </a:xfrm>
+      </p:grpSpPr>
+      <p:sp>
+        <p:nvSpPr>
+          <p:cNvPr id="2" name="Slide Image Placeholder 1"/>
+          <p:cNvSpPr>
+            <a:spLocks noGrp="1" noRot="1" noChangeAspect="1"/>
+          </p:cNvSpPr>
+          <p:nvPr>
+            <p:ph type="sldImg"/>
+          </p:nvPr>
+        </p:nvSpPr>
+        <p:spPr/>
+      </p:sp>
+      <p:sp>
+        <p:nvSpPr>
+          <p:cNvPr id="3" name="Notes Placeholder 2"/>
+          <p:cNvSpPr>
+            <a:spLocks noGrp="1"/>
+          </p:cNvSpPr>
+          <p:nvPr>
+            <p:ph type="body" idx="1"/>
+          </p:nvPr>
+        </p:nvSpPr>
+        <p:spPr/>
+        <p:txBody>
+          <a:bodyPr/>
+          <a:lstStyle/>
+          <a:p>
+            <a:r>
+              <a:rPr lang="de-DE" dirty="0"/>
+              <a:t>Jolan</a:t>
+            </a:r>
+          </a:p>
+        </p:txBody>
+      </p:sp>
+      <p:sp>
+        <p:nvSpPr>
+          <p:cNvPr id="4" name="Slide Number Placeholder 3"/>
+          <p:cNvSpPr>
+            <a:spLocks noGrp="1"/>
+          </p:cNvSpPr>
+          <p:nvPr>
+            <p:ph type="sldNum" sz="quarter" idx="5"/>
+          </p:nvPr>
+        </p:nvSpPr>
+        <p:spPr/>
+        <p:txBody>
+          <a:bodyPr/>
+          <a:lstStyle/>
+          <a:p>
+            <a:fld id="{A4B1B59E-D5B0-4E80-9D86-EC6522F3FBF9}" type="slidenum">
+              <a:rPr lang="de-DE" smtClean="0"/>
+              <a:t>17</a:t>
+            </a:fld>
+            <a:endParaRPr lang="de-DE"/>
+          </a:p>
+        </p:txBody>
+      </p:sp>
+    </p:spTree>
+    <p:extLst>
+      <p:ext uri="{BB962C8B-B14F-4D97-AF65-F5344CB8AC3E}">
+        <p14:creationId xmlns:p14="http://schemas.microsoft.com/office/powerpoint/2010/main" val="3369008656"/>
+      </p:ext>
+    </p:extLst>
+  </p:cSld>
+  <p:clrMapOvr>
+    <a:masterClrMapping/>
+  </p:clrMapOvr>
+</p:notes>
+</file>
+
+<file path=ppt/notesSlides/notesSlide18.xml><?xml version="1.0" encoding="utf-8"?>
+<p:notes xmlns:a="http://schemas.openxmlformats.org/drawingml/2006/main" xmlns:r="http://schemas.openxmlformats.org/officeDocument/2006/relationships" xmlns:p="http://schemas.openxmlformats.org/presentationml/2006/main">
+  <p:cSld>
+    <p:spTree>
+      <p:nvGrpSpPr>
+        <p:cNvPr id="1" name=""/>
+        <p:cNvGrpSpPr/>
+        <p:nvPr/>
+      </p:nvGrpSpPr>
+      <p:grpSpPr>
+        <a:xfrm>
+          <a:off x="0" y="0"/>
+          <a:ext cx="0" cy="0"/>
+          <a:chOff x="0" y="0"/>
+          <a:chExt cx="0" cy="0"/>
+        </a:xfrm>
+      </p:grpSpPr>
+      <p:sp>
+        <p:nvSpPr>
+          <p:cNvPr id="2" name="Slide Image Placeholder 1"/>
+          <p:cNvSpPr>
+            <a:spLocks noGrp="1" noRot="1" noChangeAspect="1"/>
+          </p:cNvSpPr>
+          <p:nvPr>
+            <p:ph type="sldImg"/>
+          </p:nvPr>
+        </p:nvSpPr>
+        <p:spPr/>
+      </p:sp>
+      <p:sp>
+        <p:nvSpPr>
+          <p:cNvPr id="3" name="Notes Placeholder 2"/>
+          <p:cNvSpPr>
+            <a:spLocks noGrp="1"/>
+          </p:cNvSpPr>
+          <p:nvPr>
+            <p:ph type="body" idx="1"/>
+          </p:nvPr>
+        </p:nvSpPr>
+        <p:spPr/>
+        <p:txBody>
+          <a:bodyPr/>
+          <a:lstStyle/>
+          <a:p>
+            <a:r>
+              <a:rPr lang="de-DE" dirty="0"/>
+              <a:t>Jolan</a:t>
+            </a:r>
+          </a:p>
+        </p:txBody>
+      </p:sp>
+      <p:sp>
+        <p:nvSpPr>
+          <p:cNvPr id="4" name="Slide Number Placeholder 3"/>
+          <p:cNvSpPr>
+            <a:spLocks noGrp="1"/>
+          </p:cNvSpPr>
+          <p:nvPr>
+            <p:ph type="sldNum" sz="quarter" idx="5"/>
+          </p:nvPr>
+        </p:nvSpPr>
+        <p:spPr/>
+        <p:txBody>
+          <a:bodyPr/>
+          <a:lstStyle/>
+          <a:p>
+            <a:fld id="{A4B1B59E-D5B0-4E80-9D86-EC6522F3FBF9}" type="slidenum">
+              <a:rPr lang="de-DE" smtClean="0"/>
               <a:t>18</a:t>
+            </a:fld>
+            <a:endParaRPr lang="de-DE"/>
+          </a:p>
+        </p:txBody>
+      </p:sp>
+    </p:spTree>
+    <p:extLst>
+      <p:ext uri="{BB962C8B-B14F-4D97-AF65-F5344CB8AC3E}">
+        <p14:creationId xmlns:p14="http://schemas.microsoft.com/office/powerpoint/2010/main" val="1506908135"/>
+      </p:ext>
+    </p:extLst>
+  </p:cSld>
+  <p:clrMapOvr>
+    <a:masterClrMapping/>
+  </p:clrMapOvr>
+</p:notes>
+</file>
+
+<file path=ppt/notesSlides/notesSlide19.xml><?xml version="1.0" encoding="utf-8"?>
+<p:notes xmlns:a="http://schemas.openxmlformats.org/drawingml/2006/main" xmlns:r="http://schemas.openxmlformats.org/officeDocument/2006/relationships" xmlns:p="http://schemas.openxmlformats.org/presentationml/2006/main">
+  <p:cSld>
+    <p:spTree>
+      <p:nvGrpSpPr>
+        <p:cNvPr id="1" name=""/>
+        <p:cNvGrpSpPr/>
+        <p:nvPr/>
+      </p:nvGrpSpPr>
+      <p:grpSpPr>
+        <a:xfrm>
+          <a:off x="0" y="0"/>
+          <a:ext cx="0" cy="0"/>
+          <a:chOff x="0" y="0"/>
+          <a:chExt cx="0" cy="0"/>
+        </a:xfrm>
+      </p:grpSpPr>
+      <p:sp>
+        <p:nvSpPr>
+          <p:cNvPr id="2" name="Slide Image Placeholder 1"/>
+          <p:cNvSpPr>
+            <a:spLocks noGrp="1" noRot="1" noChangeAspect="1"/>
+          </p:cNvSpPr>
+          <p:nvPr>
+            <p:ph type="sldImg"/>
+          </p:nvPr>
+        </p:nvSpPr>
+        <p:spPr/>
+      </p:sp>
+      <p:sp>
+        <p:nvSpPr>
+          <p:cNvPr id="3" name="Notes Placeholder 2"/>
+          <p:cNvSpPr>
+            <a:spLocks noGrp="1"/>
+          </p:cNvSpPr>
+          <p:nvPr>
+            <p:ph type="body" idx="1"/>
+          </p:nvPr>
+        </p:nvSpPr>
+        <p:spPr/>
+        <p:txBody>
+          <a:bodyPr/>
+          <a:lstStyle/>
+          <a:p>
+            <a:r>
+              <a:rPr lang="de-DE" dirty="0" err="1"/>
+              <a:t>Redi</a:t>
+            </a:r>
+            <a:endParaRPr lang="de-DE" dirty="0"/>
+          </a:p>
+        </p:txBody>
+      </p:sp>
+      <p:sp>
+        <p:nvSpPr>
+          <p:cNvPr id="4" name="Slide Number Placeholder 3"/>
+          <p:cNvSpPr>
+            <a:spLocks noGrp="1"/>
+          </p:cNvSpPr>
+          <p:nvPr>
+            <p:ph type="sldNum" sz="quarter" idx="5"/>
+          </p:nvPr>
+        </p:nvSpPr>
+        <p:spPr/>
+        <p:txBody>
+          <a:bodyPr/>
+          <a:lstStyle/>
+          <a:p>
+            <a:fld id="{A4B1B59E-D5B0-4E80-9D86-EC6522F3FBF9}" type="slidenum">
+              <a:rPr lang="de-DE" smtClean="0"/>
+              <a:t>19</a:t>
             </a:fld>
             <a:endParaRPr lang="de-DE"/>
           </a:p>
@@ -961,7 +1574,7 @@
           <a:p>
             <a:r>
               <a:rPr lang="de-DE" dirty="0"/>
-              <a:t>Linus macht Folien, Nicolas stellt vor</a:t>
+              <a:t>Nicolas</a:t>
             </a:r>
           </a:p>
         </p:txBody>
@@ -983,7 +1596,7 @@
           <a:p>
             <a:fld id="{A4B1B59E-D5B0-4E80-9D86-EC6522F3FBF9}" type="slidenum">
               <a:rPr lang="de-DE" smtClean="0"/>
-              <a:t>8</a:t>
+              <a:t>3</a:t>
             </a:fld>
             <a:endParaRPr lang="de-DE"/>
           </a:p>
@@ -992,7 +1605,7 @@
     </p:spTree>
     <p:extLst>
       <p:ext uri="{BB962C8B-B14F-4D97-AF65-F5344CB8AC3E}">
-        <p14:creationId xmlns:p14="http://schemas.microsoft.com/office/powerpoint/2010/main" val="4280912819"/>
+        <p14:creationId xmlns:p14="http://schemas.microsoft.com/office/powerpoint/2010/main" val="2187242398"/>
       </p:ext>
     </p:extLst>
   </p:cSld>
@@ -1048,7 +1661,7 @@
           <a:p>
             <a:r>
               <a:rPr lang="de-DE" dirty="0"/>
-              <a:t>Linus</a:t>
+              <a:t>Nicolas</a:t>
             </a:r>
           </a:p>
         </p:txBody>
@@ -1070,7 +1683,7 @@
           <a:p>
             <a:fld id="{A4B1B59E-D5B0-4E80-9D86-EC6522F3FBF9}" type="slidenum">
               <a:rPr lang="de-DE" smtClean="0"/>
-              <a:t>9</a:t>
+              <a:t>4</a:t>
             </a:fld>
             <a:endParaRPr lang="de-DE"/>
           </a:p>
@@ -1079,7 +1692,7 @@
     </p:spTree>
     <p:extLst>
       <p:ext uri="{BB962C8B-B14F-4D97-AF65-F5344CB8AC3E}">
-        <p14:creationId xmlns:p14="http://schemas.microsoft.com/office/powerpoint/2010/main" val="3569890965"/>
+        <p14:creationId xmlns:p14="http://schemas.microsoft.com/office/powerpoint/2010/main" val="2269133921"/>
       </p:ext>
     </p:extLst>
   </p:cSld>
@@ -1135,7 +1748,7 @@
           <a:p>
             <a:r>
               <a:rPr lang="de-DE" dirty="0"/>
-              <a:t>Linus</a:t>
+              <a:t>Linus macht Folien, Nicolas stellt vor</a:t>
             </a:r>
           </a:p>
         </p:txBody>
@@ -1157,7 +1770,7 @@
           <a:p>
             <a:fld id="{A4B1B59E-D5B0-4E80-9D86-EC6522F3FBF9}" type="slidenum">
               <a:rPr lang="de-DE" smtClean="0"/>
-              <a:t>10</a:t>
+              <a:t>5</a:t>
             </a:fld>
             <a:endParaRPr lang="de-DE"/>
           </a:p>
@@ -1166,7 +1779,7 @@
     </p:spTree>
     <p:extLst>
       <p:ext uri="{BB962C8B-B14F-4D97-AF65-F5344CB8AC3E}">
-        <p14:creationId xmlns:p14="http://schemas.microsoft.com/office/powerpoint/2010/main" val="3339058330"/>
+        <p14:creationId xmlns:p14="http://schemas.microsoft.com/office/powerpoint/2010/main" val="4280912819"/>
       </p:ext>
     </p:extLst>
   </p:cSld>
@@ -1244,7 +1857,7 @@
           <a:p>
             <a:fld id="{A4B1B59E-D5B0-4E80-9D86-EC6522F3FBF9}" type="slidenum">
               <a:rPr lang="de-DE" smtClean="0"/>
-              <a:t>11</a:t>
+              <a:t>6</a:t>
             </a:fld>
             <a:endParaRPr lang="de-DE"/>
           </a:p>
@@ -1253,7 +1866,7 @@
     </p:spTree>
     <p:extLst>
       <p:ext uri="{BB962C8B-B14F-4D97-AF65-F5344CB8AC3E}">
-        <p14:creationId xmlns:p14="http://schemas.microsoft.com/office/powerpoint/2010/main" val="2106620309"/>
+        <p14:creationId xmlns:p14="http://schemas.microsoft.com/office/powerpoint/2010/main" val="3569890965"/>
       </p:ext>
     </p:extLst>
   </p:cSld>
@@ -1309,7 +1922,7 @@
           <a:p>
             <a:r>
               <a:rPr lang="de-DE" dirty="0"/>
-              <a:t>Jolan</a:t>
+              <a:t>Linus</a:t>
             </a:r>
           </a:p>
         </p:txBody>
@@ -1331,7 +1944,7 @@
           <a:p>
             <a:fld id="{A4B1B59E-D5B0-4E80-9D86-EC6522F3FBF9}" type="slidenum">
               <a:rPr lang="de-DE" smtClean="0"/>
-              <a:t>12</a:t>
+              <a:t>7</a:t>
             </a:fld>
             <a:endParaRPr lang="de-DE"/>
           </a:p>
@@ -1340,7 +1953,7 @@
     </p:spTree>
     <p:extLst>
       <p:ext uri="{BB962C8B-B14F-4D97-AF65-F5344CB8AC3E}">
-        <p14:creationId xmlns:p14="http://schemas.microsoft.com/office/powerpoint/2010/main" val="4047679535"/>
+        <p14:creationId xmlns:p14="http://schemas.microsoft.com/office/powerpoint/2010/main" val="2650906643"/>
       </p:ext>
     </p:extLst>
   </p:cSld>
@@ -1396,7 +2009,7 @@
           <a:p>
             <a:r>
               <a:rPr lang="de-DE" dirty="0"/>
-              <a:t>Nicolas</a:t>
+              <a:t>Linus</a:t>
             </a:r>
           </a:p>
         </p:txBody>
@@ -1418,7 +2031,7 @@
           <a:p>
             <a:fld id="{A4B1B59E-D5B0-4E80-9D86-EC6522F3FBF9}" type="slidenum">
               <a:rPr lang="de-DE" smtClean="0"/>
-              <a:t>13</a:t>
+              <a:t>8</a:t>
             </a:fld>
             <a:endParaRPr lang="de-DE"/>
           </a:p>
@@ -1427,7 +2040,7 @@
     </p:spTree>
     <p:extLst>
       <p:ext uri="{BB962C8B-B14F-4D97-AF65-F5344CB8AC3E}">
-        <p14:creationId xmlns:p14="http://schemas.microsoft.com/office/powerpoint/2010/main" val="2655196514"/>
+        <p14:creationId xmlns:p14="http://schemas.microsoft.com/office/powerpoint/2010/main" val="276069239"/>
       </p:ext>
     </p:extLst>
   </p:cSld>
@@ -1483,7 +2096,7 @@
           <a:p>
             <a:r>
               <a:rPr lang="de-DE" dirty="0"/>
-              <a:t>Jolan</a:t>
+              <a:t>Nicolas</a:t>
             </a:r>
           </a:p>
         </p:txBody>
@@ -1505,7 +2118,7 @@
           <a:p>
             <a:fld id="{A4B1B59E-D5B0-4E80-9D86-EC6522F3FBF9}" type="slidenum">
               <a:rPr lang="de-DE" smtClean="0"/>
-              <a:t>14</a:t>
+              <a:t>9</a:t>
             </a:fld>
             <a:endParaRPr lang="de-DE"/>
           </a:p>
@@ -1514,7 +2127,7 @@
     </p:spTree>
     <p:extLst>
       <p:ext uri="{BB962C8B-B14F-4D97-AF65-F5344CB8AC3E}">
-        <p14:creationId xmlns:p14="http://schemas.microsoft.com/office/powerpoint/2010/main" val="1290760823"/>
+        <p14:creationId xmlns:p14="http://schemas.microsoft.com/office/powerpoint/2010/main" val="950703522"/>
       </p:ext>
     </p:extLst>
   </p:cSld>
@@ -1673,7 +2286,7 @@
           <a:p>
             <a:fld id="{250DBC62-00E4-43F1-B225-CF948E9DA645}" type="datetimeFigureOut">
               <a:rPr lang="de-DE" smtClean="0"/>
-              <a:t>29.11.2023</a:t>
+              <a:t>30.11.2023</a:t>
             </a:fld>
             <a:endParaRPr lang="de-DE"/>
           </a:p>
@@ -1873,7 +2486,7 @@
           <a:p>
             <a:fld id="{250DBC62-00E4-43F1-B225-CF948E9DA645}" type="datetimeFigureOut">
               <a:rPr lang="de-DE" smtClean="0"/>
-              <a:t>29.11.2023</a:t>
+              <a:t>30.11.2023</a:t>
             </a:fld>
             <a:endParaRPr lang="de-DE"/>
           </a:p>
@@ -2083,7 +2696,7 @@
           <a:p>
             <a:fld id="{250DBC62-00E4-43F1-B225-CF948E9DA645}" type="datetimeFigureOut">
               <a:rPr lang="de-DE" smtClean="0"/>
-              <a:t>29.11.2023</a:t>
+              <a:t>30.11.2023</a:t>
             </a:fld>
             <a:endParaRPr lang="de-DE"/>
           </a:p>
@@ -2283,7 +2896,7 @@
           <a:p>
             <a:fld id="{250DBC62-00E4-43F1-B225-CF948E9DA645}" type="datetimeFigureOut">
               <a:rPr lang="de-DE" smtClean="0"/>
-              <a:t>29.11.2023</a:t>
+              <a:t>30.11.2023</a:t>
             </a:fld>
             <a:endParaRPr lang="de-DE"/>
           </a:p>
@@ -2559,7 +3172,7 @@
           <a:p>
             <a:fld id="{250DBC62-00E4-43F1-B225-CF948E9DA645}" type="datetimeFigureOut">
               <a:rPr lang="de-DE" smtClean="0"/>
-              <a:t>29.11.2023</a:t>
+              <a:t>30.11.2023</a:t>
             </a:fld>
             <a:endParaRPr lang="de-DE"/>
           </a:p>
@@ -2827,7 +3440,7 @@
           <a:p>
             <a:fld id="{250DBC62-00E4-43F1-B225-CF948E9DA645}" type="datetimeFigureOut">
               <a:rPr lang="de-DE" smtClean="0"/>
-              <a:t>29.11.2023</a:t>
+              <a:t>30.11.2023</a:t>
             </a:fld>
             <a:endParaRPr lang="de-DE"/>
           </a:p>
@@ -3242,7 +3855,7 @@
           <a:p>
             <a:fld id="{250DBC62-00E4-43F1-B225-CF948E9DA645}" type="datetimeFigureOut">
               <a:rPr lang="de-DE" smtClean="0"/>
-              <a:t>29.11.2023</a:t>
+              <a:t>30.11.2023</a:t>
             </a:fld>
             <a:endParaRPr lang="de-DE"/>
           </a:p>
@@ -3384,7 +3997,7 @@
           <a:p>
             <a:fld id="{250DBC62-00E4-43F1-B225-CF948E9DA645}" type="datetimeFigureOut">
               <a:rPr lang="de-DE" smtClean="0"/>
-              <a:t>29.11.2023</a:t>
+              <a:t>30.11.2023</a:t>
             </a:fld>
             <a:endParaRPr lang="de-DE"/>
           </a:p>
@@ -3497,7 +4110,7 @@
           <a:p>
             <a:fld id="{250DBC62-00E4-43F1-B225-CF948E9DA645}" type="datetimeFigureOut">
               <a:rPr lang="de-DE" smtClean="0"/>
-              <a:t>29.11.2023</a:t>
+              <a:t>30.11.2023</a:t>
             </a:fld>
             <a:endParaRPr lang="de-DE"/>
           </a:p>
@@ -3810,7 +4423,7 @@
           <a:p>
             <a:fld id="{250DBC62-00E4-43F1-B225-CF948E9DA645}" type="datetimeFigureOut">
               <a:rPr lang="de-DE" smtClean="0"/>
-              <a:t>29.11.2023</a:t>
+              <a:t>30.11.2023</a:t>
             </a:fld>
             <a:endParaRPr lang="de-DE"/>
           </a:p>
@@ -4099,7 +4712,7 @@
           <a:p>
             <a:fld id="{250DBC62-00E4-43F1-B225-CF948E9DA645}" type="datetimeFigureOut">
               <a:rPr lang="de-DE" smtClean="0"/>
-              <a:t>29.11.2023</a:t>
+              <a:t>30.11.2023</a:t>
             </a:fld>
             <a:endParaRPr lang="de-DE"/>
           </a:p>
@@ -4342,7 +4955,7 @@
           <a:p>
             <a:fld id="{250DBC62-00E4-43F1-B225-CF948E9DA645}" type="datetimeFigureOut">
               <a:rPr lang="de-DE" smtClean="0"/>
-              <a:t>29.11.2023</a:t>
+              <a:t>30.11.2023</a:t>
             </a:fld>
             <a:endParaRPr lang="de-DE"/>
           </a:p>
@@ -6148,7 +6761,7 @@
                 <a:ea typeface="Times New Roman" panose="02020603050405020304" pitchFamily="18" charset="0"/>
                 <a:cs typeface="Times New Roman" panose="02020603050405020304" pitchFamily="18" charset="0"/>
               </a:rPr>
-              <a:t>Markov-Analyse&amp; Interview</a:t>
+              <a:t>Markov-Analyse</a:t>
             </a:r>
             <a:endParaRPr lang="de-DE" sz="2800" dirty="0"/>
           </a:p>
@@ -6475,8 +7088,8 @@
           </a:p>
         </p:txBody>
       </p:sp>
-      <mc:AlternateContent xmlns:mc="http://schemas.openxmlformats.org/markup-compatibility/2006">
-        <mc:Choice xmlns:a14="http://schemas.microsoft.com/office/drawing/2010/main" Requires="a14">
+      <mc:AlternateContent xmlns:mc="http://schemas.openxmlformats.org/markup-compatibility/2006" xmlns:a14="http://schemas.microsoft.com/office/drawing/2010/main">
+        <mc:Choice Requires="a14">
           <p:sp>
             <p:nvSpPr>
               <p:cNvPr id="8" name="Textfeld 7">
@@ -6505,6 +7118,7 @@
               </a:bodyPr>
               <a:lstStyle/>
               <a:p>
+                <a:pPr/>
                 <a14:m>
                   <m:oMathPara xmlns:m="http://schemas.openxmlformats.org/officeDocument/2006/math">
                     <m:oMathParaPr>
@@ -6581,7 +7195,7 @@
             </p:txBody>
           </p:sp>
         </mc:Choice>
-        <mc:Fallback>
+        <mc:Fallback xmlns="">
           <p:sp>
             <p:nvSpPr>
               <p:cNvPr id="8" name="Textfeld 7">
@@ -6626,8 +7240,8 @@
           </p:sp>
         </mc:Fallback>
       </mc:AlternateContent>
-      <mc:AlternateContent xmlns:mc="http://schemas.openxmlformats.org/markup-compatibility/2006">
-        <mc:Choice xmlns:a14="http://schemas.microsoft.com/office/drawing/2010/main" Requires="a14">
+      <mc:AlternateContent xmlns:mc="http://schemas.openxmlformats.org/markup-compatibility/2006" xmlns:a14="http://schemas.microsoft.com/office/drawing/2010/main">
+        <mc:Choice Requires="a14">
           <p:sp>
             <p:nvSpPr>
               <p:cNvPr id="11" name="Textfeld 10">
@@ -6702,7 +7316,7 @@
             </p:txBody>
           </p:sp>
         </mc:Choice>
-        <mc:Fallback>
+        <mc:Fallback xmlns="">
           <p:sp>
             <p:nvSpPr>
               <p:cNvPr id="11" name="Textfeld 10">
@@ -6747,8 +7361,8 @@
           </p:sp>
         </mc:Fallback>
       </mc:AlternateContent>
-      <mc:AlternateContent xmlns:mc="http://schemas.openxmlformats.org/markup-compatibility/2006">
-        <mc:Choice xmlns:a14="http://schemas.microsoft.com/office/drawing/2010/main" Requires="a14">
+      <mc:AlternateContent xmlns:mc="http://schemas.openxmlformats.org/markup-compatibility/2006" xmlns:a14="http://schemas.microsoft.com/office/drawing/2010/main">
+        <mc:Choice Requires="a14">
           <p:sp>
             <p:nvSpPr>
               <p:cNvPr id="12" name="Textfeld 11">
@@ -6817,7 +7431,7 @@
             </p:txBody>
           </p:sp>
         </mc:Choice>
-        <mc:Fallback>
+        <mc:Fallback xmlns="">
           <p:sp>
             <p:nvSpPr>
               <p:cNvPr id="12" name="Textfeld 11">
@@ -7067,8 +7681,8 @@
           </a:fontRef>
         </p:style>
       </p:cxnSp>
-      <mc:AlternateContent xmlns:mc="http://schemas.openxmlformats.org/markup-compatibility/2006">
-        <mc:Choice xmlns:a14="http://schemas.microsoft.com/office/drawing/2010/main" Requires="a14">
+      <mc:AlternateContent xmlns:mc="http://schemas.openxmlformats.org/markup-compatibility/2006" xmlns:a14="http://schemas.microsoft.com/office/drawing/2010/main">
+        <mc:Choice Requires="a14">
           <p:sp>
             <p:nvSpPr>
               <p:cNvPr id="28" name="Textfeld 27">
@@ -7097,6 +7711,7 @@
               </a:bodyPr>
               <a:lstStyle/>
               <a:p>
+                <a:pPr/>
                 <a14:m>
                   <m:oMathPara xmlns:m="http://schemas.openxmlformats.org/officeDocument/2006/math">
                     <m:oMathParaPr>
@@ -7182,7 +7797,7 @@
             </p:txBody>
           </p:sp>
         </mc:Choice>
-        <mc:Fallback>
+        <mc:Fallback xmlns="">
           <p:sp>
             <p:nvSpPr>
               <p:cNvPr id="28" name="Textfeld 27">
@@ -7227,8 +7842,8 @@
           </p:sp>
         </mc:Fallback>
       </mc:AlternateContent>
-      <mc:AlternateContent xmlns:mc="http://schemas.openxmlformats.org/markup-compatibility/2006">
-        <mc:Choice xmlns:a14="http://schemas.microsoft.com/office/drawing/2010/main" Requires="a14">
+      <mc:AlternateContent xmlns:mc="http://schemas.openxmlformats.org/markup-compatibility/2006" xmlns:a14="http://schemas.microsoft.com/office/drawing/2010/main">
+        <mc:Choice Requires="a14">
           <p:sp>
             <p:nvSpPr>
               <p:cNvPr id="30" name="Textfeld 29">
@@ -7297,7 +7912,7 @@
             </p:txBody>
           </p:sp>
         </mc:Choice>
-        <mc:Fallback>
+        <mc:Fallback xmlns="">
           <p:sp>
             <p:nvSpPr>
               <p:cNvPr id="30" name="Textfeld 29">
@@ -7342,8 +7957,8 @@
           </p:sp>
         </mc:Fallback>
       </mc:AlternateContent>
-      <mc:AlternateContent xmlns:mc="http://schemas.openxmlformats.org/markup-compatibility/2006">
-        <mc:Choice xmlns:a14="http://schemas.microsoft.com/office/drawing/2010/main" Requires="a14">
+      <mc:AlternateContent xmlns:mc="http://schemas.openxmlformats.org/markup-compatibility/2006" xmlns:a14="http://schemas.microsoft.com/office/drawing/2010/main">
+        <mc:Choice Requires="a14">
           <p:sp>
             <p:nvSpPr>
               <p:cNvPr id="32" name="Textfeld 31">
@@ -7418,7 +8033,7 @@
             </p:txBody>
           </p:sp>
         </mc:Choice>
-        <mc:Fallback>
+        <mc:Fallback xmlns="">
           <p:sp>
             <p:nvSpPr>
               <p:cNvPr id="32" name="Textfeld 31">
@@ -7463,8 +8078,8 @@
           </p:sp>
         </mc:Fallback>
       </mc:AlternateContent>
-      <mc:AlternateContent xmlns:mc="http://schemas.openxmlformats.org/markup-compatibility/2006">
-        <mc:Choice xmlns:a14="http://schemas.microsoft.com/office/drawing/2010/main" Requires="a14">
+      <mc:AlternateContent xmlns:mc="http://schemas.openxmlformats.org/markup-compatibility/2006" xmlns:a14="http://schemas.microsoft.com/office/drawing/2010/main">
+        <mc:Choice Requires="a14">
           <p:sp>
             <p:nvSpPr>
               <p:cNvPr id="34" name="Textfeld 33">
@@ -7514,7 +8129,7 @@
             </p:txBody>
           </p:sp>
         </mc:Choice>
-        <mc:Fallback>
+        <mc:Fallback xmlns="">
           <p:sp>
             <p:nvSpPr>
               <p:cNvPr id="34" name="Textfeld 33">
@@ -7559,8 +8174,8 @@
           </p:sp>
         </mc:Fallback>
       </mc:AlternateContent>
-      <mc:AlternateContent xmlns:mc="http://schemas.openxmlformats.org/markup-compatibility/2006">
-        <mc:Choice xmlns:a14="http://schemas.microsoft.com/office/drawing/2010/main" Requires="a14">
+      <mc:AlternateContent xmlns:mc="http://schemas.openxmlformats.org/markup-compatibility/2006" xmlns:a14="http://schemas.microsoft.com/office/drawing/2010/main">
+        <mc:Choice Requires="a14">
           <p:sp>
             <p:nvSpPr>
               <p:cNvPr id="36" name="Textfeld 35">
@@ -7611,7 +8226,7 @@
             </p:txBody>
           </p:sp>
         </mc:Choice>
-        <mc:Fallback>
+        <mc:Fallback xmlns="">
           <p:sp>
             <p:nvSpPr>
               <p:cNvPr id="36" name="Textfeld 35">
@@ -7656,8 +8271,8 @@
           </p:sp>
         </mc:Fallback>
       </mc:AlternateContent>
-      <mc:AlternateContent xmlns:mc="http://schemas.openxmlformats.org/markup-compatibility/2006">
-        <mc:Choice xmlns:a14="http://schemas.microsoft.com/office/drawing/2010/main" Requires="a14">
+      <mc:AlternateContent xmlns:mc="http://schemas.openxmlformats.org/markup-compatibility/2006" xmlns:a14="http://schemas.microsoft.com/office/drawing/2010/main">
+        <mc:Choice Requires="a14">
           <p:sp>
             <p:nvSpPr>
               <p:cNvPr id="37" name="Textfeld 36">
@@ -7707,7 +8322,7 @@
             </p:txBody>
           </p:sp>
         </mc:Choice>
-        <mc:Fallback>
+        <mc:Fallback xmlns="">
           <p:sp>
             <p:nvSpPr>
               <p:cNvPr id="37" name="Textfeld 36">
@@ -9427,79 +10042,351 @@
           <a:chExt cx="0" cy="0"/>
         </a:xfrm>
       </p:grpSpPr>
-      <p:sp>
-        <p:nvSpPr>
-          <p:cNvPr id="2" name="Titel 1">
+      <p:pic>
+        <p:nvPicPr>
+          <p:cNvPr id="4" name="Graphic 1">
             <a:extLst>
               <a:ext uri="{FF2B5EF4-FFF2-40B4-BE49-F238E27FC236}">
-                <a16:creationId xmlns:a16="http://schemas.microsoft.com/office/drawing/2014/main" id="{D6D7DCE4-D261-61AB-6B9B-011733C8B63E}"/>
+                <a16:creationId xmlns:a16="http://schemas.microsoft.com/office/drawing/2014/main" id="{D4E2A8A5-7B9A-9FCE-2C0C-40115BB72542}"/>
               </a:ext>
             </a:extLst>
           </p:cNvPr>
-          <p:cNvSpPr>
-            <a:spLocks noGrp="1"/>
-          </p:cNvSpPr>
-          <p:nvPr>
-            <p:ph type="title"/>
-          </p:nvPr>
-        </p:nvSpPr>
+          <p:cNvPicPr>
+            <a:picLocks noChangeAspect="1"/>
+          </p:cNvPicPr>
+          <p:nvPr/>
+        </p:nvPicPr>
+        <p:blipFill>
+          <a:blip r:embed="rId3">
+            <a:extLst>
+              <a:ext uri="{28A0092B-C50C-407E-A947-70E740481C1C}">
+                <a14:useLocalDpi xmlns:a14="http://schemas.microsoft.com/office/drawing/2010/main" val="0"/>
+              </a:ext>
+              <a:ext uri="{96DAC541-7B7A-43D3-8B79-37D633B846F1}">
+                <asvg:svgBlip xmlns:asvg="http://schemas.microsoft.com/office/drawing/2016/SVG/main" r:embed="rId4"/>
+              </a:ext>
+            </a:extLst>
+          </a:blip>
+          <a:stretch>
+            <a:fillRect/>
+          </a:stretch>
+        </p:blipFill>
         <p:spPr>
           <a:xfrm>
-            <a:off x="838200" y="365126"/>
-            <a:ext cx="10515600" cy="944129"/>
+            <a:off x="160961" y="133521"/>
+            <a:ext cx="2371620" cy="485811"/>
           </a:xfrm>
+          <a:prstGeom prst="rect">
+            <a:avLst/>
+          </a:prstGeom>
         </p:spPr>
-        <p:txBody>
-          <a:bodyPr>
-            <a:normAutofit fontScale="90000"/>
+      </p:pic>
+      <p:sp>
+        <p:nvSpPr>
+          <p:cNvPr id="6" name="TextBox 5">
+            <a:extLst>
+              <a:ext uri="{FF2B5EF4-FFF2-40B4-BE49-F238E27FC236}">
+                <a16:creationId xmlns:a16="http://schemas.microsoft.com/office/drawing/2014/main" id="{4BF11305-FC23-954B-7998-B1257FEE9257}"/>
+              </a:ext>
+            </a:extLst>
+          </p:cNvPr>
+          <p:cNvSpPr txBox="1"/>
+          <p:nvPr/>
+        </p:nvSpPr>
+        <p:spPr>
+          <a:xfrm>
+            <a:off x="66782" y="6529608"/>
+            <a:ext cx="10986501" cy="230832"/>
+          </a:xfrm>
+          <a:prstGeom prst="rect">
+            <a:avLst/>
+          </a:prstGeom>
+          <a:noFill/>
+        </p:spPr>
+        <p:txBody>
+          <a:bodyPr wrap="square">
+            <a:spAutoFit/>
           </a:bodyPr>
           <a:lstStyle/>
           <a:p>
             <a:r>
+              <a:rPr lang="de-DE" sz="900" dirty="0"/>
+              <a:t>Markov-Analyse &amp; Interview| WiSe 2023/24 I Hochschule Bielefeld I Linus Langenkamp, Jolan Eggers, Nicolas Schneider, Redouane Kabouchi I 03.11.2023 I Seite </a:t>
+            </a:r>
+            <a:fld id="{8665FA59-C0FE-4AB6-AD99-2451632B0EBE}" type="slidenum">
+              <a:rPr lang="de-DE" sz="900" smtClean="0"/>
+              <a:t>16</a:t>
+            </a:fld>
+            <a:endParaRPr lang="de-DE" sz="900" dirty="0"/>
+          </a:p>
+        </p:txBody>
+      </p:sp>
+      <p:sp>
+        <p:nvSpPr>
+          <p:cNvPr id="7" name="Title 1">
+            <a:extLst>
+              <a:ext uri="{FF2B5EF4-FFF2-40B4-BE49-F238E27FC236}">
+                <a16:creationId xmlns:a16="http://schemas.microsoft.com/office/drawing/2014/main" id="{C134D3AA-85CE-FCC6-6499-8202E6096899}"/>
+              </a:ext>
+            </a:extLst>
+          </p:cNvPr>
+          <p:cNvSpPr txBox="1">
+            <a:spLocks/>
+          </p:cNvSpPr>
+          <p:nvPr/>
+        </p:nvSpPr>
+        <p:spPr>
+          <a:xfrm>
+            <a:off x="738026" y="912189"/>
+            <a:ext cx="9144000" cy="626836"/>
+          </a:xfrm>
+          <a:prstGeom prst="rect">
+            <a:avLst/>
+          </a:prstGeom>
+        </p:spPr>
+        <p:txBody>
+          <a:bodyPr vert="horz" lIns="91440" tIns="45720" rIns="91440" bIns="45720" rtlCol="0" anchor="b">
+            <a:noAutofit/>
+          </a:bodyPr>
+          <a:lstStyle>
+            <a:lvl1pPr algn="ctr" defTabSz="914400" rtl="0" eaLnBrk="1" latinLnBrk="0" hangingPunct="1">
+              <a:lnSpc>
+                <a:spcPct val="90000"/>
+              </a:lnSpc>
+              <a:spcBef>
+                <a:spcPct val="0"/>
+              </a:spcBef>
+              <a:buNone/>
+              <a:defRPr sz="6000" kern="1200">
+                <a:solidFill>
+                  <a:schemeClr val="tx1"/>
+                </a:solidFill>
+                <a:latin typeface="+mj-lt"/>
+                <a:ea typeface="+mj-ea"/>
+                <a:cs typeface="+mj-cs"/>
+              </a:defRPr>
+            </a:lvl1pPr>
+          </a:lstStyle>
+          <a:p>
+            <a:pPr algn="l">
+              <a:lnSpc>
+                <a:spcPct val="100000"/>
+              </a:lnSpc>
+              <a:spcAft>
+                <a:spcPts val="600"/>
+              </a:spcAft>
+            </a:pPr>
+            <a:r>
               <a:rPr lang="de-DE" sz="2800" b="1" dirty="0">
+                <a:effectLst/>
                 <a:latin typeface="Times New Roman" panose="02020603050405020304" pitchFamily="18" charset="0"/>
+                <a:ea typeface="Times New Roman" panose="02020603050405020304" pitchFamily="18" charset="0"/>
                 <a:cs typeface="Times New Roman" panose="02020603050405020304" pitchFamily="18" charset="0"/>
               </a:rPr>
               <a:t>Interview im Risikomanagement</a:t>
             </a:r>
-            <a:br>
-              <a:rPr lang="de-DE" b="1" dirty="0"/>
-            </a:br>
-            <a:endParaRPr lang="de-DE" dirty="0"/>
-          </a:p>
-        </p:txBody>
-      </p:sp>
-      <mc:AlternateContent xmlns:mc="http://schemas.openxmlformats.org/markup-compatibility/2006" xmlns:a14="http://schemas.microsoft.com/office/drawing/2010/main">
-        <mc:Choice Requires="a14">
+            <a:endParaRPr lang="de-DE" sz="2800" dirty="0"/>
+          </a:p>
+        </p:txBody>
+      </p:sp>
+      <mc:AlternateContent xmlns:mc="http://schemas.openxmlformats.org/markup-compatibility/2006">
+        <mc:Choice xmlns:a14="http://schemas.microsoft.com/office/drawing/2010/main" Requires="a14">
           <p:sp>
             <p:nvSpPr>
-              <p:cNvPr id="3" name="Inhaltsplatzhalter 2">
+              <p:cNvPr id="2" name="Inhaltsplatzhalter 2">
                 <a:extLst>
                   <a:ext uri="{FF2B5EF4-FFF2-40B4-BE49-F238E27FC236}">
-                    <a16:creationId xmlns:a16="http://schemas.microsoft.com/office/drawing/2014/main" id="{4E7574C4-A7ED-B0C7-BC59-48FFD4D3E380}"/>
+                    <a16:creationId xmlns:a16="http://schemas.microsoft.com/office/drawing/2014/main" id="{D22A303D-B491-F0C9-095A-02CFB148D330}"/>
                   </a:ext>
                 </a:extLst>
               </p:cNvPr>
-              <p:cNvSpPr>
-                <a:spLocks noGrp="1"/>
+              <p:cNvSpPr txBox="1">
+                <a:spLocks/>
               </p:cNvSpPr>
-              <p:nvPr>
-                <p:ph idx="1"/>
-              </p:nvPr>
+              <p:nvPr/>
             </p:nvSpPr>
             <p:spPr>
               <a:xfrm>
-                <a:off x="838200" y="1080655"/>
+                <a:off x="817418" y="1831882"/>
                 <a:ext cx="10747664" cy="5579918"/>
               </a:xfrm>
+              <a:prstGeom prst="rect">
+                <a:avLst/>
+              </a:prstGeom>
             </p:spPr>
             <p:txBody>
-              <a:bodyPr>
-                <a:normAutofit lnSpcReduction="10000"/>
+              <a:bodyPr vert="horz" lIns="91440" tIns="45720" rIns="91440" bIns="45720" rtlCol="0">
+                <a:normAutofit/>
               </a:bodyPr>
-              <a:lstStyle/>
+              <a:lstStyle>
+                <a:lvl1pPr marL="0" indent="0" algn="ctr" defTabSz="914400" rtl="0" eaLnBrk="1" latinLnBrk="0" hangingPunct="1">
+                  <a:lnSpc>
+                    <a:spcPct val="90000"/>
+                  </a:lnSpc>
+                  <a:spcBef>
+                    <a:spcPts val="1000"/>
+                  </a:spcBef>
+                  <a:buFont typeface="Arial" panose="020B0604020202020204" pitchFamily="34" charset="0"/>
+                  <a:buNone/>
+                  <a:defRPr sz="2400" kern="1200">
+                    <a:solidFill>
+                      <a:schemeClr val="tx1"/>
+                    </a:solidFill>
+                    <a:latin typeface="+mn-lt"/>
+                    <a:ea typeface="+mn-ea"/>
+                    <a:cs typeface="+mn-cs"/>
+                  </a:defRPr>
+                </a:lvl1pPr>
+                <a:lvl2pPr marL="457200" indent="0" algn="ctr" defTabSz="914400" rtl="0" eaLnBrk="1" latinLnBrk="0" hangingPunct="1">
+                  <a:lnSpc>
+                    <a:spcPct val="90000"/>
+                  </a:lnSpc>
+                  <a:spcBef>
+                    <a:spcPts val="500"/>
+                  </a:spcBef>
+                  <a:buFont typeface="Arial" panose="020B0604020202020204" pitchFamily="34" charset="0"/>
+                  <a:buNone/>
+                  <a:defRPr sz="2000" kern="1200">
+                    <a:solidFill>
+                      <a:schemeClr val="tx1"/>
+                    </a:solidFill>
+                    <a:latin typeface="+mn-lt"/>
+                    <a:ea typeface="+mn-ea"/>
+                    <a:cs typeface="+mn-cs"/>
+                  </a:defRPr>
+                </a:lvl2pPr>
+                <a:lvl3pPr marL="914400" indent="0" algn="ctr" defTabSz="914400" rtl="0" eaLnBrk="1" latinLnBrk="0" hangingPunct="1">
+                  <a:lnSpc>
+                    <a:spcPct val="90000"/>
+                  </a:lnSpc>
+                  <a:spcBef>
+                    <a:spcPts val="500"/>
+                  </a:spcBef>
+                  <a:buFont typeface="Arial" panose="020B0604020202020204" pitchFamily="34" charset="0"/>
+                  <a:buNone/>
+                  <a:defRPr sz="1800" kern="1200">
+                    <a:solidFill>
+                      <a:schemeClr val="tx1"/>
+                    </a:solidFill>
+                    <a:latin typeface="+mn-lt"/>
+                    <a:ea typeface="+mn-ea"/>
+                    <a:cs typeface="+mn-cs"/>
+                  </a:defRPr>
+                </a:lvl3pPr>
+                <a:lvl4pPr marL="1371600" indent="0" algn="ctr" defTabSz="914400" rtl="0" eaLnBrk="1" latinLnBrk="0" hangingPunct="1">
+                  <a:lnSpc>
+                    <a:spcPct val="90000"/>
+                  </a:lnSpc>
+                  <a:spcBef>
+                    <a:spcPts val="500"/>
+                  </a:spcBef>
+                  <a:buFont typeface="Arial" panose="020B0604020202020204" pitchFamily="34" charset="0"/>
+                  <a:buNone/>
+                  <a:defRPr sz="1600" kern="1200">
+                    <a:solidFill>
+                      <a:schemeClr val="tx1"/>
+                    </a:solidFill>
+                    <a:latin typeface="+mn-lt"/>
+                    <a:ea typeface="+mn-ea"/>
+                    <a:cs typeface="+mn-cs"/>
+                  </a:defRPr>
+                </a:lvl4pPr>
+                <a:lvl5pPr marL="1828800" indent="0" algn="ctr" defTabSz="914400" rtl="0" eaLnBrk="1" latinLnBrk="0" hangingPunct="1">
+                  <a:lnSpc>
+                    <a:spcPct val="90000"/>
+                  </a:lnSpc>
+                  <a:spcBef>
+                    <a:spcPts val="500"/>
+                  </a:spcBef>
+                  <a:buFont typeface="Arial" panose="020B0604020202020204" pitchFamily="34" charset="0"/>
+                  <a:buNone/>
+                  <a:defRPr sz="1600" kern="1200">
+                    <a:solidFill>
+                      <a:schemeClr val="tx1"/>
+                    </a:solidFill>
+                    <a:latin typeface="+mn-lt"/>
+                    <a:ea typeface="+mn-ea"/>
+                    <a:cs typeface="+mn-cs"/>
+                  </a:defRPr>
+                </a:lvl5pPr>
+                <a:lvl6pPr marL="2286000" indent="0" algn="ctr" defTabSz="914400" rtl="0" eaLnBrk="1" latinLnBrk="0" hangingPunct="1">
+                  <a:lnSpc>
+                    <a:spcPct val="90000"/>
+                  </a:lnSpc>
+                  <a:spcBef>
+                    <a:spcPts val="500"/>
+                  </a:spcBef>
+                  <a:buFont typeface="Arial" panose="020B0604020202020204" pitchFamily="34" charset="0"/>
+                  <a:buNone/>
+                  <a:defRPr sz="1600" kern="1200">
+                    <a:solidFill>
+                      <a:schemeClr val="tx1"/>
+                    </a:solidFill>
+                    <a:latin typeface="+mn-lt"/>
+                    <a:ea typeface="+mn-ea"/>
+                    <a:cs typeface="+mn-cs"/>
+                  </a:defRPr>
+                </a:lvl6pPr>
+                <a:lvl7pPr marL="2743200" indent="0" algn="ctr" defTabSz="914400" rtl="0" eaLnBrk="1" latinLnBrk="0" hangingPunct="1">
+                  <a:lnSpc>
+                    <a:spcPct val="90000"/>
+                  </a:lnSpc>
+                  <a:spcBef>
+                    <a:spcPts val="500"/>
+                  </a:spcBef>
+                  <a:buFont typeface="Arial" panose="020B0604020202020204" pitchFamily="34" charset="0"/>
+                  <a:buNone/>
+                  <a:defRPr sz="1600" kern="1200">
+                    <a:solidFill>
+                      <a:schemeClr val="tx1"/>
+                    </a:solidFill>
+                    <a:latin typeface="+mn-lt"/>
+                    <a:ea typeface="+mn-ea"/>
+                    <a:cs typeface="+mn-cs"/>
+                  </a:defRPr>
+                </a:lvl7pPr>
+                <a:lvl8pPr marL="3200400" indent="0" algn="ctr" defTabSz="914400" rtl="0" eaLnBrk="1" latinLnBrk="0" hangingPunct="1">
+                  <a:lnSpc>
+                    <a:spcPct val="90000"/>
+                  </a:lnSpc>
+                  <a:spcBef>
+                    <a:spcPts val="500"/>
+                  </a:spcBef>
+                  <a:buFont typeface="Arial" panose="020B0604020202020204" pitchFamily="34" charset="0"/>
+                  <a:buNone/>
+                  <a:defRPr sz="1600" kern="1200">
+                    <a:solidFill>
+                      <a:schemeClr val="tx1"/>
+                    </a:solidFill>
+                    <a:latin typeface="+mn-lt"/>
+                    <a:ea typeface="+mn-ea"/>
+                    <a:cs typeface="+mn-cs"/>
+                  </a:defRPr>
+                </a:lvl8pPr>
+                <a:lvl9pPr marL="3657600" indent="0" algn="ctr" defTabSz="914400" rtl="0" eaLnBrk="1" latinLnBrk="0" hangingPunct="1">
+                  <a:lnSpc>
+                    <a:spcPct val="90000"/>
+                  </a:lnSpc>
+                  <a:spcBef>
+                    <a:spcPts val="500"/>
+                  </a:spcBef>
+                  <a:buFont typeface="Arial" panose="020B0604020202020204" pitchFamily="34" charset="0"/>
+                  <a:buNone/>
+                  <a:defRPr sz="1600" kern="1200">
+                    <a:solidFill>
+                      <a:schemeClr val="tx1"/>
+                    </a:solidFill>
+                    <a:latin typeface="+mn-lt"/>
+                    <a:ea typeface="+mn-ea"/>
+                    <a:cs typeface="+mn-cs"/>
+                  </a:defRPr>
+                </a:lvl9pPr>
+              </a:lstStyle>
               <a:p>
-                <a:pPr>
+                <a:pPr algn="l">
+                  <a:buClr>
+                    <a:srgbClr val="FF0000"/>
+                  </a:buClr>
                   <a:buFont typeface="Arial" panose="020B0604020202020204" pitchFamily="34" charset="0"/>
                   <a:buChar char="•"/>
                 </a:pPr>
@@ -9508,11 +10395,14 @@
                     <a:latin typeface="Times New Roman" panose="02020603050405020304" pitchFamily="18" charset="0"/>
                     <a:cs typeface="Times New Roman" panose="02020603050405020304" pitchFamily="18" charset="0"/>
                   </a:rPr>
-                  <a:t>Expertenbefragungen ergänzen häufig andere Methoden wie analytische oder kreative Ansätze.</a:t>
+                  <a:t>Expertenbefragungen ergänzen oft analytische oder kreative Ansätze.</a:t>
                 </a:r>
               </a:p>
               <a:p>
-                <a:pPr>
+                <a:pPr algn="l">
+                  <a:buClr>
+                    <a:schemeClr val="accent6"/>
+                  </a:buClr>
                   <a:buFont typeface="Wingdings" panose="05000000000000000000" pitchFamily="2" charset="2"/>
                   <a:buChar char="ü"/>
                 </a:pPr>
@@ -9526,16 +10416,10 @@
                 <a14:m>
                   <m:oMath xmlns:m="http://schemas.openxmlformats.org/officeDocument/2006/math">
                     <m:r>
-                      <a:rPr lang="de-DE" sz="1800" smtClean="0">
+                      <a:rPr lang="de-DE" sz="2000" smtClean="0">
                         <a:latin typeface="Cambria Math" panose="02040503050406030204" pitchFamily="18" charset="0"/>
                       </a:rPr>
-                      <m:t>⇒</m:t>
-                    </m:r>
-                    <m:r>
-                      <a:rPr lang="de-DE" sz="1800" b="0" i="0" smtClean="0">
-                        <a:latin typeface="Cambria Math" panose="02040503050406030204" pitchFamily="18" charset="0"/>
-                      </a:rPr>
-                      <m:t> </m:t>
+                      <m:t>⇒ </m:t>
                     </m:r>
                   </m:oMath>
                 </a14:m>
@@ -9548,27 +10432,26 @@
                 </a:r>
               </a:p>
               <a:p>
-                <a:pPr>
+                <a:pPr algn="l">
+                  <a:buClr>
+                    <a:srgbClr val="FF0000"/>
+                  </a:buClr>
                   <a:buFont typeface="Arial" panose="020B0604020202020204" pitchFamily="34" charset="0"/>
                   <a:buChar char="•"/>
                 </a:pPr>
-                <a:r>
-                  <a:rPr lang="de-DE" sz="1600" dirty="0">
-                    <a:latin typeface="Times New Roman" panose="02020603050405020304" pitchFamily="18" charset="0"/>
-                    <a:cs typeface="Times New Roman" panose="02020603050405020304" pitchFamily="18" charset="0"/>
-                  </a:rPr>
-                  <a:t>Expertenbefragungen</a:t>
-                </a:r>
                 <a:r>
                   <a:rPr lang="de-DE" sz="1800" dirty="0">
                     <a:latin typeface="Times New Roman" panose="02020603050405020304" pitchFamily="18" charset="0"/>
                     <a:cs typeface="Times New Roman" panose="02020603050405020304" pitchFamily="18" charset="0"/>
                   </a:rPr>
-                  <a:t> dienen als wichtige Informationsquelle und liefern Denkanstöße für bisher nicht betrachtete Risiken.</a:t>
+                  <a:t>Als wichtige Informationsquelle und liefern Denkanstöße für bisher nicht betrachtete Risiken.</a:t>
                 </a:r>
               </a:p>
               <a:p>
-                <a:pPr>
+                <a:pPr algn="l">
+                  <a:buClr>
+                    <a:schemeClr val="accent6"/>
+                  </a:buClr>
                   <a:buFont typeface="Wingdings" panose="05000000000000000000" pitchFamily="2" charset="2"/>
                   <a:buChar char="ü"/>
                 </a:pPr>
@@ -9577,11 +10460,28 @@
                     <a:latin typeface="Times New Roman" panose="02020603050405020304" pitchFamily="18" charset="0"/>
                     <a:cs typeface="Times New Roman" panose="02020603050405020304" pitchFamily="18" charset="0"/>
                   </a:rPr>
-                  <a:t>Die Einbeziehung verschiedener Experten ⇒blinde Flecken zu erkennen und umfassendere Risikobewertungen zu ermöglichen.</a:t>
+                  <a:t>Die Einbeziehung verschiedener Experten </a:t>
+                </a:r>
+                <a:r>
+                  <a:rPr lang="de-DE" sz="2000" dirty="0">
+                    <a:latin typeface="Times New Roman" panose="02020603050405020304" pitchFamily="18" charset="0"/>
+                    <a:cs typeface="Times New Roman" panose="02020603050405020304" pitchFamily="18" charset="0"/>
+                  </a:rPr>
+                  <a:t>⇒</a:t>
+                </a:r>
+                <a:r>
+                  <a:rPr lang="de-DE" sz="1800" dirty="0">
+                    <a:latin typeface="Times New Roman" panose="02020603050405020304" pitchFamily="18" charset="0"/>
+                    <a:cs typeface="Times New Roman" panose="02020603050405020304" pitchFamily="18" charset="0"/>
+                  </a:rPr>
+                  <a:t> Erkennung blinden Flecken und Ermöglichung umfassenderen Risikobewertungen.</a:t>
                 </a:r>
               </a:p>
               <a:p>
-                <a:pPr>
+                <a:pPr algn="l">
+                  <a:buClr>
+                    <a:srgbClr val="FF0000"/>
+                  </a:buClr>
                   <a:buFont typeface="Arial" panose="020B0604020202020204" pitchFamily="34" charset="0"/>
                   <a:buChar char="•"/>
                 </a:pPr>
@@ -9590,163 +10490,39 @@
                     <a:latin typeface="Times New Roman" panose="02020603050405020304" pitchFamily="18" charset="0"/>
                     <a:cs typeface="Times New Roman" panose="02020603050405020304" pitchFamily="18" charset="0"/>
                   </a:rPr>
-                  <a:t>Bei Kollektionsmethoden ist es ratsam, verschiedene Fachexperten intern und extern zu interviewen, um breite Erkenntnisse zu erhalten.</a:t>
+                  <a:t>Bei Kollektionsmethoden ratsam: Verschiedene interne und externe Experten interviewen für umfassende Erkenntnisse (z.B., Ingenieure, Betriebswirte, Juristen...).</a:t>
                 </a:r>
-              </a:p>
-              <a:p>
-                <a:pPr>
-                  <a:buFont typeface="Wingdings" panose="05000000000000000000" pitchFamily="2" charset="2"/>
-                  <a:buChar char="ü"/>
-                </a:pPr>
-                <a:r>
-                  <a:rPr lang="de-DE" sz="1800" dirty="0">
-                    <a:latin typeface="Times New Roman" panose="02020603050405020304" pitchFamily="18" charset="0"/>
-                    <a:cs typeface="Times New Roman" panose="02020603050405020304" pitchFamily="18" charset="0"/>
-                  </a:rPr>
-                  <a:t>z.B., Ingenieure, Betriebswirte, Juristen...</a:t>
-                </a:r>
-              </a:p>
-              <a:p>
-                <a:pPr>
-                  <a:buFont typeface="Arial" panose="020B0604020202020204" pitchFamily="34" charset="0"/>
-                  <a:buChar char="•"/>
-                </a:pPr>
-                <a:r>
-                  <a:rPr lang="de-DE" sz="1800" dirty="0">
-                    <a:latin typeface="Times New Roman" panose="02020603050405020304" pitchFamily="18" charset="0"/>
-                    <a:cs typeface="Times New Roman" panose="02020603050405020304" pitchFamily="18" charset="0"/>
-                  </a:rPr>
-                  <a:t>In der Praxis gibt es </a:t>
-                </a:r>
-                <a:r>
-                  <a:rPr lang="de-DE" sz="2000" dirty="0">
-                    <a:latin typeface="Times New Roman" panose="02020603050405020304" pitchFamily="18" charset="0"/>
-                    <a:cs typeface="Times New Roman" panose="02020603050405020304" pitchFamily="18" charset="0"/>
-                  </a:rPr>
-                  <a:t>verschiedene Interviewtechniken: </a:t>
-                </a:r>
-              </a:p>
-              <a:p>
-                <a:pPr>
-                  <a:buFont typeface="Wingdings" panose="05000000000000000000" pitchFamily="2" charset="2"/>
-                  <a:buChar char="v"/>
-                </a:pPr>
-                <a:r>
-                  <a:rPr lang="de-DE" sz="2000" b="1" dirty="0">
-                    <a:latin typeface="Times New Roman" panose="02020603050405020304" pitchFamily="18" charset="0"/>
-                    <a:cs typeface="Times New Roman" panose="02020603050405020304" pitchFamily="18" charset="0"/>
-                  </a:rPr>
-                  <a:t>Strukturierte Interviews:</a:t>
-                </a:r>
-                <a:r>
-                  <a:rPr lang="de-DE" sz="2000" dirty="0">
-                    <a:latin typeface="Times New Roman" panose="02020603050405020304" pitchFamily="18" charset="0"/>
-                    <a:cs typeface="Times New Roman" panose="02020603050405020304" pitchFamily="18" charset="0"/>
-                  </a:rPr>
-                  <a:t> Definieren Fragenbereiche und potenzielle Fragen.</a:t>
-                </a:r>
-              </a:p>
-              <a:p>
-                <a:pPr>
-                  <a:buFont typeface="Wingdings" panose="05000000000000000000" pitchFamily="2" charset="2"/>
-                  <a:buChar char="v"/>
-                </a:pPr>
-                <a:r>
-                  <a:rPr lang="de-DE" sz="2000" b="1" dirty="0">
-                    <a:latin typeface="Times New Roman" panose="02020603050405020304" pitchFamily="18" charset="0"/>
-                    <a:cs typeface="Times New Roman" panose="02020603050405020304" pitchFamily="18" charset="0"/>
-                  </a:rPr>
-                  <a:t>Standardisierte Interviews:</a:t>
-                </a:r>
-                <a:r>
-                  <a:rPr lang="de-DE" sz="2000" dirty="0">
-                    <a:latin typeface="Times New Roman" panose="02020603050405020304" pitchFamily="18" charset="0"/>
-                    <a:cs typeface="Times New Roman" panose="02020603050405020304" pitchFamily="18" charset="0"/>
-                  </a:rPr>
-                  <a:t> weiter in der Formalisierung: Konkrete Fragen, ihre Abfolge und die Bewertung der Antworten vorgeben.</a:t>
-                </a:r>
-              </a:p>
-              <a:p>
-                <a:pPr>
-                  <a:buFont typeface="Arial" panose="020B0604020202020204" pitchFamily="34" charset="0"/>
-                  <a:buChar char="•"/>
-                </a:pPr>
-                <a:r>
-                  <a:rPr lang="de-DE" sz="2000" dirty="0">
-                    <a:latin typeface="Times New Roman" panose="02020603050405020304" pitchFamily="18" charset="0"/>
-                    <a:cs typeface="Times New Roman" panose="02020603050405020304" pitchFamily="18" charset="0"/>
-                  </a:rPr>
-                  <a:t>Die Standardisierung </a:t>
-                </a:r>
-                <a14:m>
-                  <m:oMath xmlns:m="http://schemas.openxmlformats.org/officeDocument/2006/math">
-                    <m:r>
-                      <a:rPr lang="de-DE" sz="2000" smtClean="0">
-                        <a:latin typeface="Cambria Math" panose="02040503050406030204" pitchFamily="18" charset="0"/>
-                      </a:rPr>
-                      <m:t>⇒</m:t>
-                    </m:r>
-                    <m:r>
-                      <a:rPr lang="de-DE" sz="2000" i="1" smtClean="0">
-                        <a:latin typeface="Cambria Math" panose="02040503050406030204" pitchFamily="18" charset="0"/>
-                      </a:rPr>
-                      <m:t> </m:t>
-                    </m:r>
-                  </m:oMath>
-                </a14:m>
-                <a:r>
-                  <a:rPr lang="de-DE" sz="2000" dirty="0">
-                    <a:latin typeface="Times New Roman" panose="02020603050405020304" pitchFamily="18" charset="0"/>
-                    <a:cs typeface="Times New Roman" panose="02020603050405020304" pitchFamily="18" charset="0"/>
-                  </a:rPr>
-                  <a:t>den Interviewer-Bias zu reduzieren zur Minimierung bewussten oder unbewussten Beeinflussung (vgl. Kahneman 2011; Romeike 2013a, 2013b).</a:t>
-                </a:r>
-              </a:p>
-              <a:p>
-                <a:pPr>
-                  <a:buFont typeface="Arial" panose="020B0604020202020204" pitchFamily="34" charset="0"/>
-                  <a:buChar char="•"/>
-                </a:pPr>
-                <a:r>
-                  <a:rPr lang="de-DE" sz="2000" dirty="0">
-                    <a:latin typeface="Times New Roman" panose="02020603050405020304" pitchFamily="18" charset="0"/>
-                    <a:cs typeface="Times New Roman" panose="02020603050405020304" pitchFamily="18" charset="0"/>
-                  </a:rPr>
-                  <a:t>Interviews: Effektive und zeitsparende Methode zur Erkennung potenzieller Risiken und eignen sich ideal als Ergänzung zu anderen analytischen Methoden oder Kreativitätsmethoden.</a:t>
-                </a:r>
-              </a:p>
-              <a:p>
-                <a:endParaRPr lang="de-DE" dirty="0"/>
               </a:p>
             </p:txBody>
           </p:sp>
         </mc:Choice>
-        <mc:Fallback xmlns="">
+        <mc:Fallback>
           <p:sp>
             <p:nvSpPr>
-              <p:cNvPr id="3" name="Inhaltsplatzhalter 2">
+              <p:cNvPr id="2" name="Inhaltsplatzhalter 2">
                 <a:extLst>
                   <a:ext uri="{FF2B5EF4-FFF2-40B4-BE49-F238E27FC236}">
-                    <a16:creationId xmlns:a16="http://schemas.microsoft.com/office/drawing/2014/main" id="{4E7574C4-A7ED-B0C7-BC59-48FFD4D3E380}"/>
+                    <a16:creationId xmlns:a16="http://schemas.microsoft.com/office/drawing/2014/main" id="{D22A303D-B491-F0C9-095A-02CFB148D330}"/>
                   </a:ext>
                 </a:extLst>
               </p:cNvPr>
-              <p:cNvSpPr>
-                <a:spLocks noGrp="1" noRot="1" noChangeAspect="1" noMove="1" noResize="1" noEditPoints="1" noAdjustHandles="1" noChangeArrowheads="1" noChangeShapeType="1" noTextEdit="1"/>
+              <p:cNvSpPr txBox="1">
+                <a:spLocks noRot="1" noChangeAspect="1" noMove="1" noResize="1" noEditPoints="1" noAdjustHandles="1" noChangeArrowheads="1" noChangeShapeType="1" noTextEdit="1"/>
               </p:cNvSpPr>
-              <p:nvPr>
-                <p:ph idx="1"/>
-              </p:nvPr>
+              <p:nvPr/>
             </p:nvSpPr>
             <p:spPr>
               <a:xfrm>
-                <a:off x="838200" y="1080655"/>
+                <a:off x="817418" y="1831882"/>
                 <a:ext cx="10747664" cy="5579918"/>
               </a:xfrm>
+              <a:prstGeom prst="rect">
+                <a:avLst/>
+              </a:prstGeom>
               <a:blipFill>
-                <a:blip r:embed="rId3"/>
+                <a:blip r:embed="rId5"/>
                 <a:stretch>
-                  <a:fillRect l="-510" t="-1528" b="-655"/>
+                  <a:fillRect l="-454" t="-1093"/>
                 </a:stretch>
               </a:blipFill>
             </p:spPr>
@@ -9768,7 +10544,7 @@
     </p:spTree>
     <p:extLst>
       <p:ext uri="{BB962C8B-B14F-4D97-AF65-F5344CB8AC3E}">
-        <p14:creationId xmlns:p14="http://schemas.microsoft.com/office/powerpoint/2010/main" val="2288937928"/>
+        <p14:creationId xmlns:p14="http://schemas.microsoft.com/office/powerpoint/2010/main" val="3627887606"/>
       </p:ext>
     </p:extLst>
   </p:cSld>
@@ -9795,194 +10571,496 @@
           <a:chExt cx="0" cy="0"/>
         </a:xfrm>
       </p:grpSpPr>
-      <p:sp>
-        <p:nvSpPr>
-          <p:cNvPr id="2" name="Titel 1">
+      <p:pic>
+        <p:nvPicPr>
+          <p:cNvPr id="4" name="Graphic 1">
             <a:extLst>
               <a:ext uri="{FF2B5EF4-FFF2-40B4-BE49-F238E27FC236}">
-                <a16:creationId xmlns:a16="http://schemas.microsoft.com/office/drawing/2014/main" id="{3B5C3EF2-2079-72C9-B8BF-A117234631BF}"/>
+                <a16:creationId xmlns:a16="http://schemas.microsoft.com/office/drawing/2014/main" id="{D4E2A8A5-7B9A-9FCE-2C0C-40115BB72542}"/>
               </a:ext>
             </a:extLst>
           </p:cNvPr>
-          <p:cNvSpPr>
-            <a:spLocks noGrp="1"/>
-          </p:cNvSpPr>
-          <p:nvPr>
-            <p:ph type="title"/>
-          </p:nvPr>
-        </p:nvSpPr>
-        <p:spPr/>
-        <p:txBody>
-          <a:bodyPr/>
-          <a:lstStyle/>
-          <a:p>
-            <a:r>
-              <a:rPr lang="de-DE" dirty="0"/>
-              <a:t>Fazit</a:t>
-            </a:r>
-          </a:p>
-        </p:txBody>
-      </p:sp>
-      <p:sp>
-        <p:nvSpPr>
-          <p:cNvPr id="3" name="Inhaltsplatzhalter 2">
+          <p:cNvPicPr>
+            <a:picLocks noChangeAspect="1"/>
+          </p:cNvPicPr>
+          <p:nvPr/>
+        </p:nvPicPr>
+        <p:blipFill>
+          <a:blip r:embed="rId3">
+            <a:extLst>
+              <a:ext uri="{28A0092B-C50C-407E-A947-70E740481C1C}">
+                <a14:useLocalDpi xmlns:a14="http://schemas.microsoft.com/office/drawing/2010/main" val="0"/>
+              </a:ext>
+              <a:ext uri="{96DAC541-7B7A-43D3-8B79-37D633B846F1}">
+                <asvg:svgBlip xmlns:asvg="http://schemas.microsoft.com/office/drawing/2016/SVG/main" r:embed="rId4"/>
+              </a:ext>
+            </a:extLst>
+          </a:blip>
+          <a:stretch>
+            <a:fillRect/>
+          </a:stretch>
+        </p:blipFill>
+        <p:spPr>
+          <a:xfrm>
+            <a:off x="160961" y="133521"/>
+            <a:ext cx="2371620" cy="485811"/>
+          </a:xfrm>
+          <a:prstGeom prst="rect">
+            <a:avLst/>
+          </a:prstGeom>
+        </p:spPr>
+      </p:pic>
+      <p:sp>
+        <p:nvSpPr>
+          <p:cNvPr id="6" name="TextBox 5">
             <a:extLst>
               <a:ext uri="{FF2B5EF4-FFF2-40B4-BE49-F238E27FC236}">
-                <a16:creationId xmlns:a16="http://schemas.microsoft.com/office/drawing/2014/main" id="{05564FAA-FD46-1F64-C9D6-EFDF3A2ED2DC}"/>
+                <a16:creationId xmlns:a16="http://schemas.microsoft.com/office/drawing/2014/main" id="{4BF11305-FC23-954B-7998-B1257FEE9257}"/>
               </a:ext>
             </a:extLst>
           </p:cNvPr>
-          <p:cNvSpPr>
-            <a:spLocks noGrp="1"/>
-          </p:cNvSpPr>
-          <p:nvPr>
-            <p:ph idx="1"/>
-          </p:nvPr>
-        </p:nvSpPr>
-        <p:spPr/>
-        <p:txBody>
-          <a:bodyPr>
-            <a:normAutofit/>
+          <p:cNvSpPr txBox="1"/>
+          <p:nvPr/>
+        </p:nvSpPr>
+        <p:spPr>
+          <a:xfrm>
+            <a:off x="66782" y="6529608"/>
+            <a:ext cx="10986501" cy="230832"/>
+          </a:xfrm>
+          <a:prstGeom prst="rect">
+            <a:avLst/>
+          </a:prstGeom>
+          <a:noFill/>
+        </p:spPr>
+        <p:txBody>
+          <a:bodyPr wrap="square">
+            <a:spAutoFit/>
           </a:bodyPr>
           <a:lstStyle/>
           <a:p>
-            <a:pPr>
-              <a:buFont typeface="Arial" panose="020B0604020202020204" pitchFamily="34" charset="0"/>
-              <a:buChar char="•"/>
+            <a:r>
+              <a:rPr lang="de-DE" sz="900" dirty="0"/>
+              <a:t>Markov-Analyse &amp; Interview| WiSe 2023/24 I Hochschule Bielefeld I Linus Langenkamp, Jolan Eggers, Nicolas Schneider, Redouane Kabouchi I 03.11.2023 I Seite </a:t>
+            </a:r>
+            <a:fld id="{8665FA59-C0FE-4AB6-AD99-2451632B0EBE}" type="slidenum">
+              <a:rPr lang="de-DE" sz="900" smtClean="0"/>
+              <a:t>17</a:t>
+            </a:fld>
+            <a:endParaRPr lang="de-DE" sz="900" dirty="0"/>
+          </a:p>
+        </p:txBody>
+      </p:sp>
+      <p:sp>
+        <p:nvSpPr>
+          <p:cNvPr id="7" name="Title 1">
+            <a:extLst>
+              <a:ext uri="{FF2B5EF4-FFF2-40B4-BE49-F238E27FC236}">
+                <a16:creationId xmlns:a16="http://schemas.microsoft.com/office/drawing/2014/main" id="{C134D3AA-85CE-FCC6-6499-8202E6096899}"/>
+              </a:ext>
+            </a:extLst>
+          </p:cNvPr>
+          <p:cNvSpPr txBox="1">
+            <a:spLocks/>
+          </p:cNvSpPr>
+          <p:nvPr/>
+        </p:nvSpPr>
+        <p:spPr>
+          <a:xfrm>
+            <a:off x="738026" y="912189"/>
+            <a:ext cx="9144000" cy="626836"/>
+          </a:xfrm>
+          <a:prstGeom prst="rect">
+            <a:avLst/>
+          </a:prstGeom>
+        </p:spPr>
+        <p:txBody>
+          <a:bodyPr vert="horz" lIns="91440" tIns="45720" rIns="91440" bIns="45720" rtlCol="0" anchor="b">
+            <a:noAutofit/>
+          </a:bodyPr>
+          <a:lstStyle>
+            <a:lvl1pPr algn="ctr" defTabSz="914400" rtl="0" eaLnBrk="1" latinLnBrk="0" hangingPunct="1">
+              <a:lnSpc>
+                <a:spcPct val="90000"/>
+              </a:lnSpc>
+              <a:spcBef>
+                <a:spcPct val="0"/>
+              </a:spcBef>
+              <a:buNone/>
+              <a:defRPr sz="6000" kern="1200">
+                <a:solidFill>
+                  <a:schemeClr val="tx1"/>
+                </a:solidFill>
+                <a:latin typeface="+mj-lt"/>
+                <a:ea typeface="+mj-ea"/>
+                <a:cs typeface="+mj-cs"/>
+              </a:defRPr>
+            </a:lvl1pPr>
+          </a:lstStyle>
+          <a:p>
+            <a:pPr algn="l">
+              <a:lnSpc>
+                <a:spcPct val="100000"/>
+              </a:lnSpc>
+              <a:spcAft>
+                <a:spcPts val="600"/>
+              </a:spcAft>
             </a:pPr>
             <a:r>
-              <a:rPr lang="de-DE" sz="1800" b="1" dirty="0">
+              <a:rPr lang="de-DE" sz="2800" dirty="0">
                 <a:latin typeface="Times New Roman" panose="02020603050405020304" pitchFamily="18" charset="0"/>
                 <a:cs typeface="Times New Roman" panose="02020603050405020304" pitchFamily="18" charset="0"/>
               </a:rPr>
-              <a:t>Markov-Analyse Methode:</a:t>
-            </a:r>
-            <a:endParaRPr lang="de-DE" sz="1800" dirty="0">
-              <a:latin typeface="Times New Roman" panose="02020603050405020304" pitchFamily="18" charset="0"/>
-              <a:cs typeface="Times New Roman" panose="02020603050405020304" pitchFamily="18" charset="0"/>
-            </a:endParaRPr>
-          </a:p>
-          <a:p>
-            <a:pPr marL="742950" lvl="1" indent="-285750">
-              <a:buFont typeface="Arial" panose="020B0604020202020204" pitchFamily="34" charset="0"/>
-              <a:buChar char="•"/>
-            </a:pPr>
-            <a:r>
-              <a:rPr lang="de-DE" sz="1800" dirty="0">
+              <a:t> </a:t>
+            </a:r>
+            <a:r>
+              <a:rPr lang="de-DE" sz="2800" b="1" dirty="0">
                 <a:latin typeface="Times New Roman" panose="02020603050405020304" pitchFamily="18" charset="0"/>
                 <a:cs typeface="Times New Roman" panose="02020603050405020304" pitchFamily="18" charset="0"/>
               </a:rPr>
-              <a:t>Angewendet am </a:t>
-            </a:r>
-            <a:r>
-              <a:rPr lang="de-DE" sz="1800" dirty="0" err="1">
-                <a:latin typeface="Times New Roman" panose="02020603050405020304" pitchFamily="18" charset="0"/>
-                <a:cs typeface="Times New Roman" panose="02020603050405020304" pitchFamily="18" charset="0"/>
-              </a:rPr>
-              <a:t>Reihnmetall</a:t>
-            </a:r>
-            <a:r>
-              <a:rPr lang="de-DE" sz="1800" dirty="0">
-                <a:latin typeface="Times New Roman" panose="02020603050405020304" pitchFamily="18" charset="0"/>
-                <a:cs typeface="Times New Roman" panose="02020603050405020304" pitchFamily="18" charset="0"/>
-              </a:rPr>
-              <a:t>-Unternehmen.</a:t>
-            </a:r>
-          </a:p>
-          <a:p>
-            <a:pPr marL="742950" lvl="1" indent="-285750">
-              <a:buFont typeface="Arial" panose="020B0604020202020204" pitchFamily="34" charset="0"/>
-              <a:buChar char="•"/>
-            </a:pPr>
-            <a:r>
-              <a:rPr lang="de-DE" sz="1800" dirty="0">
-                <a:latin typeface="Times New Roman" panose="02020603050405020304" pitchFamily="18" charset="0"/>
-                <a:cs typeface="Times New Roman" panose="02020603050405020304" pitchFamily="18" charset="0"/>
-              </a:rPr>
-              <a:t>Modelliert Ausfallwahrscheinlichkeiten, Zustandsänderungen, Ausfallraten und Reparaturraten.</a:t>
-            </a:r>
-          </a:p>
-          <a:p>
-            <a:pPr marL="742950" lvl="1" indent="-285750">
-              <a:buFont typeface="Arial" panose="020B0604020202020204" pitchFamily="34" charset="0"/>
-              <a:buChar char="•"/>
-            </a:pPr>
-            <a:r>
-              <a:rPr lang="de-DE" sz="1800" dirty="0">
-                <a:latin typeface="Times New Roman" panose="02020603050405020304" pitchFamily="18" charset="0"/>
-                <a:cs typeface="Times New Roman" panose="02020603050405020304" pitchFamily="18" charset="0"/>
-              </a:rPr>
-              <a:t>Quantitatives Analyseverfahren mit grafischen Modellen für mögliche Systemzustände.</a:t>
-            </a:r>
-          </a:p>
-          <a:p>
-            <a:pPr>
-              <a:buFont typeface="Arial" panose="020B0604020202020204" pitchFamily="34" charset="0"/>
-              <a:buChar char="•"/>
-            </a:pPr>
-            <a:r>
-              <a:rPr lang="de-DE" sz="1800" b="1" dirty="0">
-                <a:latin typeface="Times New Roman" panose="02020603050405020304" pitchFamily="18" charset="0"/>
-                <a:cs typeface="Times New Roman" panose="02020603050405020304" pitchFamily="18" charset="0"/>
-              </a:rPr>
-              <a:t>Experteninterviews:</a:t>
-            </a:r>
-            <a:endParaRPr lang="de-DE" sz="1800" dirty="0">
-              <a:latin typeface="Times New Roman" panose="02020603050405020304" pitchFamily="18" charset="0"/>
-              <a:cs typeface="Times New Roman" panose="02020603050405020304" pitchFamily="18" charset="0"/>
-            </a:endParaRPr>
-          </a:p>
-          <a:p>
-            <a:pPr marL="742950" lvl="1" indent="-285750">
-              <a:buFont typeface="Arial" panose="020B0604020202020204" pitchFamily="34" charset="0"/>
-              <a:buChar char="•"/>
-            </a:pPr>
-            <a:r>
-              <a:rPr lang="de-DE" sz="1800" dirty="0">
-                <a:latin typeface="Times New Roman" panose="02020603050405020304" pitchFamily="18" charset="0"/>
-                <a:cs typeface="Times New Roman" panose="02020603050405020304" pitchFamily="18" charset="0"/>
-              </a:rPr>
-              <a:t>Effiziente Methode zur Identifikation potenzieller Risiken.</a:t>
-            </a:r>
-          </a:p>
-          <a:p>
-            <a:pPr marL="742950" lvl="1" indent="-285750">
-              <a:buFont typeface="Arial" panose="020B0604020202020204" pitchFamily="34" charset="0"/>
-              <a:buChar char="•"/>
-            </a:pPr>
-            <a:r>
-              <a:rPr lang="de-DE" sz="1800" dirty="0">
-                <a:latin typeface="Times New Roman" panose="02020603050405020304" pitchFamily="18" charset="0"/>
-                <a:cs typeface="Times New Roman" panose="02020603050405020304" pitchFamily="18" charset="0"/>
-              </a:rPr>
-              <a:t>Direkter Austausch mit Experten ermöglicht schnelle Datenerfassung.</a:t>
-            </a:r>
-          </a:p>
-          <a:p>
-            <a:pPr marL="742950" lvl="1" indent="-285750">
-              <a:buFont typeface="Arial" panose="020B0604020202020204" pitchFamily="34" charset="0"/>
-              <a:buChar char="•"/>
-            </a:pPr>
-            <a:r>
-              <a:rPr lang="de-DE" sz="1800" dirty="0">
-                <a:latin typeface="Times New Roman" panose="02020603050405020304" pitchFamily="18" charset="0"/>
-                <a:cs typeface="Times New Roman" panose="02020603050405020304" pitchFamily="18" charset="0"/>
-              </a:rPr>
-              <a:t>Effektive Erkennung potenzieller Risiken im Vergleich zu rein analytischen oder kreativen Ansätzen.</a:t>
-            </a:r>
-          </a:p>
-          <a:p>
-            <a:endParaRPr lang="de-DE" sz="1800" dirty="0">
-              <a:latin typeface="Times New Roman" panose="02020603050405020304" pitchFamily="18" charset="0"/>
-              <a:cs typeface="Times New Roman" panose="02020603050405020304" pitchFamily="18" charset="0"/>
-            </a:endParaRPr>
-          </a:p>
-        </p:txBody>
-      </p:sp>
+              <a:t>Interviewtechniken</a:t>
+            </a:r>
+            <a:endParaRPr lang="de-DE" sz="2800" dirty="0"/>
+          </a:p>
+        </p:txBody>
+      </p:sp>
+      <mc:AlternateContent xmlns:mc="http://schemas.openxmlformats.org/markup-compatibility/2006">
+        <mc:Choice xmlns:a14="http://schemas.microsoft.com/office/drawing/2010/main" Requires="a14">
+          <p:sp>
+            <p:nvSpPr>
+              <p:cNvPr id="3" name="Inhaltsplatzhalter 2">
+                <a:extLst>
+                  <a:ext uri="{FF2B5EF4-FFF2-40B4-BE49-F238E27FC236}">
+                    <a16:creationId xmlns:a16="http://schemas.microsoft.com/office/drawing/2014/main" id="{24EDBE75-542A-3E30-00EF-111C4485CDDB}"/>
+                  </a:ext>
+                </a:extLst>
+              </p:cNvPr>
+              <p:cNvSpPr txBox="1">
+                <a:spLocks/>
+              </p:cNvSpPr>
+              <p:nvPr/>
+            </p:nvSpPr>
+            <p:spPr>
+              <a:xfrm>
+                <a:off x="838200" y="1825625"/>
+                <a:ext cx="10515600" cy="4351338"/>
+              </a:xfrm>
+              <a:prstGeom prst="rect">
+                <a:avLst/>
+              </a:prstGeom>
+            </p:spPr>
+            <p:txBody>
+              <a:bodyPr vert="horz" lIns="91440" tIns="45720" rIns="91440" bIns="45720" rtlCol="0">
+                <a:normAutofit/>
+              </a:bodyPr>
+              <a:lstStyle>
+                <a:lvl1pPr marL="0" indent="0" algn="ctr" defTabSz="914400" rtl="0" eaLnBrk="1" latinLnBrk="0" hangingPunct="1">
+                  <a:lnSpc>
+                    <a:spcPct val="90000"/>
+                  </a:lnSpc>
+                  <a:spcBef>
+                    <a:spcPts val="1000"/>
+                  </a:spcBef>
+                  <a:buFont typeface="Arial" panose="020B0604020202020204" pitchFamily="34" charset="0"/>
+                  <a:buNone/>
+                  <a:defRPr sz="2400" kern="1200">
+                    <a:solidFill>
+                      <a:schemeClr val="tx1"/>
+                    </a:solidFill>
+                    <a:latin typeface="+mn-lt"/>
+                    <a:ea typeface="+mn-ea"/>
+                    <a:cs typeface="+mn-cs"/>
+                  </a:defRPr>
+                </a:lvl1pPr>
+                <a:lvl2pPr marL="457200" indent="0" algn="ctr" defTabSz="914400" rtl="0" eaLnBrk="1" latinLnBrk="0" hangingPunct="1">
+                  <a:lnSpc>
+                    <a:spcPct val="90000"/>
+                  </a:lnSpc>
+                  <a:spcBef>
+                    <a:spcPts val="500"/>
+                  </a:spcBef>
+                  <a:buFont typeface="Arial" panose="020B0604020202020204" pitchFamily="34" charset="0"/>
+                  <a:buNone/>
+                  <a:defRPr sz="2000" kern="1200">
+                    <a:solidFill>
+                      <a:schemeClr val="tx1"/>
+                    </a:solidFill>
+                    <a:latin typeface="+mn-lt"/>
+                    <a:ea typeface="+mn-ea"/>
+                    <a:cs typeface="+mn-cs"/>
+                  </a:defRPr>
+                </a:lvl2pPr>
+                <a:lvl3pPr marL="914400" indent="0" algn="ctr" defTabSz="914400" rtl="0" eaLnBrk="1" latinLnBrk="0" hangingPunct="1">
+                  <a:lnSpc>
+                    <a:spcPct val="90000"/>
+                  </a:lnSpc>
+                  <a:spcBef>
+                    <a:spcPts val="500"/>
+                  </a:spcBef>
+                  <a:buFont typeface="Arial" panose="020B0604020202020204" pitchFamily="34" charset="0"/>
+                  <a:buNone/>
+                  <a:defRPr sz="1800" kern="1200">
+                    <a:solidFill>
+                      <a:schemeClr val="tx1"/>
+                    </a:solidFill>
+                    <a:latin typeface="+mn-lt"/>
+                    <a:ea typeface="+mn-ea"/>
+                    <a:cs typeface="+mn-cs"/>
+                  </a:defRPr>
+                </a:lvl3pPr>
+                <a:lvl4pPr marL="1371600" indent="0" algn="ctr" defTabSz="914400" rtl="0" eaLnBrk="1" latinLnBrk="0" hangingPunct="1">
+                  <a:lnSpc>
+                    <a:spcPct val="90000"/>
+                  </a:lnSpc>
+                  <a:spcBef>
+                    <a:spcPts val="500"/>
+                  </a:spcBef>
+                  <a:buFont typeface="Arial" panose="020B0604020202020204" pitchFamily="34" charset="0"/>
+                  <a:buNone/>
+                  <a:defRPr sz="1600" kern="1200">
+                    <a:solidFill>
+                      <a:schemeClr val="tx1"/>
+                    </a:solidFill>
+                    <a:latin typeface="+mn-lt"/>
+                    <a:ea typeface="+mn-ea"/>
+                    <a:cs typeface="+mn-cs"/>
+                  </a:defRPr>
+                </a:lvl4pPr>
+                <a:lvl5pPr marL="1828800" indent="0" algn="ctr" defTabSz="914400" rtl="0" eaLnBrk="1" latinLnBrk="0" hangingPunct="1">
+                  <a:lnSpc>
+                    <a:spcPct val="90000"/>
+                  </a:lnSpc>
+                  <a:spcBef>
+                    <a:spcPts val="500"/>
+                  </a:spcBef>
+                  <a:buFont typeface="Arial" panose="020B0604020202020204" pitchFamily="34" charset="0"/>
+                  <a:buNone/>
+                  <a:defRPr sz="1600" kern="1200">
+                    <a:solidFill>
+                      <a:schemeClr val="tx1"/>
+                    </a:solidFill>
+                    <a:latin typeface="+mn-lt"/>
+                    <a:ea typeface="+mn-ea"/>
+                    <a:cs typeface="+mn-cs"/>
+                  </a:defRPr>
+                </a:lvl5pPr>
+                <a:lvl6pPr marL="2286000" indent="0" algn="ctr" defTabSz="914400" rtl="0" eaLnBrk="1" latinLnBrk="0" hangingPunct="1">
+                  <a:lnSpc>
+                    <a:spcPct val="90000"/>
+                  </a:lnSpc>
+                  <a:spcBef>
+                    <a:spcPts val="500"/>
+                  </a:spcBef>
+                  <a:buFont typeface="Arial" panose="020B0604020202020204" pitchFamily="34" charset="0"/>
+                  <a:buNone/>
+                  <a:defRPr sz="1600" kern="1200">
+                    <a:solidFill>
+                      <a:schemeClr val="tx1"/>
+                    </a:solidFill>
+                    <a:latin typeface="+mn-lt"/>
+                    <a:ea typeface="+mn-ea"/>
+                    <a:cs typeface="+mn-cs"/>
+                  </a:defRPr>
+                </a:lvl6pPr>
+                <a:lvl7pPr marL="2743200" indent="0" algn="ctr" defTabSz="914400" rtl="0" eaLnBrk="1" latinLnBrk="0" hangingPunct="1">
+                  <a:lnSpc>
+                    <a:spcPct val="90000"/>
+                  </a:lnSpc>
+                  <a:spcBef>
+                    <a:spcPts val="500"/>
+                  </a:spcBef>
+                  <a:buFont typeface="Arial" panose="020B0604020202020204" pitchFamily="34" charset="0"/>
+                  <a:buNone/>
+                  <a:defRPr sz="1600" kern="1200">
+                    <a:solidFill>
+                      <a:schemeClr val="tx1"/>
+                    </a:solidFill>
+                    <a:latin typeface="+mn-lt"/>
+                    <a:ea typeface="+mn-ea"/>
+                    <a:cs typeface="+mn-cs"/>
+                  </a:defRPr>
+                </a:lvl7pPr>
+                <a:lvl8pPr marL="3200400" indent="0" algn="ctr" defTabSz="914400" rtl="0" eaLnBrk="1" latinLnBrk="0" hangingPunct="1">
+                  <a:lnSpc>
+                    <a:spcPct val="90000"/>
+                  </a:lnSpc>
+                  <a:spcBef>
+                    <a:spcPts val="500"/>
+                  </a:spcBef>
+                  <a:buFont typeface="Arial" panose="020B0604020202020204" pitchFamily="34" charset="0"/>
+                  <a:buNone/>
+                  <a:defRPr sz="1600" kern="1200">
+                    <a:solidFill>
+                      <a:schemeClr val="tx1"/>
+                    </a:solidFill>
+                    <a:latin typeface="+mn-lt"/>
+                    <a:ea typeface="+mn-ea"/>
+                    <a:cs typeface="+mn-cs"/>
+                  </a:defRPr>
+                </a:lvl8pPr>
+                <a:lvl9pPr marL="3657600" indent="0" algn="ctr" defTabSz="914400" rtl="0" eaLnBrk="1" latinLnBrk="0" hangingPunct="1">
+                  <a:lnSpc>
+                    <a:spcPct val="90000"/>
+                  </a:lnSpc>
+                  <a:spcBef>
+                    <a:spcPts val="500"/>
+                  </a:spcBef>
+                  <a:buFont typeface="Arial" panose="020B0604020202020204" pitchFamily="34" charset="0"/>
+                  <a:buNone/>
+                  <a:defRPr sz="1600" kern="1200">
+                    <a:solidFill>
+                      <a:schemeClr val="tx1"/>
+                    </a:solidFill>
+                    <a:latin typeface="+mn-lt"/>
+                    <a:ea typeface="+mn-ea"/>
+                    <a:cs typeface="+mn-cs"/>
+                  </a:defRPr>
+                </a:lvl9pPr>
+              </a:lstStyle>
+              <a:p>
+                <a:pPr algn="l">
+                  <a:buFont typeface="Wingdings" panose="05000000000000000000" pitchFamily="2" charset="2"/>
+                  <a:buChar char="v"/>
+                </a:pPr>
+                <a:r>
+                  <a:rPr lang="de-DE" sz="1800" b="1" dirty="0">
+                    <a:latin typeface="Times New Roman" panose="02020603050405020304" pitchFamily="18" charset="0"/>
+                    <a:cs typeface="Times New Roman" panose="02020603050405020304" pitchFamily="18" charset="0"/>
+                  </a:rPr>
+                  <a:t>Strukturierte Interviews:</a:t>
+                </a:r>
+                <a:r>
+                  <a:rPr lang="de-DE" sz="1800" dirty="0">
+                    <a:latin typeface="Times New Roman" panose="02020603050405020304" pitchFamily="18" charset="0"/>
+                    <a:cs typeface="Times New Roman" panose="02020603050405020304" pitchFamily="18" charset="0"/>
+                  </a:rPr>
+                  <a:t> Definieren Fragenbereiche und potenzielle Fragen.</a:t>
+                </a:r>
+              </a:p>
+              <a:p>
+                <a:pPr algn="l">
+                  <a:buFont typeface="Wingdings" panose="05000000000000000000" pitchFamily="2" charset="2"/>
+                  <a:buChar char="v"/>
+                </a:pPr>
+                <a:r>
+                  <a:rPr lang="de-DE" sz="1800" b="1" dirty="0">
+                    <a:latin typeface="Times New Roman" panose="02020603050405020304" pitchFamily="18" charset="0"/>
+                    <a:cs typeface="Times New Roman" panose="02020603050405020304" pitchFamily="18" charset="0"/>
+                  </a:rPr>
+                  <a:t>Standardisierte Interviews:</a:t>
+                </a:r>
+                <a:r>
+                  <a:rPr lang="de-DE" sz="1800" dirty="0">
+                    <a:latin typeface="Times New Roman" panose="02020603050405020304" pitchFamily="18" charset="0"/>
+                    <a:cs typeface="Times New Roman" panose="02020603050405020304" pitchFamily="18" charset="0"/>
+                  </a:rPr>
+                  <a:t> weiter in der Formalisierung: Konkrete Fragen.</a:t>
+                </a:r>
+              </a:p>
+              <a:p>
+                <a:pPr algn="l">
+                  <a:buFont typeface="Arial" panose="020B0604020202020204" pitchFamily="34" charset="0"/>
+                  <a:buChar char="•"/>
+                </a:pPr>
+                <a:r>
+                  <a:rPr lang="de-DE" sz="1800" dirty="0">
+                    <a:latin typeface="Times New Roman" panose="02020603050405020304" pitchFamily="18" charset="0"/>
+                    <a:cs typeface="Times New Roman" panose="02020603050405020304" pitchFamily="18" charset="0"/>
+                  </a:rPr>
+                  <a:t>Die Standardisierung angewendet </a:t>
+                </a:r>
+                <a14:m>
+                  <m:oMath xmlns:m="http://schemas.openxmlformats.org/officeDocument/2006/math">
+                    <m:r>
+                      <a:rPr lang="de-DE" sz="2000" smtClean="0">
+                        <a:latin typeface="Cambria Math" panose="02040503050406030204" pitchFamily="18" charset="0"/>
+                      </a:rPr>
+                      <m:t>⇒</m:t>
+                    </m:r>
+                    <m:r>
+                      <a:rPr lang="de-DE" sz="2000" i="1" smtClean="0">
+                        <a:latin typeface="Cambria Math" panose="02040503050406030204" pitchFamily="18" charset="0"/>
+                      </a:rPr>
+                      <m:t> </m:t>
+                    </m:r>
+                  </m:oMath>
+                </a14:m>
+                <a:r>
+                  <a:rPr lang="de-DE" sz="1800" dirty="0">
+                    <a:latin typeface="Times New Roman" panose="02020603050405020304" pitchFamily="18" charset="0"/>
+                    <a:cs typeface="Times New Roman" panose="02020603050405020304" pitchFamily="18" charset="0"/>
+                  </a:rPr>
+                  <a:t>den Interviewer-Bias zu reduzieren zur Minimierung bewussten oder unbewussten Beeinflussung (vgl. Kahneman 2011; Romeike 2013a, 2013b).</a:t>
+                </a:r>
+              </a:p>
+              <a:p>
+                <a:pPr algn="l">
+                  <a:buFont typeface="Arial" panose="020B0604020202020204" pitchFamily="34" charset="0"/>
+                  <a:buChar char="•"/>
+                </a:pPr>
+                <a:r>
+                  <a:rPr lang="de-DE" sz="1800" dirty="0">
+                    <a:latin typeface="Times New Roman" panose="02020603050405020304" pitchFamily="18" charset="0"/>
+                    <a:cs typeface="Times New Roman" panose="02020603050405020304" pitchFamily="18" charset="0"/>
+                  </a:rPr>
+                  <a:t>Interviews: Effektive Methode zur Risikoerkennung, ideal als Ergänzung zu analytischen oder kreativen Ansätzen.</a:t>
+                </a:r>
+                <a:endParaRPr lang="de-DE" dirty="0">
+                  <a:latin typeface="Times New Roman" panose="02020603050405020304" pitchFamily="18" charset="0"/>
+                  <a:cs typeface="Times New Roman" panose="02020603050405020304" pitchFamily="18" charset="0"/>
+                </a:endParaRPr>
+              </a:p>
+            </p:txBody>
+          </p:sp>
+        </mc:Choice>
+        <mc:Fallback>
+          <p:sp>
+            <p:nvSpPr>
+              <p:cNvPr id="3" name="Inhaltsplatzhalter 2">
+                <a:extLst>
+                  <a:ext uri="{FF2B5EF4-FFF2-40B4-BE49-F238E27FC236}">
+                    <a16:creationId xmlns:a16="http://schemas.microsoft.com/office/drawing/2014/main" id="{24EDBE75-542A-3E30-00EF-111C4485CDDB}"/>
+                  </a:ext>
+                </a:extLst>
+              </p:cNvPr>
+              <p:cNvSpPr txBox="1">
+                <a:spLocks noRot="1" noChangeAspect="1" noMove="1" noResize="1" noEditPoints="1" noAdjustHandles="1" noChangeArrowheads="1" noChangeShapeType="1" noTextEdit="1"/>
+              </p:cNvSpPr>
+              <p:nvPr/>
+            </p:nvSpPr>
+            <p:spPr>
+              <a:xfrm>
+                <a:off x="838200" y="1825625"/>
+                <a:ext cx="10515600" cy="4351338"/>
+              </a:xfrm>
+              <a:prstGeom prst="rect">
+                <a:avLst/>
+              </a:prstGeom>
+              <a:blipFill>
+                <a:blip r:embed="rId5"/>
+                <a:stretch>
+                  <a:fillRect l="-522" t="-1261"/>
+                </a:stretch>
+              </a:blipFill>
+            </p:spPr>
+            <p:txBody>
+              <a:bodyPr/>
+              <a:lstStyle/>
+              <a:p>
+                <a:r>
+                  <a:rPr lang="de-DE">
+                    <a:noFill/>
+                  </a:rPr>
+                  <a:t> </a:t>
+                </a:r>
+              </a:p>
+            </p:txBody>
+          </p:sp>
+        </mc:Fallback>
+      </mc:AlternateContent>
     </p:spTree>
     <p:extLst>
       <p:ext uri="{BB962C8B-B14F-4D97-AF65-F5344CB8AC3E}">
-        <p14:creationId xmlns:p14="http://schemas.microsoft.com/office/powerpoint/2010/main" val="565091077"/>
+        <p14:creationId xmlns:p14="http://schemas.microsoft.com/office/powerpoint/2010/main" val="683609564"/>
       </p:ext>
     </p:extLst>
   </p:cSld>
@@ -10083,6 +11161,571 @@
             <a:fld id="{8665FA59-C0FE-4AB6-AD99-2451632B0EBE}" type="slidenum">
               <a:rPr lang="de-DE" sz="900" smtClean="0"/>
               <a:t>18</a:t>
+            </a:fld>
+            <a:endParaRPr lang="de-DE" sz="900" dirty="0"/>
+          </a:p>
+        </p:txBody>
+      </p:sp>
+      <p:sp>
+        <p:nvSpPr>
+          <p:cNvPr id="7" name="Title 1">
+            <a:extLst>
+              <a:ext uri="{FF2B5EF4-FFF2-40B4-BE49-F238E27FC236}">
+                <a16:creationId xmlns:a16="http://schemas.microsoft.com/office/drawing/2014/main" id="{C134D3AA-85CE-FCC6-6499-8202E6096899}"/>
+              </a:ext>
+            </a:extLst>
+          </p:cNvPr>
+          <p:cNvSpPr txBox="1">
+            <a:spLocks/>
+          </p:cNvSpPr>
+          <p:nvPr/>
+        </p:nvSpPr>
+        <p:spPr>
+          <a:xfrm>
+            <a:off x="738026" y="912189"/>
+            <a:ext cx="9144000" cy="626836"/>
+          </a:xfrm>
+          <a:prstGeom prst="rect">
+            <a:avLst/>
+          </a:prstGeom>
+        </p:spPr>
+        <p:txBody>
+          <a:bodyPr vert="horz" lIns="91440" tIns="45720" rIns="91440" bIns="45720" rtlCol="0" anchor="b">
+            <a:noAutofit/>
+          </a:bodyPr>
+          <a:lstStyle>
+            <a:lvl1pPr algn="ctr" defTabSz="914400" rtl="0" eaLnBrk="1" latinLnBrk="0" hangingPunct="1">
+              <a:lnSpc>
+                <a:spcPct val="90000"/>
+              </a:lnSpc>
+              <a:spcBef>
+                <a:spcPct val="0"/>
+              </a:spcBef>
+              <a:buNone/>
+              <a:defRPr sz="6000" kern="1200">
+                <a:solidFill>
+                  <a:schemeClr val="tx1"/>
+                </a:solidFill>
+                <a:latin typeface="+mj-lt"/>
+                <a:ea typeface="+mj-ea"/>
+                <a:cs typeface="+mj-cs"/>
+              </a:defRPr>
+            </a:lvl1pPr>
+          </a:lstStyle>
+          <a:p>
+            <a:pPr algn="l">
+              <a:lnSpc>
+                <a:spcPct val="100000"/>
+              </a:lnSpc>
+              <a:spcAft>
+                <a:spcPts val="600"/>
+              </a:spcAft>
+            </a:pPr>
+            <a:r>
+              <a:rPr lang="de-DE" sz="2800" dirty="0">
+                <a:latin typeface="Times New Roman" panose="02020603050405020304" pitchFamily="18" charset="0"/>
+                <a:cs typeface="Times New Roman" panose="02020603050405020304" pitchFamily="18" charset="0"/>
+              </a:rPr>
+              <a:t> </a:t>
+            </a:r>
+            <a:r>
+              <a:rPr lang="de-DE" sz="2800" b="1" dirty="0">
+                <a:latin typeface="Times New Roman" panose="02020603050405020304" pitchFamily="18" charset="0"/>
+                <a:cs typeface="Times New Roman" panose="02020603050405020304" pitchFamily="18" charset="0"/>
+              </a:rPr>
+              <a:t>Fazit</a:t>
+            </a:r>
+            <a:endParaRPr lang="de-DE" sz="2800" dirty="0"/>
+          </a:p>
+        </p:txBody>
+      </p:sp>
+      <mc:AlternateContent xmlns:mc="http://schemas.openxmlformats.org/markup-compatibility/2006">
+        <mc:Choice xmlns:a14="http://schemas.microsoft.com/office/drawing/2010/main" Requires="a14">
+          <p:sp>
+            <p:nvSpPr>
+              <p:cNvPr id="2" name="Inhaltsplatzhalter 2">
+                <a:extLst>
+                  <a:ext uri="{FF2B5EF4-FFF2-40B4-BE49-F238E27FC236}">
+                    <a16:creationId xmlns:a16="http://schemas.microsoft.com/office/drawing/2014/main" id="{50A1AE0F-65CE-20A2-1A1F-9A2F7B65D2C4}"/>
+                  </a:ext>
+                </a:extLst>
+              </p:cNvPr>
+              <p:cNvSpPr txBox="1">
+                <a:spLocks/>
+              </p:cNvSpPr>
+              <p:nvPr/>
+            </p:nvSpPr>
+            <p:spPr>
+              <a:xfrm>
+                <a:off x="838200" y="1825625"/>
+                <a:ext cx="10515600" cy="4351338"/>
+              </a:xfrm>
+              <a:prstGeom prst="rect">
+                <a:avLst/>
+              </a:prstGeom>
+            </p:spPr>
+            <p:txBody>
+              <a:bodyPr vert="horz" lIns="91440" tIns="45720" rIns="91440" bIns="45720" rtlCol="0">
+                <a:normAutofit/>
+              </a:bodyPr>
+              <a:lstStyle>
+                <a:lvl1pPr marL="0" indent="0" algn="ctr" defTabSz="914400" rtl="0" eaLnBrk="1" latinLnBrk="0" hangingPunct="1">
+                  <a:lnSpc>
+                    <a:spcPct val="90000"/>
+                  </a:lnSpc>
+                  <a:spcBef>
+                    <a:spcPts val="1000"/>
+                  </a:spcBef>
+                  <a:buFont typeface="Arial" panose="020B0604020202020204" pitchFamily="34" charset="0"/>
+                  <a:buNone/>
+                  <a:defRPr sz="2400" kern="1200">
+                    <a:solidFill>
+                      <a:schemeClr val="tx1"/>
+                    </a:solidFill>
+                    <a:latin typeface="+mn-lt"/>
+                    <a:ea typeface="+mn-ea"/>
+                    <a:cs typeface="+mn-cs"/>
+                  </a:defRPr>
+                </a:lvl1pPr>
+                <a:lvl2pPr marL="457200" indent="0" algn="ctr" defTabSz="914400" rtl="0" eaLnBrk="1" latinLnBrk="0" hangingPunct="1">
+                  <a:lnSpc>
+                    <a:spcPct val="90000"/>
+                  </a:lnSpc>
+                  <a:spcBef>
+                    <a:spcPts val="500"/>
+                  </a:spcBef>
+                  <a:buFont typeface="Arial" panose="020B0604020202020204" pitchFamily="34" charset="0"/>
+                  <a:buNone/>
+                  <a:defRPr sz="2000" kern="1200">
+                    <a:solidFill>
+                      <a:schemeClr val="tx1"/>
+                    </a:solidFill>
+                    <a:latin typeface="+mn-lt"/>
+                    <a:ea typeface="+mn-ea"/>
+                    <a:cs typeface="+mn-cs"/>
+                  </a:defRPr>
+                </a:lvl2pPr>
+                <a:lvl3pPr marL="914400" indent="0" algn="ctr" defTabSz="914400" rtl="0" eaLnBrk="1" latinLnBrk="0" hangingPunct="1">
+                  <a:lnSpc>
+                    <a:spcPct val="90000"/>
+                  </a:lnSpc>
+                  <a:spcBef>
+                    <a:spcPts val="500"/>
+                  </a:spcBef>
+                  <a:buFont typeface="Arial" panose="020B0604020202020204" pitchFamily="34" charset="0"/>
+                  <a:buNone/>
+                  <a:defRPr sz="1800" kern="1200">
+                    <a:solidFill>
+                      <a:schemeClr val="tx1"/>
+                    </a:solidFill>
+                    <a:latin typeface="+mn-lt"/>
+                    <a:ea typeface="+mn-ea"/>
+                    <a:cs typeface="+mn-cs"/>
+                  </a:defRPr>
+                </a:lvl3pPr>
+                <a:lvl4pPr marL="1371600" indent="0" algn="ctr" defTabSz="914400" rtl="0" eaLnBrk="1" latinLnBrk="0" hangingPunct="1">
+                  <a:lnSpc>
+                    <a:spcPct val="90000"/>
+                  </a:lnSpc>
+                  <a:spcBef>
+                    <a:spcPts val="500"/>
+                  </a:spcBef>
+                  <a:buFont typeface="Arial" panose="020B0604020202020204" pitchFamily="34" charset="0"/>
+                  <a:buNone/>
+                  <a:defRPr sz="1600" kern="1200">
+                    <a:solidFill>
+                      <a:schemeClr val="tx1"/>
+                    </a:solidFill>
+                    <a:latin typeface="+mn-lt"/>
+                    <a:ea typeface="+mn-ea"/>
+                    <a:cs typeface="+mn-cs"/>
+                  </a:defRPr>
+                </a:lvl4pPr>
+                <a:lvl5pPr marL="1828800" indent="0" algn="ctr" defTabSz="914400" rtl="0" eaLnBrk="1" latinLnBrk="0" hangingPunct="1">
+                  <a:lnSpc>
+                    <a:spcPct val="90000"/>
+                  </a:lnSpc>
+                  <a:spcBef>
+                    <a:spcPts val="500"/>
+                  </a:spcBef>
+                  <a:buFont typeface="Arial" panose="020B0604020202020204" pitchFamily="34" charset="0"/>
+                  <a:buNone/>
+                  <a:defRPr sz="1600" kern="1200">
+                    <a:solidFill>
+                      <a:schemeClr val="tx1"/>
+                    </a:solidFill>
+                    <a:latin typeface="+mn-lt"/>
+                    <a:ea typeface="+mn-ea"/>
+                    <a:cs typeface="+mn-cs"/>
+                  </a:defRPr>
+                </a:lvl5pPr>
+                <a:lvl6pPr marL="2286000" indent="0" algn="ctr" defTabSz="914400" rtl="0" eaLnBrk="1" latinLnBrk="0" hangingPunct="1">
+                  <a:lnSpc>
+                    <a:spcPct val="90000"/>
+                  </a:lnSpc>
+                  <a:spcBef>
+                    <a:spcPts val="500"/>
+                  </a:spcBef>
+                  <a:buFont typeface="Arial" panose="020B0604020202020204" pitchFamily="34" charset="0"/>
+                  <a:buNone/>
+                  <a:defRPr sz="1600" kern="1200">
+                    <a:solidFill>
+                      <a:schemeClr val="tx1"/>
+                    </a:solidFill>
+                    <a:latin typeface="+mn-lt"/>
+                    <a:ea typeface="+mn-ea"/>
+                    <a:cs typeface="+mn-cs"/>
+                  </a:defRPr>
+                </a:lvl6pPr>
+                <a:lvl7pPr marL="2743200" indent="0" algn="ctr" defTabSz="914400" rtl="0" eaLnBrk="1" latinLnBrk="0" hangingPunct="1">
+                  <a:lnSpc>
+                    <a:spcPct val="90000"/>
+                  </a:lnSpc>
+                  <a:spcBef>
+                    <a:spcPts val="500"/>
+                  </a:spcBef>
+                  <a:buFont typeface="Arial" panose="020B0604020202020204" pitchFamily="34" charset="0"/>
+                  <a:buNone/>
+                  <a:defRPr sz="1600" kern="1200">
+                    <a:solidFill>
+                      <a:schemeClr val="tx1"/>
+                    </a:solidFill>
+                    <a:latin typeface="+mn-lt"/>
+                    <a:ea typeface="+mn-ea"/>
+                    <a:cs typeface="+mn-cs"/>
+                  </a:defRPr>
+                </a:lvl7pPr>
+                <a:lvl8pPr marL="3200400" indent="0" algn="ctr" defTabSz="914400" rtl="0" eaLnBrk="1" latinLnBrk="0" hangingPunct="1">
+                  <a:lnSpc>
+                    <a:spcPct val="90000"/>
+                  </a:lnSpc>
+                  <a:spcBef>
+                    <a:spcPts val="500"/>
+                  </a:spcBef>
+                  <a:buFont typeface="Arial" panose="020B0604020202020204" pitchFamily="34" charset="0"/>
+                  <a:buNone/>
+                  <a:defRPr sz="1600" kern="1200">
+                    <a:solidFill>
+                      <a:schemeClr val="tx1"/>
+                    </a:solidFill>
+                    <a:latin typeface="+mn-lt"/>
+                    <a:ea typeface="+mn-ea"/>
+                    <a:cs typeface="+mn-cs"/>
+                  </a:defRPr>
+                </a:lvl8pPr>
+                <a:lvl9pPr marL="3657600" indent="0" algn="ctr" defTabSz="914400" rtl="0" eaLnBrk="1" latinLnBrk="0" hangingPunct="1">
+                  <a:lnSpc>
+                    <a:spcPct val="90000"/>
+                  </a:lnSpc>
+                  <a:spcBef>
+                    <a:spcPts val="500"/>
+                  </a:spcBef>
+                  <a:buFont typeface="Arial" panose="020B0604020202020204" pitchFamily="34" charset="0"/>
+                  <a:buNone/>
+                  <a:defRPr sz="1600" kern="1200">
+                    <a:solidFill>
+                      <a:schemeClr val="tx1"/>
+                    </a:solidFill>
+                    <a:latin typeface="+mn-lt"/>
+                    <a:ea typeface="+mn-ea"/>
+                    <a:cs typeface="+mn-cs"/>
+                  </a:defRPr>
+                </a:lvl9pPr>
+              </a:lstStyle>
+              <a:p>
+                <a:pPr algn="l">
+                  <a:buFont typeface="Arial" panose="020B0604020202020204" pitchFamily="34" charset="0"/>
+                  <a:buChar char="•"/>
+                </a:pPr>
+                <a:r>
+                  <a:rPr lang="de-DE" sz="1800" b="1" dirty="0">
+                    <a:latin typeface="Times New Roman" panose="02020603050405020304" pitchFamily="18" charset="0"/>
+                    <a:cs typeface="Times New Roman" panose="02020603050405020304" pitchFamily="18" charset="0"/>
+                  </a:rPr>
+                  <a:t>Markov-Analyse Methode:</a:t>
+                </a:r>
+                <a:endParaRPr lang="de-DE" sz="1800" dirty="0">
+                  <a:latin typeface="Times New Roman" panose="02020603050405020304" pitchFamily="18" charset="0"/>
+                  <a:cs typeface="Times New Roman" panose="02020603050405020304" pitchFamily="18" charset="0"/>
+                </a:endParaRPr>
+              </a:p>
+              <a:p>
+                <a:pPr marL="742950" lvl="1" indent="-285750" algn="l">
+                  <a:buFont typeface="Arial" panose="020B0604020202020204" pitchFamily="34" charset="0"/>
+                  <a:buChar char="•"/>
+                </a:pPr>
+                <a:r>
+                  <a:rPr lang="de-DE" sz="1800" dirty="0">
+                    <a:latin typeface="Times New Roman" panose="02020603050405020304" pitchFamily="18" charset="0"/>
+                    <a:cs typeface="Times New Roman" panose="02020603050405020304" pitchFamily="18" charset="0"/>
+                  </a:rPr>
+                  <a:t>Angewendet am Rheinmetall-Unternehmen.</a:t>
+                </a:r>
+              </a:p>
+              <a:p>
+                <a:pPr marL="742950" lvl="1" indent="-285750" algn="l">
+                  <a:buFont typeface="Arial" panose="020B0604020202020204" pitchFamily="34" charset="0"/>
+                  <a:buChar char="•"/>
+                </a:pPr>
+                <a:r>
+                  <a:rPr lang="de-DE" sz="1800" dirty="0">
+                    <a:latin typeface="Times New Roman" panose="02020603050405020304" pitchFamily="18" charset="0"/>
+                    <a:cs typeface="Times New Roman" panose="02020603050405020304" pitchFamily="18" charset="0"/>
+                  </a:rPr>
+                  <a:t>Modelliert Ausfallwahrscheinlichkeiten, Zustandsänderungen, Ausfallraten und Reparaturraten.</a:t>
+                </a:r>
+              </a:p>
+              <a:p>
+                <a:pPr marL="742950" lvl="1" indent="-285750" algn="l">
+                  <a:buFont typeface="Arial" panose="020B0604020202020204" pitchFamily="34" charset="0"/>
+                  <a:buChar char="•"/>
+                </a:pPr>
+                <a:r>
+                  <a:rPr lang="de-DE" sz="1800" dirty="0">
+                    <a:latin typeface="Times New Roman" panose="02020603050405020304" pitchFamily="18" charset="0"/>
+                    <a:cs typeface="Times New Roman" panose="02020603050405020304" pitchFamily="18" charset="0"/>
+                  </a:rPr>
+                  <a:t>Quantitatives Analyseverfahren mit grafischen Modellen für mögliche Systemzustände.</a:t>
+                </a:r>
+              </a:p>
+              <a:p>
+                <a:pPr algn="l">
+                  <a:buFont typeface="Arial" panose="020B0604020202020204" pitchFamily="34" charset="0"/>
+                  <a:buChar char="•"/>
+                </a:pPr>
+                <a:r>
+                  <a:rPr lang="de-DE" sz="1800" b="1" dirty="0">
+                    <a:latin typeface="Times New Roman" panose="02020603050405020304" pitchFamily="18" charset="0"/>
+                    <a:cs typeface="Times New Roman" panose="02020603050405020304" pitchFamily="18" charset="0"/>
+                  </a:rPr>
+                  <a:t>Experteninterviews:</a:t>
+                </a:r>
+                <a:endParaRPr lang="de-DE" sz="1800" dirty="0">
+                  <a:latin typeface="Times New Roman" panose="02020603050405020304" pitchFamily="18" charset="0"/>
+                  <a:cs typeface="Times New Roman" panose="02020603050405020304" pitchFamily="18" charset="0"/>
+                </a:endParaRPr>
+              </a:p>
+              <a:p>
+                <a:pPr marL="742950" lvl="1" indent="-285750" algn="l">
+                  <a:buFont typeface="Arial" panose="020B0604020202020204" pitchFamily="34" charset="0"/>
+                  <a:buChar char="•"/>
+                </a:pPr>
+                <a:r>
+                  <a:rPr lang="de-DE" sz="1800" dirty="0">
+                    <a:latin typeface="Times New Roman" panose="02020603050405020304" pitchFamily="18" charset="0"/>
+                    <a:cs typeface="Times New Roman" panose="02020603050405020304" pitchFamily="18" charset="0"/>
+                  </a:rPr>
+                  <a:t>Effiziente Methode zur Identifikation potenzieller Risiken.</a:t>
+                </a:r>
+              </a:p>
+              <a:p>
+                <a:pPr marL="742950" lvl="1" indent="-285750" algn="l">
+                  <a:buFont typeface="Arial" panose="020B0604020202020204" pitchFamily="34" charset="0"/>
+                  <a:buChar char="•"/>
+                </a:pPr>
+                <a:r>
+                  <a:rPr lang="de-DE" sz="1800" dirty="0">
+                    <a:latin typeface="Times New Roman" panose="02020603050405020304" pitchFamily="18" charset="0"/>
+                    <a:cs typeface="Times New Roman" panose="02020603050405020304" pitchFamily="18" charset="0"/>
+                  </a:rPr>
+                  <a:t>Direkter Austausch mit Experten </a:t>
+                </a:r>
+                <a14:m>
+                  <m:oMath xmlns:m="http://schemas.openxmlformats.org/officeDocument/2006/math">
+                    <m:r>
+                      <a:rPr lang="de-DE" smtClean="0">
+                        <a:latin typeface="Cambria Math" panose="02040503050406030204" pitchFamily="18" charset="0"/>
+                      </a:rPr>
+                      <m:t>⇒</m:t>
+                    </m:r>
+                    <m:r>
+                      <a:rPr lang="de-DE" i="1" smtClean="0">
+                        <a:latin typeface="Cambria Math" panose="02040503050406030204" pitchFamily="18" charset="0"/>
+                      </a:rPr>
+                      <m:t> </m:t>
+                    </m:r>
+                  </m:oMath>
+                </a14:m>
+                <a:r>
+                  <a:rPr lang="de-DE" sz="1800" dirty="0">
+                    <a:latin typeface="Times New Roman" panose="02020603050405020304" pitchFamily="18" charset="0"/>
+                    <a:cs typeface="Times New Roman" panose="02020603050405020304" pitchFamily="18" charset="0"/>
+                  </a:rPr>
+                  <a:t>schnelle Datenerfassung.</a:t>
+                </a:r>
+              </a:p>
+              <a:p>
+                <a:pPr marL="742950" lvl="1" indent="-285750" algn="l">
+                  <a:buFont typeface="Arial" panose="020B0604020202020204" pitchFamily="34" charset="0"/>
+                  <a:buChar char="•"/>
+                </a:pPr>
+                <a:r>
+                  <a:rPr lang="de-DE" sz="1800" dirty="0">
+                    <a:latin typeface="Times New Roman" panose="02020603050405020304" pitchFamily="18" charset="0"/>
+                    <a:cs typeface="Times New Roman" panose="02020603050405020304" pitchFamily="18" charset="0"/>
+                  </a:rPr>
+                  <a:t>Effektive Erkennung potenzieller Risiken im Vergleich zu rein analytischen oder kreativen Ansätzen.</a:t>
+                </a:r>
+              </a:p>
+              <a:p>
+                <a:pPr algn="l"/>
+                <a:endParaRPr lang="de-DE" sz="1800" dirty="0">
+                  <a:latin typeface="Times New Roman" panose="02020603050405020304" pitchFamily="18" charset="0"/>
+                  <a:cs typeface="Times New Roman" panose="02020603050405020304" pitchFamily="18" charset="0"/>
+                </a:endParaRPr>
+              </a:p>
+            </p:txBody>
+          </p:sp>
+        </mc:Choice>
+        <mc:Fallback>
+          <p:sp>
+            <p:nvSpPr>
+              <p:cNvPr id="2" name="Inhaltsplatzhalter 2">
+                <a:extLst>
+                  <a:ext uri="{FF2B5EF4-FFF2-40B4-BE49-F238E27FC236}">
+                    <a16:creationId xmlns:a16="http://schemas.microsoft.com/office/drawing/2014/main" id="{50A1AE0F-65CE-20A2-1A1F-9A2F7B65D2C4}"/>
+                  </a:ext>
+                </a:extLst>
+              </p:cNvPr>
+              <p:cNvSpPr txBox="1">
+                <a:spLocks noRot="1" noChangeAspect="1" noMove="1" noResize="1" noEditPoints="1" noAdjustHandles="1" noChangeArrowheads="1" noChangeShapeType="1" noTextEdit="1"/>
+              </p:cNvSpPr>
+              <p:nvPr/>
+            </p:nvSpPr>
+            <p:spPr>
+              <a:xfrm>
+                <a:off x="838200" y="1825625"/>
+                <a:ext cx="10515600" cy="4351338"/>
+              </a:xfrm>
+              <a:prstGeom prst="rect">
+                <a:avLst/>
+              </a:prstGeom>
+              <a:blipFill>
+                <a:blip r:embed="rId5"/>
+                <a:stretch>
+                  <a:fillRect l="-406" t="-1261"/>
+                </a:stretch>
+              </a:blipFill>
+            </p:spPr>
+            <p:txBody>
+              <a:bodyPr/>
+              <a:lstStyle/>
+              <a:p>
+                <a:r>
+                  <a:rPr lang="de-DE">
+                    <a:noFill/>
+                  </a:rPr>
+                  <a:t> </a:t>
+                </a:r>
+              </a:p>
+            </p:txBody>
+          </p:sp>
+        </mc:Fallback>
+      </mc:AlternateContent>
+    </p:spTree>
+    <p:extLst>
+      <p:ext uri="{BB962C8B-B14F-4D97-AF65-F5344CB8AC3E}">
+        <p14:creationId xmlns:p14="http://schemas.microsoft.com/office/powerpoint/2010/main" val="1572536756"/>
+      </p:ext>
+    </p:extLst>
+  </p:cSld>
+  <p:clrMapOvr>
+    <a:masterClrMapping/>
+  </p:clrMapOvr>
+</p:sld>
+</file>
+
+<file path=ppt/slides/slide19.xml><?xml version="1.0" encoding="utf-8"?>
+<p:sld xmlns:a="http://schemas.openxmlformats.org/drawingml/2006/main" xmlns:r="http://schemas.openxmlformats.org/officeDocument/2006/relationships" xmlns:p="http://schemas.openxmlformats.org/presentationml/2006/main">
+  <p:cSld>
+    <p:spTree>
+      <p:nvGrpSpPr>
+        <p:cNvPr id="1" name=""/>
+        <p:cNvGrpSpPr/>
+        <p:nvPr/>
+      </p:nvGrpSpPr>
+      <p:grpSpPr>
+        <a:xfrm>
+          <a:off x="0" y="0"/>
+          <a:ext cx="0" cy="0"/>
+          <a:chOff x="0" y="0"/>
+          <a:chExt cx="0" cy="0"/>
+        </a:xfrm>
+      </p:grpSpPr>
+      <p:pic>
+        <p:nvPicPr>
+          <p:cNvPr id="4" name="Graphic 1">
+            <a:extLst>
+              <a:ext uri="{FF2B5EF4-FFF2-40B4-BE49-F238E27FC236}">
+                <a16:creationId xmlns:a16="http://schemas.microsoft.com/office/drawing/2014/main" id="{D4E2A8A5-7B9A-9FCE-2C0C-40115BB72542}"/>
+              </a:ext>
+            </a:extLst>
+          </p:cNvPr>
+          <p:cNvPicPr>
+            <a:picLocks noChangeAspect="1"/>
+          </p:cNvPicPr>
+          <p:nvPr/>
+        </p:nvPicPr>
+        <p:blipFill>
+          <a:blip r:embed="rId3">
+            <a:extLst>
+              <a:ext uri="{28A0092B-C50C-407E-A947-70E740481C1C}">
+                <a14:useLocalDpi xmlns:a14="http://schemas.microsoft.com/office/drawing/2010/main" val="0"/>
+              </a:ext>
+              <a:ext uri="{96DAC541-7B7A-43D3-8B79-37D633B846F1}">
+                <asvg:svgBlip xmlns:asvg="http://schemas.microsoft.com/office/drawing/2016/SVG/main" r:embed="rId4"/>
+              </a:ext>
+            </a:extLst>
+          </a:blip>
+          <a:stretch>
+            <a:fillRect/>
+          </a:stretch>
+        </p:blipFill>
+        <p:spPr>
+          <a:xfrm>
+            <a:off x="160961" y="133521"/>
+            <a:ext cx="2371620" cy="485811"/>
+          </a:xfrm>
+          <a:prstGeom prst="rect">
+            <a:avLst/>
+          </a:prstGeom>
+        </p:spPr>
+      </p:pic>
+      <p:sp>
+        <p:nvSpPr>
+          <p:cNvPr id="6" name="TextBox 5">
+            <a:extLst>
+              <a:ext uri="{FF2B5EF4-FFF2-40B4-BE49-F238E27FC236}">
+                <a16:creationId xmlns:a16="http://schemas.microsoft.com/office/drawing/2014/main" id="{4BF11305-FC23-954B-7998-B1257FEE9257}"/>
+              </a:ext>
+            </a:extLst>
+          </p:cNvPr>
+          <p:cNvSpPr txBox="1"/>
+          <p:nvPr/>
+        </p:nvSpPr>
+        <p:spPr>
+          <a:xfrm>
+            <a:off x="66782" y="6529608"/>
+            <a:ext cx="10986501" cy="230832"/>
+          </a:xfrm>
+          <a:prstGeom prst="rect">
+            <a:avLst/>
+          </a:prstGeom>
+          <a:noFill/>
+        </p:spPr>
+        <p:txBody>
+          <a:bodyPr wrap="square">
+            <a:spAutoFit/>
+          </a:bodyPr>
+          <a:lstStyle/>
+          <a:p>
+            <a:r>
+              <a:rPr lang="de-DE" sz="900" dirty="0"/>
+              <a:t>Markov-Analyse &amp; Interview| WiSe 2023/24 I Hochschule Bielefeld I Linus Langenkamp, Jolan Eggers, Nicolas Schneider, Redouane Kabouchi I 03.11.2023 I Seite </a:t>
+            </a:r>
+            <a:fld id="{8665FA59-C0FE-4AB6-AD99-2451632B0EBE}" type="slidenum">
+              <a:rPr lang="de-DE" sz="900" smtClean="0"/>
+              <a:t>19</a:t>
             </a:fld>
             <a:endParaRPr lang="de-DE" sz="900" dirty="0"/>
           </a:p>
@@ -10338,6 +11981,19 @@
               <a:t>https://www.datacamp.com/tutorial/markov-chains-python-tutorial</a:t>
             </a:r>
           </a:p>
+          <a:p>
+            <a:pPr algn="l">
+              <a:buFont typeface="Arial" panose="020B0604020202020204" pitchFamily="34" charset="0"/>
+              <a:buChar char="•"/>
+            </a:pPr>
+            <a:r>
+              <a:rPr lang="de-DE" sz="2000" dirty="0">
+                <a:latin typeface="Times New Roman" panose="02020603050405020304" pitchFamily="18" charset="0"/>
+                <a:cs typeface="Times New Roman" panose="02020603050405020304" pitchFamily="18" charset="0"/>
+              </a:rPr>
+              <a:t>https://mathshistory.st-andrews.ac.uk/Biographies/Markov/</a:t>
+            </a:r>
+          </a:p>
         </p:txBody>
       </p:sp>
     </p:spTree>
@@ -10532,7 +12188,7 @@
         <p:spPr>
           <a:xfrm>
             <a:off x="1191946" y="1819585"/>
-            <a:ext cx="5615704" cy="2416046"/>
+            <a:ext cx="5192447" cy="2416046"/>
           </a:xfrm>
           <a:prstGeom prst="rect">
             <a:avLst/>
@@ -10555,7 +12211,7 @@
                 <a:latin typeface="Times New Roman" panose="02020603050405020304" pitchFamily="18" charset="0"/>
                 <a:cs typeface="Times New Roman" panose="02020603050405020304" pitchFamily="18" charset="0"/>
               </a:rPr>
-              <a:t>1	Ziele und Allgemeines	</a:t>
+              <a:t>1	Allgemeines	</a:t>
             </a:r>
           </a:p>
           <a:p>
@@ -10569,7 +12225,7 @@
                 <a:latin typeface="Times New Roman" panose="02020603050405020304" pitchFamily="18" charset="0"/>
                 <a:cs typeface="Times New Roman" panose="02020603050405020304" pitchFamily="18" charset="0"/>
               </a:rPr>
-              <a:t>2	Gesetzliche Rahmenbedingungen</a:t>
+              <a:t>2	Markov Kette - Modellierungskomponenten</a:t>
             </a:r>
           </a:p>
           <a:p>
@@ -10583,7 +12239,7 @@
                 <a:latin typeface="Times New Roman" panose="02020603050405020304" pitchFamily="18" charset="0"/>
                 <a:cs typeface="Times New Roman" panose="02020603050405020304" pitchFamily="18" charset="0"/>
               </a:rPr>
-              <a:t>3	Übersicht der Risiken	</a:t>
+              <a:t>3	Anwendungsbeispiele	</a:t>
             </a:r>
           </a:p>
           <a:p>
@@ -10597,7 +12253,7 @@
                 <a:latin typeface="Times New Roman" panose="02020603050405020304" pitchFamily="18" charset="0"/>
                 <a:cs typeface="Times New Roman" panose="02020603050405020304" pitchFamily="18" charset="0"/>
               </a:rPr>
-              <a:t>4	Einordung in das Allianz Risikobarometers 2023</a:t>
+              <a:t>4	Stärken und Grenzen</a:t>
             </a:r>
           </a:p>
           <a:p>
@@ -10612,7 +12268,7 @@
                 <a:latin typeface="Times New Roman" panose="02020603050405020304" pitchFamily="18" charset="0"/>
                 <a:cs typeface="Times New Roman" panose="02020603050405020304" pitchFamily="18" charset="0"/>
               </a:rPr>
-              <a:t>          Risikomanagementansätze	</a:t>
+              <a:t>          Rheinmetall Analyse</a:t>
             </a:r>
           </a:p>
           <a:p>
@@ -10627,7 +12283,7 @@
                 <a:latin typeface="Times New Roman" panose="02020603050405020304" pitchFamily="18" charset="0"/>
                 <a:cs typeface="Times New Roman" panose="02020603050405020304" pitchFamily="18" charset="0"/>
               </a:rPr>
-              <a:t>          Kursanalyse</a:t>
+              <a:t>          Interview</a:t>
             </a:r>
           </a:p>
           <a:p>
@@ -10641,7 +12297,7 @@
                 <a:latin typeface="Times New Roman" panose="02020603050405020304" pitchFamily="18" charset="0"/>
                 <a:cs typeface="Times New Roman" panose="02020603050405020304" pitchFamily="18" charset="0"/>
               </a:rPr>
-              <a:t>7	Quellen	</a:t>
+              <a:t>7	Fazit	</a:t>
             </a:r>
           </a:p>
         </p:txBody>
@@ -11133,103 +12789,652 @@
           <a:chExt cx="0" cy="0"/>
         </a:xfrm>
       </p:grpSpPr>
-      <p:sp>
-        <p:nvSpPr>
-          <p:cNvPr id="2" name="Titel 1">
+      <p:pic>
+        <p:nvPicPr>
+          <p:cNvPr id="4" name="Graphic 1">
             <a:extLst>
               <a:ext uri="{FF2B5EF4-FFF2-40B4-BE49-F238E27FC236}">
-                <a16:creationId xmlns:a16="http://schemas.microsoft.com/office/drawing/2014/main" id="{3C86BE44-1295-0A48-98DC-2D9207738F16}"/>
+                <a16:creationId xmlns:a16="http://schemas.microsoft.com/office/drawing/2014/main" id="{D4E2A8A5-7B9A-9FCE-2C0C-40115BB72542}"/>
               </a:ext>
             </a:extLst>
           </p:cNvPr>
-          <p:cNvSpPr>
-            <a:spLocks noGrp="1"/>
+          <p:cNvPicPr>
+            <a:picLocks noChangeAspect="1"/>
+          </p:cNvPicPr>
+          <p:nvPr/>
+        </p:nvPicPr>
+        <p:blipFill>
+          <a:blip r:embed="rId3">
+            <a:extLst>
+              <a:ext uri="{28A0092B-C50C-407E-A947-70E740481C1C}">
+                <a14:useLocalDpi xmlns:a14="http://schemas.microsoft.com/office/drawing/2010/main" val="0"/>
+              </a:ext>
+              <a:ext uri="{96DAC541-7B7A-43D3-8B79-37D633B846F1}">
+                <asvg:svgBlip xmlns:asvg="http://schemas.microsoft.com/office/drawing/2016/SVG/main" r:embed="rId4"/>
+              </a:ext>
+            </a:extLst>
+          </a:blip>
+          <a:stretch>
+            <a:fillRect/>
+          </a:stretch>
+        </p:blipFill>
+        <p:spPr>
+          <a:xfrm>
+            <a:off x="160961" y="133521"/>
+            <a:ext cx="2371620" cy="485811"/>
+          </a:xfrm>
+          <a:prstGeom prst="rect">
+            <a:avLst/>
+          </a:prstGeom>
+        </p:spPr>
+      </p:pic>
+      <p:sp>
+        <p:nvSpPr>
+          <p:cNvPr id="6" name="TextBox 5">
+            <a:extLst>
+              <a:ext uri="{FF2B5EF4-FFF2-40B4-BE49-F238E27FC236}">
+                <a16:creationId xmlns:a16="http://schemas.microsoft.com/office/drawing/2014/main" id="{4BF11305-FC23-954B-7998-B1257FEE9257}"/>
+              </a:ext>
+            </a:extLst>
+          </p:cNvPr>
+          <p:cNvSpPr txBox="1"/>
+          <p:nvPr/>
+        </p:nvSpPr>
+        <p:spPr>
+          <a:xfrm>
+            <a:off x="66782" y="6529608"/>
+            <a:ext cx="10986501" cy="230832"/>
+          </a:xfrm>
+          <a:prstGeom prst="rect">
+            <a:avLst/>
+          </a:prstGeom>
+          <a:noFill/>
+        </p:spPr>
+        <p:txBody>
+          <a:bodyPr wrap="square">
+            <a:spAutoFit/>
+          </a:bodyPr>
+          <a:lstStyle/>
+          <a:p>
+            <a:r>
+              <a:rPr lang="de-DE" sz="900" dirty="0"/>
+              <a:t>Markov-Analyse &amp; Interview| WiSe 2023/24 I Hochschule Bielefeld I Linus Langenkamp, Jolan Eggers, Nicolas Schneider, Redouane Kabouchi I 03.11.2023 I Seite </a:t>
+            </a:r>
+            <a:fld id="{8665FA59-C0FE-4AB6-AD99-2451632B0EBE}" type="slidenum">
+              <a:rPr lang="de-DE" sz="900" smtClean="0"/>
+              <a:t>3</a:t>
+            </a:fld>
+            <a:endParaRPr lang="de-DE" sz="900" dirty="0"/>
+          </a:p>
+        </p:txBody>
+      </p:sp>
+      <p:sp>
+        <p:nvSpPr>
+          <p:cNvPr id="7" name="Title 1">
+            <a:extLst>
+              <a:ext uri="{FF2B5EF4-FFF2-40B4-BE49-F238E27FC236}">
+                <a16:creationId xmlns:a16="http://schemas.microsoft.com/office/drawing/2014/main" id="{C134D3AA-85CE-FCC6-6499-8202E6096899}"/>
+              </a:ext>
+            </a:extLst>
+          </p:cNvPr>
+          <p:cNvSpPr txBox="1">
+            <a:spLocks/>
           </p:cNvSpPr>
-          <p:nvPr>
-            <p:ph type="title"/>
-          </p:nvPr>
-        </p:nvSpPr>
-        <p:spPr/>
-        <p:txBody>
-          <a:bodyPr/>
+          <p:nvPr/>
+        </p:nvSpPr>
+        <p:spPr>
+          <a:xfrm>
+            <a:off x="738026" y="912189"/>
+            <a:ext cx="9144000" cy="626836"/>
+          </a:xfrm>
+          <a:prstGeom prst="rect">
+            <a:avLst/>
+          </a:prstGeom>
+        </p:spPr>
+        <p:txBody>
+          <a:bodyPr vert="horz" lIns="91440" tIns="45720" rIns="91440" bIns="45720" rtlCol="0" anchor="b">
+            <a:normAutofit/>
+          </a:bodyPr>
+          <a:lstStyle>
+            <a:lvl1pPr algn="ctr" defTabSz="914400" rtl="0" eaLnBrk="1" latinLnBrk="0" hangingPunct="1">
+              <a:lnSpc>
+                <a:spcPct val="90000"/>
+              </a:lnSpc>
+              <a:spcBef>
+                <a:spcPct val="0"/>
+              </a:spcBef>
+              <a:buNone/>
+              <a:defRPr sz="6000" kern="1200">
+                <a:solidFill>
+                  <a:schemeClr val="tx1"/>
+                </a:solidFill>
+                <a:latin typeface="+mj-lt"/>
+                <a:ea typeface="+mj-ea"/>
+                <a:cs typeface="+mj-cs"/>
+              </a:defRPr>
+            </a:lvl1pPr>
+          </a:lstStyle>
+          <a:p>
+            <a:pPr algn="l">
+              <a:lnSpc>
+                <a:spcPct val="100000"/>
+              </a:lnSpc>
+              <a:spcAft>
+                <a:spcPts val="600"/>
+              </a:spcAft>
+            </a:pPr>
+            <a:r>
+              <a:rPr lang="de-DE" sz="2800" b="1" dirty="0">
+                <a:latin typeface="Times New Roman" panose="02020603050405020304" pitchFamily="18" charset="0"/>
+                <a:cs typeface="Times New Roman" panose="02020603050405020304" pitchFamily="18" charset="0"/>
+              </a:rPr>
+              <a:t>Allgemeines</a:t>
+            </a:r>
+            <a:endParaRPr lang="de-DE" sz="2800" dirty="0"/>
+          </a:p>
+        </p:txBody>
+      </p:sp>
+      <p:sp>
+        <p:nvSpPr>
+          <p:cNvPr id="8" name="TextBox 2">
+            <a:extLst>
+              <a:ext uri="{FF2B5EF4-FFF2-40B4-BE49-F238E27FC236}">
+                <a16:creationId xmlns:a16="http://schemas.microsoft.com/office/drawing/2014/main" id="{DC86CE57-9642-5F34-2463-5FA850BE707A}"/>
+              </a:ext>
+            </a:extLst>
+          </p:cNvPr>
+          <p:cNvSpPr txBox="1"/>
+          <p:nvPr/>
+        </p:nvSpPr>
+        <p:spPr>
+          <a:xfrm>
+            <a:off x="1191946" y="1819585"/>
+            <a:ext cx="7019870" cy="1733808"/>
+          </a:xfrm>
+          <a:prstGeom prst="rect">
+            <a:avLst/>
+          </a:prstGeom>
+          <a:noFill/>
+        </p:spPr>
+        <p:txBody>
+          <a:bodyPr wrap="none" rtlCol="0">
+            <a:spAutoFit/>
+          </a:bodyPr>
           <a:lstStyle/>
           <a:p>
-            <a:r>
-              <a:rPr lang="de-DE"/>
-              <a:t>Allgemeines</a:t>
-            </a:r>
-            <a:endParaRPr lang="de-DE" dirty="0"/>
-          </a:p>
-        </p:txBody>
-      </p:sp>
-      <p:sp>
-        <p:nvSpPr>
-          <p:cNvPr id="3" name="Inhaltsplatzhalter 2">
+            <a:pPr marL="285750" indent="-285750">
+              <a:spcAft>
+                <a:spcPts val="500"/>
+              </a:spcAft>
+              <a:buFont typeface="Arial" panose="020B0604020202020204" pitchFamily="34" charset="0"/>
+              <a:buChar char="•"/>
+            </a:pPr>
+            <a:r>
+              <a:rPr lang="de-DE" dirty="0">
+                <a:latin typeface="Times New Roman" panose="02020603050405020304" pitchFamily="18" charset="0"/>
+                <a:cs typeface="Times New Roman" panose="02020603050405020304" pitchFamily="18" charset="0"/>
+              </a:rPr>
+              <a:t>Benannt nach dem Mathematiker Andrei Markow (1856-1922).</a:t>
+            </a:r>
+          </a:p>
+          <a:p>
+            <a:pPr marL="285750" indent="-285750">
+              <a:spcAft>
+                <a:spcPts val="500"/>
+              </a:spcAft>
+              <a:buFont typeface="Arial" panose="020B0604020202020204" pitchFamily="34" charset="0"/>
+              <a:buChar char="•"/>
+            </a:pPr>
+            <a:r>
+              <a:rPr lang="de-DE" dirty="0">
+                <a:latin typeface="Times New Roman" panose="02020603050405020304" pitchFamily="18" charset="0"/>
+                <a:cs typeface="Times New Roman" panose="02020603050405020304" pitchFamily="18" charset="0"/>
+              </a:rPr>
+              <a:t>Anwendung im Risikomanagement.</a:t>
+            </a:r>
+          </a:p>
+          <a:p>
+            <a:pPr marL="285750" indent="-285750">
+              <a:spcAft>
+                <a:spcPts val="500"/>
+              </a:spcAft>
+              <a:buFont typeface="Arial" panose="020B0604020202020204" pitchFamily="34" charset="0"/>
+              <a:buChar char="•"/>
+            </a:pPr>
+            <a:r>
+              <a:rPr lang="de-DE" dirty="0">
+                <a:latin typeface="Times New Roman" panose="02020603050405020304" pitchFamily="18" charset="0"/>
+                <a:cs typeface="Times New Roman" panose="02020603050405020304" pitchFamily="18" charset="0"/>
+              </a:rPr>
+              <a:t>Markov-Prozess als Grundlage für Verlässlichkeitsprüfung</a:t>
+            </a:r>
+          </a:p>
+          <a:p>
+            <a:pPr marL="285750" indent="-285750">
+              <a:spcAft>
+                <a:spcPts val="500"/>
+              </a:spcAft>
+              <a:buFont typeface="Arial" panose="020B0604020202020204" pitchFamily="34" charset="0"/>
+              <a:buChar char="•"/>
+            </a:pPr>
+            <a:r>
+              <a:rPr lang="de-DE" dirty="0">
+                <a:latin typeface="Times New Roman" panose="02020603050405020304" pitchFamily="18" charset="0"/>
+                <a:cs typeface="Times New Roman" panose="02020603050405020304" pitchFamily="18" charset="0"/>
+              </a:rPr>
+              <a:t>Modellierung in Form einer Markov-Kette</a:t>
+            </a:r>
+          </a:p>
+          <a:p>
+            <a:pPr marL="285750" indent="-285750">
+              <a:spcAft>
+                <a:spcPts val="500"/>
+              </a:spcAft>
+              <a:buFont typeface="Arial" panose="020B0604020202020204" pitchFamily="34" charset="0"/>
+              <a:buChar char="•"/>
+            </a:pPr>
+            <a:r>
+              <a:rPr lang="de-DE" dirty="0">
+                <a:latin typeface="Times New Roman" panose="02020603050405020304" pitchFamily="18" charset="0"/>
+                <a:cs typeface="Times New Roman" panose="02020603050405020304" pitchFamily="18" charset="0"/>
+              </a:rPr>
+              <a:t>Beschreibung der zeitlichen Entwicklung von Objekten oder Systemen</a:t>
+            </a:r>
+          </a:p>
+        </p:txBody>
+      </p:sp>
+      <p:pic>
+        <p:nvPicPr>
+          <p:cNvPr id="1026" name="Picture 2">
             <a:extLst>
               <a:ext uri="{FF2B5EF4-FFF2-40B4-BE49-F238E27FC236}">
-                <a16:creationId xmlns:a16="http://schemas.microsoft.com/office/drawing/2014/main" id="{EE51F621-BB4D-68DB-FD71-4AE1A41A7894}"/>
+                <a16:creationId xmlns:a16="http://schemas.microsoft.com/office/drawing/2014/main" id="{8E278B5C-4337-92B8-98BE-7D52F5083F15}"/>
               </a:ext>
             </a:extLst>
           </p:cNvPr>
-          <p:cNvSpPr>
-            <a:spLocks noGrp="1"/>
-          </p:cNvSpPr>
-          <p:nvPr>
-            <p:ph idx="1"/>
-          </p:nvPr>
-        </p:nvSpPr>
-        <p:spPr/>
-        <p:txBody>
-          <a:bodyPr/>
-          <a:lstStyle/>
-          <a:p>
-            <a:r>
-              <a:rPr lang="de-DE" dirty="0"/>
-              <a:t>Benannt nach dem Mathematiker Andrei Markow (1856-1922).</a:t>
-            </a:r>
-          </a:p>
-          <a:p>
-            <a:r>
-              <a:rPr lang="de-DE" dirty="0"/>
-              <a:t>Anwendung im Risikomanagement.</a:t>
-            </a:r>
-          </a:p>
-          <a:p>
-            <a:r>
-              <a:rPr lang="de-DE" dirty="0"/>
-              <a:t>Markov-Prozess als Grundlage für Verlässlichkeitsprüfung</a:t>
-            </a:r>
-          </a:p>
-          <a:p>
-            <a:r>
-              <a:rPr lang="de-DE" dirty="0"/>
-              <a:t>Modellierung in Form einer Markov-Kette</a:t>
-            </a:r>
-          </a:p>
-          <a:p>
-            <a:r>
-              <a:rPr lang="de-DE" dirty="0"/>
-              <a:t>Beschreibung der zeitlichen Entwicklung von Objekten oder Systemen</a:t>
-            </a:r>
-          </a:p>
-          <a:p>
-            <a:pPr marL="0" indent="0">
-              <a:buNone/>
-            </a:pPr>
-            <a:endParaRPr lang="de-DE" dirty="0"/>
-          </a:p>
-        </p:txBody>
-      </p:sp>
+          <p:cNvPicPr>
+            <a:picLocks noChangeAspect="1" noChangeArrowheads="1"/>
+          </p:cNvPicPr>
+          <p:nvPr/>
+        </p:nvPicPr>
+        <p:blipFill>
+          <a:blip r:embed="rId5">
+            <a:extLst>
+              <a:ext uri="{28A0092B-C50C-407E-A947-70E740481C1C}">
+                <a14:useLocalDpi xmlns:a14="http://schemas.microsoft.com/office/drawing/2010/main" val="0"/>
+              </a:ext>
+            </a:extLst>
+          </a:blip>
+          <a:srcRect/>
+          <a:stretch>
+            <a:fillRect/>
+          </a:stretch>
+        </p:blipFill>
+        <p:spPr bwMode="auto">
+          <a:xfrm>
+            <a:off x="9211541" y="1539025"/>
+            <a:ext cx="2095500" cy="2724150"/>
+          </a:xfrm>
+          <a:prstGeom prst="rect">
+            <a:avLst/>
+          </a:prstGeom>
+          <a:noFill/>
+          <a:extLst>
+            <a:ext uri="{909E8E84-426E-40DD-AFC4-6F175D3DCCD1}">
+              <a14:hiddenFill xmlns:a14="http://schemas.microsoft.com/office/drawing/2010/main">
+                <a:solidFill>
+                  <a:srgbClr val="FFFFFF"/>
+                </a:solidFill>
+              </a14:hiddenFill>
+            </a:ext>
+          </a:extLst>
+        </p:spPr>
+      </p:pic>
     </p:spTree>
     <p:extLst>
       <p:ext uri="{BB962C8B-B14F-4D97-AF65-F5344CB8AC3E}">
-        <p14:creationId xmlns:p14="http://schemas.microsoft.com/office/powerpoint/2010/main" val="3979397566"/>
+        <p14:creationId xmlns:p14="http://schemas.microsoft.com/office/powerpoint/2010/main" val="4250992279"/>
       </p:ext>
     </p:extLst>
   </p:cSld>
   <p:clrMapOvr>
     <a:masterClrMapping/>
   </p:clrMapOvr>
+  <p:timing>
+    <p:tnLst>
+      <p:par>
+        <p:cTn id="1" dur="indefinite" restart="never" nodeType="tmRoot">
+          <p:childTnLst>
+            <p:seq concurrent="1" nextAc="seek">
+              <p:cTn id="2" dur="indefinite" nodeType="mainSeq">
+                <p:childTnLst>
+                  <p:par>
+                    <p:cTn id="3" fill="hold">
+                      <p:stCondLst>
+                        <p:cond delay="indefinite"/>
+                      </p:stCondLst>
+                      <p:childTnLst>
+                        <p:par>
+                          <p:cTn id="4" fill="hold">
+                            <p:stCondLst>
+                              <p:cond delay="0"/>
+                            </p:stCondLst>
+                            <p:childTnLst>
+                              <p:par>
+                                <p:cTn id="5" presetID="10" presetClass="entr" presetSubtype="0" fill="hold" nodeType="clickEffect">
+                                  <p:stCondLst>
+                                    <p:cond delay="0"/>
+                                  </p:stCondLst>
+                                  <p:childTnLst>
+                                    <p:set>
+                                      <p:cBhvr>
+                                        <p:cTn id="6" dur="1" fill="hold">
+                                          <p:stCondLst>
+                                            <p:cond delay="0"/>
+                                          </p:stCondLst>
+                                        </p:cTn>
+                                        <p:tgtEl>
+                                          <p:spTgt spid="8">
+                                            <p:txEl>
+                                              <p:pRg st="0" end="0"/>
+                                            </p:txEl>
+                                          </p:spTgt>
+                                        </p:tgtEl>
+                                        <p:attrNameLst>
+                                          <p:attrName>style.visibility</p:attrName>
+                                        </p:attrNameLst>
+                                      </p:cBhvr>
+                                      <p:to>
+                                        <p:strVal val="visible"/>
+                                      </p:to>
+                                    </p:set>
+                                    <p:animEffect transition="in" filter="fade">
+                                      <p:cBhvr>
+                                        <p:cTn id="7" dur="500"/>
+                                        <p:tgtEl>
+                                          <p:spTgt spid="8">
+                                            <p:txEl>
+                                              <p:pRg st="0" end="0"/>
+                                            </p:txEl>
+                                          </p:spTgt>
+                                        </p:tgtEl>
+                                      </p:cBhvr>
+                                    </p:animEffect>
+                                  </p:childTnLst>
+                                </p:cTn>
+                              </p:par>
+                            </p:childTnLst>
+                          </p:cTn>
+                        </p:par>
+                      </p:childTnLst>
+                    </p:cTn>
+                  </p:par>
+                  <p:par>
+                    <p:cTn id="8" fill="hold">
+                      <p:stCondLst>
+                        <p:cond delay="indefinite"/>
+                      </p:stCondLst>
+                      <p:childTnLst>
+                        <p:par>
+                          <p:cTn id="9" fill="hold">
+                            <p:stCondLst>
+                              <p:cond delay="0"/>
+                            </p:stCondLst>
+                            <p:childTnLst>
+                              <p:par>
+                                <p:cTn id="10" presetID="10" presetClass="entr" presetSubtype="0" fill="hold" nodeType="clickEffect">
+                                  <p:stCondLst>
+                                    <p:cond delay="0"/>
+                                  </p:stCondLst>
+                                  <p:childTnLst>
+                                    <p:set>
+                                      <p:cBhvr>
+                                        <p:cTn id="11" dur="1" fill="hold">
+                                          <p:stCondLst>
+                                            <p:cond delay="0"/>
+                                          </p:stCondLst>
+                                        </p:cTn>
+                                        <p:tgtEl>
+                                          <p:spTgt spid="8">
+                                            <p:txEl>
+                                              <p:pRg st="1" end="1"/>
+                                            </p:txEl>
+                                          </p:spTgt>
+                                        </p:tgtEl>
+                                        <p:attrNameLst>
+                                          <p:attrName>style.visibility</p:attrName>
+                                        </p:attrNameLst>
+                                      </p:cBhvr>
+                                      <p:to>
+                                        <p:strVal val="visible"/>
+                                      </p:to>
+                                    </p:set>
+                                    <p:animEffect transition="in" filter="fade">
+                                      <p:cBhvr>
+                                        <p:cTn id="12" dur="500"/>
+                                        <p:tgtEl>
+                                          <p:spTgt spid="8">
+                                            <p:txEl>
+                                              <p:pRg st="1" end="1"/>
+                                            </p:txEl>
+                                          </p:spTgt>
+                                        </p:tgtEl>
+                                      </p:cBhvr>
+                                    </p:animEffect>
+                                  </p:childTnLst>
+                                </p:cTn>
+                              </p:par>
+                            </p:childTnLst>
+                          </p:cTn>
+                        </p:par>
+                      </p:childTnLst>
+                    </p:cTn>
+                  </p:par>
+                  <p:par>
+                    <p:cTn id="13" fill="hold">
+                      <p:stCondLst>
+                        <p:cond delay="indefinite"/>
+                      </p:stCondLst>
+                      <p:childTnLst>
+                        <p:par>
+                          <p:cTn id="14" fill="hold">
+                            <p:stCondLst>
+                              <p:cond delay="0"/>
+                            </p:stCondLst>
+                            <p:childTnLst>
+                              <p:par>
+                                <p:cTn id="15" presetID="10" presetClass="entr" presetSubtype="0" fill="hold" nodeType="clickEffect">
+                                  <p:stCondLst>
+                                    <p:cond delay="0"/>
+                                  </p:stCondLst>
+                                  <p:childTnLst>
+                                    <p:set>
+                                      <p:cBhvr>
+                                        <p:cTn id="16" dur="1" fill="hold">
+                                          <p:stCondLst>
+                                            <p:cond delay="0"/>
+                                          </p:stCondLst>
+                                        </p:cTn>
+                                        <p:tgtEl>
+                                          <p:spTgt spid="8">
+                                            <p:txEl>
+                                              <p:pRg st="2" end="2"/>
+                                            </p:txEl>
+                                          </p:spTgt>
+                                        </p:tgtEl>
+                                        <p:attrNameLst>
+                                          <p:attrName>style.visibility</p:attrName>
+                                        </p:attrNameLst>
+                                      </p:cBhvr>
+                                      <p:to>
+                                        <p:strVal val="visible"/>
+                                      </p:to>
+                                    </p:set>
+                                    <p:animEffect transition="in" filter="fade">
+                                      <p:cBhvr>
+                                        <p:cTn id="17" dur="500"/>
+                                        <p:tgtEl>
+                                          <p:spTgt spid="8">
+                                            <p:txEl>
+                                              <p:pRg st="2" end="2"/>
+                                            </p:txEl>
+                                          </p:spTgt>
+                                        </p:tgtEl>
+                                      </p:cBhvr>
+                                    </p:animEffect>
+                                  </p:childTnLst>
+                                </p:cTn>
+                              </p:par>
+                            </p:childTnLst>
+                          </p:cTn>
+                        </p:par>
+                      </p:childTnLst>
+                    </p:cTn>
+                  </p:par>
+                  <p:par>
+                    <p:cTn id="18" fill="hold">
+                      <p:stCondLst>
+                        <p:cond delay="indefinite"/>
+                      </p:stCondLst>
+                      <p:childTnLst>
+                        <p:par>
+                          <p:cTn id="19" fill="hold">
+                            <p:stCondLst>
+                              <p:cond delay="0"/>
+                            </p:stCondLst>
+                            <p:childTnLst>
+                              <p:par>
+                                <p:cTn id="20" presetID="10" presetClass="entr" presetSubtype="0" fill="hold" nodeType="clickEffect">
+                                  <p:stCondLst>
+                                    <p:cond delay="0"/>
+                                  </p:stCondLst>
+                                  <p:childTnLst>
+                                    <p:set>
+                                      <p:cBhvr>
+                                        <p:cTn id="21" dur="1" fill="hold">
+                                          <p:stCondLst>
+                                            <p:cond delay="0"/>
+                                          </p:stCondLst>
+                                        </p:cTn>
+                                        <p:tgtEl>
+                                          <p:spTgt spid="8">
+                                            <p:txEl>
+                                              <p:pRg st="3" end="3"/>
+                                            </p:txEl>
+                                          </p:spTgt>
+                                        </p:tgtEl>
+                                        <p:attrNameLst>
+                                          <p:attrName>style.visibility</p:attrName>
+                                        </p:attrNameLst>
+                                      </p:cBhvr>
+                                      <p:to>
+                                        <p:strVal val="visible"/>
+                                      </p:to>
+                                    </p:set>
+                                    <p:animEffect transition="in" filter="fade">
+                                      <p:cBhvr>
+                                        <p:cTn id="22" dur="500"/>
+                                        <p:tgtEl>
+                                          <p:spTgt spid="8">
+                                            <p:txEl>
+                                              <p:pRg st="3" end="3"/>
+                                            </p:txEl>
+                                          </p:spTgt>
+                                        </p:tgtEl>
+                                      </p:cBhvr>
+                                    </p:animEffect>
+                                  </p:childTnLst>
+                                </p:cTn>
+                              </p:par>
+                            </p:childTnLst>
+                          </p:cTn>
+                        </p:par>
+                      </p:childTnLst>
+                    </p:cTn>
+                  </p:par>
+                  <p:par>
+                    <p:cTn id="23" fill="hold">
+                      <p:stCondLst>
+                        <p:cond delay="indefinite"/>
+                      </p:stCondLst>
+                      <p:childTnLst>
+                        <p:par>
+                          <p:cTn id="24" fill="hold">
+                            <p:stCondLst>
+                              <p:cond delay="0"/>
+                            </p:stCondLst>
+                            <p:childTnLst>
+                              <p:par>
+                                <p:cTn id="25" presetID="10" presetClass="entr" presetSubtype="0" fill="hold" nodeType="clickEffect">
+                                  <p:stCondLst>
+                                    <p:cond delay="0"/>
+                                  </p:stCondLst>
+                                  <p:childTnLst>
+                                    <p:set>
+                                      <p:cBhvr>
+                                        <p:cTn id="26" dur="1" fill="hold">
+                                          <p:stCondLst>
+                                            <p:cond delay="0"/>
+                                          </p:stCondLst>
+                                        </p:cTn>
+                                        <p:tgtEl>
+                                          <p:spTgt spid="8">
+                                            <p:txEl>
+                                              <p:pRg st="4" end="4"/>
+                                            </p:txEl>
+                                          </p:spTgt>
+                                        </p:tgtEl>
+                                        <p:attrNameLst>
+                                          <p:attrName>style.visibility</p:attrName>
+                                        </p:attrNameLst>
+                                      </p:cBhvr>
+                                      <p:to>
+                                        <p:strVal val="visible"/>
+                                      </p:to>
+                                    </p:set>
+                                    <p:animEffect transition="in" filter="fade">
+                                      <p:cBhvr>
+                                        <p:cTn id="27" dur="500"/>
+                                        <p:tgtEl>
+                                          <p:spTgt spid="8">
+                                            <p:txEl>
+                                              <p:pRg st="4" end="4"/>
+                                            </p:txEl>
+                                          </p:spTgt>
+                                        </p:tgtEl>
+                                      </p:cBhvr>
+                                    </p:animEffect>
+                                  </p:childTnLst>
+                                </p:cTn>
+                              </p:par>
+                            </p:childTnLst>
+                          </p:cTn>
+                        </p:par>
+                      </p:childTnLst>
+                    </p:cTn>
+                  </p:par>
+                </p:childTnLst>
+              </p:cTn>
+              <p:prevCondLst>
+                <p:cond evt="onPrev" delay="0">
+                  <p:tgtEl>
+                    <p:sldTgt/>
+                  </p:tgtEl>
+                </p:cond>
+              </p:prevCondLst>
+              <p:nextCondLst>
+                <p:cond evt="onNext" delay="0">
+                  <p:tgtEl>
+                    <p:sldTgt/>
+                  </p:tgtEl>
+                </p:cond>
+              </p:nextCondLst>
+            </p:seq>
+          </p:childTnLst>
+        </p:cTn>
+      </p:par>
+    </p:tnLst>
+  </p:timing>
 </p:sld>
 </file>
 
@@ -11250,182 +13455,379 @@
           <a:chExt cx="0" cy="0"/>
         </a:xfrm>
       </p:grpSpPr>
-      <p:sp>
-        <p:nvSpPr>
-          <p:cNvPr id="2" name="Titel 1">
+      <p:pic>
+        <p:nvPicPr>
+          <p:cNvPr id="4" name="Graphic 1">
             <a:extLst>
               <a:ext uri="{FF2B5EF4-FFF2-40B4-BE49-F238E27FC236}">
-                <a16:creationId xmlns:a16="http://schemas.microsoft.com/office/drawing/2014/main" id="{83A87756-26E3-2BEE-3E6E-485E3B57F167}"/>
+                <a16:creationId xmlns:a16="http://schemas.microsoft.com/office/drawing/2014/main" id="{D4E2A8A5-7B9A-9FCE-2C0C-40115BB72542}"/>
               </a:ext>
             </a:extLst>
           </p:cNvPr>
-          <p:cNvSpPr>
-            <a:spLocks noGrp="1"/>
+          <p:cNvPicPr>
+            <a:picLocks noChangeAspect="1"/>
+          </p:cNvPicPr>
+          <p:nvPr/>
+        </p:nvPicPr>
+        <p:blipFill>
+          <a:blip r:embed="rId3">
+            <a:extLst>
+              <a:ext uri="{28A0092B-C50C-407E-A947-70E740481C1C}">
+                <a14:useLocalDpi xmlns:a14="http://schemas.microsoft.com/office/drawing/2010/main" val="0"/>
+              </a:ext>
+              <a:ext uri="{96DAC541-7B7A-43D3-8B79-37D633B846F1}">
+                <asvg:svgBlip xmlns:asvg="http://schemas.microsoft.com/office/drawing/2016/SVG/main" r:embed="rId4"/>
+              </a:ext>
+            </a:extLst>
+          </a:blip>
+          <a:stretch>
+            <a:fillRect/>
+          </a:stretch>
+        </p:blipFill>
+        <p:spPr>
+          <a:xfrm>
+            <a:off x="160961" y="133521"/>
+            <a:ext cx="2371620" cy="485811"/>
+          </a:xfrm>
+          <a:prstGeom prst="rect">
+            <a:avLst/>
+          </a:prstGeom>
+        </p:spPr>
+      </p:pic>
+      <p:sp>
+        <p:nvSpPr>
+          <p:cNvPr id="6" name="TextBox 5">
+            <a:extLst>
+              <a:ext uri="{FF2B5EF4-FFF2-40B4-BE49-F238E27FC236}">
+                <a16:creationId xmlns:a16="http://schemas.microsoft.com/office/drawing/2014/main" id="{4BF11305-FC23-954B-7998-B1257FEE9257}"/>
+              </a:ext>
+            </a:extLst>
+          </p:cNvPr>
+          <p:cNvSpPr txBox="1"/>
+          <p:nvPr/>
+        </p:nvSpPr>
+        <p:spPr>
+          <a:xfrm>
+            <a:off x="66782" y="6529608"/>
+            <a:ext cx="10986501" cy="230832"/>
+          </a:xfrm>
+          <a:prstGeom prst="rect">
+            <a:avLst/>
+          </a:prstGeom>
+          <a:noFill/>
+        </p:spPr>
+        <p:txBody>
+          <a:bodyPr wrap="square">
+            <a:spAutoFit/>
+          </a:bodyPr>
+          <a:lstStyle/>
+          <a:p>
+            <a:r>
+              <a:rPr lang="de-DE" sz="900" dirty="0"/>
+              <a:t>Markov-Analyse &amp; Interview| WiSe 2023/24 I Hochschule Bielefeld I Linus Langenkamp, Jolan Eggers, Nicolas Schneider, Redouane Kabouchi I 03.11.2023 I Seite </a:t>
+            </a:r>
+            <a:fld id="{8665FA59-C0FE-4AB6-AD99-2451632B0EBE}" type="slidenum">
+              <a:rPr lang="de-DE" sz="900" smtClean="0"/>
+              <a:t>4</a:t>
+            </a:fld>
+            <a:endParaRPr lang="de-DE" sz="900" dirty="0"/>
+          </a:p>
+        </p:txBody>
+      </p:sp>
+      <p:sp>
+        <p:nvSpPr>
+          <p:cNvPr id="7" name="Title 1">
+            <a:extLst>
+              <a:ext uri="{FF2B5EF4-FFF2-40B4-BE49-F238E27FC236}">
+                <a16:creationId xmlns:a16="http://schemas.microsoft.com/office/drawing/2014/main" id="{C134D3AA-85CE-FCC6-6499-8202E6096899}"/>
+              </a:ext>
+            </a:extLst>
+          </p:cNvPr>
+          <p:cNvSpPr txBox="1">
+            <a:spLocks/>
           </p:cNvSpPr>
-          <p:nvPr>
-            <p:ph type="title"/>
-          </p:nvPr>
-        </p:nvSpPr>
-        <p:spPr/>
-        <p:txBody>
-          <a:bodyPr/>
-          <a:lstStyle/>
-          <a:p>
-            <a:r>
-              <a:rPr lang="de-DE" dirty="0"/>
-              <a:t>Stärken und Grenzen</a:t>
-            </a:r>
-          </a:p>
-        </p:txBody>
-      </p:sp>
-      <p:sp>
-        <p:nvSpPr>
-          <p:cNvPr id="4" name="Textplatzhalter 3">
-            <a:extLst>
-              <a:ext uri="{FF2B5EF4-FFF2-40B4-BE49-F238E27FC236}">
-                <a16:creationId xmlns:a16="http://schemas.microsoft.com/office/drawing/2014/main" id="{A020AF7F-73B3-01C8-FB84-8FDC820F30A4}"/>
-              </a:ext>
-            </a:extLst>
-          </p:cNvPr>
-          <p:cNvSpPr>
-            <a:spLocks noGrp="1"/>
-          </p:cNvSpPr>
-          <p:nvPr>
-            <p:ph type="body" idx="1"/>
-          </p:nvPr>
-        </p:nvSpPr>
-        <p:spPr/>
-        <p:txBody>
-          <a:bodyPr/>
-          <a:lstStyle/>
-          <a:p>
-            <a:r>
-              <a:rPr lang="de-DE" dirty="0"/>
-              <a:t>Stärken</a:t>
-            </a:r>
-          </a:p>
-        </p:txBody>
-      </p:sp>
-      <p:sp>
-        <p:nvSpPr>
-          <p:cNvPr id="5" name="Inhaltsplatzhalter 4">
-            <a:extLst>
-              <a:ext uri="{FF2B5EF4-FFF2-40B4-BE49-F238E27FC236}">
-                <a16:creationId xmlns:a16="http://schemas.microsoft.com/office/drawing/2014/main" id="{A89C8C00-BB60-2CB6-E317-7E4B48E29A04}"/>
-              </a:ext>
-            </a:extLst>
-          </p:cNvPr>
-          <p:cNvSpPr>
-            <a:spLocks noGrp="1"/>
-          </p:cNvSpPr>
-          <p:nvPr>
-            <p:ph sz="half" idx="2"/>
-          </p:nvPr>
-        </p:nvSpPr>
-        <p:spPr/>
-        <p:txBody>
-          <a:bodyPr>
+          <p:nvPr/>
+        </p:nvSpPr>
+        <p:spPr>
+          <a:xfrm>
+            <a:off x="738026" y="912189"/>
+            <a:ext cx="9144000" cy="626836"/>
+          </a:xfrm>
+          <a:prstGeom prst="rect">
+            <a:avLst/>
+          </a:prstGeom>
+        </p:spPr>
+        <p:txBody>
+          <a:bodyPr vert="horz" lIns="91440" tIns="45720" rIns="91440" bIns="45720" rtlCol="0" anchor="b">
             <a:normAutofit/>
           </a:bodyPr>
-          <a:lstStyle/>
-          <a:p>
-            <a:r>
-              <a:rPr lang="de-DE" sz="1800" dirty="0"/>
-              <a:t>Vollumfassende Betrachtung des Systems durch Zerlegung in kleinste Komponenten.</a:t>
-            </a:r>
-          </a:p>
-          <a:p>
-            <a:r>
-              <a:rPr lang="de-DE" sz="1800" dirty="0"/>
-              <a:t>ISO-Regelwerke beschreiben FMEA.</a:t>
-            </a:r>
-          </a:p>
-          <a:p>
-            <a:r>
-              <a:rPr lang="de-DE" sz="1800" dirty="0"/>
-              <a:t>Klare Formalisierung mithilfe von "Worksheets."</a:t>
-            </a:r>
-          </a:p>
-        </p:txBody>
-      </p:sp>
-      <p:sp>
-        <p:nvSpPr>
-          <p:cNvPr id="6" name="Textplatzhalter 5">
+          <a:lstStyle>
+            <a:lvl1pPr algn="ctr" defTabSz="914400" rtl="0" eaLnBrk="1" latinLnBrk="0" hangingPunct="1">
+              <a:lnSpc>
+                <a:spcPct val="90000"/>
+              </a:lnSpc>
+              <a:spcBef>
+                <a:spcPct val="0"/>
+              </a:spcBef>
+              <a:buNone/>
+              <a:defRPr sz="6000" kern="1200">
+                <a:solidFill>
+                  <a:schemeClr val="tx1"/>
+                </a:solidFill>
+                <a:latin typeface="+mj-lt"/>
+                <a:ea typeface="+mj-ea"/>
+                <a:cs typeface="+mj-cs"/>
+              </a:defRPr>
+            </a:lvl1pPr>
+          </a:lstStyle>
+          <a:p>
+            <a:pPr algn="l">
+              <a:lnSpc>
+                <a:spcPct val="100000"/>
+              </a:lnSpc>
+              <a:spcAft>
+                <a:spcPts val="600"/>
+              </a:spcAft>
+            </a:pPr>
+            <a:r>
+              <a:rPr lang="de-DE" sz="2800" b="1" dirty="0">
+                <a:latin typeface="Times New Roman" panose="02020603050405020304" pitchFamily="18" charset="0"/>
+                <a:cs typeface="Times New Roman" panose="02020603050405020304" pitchFamily="18" charset="0"/>
+              </a:rPr>
+              <a:t>Modellierungskomponenten</a:t>
+            </a:r>
+            <a:endParaRPr lang="de-DE" sz="2800" dirty="0"/>
+          </a:p>
+        </p:txBody>
+      </p:sp>
+      <p:sp>
+        <p:nvSpPr>
+          <p:cNvPr id="11" name="Inhaltsplatzhalter 6">
             <a:extLst>
               <a:ext uri="{FF2B5EF4-FFF2-40B4-BE49-F238E27FC236}">
-                <a16:creationId xmlns:a16="http://schemas.microsoft.com/office/drawing/2014/main" id="{15739C55-59F3-3918-BF59-09DA1E44295B}"/>
+                <a16:creationId xmlns:a16="http://schemas.microsoft.com/office/drawing/2014/main" id="{6F625172-4B6A-D821-907F-D63E7CDC3C32}"/>
               </a:ext>
             </a:extLst>
           </p:cNvPr>
-          <p:cNvSpPr>
-            <a:spLocks noGrp="1"/>
+          <p:cNvSpPr txBox="1">
+            <a:spLocks/>
           </p:cNvSpPr>
-          <p:nvPr>
-            <p:ph type="body" sz="quarter" idx="3"/>
-          </p:nvPr>
-        </p:nvSpPr>
-        <p:spPr/>
-        <p:txBody>
-          <a:bodyPr/>
-          <a:lstStyle/>
-          <a:p>
-            <a:r>
-              <a:rPr lang="de-DE" dirty="0"/>
-              <a:t>Grenzen</a:t>
-            </a:r>
-          </a:p>
-        </p:txBody>
-      </p:sp>
-      <p:sp>
-        <p:nvSpPr>
-          <p:cNvPr id="7" name="Inhaltsplatzhalter 6">
-            <a:extLst>
-              <a:ext uri="{FF2B5EF4-FFF2-40B4-BE49-F238E27FC236}">
-                <a16:creationId xmlns:a16="http://schemas.microsoft.com/office/drawing/2014/main" id="{848EEA1D-E74F-E426-D40D-D396027313F1}"/>
-              </a:ext>
-            </a:extLst>
-          </p:cNvPr>
-          <p:cNvSpPr>
-            <a:spLocks noGrp="1"/>
-          </p:cNvSpPr>
-          <p:nvPr>
-            <p:ph sz="quarter" idx="4"/>
-          </p:nvPr>
-        </p:nvSpPr>
-        <p:spPr/>
-        <p:txBody>
-          <a:bodyPr>
+          <p:nvPr/>
+        </p:nvSpPr>
+        <p:spPr>
+          <a:xfrm>
+            <a:off x="838200" y="1825625"/>
+            <a:ext cx="10515600" cy="4351338"/>
+          </a:xfrm>
+          <a:prstGeom prst="rect">
+            <a:avLst/>
+          </a:prstGeom>
+        </p:spPr>
+        <p:txBody>
+          <a:bodyPr vert="horz" lIns="91440" tIns="45720" rIns="91440" bIns="45720" rtlCol="0">
             <a:normAutofit/>
           </a:bodyPr>
-          <a:lstStyle/>
-          <a:p>
-            <a:r>
-              <a:rPr lang="de-DE" sz="1800" dirty="0"/>
-              <a:t>Mathematische Herausforderungen bei der Multiplikation ordinal skalierter Merkmale.</a:t>
-            </a:r>
-          </a:p>
-          <a:p>
-            <a:r>
-              <a:rPr lang="de-DE" sz="1800" dirty="0"/>
-              <a:t>Begrenzte Bewertungsmöglichkeiten für bestimmte Risiken.</a:t>
-            </a:r>
-          </a:p>
-          <a:p>
-            <a:r>
-              <a:rPr lang="de-DE" sz="1800" dirty="0"/>
-              <a:t>Zeit- und Ressourcenverbrauch.</a:t>
-            </a:r>
-          </a:p>
-          <a:p>
-            <a:r>
-              <a:rPr lang="de-DE" sz="1800" dirty="0"/>
-              <a:t>Großer Datenbedarf und Systemkenntnisse erforderlich.</a:t>
-            </a:r>
-          </a:p>
-          <a:p>
-            <a:r>
-              <a:rPr lang="de-DE" sz="1800" dirty="0"/>
-              <a:t>Interdependenzen können in der ursprünglichen FMEA nicht analysiert werden.</a:t>
+          <a:lstStyle>
+            <a:lvl1pPr marL="0" indent="0" algn="ctr" defTabSz="914400" rtl="0" eaLnBrk="1" latinLnBrk="0" hangingPunct="1">
+              <a:lnSpc>
+                <a:spcPct val="90000"/>
+              </a:lnSpc>
+              <a:spcBef>
+                <a:spcPts val="1000"/>
+              </a:spcBef>
+              <a:buFont typeface="Arial" panose="020B0604020202020204" pitchFamily="34" charset="0"/>
+              <a:buNone/>
+              <a:defRPr sz="2400" kern="1200">
+                <a:solidFill>
+                  <a:schemeClr val="tx1"/>
+                </a:solidFill>
+                <a:latin typeface="+mn-lt"/>
+                <a:ea typeface="+mn-ea"/>
+                <a:cs typeface="+mn-cs"/>
+              </a:defRPr>
+            </a:lvl1pPr>
+            <a:lvl2pPr marL="457200" indent="0" algn="ctr" defTabSz="914400" rtl="0" eaLnBrk="1" latinLnBrk="0" hangingPunct="1">
+              <a:lnSpc>
+                <a:spcPct val="90000"/>
+              </a:lnSpc>
+              <a:spcBef>
+                <a:spcPts val="500"/>
+              </a:spcBef>
+              <a:buFont typeface="Arial" panose="020B0604020202020204" pitchFamily="34" charset="0"/>
+              <a:buNone/>
+              <a:defRPr sz="2000" kern="1200">
+                <a:solidFill>
+                  <a:schemeClr val="tx1"/>
+                </a:solidFill>
+                <a:latin typeface="+mn-lt"/>
+                <a:ea typeface="+mn-ea"/>
+                <a:cs typeface="+mn-cs"/>
+              </a:defRPr>
+            </a:lvl2pPr>
+            <a:lvl3pPr marL="914400" indent="0" algn="ctr" defTabSz="914400" rtl="0" eaLnBrk="1" latinLnBrk="0" hangingPunct="1">
+              <a:lnSpc>
+                <a:spcPct val="90000"/>
+              </a:lnSpc>
+              <a:spcBef>
+                <a:spcPts val="500"/>
+              </a:spcBef>
+              <a:buFont typeface="Arial" panose="020B0604020202020204" pitchFamily="34" charset="0"/>
+              <a:buNone/>
+              <a:defRPr sz="1800" kern="1200">
+                <a:solidFill>
+                  <a:schemeClr val="tx1"/>
+                </a:solidFill>
+                <a:latin typeface="+mn-lt"/>
+                <a:ea typeface="+mn-ea"/>
+                <a:cs typeface="+mn-cs"/>
+              </a:defRPr>
+            </a:lvl3pPr>
+            <a:lvl4pPr marL="1371600" indent="0" algn="ctr" defTabSz="914400" rtl="0" eaLnBrk="1" latinLnBrk="0" hangingPunct="1">
+              <a:lnSpc>
+                <a:spcPct val="90000"/>
+              </a:lnSpc>
+              <a:spcBef>
+                <a:spcPts val="500"/>
+              </a:spcBef>
+              <a:buFont typeface="Arial" panose="020B0604020202020204" pitchFamily="34" charset="0"/>
+              <a:buNone/>
+              <a:defRPr sz="1600" kern="1200">
+                <a:solidFill>
+                  <a:schemeClr val="tx1"/>
+                </a:solidFill>
+                <a:latin typeface="+mn-lt"/>
+                <a:ea typeface="+mn-ea"/>
+                <a:cs typeface="+mn-cs"/>
+              </a:defRPr>
+            </a:lvl4pPr>
+            <a:lvl5pPr marL="1828800" indent="0" algn="ctr" defTabSz="914400" rtl="0" eaLnBrk="1" latinLnBrk="0" hangingPunct="1">
+              <a:lnSpc>
+                <a:spcPct val="90000"/>
+              </a:lnSpc>
+              <a:spcBef>
+                <a:spcPts val="500"/>
+              </a:spcBef>
+              <a:buFont typeface="Arial" panose="020B0604020202020204" pitchFamily="34" charset="0"/>
+              <a:buNone/>
+              <a:defRPr sz="1600" kern="1200">
+                <a:solidFill>
+                  <a:schemeClr val="tx1"/>
+                </a:solidFill>
+                <a:latin typeface="+mn-lt"/>
+                <a:ea typeface="+mn-ea"/>
+                <a:cs typeface="+mn-cs"/>
+              </a:defRPr>
+            </a:lvl5pPr>
+            <a:lvl6pPr marL="2286000" indent="0" algn="ctr" defTabSz="914400" rtl="0" eaLnBrk="1" latinLnBrk="0" hangingPunct="1">
+              <a:lnSpc>
+                <a:spcPct val="90000"/>
+              </a:lnSpc>
+              <a:spcBef>
+                <a:spcPts val="500"/>
+              </a:spcBef>
+              <a:buFont typeface="Arial" panose="020B0604020202020204" pitchFamily="34" charset="0"/>
+              <a:buNone/>
+              <a:defRPr sz="1600" kern="1200">
+                <a:solidFill>
+                  <a:schemeClr val="tx1"/>
+                </a:solidFill>
+                <a:latin typeface="+mn-lt"/>
+                <a:ea typeface="+mn-ea"/>
+                <a:cs typeface="+mn-cs"/>
+              </a:defRPr>
+            </a:lvl6pPr>
+            <a:lvl7pPr marL="2743200" indent="0" algn="ctr" defTabSz="914400" rtl="0" eaLnBrk="1" latinLnBrk="0" hangingPunct="1">
+              <a:lnSpc>
+                <a:spcPct val="90000"/>
+              </a:lnSpc>
+              <a:spcBef>
+                <a:spcPts val="500"/>
+              </a:spcBef>
+              <a:buFont typeface="Arial" panose="020B0604020202020204" pitchFamily="34" charset="0"/>
+              <a:buNone/>
+              <a:defRPr sz="1600" kern="1200">
+                <a:solidFill>
+                  <a:schemeClr val="tx1"/>
+                </a:solidFill>
+                <a:latin typeface="+mn-lt"/>
+                <a:ea typeface="+mn-ea"/>
+                <a:cs typeface="+mn-cs"/>
+              </a:defRPr>
+            </a:lvl7pPr>
+            <a:lvl8pPr marL="3200400" indent="0" algn="ctr" defTabSz="914400" rtl="0" eaLnBrk="1" latinLnBrk="0" hangingPunct="1">
+              <a:lnSpc>
+                <a:spcPct val="90000"/>
+              </a:lnSpc>
+              <a:spcBef>
+                <a:spcPts val="500"/>
+              </a:spcBef>
+              <a:buFont typeface="Arial" panose="020B0604020202020204" pitchFamily="34" charset="0"/>
+              <a:buNone/>
+              <a:defRPr sz="1600" kern="1200">
+                <a:solidFill>
+                  <a:schemeClr val="tx1"/>
+                </a:solidFill>
+                <a:latin typeface="+mn-lt"/>
+                <a:ea typeface="+mn-ea"/>
+                <a:cs typeface="+mn-cs"/>
+              </a:defRPr>
+            </a:lvl8pPr>
+            <a:lvl9pPr marL="3657600" indent="0" algn="ctr" defTabSz="914400" rtl="0" eaLnBrk="1" latinLnBrk="0" hangingPunct="1">
+              <a:lnSpc>
+                <a:spcPct val="90000"/>
+              </a:lnSpc>
+              <a:spcBef>
+                <a:spcPts val="500"/>
+              </a:spcBef>
+              <a:buFont typeface="Arial" panose="020B0604020202020204" pitchFamily="34" charset="0"/>
+              <a:buNone/>
+              <a:defRPr sz="1600" kern="1200">
+                <a:solidFill>
+                  <a:schemeClr val="tx1"/>
+                </a:solidFill>
+                <a:latin typeface="+mn-lt"/>
+                <a:ea typeface="+mn-ea"/>
+                <a:cs typeface="+mn-cs"/>
+              </a:defRPr>
+            </a:lvl9pPr>
+          </a:lstStyle>
+          <a:p>
+            <a:pPr marL="514350" indent="-514350" algn="l">
+              <a:buFont typeface="+mj-lt"/>
+              <a:buAutoNum type="arabicPeriod"/>
+            </a:pPr>
+            <a:r>
+              <a:rPr lang="de-DE" sz="2800" dirty="0">
+                <a:latin typeface="Times New Roman" panose="02020603050405020304" pitchFamily="18" charset="0"/>
+                <a:cs typeface="Times New Roman" panose="02020603050405020304" pitchFamily="18" charset="0"/>
+              </a:rPr>
+              <a:t>Zustandsraum: Endliche Menge möglicher Zustände</a:t>
+            </a:r>
+          </a:p>
+          <a:p>
+            <a:pPr marL="514350" indent="-514350" algn="l">
+              <a:buFont typeface="+mj-lt"/>
+              <a:buAutoNum type="arabicPeriod"/>
+            </a:pPr>
+            <a:r>
+              <a:rPr lang="de-DE" sz="2800" dirty="0">
+                <a:latin typeface="Times New Roman" panose="02020603050405020304" pitchFamily="18" charset="0"/>
+                <a:cs typeface="Times New Roman" panose="02020603050405020304" pitchFamily="18" charset="0"/>
+              </a:rPr>
+              <a:t>Anfangsverteilung: Wahrscheinlichkeiten zu Beginn in bestimmten Zuständen</a:t>
+            </a:r>
+          </a:p>
+          <a:p>
+            <a:pPr marL="514350" indent="-514350" algn="l">
+              <a:buFont typeface="+mj-lt"/>
+              <a:buAutoNum type="arabicPeriod"/>
+            </a:pPr>
+            <a:r>
+              <a:rPr lang="de-DE" sz="2800" dirty="0">
+                <a:latin typeface="Times New Roman" panose="02020603050405020304" pitchFamily="18" charset="0"/>
+                <a:cs typeface="Times New Roman" panose="02020603050405020304" pitchFamily="18" charset="0"/>
+              </a:rPr>
+              <a:t>Übergangsmatrix: Matrix mit Übergangswahrscheinlichkeiten zwischen Zuständen</a:t>
             </a:r>
           </a:p>
         </p:txBody>
@@ -11433,7 +13835,7 @@
     </p:spTree>
     <p:extLst>
       <p:ext uri="{BB962C8B-B14F-4D97-AF65-F5344CB8AC3E}">
-        <p14:creationId xmlns:p14="http://schemas.microsoft.com/office/powerpoint/2010/main" val="1433531864"/>
+        <p14:creationId xmlns:p14="http://schemas.microsoft.com/office/powerpoint/2010/main" val="955230526"/>
       </p:ext>
     </p:extLst>
   </p:cSld>
@@ -11460,414 +13862,6 @@
           <a:chExt cx="0" cy="0"/>
         </a:xfrm>
       </p:grpSpPr>
-      <p:sp>
-        <p:nvSpPr>
-          <p:cNvPr id="2" name="Titel 1">
-            <a:extLst>
-              <a:ext uri="{FF2B5EF4-FFF2-40B4-BE49-F238E27FC236}">
-                <a16:creationId xmlns:a16="http://schemas.microsoft.com/office/drawing/2014/main" id="{95833909-AA73-3349-2A76-90848508EA63}"/>
-              </a:ext>
-            </a:extLst>
-          </p:cNvPr>
-          <p:cNvSpPr>
-            <a:spLocks noGrp="1"/>
-          </p:cNvSpPr>
-          <p:nvPr>
-            <p:ph type="title"/>
-          </p:nvPr>
-        </p:nvSpPr>
-        <p:spPr/>
-        <p:txBody>
-          <a:bodyPr/>
-          <a:lstStyle/>
-          <a:p>
-            <a:r>
-              <a:rPr lang="de-DE" dirty="0"/>
-              <a:t>Modellierungskomponenten</a:t>
-            </a:r>
-          </a:p>
-        </p:txBody>
-      </p:sp>
-      <p:sp>
-        <p:nvSpPr>
-          <p:cNvPr id="7" name="Inhaltsplatzhalter 6">
-            <a:extLst>
-              <a:ext uri="{FF2B5EF4-FFF2-40B4-BE49-F238E27FC236}">
-                <a16:creationId xmlns:a16="http://schemas.microsoft.com/office/drawing/2014/main" id="{D8F1B458-4633-7095-0079-A833E01E4DE0}"/>
-              </a:ext>
-            </a:extLst>
-          </p:cNvPr>
-          <p:cNvSpPr>
-            <a:spLocks noGrp="1"/>
-          </p:cNvSpPr>
-          <p:nvPr>
-            <p:ph idx="1"/>
-          </p:nvPr>
-        </p:nvSpPr>
-        <p:spPr/>
-        <p:txBody>
-          <a:bodyPr/>
-          <a:lstStyle/>
-          <a:p>
-            <a:pPr marL="514350" indent="-514350">
-              <a:buFont typeface="+mj-lt"/>
-              <a:buAutoNum type="arabicPeriod"/>
-            </a:pPr>
-            <a:r>
-              <a:rPr lang="de-DE" dirty="0"/>
-              <a:t>Zustandsraum: Endliche Menge möglicher Zustände</a:t>
-            </a:r>
-          </a:p>
-          <a:p>
-            <a:pPr marL="514350" indent="-514350">
-              <a:buFont typeface="+mj-lt"/>
-              <a:buAutoNum type="arabicPeriod"/>
-            </a:pPr>
-            <a:r>
-              <a:rPr lang="de-DE" dirty="0"/>
-              <a:t>Anfangsverteilung: Wahrscheinlichkeiten zu Beginn in bestimmten Zuständen</a:t>
-            </a:r>
-          </a:p>
-          <a:p>
-            <a:pPr marL="514350" indent="-514350">
-              <a:buFont typeface="+mj-lt"/>
-              <a:buAutoNum type="arabicPeriod"/>
-            </a:pPr>
-            <a:r>
-              <a:rPr lang="de-DE" dirty="0"/>
-              <a:t>Übergangsmatrix: Matrix mit Übergangswahrscheinlichkeiten zwischen Zuständen</a:t>
-            </a:r>
-          </a:p>
-        </p:txBody>
-      </p:sp>
-    </p:spTree>
-    <p:extLst>
-      <p:ext uri="{BB962C8B-B14F-4D97-AF65-F5344CB8AC3E}">
-        <p14:creationId xmlns:p14="http://schemas.microsoft.com/office/powerpoint/2010/main" val="1531710767"/>
-      </p:ext>
-    </p:extLst>
-  </p:cSld>
-  <p:clrMapOvr>
-    <a:masterClrMapping/>
-  </p:clrMapOvr>
-</p:sld>
-</file>
-
-<file path=ppt/slides/slide6.xml><?xml version="1.0" encoding="utf-8"?>
-<p:sld xmlns:a="http://schemas.openxmlformats.org/drawingml/2006/main" xmlns:r="http://schemas.openxmlformats.org/officeDocument/2006/relationships" xmlns:p="http://schemas.openxmlformats.org/presentationml/2006/main">
-  <p:cSld>
-    <p:spTree>
-      <p:nvGrpSpPr>
-        <p:cNvPr id="1" name=""/>
-        <p:cNvGrpSpPr/>
-        <p:nvPr/>
-      </p:nvGrpSpPr>
-      <p:grpSpPr>
-        <a:xfrm>
-          <a:off x="0" y="0"/>
-          <a:ext cx="0" cy="0"/>
-          <a:chOff x="0" y="0"/>
-          <a:chExt cx="0" cy="0"/>
-        </a:xfrm>
-      </p:grpSpPr>
-      <p:sp>
-        <p:nvSpPr>
-          <p:cNvPr id="2" name="Titel 1">
-            <a:extLst>
-              <a:ext uri="{FF2B5EF4-FFF2-40B4-BE49-F238E27FC236}">
-                <a16:creationId xmlns:a16="http://schemas.microsoft.com/office/drawing/2014/main" id="{C6D618B6-9354-FE60-7F9C-C605508164F2}"/>
-              </a:ext>
-            </a:extLst>
-          </p:cNvPr>
-          <p:cNvSpPr>
-            <a:spLocks noGrp="1"/>
-          </p:cNvSpPr>
-          <p:nvPr>
-            <p:ph type="title"/>
-          </p:nvPr>
-        </p:nvSpPr>
-        <p:spPr/>
-        <p:txBody>
-          <a:bodyPr/>
-          <a:lstStyle/>
-          <a:p>
-            <a:r>
-              <a:rPr lang="de-DE" dirty="0"/>
-              <a:t>Markov-Ketten und Anwendungsbereiche</a:t>
-            </a:r>
-          </a:p>
-        </p:txBody>
-      </p:sp>
-      <p:sp>
-        <p:nvSpPr>
-          <p:cNvPr id="4" name="Textplatzhalter 3">
-            <a:extLst>
-              <a:ext uri="{FF2B5EF4-FFF2-40B4-BE49-F238E27FC236}">
-                <a16:creationId xmlns:a16="http://schemas.microsoft.com/office/drawing/2014/main" id="{82012EA6-F299-123E-1958-F60DFC62C7DF}"/>
-              </a:ext>
-            </a:extLst>
-          </p:cNvPr>
-          <p:cNvSpPr>
-            <a:spLocks noGrp="1"/>
-          </p:cNvSpPr>
-          <p:nvPr>
-            <p:ph type="body" idx="1"/>
-          </p:nvPr>
-        </p:nvSpPr>
-        <p:spPr/>
-        <p:txBody>
-          <a:bodyPr/>
-          <a:lstStyle/>
-          <a:p>
-            <a:r>
-              <a:rPr lang="de-DE" dirty="0"/>
-              <a:t>Markov-Ketten</a:t>
-            </a:r>
-          </a:p>
-        </p:txBody>
-      </p:sp>
-      <p:sp>
-        <p:nvSpPr>
-          <p:cNvPr id="5" name="Inhaltsplatzhalter 4">
-            <a:extLst>
-              <a:ext uri="{FF2B5EF4-FFF2-40B4-BE49-F238E27FC236}">
-                <a16:creationId xmlns:a16="http://schemas.microsoft.com/office/drawing/2014/main" id="{152A80F8-FFAD-51A4-D6D5-3A6A3ADD22AF}"/>
-              </a:ext>
-            </a:extLst>
-          </p:cNvPr>
-          <p:cNvSpPr>
-            <a:spLocks noGrp="1"/>
-          </p:cNvSpPr>
-          <p:nvPr>
-            <p:ph sz="half" idx="2"/>
-          </p:nvPr>
-        </p:nvSpPr>
-        <p:spPr/>
-        <p:txBody>
-          <a:bodyPr>
-            <a:normAutofit/>
-          </a:bodyPr>
-          <a:lstStyle/>
-          <a:p>
-            <a:r>
-              <a:rPr lang="de-DE" sz="1800" dirty="0"/>
-              <a:t>Zustand abhängig nur vom unmittelbaren Vorgänger</a:t>
-            </a:r>
-          </a:p>
-          <a:p>
-            <a:r>
-              <a:rPr lang="de-DE" sz="1800" dirty="0"/>
-              <a:t>Migrationsmatrix beschreibt Wahrscheinlichkeiten der Zustandsänderung</a:t>
-            </a:r>
-          </a:p>
-        </p:txBody>
-      </p:sp>
-      <p:sp>
-        <p:nvSpPr>
-          <p:cNvPr id="6" name="Textplatzhalter 5">
-            <a:extLst>
-              <a:ext uri="{FF2B5EF4-FFF2-40B4-BE49-F238E27FC236}">
-                <a16:creationId xmlns:a16="http://schemas.microsoft.com/office/drawing/2014/main" id="{CF1BDB4D-C30D-750B-4A25-E14FB8D0898C}"/>
-              </a:ext>
-            </a:extLst>
-          </p:cNvPr>
-          <p:cNvSpPr>
-            <a:spLocks noGrp="1"/>
-          </p:cNvSpPr>
-          <p:nvPr>
-            <p:ph type="body" sz="quarter" idx="3"/>
-          </p:nvPr>
-        </p:nvSpPr>
-        <p:spPr/>
-        <p:txBody>
-          <a:bodyPr/>
-          <a:lstStyle/>
-          <a:p>
-            <a:r>
-              <a:rPr lang="de-DE" dirty="0"/>
-              <a:t>Anwendungsbereiche</a:t>
-            </a:r>
-          </a:p>
-        </p:txBody>
-      </p:sp>
-      <p:sp>
-        <p:nvSpPr>
-          <p:cNvPr id="7" name="Inhaltsplatzhalter 6">
-            <a:extLst>
-              <a:ext uri="{FF2B5EF4-FFF2-40B4-BE49-F238E27FC236}">
-                <a16:creationId xmlns:a16="http://schemas.microsoft.com/office/drawing/2014/main" id="{033D97D2-4D3E-6EF2-6729-03E54D56A81D}"/>
-              </a:ext>
-            </a:extLst>
-          </p:cNvPr>
-          <p:cNvSpPr>
-            <a:spLocks noGrp="1"/>
-          </p:cNvSpPr>
-          <p:nvPr>
-            <p:ph sz="quarter" idx="4"/>
-          </p:nvPr>
-        </p:nvSpPr>
-        <p:spPr/>
-        <p:txBody>
-          <a:bodyPr>
-            <a:normAutofit/>
-          </a:bodyPr>
-          <a:lstStyle/>
-          <a:p>
-            <a:r>
-              <a:rPr lang="de-DE" sz="1800" dirty="0"/>
-              <a:t>Beispiel: Ratingmigrationen von Unternehmen</a:t>
-            </a:r>
-          </a:p>
-          <a:p>
-            <a:r>
-              <a:rPr lang="de-DE" sz="1800" dirty="0"/>
-              <a:t>Evaluierung der zeitlichen Entwicklung von Projekten</a:t>
-            </a:r>
-          </a:p>
-        </p:txBody>
-      </p:sp>
-    </p:spTree>
-    <p:extLst>
-      <p:ext uri="{BB962C8B-B14F-4D97-AF65-F5344CB8AC3E}">
-        <p14:creationId xmlns:p14="http://schemas.microsoft.com/office/powerpoint/2010/main" val="2457824545"/>
-      </p:ext>
-    </p:extLst>
-  </p:cSld>
-  <p:clrMapOvr>
-    <a:masterClrMapping/>
-  </p:clrMapOvr>
-</p:sld>
-</file>
-
-<file path=ppt/slides/slide7.xml><?xml version="1.0" encoding="utf-8"?>
-<p:sld xmlns:a="http://schemas.openxmlformats.org/drawingml/2006/main" xmlns:r="http://schemas.openxmlformats.org/officeDocument/2006/relationships" xmlns:p="http://schemas.openxmlformats.org/presentationml/2006/main">
-  <p:cSld>
-    <p:spTree>
-      <p:nvGrpSpPr>
-        <p:cNvPr id="1" name=""/>
-        <p:cNvGrpSpPr/>
-        <p:nvPr/>
-      </p:nvGrpSpPr>
-      <p:grpSpPr>
-        <a:xfrm>
-          <a:off x="0" y="0"/>
-          <a:ext cx="0" cy="0"/>
-          <a:chOff x="0" y="0"/>
-          <a:chExt cx="0" cy="0"/>
-        </a:xfrm>
-      </p:grpSpPr>
-      <p:sp>
-        <p:nvSpPr>
-          <p:cNvPr id="2" name="Titel 1">
-            <a:extLst>
-              <a:ext uri="{FF2B5EF4-FFF2-40B4-BE49-F238E27FC236}">
-                <a16:creationId xmlns:a16="http://schemas.microsoft.com/office/drawing/2014/main" id="{5A85103E-108E-48CB-1693-060D47274AB0}"/>
-              </a:ext>
-            </a:extLst>
-          </p:cNvPr>
-          <p:cNvSpPr>
-            <a:spLocks noGrp="1"/>
-          </p:cNvSpPr>
-          <p:nvPr>
-            <p:ph type="title"/>
-          </p:nvPr>
-        </p:nvSpPr>
-        <p:spPr/>
-        <p:txBody>
-          <a:bodyPr/>
-          <a:lstStyle/>
-          <a:p>
-            <a:r>
-              <a:rPr lang="de-DE" dirty="0"/>
-              <a:t>Anwendungsbereiche und </a:t>
-            </a:r>
-          </a:p>
-        </p:txBody>
-      </p:sp>
-      <p:sp>
-        <p:nvSpPr>
-          <p:cNvPr id="7" name="Inhaltsplatzhalter 6">
-            <a:extLst>
-              <a:ext uri="{FF2B5EF4-FFF2-40B4-BE49-F238E27FC236}">
-                <a16:creationId xmlns:a16="http://schemas.microsoft.com/office/drawing/2014/main" id="{A75C208C-E87D-2F4B-6B4E-A5AD40ADE06A}"/>
-              </a:ext>
-            </a:extLst>
-          </p:cNvPr>
-          <p:cNvSpPr>
-            <a:spLocks noGrp="1"/>
-          </p:cNvSpPr>
-          <p:nvPr>
-            <p:ph idx="1"/>
-          </p:nvPr>
-        </p:nvSpPr>
-        <p:spPr/>
-        <p:txBody>
-          <a:bodyPr/>
-          <a:lstStyle/>
-          <a:p>
-            <a:r>
-              <a:rPr lang="de-DE" dirty="0"/>
-              <a:t>Beispiel: Ratingmigrationen von Unternehmen</a:t>
-            </a:r>
-          </a:p>
-          <a:p>
-            <a:r>
-              <a:rPr lang="de-DE" dirty="0"/>
-              <a:t>Evaluierung der zeitlichen Entwicklung von Projekten</a:t>
-            </a:r>
-          </a:p>
-          <a:p>
-            <a:r>
-              <a:rPr lang="de-DE" dirty="0"/>
-              <a:t>"Zufällige Irrfahrten" oder "Random </a:t>
-            </a:r>
-            <a:r>
-              <a:rPr lang="de-DE" dirty="0" err="1"/>
-              <a:t>Walks</a:t>
-            </a:r>
-            <a:r>
-              <a:rPr lang="de-DE" dirty="0"/>
-              <a:t>"</a:t>
-            </a:r>
-          </a:p>
-          <a:p>
-            <a:r>
-              <a:rPr lang="de-DE" dirty="0"/>
-              <a:t>Anwendungen in der Finanzmathematik (z.B., Black/Scholes-Formel)</a:t>
-            </a:r>
-          </a:p>
-        </p:txBody>
-      </p:sp>
-    </p:spTree>
-    <p:extLst>
-      <p:ext uri="{BB962C8B-B14F-4D97-AF65-F5344CB8AC3E}">
-        <p14:creationId xmlns:p14="http://schemas.microsoft.com/office/powerpoint/2010/main" val="878247880"/>
-      </p:ext>
-    </p:extLst>
-  </p:cSld>
-  <p:clrMapOvr>
-    <a:masterClrMapping/>
-  </p:clrMapOvr>
-</p:sld>
-</file>
-
-<file path=ppt/slides/slide8.xml><?xml version="1.0" encoding="utf-8"?>
-<p:sld xmlns:a="http://schemas.openxmlformats.org/drawingml/2006/main" xmlns:r="http://schemas.openxmlformats.org/officeDocument/2006/relationships" xmlns:p="http://schemas.openxmlformats.org/presentationml/2006/main">
-  <p:cSld>
-    <p:spTree>
-      <p:nvGrpSpPr>
-        <p:cNvPr id="1" name=""/>
-        <p:cNvGrpSpPr/>
-        <p:nvPr/>
-      </p:nvGrpSpPr>
-      <p:grpSpPr>
-        <a:xfrm>
-          <a:off x="0" y="0"/>
-          <a:ext cx="0" cy="0"/>
-          <a:chOff x="0" y="0"/>
-          <a:chExt cx="0" cy="0"/>
-        </a:xfrm>
-      </p:grpSpPr>
       <p:pic>
         <p:nvPicPr>
           <p:cNvPr id="4" name="Graphic 1">
@@ -11941,7 +13935,7 @@
             </a:r>
             <a:fld id="{8665FA59-C0FE-4AB6-AD99-2451632B0EBE}" type="slidenum">
               <a:rPr lang="de-DE" sz="900" smtClean="0"/>
-              <a:t>8</a:t>
+              <a:t>5</a:t>
             </a:fld>
             <a:endParaRPr lang="de-DE" sz="900" dirty="0"/>
           </a:p>
@@ -12075,7 +14069,7 @@
 </p:sld>
 </file>
 
-<file path=ppt/slides/slide9.xml><?xml version="1.0" encoding="utf-8"?>
+<file path=ppt/slides/slide6.xml><?xml version="1.0" encoding="utf-8"?>
 <p:sld xmlns:a="http://schemas.openxmlformats.org/drawingml/2006/main" xmlns:r="http://schemas.openxmlformats.org/officeDocument/2006/relationships" xmlns:p="http://schemas.openxmlformats.org/presentationml/2006/main">
   <p:cSld>
     <p:spTree>
@@ -12165,7 +14159,7 @@
             </a:r>
             <a:fld id="{8665FA59-C0FE-4AB6-AD99-2451632B0EBE}" type="slidenum">
               <a:rPr lang="de-DE" sz="900" smtClean="0"/>
-              <a:t>9</a:t>
+              <a:t>6</a:t>
             </a:fld>
             <a:endParaRPr lang="de-DE" sz="900" dirty="0"/>
           </a:p>
@@ -12424,6 +14418,2502 @@
     <p:extLst>
       <p:ext uri="{BB962C8B-B14F-4D97-AF65-F5344CB8AC3E}">
         <p14:creationId xmlns:p14="http://schemas.microsoft.com/office/powerpoint/2010/main" val="3040283090"/>
+      </p:ext>
+    </p:extLst>
+  </p:cSld>
+  <p:clrMapOvr>
+    <a:masterClrMapping/>
+  </p:clrMapOvr>
+</p:sld>
+</file>
+
+<file path=ppt/slides/slide7.xml><?xml version="1.0" encoding="utf-8"?>
+<p:sld xmlns:a="http://schemas.openxmlformats.org/drawingml/2006/main" xmlns:r="http://schemas.openxmlformats.org/officeDocument/2006/relationships" xmlns:p="http://schemas.openxmlformats.org/presentationml/2006/main">
+  <p:cSld>
+    <p:spTree>
+      <p:nvGrpSpPr>
+        <p:cNvPr id="1" name=""/>
+        <p:cNvGrpSpPr/>
+        <p:nvPr/>
+      </p:nvGrpSpPr>
+      <p:grpSpPr>
+        <a:xfrm>
+          <a:off x="0" y="0"/>
+          <a:ext cx="0" cy="0"/>
+          <a:chOff x="0" y="0"/>
+          <a:chExt cx="0" cy="0"/>
+        </a:xfrm>
+      </p:grpSpPr>
+      <p:pic>
+        <p:nvPicPr>
+          <p:cNvPr id="4" name="Graphic 1">
+            <a:extLst>
+              <a:ext uri="{FF2B5EF4-FFF2-40B4-BE49-F238E27FC236}">
+                <a16:creationId xmlns:a16="http://schemas.microsoft.com/office/drawing/2014/main" id="{D4E2A8A5-7B9A-9FCE-2C0C-40115BB72542}"/>
+              </a:ext>
+            </a:extLst>
+          </p:cNvPr>
+          <p:cNvPicPr>
+            <a:picLocks noChangeAspect="1"/>
+          </p:cNvPicPr>
+          <p:nvPr/>
+        </p:nvPicPr>
+        <p:blipFill>
+          <a:blip r:embed="rId3">
+            <a:extLst>
+              <a:ext uri="{28A0092B-C50C-407E-A947-70E740481C1C}">
+                <a14:useLocalDpi xmlns:a14="http://schemas.microsoft.com/office/drawing/2010/main" val="0"/>
+              </a:ext>
+              <a:ext uri="{96DAC541-7B7A-43D3-8B79-37D633B846F1}">
+                <asvg:svgBlip xmlns:asvg="http://schemas.microsoft.com/office/drawing/2016/SVG/main" r:embed="rId4"/>
+              </a:ext>
+            </a:extLst>
+          </a:blip>
+          <a:stretch>
+            <a:fillRect/>
+          </a:stretch>
+        </p:blipFill>
+        <p:spPr>
+          <a:xfrm>
+            <a:off x="160961" y="133521"/>
+            <a:ext cx="2371620" cy="485811"/>
+          </a:xfrm>
+          <a:prstGeom prst="rect">
+            <a:avLst/>
+          </a:prstGeom>
+        </p:spPr>
+      </p:pic>
+      <p:sp>
+        <p:nvSpPr>
+          <p:cNvPr id="6" name="TextBox 5">
+            <a:extLst>
+              <a:ext uri="{FF2B5EF4-FFF2-40B4-BE49-F238E27FC236}">
+                <a16:creationId xmlns:a16="http://schemas.microsoft.com/office/drawing/2014/main" id="{4BF11305-FC23-954B-7998-B1257FEE9257}"/>
+              </a:ext>
+            </a:extLst>
+          </p:cNvPr>
+          <p:cNvSpPr txBox="1"/>
+          <p:nvPr/>
+        </p:nvSpPr>
+        <p:spPr>
+          <a:xfrm>
+            <a:off x="66782" y="6529608"/>
+            <a:ext cx="10986501" cy="230832"/>
+          </a:xfrm>
+          <a:prstGeom prst="rect">
+            <a:avLst/>
+          </a:prstGeom>
+          <a:noFill/>
+        </p:spPr>
+        <p:txBody>
+          <a:bodyPr wrap="square">
+            <a:spAutoFit/>
+          </a:bodyPr>
+          <a:lstStyle/>
+          <a:p>
+            <a:r>
+              <a:rPr lang="de-DE" sz="900" dirty="0">
+                <a:latin typeface="Times New Roman" panose="02020603050405020304" pitchFamily="18" charset="0"/>
+                <a:cs typeface="Times New Roman" panose="02020603050405020304" pitchFamily="18" charset="0"/>
+              </a:rPr>
+              <a:t>Markov-Analyse &amp; Interview| WiSe 2023/24 I Hochschule Bielefeld I Linus Langenkamp, Jolan Eggers, Nicolas Schneider, Redouane Kabouchi I 03.11.2023 I Seite </a:t>
+            </a:r>
+            <a:fld id="{8665FA59-C0FE-4AB6-AD99-2451632B0EBE}" type="slidenum">
+              <a:rPr lang="de-DE" sz="900" smtClean="0">
+                <a:latin typeface="Times New Roman" panose="02020603050405020304" pitchFamily="18" charset="0"/>
+                <a:cs typeface="Times New Roman" panose="02020603050405020304" pitchFamily="18" charset="0"/>
+              </a:rPr>
+              <a:t>7</a:t>
+            </a:fld>
+            <a:endParaRPr lang="de-DE" sz="900" dirty="0">
+              <a:latin typeface="Times New Roman" panose="02020603050405020304" pitchFamily="18" charset="0"/>
+              <a:cs typeface="Times New Roman" panose="02020603050405020304" pitchFamily="18" charset="0"/>
+            </a:endParaRPr>
+          </a:p>
+        </p:txBody>
+      </p:sp>
+      <p:sp>
+        <p:nvSpPr>
+          <p:cNvPr id="7" name="Title 1">
+            <a:extLst>
+              <a:ext uri="{FF2B5EF4-FFF2-40B4-BE49-F238E27FC236}">
+                <a16:creationId xmlns:a16="http://schemas.microsoft.com/office/drawing/2014/main" id="{C134D3AA-85CE-FCC6-6499-8202E6096899}"/>
+              </a:ext>
+            </a:extLst>
+          </p:cNvPr>
+          <p:cNvSpPr txBox="1">
+            <a:spLocks/>
+          </p:cNvSpPr>
+          <p:nvPr/>
+        </p:nvSpPr>
+        <p:spPr>
+          <a:xfrm>
+            <a:off x="738026" y="912189"/>
+            <a:ext cx="9144000" cy="626836"/>
+          </a:xfrm>
+          <a:prstGeom prst="rect">
+            <a:avLst/>
+          </a:prstGeom>
+        </p:spPr>
+        <p:txBody>
+          <a:bodyPr vert="horz" lIns="91440" tIns="45720" rIns="91440" bIns="45720" rtlCol="0" anchor="b">
+            <a:normAutofit/>
+          </a:bodyPr>
+          <a:lstStyle>
+            <a:lvl1pPr algn="ctr" defTabSz="914400" rtl="0" eaLnBrk="1" latinLnBrk="0" hangingPunct="1">
+              <a:lnSpc>
+                <a:spcPct val="90000"/>
+              </a:lnSpc>
+              <a:spcBef>
+                <a:spcPct val="0"/>
+              </a:spcBef>
+              <a:buNone/>
+              <a:defRPr sz="6000" kern="1200">
+                <a:solidFill>
+                  <a:schemeClr val="tx1"/>
+                </a:solidFill>
+                <a:latin typeface="+mj-lt"/>
+                <a:ea typeface="+mj-ea"/>
+                <a:cs typeface="+mj-cs"/>
+              </a:defRPr>
+            </a:lvl1pPr>
+          </a:lstStyle>
+          <a:p>
+            <a:pPr algn="l">
+              <a:lnSpc>
+                <a:spcPct val="100000"/>
+              </a:lnSpc>
+              <a:spcAft>
+                <a:spcPts val="600"/>
+              </a:spcAft>
+            </a:pPr>
+            <a:r>
+              <a:rPr lang="de-DE" sz="2800" b="1" dirty="0">
+                <a:effectLst/>
+                <a:latin typeface="Times New Roman" panose="02020603050405020304" pitchFamily="18" charset="0"/>
+                <a:ea typeface="Times New Roman" panose="02020603050405020304" pitchFamily="18" charset="0"/>
+                <a:cs typeface="Times New Roman" panose="02020603050405020304" pitchFamily="18" charset="0"/>
+              </a:rPr>
+              <a:t>Markov-Ketten und Anwendungsbereiche</a:t>
+            </a:r>
+            <a:endParaRPr lang="de-DE" sz="2800" dirty="0">
+              <a:latin typeface="Times New Roman" panose="02020603050405020304" pitchFamily="18" charset="0"/>
+              <a:cs typeface="Times New Roman" panose="02020603050405020304" pitchFamily="18" charset="0"/>
+            </a:endParaRPr>
+          </a:p>
+        </p:txBody>
+      </p:sp>
+      <p:sp>
+        <p:nvSpPr>
+          <p:cNvPr id="3" name="Textplatzhalter 3">
+            <a:extLst>
+              <a:ext uri="{FF2B5EF4-FFF2-40B4-BE49-F238E27FC236}">
+                <a16:creationId xmlns:a16="http://schemas.microsoft.com/office/drawing/2014/main" id="{126ACAB5-6473-A944-E286-79834AD483C7}"/>
+              </a:ext>
+            </a:extLst>
+          </p:cNvPr>
+          <p:cNvSpPr txBox="1">
+            <a:spLocks/>
+          </p:cNvSpPr>
+          <p:nvPr/>
+        </p:nvSpPr>
+        <p:spPr>
+          <a:xfrm>
+            <a:off x="839788" y="1681163"/>
+            <a:ext cx="5157787" cy="823912"/>
+          </a:xfrm>
+          <a:prstGeom prst="rect">
+            <a:avLst/>
+          </a:prstGeom>
+        </p:spPr>
+        <p:txBody>
+          <a:bodyPr vert="horz" lIns="91440" tIns="45720" rIns="91440" bIns="45720" rtlCol="0">
+            <a:normAutofit/>
+          </a:bodyPr>
+          <a:lstStyle>
+            <a:lvl1pPr marL="0" indent="0" algn="ctr" defTabSz="914400" rtl="0" eaLnBrk="1" latinLnBrk="0" hangingPunct="1">
+              <a:lnSpc>
+                <a:spcPct val="90000"/>
+              </a:lnSpc>
+              <a:spcBef>
+                <a:spcPts val="1000"/>
+              </a:spcBef>
+              <a:buFont typeface="Arial" panose="020B0604020202020204" pitchFamily="34" charset="0"/>
+              <a:buNone/>
+              <a:defRPr sz="2400" kern="1200">
+                <a:solidFill>
+                  <a:schemeClr val="tx1"/>
+                </a:solidFill>
+                <a:latin typeface="+mn-lt"/>
+                <a:ea typeface="+mn-ea"/>
+                <a:cs typeface="+mn-cs"/>
+              </a:defRPr>
+            </a:lvl1pPr>
+            <a:lvl2pPr marL="457200" indent="0" algn="ctr" defTabSz="914400" rtl="0" eaLnBrk="1" latinLnBrk="0" hangingPunct="1">
+              <a:lnSpc>
+                <a:spcPct val="90000"/>
+              </a:lnSpc>
+              <a:spcBef>
+                <a:spcPts val="500"/>
+              </a:spcBef>
+              <a:buFont typeface="Arial" panose="020B0604020202020204" pitchFamily="34" charset="0"/>
+              <a:buNone/>
+              <a:defRPr sz="2000" kern="1200">
+                <a:solidFill>
+                  <a:schemeClr val="tx1"/>
+                </a:solidFill>
+                <a:latin typeface="+mn-lt"/>
+                <a:ea typeface="+mn-ea"/>
+                <a:cs typeface="+mn-cs"/>
+              </a:defRPr>
+            </a:lvl2pPr>
+            <a:lvl3pPr marL="914400" indent="0" algn="ctr" defTabSz="914400" rtl="0" eaLnBrk="1" latinLnBrk="0" hangingPunct="1">
+              <a:lnSpc>
+                <a:spcPct val="90000"/>
+              </a:lnSpc>
+              <a:spcBef>
+                <a:spcPts val="500"/>
+              </a:spcBef>
+              <a:buFont typeface="Arial" panose="020B0604020202020204" pitchFamily="34" charset="0"/>
+              <a:buNone/>
+              <a:defRPr sz="1800" kern="1200">
+                <a:solidFill>
+                  <a:schemeClr val="tx1"/>
+                </a:solidFill>
+                <a:latin typeface="+mn-lt"/>
+                <a:ea typeface="+mn-ea"/>
+                <a:cs typeface="+mn-cs"/>
+              </a:defRPr>
+            </a:lvl3pPr>
+            <a:lvl4pPr marL="1371600" indent="0" algn="ctr" defTabSz="914400" rtl="0" eaLnBrk="1" latinLnBrk="0" hangingPunct="1">
+              <a:lnSpc>
+                <a:spcPct val="90000"/>
+              </a:lnSpc>
+              <a:spcBef>
+                <a:spcPts val="500"/>
+              </a:spcBef>
+              <a:buFont typeface="Arial" panose="020B0604020202020204" pitchFamily="34" charset="0"/>
+              <a:buNone/>
+              <a:defRPr sz="1600" kern="1200">
+                <a:solidFill>
+                  <a:schemeClr val="tx1"/>
+                </a:solidFill>
+                <a:latin typeface="+mn-lt"/>
+                <a:ea typeface="+mn-ea"/>
+                <a:cs typeface="+mn-cs"/>
+              </a:defRPr>
+            </a:lvl4pPr>
+            <a:lvl5pPr marL="1828800" indent="0" algn="ctr" defTabSz="914400" rtl="0" eaLnBrk="1" latinLnBrk="0" hangingPunct="1">
+              <a:lnSpc>
+                <a:spcPct val="90000"/>
+              </a:lnSpc>
+              <a:spcBef>
+                <a:spcPts val="500"/>
+              </a:spcBef>
+              <a:buFont typeface="Arial" panose="020B0604020202020204" pitchFamily="34" charset="0"/>
+              <a:buNone/>
+              <a:defRPr sz="1600" kern="1200">
+                <a:solidFill>
+                  <a:schemeClr val="tx1"/>
+                </a:solidFill>
+                <a:latin typeface="+mn-lt"/>
+                <a:ea typeface="+mn-ea"/>
+                <a:cs typeface="+mn-cs"/>
+              </a:defRPr>
+            </a:lvl5pPr>
+            <a:lvl6pPr marL="2286000" indent="0" algn="ctr" defTabSz="914400" rtl="0" eaLnBrk="1" latinLnBrk="0" hangingPunct="1">
+              <a:lnSpc>
+                <a:spcPct val="90000"/>
+              </a:lnSpc>
+              <a:spcBef>
+                <a:spcPts val="500"/>
+              </a:spcBef>
+              <a:buFont typeface="Arial" panose="020B0604020202020204" pitchFamily="34" charset="0"/>
+              <a:buNone/>
+              <a:defRPr sz="1600" kern="1200">
+                <a:solidFill>
+                  <a:schemeClr val="tx1"/>
+                </a:solidFill>
+                <a:latin typeface="+mn-lt"/>
+                <a:ea typeface="+mn-ea"/>
+                <a:cs typeface="+mn-cs"/>
+              </a:defRPr>
+            </a:lvl6pPr>
+            <a:lvl7pPr marL="2743200" indent="0" algn="ctr" defTabSz="914400" rtl="0" eaLnBrk="1" latinLnBrk="0" hangingPunct="1">
+              <a:lnSpc>
+                <a:spcPct val="90000"/>
+              </a:lnSpc>
+              <a:spcBef>
+                <a:spcPts val="500"/>
+              </a:spcBef>
+              <a:buFont typeface="Arial" panose="020B0604020202020204" pitchFamily="34" charset="0"/>
+              <a:buNone/>
+              <a:defRPr sz="1600" kern="1200">
+                <a:solidFill>
+                  <a:schemeClr val="tx1"/>
+                </a:solidFill>
+                <a:latin typeface="+mn-lt"/>
+                <a:ea typeface="+mn-ea"/>
+                <a:cs typeface="+mn-cs"/>
+              </a:defRPr>
+            </a:lvl7pPr>
+            <a:lvl8pPr marL="3200400" indent="0" algn="ctr" defTabSz="914400" rtl="0" eaLnBrk="1" latinLnBrk="0" hangingPunct="1">
+              <a:lnSpc>
+                <a:spcPct val="90000"/>
+              </a:lnSpc>
+              <a:spcBef>
+                <a:spcPts val="500"/>
+              </a:spcBef>
+              <a:buFont typeface="Arial" panose="020B0604020202020204" pitchFamily="34" charset="0"/>
+              <a:buNone/>
+              <a:defRPr sz="1600" kern="1200">
+                <a:solidFill>
+                  <a:schemeClr val="tx1"/>
+                </a:solidFill>
+                <a:latin typeface="+mn-lt"/>
+                <a:ea typeface="+mn-ea"/>
+                <a:cs typeface="+mn-cs"/>
+              </a:defRPr>
+            </a:lvl8pPr>
+            <a:lvl9pPr marL="3657600" indent="0" algn="ctr" defTabSz="914400" rtl="0" eaLnBrk="1" latinLnBrk="0" hangingPunct="1">
+              <a:lnSpc>
+                <a:spcPct val="90000"/>
+              </a:lnSpc>
+              <a:spcBef>
+                <a:spcPts val="500"/>
+              </a:spcBef>
+              <a:buFont typeface="Arial" panose="020B0604020202020204" pitchFamily="34" charset="0"/>
+              <a:buNone/>
+              <a:defRPr sz="1600" kern="1200">
+                <a:solidFill>
+                  <a:schemeClr val="tx1"/>
+                </a:solidFill>
+                <a:latin typeface="+mn-lt"/>
+                <a:ea typeface="+mn-ea"/>
+                <a:cs typeface="+mn-cs"/>
+              </a:defRPr>
+            </a:lvl9pPr>
+          </a:lstStyle>
+          <a:p>
+            <a:pPr algn="l"/>
+            <a:r>
+              <a:rPr lang="de-DE" b="1" dirty="0">
+                <a:latin typeface="Times New Roman" panose="02020603050405020304" pitchFamily="18" charset="0"/>
+                <a:cs typeface="Times New Roman" panose="02020603050405020304" pitchFamily="18" charset="0"/>
+              </a:rPr>
+              <a:t>Markov-Ketten</a:t>
+            </a:r>
+          </a:p>
+        </p:txBody>
+      </p:sp>
+      <p:sp>
+        <p:nvSpPr>
+          <p:cNvPr id="9" name="Inhaltsplatzhalter 4">
+            <a:extLst>
+              <a:ext uri="{FF2B5EF4-FFF2-40B4-BE49-F238E27FC236}">
+                <a16:creationId xmlns:a16="http://schemas.microsoft.com/office/drawing/2014/main" id="{55391D9A-5E5D-C5B4-C97A-FE9002689CAD}"/>
+              </a:ext>
+            </a:extLst>
+          </p:cNvPr>
+          <p:cNvSpPr txBox="1">
+            <a:spLocks/>
+          </p:cNvSpPr>
+          <p:nvPr/>
+        </p:nvSpPr>
+        <p:spPr>
+          <a:xfrm>
+            <a:off x="839788" y="2505075"/>
+            <a:ext cx="5157787" cy="3684588"/>
+          </a:xfrm>
+          <a:prstGeom prst="rect">
+            <a:avLst/>
+          </a:prstGeom>
+        </p:spPr>
+        <p:txBody>
+          <a:bodyPr>
+            <a:normAutofit/>
+          </a:bodyPr>
+          <a:lstStyle>
+            <a:lvl1pPr marL="228600" indent="-228600" algn="l" defTabSz="914400" rtl="0" eaLnBrk="1" latinLnBrk="0" hangingPunct="1">
+              <a:lnSpc>
+                <a:spcPct val="90000"/>
+              </a:lnSpc>
+              <a:spcBef>
+                <a:spcPts val="1000"/>
+              </a:spcBef>
+              <a:buFont typeface="Arial" panose="020B0604020202020204" pitchFamily="34" charset="0"/>
+              <a:buChar char="•"/>
+              <a:defRPr sz="2800" kern="1200">
+                <a:solidFill>
+                  <a:schemeClr val="tx1"/>
+                </a:solidFill>
+                <a:latin typeface="+mn-lt"/>
+                <a:ea typeface="+mn-ea"/>
+                <a:cs typeface="+mn-cs"/>
+              </a:defRPr>
+            </a:lvl1pPr>
+            <a:lvl2pPr marL="685800" indent="-228600" algn="l" defTabSz="914400" rtl="0" eaLnBrk="1" latinLnBrk="0" hangingPunct="1">
+              <a:lnSpc>
+                <a:spcPct val="90000"/>
+              </a:lnSpc>
+              <a:spcBef>
+                <a:spcPts val="500"/>
+              </a:spcBef>
+              <a:buFont typeface="Arial" panose="020B0604020202020204" pitchFamily="34" charset="0"/>
+              <a:buChar char="•"/>
+              <a:defRPr sz="2400" kern="1200">
+                <a:solidFill>
+                  <a:schemeClr val="tx1"/>
+                </a:solidFill>
+                <a:latin typeface="+mn-lt"/>
+                <a:ea typeface="+mn-ea"/>
+                <a:cs typeface="+mn-cs"/>
+              </a:defRPr>
+            </a:lvl2pPr>
+            <a:lvl3pPr marL="1143000" indent="-228600" algn="l" defTabSz="914400" rtl="0" eaLnBrk="1" latinLnBrk="0" hangingPunct="1">
+              <a:lnSpc>
+                <a:spcPct val="90000"/>
+              </a:lnSpc>
+              <a:spcBef>
+                <a:spcPts val="500"/>
+              </a:spcBef>
+              <a:buFont typeface="Arial" panose="020B0604020202020204" pitchFamily="34" charset="0"/>
+              <a:buChar char="•"/>
+              <a:defRPr sz="2000" kern="1200">
+                <a:solidFill>
+                  <a:schemeClr val="tx1"/>
+                </a:solidFill>
+                <a:latin typeface="+mn-lt"/>
+                <a:ea typeface="+mn-ea"/>
+                <a:cs typeface="+mn-cs"/>
+              </a:defRPr>
+            </a:lvl3pPr>
+            <a:lvl4pPr marL="1600200" indent="-228600" algn="l" defTabSz="914400" rtl="0" eaLnBrk="1" latinLnBrk="0" hangingPunct="1">
+              <a:lnSpc>
+                <a:spcPct val="90000"/>
+              </a:lnSpc>
+              <a:spcBef>
+                <a:spcPts val="500"/>
+              </a:spcBef>
+              <a:buFont typeface="Arial" panose="020B0604020202020204" pitchFamily="34" charset="0"/>
+              <a:buChar char="•"/>
+              <a:defRPr sz="1800" kern="1200">
+                <a:solidFill>
+                  <a:schemeClr val="tx1"/>
+                </a:solidFill>
+                <a:latin typeface="+mn-lt"/>
+                <a:ea typeface="+mn-ea"/>
+                <a:cs typeface="+mn-cs"/>
+              </a:defRPr>
+            </a:lvl4pPr>
+            <a:lvl5pPr marL="2057400" indent="-228600" algn="l" defTabSz="914400" rtl="0" eaLnBrk="1" latinLnBrk="0" hangingPunct="1">
+              <a:lnSpc>
+                <a:spcPct val="90000"/>
+              </a:lnSpc>
+              <a:spcBef>
+                <a:spcPts val="500"/>
+              </a:spcBef>
+              <a:buFont typeface="Arial" panose="020B0604020202020204" pitchFamily="34" charset="0"/>
+              <a:buChar char="•"/>
+              <a:defRPr sz="1800" kern="1200">
+                <a:solidFill>
+                  <a:schemeClr val="tx1"/>
+                </a:solidFill>
+                <a:latin typeface="+mn-lt"/>
+                <a:ea typeface="+mn-ea"/>
+                <a:cs typeface="+mn-cs"/>
+              </a:defRPr>
+            </a:lvl5pPr>
+            <a:lvl6pPr marL="2514600" indent="-228600" algn="l" defTabSz="914400" rtl="0" eaLnBrk="1" latinLnBrk="0" hangingPunct="1">
+              <a:lnSpc>
+                <a:spcPct val="90000"/>
+              </a:lnSpc>
+              <a:spcBef>
+                <a:spcPts val="500"/>
+              </a:spcBef>
+              <a:buFont typeface="Arial" panose="020B0604020202020204" pitchFamily="34" charset="0"/>
+              <a:buChar char="•"/>
+              <a:defRPr sz="1800" kern="1200">
+                <a:solidFill>
+                  <a:schemeClr val="tx1"/>
+                </a:solidFill>
+                <a:latin typeface="+mn-lt"/>
+                <a:ea typeface="+mn-ea"/>
+                <a:cs typeface="+mn-cs"/>
+              </a:defRPr>
+            </a:lvl6pPr>
+            <a:lvl7pPr marL="2971800" indent="-228600" algn="l" defTabSz="914400" rtl="0" eaLnBrk="1" latinLnBrk="0" hangingPunct="1">
+              <a:lnSpc>
+                <a:spcPct val="90000"/>
+              </a:lnSpc>
+              <a:spcBef>
+                <a:spcPts val="500"/>
+              </a:spcBef>
+              <a:buFont typeface="Arial" panose="020B0604020202020204" pitchFamily="34" charset="0"/>
+              <a:buChar char="•"/>
+              <a:defRPr sz="1800" kern="1200">
+                <a:solidFill>
+                  <a:schemeClr val="tx1"/>
+                </a:solidFill>
+                <a:latin typeface="+mn-lt"/>
+                <a:ea typeface="+mn-ea"/>
+                <a:cs typeface="+mn-cs"/>
+              </a:defRPr>
+            </a:lvl7pPr>
+            <a:lvl8pPr marL="3429000" indent="-228600" algn="l" defTabSz="914400" rtl="0" eaLnBrk="1" latinLnBrk="0" hangingPunct="1">
+              <a:lnSpc>
+                <a:spcPct val="90000"/>
+              </a:lnSpc>
+              <a:spcBef>
+                <a:spcPts val="500"/>
+              </a:spcBef>
+              <a:buFont typeface="Arial" panose="020B0604020202020204" pitchFamily="34" charset="0"/>
+              <a:buChar char="•"/>
+              <a:defRPr sz="1800" kern="1200">
+                <a:solidFill>
+                  <a:schemeClr val="tx1"/>
+                </a:solidFill>
+                <a:latin typeface="+mn-lt"/>
+                <a:ea typeface="+mn-ea"/>
+                <a:cs typeface="+mn-cs"/>
+              </a:defRPr>
+            </a:lvl8pPr>
+            <a:lvl9pPr marL="3886200" indent="-228600" algn="l" defTabSz="914400" rtl="0" eaLnBrk="1" latinLnBrk="0" hangingPunct="1">
+              <a:lnSpc>
+                <a:spcPct val="90000"/>
+              </a:lnSpc>
+              <a:spcBef>
+                <a:spcPts val="500"/>
+              </a:spcBef>
+              <a:buFont typeface="Arial" panose="020B0604020202020204" pitchFamily="34" charset="0"/>
+              <a:buChar char="•"/>
+              <a:defRPr sz="1800" kern="1200">
+                <a:solidFill>
+                  <a:schemeClr val="tx1"/>
+                </a:solidFill>
+                <a:latin typeface="+mn-lt"/>
+                <a:ea typeface="+mn-ea"/>
+                <a:cs typeface="+mn-cs"/>
+              </a:defRPr>
+            </a:lvl9pPr>
+          </a:lstStyle>
+          <a:p>
+            <a:r>
+              <a:rPr lang="de-DE" sz="1800" dirty="0">
+                <a:latin typeface="Times New Roman" panose="02020603050405020304" pitchFamily="18" charset="0"/>
+                <a:cs typeface="Times New Roman" panose="02020603050405020304" pitchFamily="18" charset="0"/>
+              </a:rPr>
+              <a:t>Zustand abhängig nur vom unmittelbaren Vorgänger</a:t>
+            </a:r>
+          </a:p>
+          <a:p>
+            <a:r>
+              <a:rPr lang="de-DE" sz="1800" dirty="0">
+                <a:latin typeface="Times New Roman" panose="02020603050405020304" pitchFamily="18" charset="0"/>
+                <a:cs typeface="Times New Roman" panose="02020603050405020304" pitchFamily="18" charset="0"/>
+              </a:rPr>
+              <a:t>Migrationsmatrix beschreibt Wahrscheinlichkeiten der Zustandsänderung</a:t>
+            </a:r>
+          </a:p>
+        </p:txBody>
+      </p:sp>
+      <p:sp>
+        <p:nvSpPr>
+          <p:cNvPr id="10" name="Textplatzhalter 5">
+            <a:extLst>
+              <a:ext uri="{FF2B5EF4-FFF2-40B4-BE49-F238E27FC236}">
+                <a16:creationId xmlns:a16="http://schemas.microsoft.com/office/drawing/2014/main" id="{023AA9A8-337E-B922-F7F9-19DA53F17000}"/>
+              </a:ext>
+            </a:extLst>
+          </p:cNvPr>
+          <p:cNvSpPr txBox="1">
+            <a:spLocks/>
+          </p:cNvSpPr>
+          <p:nvPr/>
+        </p:nvSpPr>
+        <p:spPr>
+          <a:xfrm>
+            <a:off x="6172200" y="1681163"/>
+            <a:ext cx="5183188" cy="823912"/>
+          </a:xfrm>
+          <a:prstGeom prst="rect">
+            <a:avLst/>
+          </a:prstGeom>
+        </p:spPr>
+        <p:txBody>
+          <a:bodyPr/>
+          <a:lstStyle>
+            <a:lvl1pPr marL="228600" indent="-228600" algn="l" defTabSz="914400" rtl="0" eaLnBrk="1" latinLnBrk="0" hangingPunct="1">
+              <a:lnSpc>
+                <a:spcPct val="90000"/>
+              </a:lnSpc>
+              <a:spcBef>
+                <a:spcPts val="1000"/>
+              </a:spcBef>
+              <a:buFont typeface="Arial" panose="020B0604020202020204" pitchFamily="34" charset="0"/>
+              <a:buChar char="•"/>
+              <a:defRPr sz="2800" kern="1200">
+                <a:solidFill>
+                  <a:schemeClr val="tx1"/>
+                </a:solidFill>
+                <a:latin typeface="+mn-lt"/>
+                <a:ea typeface="+mn-ea"/>
+                <a:cs typeface="+mn-cs"/>
+              </a:defRPr>
+            </a:lvl1pPr>
+            <a:lvl2pPr marL="685800" indent="-228600" algn="l" defTabSz="914400" rtl="0" eaLnBrk="1" latinLnBrk="0" hangingPunct="1">
+              <a:lnSpc>
+                <a:spcPct val="90000"/>
+              </a:lnSpc>
+              <a:spcBef>
+                <a:spcPts val="500"/>
+              </a:spcBef>
+              <a:buFont typeface="Arial" panose="020B0604020202020204" pitchFamily="34" charset="0"/>
+              <a:buChar char="•"/>
+              <a:defRPr sz="2400" kern="1200">
+                <a:solidFill>
+                  <a:schemeClr val="tx1"/>
+                </a:solidFill>
+                <a:latin typeface="+mn-lt"/>
+                <a:ea typeface="+mn-ea"/>
+                <a:cs typeface="+mn-cs"/>
+              </a:defRPr>
+            </a:lvl2pPr>
+            <a:lvl3pPr marL="1143000" indent="-228600" algn="l" defTabSz="914400" rtl="0" eaLnBrk="1" latinLnBrk="0" hangingPunct="1">
+              <a:lnSpc>
+                <a:spcPct val="90000"/>
+              </a:lnSpc>
+              <a:spcBef>
+                <a:spcPts val="500"/>
+              </a:spcBef>
+              <a:buFont typeface="Arial" panose="020B0604020202020204" pitchFamily="34" charset="0"/>
+              <a:buChar char="•"/>
+              <a:defRPr sz="2000" kern="1200">
+                <a:solidFill>
+                  <a:schemeClr val="tx1"/>
+                </a:solidFill>
+                <a:latin typeface="+mn-lt"/>
+                <a:ea typeface="+mn-ea"/>
+                <a:cs typeface="+mn-cs"/>
+              </a:defRPr>
+            </a:lvl3pPr>
+            <a:lvl4pPr marL="1600200" indent="-228600" algn="l" defTabSz="914400" rtl="0" eaLnBrk="1" latinLnBrk="0" hangingPunct="1">
+              <a:lnSpc>
+                <a:spcPct val="90000"/>
+              </a:lnSpc>
+              <a:spcBef>
+                <a:spcPts val="500"/>
+              </a:spcBef>
+              <a:buFont typeface="Arial" panose="020B0604020202020204" pitchFamily="34" charset="0"/>
+              <a:buChar char="•"/>
+              <a:defRPr sz="1800" kern="1200">
+                <a:solidFill>
+                  <a:schemeClr val="tx1"/>
+                </a:solidFill>
+                <a:latin typeface="+mn-lt"/>
+                <a:ea typeface="+mn-ea"/>
+                <a:cs typeface="+mn-cs"/>
+              </a:defRPr>
+            </a:lvl4pPr>
+            <a:lvl5pPr marL="2057400" indent="-228600" algn="l" defTabSz="914400" rtl="0" eaLnBrk="1" latinLnBrk="0" hangingPunct="1">
+              <a:lnSpc>
+                <a:spcPct val="90000"/>
+              </a:lnSpc>
+              <a:spcBef>
+                <a:spcPts val="500"/>
+              </a:spcBef>
+              <a:buFont typeface="Arial" panose="020B0604020202020204" pitchFamily="34" charset="0"/>
+              <a:buChar char="•"/>
+              <a:defRPr sz="1800" kern="1200">
+                <a:solidFill>
+                  <a:schemeClr val="tx1"/>
+                </a:solidFill>
+                <a:latin typeface="+mn-lt"/>
+                <a:ea typeface="+mn-ea"/>
+                <a:cs typeface="+mn-cs"/>
+              </a:defRPr>
+            </a:lvl5pPr>
+            <a:lvl6pPr marL="2514600" indent="-228600" algn="l" defTabSz="914400" rtl="0" eaLnBrk="1" latinLnBrk="0" hangingPunct="1">
+              <a:lnSpc>
+                <a:spcPct val="90000"/>
+              </a:lnSpc>
+              <a:spcBef>
+                <a:spcPts val="500"/>
+              </a:spcBef>
+              <a:buFont typeface="Arial" panose="020B0604020202020204" pitchFamily="34" charset="0"/>
+              <a:buChar char="•"/>
+              <a:defRPr sz="1800" kern="1200">
+                <a:solidFill>
+                  <a:schemeClr val="tx1"/>
+                </a:solidFill>
+                <a:latin typeface="+mn-lt"/>
+                <a:ea typeface="+mn-ea"/>
+                <a:cs typeface="+mn-cs"/>
+              </a:defRPr>
+            </a:lvl6pPr>
+            <a:lvl7pPr marL="2971800" indent="-228600" algn="l" defTabSz="914400" rtl="0" eaLnBrk="1" latinLnBrk="0" hangingPunct="1">
+              <a:lnSpc>
+                <a:spcPct val="90000"/>
+              </a:lnSpc>
+              <a:spcBef>
+                <a:spcPts val="500"/>
+              </a:spcBef>
+              <a:buFont typeface="Arial" panose="020B0604020202020204" pitchFamily="34" charset="0"/>
+              <a:buChar char="•"/>
+              <a:defRPr sz="1800" kern="1200">
+                <a:solidFill>
+                  <a:schemeClr val="tx1"/>
+                </a:solidFill>
+                <a:latin typeface="+mn-lt"/>
+                <a:ea typeface="+mn-ea"/>
+                <a:cs typeface="+mn-cs"/>
+              </a:defRPr>
+            </a:lvl7pPr>
+            <a:lvl8pPr marL="3429000" indent="-228600" algn="l" defTabSz="914400" rtl="0" eaLnBrk="1" latinLnBrk="0" hangingPunct="1">
+              <a:lnSpc>
+                <a:spcPct val="90000"/>
+              </a:lnSpc>
+              <a:spcBef>
+                <a:spcPts val="500"/>
+              </a:spcBef>
+              <a:buFont typeface="Arial" panose="020B0604020202020204" pitchFamily="34" charset="0"/>
+              <a:buChar char="•"/>
+              <a:defRPr sz="1800" kern="1200">
+                <a:solidFill>
+                  <a:schemeClr val="tx1"/>
+                </a:solidFill>
+                <a:latin typeface="+mn-lt"/>
+                <a:ea typeface="+mn-ea"/>
+                <a:cs typeface="+mn-cs"/>
+              </a:defRPr>
+            </a:lvl8pPr>
+            <a:lvl9pPr marL="3886200" indent="-228600" algn="l" defTabSz="914400" rtl="0" eaLnBrk="1" latinLnBrk="0" hangingPunct="1">
+              <a:lnSpc>
+                <a:spcPct val="90000"/>
+              </a:lnSpc>
+              <a:spcBef>
+                <a:spcPts val="500"/>
+              </a:spcBef>
+              <a:buFont typeface="Arial" panose="020B0604020202020204" pitchFamily="34" charset="0"/>
+              <a:buChar char="•"/>
+              <a:defRPr sz="1800" kern="1200">
+                <a:solidFill>
+                  <a:schemeClr val="tx1"/>
+                </a:solidFill>
+                <a:latin typeface="+mn-lt"/>
+                <a:ea typeface="+mn-ea"/>
+                <a:cs typeface="+mn-cs"/>
+              </a:defRPr>
+            </a:lvl9pPr>
+          </a:lstStyle>
+          <a:p>
+            <a:pPr marL="0" indent="0">
+              <a:buNone/>
+            </a:pPr>
+            <a:r>
+              <a:rPr lang="de-DE" sz="2400" b="1" dirty="0">
+                <a:latin typeface="Times New Roman" panose="02020603050405020304" pitchFamily="18" charset="0"/>
+                <a:cs typeface="Times New Roman" panose="02020603050405020304" pitchFamily="18" charset="0"/>
+              </a:rPr>
+              <a:t>Anwendungsbereiche</a:t>
+            </a:r>
+          </a:p>
+        </p:txBody>
+      </p:sp>
+      <p:sp>
+        <p:nvSpPr>
+          <p:cNvPr id="11" name="Inhaltsplatzhalter 6">
+            <a:extLst>
+              <a:ext uri="{FF2B5EF4-FFF2-40B4-BE49-F238E27FC236}">
+                <a16:creationId xmlns:a16="http://schemas.microsoft.com/office/drawing/2014/main" id="{C743ED28-6F44-1FD4-890C-F2390B18F580}"/>
+              </a:ext>
+            </a:extLst>
+          </p:cNvPr>
+          <p:cNvSpPr txBox="1">
+            <a:spLocks/>
+          </p:cNvSpPr>
+          <p:nvPr/>
+        </p:nvSpPr>
+        <p:spPr>
+          <a:xfrm>
+            <a:off x="6172200" y="2505075"/>
+            <a:ext cx="5183188" cy="3684588"/>
+          </a:xfrm>
+          <a:prstGeom prst="rect">
+            <a:avLst/>
+          </a:prstGeom>
+        </p:spPr>
+        <p:txBody>
+          <a:bodyPr>
+            <a:normAutofit/>
+          </a:bodyPr>
+          <a:lstStyle>
+            <a:lvl1pPr marL="228600" indent="-228600" algn="l" defTabSz="914400" rtl="0" eaLnBrk="1" latinLnBrk="0" hangingPunct="1">
+              <a:lnSpc>
+                <a:spcPct val="90000"/>
+              </a:lnSpc>
+              <a:spcBef>
+                <a:spcPts val="1000"/>
+              </a:spcBef>
+              <a:buFont typeface="Arial" panose="020B0604020202020204" pitchFamily="34" charset="0"/>
+              <a:buChar char="•"/>
+              <a:defRPr sz="2800" kern="1200">
+                <a:solidFill>
+                  <a:schemeClr val="tx1"/>
+                </a:solidFill>
+                <a:latin typeface="+mn-lt"/>
+                <a:ea typeface="+mn-ea"/>
+                <a:cs typeface="+mn-cs"/>
+              </a:defRPr>
+            </a:lvl1pPr>
+            <a:lvl2pPr marL="685800" indent="-228600" algn="l" defTabSz="914400" rtl="0" eaLnBrk="1" latinLnBrk="0" hangingPunct="1">
+              <a:lnSpc>
+                <a:spcPct val="90000"/>
+              </a:lnSpc>
+              <a:spcBef>
+                <a:spcPts val="500"/>
+              </a:spcBef>
+              <a:buFont typeface="Arial" panose="020B0604020202020204" pitchFamily="34" charset="0"/>
+              <a:buChar char="•"/>
+              <a:defRPr sz="2400" kern="1200">
+                <a:solidFill>
+                  <a:schemeClr val="tx1"/>
+                </a:solidFill>
+                <a:latin typeface="+mn-lt"/>
+                <a:ea typeface="+mn-ea"/>
+                <a:cs typeface="+mn-cs"/>
+              </a:defRPr>
+            </a:lvl2pPr>
+            <a:lvl3pPr marL="1143000" indent="-228600" algn="l" defTabSz="914400" rtl="0" eaLnBrk="1" latinLnBrk="0" hangingPunct="1">
+              <a:lnSpc>
+                <a:spcPct val="90000"/>
+              </a:lnSpc>
+              <a:spcBef>
+                <a:spcPts val="500"/>
+              </a:spcBef>
+              <a:buFont typeface="Arial" panose="020B0604020202020204" pitchFamily="34" charset="0"/>
+              <a:buChar char="•"/>
+              <a:defRPr sz="2000" kern="1200">
+                <a:solidFill>
+                  <a:schemeClr val="tx1"/>
+                </a:solidFill>
+                <a:latin typeface="+mn-lt"/>
+                <a:ea typeface="+mn-ea"/>
+                <a:cs typeface="+mn-cs"/>
+              </a:defRPr>
+            </a:lvl3pPr>
+            <a:lvl4pPr marL="1600200" indent="-228600" algn="l" defTabSz="914400" rtl="0" eaLnBrk="1" latinLnBrk="0" hangingPunct="1">
+              <a:lnSpc>
+                <a:spcPct val="90000"/>
+              </a:lnSpc>
+              <a:spcBef>
+                <a:spcPts val="500"/>
+              </a:spcBef>
+              <a:buFont typeface="Arial" panose="020B0604020202020204" pitchFamily="34" charset="0"/>
+              <a:buChar char="•"/>
+              <a:defRPr sz="1800" kern="1200">
+                <a:solidFill>
+                  <a:schemeClr val="tx1"/>
+                </a:solidFill>
+                <a:latin typeface="+mn-lt"/>
+                <a:ea typeface="+mn-ea"/>
+                <a:cs typeface="+mn-cs"/>
+              </a:defRPr>
+            </a:lvl4pPr>
+            <a:lvl5pPr marL="2057400" indent="-228600" algn="l" defTabSz="914400" rtl="0" eaLnBrk="1" latinLnBrk="0" hangingPunct="1">
+              <a:lnSpc>
+                <a:spcPct val="90000"/>
+              </a:lnSpc>
+              <a:spcBef>
+                <a:spcPts val="500"/>
+              </a:spcBef>
+              <a:buFont typeface="Arial" panose="020B0604020202020204" pitchFamily="34" charset="0"/>
+              <a:buChar char="•"/>
+              <a:defRPr sz="1800" kern="1200">
+                <a:solidFill>
+                  <a:schemeClr val="tx1"/>
+                </a:solidFill>
+                <a:latin typeface="+mn-lt"/>
+                <a:ea typeface="+mn-ea"/>
+                <a:cs typeface="+mn-cs"/>
+              </a:defRPr>
+            </a:lvl5pPr>
+            <a:lvl6pPr marL="2514600" indent="-228600" algn="l" defTabSz="914400" rtl="0" eaLnBrk="1" latinLnBrk="0" hangingPunct="1">
+              <a:lnSpc>
+                <a:spcPct val="90000"/>
+              </a:lnSpc>
+              <a:spcBef>
+                <a:spcPts val="500"/>
+              </a:spcBef>
+              <a:buFont typeface="Arial" panose="020B0604020202020204" pitchFamily="34" charset="0"/>
+              <a:buChar char="•"/>
+              <a:defRPr sz="1800" kern="1200">
+                <a:solidFill>
+                  <a:schemeClr val="tx1"/>
+                </a:solidFill>
+                <a:latin typeface="+mn-lt"/>
+                <a:ea typeface="+mn-ea"/>
+                <a:cs typeface="+mn-cs"/>
+              </a:defRPr>
+            </a:lvl6pPr>
+            <a:lvl7pPr marL="2971800" indent="-228600" algn="l" defTabSz="914400" rtl="0" eaLnBrk="1" latinLnBrk="0" hangingPunct="1">
+              <a:lnSpc>
+                <a:spcPct val="90000"/>
+              </a:lnSpc>
+              <a:spcBef>
+                <a:spcPts val="500"/>
+              </a:spcBef>
+              <a:buFont typeface="Arial" panose="020B0604020202020204" pitchFamily="34" charset="0"/>
+              <a:buChar char="•"/>
+              <a:defRPr sz="1800" kern="1200">
+                <a:solidFill>
+                  <a:schemeClr val="tx1"/>
+                </a:solidFill>
+                <a:latin typeface="+mn-lt"/>
+                <a:ea typeface="+mn-ea"/>
+                <a:cs typeface="+mn-cs"/>
+              </a:defRPr>
+            </a:lvl7pPr>
+            <a:lvl8pPr marL="3429000" indent="-228600" algn="l" defTabSz="914400" rtl="0" eaLnBrk="1" latinLnBrk="0" hangingPunct="1">
+              <a:lnSpc>
+                <a:spcPct val="90000"/>
+              </a:lnSpc>
+              <a:spcBef>
+                <a:spcPts val="500"/>
+              </a:spcBef>
+              <a:buFont typeface="Arial" panose="020B0604020202020204" pitchFamily="34" charset="0"/>
+              <a:buChar char="•"/>
+              <a:defRPr sz="1800" kern="1200">
+                <a:solidFill>
+                  <a:schemeClr val="tx1"/>
+                </a:solidFill>
+                <a:latin typeface="+mn-lt"/>
+                <a:ea typeface="+mn-ea"/>
+                <a:cs typeface="+mn-cs"/>
+              </a:defRPr>
+            </a:lvl8pPr>
+            <a:lvl9pPr marL="3886200" indent="-228600" algn="l" defTabSz="914400" rtl="0" eaLnBrk="1" latinLnBrk="0" hangingPunct="1">
+              <a:lnSpc>
+                <a:spcPct val="90000"/>
+              </a:lnSpc>
+              <a:spcBef>
+                <a:spcPts val="500"/>
+              </a:spcBef>
+              <a:buFont typeface="Arial" panose="020B0604020202020204" pitchFamily="34" charset="0"/>
+              <a:buChar char="•"/>
+              <a:defRPr sz="1800" kern="1200">
+                <a:solidFill>
+                  <a:schemeClr val="tx1"/>
+                </a:solidFill>
+                <a:latin typeface="+mn-lt"/>
+                <a:ea typeface="+mn-ea"/>
+                <a:cs typeface="+mn-cs"/>
+              </a:defRPr>
+            </a:lvl9pPr>
+          </a:lstStyle>
+          <a:p>
+            <a:r>
+              <a:rPr lang="de-DE" sz="1800" dirty="0">
+                <a:latin typeface="Times New Roman" panose="02020603050405020304" pitchFamily="18" charset="0"/>
+                <a:cs typeface="Times New Roman" panose="02020603050405020304" pitchFamily="18" charset="0"/>
+              </a:rPr>
+              <a:t>Beispiel: Ratingmigrationen von Unternehmen</a:t>
+            </a:r>
+          </a:p>
+          <a:p>
+            <a:r>
+              <a:rPr lang="de-DE" sz="1800" dirty="0">
+                <a:latin typeface="Times New Roman" panose="02020603050405020304" pitchFamily="18" charset="0"/>
+                <a:cs typeface="Times New Roman" panose="02020603050405020304" pitchFamily="18" charset="0"/>
+              </a:rPr>
+              <a:t>Evaluierung der zeitlichen Entwicklung von Projekten</a:t>
+            </a:r>
+          </a:p>
+        </p:txBody>
+      </p:sp>
+    </p:spTree>
+    <p:extLst>
+      <p:ext uri="{BB962C8B-B14F-4D97-AF65-F5344CB8AC3E}">
+        <p14:creationId xmlns:p14="http://schemas.microsoft.com/office/powerpoint/2010/main" val="2808214223"/>
+      </p:ext>
+    </p:extLst>
+  </p:cSld>
+  <p:clrMapOvr>
+    <a:masterClrMapping/>
+  </p:clrMapOvr>
+</p:sld>
+</file>
+
+<file path=ppt/slides/slide8.xml><?xml version="1.0" encoding="utf-8"?>
+<p:sld xmlns:a="http://schemas.openxmlformats.org/drawingml/2006/main" xmlns:r="http://schemas.openxmlformats.org/officeDocument/2006/relationships" xmlns:p="http://schemas.openxmlformats.org/presentationml/2006/main">
+  <p:cSld>
+    <p:spTree>
+      <p:nvGrpSpPr>
+        <p:cNvPr id="1" name=""/>
+        <p:cNvGrpSpPr/>
+        <p:nvPr/>
+      </p:nvGrpSpPr>
+      <p:grpSpPr>
+        <a:xfrm>
+          <a:off x="0" y="0"/>
+          <a:ext cx="0" cy="0"/>
+          <a:chOff x="0" y="0"/>
+          <a:chExt cx="0" cy="0"/>
+        </a:xfrm>
+      </p:grpSpPr>
+      <p:pic>
+        <p:nvPicPr>
+          <p:cNvPr id="4" name="Graphic 1">
+            <a:extLst>
+              <a:ext uri="{FF2B5EF4-FFF2-40B4-BE49-F238E27FC236}">
+                <a16:creationId xmlns:a16="http://schemas.microsoft.com/office/drawing/2014/main" id="{D4E2A8A5-7B9A-9FCE-2C0C-40115BB72542}"/>
+              </a:ext>
+            </a:extLst>
+          </p:cNvPr>
+          <p:cNvPicPr>
+            <a:picLocks noChangeAspect="1"/>
+          </p:cNvPicPr>
+          <p:nvPr/>
+        </p:nvPicPr>
+        <p:blipFill>
+          <a:blip r:embed="rId3">
+            <a:extLst>
+              <a:ext uri="{28A0092B-C50C-407E-A947-70E740481C1C}">
+                <a14:useLocalDpi xmlns:a14="http://schemas.microsoft.com/office/drawing/2010/main" val="0"/>
+              </a:ext>
+              <a:ext uri="{96DAC541-7B7A-43D3-8B79-37D633B846F1}">
+                <asvg:svgBlip xmlns:asvg="http://schemas.microsoft.com/office/drawing/2016/SVG/main" r:embed="rId4"/>
+              </a:ext>
+            </a:extLst>
+          </a:blip>
+          <a:stretch>
+            <a:fillRect/>
+          </a:stretch>
+        </p:blipFill>
+        <p:spPr>
+          <a:xfrm>
+            <a:off x="160961" y="133521"/>
+            <a:ext cx="2371620" cy="485811"/>
+          </a:xfrm>
+          <a:prstGeom prst="rect">
+            <a:avLst/>
+          </a:prstGeom>
+        </p:spPr>
+      </p:pic>
+      <p:sp>
+        <p:nvSpPr>
+          <p:cNvPr id="6" name="TextBox 5">
+            <a:extLst>
+              <a:ext uri="{FF2B5EF4-FFF2-40B4-BE49-F238E27FC236}">
+                <a16:creationId xmlns:a16="http://schemas.microsoft.com/office/drawing/2014/main" id="{4BF11305-FC23-954B-7998-B1257FEE9257}"/>
+              </a:ext>
+            </a:extLst>
+          </p:cNvPr>
+          <p:cNvSpPr txBox="1"/>
+          <p:nvPr/>
+        </p:nvSpPr>
+        <p:spPr>
+          <a:xfrm>
+            <a:off x="66782" y="6529608"/>
+            <a:ext cx="10986501" cy="230832"/>
+          </a:xfrm>
+          <a:prstGeom prst="rect">
+            <a:avLst/>
+          </a:prstGeom>
+          <a:noFill/>
+        </p:spPr>
+        <p:txBody>
+          <a:bodyPr wrap="square">
+            <a:spAutoFit/>
+          </a:bodyPr>
+          <a:lstStyle/>
+          <a:p>
+            <a:r>
+              <a:rPr lang="de-DE" sz="900" dirty="0"/>
+              <a:t>Markov-Analyse &amp; Interview| WiSe 2023/24 I Hochschule Bielefeld I Linus Langenkamp, Jolan Eggers, Nicolas Schneider, Redouane Kabouchi I 03.11.2023 I Seite </a:t>
+            </a:r>
+            <a:fld id="{8665FA59-C0FE-4AB6-AD99-2451632B0EBE}" type="slidenum">
+              <a:rPr lang="de-DE" sz="900" smtClean="0"/>
+              <a:t>8</a:t>
+            </a:fld>
+            <a:endParaRPr lang="de-DE" sz="900" dirty="0"/>
+          </a:p>
+        </p:txBody>
+      </p:sp>
+      <p:sp>
+        <p:nvSpPr>
+          <p:cNvPr id="7" name="Title 1">
+            <a:extLst>
+              <a:ext uri="{FF2B5EF4-FFF2-40B4-BE49-F238E27FC236}">
+                <a16:creationId xmlns:a16="http://schemas.microsoft.com/office/drawing/2014/main" id="{C134D3AA-85CE-FCC6-6499-8202E6096899}"/>
+              </a:ext>
+            </a:extLst>
+          </p:cNvPr>
+          <p:cNvSpPr txBox="1">
+            <a:spLocks/>
+          </p:cNvSpPr>
+          <p:nvPr/>
+        </p:nvSpPr>
+        <p:spPr>
+          <a:xfrm>
+            <a:off x="738026" y="912189"/>
+            <a:ext cx="9144000" cy="626836"/>
+          </a:xfrm>
+          <a:prstGeom prst="rect">
+            <a:avLst/>
+          </a:prstGeom>
+        </p:spPr>
+        <p:txBody>
+          <a:bodyPr vert="horz" lIns="91440" tIns="45720" rIns="91440" bIns="45720" rtlCol="0" anchor="b">
+            <a:normAutofit/>
+          </a:bodyPr>
+          <a:lstStyle>
+            <a:lvl1pPr algn="ctr" defTabSz="914400" rtl="0" eaLnBrk="1" latinLnBrk="0" hangingPunct="1">
+              <a:lnSpc>
+                <a:spcPct val="90000"/>
+              </a:lnSpc>
+              <a:spcBef>
+                <a:spcPct val="0"/>
+              </a:spcBef>
+              <a:buNone/>
+              <a:defRPr sz="6000" kern="1200">
+                <a:solidFill>
+                  <a:schemeClr val="tx1"/>
+                </a:solidFill>
+                <a:latin typeface="+mj-lt"/>
+                <a:ea typeface="+mj-ea"/>
+                <a:cs typeface="+mj-cs"/>
+              </a:defRPr>
+            </a:lvl1pPr>
+          </a:lstStyle>
+          <a:p>
+            <a:pPr algn="l">
+              <a:lnSpc>
+                <a:spcPct val="100000"/>
+              </a:lnSpc>
+              <a:spcAft>
+                <a:spcPts val="600"/>
+              </a:spcAft>
+            </a:pPr>
+            <a:r>
+              <a:rPr lang="de-DE" sz="2800" b="1" dirty="0">
+                <a:effectLst/>
+                <a:latin typeface="Times New Roman" panose="02020603050405020304" pitchFamily="18" charset="0"/>
+                <a:ea typeface="Times New Roman" panose="02020603050405020304" pitchFamily="18" charset="0"/>
+                <a:cs typeface="Times New Roman" panose="02020603050405020304" pitchFamily="18" charset="0"/>
+              </a:rPr>
+              <a:t>Anwendungsbereiche und Beispiele</a:t>
+            </a:r>
+            <a:endParaRPr lang="de-DE" sz="2800" dirty="0"/>
+          </a:p>
+        </p:txBody>
+      </p:sp>
+      <p:sp>
+        <p:nvSpPr>
+          <p:cNvPr id="2" name="Inhaltsplatzhalter 6">
+            <a:extLst>
+              <a:ext uri="{FF2B5EF4-FFF2-40B4-BE49-F238E27FC236}">
+                <a16:creationId xmlns:a16="http://schemas.microsoft.com/office/drawing/2014/main" id="{198527BE-4A6D-8CFF-AB9A-DCAAAE165D34}"/>
+              </a:ext>
+            </a:extLst>
+          </p:cNvPr>
+          <p:cNvSpPr txBox="1">
+            <a:spLocks/>
+          </p:cNvSpPr>
+          <p:nvPr/>
+        </p:nvSpPr>
+        <p:spPr>
+          <a:xfrm>
+            <a:off x="838200" y="1825625"/>
+            <a:ext cx="10515600" cy="4351338"/>
+          </a:xfrm>
+          <a:prstGeom prst="rect">
+            <a:avLst/>
+          </a:prstGeom>
+        </p:spPr>
+        <p:txBody>
+          <a:bodyPr vert="horz" lIns="91440" tIns="45720" rIns="91440" bIns="45720" rtlCol="0">
+            <a:normAutofit/>
+          </a:bodyPr>
+          <a:lstStyle>
+            <a:lvl1pPr marL="0" indent="0" algn="ctr" defTabSz="914400" rtl="0" eaLnBrk="1" latinLnBrk="0" hangingPunct="1">
+              <a:lnSpc>
+                <a:spcPct val="90000"/>
+              </a:lnSpc>
+              <a:spcBef>
+                <a:spcPts val="1000"/>
+              </a:spcBef>
+              <a:buFont typeface="Arial" panose="020B0604020202020204" pitchFamily="34" charset="0"/>
+              <a:buNone/>
+              <a:defRPr sz="2400" kern="1200">
+                <a:solidFill>
+                  <a:schemeClr val="tx1"/>
+                </a:solidFill>
+                <a:latin typeface="+mn-lt"/>
+                <a:ea typeface="+mn-ea"/>
+                <a:cs typeface="+mn-cs"/>
+              </a:defRPr>
+            </a:lvl1pPr>
+            <a:lvl2pPr marL="457200" indent="0" algn="ctr" defTabSz="914400" rtl="0" eaLnBrk="1" latinLnBrk="0" hangingPunct="1">
+              <a:lnSpc>
+                <a:spcPct val="90000"/>
+              </a:lnSpc>
+              <a:spcBef>
+                <a:spcPts val="500"/>
+              </a:spcBef>
+              <a:buFont typeface="Arial" panose="020B0604020202020204" pitchFamily="34" charset="0"/>
+              <a:buNone/>
+              <a:defRPr sz="2000" kern="1200">
+                <a:solidFill>
+                  <a:schemeClr val="tx1"/>
+                </a:solidFill>
+                <a:latin typeface="+mn-lt"/>
+                <a:ea typeface="+mn-ea"/>
+                <a:cs typeface="+mn-cs"/>
+              </a:defRPr>
+            </a:lvl2pPr>
+            <a:lvl3pPr marL="914400" indent="0" algn="ctr" defTabSz="914400" rtl="0" eaLnBrk="1" latinLnBrk="0" hangingPunct="1">
+              <a:lnSpc>
+                <a:spcPct val="90000"/>
+              </a:lnSpc>
+              <a:spcBef>
+                <a:spcPts val="500"/>
+              </a:spcBef>
+              <a:buFont typeface="Arial" panose="020B0604020202020204" pitchFamily="34" charset="0"/>
+              <a:buNone/>
+              <a:defRPr sz="1800" kern="1200">
+                <a:solidFill>
+                  <a:schemeClr val="tx1"/>
+                </a:solidFill>
+                <a:latin typeface="+mn-lt"/>
+                <a:ea typeface="+mn-ea"/>
+                <a:cs typeface="+mn-cs"/>
+              </a:defRPr>
+            </a:lvl3pPr>
+            <a:lvl4pPr marL="1371600" indent="0" algn="ctr" defTabSz="914400" rtl="0" eaLnBrk="1" latinLnBrk="0" hangingPunct="1">
+              <a:lnSpc>
+                <a:spcPct val="90000"/>
+              </a:lnSpc>
+              <a:spcBef>
+                <a:spcPts val="500"/>
+              </a:spcBef>
+              <a:buFont typeface="Arial" panose="020B0604020202020204" pitchFamily="34" charset="0"/>
+              <a:buNone/>
+              <a:defRPr sz="1600" kern="1200">
+                <a:solidFill>
+                  <a:schemeClr val="tx1"/>
+                </a:solidFill>
+                <a:latin typeface="+mn-lt"/>
+                <a:ea typeface="+mn-ea"/>
+                <a:cs typeface="+mn-cs"/>
+              </a:defRPr>
+            </a:lvl4pPr>
+            <a:lvl5pPr marL="1828800" indent="0" algn="ctr" defTabSz="914400" rtl="0" eaLnBrk="1" latinLnBrk="0" hangingPunct="1">
+              <a:lnSpc>
+                <a:spcPct val="90000"/>
+              </a:lnSpc>
+              <a:spcBef>
+                <a:spcPts val="500"/>
+              </a:spcBef>
+              <a:buFont typeface="Arial" panose="020B0604020202020204" pitchFamily="34" charset="0"/>
+              <a:buNone/>
+              <a:defRPr sz="1600" kern="1200">
+                <a:solidFill>
+                  <a:schemeClr val="tx1"/>
+                </a:solidFill>
+                <a:latin typeface="+mn-lt"/>
+                <a:ea typeface="+mn-ea"/>
+                <a:cs typeface="+mn-cs"/>
+              </a:defRPr>
+            </a:lvl5pPr>
+            <a:lvl6pPr marL="2286000" indent="0" algn="ctr" defTabSz="914400" rtl="0" eaLnBrk="1" latinLnBrk="0" hangingPunct="1">
+              <a:lnSpc>
+                <a:spcPct val="90000"/>
+              </a:lnSpc>
+              <a:spcBef>
+                <a:spcPts val="500"/>
+              </a:spcBef>
+              <a:buFont typeface="Arial" panose="020B0604020202020204" pitchFamily="34" charset="0"/>
+              <a:buNone/>
+              <a:defRPr sz="1600" kern="1200">
+                <a:solidFill>
+                  <a:schemeClr val="tx1"/>
+                </a:solidFill>
+                <a:latin typeface="+mn-lt"/>
+                <a:ea typeface="+mn-ea"/>
+                <a:cs typeface="+mn-cs"/>
+              </a:defRPr>
+            </a:lvl6pPr>
+            <a:lvl7pPr marL="2743200" indent="0" algn="ctr" defTabSz="914400" rtl="0" eaLnBrk="1" latinLnBrk="0" hangingPunct="1">
+              <a:lnSpc>
+                <a:spcPct val="90000"/>
+              </a:lnSpc>
+              <a:spcBef>
+                <a:spcPts val="500"/>
+              </a:spcBef>
+              <a:buFont typeface="Arial" panose="020B0604020202020204" pitchFamily="34" charset="0"/>
+              <a:buNone/>
+              <a:defRPr sz="1600" kern="1200">
+                <a:solidFill>
+                  <a:schemeClr val="tx1"/>
+                </a:solidFill>
+                <a:latin typeface="+mn-lt"/>
+                <a:ea typeface="+mn-ea"/>
+                <a:cs typeface="+mn-cs"/>
+              </a:defRPr>
+            </a:lvl7pPr>
+            <a:lvl8pPr marL="3200400" indent="0" algn="ctr" defTabSz="914400" rtl="0" eaLnBrk="1" latinLnBrk="0" hangingPunct="1">
+              <a:lnSpc>
+                <a:spcPct val="90000"/>
+              </a:lnSpc>
+              <a:spcBef>
+                <a:spcPts val="500"/>
+              </a:spcBef>
+              <a:buFont typeface="Arial" panose="020B0604020202020204" pitchFamily="34" charset="0"/>
+              <a:buNone/>
+              <a:defRPr sz="1600" kern="1200">
+                <a:solidFill>
+                  <a:schemeClr val="tx1"/>
+                </a:solidFill>
+                <a:latin typeface="+mn-lt"/>
+                <a:ea typeface="+mn-ea"/>
+                <a:cs typeface="+mn-cs"/>
+              </a:defRPr>
+            </a:lvl8pPr>
+            <a:lvl9pPr marL="3657600" indent="0" algn="ctr" defTabSz="914400" rtl="0" eaLnBrk="1" latinLnBrk="0" hangingPunct="1">
+              <a:lnSpc>
+                <a:spcPct val="90000"/>
+              </a:lnSpc>
+              <a:spcBef>
+                <a:spcPts val="500"/>
+              </a:spcBef>
+              <a:buFont typeface="Arial" panose="020B0604020202020204" pitchFamily="34" charset="0"/>
+              <a:buNone/>
+              <a:defRPr sz="1600" kern="1200">
+                <a:solidFill>
+                  <a:schemeClr val="tx1"/>
+                </a:solidFill>
+                <a:latin typeface="+mn-lt"/>
+                <a:ea typeface="+mn-ea"/>
+                <a:cs typeface="+mn-cs"/>
+              </a:defRPr>
+            </a:lvl9pPr>
+          </a:lstStyle>
+          <a:p>
+            <a:pPr marL="342900" indent="-342900" algn="l">
+              <a:buFont typeface="Arial" panose="020B0604020202020204" pitchFamily="34" charset="0"/>
+              <a:buChar char="•"/>
+            </a:pPr>
+            <a:r>
+              <a:rPr lang="de-DE" dirty="0">
+                <a:latin typeface="Times New Roman" panose="02020603050405020304" pitchFamily="18" charset="0"/>
+                <a:cs typeface="Times New Roman" panose="02020603050405020304" pitchFamily="18" charset="0"/>
+              </a:rPr>
+              <a:t>Beispiel: Ratingmigrationen von Unternehmen</a:t>
+            </a:r>
+          </a:p>
+          <a:p>
+            <a:pPr marL="342900" indent="-342900" algn="l">
+              <a:buFont typeface="Arial" panose="020B0604020202020204" pitchFamily="34" charset="0"/>
+              <a:buChar char="•"/>
+            </a:pPr>
+            <a:r>
+              <a:rPr lang="de-DE" dirty="0">
+                <a:latin typeface="Times New Roman" panose="02020603050405020304" pitchFamily="18" charset="0"/>
+                <a:cs typeface="Times New Roman" panose="02020603050405020304" pitchFamily="18" charset="0"/>
+              </a:rPr>
+              <a:t>Evaluierung der zeitlichen Entwicklung von Projekten</a:t>
+            </a:r>
+          </a:p>
+          <a:p>
+            <a:pPr marL="342900" indent="-342900" algn="l">
+              <a:buFont typeface="Arial" panose="020B0604020202020204" pitchFamily="34" charset="0"/>
+              <a:buChar char="•"/>
+            </a:pPr>
+            <a:r>
+              <a:rPr lang="de-DE" dirty="0">
+                <a:latin typeface="Times New Roman" panose="02020603050405020304" pitchFamily="18" charset="0"/>
+                <a:cs typeface="Times New Roman" panose="02020603050405020304" pitchFamily="18" charset="0"/>
+              </a:rPr>
+              <a:t>"Zufällige Irrfahrten" oder "Random </a:t>
+            </a:r>
+            <a:r>
+              <a:rPr lang="de-DE" dirty="0" err="1">
+                <a:latin typeface="Times New Roman" panose="02020603050405020304" pitchFamily="18" charset="0"/>
+                <a:cs typeface="Times New Roman" panose="02020603050405020304" pitchFamily="18" charset="0"/>
+              </a:rPr>
+              <a:t>Walks</a:t>
+            </a:r>
+            <a:r>
+              <a:rPr lang="de-DE" dirty="0">
+                <a:latin typeface="Times New Roman" panose="02020603050405020304" pitchFamily="18" charset="0"/>
+                <a:cs typeface="Times New Roman" panose="02020603050405020304" pitchFamily="18" charset="0"/>
+              </a:rPr>
+              <a:t>"</a:t>
+            </a:r>
+          </a:p>
+          <a:p>
+            <a:pPr marL="342900" indent="-342900" algn="l">
+              <a:buFont typeface="Arial" panose="020B0604020202020204" pitchFamily="34" charset="0"/>
+              <a:buChar char="•"/>
+            </a:pPr>
+            <a:r>
+              <a:rPr lang="de-DE" dirty="0">
+                <a:latin typeface="Times New Roman" panose="02020603050405020304" pitchFamily="18" charset="0"/>
+                <a:cs typeface="Times New Roman" panose="02020603050405020304" pitchFamily="18" charset="0"/>
+              </a:rPr>
+              <a:t>Anwendungen in der Finanzmathematik (z.B., Black/Scholes-Formel)</a:t>
+            </a:r>
+          </a:p>
+        </p:txBody>
+      </p:sp>
+    </p:spTree>
+    <p:extLst>
+      <p:ext uri="{BB962C8B-B14F-4D97-AF65-F5344CB8AC3E}">
+        <p14:creationId xmlns:p14="http://schemas.microsoft.com/office/powerpoint/2010/main" val="3257365137"/>
+      </p:ext>
+    </p:extLst>
+  </p:cSld>
+  <p:clrMapOvr>
+    <a:masterClrMapping/>
+  </p:clrMapOvr>
+</p:sld>
+</file>
+
+<file path=ppt/slides/slide9.xml><?xml version="1.0" encoding="utf-8"?>
+<p:sld xmlns:a="http://schemas.openxmlformats.org/drawingml/2006/main" xmlns:r="http://schemas.openxmlformats.org/officeDocument/2006/relationships" xmlns:p="http://schemas.openxmlformats.org/presentationml/2006/main">
+  <p:cSld>
+    <p:spTree>
+      <p:nvGrpSpPr>
+        <p:cNvPr id="1" name=""/>
+        <p:cNvGrpSpPr/>
+        <p:nvPr/>
+      </p:nvGrpSpPr>
+      <p:grpSpPr>
+        <a:xfrm>
+          <a:off x="0" y="0"/>
+          <a:ext cx="0" cy="0"/>
+          <a:chOff x="0" y="0"/>
+          <a:chExt cx="0" cy="0"/>
+        </a:xfrm>
+      </p:grpSpPr>
+      <p:pic>
+        <p:nvPicPr>
+          <p:cNvPr id="4" name="Graphic 1">
+            <a:extLst>
+              <a:ext uri="{FF2B5EF4-FFF2-40B4-BE49-F238E27FC236}">
+                <a16:creationId xmlns:a16="http://schemas.microsoft.com/office/drawing/2014/main" id="{D4E2A8A5-7B9A-9FCE-2C0C-40115BB72542}"/>
+              </a:ext>
+            </a:extLst>
+          </p:cNvPr>
+          <p:cNvPicPr>
+            <a:picLocks noChangeAspect="1"/>
+          </p:cNvPicPr>
+          <p:nvPr/>
+        </p:nvPicPr>
+        <p:blipFill>
+          <a:blip r:embed="rId3">
+            <a:extLst>
+              <a:ext uri="{28A0092B-C50C-407E-A947-70E740481C1C}">
+                <a14:useLocalDpi xmlns:a14="http://schemas.microsoft.com/office/drawing/2010/main" val="0"/>
+              </a:ext>
+              <a:ext uri="{96DAC541-7B7A-43D3-8B79-37D633B846F1}">
+                <asvg:svgBlip xmlns:asvg="http://schemas.microsoft.com/office/drawing/2016/SVG/main" r:embed="rId4"/>
+              </a:ext>
+            </a:extLst>
+          </a:blip>
+          <a:stretch>
+            <a:fillRect/>
+          </a:stretch>
+        </p:blipFill>
+        <p:spPr>
+          <a:xfrm>
+            <a:off x="160961" y="133521"/>
+            <a:ext cx="2371620" cy="485811"/>
+          </a:xfrm>
+          <a:prstGeom prst="rect">
+            <a:avLst/>
+          </a:prstGeom>
+        </p:spPr>
+      </p:pic>
+      <p:sp>
+        <p:nvSpPr>
+          <p:cNvPr id="6" name="TextBox 5">
+            <a:extLst>
+              <a:ext uri="{FF2B5EF4-FFF2-40B4-BE49-F238E27FC236}">
+                <a16:creationId xmlns:a16="http://schemas.microsoft.com/office/drawing/2014/main" id="{4BF11305-FC23-954B-7998-B1257FEE9257}"/>
+              </a:ext>
+            </a:extLst>
+          </p:cNvPr>
+          <p:cNvSpPr txBox="1"/>
+          <p:nvPr/>
+        </p:nvSpPr>
+        <p:spPr>
+          <a:xfrm>
+            <a:off x="66782" y="6529608"/>
+            <a:ext cx="10986501" cy="230832"/>
+          </a:xfrm>
+          <a:prstGeom prst="rect">
+            <a:avLst/>
+          </a:prstGeom>
+          <a:noFill/>
+        </p:spPr>
+        <p:txBody>
+          <a:bodyPr wrap="square">
+            <a:spAutoFit/>
+          </a:bodyPr>
+          <a:lstStyle/>
+          <a:p>
+            <a:r>
+              <a:rPr lang="de-DE" sz="900" dirty="0"/>
+              <a:t>Markov-Analyse &amp; Interview| WiSe 2023/24 I Hochschule Bielefeld I Linus Langenkamp, Jolan Eggers, Nicolas Schneider, Redouane Kabouchi I 03.11.2023 I Seite </a:t>
+            </a:r>
+            <a:fld id="{8665FA59-C0FE-4AB6-AD99-2451632B0EBE}" type="slidenum">
+              <a:rPr lang="de-DE" sz="900" smtClean="0"/>
+              <a:t>9</a:t>
+            </a:fld>
+            <a:endParaRPr lang="de-DE" sz="900" dirty="0"/>
+          </a:p>
+        </p:txBody>
+      </p:sp>
+      <p:sp>
+        <p:nvSpPr>
+          <p:cNvPr id="7" name="Title 1">
+            <a:extLst>
+              <a:ext uri="{FF2B5EF4-FFF2-40B4-BE49-F238E27FC236}">
+                <a16:creationId xmlns:a16="http://schemas.microsoft.com/office/drawing/2014/main" id="{C134D3AA-85CE-FCC6-6499-8202E6096899}"/>
+              </a:ext>
+            </a:extLst>
+          </p:cNvPr>
+          <p:cNvSpPr txBox="1">
+            <a:spLocks/>
+          </p:cNvSpPr>
+          <p:nvPr/>
+        </p:nvSpPr>
+        <p:spPr>
+          <a:xfrm>
+            <a:off x="738026" y="912189"/>
+            <a:ext cx="9144000" cy="626836"/>
+          </a:xfrm>
+          <a:prstGeom prst="rect">
+            <a:avLst/>
+          </a:prstGeom>
+        </p:spPr>
+        <p:txBody>
+          <a:bodyPr vert="horz" lIns="91440" tIns="45720" rIns="91440" bIns="45720" rtlCol="0" anchor="b">
+            <a:normAutofit/>
+          </a:bodyPr>
+          <a:lstStyle>
+            <a:lvl1pPr algn="ctr" defTabSz="914400" rtl="0" eaLnBrk="1" latinLnBrk="0" hangingPunct="1">
+              <a:lnSpc>
+                <a:spcPct val="90000"/>
+              </a:lnSpc>
+              <a:spcBef>
+                <a:spcPct val="0"/>
+              </a:spcBef>
+              <a:buNone/>
+              <a:defRPr sz="6000" kern="1200">
+                <a:solidFill>
+                  <a:schemeClr val="tx1"/>
+                </a:solidFill>
+                <a:latin typeface="+mj-lt"/>
+                <a:ea typeface="+mj-ea"/>
+                <a:cs typeface="+mj-cs"/>
+              </a:defRPr>
+            </a:lvl1pPr>
+          </a:lstStyle>
+          <a:p>
+            <a:pPr algn="l">
+              <a:lnSpc>
+                <a:spcPct val="100000"/>
+              </a:lnSpc>
+              <a:spcAft>
+                <a:spcPts val="600"/>
+              </a:spcAft>
+            </a:pPr>
+            <a:r>
+              <a:rPr lang="de-DE" sz="2800" b="1" dirty="0">
+                <a:latin typeface="Times New Roman" panose="02020603050405020304" pitchFamily="18" charset="0"/>
+                <a:cs typeface="Times New Roman" panose="02020603050405020304" pitchFamily="18" charset="0"/>
+              </a:rPr>
+              <a:t>Stärken und Grenzen</a:t>
+            </a:r>
+            <a:endParaRPr lang="de-DE" sz="2800" dirty="0"/>
+          </a:p>
+        </p:txBody>
+      </p:sp>
+      <p:sp>
+        <p:nvSpPr>
+          <p:cNvPr id="2" name="Textplatzhalter 3">
+            <a:extLst>
+              <a:ext uri="{FF2B5EF4-FFF2-40B4-BE49-F238E27FC236}">
+                <a16:creationId xmlns:a16="http://schemas.microsoft.com/office/drawing/2014/main" id="{341880D5-9DC7-E256-4AA6-3E4DDFCC7A06}"/>
+              </a:ext>
+            </a:extLst>
+          </p:cNvPr>
+          <p:cNvSpPr txBox="1">
+            <a:spLocks/>
+          </p:cNvSpPr>
+          <p:nvPr/>
+        </p:nvSpPr>
+        <p:spPr>
+          <a:xfrm>
+            <a:off x="839788" y="1681163"/>
+            <a:ext cx="5157787" cy="823912"/>
+          </a:xfrm>
+          <a:prstGeom prst="rect">
+            <a:avLst/>
+          </a:prstGeom>
+        </p:spPr>
+        <p:txBody>
+          <a:bodyPr vert="horz" lIns="91440" tIns="45720" rIns="91440" bIns="45720" rtlCol="0">
+            <a:normAutofit/>
+          </a:bodyPr>
+          <a:lstStyle>
+            <a:lvl1pPr marL="0" indent="0" algn="ctr" defTabSz="914400" rtl="0" eaLnBrk="1" latinLnBrk="0" hangingPunct="1">
+              <a:lnSpc>
+                <a:spcPct val="90000"/>
+              </a:lnSpc>
+              <a:spcBef>
+                <a:spcPts val="1000"/>
+              </a:spcBef>
+              <a:buFont typeface="Arial" panose="020B0604020202020204" pitchFamily="34" charset="0"/>
+              <a:buNone/>
+              <a:defRPr sz="2400" kern="1200">
+                <a:solidFill>
+                  <a:schemeClr val="tx1"/>
+                </a:solidFill>
+                <a:latin typeface="+mn-lt"/>
+                <a:ea typeface="+mn-ea"/>
+                <a:cs typeface="+mn-cs"/>
+              </a:defRPr>
+            </a:lvl1pPr>
+            <a:lvl2pPr marL="457200" indent="0" algn="ctr" defTabSz="914400" rtl="0" eaLnBrk="1" latinLnBrk="0" hangingPunct="1">
+              <a:lnSpc>
+                <a:spcPct val="90000"/>
+              </a:lnSpc>
+              <a:spcBef>
+                <a:spcPts val="500"/>
+              </a:spcBef>
+              <a:buFont typeface="Arial" panose="020B0604020202020204" pitchFamily="34" charset="0"/>
+              <a:buNone/>
+              <a:defRPr sz="2000" kern="1200">
+                <a:solidFill>
+                  <a:schemeClr val="tx1"/>
+                </a:solidFill>
+                <a:latin typeface="+mn-lt"/>
+                <a:ea typeface="+mn-ea"/>
+                <a:cs typeface="+mn-cs"/>
+              </a:defRPr>
+            </a:lvl2pPr>
+            <a:lvl3pPr marL="914400" indent="0" algn="ctr" defTabSz="914400" rtl="0" eaLnBrk="1" latinLnBrk="0" hangingPunct="1">
+              <a:lnSpc>
+                <a:spcPct val="90000"/>
+              </a:lnSpc>
+              <a:spcBef>
+                <a:spcPts val="500"/>
+              </a:spcBef>
+              <a:buFont typeface="Arial" panose="020B0604020202020204" pitchFamily="34" charset="0"/>
+              <a:buNone/>
+              <a:defRPr sz="1800" kern="1200">
+                <a:solidFill>
+                  <a:schemeClr val="tx1"/>
+                </a:solidFill>
+                <a:latin typeface="+mn-lt"/>
+                <a:ea typeface="+mn-ea"/>
+                <a:cs typeface="+mn-cs"/>
+              </a:defRPr>
+            </a:lvl3pPr>
+            <a:lvl4pPr marL="1371600" indent="0" algn="ctr" defTabSz="914400" rtl="0" eaLnBrk="1" latinLnBrk="0" hangingPunct="1">
+              <a:lnSpc>
+                <a:spcPct val="90000"/>
+              </a:lnSpc>
+              <a:spcBef>
+                <a:spcPts val="500"/>
+              </a:spcBef>
+              <a:buFont typeface="Arial" panose="020B0604020202020204" pitchFamily="34" charset="0"/>
+              <a:buNone/>
+              <a:defRPr sz="1600" kern="1200">
+                <a:solidFill>
+                  <a:schemeClr val="tx1"/>
+                </a:solidFill>
+                <a:latin typeface="+mn-lt"/>
+                <a:ea typeface="+mn-ea"/>
+                <a:cs typeface="+mn-cs"/>
+              </a:defRPr>
+            </a:lvl4pPr>
+            <a:lvl5pPr marL="1828800" indent="0" algn="ctr" defTabSz="914400" rtl="0" eaLnBrk="1" latinLnBrk="0" hangingPunct="1">
+              <a:lnSpc>
+                <a:spcPct val="90000"/>
+              </a:lnSpc>
+              <a:spcBef>
+                <a:spcPts val="500"/>
+              </a:spcBef>
+              <a:buFont typeface="Arial" panose="020B0604020202020204" pitchFamily="34" charset="0"/>
+              <a:buNone/>
+              <a:defRPr sz="1600" kern="1200">
+                <a:solidFill>
+                  <a:schemeClr val="tx1"/>
+                </a:solidFill>
+                <a:latin typeface="+mn-lt"/>
+                <a:ea typeface="+mn-ea"/>
+                <a:cs typeface="+mn-cs"/>
+              </a:defRPr>
+            </a:lvl5pPr>
+            <a:lvl6pPr marL="2286000" indent="0" algn="ctr" defTabSz="914400" rtl="0" eaLnBrk="1" latinLnBrk="0" hangingPunct="1">
+              <a:lnSpc>
+                <a:spcPct val="90000"/>
+              </a:lnSpc>
+              <a:spcBef>
+                <a:spcPts val="500"/>
+              </a:spcBef>
+              <a:buFont typeface="Arial" panose="020B0604020202020204" pitchFamily="34" charset="0"/>
+              <a:buNone/>
+              <a:defRPr sz="1600" kern="1200">
+                <a:solidFill>
+                  <a:schemeClr val="tx1"/>
+                </a:solidFill>
+                <a:latin typeface="+mn-lt"/>
+                <a:ea typeface="+mn-ea"/>
+                <a:cs typeface="+mn-cs"/>
+              </a:defRPr>
+            </a:lvl6pPr>
+            <a:lvl7pPr marL="2743200" indent="0" algn="ctr" defTabSz="914400" rtl="0" eaLnBrk="1" latinLnBrk="0" hangingPunct="1">
+              <a:lnSpc>
+                <a:spcPct val="90000"/>
+              </a:lnSpc>
+              <a:spcBef>
+                <a:spcPts val="500"/>
+              </a:spcBef>
+              <a:buFont typeface="Arial" panose="020B0604020202020204" pitchFamily="34" charset="0"/>
+              <a:buNone/>
+              <a:defRPr sz="1600" kern="1200">
+                <a:solidFill>
+                  <a:schemeClr val="tx1"/>
+                </a:solidFill>
+                <a:latin typeface="+mn-lt"/>
+                <a:ea typeface="+mn-ea"/>
+                <a:cs typeface="+mn-cs"/>
+              </a:defRPr>
+            </a:lvl7pPr>
+            <a:lvl8pPr marL="3200400" indent="0" algn="ctr" defTabSz="914400" rtl="0" eaLnBrk="1" latinLnBrk="0" hangingPunct="1">
+              <a:lnSpc>
+                <a:spcPct val="90000"/>
+              </a:lnSpc>
+              <a:spcBef>
+                <a:spcPts val="500"/>
+              </a:spcBef>
+              <a:buFont typeface="Arial" panose="020B0604020202020204" pitchFamily="34" charset="0"/>
+              <a:buNone/>
+              <a:defRPr sz="1600" kern="1200">
+                <a:solidFill>
+                  <a:schemeClr val="tx1"/>
+                </a:solidFill>
+                <a:latin typeface="+mn-lt"/>
+                <a:ea typeface="+mn-ea"/>
+                <a:cs typeface="+mn-cs"/>
+              </a:defRPr>
+            </a:lvl8pPr>
+            <a:lvl9pPr marL="3657600" indent="0" algn="ctr" defTabSz="914400" rtl="0" eaLnBrk="1" latinLnBrk="0" hangingPunct="1">
+              <a:lnSpc>
+                <a:spcPct val="90000"/>
+              </a:lnSpc>
+              <a:spcBef>
+                <a:spcPts val="500"/>
+              </a:spcBef>
+              <a:buFont typeface="Arial" panose="020B0604020202020204" pitchFamily="34" charset="0"/>
+              <a:buNone/>
+              <a:defRPr sz="1600" kern="1200">
+                <a:solidFill>
+                  <a:schemeClr val="tx1"/>
+                </a:solidFill>
+                <a:latin typeface="+mn-lt"/>
+                <a:ea typeface="+mn-ea"/>
+                <a:cs typeface="+mn-cs"/>
+              </a:defRPr>
+            </a:lvl9pPr>
+          </a:lstStyle>
+          <a:p>
+            <a:pPr algn="l"/>
+            <a:r>
+              <a:rPr lang="de-DE" b="1" dirty="0">
+                <a:latin typeface="Times New Roman" panose="02020603050405020304" pitchFamily="18" charset="0"/>
+                <a:cs typeface="Times New Roman" panose="02020603050405020304" pitchFamily="18" charset="0"/>
+              </a:rPr>
+              <a:t>Stärken</a:t>
+            </a:r>
+          </a:p>
+        </p:txBody>
+      </p:sp>
+      <p:sp>
+        <p:nvSpPr>
+          <p:cNvPr id="3" name="Inhaltsplatzhalter 4">
+            <a:extLst>
+              <a:ext uri="{FF2B5EF4-FFF2-40B4-BE49-F238E27FC236}">
+                <a16:creationId xmlns:a16="http://schemas.microsoft.com/office/drawing/2014/main" id="{BE42453E-79CC-42D4-8283-F1E79EB75D28}"/>
+              </a:ext>
+            </a:extLst>
+          </p:cNvPr>
+          <p:cNvSpPr txBox="1">
+            <a:spLocks/>
+          </p:cNvSpPr>
+          <p:nvPr/>
+        </p:nvSpPr>
+        <p:spPr>
+          <a:xfrm>
+            <a:off x="839788" y="2505075"/>
+            <a:ext cx="5157787" cy="3684588"/>
+          </a:xfrm>
+          <a:prstGeom prst="rect">
+            <a:avLst/>
+          </a:prstGeom>
+        </p:spPr>
+        <p:txBody>
+          <a:bodyPr>
+            <a:normAutofit/>
+          </a:bodyPr>
+          <a:lstStyle>
+            <a:lvl1pPr marL="228600" indent="-228600" algn="l" defTabSz="914400" rtl="0" eaLnBrk="1" latinLnBrk="0" hangingPunct="1">
+              <a:lnSpc>
+                <a:spcPct val="90000"/>
+              </a:lnSpc>
+              <a:spcBef>
+                <a:spcPts val="1000"/>
+              </a:spcBef>
+              <a:buFont typeface="Arial" panose="020B0604020202020204" pitchFamily="34" charset="0"/>
+              <a:buChar char="•"/>
+              <a:defRPr sz="2800" kern="1200">
+                <a:solidFill>
+                  <a:schemeClr val="tx1"/>
+                </a:solidFill>
+                <a:latin typeface="+mn-lt"/>
+                <a:ea typeface="+mn-ea"/>
+                <a:cs typeface="+mn-cs"/>
+              </a:defRPr>
+            </a:lvl1pPr>
+            <a:lvl2pPr marL="685800" indent="-228600" algn="l" defTabSz="914400" rtl="0" eaLnBrk="1" latinLnBrk="0" hangingPunct="1">
+              <a:lnSpc>
+                <a:spcPct val="90000"/>
+              </a:lnSpc>
+              <a:spcBef>
+                <a:spcPts val="500"/>
+              </a:spcBef>
+              <a:buFont typeface="Arial" panose="020B0604020202020204" pitchFamily="34" charset="0"/>
+              <a:buChar char="•"/>
+              <a:defRPr sz="2400" kern="1200">
+                <a:solidFill>
+                  <a:schemeClr val="tx1"/>
+                </a:solidFill>
+                <a:latin typeface="+mn-lt"/>
+                <a:ea typeface="+mn-ea"/>
+                <a:cs typeface="+mn-cs"/>
+              </a:defRPr>
+            </a:lvl2pPr>
+            <a:lvl3pPr marL="1143000" indent="-228600" algn="l" defTabSz="914400" rtl="0" eaLnBrk="1" latinLnBrk="0" hangingPunct="1">
+              <a:lnSpc>
+                <a:spcPct val="90000"/>
+              </a:lnSpc>
+              <a:spcBef>
+                <a:spcPts val="500"/>
+              </a:spcBef>
+              <a:buFont typeface="Arial" panose="020B0604020202020204" pitchFamily="34" charset="0"/>
+              <a:buChar char="•"/>
+              <a:defRPr sz="2000" kern="1200">
+                <a:solidFill>
+                  <a:schemeClr val="tx1"/>
+                </a:solidFill>
+                <a:latin typeface="+mn-lt"/>
+                <a:ea typeface="+mn-ea"/>
+                <a:cs typeface="+mn-cs"/>
+              </a:defRPr>
+            </a:lvl3pPr>
+            <a:lvl4pPr marL="1600200" indent="-228600" algn="l" defTabSz="914400" rtl="0" eaLnBrk="1" latinLnBrk="0" hangingPunct="1">
+              <a:lnSpc>
+                <a:spcPct val="90000"/>
+              </a:lnSpc>
+              <a:spcBef>
+                <a:spcPts val="500"/>
+              </a:spcBef>
+              <a:buFont typeface="Arial" panose="020B0604020202020204" pitchFamily="34" charset="0"/>
+              <a:buChar char="•"/>
+              <a:defRPr sz="1800" kern="1200">
+                <a:solidFill>
+                  <a:schemeClr val="tx1"/>
+                </a:solidFill>
+                <a:latin typeface="+mn-lt"/>
+                <a:ea typeface="+mn-ea"/>
+                <a:cs typeface="+mn-cs"/>
+              </a:defRPr>
+            </a:lvl4pPr>
+            <a:lvl5pPr marL="2057400" indent="-228600" algn="l" defTabSz="914400" rtl="0" eaLnBrk="1" latinLnBrk="0" hangingPunct="1">
+              <a:lnSpc>
+                <a:spcPct val="90000"/>
+              </a:lnSpc>
+              <a:spcBef>
+                <a:spcPts val="500"/>
+              </a:spcBef>
+              <a:buFont typeface="Arial" panose="020B0604020202020204" pitchFamily="34" charset="0"/>
+              <a:buChar char="•"/>
+              <a:defRPr sz="1800" kern="1200">
+                <a:solidFill>
+                  <a:schemeClr val="tx1"/>
+                </a:solidFill>
+                <a:latin typeface="+mn-lt"/>
+                <a:ea typeface="+mn-ea"/>
+                <a:cs typeface="+mn-cs"/>
+              </a:defRPr>
+            </a:lvl5pPr>
+            <a:lvl6pPr marL="2514600" indent="-228600" algn="l" defTabSz="914400" rtl="0" eaLnBrk="1" latinLnBrk="0" hangingPunct="1">
+              <a:lnSpc>
+                <a:spcPct val="90000"/>
+              </a:lnSpc>
+              <a:spcBef>
+                <a:spcPts val="500"/>
+              </a:spcBef>
+              <a:buFont typeface="Arial" panose="020B0604020202020204" pitchFamily="34" charset="0"/>
+              <a:buChar char="•"/>
+              <a:defRPr sz="1800" kern="1200">
+                <a:solidFill>
+                  <a:schemeClr val="tx1"/>
+                </a:solidFill>
+                <a:latin typeface="+mn-lt"/>
+                <a:ea typeface="+mn-ea"/>
+                <a:cs typeface="+mn-cs"/>
+              </a:defRPr>
+            </a:lvl6pPr>
+            <a:lvl7pPr marL="2971800" indent="-228600" algn="l" defTabSz="914400" rtl="0" eaLnBrk="1" latinLnBrk="0" hangingPunct="1">
+              <a:lnSpc>
+                <a:spcPct val="90000"/>
+              </a:lnSpc>
+              <a:spcBef>
+                <a:spcPts val="500"/>
+              </a:spcBef>
+              <a:buFont typeface="Arial" panose="020B0604020202020204" pitchFamily="34" charset="0"/>
+              <a:buChar char="•"/>
+              <a:defRPr sz="1800" kern="1200">
+                <a:solidFill>
+                  <a:schemeClr val="tx1"/>
+                </a:solidFill>
+                <a:latin typeface="+mn-lt"/>
+                <a:ea typeface="+mn-ea"/>
+                <a:cs typeface="+mn-cs"/>
+              </a:defRPr>
+            </a:lvl7pPr>
+            <a:lvl8pPr marL="3429000" indent="-228600" algn="l" defTabSz="914400" rtl="0" eaLnBrk="1" latinLnBrk="0" hangingPunct="1">
+              <a:lnSpc>
+                <a:spcPct val="90000"/>
+              </a:lnSpc>
+              <a:spcBef>
+                <a:spcPts val="500"/>
+              </a:spcBef>
+              <a:buFont typeface="Arial" panose="020B0604020202020204" pitchFamily="34" charset="0"/>
+              <a:buChar char="•"/>
+              <a:defRPr sz="1800" kern="1200">
+                <a:solidFill>
+                  <a:schemeClr val="tx1"/>
+                </a:solidFill>
+                <a:latin typeface="+mn-lt"/>
+                <a:ea typeface="+mn-ea"/>
+                <a:cs typeface="+mn-cs"/>
+              </a:defRPr>
+            </a:lvl8pPr>
+            <a:lvl9pPr marL="3886200" indent="-228600" algn="l" defTabSz="914400" rtl="0" eaLnBrk="1" latinLnBrk="0" hangingPunct="1">
+              <a:lnSpc>
+                <a:spcPct val="90000"/>
+              </a:lnSpc>
+              <a:spcBef>
+                <a:spcPts val="500"/>
+              </a:spcBef>
+              <a:buFont typeface="Arial" panose="020B0604020202020204" pitchFamily="34" charset="0"/>
+              <a:buChar char="•"/>
+              <a:defRPr sz="1800" kern="1200">
+                <a:solidFill>
+                  <a:schemeClr val="tx1"/>
+                </a:solidFill>
+                <a:latin typeface="+mn-lt"/>
+                <a:ea typeface="+mn-ea"/>
+                <a:cs typeface="+mn-cs"/>
+              </a:defRPr>
+            </a:lvl9pPr>
+          </a:lstStyle>
+          <a:p>
+            <a:r>
+              <a:rPr lang="de-DE" sz="1800">
+                <a:latin typeface="Times New Roman" panose="02020603050405020304" pitchFamily="18" charset="0"/>
+                <a:cs typeface="Times New Roman" panose="02020603050405020304" pitchFamily="18" charset="0"/>
+              </a:rPr>
+              <a:t>Vollumfassende Betrachtung des Systems durch Zerlegung in kleinste Komponenten.</a:t>
+            </a:r>
+          </a:p>
+          <a:p>
+            <a:r>
+              <a:rPr lang="de-DE" sz="1800">
+                <a:latin typeface="Times New Roman" panose="02020603050405020304" pitchFamily="18" charset="0"/>
+                <a:cs typeface="Times New Roman" panose="02020603050405020304" pitchFamily="18" charset="0"/>
+              </a:rPr>
+              <a:t>ISO-Regelwerke beschreiben FMEA.</a:t>
+            </a:r>
+          </a:p>
+          <a:p>
+            <a:r>
+              <a:rPr lang="de-DE" sz="1800">
+                <a:latin typeface="Times New Roman" panose="02020603050405020304" pitchFamily="18" charset="0"/>
+                <a:cs typeface="Times New Roman" panose="02020603050405020304" pitchFamily="18" charset="0"/>
+              </a:rPr>
+              <a:t>Klare Formalisierung mithilfe von "Worksheets."</a:t>
+            </a:r>
+            <a:endParaRPr lang="de-DE" sz="1800" dirty="0">
+              <a:latin typeface="Times New Roman" panose="02020603050405020304" pitchFamily="18" charset="0"/>
+              <a:cs typeface="Times New Roman" panose="02020603050405020304" pitchFamily="18" charset="0"/>
+            </a:endParaRPr>
+          </a:p>
+        </p:txBody>
+      </p:sp>
+      <p:sp>
+        <p:nvSpPr>
+          <p:cNvPr id="5" name="Textplatzhalter 5">
+            <a:extLst>
+              <a:ext uri="{FF2B5EF4-FFF2-40B4-BE49-F238E27FC236}">
+                <a16:creationId xmlns:a16="http://schemas.microsoft.com/office/drawing/2014/main" id="{EAA39A53-4BA6-DE00-49F4-B191D8ABF351}"/>
+              </a:ext>
+            </a:extLst>
+          </p:cNvPr>
+          <p:cNvSpPr txBox="1">
+            <a:spLocks/>
+          </p:cNvSpPr>
+          <p:nvPr/>
+        </p:nvSpPr>
+        <p:spPr>
+          <a:xfrm>
+            <a:off x="6172200" y="1681163"/>
+            <a:ext cx="5183188" cy="823912"/>
+          </a:xfrm>
+          <a:prstGeom prst="rect">
+            <a:avLst/>
+          </a:prstGeom>
+        </p:spPr>
+        <p:txBody>
+          <a:bodyPr/>
+          <a:lstStyle>
+            <a:lvl1pPr marL="228600" indent="-228600" algn="l" defTabSz="914400" rtl="0" eaLnBrk="1" latinLnBrk="0" hangingPunct="1">
+              <a:lnSpc>
+                <a:spcPct val="90000"/>
+              </a:lnSpc>
+              <a:spcBef>
+                <a:spcPts val="1000"/>
+              </a:spcBef>
+              <a:buFont typeface="Arial" panose="020B0604020202020204" pitchFamily="34" charset="0"/>
+              <a:buChar char="•"/>
+              <a:defRPr sz="2800" kern="1200">
+                <a:solidFill>
+                  <a:schemeClr val="tx1"/>
+                </a:solidFill>
+                <a:latin typeface="+mn-lt"/>
+                <a:ea typeface="+mn-ea"/>
+                <a:cs typeface="+mn-cs"/>
+              </a:defRPr>
+            </a:lvl1pPr>
+            <a:lvl2pPr marL="685800" indent="-228600" algn="l" defTabSz="914400" rtl="0" eaLnBrk="1" latinLnBrk="0" hangingPunct="1">
+              <a:lnSpc>
+                <a:spcPct val="90000"/>
+              </a:lnSpc>
+              <a:spcBef>
+                <a:spcPts val="500"/>
+              </a:spcBef>
+              <a:buFont typeface="Arial" panose="020B0604020202020204" pitchFamily="34" charset="0"/>
+              <a:buChar char="•"/>
+              <a:defRPr sz="2400" kern="1200">
+                <a:solidFill>
+                  <a:schemeClr val="tx1"/>
+                </a:solidFill>
+                <a:latin typeface="+mn-lt"/>
+                <a:ea typeface="+mn-ea"/>
+                <a:cs typeface="+mn-cs"/>
+              </a:defRPr>
+            </a:lvl2pPr>
+            <a:lvl3pPr marL="1143000" indent="-228600" algn="l" defTabSz="914400" rtl="0" eaLnBrk="1" latinLnBrk="0" hangingPunct="1">
+              <a:lnSpc>
+                <a:spcPct val="90000"/>
+              </a:lnSpc>
+              <a:spcBef>
+                <a:spcPts val="500"/>
+              </a:spcBef>
+              <a:buFont typeface="Arial" panose="020B0604020202020204" pitchFamily="34" charset="0"/>
+              <a:buChar char="•"/>
+              <a:defRPr sz="2000" kern="1200">
+                <a:solidFill>
+                  <a:schemeClr val="tx1"/>
+                </a:solidFill>
+                <a:latin typeface="+mn-lt"/>
+                <a:ea typeface="+mn-ea"/>
+                <a:cs typeface="+mn-cs"/>
+              </a:defRPr>
+            </a:lvl3pPr>
+            <a:lvl4pPr marL="1600200" indent="-228600" algn="l" defTabSz="914400" rtl="0" eaLnBrk="1" latinLnBrk="0" hangingPunct="1">
+              <a:lnSpc>
+                <a:spcPct val="90000"/>
+              </a:lnSpc>
+              <a:spcBef>
+                <a:spcPts val="500"/>
+              </a:spcBef>
+              <a:buFont typeface="Arial" panose="020B0604020202020204" pitchFamily="34" charset="0"/>
+              <a:buChar char="•"/>
+              <a:defRPr sz="1800" kern="1200">
+                <a:solidFill>
+                  <a:schemeClr val="tx1"/>
+                </a:solidFill>
+                <a:latin typeface="+mn-lt"/>
+                <a:ea typeface="+mn-ea"/>
+                <a:cs typeface="+mn-cs"/>
+              </a:defRPr>
+            </a:lvl4pPr>
+            <a:lvl5pPr marL="2057400" indent="-228600" algn="l" defTabSz="914400" rtl="0" eaLnBrk="1" latinLnBrk="0" hangingPunct="1">
+              <a:lnSpc>
+                <a:spcPct val="90000"/>
+              </a:lnSpc>
+              <a:spcBef>
+                <a:spcPts val="500"/>
+              </a:spcBef>
+              <a:buFont typeface="Arial" panose="020B0604020202020204" pitchFamily="34" charset="0"/>
+              <a:buChar char="•"/>
+              <a:defRPr sz="1800" kern="1200">
+                <a:solidFill>
+                  <a:schemeClr val="tx1"/>
+                </a:solidFill>
+                <a:latin typeface="+mn-lt"/>
+                <a:ea typeface="+mn-ea"/>
+                <a:cs typeface="+mn-cs"/>
+              </a:defRPr>
+            </a:lvl5pPr>
+            <a:lvl6pPr marL="2514600" indent="-228600" algn="l" defTabSz="914400" rtl="0" eaLnBrk="1" latinLnBrk="0" hangingPunct="1">
+              <a:lnSpc>
+                <a:spcPct val="90000"/>
+              </a:lnSpc>
+              <a:spcBef>
+                <a:spcPts val="500"/>
+              </a:spcBef>
+              <a:buFont typeface="Arial" panose="020B0604020202020204" pitchFamily="34" charset="0"/>
+              <a:buChar char="•"/>
+              <a:defRPr sz="1800" kern="1200">
+                <a:solidFill>
+                  <a:schemeClr val="tx1"/>
+                </a:solidFill>
+                <a:latin typeface="+mn-lt"/>
+                <a:ea typeface="+mn-ea"/>
+                <a:cs typeface="+mn-cs"/>
+              </a:defRPr>
+            </a:lvl6pPr>
+            <a:lvl7pPr marL="2971800" indent="-228600" algn="l" defTabSz="914400" rtl="0" eaLnBrk="1" latinLnBrk="0" hangingPunct="1">
+              <a:lnSpc>
+                <a:spcPct val="90000"/>
+              </a:lnSpc>
+              <a:spcBef>
+                <a:spcPts val="500"/>
+              </a:spcBef>
+              <a:buFont typeface="Arial" panose="020B0604020202020204" pitchFamily="34" charset="0"/>
+              <a:buChar char="•"/>
+              <a:defRPr sz="1800" kern="1200">
+                <a:solidFill>
+                  <a:schemeClr val="tx1"/>
+                </a:solidFill>
+                <a:latin typeface="+mn-lt"/>
+                <a:ea typeface="+mn-ea"/>
+                <a:cs typeface="+mn-cs"/>
+              </a:defRPr>
+            </a:lvl7pPr>
+            <a:lvl8pPr marL="3429000" indent="-228600" algn="l" defTabSz="914400" rtl="0" eaLnBrk="1" latinLnBrk="0" hangingPunct="1">
+              <a:lnSpc>
+                <a:spcPct val="90000"/>
+              </a:lnSpc>
+              <a:spcBef>
+                <a:spcPts val="500"/>
+              </a:spcBef>
+              <a:buFont typeface="Arial" panose="020B0604020202020204" pitchFamily="34" charset="0"/>
+              <a:buChar char="•"/>
+              <a:defRPr sz="1800" kern="1200">
+                <a:solidFill>
+                  <a:schemeClr val="tx1"/>
+                </a:solidFill>
+                <a:latin typeface="+mn-lt"/>
+                <a:ea typeface="+mn-ea"/>
+                <a:cs typeface="+mn-cs"/>
+              </a:defRPr>
+            </a:lvl8pPr>
+            <a:lvl9pPr marL="3886200" indent="-228600" algn="l" defTabSz="914400" rtl="0" eaLnBrk="1" latinLnBrk="0" hangingPunct="1">
+              <a:lnSpc>
+                <a:spcPct val="90000"/>
+              </a:lnSpc>
+              <a:spcBef>
+                <a:spcPts val="500"/>
+              </a:spcBef>
+              <a:buFont typeface="Arial" panose="020B0604020202020204" pitchFamily="34" charset="0"/>
+              <a:buChar char="•"/>
+              <a:defRPr sz="1800" kern="1200">
+                <a:solidFill>
+                  <a:schemeClr val="tx1"/>
+                </a:solidFill>
+                <a:latin typeface="+mn-lt"/>
+                <a:ea typeface="+mn-ea"/>
+                <a:cs typeface="+mn-cs"/>
+              </a:defRPr>
+            </a:lvl9pPr>
+          </a:lstStyle>
+          <a:p>
+            <a:pPr marL="0" indent="0">
+              <a:buNone/>
+            </a:pPr>
+            <a:r>
+              <a:rPr lang="de-DE" sz="2400" b="1" dirty="0">
+                <a:latin typeface="Times New Roman" panose="02020603050405020304" pitchFamily="18" charset="0"/>
+                <a:cs typeface="Times New Roman" panose="02020603050405020304" pitchFamily="18" charset="0"/>
+              </a:rPr>
+              <a:t>Grenzen</a:t>
+            </a:r>
+          </a:p>
+        </p:txBody>
+      </p:sp>
+      <p:sp>
+        <p:nvSpPr>
+          <p:cNvPr id="9" name="Inhaltsplatzhalter 6">
+            <a:extLst>
+              <a:ext uri="{FF2B5EF4-FFF2-40B4-BE49-F238E27FC236}">
+                <a16:creationId xmlns:a16="http://schemas.microsoft.com/office/drawing/2014/main" id="{6DC134C4-DA6E-2210-61F4-5FFF8C8867D4}"/>
+              </a:ext>
+            </a:extLst>
+          </p:cNvPr>
+          <p:cNvSpPr txBox="1">
+            <a:spLocks/>
+          </p:cNvSpPr>
+          <p:nvPr/>
+        </p:nvSpPr>
+        <p:spPr>
+          <a:xfrm>
+            <a:off x="6172200" y="2505075"/>
+            <a:ext cx="5183188" cy="3684588"/>
+          </a:xfrm>
+          <a:prstGeom prst="rect">
+            <a:avLst/>
+          </a:prstGeom>
+        </p:spPr>
+        <p:txBody>
+          <a:bodyPr>
+            <a:normAutofit/>
+          </a:bodyPr>
+          <a:lstStyle>
+            <a:lvl1pPr marL="228600" indent="-228600" algn="l" defTabSz="914400" rtl="0" eaLnBrk="1" latinLnBrk="0" hangingPunct="1">
+              <a:lnSpc>
+                <a:spcPct val="90000"/>
+              </a:lnSpc>
+              <a:spcBef>
+                <a:spcPts val="1000"/>
+              </a:spcBef>
+              <a:buFont typeface="Arial" panose="020B0604020202020204" pitchFamily="34" charset="0"/>
+              <a:buChar char="•"/>
+              <a:defRPr sz="2800" kern="1200">
+                <a:solidFill>
+                  <a:schemeClr val="tx1"/>
+                </a:solidFill>
+                <a:latin typeface="+mn-lt"/>
+                <a:ea typeface="+mn-ea"/>
+                <a:cs typeface="+mn-cs"/>
+              </a:defRPr>
+            </a:lvl1pPr>
+            <a:lvl2pPr marL="685800" indent="-228600" algn="l" defTabSz="914400" rtl="0" eaLnBrk="1" latinLnBrk="0" hangingPunct="1">
+              <a:lnSpc>
+                <a:spcPct val="90000"/>
+              </a:lnSpc>
+              <a:spcBef>
+                <a:spcPts val="500"/>
+              </a:spcBef>
+              <a:buFont typeface="Arial" panose="020B0604020202020204" pitchFamily="34" charset="0"/>
+              <a:buChar char="•"/>
+              <a:defRPr sz="2400" kern="1200">
+                <a:solidFill>
+                  <a:schemeClr val="tx1"/>
+                </a:solidFill>
+                <a:latin typeface="+mn-lt"/>
+                <a:ea typeface="+mn-ea"/>
+                <a:cs typeface="+mn-cs"/>
+              </a:defRPr>
+            </a:lvl2pPr>
+            <a:lvl3pPr marL="1143000" indent="-228600" algn="l" defTabSz="914400" rtl="0" eaLnBrk="1" latinLnBrk="0" hangingPunct="1">
+              <a:lnSpc>
+                <a:spcPct val="90000"/>
+              </a:lnSpc>
+              <a:spcBef>
+                <a:spcPts val="500"/>
+              </a:spcBef>
+              <a:buFont typeface="Arial" panose="020B0604020202020204" pitchFamily="34" charset="0"/>
+              <a:buChar char="•"/>
+              <a:defRPr sz="2000" kern="1200">
+                <a:solidFill>
+                  <a:schemeClr val="tx1"/>
+                </a:solidFill>
+                <a:latin typeface="+mn-lt"/>
+                <a:ea typeface="+mn-ea"/>
+                <a:cs typeface="+mn-cs"/>
+              </a:defRPr>
+            </a:lvl3pPr>
+            <a:lvl4pPr marL="1600200" indent="-228600" algn="l" defTabSz="914400" rtl="0" eaLnBrk="1" latinLnBrk="0" hangingPunct="1">
+              <a:lnSpc>
+                <a:spcPct val="90000"/>
+              </a:lnSpc>
+              <a:spcBef>
+                <a:spcPts val="500"/>
+              </a:spcBef>
+              <a:buFont typeface="Arial" panose="020B0604020202020204" pitchFamily="34" charset="0"/>
+              <a:buChar char="•"/>
+              <a:defRPr sz="1800" kern="1200">
+                <a:solidFill>
+                  <a:schemeClr val="tx1"/>
+                </a:solidFill>
+                <a:latin typeface="+mn-lt"/>
+                <a:ea typeface="+mn-ea"/>
+                <a:cs typeface="+mn-cs"/>
+              </a:defRPr>
+            </a:lvl4pPr>
+            <a:lvl5pPr marL="2057400" indent="-228600" algn="l" defTabSz="914400" rtl="0" eaLnBrk="1" latinLnBrk="0" hangingPunct="1">
+              <a:lnSpc>
+                <a:spcPct val="90000"/>
+              </a:lnSpc>
+              <a:spcBef>
+                <a:spcPts val="500"/>
+              </a:spcBef>
+              <a:buFont typeface="Arial" panose="020B0604020202020204" pitchFamily="34" charset="0"/>
+              <a:buChar char="•"/>
+              <a:defRPr sz="1800" kern="1200">
+                <a:solidFill>
+                  <a:schemeClr val="tx1"/>
+                </a:solidFill>
+                <a:latin typeface="+mn-lt"/>
+                <a:ea typeface="+mn-ea"/>
+                <a:cs typeface="+mn-cs"/>
+              </a:defRPr>
+            </a:lvl5pPr>
+            <a:lvl6pPr marL="2514600" indent="-228600" algn="l" defTabSz="914400" rtl="0" eaLnBrk="1" latinLnBrk="0" hangingPunct="1">
+              <a:lnSpc>
+                <a:spcPct val="90000"/>
+              </a:lnSpc>
+              <a:spcBef>
+                <a:spcPts val="500"/>
+              </a:spcBef>
+              <a:buFont typeface="Arial" panose="020B0604020202020204" pitchFamily="34" charset="0"/>
+              <a:buChar char="•"/>
+              <a:defRPr sz="1800" kern="1200">
+                <a:solidFill>
+                  <a:schemeClr val="tx1"/>
+                </a:solidFill>
+                <a:latin typeface="+mn-lt"/>
+                <a:ea typeface="+mn-ea"/>
+                <a:cs typeface="+mn-cs"/>
+              </a:defRPr>
+            </a:lvl6pPr>
+            <a:lvl7pPr marL="2971800" indent="-228600" algn="l" defTabSz="914400" rtl="0" eaLnBrk="1" latinLnBrk="0" hangingPunct="1">
+              <a:lnSpc>
+                <a:spcPct val="90000"/>
+              </a:lnSpc>
+              <a:spcBef>
+                <a:spcPts val="500"/>
+              </a:spcBef>
+              <a:buFont typeface="Arial" panose="020B0604020202020204" pitchFamily="34" charset="0"/>
+              <a:buChar char="•"/>
+              <a:defRPr sz="1800" kern="1200">
+                <a:solidFill>
+                  <a:schemeClr val="tx1"/>
+                </a:solidFill>
+                <a:latin typeface="+mn-lt"/>
+                <a:ea typeface="+mn-ea"/>
+                <a:cs typeface="+mn-cs"/>
+              </a:defRPr>
+            </a:lvl7pPr>
+            <a:lvl8pPr marL="3429000" indent="-228600" algn="l" defTabSz="914400" rtl="0" eaLnBrk="1" latinLnBrk="0" hangingPunct="1">
+              <a:lnSpc>
+                <a:spcPct val="90000"/>
+              </a:lnSpc>
+              <a:spcBef>
+                <a:spcPts val="500"/>
+              </a:spcBef>
+              <a:buFont typeface="Arial" panose="020B0604020202020204" pitchFamily="34" charset="0"/>
+              <a:buChar char="•"/>
+              <a:defRPr sz="1800" kern="1200">
+                <a:solidFill>
+                  <a:schemeClr val="tx1"/>
+                </a:solidFill>
+                <a:latin typeface="+mn-lt"/>
+                <a:ea typeface="+mn-ea"/>
+                <a:cs typeface="+mn-cs"/>
+              </a:defRPr>
+            </a:lvl8pPr>
+            <a:lvl9pPr marL="3886200" indent="-228600" algn="l" defTabSz="914400" rtl="0" eaLnBrk="1" latinLnBrk="0" hangingPunct="1">
+              <a:lnSpc>
+                <a:spcPct val="90000"/>
+              </a:lnSpc>
+              <a:spcBef>
+                <a:spcPts val="500"/>
+              </a:spcBef>
+              <a:buFont typeface="Arial" panose="020B0604020202020204" pitchFamily="34" charset="0"/>
+              <a:buChar char="•"/>
+              <a:defRPr sz="1800" kern="1200">
+                <a:solidFill>
+                  <a:schemeClr val="tx1"/>
+                </a:solidFill>
+                <a:latin typeface="+mn-lt"/>
+                <a:ea typeface="+mn-ea"/>
+                <a:cs typeface="+mn-cs"/>
+              </a:defRPr>
+            </a:lvl9pPr>
+          </a:lstStyle>
+          <a:p>
+            <a:r>
+              <a:rPr lang="de-DE" sz="1800" dirty="0">
+                <a:latin typeface="Times New Roman" panose="02020603050405020304" pitchFamily="18" charset="0"/>
+                <a:cs typeface="Times New Roman" panose="02020603050405020304" pitchFamily="18" charset="0"/>
+              </a:rPr>
+              <a:t>Mathematische Herausforderungen bei der Multiplikation ordinal skalierter Merkmale.</a:t>
+            </a:r>
+          </a:p>
+          <a:p>
+            <a:r>
+              <a:rPr lang="de-DE" sz="1800" dirty="0">
+                <a:latin typeface="Times New Roman" panose="02020603050405020304" pitchFamily="18" charset="0"/>
+                <a:cs typeface="Times New Roman" panose="02020603050405020304" pitchFamily="18" charset="0"/>
+              </a:rPr>
+              <a:t>Begrenzte Bewertungsmöglichkeiten für bestimmte Risiken.</a:t>
+            </a:r>
+          </a:p>
+          <a:p>
+            <a:r>
+              <a:rPr lang="de-DE" sz="1800" dirty="0">
+                <a:latin typeface="Times New Roman" panose="02020603050405020304" pitchFamily="18" charset="0"/>
+                <a:cs typeface="Times New Roman" panose="02020603050405020304" pitchFamily="18" charset="0"/>
+              </a:rPr>
+              <a:t>Zeit- und Ressourcenverbrauch.</a:t>
+            </a:r>
+          </a:p>
+          <a:p>
+            <a:r>
+              <a:rPr lang="de-DE" sz="1800" dirty="0">
+                <a:latin typeface="Times New Roman" panose="02020603050405020304" pitchFamily="18" charset="0"/>
+                <a:cs typeface="Times New Roman" panose="02020603050405020304" pitchFamily="18" charset="0"/>
+              </a:rPr>
+              <a:t>Großer Datenbedarf und Systemkenntnisse erforderlich.</a:t>
+            </a:r>
+          </a:p>
+          <a:p>
+            <a:r>
+              <a:rPr lang="de-DE" sz="1800" dirty="0">
+                <a:latin typeface="Times New Roman" panose="02020603050405020304" pitchFamily="18" charset="0"/>
+                <a:cs typeface="Times New Roman" panose="02020603050405020304" pitchFamily="18" charset="0"/>
+              </a:rPr>
+              <a:t>Interdependenzen können in der ursprünglichen FMEA nicht analysiert werden.</a:t>
+            </a:r>
+          </a:p>
+        </p:txBody>
+      </p:sp>
+    </p:spTree>
+    <p:extLst>
+      <p:ext uri="{BB962C8B-B14F-4D97-AF65-F5344CB8AC3E}">
+        <p14:creationId xmlns:p14="http://schemas.microsoft.com/office/powerpoint/2010/main" val="2165102645"/>
       </p:ext>
     </p:extLst>
   </p:cSld>

--- a/2.Vortrag/Markov-Analyse_Präsentation.pptx
+++ b/2.Vortrag/Markov-Analyse_Präsentation.pptx
@@ -10189,8 +10189,8 @@
           </a:p>
         </p:txBody>
       </p:sp>
-      <mc:AlternateContent xmlns:mc="http://schemas.openxmlformats.org/markup-compatibility/2006">
-        <mc:Choice xmlns:a14="http://schemas.microsoft.com/office/drawing/2010/main" Requires="a14">
+      <mc:AlternateContent xmlns:mc="http://schemas.openxmlformats.org/markup-compatibility/2006" xmlns:a14="http://schemas.microsoft.com/office/drawing/2010/main">
+        <mc:Choice Requires="a14">
           <p:sp>
             <p:nvSpPr>
               <p:cNvPr id="2" name="Inhaltsplatzhalter 2">
@@ -10496,7 +10496,7 @@
             </p:txBody>
           </p:sp>
         </mc:Choice>
-        <mc:Fallback>
+        <mc:Fallback xmlns="">
           <p:sp>
             <p:nvSpPr>
               <p:cNvPr id="2" name="Inhaltsplatzhalter 2">
@@ -10723,8 +10723,8 @@
           </a:p>
         </p:txBody>
       </p:sp>
-      <mc:AlternateContent xmlns:mc="http://schemas.openxmlformats.org/markup-compatibility/2006">
-        <mc:Choice xmlns:a14="http://schemas.microsoft.com/office/drawing/2010/main" Requires="a14">
+      <mc:AlternateContent xmlns:mc="http://schemas.openxmlformats.org/markup-compatibility/2006" xmlns:a14="http://schemas.microsoft.com/office/drawing/2010/main">
+        <mc:Choice Requires="a14">
           <p:sp>
             <p:nvSpPr>
               <p:cNvPr id="3" name="Inhaltsplatzhalter 2">
@@ -11012,7 +11012,7 @@
             </p:txBody>
           </p:sp>
         </mc:Choice>
-        <mc:Fallback>
+        <mc:Fallback xmlns="">
           <p:sp>
             <p:nvSpPr>
               <p:cNvPr id="3" name="Inhaltsplatzhalter 2">
@@ -11239,8 +11239,8 @@
           </a:p>
         </p:txBody>
       </p:sp>
-      <mc:AlternateContent xmlns:mc="http://schemas.openxmlformats.org/markup-compatibility/2006">
-        <mc:Choice xmlns:a14="http://schemas.microsoft.com/office/drawing/2010/main" Requires="a14">
+      <mc:AlternateContent xmlns:mc="http://schemas.openxmlformats.org/markup-compatibility/2006" xmlns:a14="http://schemas.microsoft.com/office/drawing/2010/main">
+        <mc:Choice Requires="a14">
           <p:sp>
             <p:nvSpPr>
               <p:cNvPr id="2" name="Inhaltsplatzhalter 2">
@@ -11577,7 +11577,7 @@
             </p:txBody>
           </p:sp>
         </mc:Choice>
-        <mc:Fallback>
+        <mc:Fallback xmlns="">
           <p:sp>
             <p:nvSpPr>
               <p:cNvPr id="2" name="Inhaltsplatzhalter 2">
@@ -16438,34 +16438,39 @@
           </a:lstStyle>
           <a:p>
             <a:r>
-              <a:rPr lang="de-DE" sz="1800">
+              <a:rPr lang="de-DE" sz="1800" dirty="0">
                 <a:latin typeface="Times New Roman" panose="02020603050405020304" pitchFamily="18" charset="0"/>
                 <a:cs typeface="Times New Roman" panose="02020603050405020304" pitchFamily="18" charset="0"/>
               </a:rPr>
-              <a:t>Vollumfassende Betrachtung des Systems durch Zerlegung in kleinste Komponenten.</a:t>
-            </a:r>
-          </a:p>
-          <a:p>
-            <a:r>
-              <a:rPr lang="de-DE" sz="1800">
+              <a:t>Modellierung von zufälligen Zustandsänderungen ist einfach (GBM-Modellierung).</a:t>
+            </a:r>
+          </a:p>
+          <a:p>
+            <a:r>
+              <a:rPr lang="de-DE" sz="1800" dirty="0">
                 <a:latin typeface="Times New Roman" panose="02020603050405020304" pitchFamily="18" charset="0"/>
                 <a:cs typeface="Times New Roman" panose="02020603050405020304" pitchFamily="18" charset="0"/>
               </a:rPr>
-              <a:t>ISO-Regelwerke beschreiben FMEA.</a:t>
-            </a:r>
-          </a:p>
-          <a:p>
-            <a:r>
-              <a:rPr lang="de-DE" sz="1800">
+              <a:t>Leichte Modellierung von stochastischen Netzen.</a:t>
+            </a:r>
+          </a:p>
+          <a:p>
+            <a:r>
+              <a:rPr lang="de-DE" sz="1800" dirty="0">
                 <a:latin typeface="Times New Roman" panose="02020603050405020304" pitchFamily="18" charset="0"/>
                 <a:cs typeface="Times New Roman" panose="02020603050405020304" pitchFamily="18" charset="0"/>
               </a:rPr>
-              <a:t>Klare Formalisierung mithilfe von "Worksheets."</a:t>
-            </a:r>
-            <a:endParaRPr lang="de-DE" sz="1800" dirty="0">
-              <a:latin typeface="Times New Roman" panose="02020603050405020304" pitchFamily="18" charset="0"/>
-              <a:cs typeface="Times New Roman" panose="02020603050405020304" pitchFamily="18" charset="0"/>
-            </a:endParaRPr>
+              <a:t>Verständliches Grundprinzip von Markov-Ketten, leicht kommunizierbar.</a:t>
+            </a:r>
+          </a:p>
+          <a:p>
+            <a:r>
+              <a:rPr lang="de-DE" sz="1800" dirty="0">
+                <a:latin typeface="Times New Roman" panose="02020603050405020304" pitchFamily="18" charset="0"/>
+                <a:cs typeface="Times New Roman" panose="02020603050405020304" pitchFamily="18" charset="0"/>
+              </a:rPr>
+              <a:t>Effiziente Algorithmen, besonders mit stochastischen IT-Werkzeugen.</a:t>
+            </a:r>
           </a:p>
         </p:txBody>
       </p:sp>
@@ -16869,7 +16874,7 @@
                 <a:latin typeface="Times New Roman" panose="02020603050405020304" pitchFamily="18" charset="0"/>
                 <a:cs typeface="Times New Roman" panose="02020603050405020304" pitchFamily="18" charset="0"/>
               </a:rPr>
-              <a:t>Mathematische Herausforderungen bei der Multiplikation ordinal skalierter Merkmale.</a:t>
+              <a:t>Hohe Rechenkomplexität.</a:t>
             </a:r>
           </a:p>
           <a:p>
@@ -16878,7 +16883,7 @@
                 <a:latin typeface="Times New Roman" panose="02020603050405020304" pitchFamily="18" charset="0"/>
                 <a:cs typeface="Times New Roman" panose="02020603050405020304" pitchFamily="18" charset="0"/>
               </a:rPr>
-              <a:t>Begrenzte Bewertungsmöglichkeiten für bestimmte Risiken.</a:t>
+              <a:t>Erfordert umfangreiche mathematische/stochastische Fachkenntnisse.</a:t>
             </a:r>
           </a:p>
           <a:p>
@@ -16887,25 +16892,7 @@
                 <a:latin typeface="Times New Roman" panose="02020603050405020304" pitchFamily="18" charset="0"/>
                 <a:cs typeface="Times New Roman" panose="02020603050405020304" pitchFamily="18" charset="0"/>
               </a:rPr>
-              <a:t>Zeit- und Ressourcenverbrauch.</a:t>
-            </a:r>
-          </a:p>
-          <a:p>
-            <a:r>
-              <a:rPr lang="de-DE" sz="1800" dirty="0">
-                <a:latin typeface="Times New Roman" panose="02020603050405020304" pitchFamily="18" charset="0"/>
-                <a:cs typeface="Times New Roman" panose="02020603050405020304" pitchFamily="18" charset="0"/>
-              </a:rPr>
-              <a:t>Großer Datenbedarf und Systemkenntnisse erforderlich.</a:t>
-            </a:r>
-          </a:p>
-          <a:p>
-            <a:r>
-              <a:rPr lang="de-DE" sz="1800" dirty="0">
-                <a:latin typeface="Times New Roman" panose="02020603050405020304" pitchFamily="18" charset="0"/>
-                <a:cs typeface="Times New Roman" panose="02020603050405020304" pitchFamily="18" charset="0"/>
-              </a:rPr>
-              <a:t>Interdependenzen können in der ursprünglichen FMEA nicht analysiert werden.</a:t>
+              <a:t>Begrenzte Fähigkeit, extreme Stressszenarien praktisch mit einem Random Walk abzubilden.</a:t>
             </a:r>
           </a:p>
         </p:txBody>

--- a/2.Vortrag/Markov-Analyse_Präsentation.pptx
+++ b/2.Vortrag/Markov-Analyse_Präsentation.pptx
@@ -1837,6 +1837,38 @@
               <a:rPr lang="de-DE" dirty="0"/>
               <a:t>Linus</a:t>
             </a:r>
+          </a:p>
+          <a:p>
+            <a:r>
+              <a:rPr lang="de-DE" dirty="0"/>
+              <a:t>3 Notwendigen Sachen</a:t>
+            </a:r>
+          </a:p>
+          <a:p>
+            <a:r>
+              <a:rPr lang="de-DE" dirty="0"/>
+              <a:t>-Zustände</a:t>
+            </a:r>
+          </a:p>
+          <a:p>
+            <a:r>
+              <a:rPr lang="de-DE" dirty="0"/>
+              <a:t>-Initialisierung</a:t>
+            </a:r>
+          </a:p>
+          <a:p>
+            <a:r>
+              <a:rPr lang="de-DE" dirty="0"/>
+              <a:t>-</a:t>
+            </a:r>
+            <a:r>
+              <a:rPr lang="de-DE" dirty="0" err="1"/>
+              <a:t>Transitionsmodell</a:t>
+            </a:r>
+            <a:endParaRPr lang="de-DE" dirty="0"/>
+          </a:p>
+          <a:p>
+            <a:endParaRPr lang="de-DE" dirty="0"/>
           </a:p>
         </p:txBody>
       </p:sp>
@@ -6139,10 +6171,10 @@
       </p:sp>
       <p:sp>
         <p:nvSpPr>
-          <p:cNvPr id="11" name="Ellipse 10">
+          <p:cNvPr id="2" name="Pfeil: nach rechts 1">
             <a:extLst>
               <a:ext uri="{FF2B5EF4-FFF2-40B4-BE49-F238E27FC236}">
-                <a16:creationId xmlns:a16="http://schemas.microsoft.com/office/drawing/2014/main" id="{790E52E3-7753-D026-BF7F-9A52F0F2FB33}"/>
+                <a16:creationId xmlns:a16="http://schemas.microsoft.com/office/drawing/2014/main" id="{65DB3469-D0AB-20FC-8B20-89D4D99E5A0B}"/>
               </a:ext>
             </a:extLst>
           </p:cNvPr>
@@ -6151,10 +6183,10 @@
         </p:nvSpPr>
         <p:spPr>
           <a:xfrm>
-            <a:off x="1127234" y="1907628"/>
-            <a:ext cx="559676" cy="626836"/>
+            <a:off x="5828777" y="3405136"/>
+            <a:ext cx="1876425" cy="1200150"/>
           </a:xfrm>
-          <a:prstGeom prst="ellipse">
+          <a:prstGeom prst="rightArrow">
             <a:avLst/>
           </a:prstGeom>
         </p:spPr>
@@ -6183,413 +6215,75 @@
           </a:p>
         </p:txBody>
       </p:sp>
-      <p:sp>
-        <p:nvSpPr>
-          <p:cNvPr id="12" name="Ellipse 11">
+      <p:pic>
+        <p:nvPicPr>
+          <p:cNvPr id="3" name="Grafik 2">
             <a:extLst>
               <a:ext uri="{FF2B5EF4-FFF2-40B4-BE49-F238E27FC236}">
-                <a16:creationId xmlns:a16="http://schemas.microsoft.com/office/drawing/2014/main" id="{6349CF3B-AC34-99C3-2095-69952E738DDF}"/>
+                <a16:creationId xmlns:a16="http://schemas.microsoft.com/office/drawing/2014/main" id="{6A88CAE9-E2C8-1A98-DD3A-AFBD66A7DF62}"/>
               </a:ext>
             </a:extLst>
           </p:cNvPr>
-          <p:cNvSpPr/>
+          <p:cNvPicPr>
+            <a:picLocks noChangeAspect="1"/>
+          </p:cNvPicPr>
           <p:nvPr/>
-        </p:nvSpPr>
+        </p:nvPicPr>
+        <p:blipFill>
+          <a:blip r:embed="rId5"/>
+          <a:stretch>
+            <a:fillRect/>
+          </a:stretch>
+        </p:blipFill>
         <p:spPr>
           <a:xfrm>
-            <a:off x="1127234" y="3094062"/>
-            <a:ext cx="559676" cy="626836"/>
+            <a:off x="8004092" y="2901713"/>
+            <a:ext cx="3457411" cy="2623014"/>
           </a:xfrm>
-          <a:prstGeom prst="ellipse">
+          <a:prstGeom prst="rect">
             <a:avLst/>
           </a:prstGeom>
         </p:spPr>
-        <p:style>
-          <a:lnRef idx="2">
-            <a:schemeClr val="accent1">
-              <a:shade val="15000"/>
-            </a:schemeClr>
-          </a:lnRef>
-          <a:fillRef idx="1">
-            <a:schemeClr val="accent1"/>
-          </a:fillRef>
-          <a:effectRef idx="0">
-            <a:schemeClr val="accent1"/>
-          </a:effectRef>
-          <a:fontRef idx="minor">
-            <a:schemeClr val="lt1"/>
-          </a:fontRef>
-        </p:style>
-        <p:txBody>
-          <a:bodyPr rtlCol="0" anchor="ctr"/>
-          <a:lstStyle/>
-          <a:p>
-            <a:pPr algn="ctr"/>
-            <a:endParaRPr lang="de-DE"/>
-          </a:p>
-        </p:txBody>
-      </p:sp>
-      <p:sp>
-        <p:nvSpPr>
-          <p:cNvPr id="13" name="Ellipse 12">
+      </p:pic>
+      <p:pic>
+        <p:nvPicPr>
+          <p:cNvPr id="5" name="Grafik 4">
             <a:extLst>
               <a:ext uri="{FF2B5EF4-FFF2-40B4-BE49-F238E27FC236}">
-                <a16:creationId xmlns:a16="http://schemas.microsoft.com/office/drawing/2014/main" id="{216A090D-AEF3-A106-729B-CAECFB17D740}"/>
+                <a16:creationId xmlns:a16="http://schemas.microsoft.com/office/drawing/2014/main" id="{5BECCAE2-6941-4B2C-0E47-769A1B90938A}"/>
               </a:ext>
             </a:extLst>
           </p:cNvPr>
-          <p:cNvSpPr/>
+          <p:cNvPicPr>
+            <a:picLocks noChangeAspect="1"/>
+          </p:cNvPicPr>
           <p:nvPr/>
-        </p:nvSpPr>
+        </p:nvPicPr>
+        <p:blipFill>
+          <a:blip r:embed="rId6">
+            <a:extLst>
+              <a:ext uri="{28A0092B-C50C-407E-A947-70E740481C1C}">
+                <a14:useLocalDpi xmlns:a14="http://schemas.microsoft.com/office/drawing/2010/main" val="0"/>
+              </a:ext>
+              <a:ext uri="{96DAC541-7B7A-43D3-8B79-37D633B846F1}">
+                <asvg:svgBlip xmlns:asvg="http://schemas.microsoft.com/office/drawing/2016/SVG/main" r:embed="rId7"/>
+              </a:ext>
+            </a:extLst>
+          </a:blip>
+          <a:stretch>
+            <a:fillRect/>
+          </a:stretch>
+        </p:blipFill>
         <p:spPr>
           <a:xfrm>
-            <a:off x="1127234" y="4498417"/>
-            <a:ext cx="559676" cy="626836"/>
+            <a:off x="1346771" y="2514549"/>
+            <a:ext cx="3648075" cy="2981325"/>
           </a:xfrm>
-          <a:prstGeom prst="ellipse">
+          <a:prstGeom prst="rect">
             <a:avLst/>
           </a:prstGeom>
         </p:spPr>
-        <p:style>
-          <a:lnRef idx="2">
-            <a:schemeClr val="accent1">
-              <a:shade val="15000"/>
-            </a:schemeClr>
-          </a:lnRef>
-          <a:fillRef idx="1">
-            <a:schemeClr val="accent1"/>
-          </a:fillRef>
-          <a:effectRef idx="0">
-            <a:schemeClr val="accent1"/>
-          </a:effectRef>
-          <a:fontRef idx="minor">
-            <a:schemeClr val="lt1"/>
-          </a:fontRef>
-        </p:style>
-        <p:txBody>
-          <a:bodyPr rtlCol="0" anchor="ctr"/>
-          <a:lstStyle/>
-          <a:p>
-            <a:pPr algn="ctr"/>
-            <a:endParaRPr lang="de-DE"/>
-          </a:p>
-        </p:txBody>
-      </p:sp>
-      <p:sp>
-        <p:nvSpPr>
-          <p:cNvPr id="14" name="Ellipse 13">
-            <a:extLst>
-              <a:ext uri="{FF2B5EF4-FFF2-40B4-BE49-F238E27FC236}">
-                <a16:creationId xmlns:a16="http://schemas.microsoft.com/office/drawing/2014/main" id="{57E3ED7C-3558-C6B9-3429-3CBBE36B795A}"/>
-              </a:ext>
-            </a:extLst>
-          </p:cNvPr>
-          <p:cNvSpPr/>
-          <p:nvPr/>
-        </p:nvSpPr>
-        <p:spPr>
-          <a:xfrm>
-            <a:off x="4740165" y="3161301"/>
-            <a:ext cx="559676" cy="626836"/>
-          </a:xfrm>
-          <a:prstGeom prst="ellipse">
-            <a:avLst/>
-          </a:prstGeom>
-        </p:spPr>
-        <p:style>
-          <a:lnRef idx="2">
-            <a:schemeClr val="accent1">
-              <a:shade val="15000"/>
-            </a:schemeClr>
-          </a:lnRef>
-          <a:fillRef idx="1">
-            <a:schemeClr val="accent1"/>
-          </a:fillRef>
-          <a:effectRef idx="0">
-            <a:schemeClr val="accent1"/>
-          </a:effectRef>
-          <a:fontRef idx="minor">
-            <a:schemeClr val="lt1"/>
-          </a:fontRef>
-        </p:style>
-        <p:txBody>
-          <a:bodyPr rtlCol="0" anchor="ctr"/>
-          <a:lstStyle/>
-          <a:p>
-            <a:pPr algn="ctr"/>
-            <a:endParaRPr lang="de-DE"/>
-          </a:p>
-        </p:txBody>
-      </p:sp>
-      <p:sp>
-        <p:nvSpPr>
-          <p:cNvPr id="15" name="Ellipse 14">
-            <a:extLst>
-              <a:ext uri="{FF2B5EF4-FFF2-40B4-BE49-F238E27FC236}">
-                <a16:creationId xmlns:a16="http://schemas.microsoft.com/office/drawing/2014/main" id="{2396106E-11A8-698D-5A7D-38BE3BF2448E}"/>
-              </a:ext>
-            </a:extLst>
-          </p:cNvPr>
-          <p:cNvSpPr/>
-          <p:nvPr/>
-        </p:nvSpPr>
-        <p:spPr>
-          <a:xfrm>
-            <a:off x="4740165" y="4347735"/>
-            <a:ext cx="559676" cy="626836"/>
-          </a:xfrm>
-          <a:prstGeom prst="ellipse">
-            <a:avLst/>
-          </a:prstGeom>
-        </p:spPr>
-        <p:style>
-          <a:lnRef idx="2">
-            <a:schemeClr val="accent1">
-              <a:shade val="15000"/>
-            </a:schemeClr>
-          </a:lnRef>
-          <a:fillRef idx="1">
-            <a:schemeClr val="accent1"/>
-          </a:fillRef>
-          <a:effectRef idx="0">
-            <a:schemeClr val="accent1"/>
-          </a:effectRef>
-          <a:fontRef idx="minor">
-            <a:schemeClr val="lt1"/>
-          </a:fontRef>
-        </p:style>
-        <p:txBody>
-          <a:bodyPr rtlCol="0" anchor="ctr"/>
-          <a:lstStyle/>
-          <a:p>
-            <a:pPr algn="ctr"/>
-            <a:endParaRPr lang="de-DE"/>
-          </a:p>
-        </p:txBody>
-      </p:sp>
-      <p:sp>
-        <p:nvSpPr>
-          <p:cNvPr id="16" name="Ellipse 15">
-            <a:extLst>
-              <a:ext uri="{FF2B5EF4-FFF2-40B4-BE49-F238E27FC236}">
-                <a16:creationId xmlns:a16="http://schemas.microsoft.com/office/drawing/2014/main" id="{EDF0B835-21EE-045C-C75B-1556D1AC97A9}"/>
-              </a:ext>
-            </a:extLst>
-          </p:cNvPr>
-          <p:cNvSpPr/>
-          <p:nvPr/>
-        </p:nvSpPr>
-        <p:spPr>
-          <a:xfrm>
-            <a:off x="4740165" y="5752090"/>
-            <a:ext cx="559676" cy="626836"/>
-          </a:xfrm>
-          <a:prstGeom prst="ellipse">
-            <a:avLst/>
-          </a:prstGeom>
-        </p:spPr>
-        <p:style>
-          <a:lnRef idx="2">
-            <a:schemeClr val="accent1">
-              <a:shade val="15000"/>
-            </a:schemeClr>
-          </a:lnRef>
-          <a:fillRef idx="1">
-            <a:schemeClr val="accent1"/>
-          </a:fillRef>
-          <a:effectRef idx="0">
-            <a:schemeClr val="accent1"/>
-          </a:effectRef>
-          <a:fontRef idx="minor">
-            <a:schemeClr val="lt1"/>
-          </a:fontRef>
-        </p:style>
-        <p:txBody>
-          <a:bodyPr rtlCol="0" anchor="ctr"/>
-          <a:lstStyle/>
-          <a:p>
-            <a:pPr algn="ctr"/>
-            <a:endParaRPr lang="de-DE"/>
-          </a:p>
-        </p:txBody>
-      </p:sp>
-      <p:sp>
-        <p:nvSpPr>
-          <p:cNvPr id="17" name="Ellipse 16">
-            <a:extLst>
-              <a:ext uri="{FF2B5EF4-FFF2-40B4-BE49-F238E27FC236}">
-                <a16:creationId xmlns:a16="http://schemas.microsoft.com/office/drawing/2014/main" id="{83E1F192-6642-6A4E-8DBC-4F52BC156577}"/>
-              </a:ext>
-            </a:extLst>
-          </p:cNvPr>
-          <p:cNvSpPr/>
-          <p:nvPr/>
-        </p:nvSpPr>
-        <p:spPr>
-          <a:xfrm>
-            <a:off x="7317827" y="1034159"/>
-            <a:ext cx="559676" cy="626836"/>
-          </a:xfrm>
-          <a:prstGeom prst="ellipse">
-            <a:avLst/>
-          </a:prstGeom>
-        </p:spPr>
-        <p:style>
-          <a:lnRef idx="2">
-            <a:schemeClr val="accent1">
-              <a:shade val="15000"/>
-            </a:schemeClr>
-          </a:lnRef>
-          <a:fillRef idx="1">
-            <a:schemeClr val="accent1"/>
-          </a:fillRef>
-          <a:effectRef idx="0">
-            <a:schemeClr val="accent1"/>
-          </a:effectRef>
-          <a:fontRef idx="minor">
-            <a:schemeClr val="lt1"/>
-          </a:fontRef>
-        </p:style>
-        <p:txBody>
-          <a:bodyPr rtlCol="0" anchor="ctr"/>
-          <a:lstStyle/>
-          <a:p>
-            <a:pPr algn="ctr"/>
-            <a:endParaRPr lang="de-DE"/>
-          </a:p>
-        </p:txBody>
-      </p:sp>
-      <p:sp>
-        <p:nvSpPr>
-          <p:cNvPr id="18" name="Ellipse 17">
-            <a:extLst>
-              <a:ext uri="{FF2B5EF4-FFF2-40B4-BE49-F238E27FC236}">
-                <a16:creationId xmlns:a16="http://schemas.microsoft.com/office/drawing/2014/main" id="{7E7950CB-29C6-765C-83E6-3EE5426F5B27}"/>
-              </a:ext>
-            </a:extLst>
-          </p:cNvPr>
-          <p:cNvSpPr/>
-          <p:nvPr/>
-        </p:nvSpPr>
-        <p:spPr>
-          <a:xfrm>
-            <a:off x="7317827" y="2220593"/>
-            <a:ext cx="559676" cy="626836"/>
-          </a:xfrm>
-          <a:prstGeom prst="ellipse">
-            <a:avLst/>
-          </a:prstGeom>
-        </p:spPr>
-        <p:style>
-          <a:lnRef idx="2">
-            <a:schemeClr val="accent1">
-              <a:shade val="15000"/>
-            </a:schemeClr>
-          </a:lnRef>
-          <a:fillRef idx="1">
-            <a:schemeClr val="accent1"/>
-          </a:fillRef>
-          <a:effectRef idx="0">
-            <a:schemeClr val="accent1"/>
-          </a:effectRef>
-          <a:fontRef idx="minor">
-            <a:schemeClr val="lt1"/>
-          </a:fontRef>
-        </p:style>
-        <p:txBody>
-          <a:bodyPr rtlCol="0" anchor="ctr"/>
-          <a:lstStyle/>
-          <a:p>
-            <a:pPr algn="ctr"/>
-            <a:endParaRPr lang="de-DE"/>
-          </a:p>
-        </p:txBody>
-      </p:sp>
-      <p:sp>
-        <p:nvSpPr>
-          <p:cNvPr id="19" name="Ellipse 18">
-            <a:extLst>
-              <a:ext uri="{FF2B5EF4-FFF2-40B4-BE49-F238E27FC236}">
-                <a16:creationId xmlns:a16="http://schemas.microsoft.com/office/drawing/2014/main" id="{47DE1A2C-570D-BF41-93E3-5DCDB2533B34}"/>
-              </a:ext>
-            </a:extLst>
-          </p:cNvPr>
-          <p:cNvSpPr/>
-          <p:nvPr/>
-        </p:nvSpPr>
-        <p:spPr>
-          <a:xfrm>
-            <a:off x="7317827" y="3624948"/>
-            <a:ext cx="559676" cy="626836"/>
-          </a:xfrm>
-          <a:prstGeom prst="ellipse">
-            <a:avLst/>
-          </a:prstGeom>
-        </p:spPr>
-        <p:style>
-          <a:lnRef idx="2">
-            <a:schemeClr val="accent1">
-              <a:shade val="15000"/>
-            </a:schemeClr>
-          </a:lnRef>
-          <a:fillRef idx="1">
-            <a:schemeClr val="accent1"/>
-          </a:fillRef>
-          <a:effectRef idx="0">
-            <a:schemeClr val="accent1"/>
-          </a:effectRef>
-          <a:fontRef idx="minor">
-            <a:schemeClr val="lt1"/>
-          </a:fontRef>
-        </p:style>
-        <p:txBody>
-          <a:bodyPr rtlCol="0" anchor="ctr"/>
-          <a:lstStyle/>
-          <a:p>
-            <a:pPr algn="ctr"/>
-            <a:endParaRPr lang="de-DE"/>
-          </a:p>
-        </p:txBody>
-      </p:sp>
-      <p:cxnSp>
-        <p:nvCxnSpPr>
-          <p:cNvPr id="21" name="Gerade Verbindung mit Pfeil 20">
-            <a:extLst>
-              <a:ext uri="{FF2B5EF4-FFF2-40B4-BE49-F238E27FC236}">
-                <a16:creationId xmlns:a16="http://schemas.microsoft.com/office/drawing/2014/main" id="{12E10DD5-C053-95F1-2A47-63D6F78F9B3C}"/>
-              </a:ext>
-            </a:extLst>
-          </p:cNvPr>
-          <p:cNvCxnSpPr/>
-          <p:nvPr/>
-        </p:nvCxnSpPr>
-        <p:spPr>
-          <a:xfrm flipV="1">
-            <a:off x="1458310" y="1334568"/>
-            <a:ext cx="5990897" cy="951432"/>
-          </a:xfrm>
-          <a:prstGeom prst="straightConnector1">
-            <a:avLst/>
-          </a:prstGeom>
-          <a:ln>
-            <a:tailEnd type="triangle"/>
-          </a:ln>
-        </p:spPr>
-        <p:style>
-          <a:lnRef idx="1">
-            <a:schemeClr val="accent1"/>
-          </a:lnRef>
-          <a:fillRef idx="0">
-            <a:schemeClr val="accent1"/>
-          </a:fillRef>
-          <a:effectRef idx="0">
-            <a:schemeClr val="accent1"/>
-          </a:effectRef>
-          <a:fontRef idx="minor">
-            <a:schemeClr val="tx1"/>
-          </a:fontRef>
-        </p:style>
-      </p:cxnSp>
+      </p:pic>
     </p:spTree>
     <p:extLst>
       <p:ext uri="{BB962C8B-B14F-4D97-AF65-F5344CB8AC3E}">
@@ -14011,15 +13705,15 @@
       </p:sp>
       <p:pic>
         <p:nvPicPr>
-          <p:cNvPr id="22" name="Picture 2" descr="chart">
+          <p:cNvPr id="3" name="Grafik 2">
             <a:extLst>
               <a:ext uri="{FF2B5EF4-FFF2-40B4-BE49-F238E27FC236}">
-                <a16:creationId xmlns:a16="http://schemas.microsoft.com/office/drawing/2014/main" id="{8C0A8098-D33A-D790-3229-2B26A2D8FA97}"/>
+                <a16:creationId xmlns:a16="http://schemas.microsoft.com/office/drawing/2014/main" id="{161719EB-1255-4EAA-6773-0C507E3C2FB9}"/>
               </a:ext>
             </a:extLst>
           </p:cNvPr>
           <p:cNvPicPr>
-            <a:picLocks noChangeAspect="1" noChangeArrowheads="1"/>
+            <a:picLocks noChangeAspect="1"/>
           </p:cNvPicPr>
           <p:nvPr/>
         </p:nvPicPr>
@@ -14029,31 +13723,23 @@
               <a:ext uri="{28A0092B-C50C-407E-A947-70E740481C1C}">
                 <a14:useLocalDpi xmlns:a14="http://schemas.microsoft.com/office/drawing/2010/main" val="0"/>
               </a:ext>
+              <a:ext uri="{96DAC541-7B7A-43D3-8B79-37D633B846F1}">
+                <asvg:svgBlip xmlns:asvg="http://schemas.microsoft.com/office/drawing/2016/SVG/main" r:embed="rId6"/>
+              </a:ext>
             </a:extLst>
           </a:blip>
-          <a:srcRect/>
           <a:stretch>
             <a:fillRect/>
           </a:stretch>
         </p:blipFill>
-        <p:spPr bwMode="auto">
+        <p:spPr>
           <a:xfrm>
-            <a:off x="1947196" y="2305888"/>
-            <a:ext cx="4472654" cy="3304027"/>
+            <a:off x="1880485" y="1831882"/>
+            <a:ext cx="8001541" cy="3855427"/>
           </a:xfrm>
           <a:prstGeom prst="rect">
             <a:avLst/>
           </a:prstGeom>
-          <a:noFill/>
-          <a:extLst>
-            <a:ext uri="{909E8E84-426E-40DD-AFC4-6F175D3DCCD1}">
-              <a14:hiddenFill xmlns:a14="http://schemas.microsoft.com/office/drawing/2010/main">
-                <a:solidFill>
-                  <a:srgbClr val="FFFFFF"/>
-                </a:solidFill>
-              </a14:hiddenFill>
-            </a:ext>
-          </a:extLst>
         </p:spPr>
       </p:pic>
     </p:spTree>
@@ -14233,53 +13919,6 @@
           </a:p>
         </p:txBody>
       </p:sp>
-      <p:pic>
-        <p:nvPicPr>
-          <p:cNvPr id="22" name="Picture 2" descr="chart">
-            <a:extLst>
-              <a:ext uri="{FF2B5EF4-FFF2-40B4-BE49-F238E27FC236}">
-                <a16:creationId xmlns:a16="http://schemas.microsoft.com/office/drawing/2014/main" id="{8C0A8098-D33A-D790-3229-2B26A2D8FA97}"/>
-              </a:ext>
-            </a:extLst>
-          </p:cNvPr>
-          <p:cNvPicPr>
-            <a:picLocks noChangeAspect="1" noChangeArrowheads="1"/>
-          </p:cNvPicPr>
-          <p:nvPr/>
-        </p:nvPicPr>
-        <p:blipFill>
-          <a:blip r:embed="rId5">
-            <a:extLst>
-              <a:ext uri="{28A0092B-C50C-407E-A947-70E740481C1C}">
-                <a14:useLocalDpi xmlns:a14="http://schemas.microsoft.com/office/drawing/2010/main" val="0"/>
-              </a:ext>
-            </a:extLst>
-          </a:blip>
-          <a:srcRect/>
-          <a:stretch>
-            <a:fillRect/>
-          </a:stretch>
-        </p:blipFill>
-        <p:spPr bwMode="auto">
-          <a:xfrm>
-            <a:off x="1947196" y="2305888"/>
-            <a:ext cx="4472654" cy="3304027"/>
-          </a:xfrm>
-          <a:prstGeom prst="rect">
-            <a:avLst/>
-          </a:prstGeom>
-          <a:noFill/>
-          <a:extLst>
-            <a:ext uri="{909E8E84-426E-40DD-AFC4-6F175D3DCCD1}">
-              <a14:hiddenFill xmlns:a14="http://schemas.microsoft.com/office/drawing/2010/main">
-                <a:solidFill>
-                  <a:srgbClr val="FFFFFF"/>
-                </a:solidFill>
-              </a14:hiddenFill>
-            </a:ext>
-          </a:extLst>
-        </p:spPr>
-      </p:pic>
       <p:sp>
         <p:nvSpPr>
           <p:cNvPr id="2" name="Pfeil: nach rechts 1">
@@ -14294,7 +13933,7 @@
         </p:nvSpPr>
         <p:spPr>
           <a:xfrm>
-            <a:off x="6753225" y="3429000"/>
+            <a:off x="5828777" y="3434241"/>
             <a:ext cx="1876425" cy="1200150"/>
           </a:xfrm>
           <a:prstGeom prst="rightArrow">
@@ -14326,70 +13965,12 @@
           </a:p>
         </p:txBody>
       </p:sp>
-      <p:sp>
-        <p:nvSpPr>
-          <p:cNvPr id="5" name="Textfeld 4">
-            <a:extLst>
-              <a:ext uri="{FF2B5EF4-FFF2-40B4-BE49-F238E27FC236}">
-                <a16:creationId xmlns:a16="http://schemas.microsoft.com/office/drawing/2014/main" id="{D550C7DA-5A99-3A72-159F-A70769C46B90}"/>
-              </a:ext>
-            </a:extLst>
-          </p:cNvPr>
-          <p:cNvSpPr txBox="1"/>
-          <p:nvPr/>
-        </p:nvSpPr>
-        <p:spPr>
-          <a:xfrm>
-            <a:off x="9077325" y="828675"/>
-            <a:ext cx="2347950" cy="1200329"/>
-          </a:xfrm>
-          <a:prstGeom prst="rect">
-            <a:avLst/>
-          </a:prstGeom>
-          <a:noFill/>
-        </p:spPr>
-        <p:txBody>
-          <a:bodyPr wrap="none" rtlCol="0">
-            <a:spAutoFit/>
-          </a:bodyPr>
-          <a:lstStyle/>
-          <a:p>
-            <a:r>
-              <a:rPr lang="de-DE" dirty="0"/>
-              <a:t>3 Notwendigen Sachen</a:t>
-            </a:r>
-          </a:p>
-          <a:p>
-            <a:r>
-              <a:rPr lang="de-DE" dirty="0"/>
-              <a:t>-Zustände</a:t>
-            </a:r>
-          </a:p>
-          <a:p>
-            <a:r>
-              <a:rPr lang="de-DE" dirty="0"/>
-              <a:t>-Initialisierung</a:t>
-            </a:r>
-          </a:p>
-          <a:p>
-            <a:r>
-              <a:rPr lang="de-DE" dirty="0"/>
-              <a:t>-</a:t>
-            </a:r>
-            <a:r>
-              <a:rPr lang="de-DE" dirty="0" err="1"/>
-              <a:t>Transitionsmodell</a:t>
-            </a:r>
-            <a:endParaRPr lang="de-DE" dirty="0"/>
-          </a:p>
-        </p:txBody>
-      </p:sp>
       <p:pic>
         <p:nvPicPr>
-          <p:cNvPr id="8" name="Grafik 7">
+          <p:cNvPr id="12" name="Grafik 11">
             <a:extLst>
               <a:ext uri="{FF2B5EF4-FFF2-40B4-BE49-F238E27FC236}">
-                <a16:creationId xmlns:a16="http://schemas.microsoft.com/office/drawing/2014/main" id="{4873834D-6E91-A79B-7E04-201D891F36EB}"/>
+                <a16:creationId xmlns:a16="http://schemas.microsoft.com/office/drawing/2014/main" id="{3B6D7368-CD7C-6869-3EBE-482E8C7CE4C7}"/>
               </a:ext>
             </a:extLst>
           </p:cNvPr>
@@ -14399,15 +13980,54 @@
           <p:nvPr/>
         </p:nvPicPr>
         <p:blipFill>
-          <a:blip r:embed="rId6"/>
+          <a:blip r:embed="rId5">
+            <a:extLst>
+              <a:ext uri="{28A0092B-C50C-407E-A947-70E740481C1C}">
+                <a14:useLocalDpi xmlns:a14="http://schemas.microsoft.com/office/drawing/2010/main" val="0"/>
+              </a:ext>
+              <a:ext uri="{96DAC541-7B7A-43D3-8B79-37D633B846F1}">
+                <asvg:svgBlip xmlns:asvg="http://schemas.microsoft.com/office/drawing/2016/SVG/main" r:embed="rId6"/>
+              </a:ext>
+            </a:extLst>
+          </a:blip>
           <a:stretch>
             <a:fillRect/>
           </a:stretch>
         </p:blipFill>
         <p:spPr>
           <a:xfrm>
-            <a:off x="8685283" y="2948697"/>
-            <a:ext cx="3457411" cy="2623014"/>
+            <a:off x="578457" y="2834166"/>
+            <a:ext cx="4981575" cy="2400300"/>
+          </a:xfrm>
+          <a:prstGeom prst="rect">
+            <a:avLst/>
+          </a:prstGeom>
+        </p:spPr>
+      </p:pic>
+      <p:pic>
+        <p:nvPicPr>
+          <p:cNvPr id="14" name="Grafik 13">
+            <a:extLst>
+              <a:ext uri="{FF2B5EF4-FFF2-40B4-BE49-F238E27FC236}">
+                <a16:creationId xmlns:a16="http://schemas.microsoft.com/office/drawing/2014/main" id="{E6B41AB8-E3D6-EFF4-BF76-546083072B68}"/>
+              </a:ext>
+            </a:extLst>
+          </p:cNvPr>
+          <p:cNvPicPr>
+            <a:picLocks noChangeAspect="1"/>
+          </p:cNvPicPr>
+          <p:nvPr/>
+        </p:nvPicPr>
+        <p:blipFill>
+          <a:blip r:embed="rId7"/>
+          <a:stretch>
+            <a:fillRect/>
+          </a:stretch>
+        </p:blipFill>
+        <p:spPr>
+          <a:xfrm>
+            <a:off x="7797141" y="3217710"/>
+            <a:ext cx="4394859" cy="1416681"/>
           </a:xfrm>
           <a:prstGeom prst="rect">
             <a:avLst/>

--- a/2.Vortrag/Markov-Analyse_Präsentation.pptx
+++ b/2.Vortrag/Markov-Analyse_Präsentation.pptx
@@ -215,7 +215,7 @@
           <a:p>
             <a:fld id="{2712EE82-0201-4A98-A82F-62919E8E970E}" type="datetimeFigureOut">
               <a:rPr lang="de-DE" smtClean="0"/>
-              <a:t>30.11.2023</a:t>
+              <a:t>01.12.2023</a:t>
             </a:fld>
             <a:endParaRPr lang="de-DE"/>
           </a:p>
@@ -1137,9 +1137,13 @@
           <a:lstStyle/>
           <a:p>
             <a:r>
-              <a:rPr lang="de-DE" dirty="0"/>
-              <a:t>Jolan</a:t>
-            </a:r>
+              <a:rPr lang="de-DE" dirty="0" err="1"/>
+              <a:t>Redi</a:t>
+            </a:r>
+            <a:endParaRPr lang="de-DE" dirty="0"/>
+          </a:p>
+          <a:p>
+            <a:endParaRPr lang="de-DE" dirty="0"/>
           </a:p>
         </p:txBody>
       </p:sp>
@@ -1224,9 +1228,51 @@
           <a:lstStyle/>
           <a:p>
             <a:r>
+              <a:rPr lang="de-DE" dirty="0" err="1"/>
+              <a:t>Redi</a:t>
+            </a:r>
+            <a:endParaRPr lang="de-DE" dirty="0"/>
+          </a:p>
+          <a:p>
+            <a:r>
               <a:rPr lang="de-DE" dirty="0"/>
-              <a:t>Jolan</a:t>
-            </a:r>
+              <a:t>Es gibt verschiedene davon:</a:t>
+            </a:r>
+            <a:br>
+              <a:rPr lang="de-DE" dirty="0"/>
+            </a:br>
+            <a:r>
+              <a:rPr lang="de-DE" dirty="0"/>
+              <a:t>Strukturierte: Vorher werden Fragebereich und potenzielle Fragen festgelegt</a:t>
+            </a:r>
+          </a:p>
+          <a:p>
+            <a:r>
+              <a:rPr lang="de-DE" dirty="0"/>
+              <a:t>Standardisierte: Noch formaler als andere </a:t>
+            </a:r>
+          </a:p>
+          <a:p>
+            <a:r>
+              <a:rPr lang="de-DE" dirty="0"/>
+              <a:t>Konkrete Fragen festgelegte Reihenfolge und Bewertungssystem</a:t>
+            </a:r>
+          </a:p>
+          <a:p>
+            <a:r>
+              <a:rPr lang="de-DE" dirty="0" err="1"/>
+              <a:t>Unstruktierte</a:t>
+            </a:r>
+            <a:endParaRPr lang="de-DE" dirty="0"/>
+          </a:p>
+          <a:p>
+            <a:r>
+              <a:rPr lang="de-DE" dirty="0"/>
+              <a:t>Gruppen</a:t>
+            </a:r>
+          </a:p>
+          <a:p>
+            <a:endParaRPr lang="de-DE" dirty="0"/>
           </a:p>
         </p:txBody>
       </p:sp>
@@ -1311,9 +1357,10 @@
           <a:lstStyle/>
           <a:p>
             <a:r>
-              <a:rPr lang="de-DE" dirty="0"/>
-              <a:t>Jolan</a:t>
-            </a:r>
+              <a:rPr lang="de-DE" dirty="0" err="1"/>
+              <a:t>Redi</a:t>
+            </a:r>
+            <a:endParaRPr lang="de-DE" dirty="0"/>
           </a:p>
         </p:txBody>
       </p:sp>
@@ -2318,7 +2365,7 @@
           <a:p>
             <a:fld id="{250DBC62-00E4-43F1-B225-CF948E9DA645}" type="datetimeFigureOut">
               <a:rPr lang="de-DE" smtClean="0"/>
-              <a:t>30.11.2023</a:t>
+              <a:t>01.12.2023</a:t>
             </a:fld>
             <a:endParaRPr lang="de-DE"/>
           </a:p>
@@ -2518,7 +2565,7 @@
           <a:p>
             <a:fld id="{250DBC62-00E4-43F1-B225-CF948E9DA645}" type="datetimeFigureOut">
               <a:rPr lang="de-DE" smtClean="0"/>
-              <a:t>30.11.2023</a:t>
+              <a:t>01.12.2023</a:t>
             </a:fld>
             <a:endParaRPr lang="de-DE"/>
           </a:p>
@@ -2728,7 +2775,7 @@
           <a:p>
             <a:fld id="{250DBC62-00E4-43F1-B225-CF948E9DA645}" type="datetimeFigureOut">
               <a:rPr lang="de-DE" smtClean="0"/>
-              <a:t>30.11.2023</a:t>
+              <a:t>01.12.2023</a:t>
             </a:fld>
             <a:endParaRPr lang="de-DE"/>
           </a:p>
@@ -2928,7 +2975,7 @@
           <a:p>
             <a:fld id="{250DBC62-00E4-43F1-B225-CF948E9DA645}" type="datetimeFigureOut">
               <a:rPr lang="de-DE" smtClean="0"/>
-              <a:t>30.11.2023</a:t>
+              <a:t>01.12.2023</a:t>
             </a:fld>
             <a:endParaRPr lang="de-DE"/>
           </a:p>
@@ -3204,7 +3251,7 @@
           <a:p>
             <a:fld id="{250DBC62-00E4-43F1-B225-CF948E9DA645}" type="datetimeFigureOut">
               <a:rPr lang="de-DE" smtClean="0"/>
-              <a:t>30.11.2023</a:t>
+              <a:t>01.12.2023</a:t>
             </a:fld>
             <a:endParaRPr lang="de-DE"/>
           </a:p>
@@ -3472,7 +3519,7 @@
           <a:p>
             <a:fld id="{250DBC62-00E4-43F1-B225-CF948E9DA645}" type="datetimeFigureOut">
               <a:rPr lang="de-DE" smtClean="0"/>
-              <a:t>30.11.2023</a:t>
+              <a:t>01.12.2023</a:t>
             </a:fld>
             <a:endParaRPr lang="de-DE"/>
           </a:p>
@@ -3887,7 +3934,7 @@
           <a:p>
             <a:fld id="{250DBC62-00E4-43F1-B225-CF948E9DA645}" type="datetimeFigureOut">
               <a:rPr lang="de-DE" smtClean="0"/>
-              <a:t>30.11.2023</a:t>
+              <a:t>01.12.2023</a:t>
             </a:fld>
             <a:endParaRPr lang="de-DE"/>
           </a:p>
@@ -4029,7 +4076,7 @@
           <a:p>
             <a:fld id="{250DBC62-00E4-43F1-B225-CF948E9DA645}" type="datetimeFigureOut">
               <a:rPr lang="de-DE" smtClean="0"/>
-              <a:t>30.11.2023</a:t>
+              <a:t>01.12.2023</a:t>
             </a:fld>
             <a:endParaRPr lang="de-DE"/>
           </a:p>
@@ -4142,7 +4189,7 @@
           <a:p>
             <a:fld id="{250DBC62-00E4-43F1-B225-CF948E9DA645}" type="datetimeFigureOut">
               <a:rPr lang="de-DE" smtClean="0"/>
-              <a:t>30.11.2023</a:t>
+              <a:t>01.12.2023</a:t>
             </a:fld>
             <a:endParaRPr lang="de-DE"/>
           </a:p>
@@ -4455,7 +4502,7 @@
           <a:p>
             <a:fld id="{250DBC62-00E4-43F1-B225-CF948E9DA645}" type="datetimeFigureOut">
               <a:rPr lang="de-DE" smtClean="0"/>
-              <a:t>30.11.2023</a:t>
+              <a:t>01.12.2023</a:t>
             </a:fld>
             <a:endParaRPr lang="de-DE"/>
           </a:p>
@@ -4744,7 +4791,7 @@
           <a:p>
             <a:fld id="{250DBC62-00E4-43F1-B225-CF948E9DA645}" type="datetimeFigureOut">
               <a:rPr lang="de-DE" smtClean="0"/>
-              <a:t>30.11.2023</a:t>
+              <a:t>01.12.2023</a:t>
             </a:fld>
             <a:endParaRPr lang="de-DE"/>
           </a:p>
@@ -4987,7 +5034,7 @@
           <a:p>
             <a:fld id="{250DBC62-00E4-43F1-B225-CF948E9DA645}" type="datetimeFigureOut">
               <a:rPr lang="de-DE" smtClean="0"/>
-              <a:t>30.11.2023</a:t>
+              <a:t>01.12.2023</a:t>
             </a:fld>
             <a:endParaRPr lang="de-DE"/>
           </a:p>
@@ -5882,53 +5929,6 @@
       </p:graphicFrame>
       <p:pic>
         <p:nvPicPr>
-          <p:cNvPr id="1026" name="Picture 2" descr="chart">
-            <a:extLst>
-              <a:ext uri="{FF2B5EF4-FFF2-40B4-BE49-F238E27FC236}">
-                <a16:creationId xmlns:a16="http://schemas.microsoft.com/office/drawing/2014/main" id="{A5119FD8-33CC-55A3-1590-4EC77C1134CA}"/>
-              </a:ext>
-            </a:extLst>
-          </p:cNvPr>
-          <p:cNvPicPr>
-            <a:picLocks noChangeAspect="1" noChangeArrowheads="1"/>
-          </p:cNvPicPr>
-          <p:nvPr/>
-        </p:nvPicPr>
-        <p:blipFill>
-          <a:blip r:embed="rId5">
-            <a:extLst>
-              <a:ext uri="{28A0092B-C50C-407E-A947-70E740481C1C}">
-                <a14:useLocalDpi xmlns:a14="http://schemas.microsoft.com/office/drawing/2010/main" val="0"/>
-              </a:ext>
-            </a:extLst>
-          </a:blip>
-          <a:srcRect/>
-          <a:stretch>
-            <a:fillRect/>
-          </a:stretch>
-        </p:blipFill>
-        <p:spPr bwMode="auto">
-          <a:xfrm>
-            <a:off x="0" y="2090352"/>
-            <a:ext cx="2121707" cy="1567342"/>
-          </a:xfrm>
-          <a:prstGeom prst="rect">
-            <a:avLst/>
-          </a:prstGeom>
-          <a:noFill/>
-          <a:extLst>
-            <a:ext uri="{909E8E84-426E-40DD-AFC4-6F175D3DCCD1}">
-              <a14:hiddenFill xmlns:a14="http://schemas.microsoft.com/office/drawing/2010/main">
-                <a:solidFill>
-                  <a:srgbClr val="FFFFFF"/>
-                </a:solidFill>
-              </a14:hiddenFill>
-            </a:ext>
-          </a:extLst>
-        </p:spPr>
-      </p:pic>
-      <p:pic>
-        <p:nvPicPr>
           <p:cNvPr id="7" name="Grafik 6" descr="Ein Bild, das Diagramm, Reihe, Text enthält.&#10;&#10;Automatisch generierte Beschreibung">
             <a:extLst>
               <a:ext uri="{FF2B5EF4-FFF2-40B4-BE49-F238E27FC236}">
@@ -5942,7 +5942,7 @@
           <p:nvPr/>
         </p:nvPicPr>
         <p:blipFill rotWithShape="1">
-          <a:blip r:embed="rId6">
+          <a:blip r:embed="rId5">
             <a:extLst>
               <a:ext uri="{28A0092B-C50C-407E-A947-70E740481C1C}">
                 <a14:useLocalDpi xmlns:a14="http://schemas.microsoft.com/office/drawing/2010/main" val="0"/>
@@ -5977,7 +5977,7 @@
           <p:nvPr/>
         </p:nvPicPr>
         <p:blipFill>
-          <a:blip r:embed="rId7"/>
+          <a:blip r:embed="rId6"/>
           <a:stretch>
             <a:fillRect/>
           </a:stretch>
@@ -5986,6 +5986,45 @@
           <a:xfrm>
             <a:off x="3143531" y="2124050"/>
             <a:ext cx="4705174" cy="1690717"/>
+          </a:xfrm>
+          <a:prstGeom prst="rect">
+            <a:avLst/>
+          </a:prstGeom>
+        </p:spPr>
+      </p:pic>
+      <p:pic>
+        <p:nvPicPr>
+          <p:cNvPr id="3" name="Grafik 2">
+            <a:extLst>
+              <a:ext uri="{FF2B5EF4-FFF2-40B4-BE49-F238E27FC236}">
+                <a16:creationId xmlns:a16="http://schemas.microsoft.com/office/drawing/2014/main" id="{B6007611-1511-68B9-88D8-3FE0B83B8A7E}"/>
+              </a:ext>
+            </a:extLst>
+          </p:cNvPr>
+          <p:cNvPicPr>
+            <a:picLocks noChangeAspect="1"/>
+          </p:cNvPicPr>
+          <p:nvPr/>
+        </p:nvPicPr>
+        <p:blipFill>
+          <a:blip r:embed="rId7">
+            <a:extLst>
+              <a:ext uri="{28A0092B-C50C-407E-A947-70E740481C1C}">
+                <a14:useLocalDpi xmlns:a14="http://schemas.microsoft.com/office/drawing/2010/main" val="0"/>
+              </a:ext>
+              <a:ext uri="{96DAC541-7B7A-43D3-8B79-37D633B846F1}">
+                <asvg:svgBlip xmlns:asvg="http://schemas.microsoft.com/office/drawing/2016/SVG/main" r:embed="rId8"/>
+              </a:ext>
+            </a:extLst>
+          </a:blip>
+          <a:stretch>
+            <a:fillRect/>
+          </a:stretch>
+        </p:blipFill>
+        <p:spPr>
+          <a:xfrm>
+            <a:off x="181391" y="2223620"/>
+            <a:ext cx="2962139" cy="1427264"/>
           </a:xfrm>
           <a:prstGeom prst="rect">
             <a:avLst/>
@@ -8114,7 +8153,7 @@
         <p:spPr>
           <a:xfrm>
             <a:off x="7665273" y="2807740"/>
-            <a:ext cx="2887329" cy="446276"/>
+            <a:ext cx="3201517" cy="446276"/>
           </a:xfrm>
           <a:prstGeom prst="rect">
             <a:avLst/>
@@ -8132,7 +8171,7 @@
                 <a:latin typeface="Times New Roman" panose="02020603050405020304" pitchFamily="18" charset="0"/>
                 <a:cs typeface="Times New Roman" panose="02020603050405020304" pitchFamily="18" charset="0"/>
               </a:rPr>
-              <a:t>: Preis zum Zeitpunkt t</a:t>
+              <a:t>: Preis zum Zeitpunkt t+1</a:t>
             </a:r>
           </a:p>
         </p:txBody>
@@ -13288,7 +13327,7 @@
                 <a:latin typeface="Times New Roman" panose="02020603050405020304" pitchFamily="18" charset="0"/>
                 <a:cs typeface="Times New Roman" panose="02020603050405020304" pitchFamily="18" charset="0"/>
               </a:rPr>
-              <a:t>Modellierungskomponenten</a:t>
+              <a:t>Modellierungskomponenten der Markov Kette</a:t>
             </a:r>
             <a:endParaRPr lang="de-DE" sz="2800" dirty="0"/>
           </a:p>
@@ -14443,7 +14482,7 @@
         <p:spPr>
           <a:xfrm>
             <a:off x="839788" y="2505075"/>
-            <a:ext cx="5157787" cy="3684588"/>
+            <a:ext cx="8115953" cy="3684588"/>
           </a:xfrm>
           <a:prstGeom prst="rect">
             <a:avLst/>
@@ -14635,409 +14674,13 @@
               <a:t>Migrationsmatrix beschreibt Wahrscheinlichkeiten der Zustandsänderung</a:t>
             </a:r>
           </a:p>
-        </p:txBody>
-      </p:sp>
-      <p:sp>
-        <p:nvSpPr>
-          <p:cNvPr id="10" name="Textplatzhalter 5">
-            <a:extLst>
-              <a:ext uri="{FF2B5EF4-FFF2-40B4-BE49-F238E27FC236}">
-                <a16:creationId xmlns:a16="http://schemas.microsoft.com/office/drawing/2014/main" id="{023AA9A8-337E-B922-F7F9-19DA53F17000}"/>
-              </a:ext>
-            </a:extLst>
-          </p:cNvPr>
-          <p:cNvSpPr txBox="1">
-            <a:spLocks/>
-          </p:cNvSpPr>
-          <p:nvPr/>
-        </p:nvSpPr>
-        <p:spPr>
-          <a:xfrm>
-            <a:off x="6172200" y="1681163"/>
-            <a:ext cx="5183188" cy="823912"/>
-          </a:xfrm>
-          <a:prstGeom prst="rect">
-            <a:avLst/>
-          </a:prstGeom>
-        </p:spPr>
-        <p:txBody>
-          <a:bodyPr/>
-          <a:lstStyle>
-            <a:lvl1pPr marL="228600" indent="-228600" algn="l" defTabSz="914400" rtl="0" eaLnBrk="1" latinLnBrk="0" hangingPunct="1">
-              <a:lnSpc>
-                <a:spcPct val="90000"/>
-              </a:lnSpc>
-              <a:spcBef>
-                <a:spcPts val="1000"/>
-              </a:spcBef>
-              <a:buFont typeface="Arial" panose="020B0604020202020204" pitchFamily="34" charset="0"/>
-              <a:buChar char="•"/>
-              <a:defRPr sz="2800" kern="1200">
-                <a:solidFill>
-                  <a:schemeClr val="tx1"/>
-                </a:solidFill>
-                <a:latin typeface="+mn-lt"/>
-                <a:ea typeface="+mn-ea"/>
-                <a:cs typeface="+mn-cs"/>
-              </a:defRPr>
-            </a:lvl1pPr>
-            <a:lvl2pPr marL="685800" indent="-228600" algn="l" defTabSz="914400" rtl="0" eaLnBrk="1" latinLnBrk="0" hangingPunct="1">
-              <a:lnSpc>
-                <a:spcPct val="90000"/>
-              </a:lnSpc>
-              <a:spcBef>
-                <a:spcPts val="500"/>
-              </a:spcBef>
-              <a:buFont typeface="Arial" panose="020B0604020202020204" pitchFamily="34" charset="0"/>
-              <a:buChar char="•"/>
-              <a:defRPr sz="2400" kern="1200">
-                <a:solidFill>
-                  <a:schemeClr val="tx1"/>
-                </a:solidFill>
-                <a:latin typeface="+mn-lt"/>
-                <a:ea typeface="+mn-ea"/>
-                <a:cs typeface="+mn-cs"/>
-              </a:defRPr>
-            </a:lvl2pPr>
-            <a:lvl3pPr marL="1143000" indent="-228600" algn="l" defTabSz="914400" rtl="0" eaLnBrk="1" latinLnBrk="0" hangingPunct="1">
-              <a:lnSpc>
-                <a:spcPct val="90000"/>
-              </a:lnSpc>
-              <a:spcBef>
-                <a:spcPts val="500"/>
-              </a:spcBef>
-              <a:buFont typeface="Arial" panose="020B0604020202020204" pitchFamily="34" charset="0"/>
-              <a:buChar char="•"/>
-              <a:defRPr sz="2000" kern="1200">
-                <a:solidFill>
-                  <a:schemeClr val="tx1"/>
-                </a:solidFill>
-                <a:latin typeface="+mn-lt"/>
-                <a:ea typeface="+mn-ea"/>
-                <a:cs typeface="+mn-cs"/>
-              </a:defRPr>
-            </a:lvl3pPr>
-            <a:lvl4pPr marL="1600200" indent="-228600" algn="l" defTabSz="914400" rtl="0" eaLnBrk="1" latinLnBrk="0" hangingPunct="1">
-              <a:lnSpc>
-                <a:spcPct val="90000"/>
-              </a:lnSpc>
-              <a:spcBef>
-                <a:spcPts val="500"/>
-              </a:spcBef>
-              <a:buFont typeface="Arial" panose="020B0604020202020204" pitchFamily="34" charset="0"/>
-              <a:buChar char="•"/>
-              <a:defRPr sz="1800" kern="1200">
-                <a:solidFill>
-                  <a:schemeClr val="tx1"/>
-                </a:solidFill>
-                <a:latin typeface="+mn-lt"/>
-                <a:ea typeface="+mn-ea"/>
-                <a:cs typeface="+mn-cs"/>
-              </a:defRPr>
-            </a:lvl4pPr>
-            <a:lvl5pPr marL="2057400" indent="-228600" algn="l" defTabSz="914400" rtl="0" eaLnBrk="1" latinLnBrk="0" hangingPunct="1">
-              <a:lnSpc>
-                <a:spcPct val="90000"/>
-              </a:lnSpc>
-              <a:spcBef>
-                <a:spcPts val="500"/>
-              </a:spcBef>
-              <a:buFont typeface="Arial" panose="020B0604020202020204" pitchFamily="34" charset="0"/>
-              <a:buChar char="•"/>
-              <a:defRPr sz="1800" kern="1200">
-                <a:solidFill>
-                  <a:schemeClr val="tx1"/>
-                </a:solidFill>
-                <a:latin typeface="+mn-lt"/>
-                <a:ea typeface="+mn-ea"/>
-                <a:cs typeface="+mn-cs"/>
-              </a:defRPr>
-            </a:lvl5pPr>
-            <a:lvl6pPr marL="2514600" indent="-228600" algn="l" defTabSz="914400" rtl="0" eaLnBrk="1" latinLnBrk="0" hangingPunct="1">
-              <a:lnSpc>
-                <a:spcPct val="90000"/>
-              </a:lnSpc>
-              <a:spcBef>
-                <a:spcPts val="500"/>
-              </a:spcBef>
-              <a:buFont typeface="Arial" panose="020B0604020202020204" pitchFamily="34" charset="0"/>
-              <a:buChar char="•"/>
-              <a:defRPr sz="1800" kern="1200">
-                <a:solidFill>
-                  <a:schemeClr val="tx1"/>
-                </a:solidFill>
-                <a:latin typeface="+mn-lt"/>
-                <a:ea typeface="+mn-ea"/>
-                <a:cs typeface="+mn-cs"/>
-              </a:defRPr>
-            </a:lvl6pPr>
-            <a:lvl7pPr marL="2971800" indent="-228600" algn="l" defTabSz="914400" rtl="0" eaLnBrk="1" latinLnBrk="0" hangingPunct="1">
-              <a:lnSpc>
-                <a:spcPct val="90000"/>
-              </a:lnSpc>
-              <a:spcBef>
-                <a:spcPts val="500"/>
-              </a:spcBef>
-              <a:buFont typeface="Arial" panose="020B0604020202020204" pitchFamily="34" charset="0"/>
-              <a:buChar char="•"/>
-              <a:defRPr sz="1800" kern="1200">
-                <a:solidFill>
-                  <a:schemeClr val="tx1"/>
-                </a:solidFill>
-                <a:latin typeface="+mn-lt"/>
-                <a:ea typeface="+mn-ea"/>
-                <a:cs typeface="+mn-cs"/>
-              </a:defRPr>
-            </a:lvl7pPr>
-            <a:lvl8pPr marL="3429000" indent="-228600" algn="l" defTabSz="914400" rtl="0" eaLnBrk="1" latinLnBrk="0" hangingPunct="1">
-              <a:lnSpc>
-                <a:spcPct val="90000"/>
-              </a:lnSpc>
-              <a:spcBef>
-                <a:spcPts val="500"/>
-              </a:spcBef>
-              <a:buFont typeface="Arial" panose="020B0604020202020204" pitchFamily="34" charset="0"/>
-              <a:buChar char="•"/>
-              <a:defRPr sz="1800" kern="1200">
-                <a:solidFill>
-                  <a:schemeClr val="tx1"/>
-                </a:solidFill>
-                <a:latin typeface="+mn-lt"/>
-                <a:ea typeface="+mn-ea"/>
-                <a:cs typeface="+mn-cs"/>
-              </a:defRPr>
-            </a:lvl8pPr>
-            <a:lvl9pPr marL="3886200" indent="-228600" algn="l" defTabSz="914400" rtl="0" eaLnBrk="1" latinLnBrk="0" hangingPunct="1">
-              <a:lnSpc>
-                <a:spcPct val="90000"/>
-              </a:lnSpc>
-              <a:spcBef>
-                <a:spcPts val="500"/>
-              </a:spcBef>
-              <a:buFont typeface="Arial" panose="020B0604020202020204" pitchFamily="34" charset="0"/>
-              <a:buChar char="•"/>
-              <a:defRPr sz="1800" kern="1200">
-                <a:solidFill>
-                  <a:schemeClr val="tx1"/>
-                </a:solidFill>
-                <a:latin typeface="+mn-lt"/>
-                <a:ea typeface="+mn-ea"/>
-                <a:cs typeface="+mn-cs"/>
-              </a:defRPr>
-            </a:lvl9pPr>
-          </a:lstStyle>
-          <a:p>
-            <a:pPr marL="0" indent="0">
-              <a:buNone/>
-            </a:pPr>
-            <a:r>
-              <a:rPr lang="de-DE" sz="2400" b="1" dirty="0">
-                <a:latin typeface="Times New Roman" panose="02020603050405020304" pitchFamily="18" charset="0"/>
-                <a:cs typeface="Times New Roman" panose="02020603050405020304" pitchFamily="18" charset="0"/>
-              </a:rPr>
-              <a:t>Anwendungsbereiche</a:t>
-            </a:r>
-          </a:p>
-        </p:txBody>
-      </p:sp>
-      <p:sp>
-        <p:nvSpPr>
-          <p:cNvPr id="11" name="Inhaltsplatzhalter 6">
-            <a:extLst>
-              <a:ext uri="{FF2B5EF4-FFF2-40B4-BE49-F238E27FC236}">
-                <a16:creationId xmlns:a16="http://schemas.microsoft.com/office/drawing/2014/main" id="{C743ED28-6F44-1FD4-890C-F2390B18F580}"/>
-              </a:ext>
-            </a:extLst>
-          </p:cNvPr>
-          <p:cNvSpPr txBox="1">
-            <a:spLocks/>
-          </p:cNvSpPr>
-          <p:nvPr/>
-        </p:nvSpPr>
-        <p:spPr>
-          <a:xfrm>
-            <a:off x="6172200" y="2505075"/>
-            <a:ext cx="5183188" cy="3684588"/>
-          </a:xfrm>
-          <a:prstGeom prst="rect">
-            <a:avLst/>
-          </a:prstGeom>
-        </p:spPr>
-        <p:txBody>
-          <a:bodyPr>
-            <a:normAutofit/>
-          </a:bodyPr>
-          <a:lstStyle>
-            <a:lvl1pPr marL="228600" indent="-228600" algn="l" defTabSz="914400" rtl="0" eaLnBrk="1" latinLnBrk="0" hangingPunct="1">
-              <a:lnSpc>
-                <a:spcPct val="90000"/>
-              </a:lnSpc>
-              <a:spcBef>
-                <a:spcPts val="1000"/>
-              </a:spcBef>
-              <a:buFont typeface="Arial" panose="020B0604020202020204" pitchFamily="34" charset="0"/>
-              <a:buChar char="•"/>
-              <a:defRPr sz="2800" kern="1200">
-                <a:solidFill>
-                  <a:schemeClr val="tx1"/>
-                </a:solidFill>
-                <a:latin typeface="+mn-lt"/>
-                <a:ea typeface="+mn-ea"/>
-                <a:cs typeface="+mn-cs"/>
-              </a:defRPr>
-            </a:lvl1pPr>
-            <a:lvl2pPr marL="685800" indent="-228600" algn="l" defTabSz="914400" rtl="0" eaLnBrk="1" latinLnBrk="0" hangingPunct="1">
-              <a:lnSpc>
-                <a:spcPct val="90000"/>
-              </a:lnSpc>
-              <a:spcBef>
-                <a:spcPts val="500"/>
-              </a:spcBef>
-              <a:buFont typeface="Arial" panose="020B0604020202020204" pitchFamily="34" charset="0"/>
-              <a:buChar char="•"/>
-              <a:defRPr sz="2400" kern="1200">
-                <a:solidFill>
-                  <a:schemeClr val="tx1"/>
-                </a:solidFill>
-                <a:latin typeface="+mn-lt"/>
-                <a:ea typeface="+mn-ea"/>
-                <a:cs typeface="+mn-cs"/>
-              </a:defRPr>
-            </a:lvl2pPr>
-            <a:lvl3pPr marL="1143000" indent="-228600" algn="l" defTabSz="914400" rtl="0" eaLnBrk="1" latinLnBrk="0" hangingPunct="1">
-              <a:lnSpc>
-                <a:spcPct val="90000"/>
-              </a:lnSpc>
-              <a:spcBef>
-                <a:spcPts val="500"/>
-              </a:spcBef>
-              <a:buFont typeface="Arial" panose="020B0604020202020204" pitchFamily="34" charset="0"/>
-              <a:buChar char="•"/>
-              <a:defRPr sz="2000" kern="1200">
-                <a:solidFill>
-                  <a:schemeClr val="tx1"/>
-                </a:solidFill>
-                <a:latin typeface="+mn-lt"/>
-                <a:ea typeface="+mn-ea"/>
-                <a:cs typeface="+mn-cs"/>
-              </a:defRPr>
-            </a:lvl3pPr>
-            <a:lvl4pPr marL="1600200" indent="-228600" algn="l" defTabSz="914400" rtl="0" eaLnBrk="1" latinLnBrk="0" hangingPunct="1">
-              <a:lnSpc>
-                <a:spcPct val="90000"/>
-              </a:lnSpc>
-              <a:spcBef>
-                <a:spcPts val="500"/>
-              </a:spcBef>
-              <a:buFont typeface="Arial" panose="020B0604020202020204" pitchFamily="34" charset="0"/>
-              <a:buChar char="•"/>
-              <a:defRPr sz="1800" kern="1200">
-                <a:solidFill>
-                  <a:schemeClr val="tx1"/>
-                </a:solidFill>
-                <a:latin typeface="+mn-lt"/>
-                <a:ea typeface="+mn-ea"/>
-                <a:cs typeface="+mn-cs"/>
-              </a:defRPr>
-            </a:lvl4pPr>
-            <a:lvl5pPr marL="2057400" indent="-228600" algn="l" defTabSz="914400" rtl="0" eaLnBrk="1" latinLnBrk="0" hangingPunct="1">
-              <a:lnSpc>
-                <a:spcPct val="90000"/>
-              </a:lnSpc>
-              <a:spcBef>
-                <a:spcPts val="500"/>
-              </a:spcBef>
-              <a:buFont typeface="Arial" panose="020B0604020202020204" pitchFamily="34" charset="0"/>
-              <a:buChar char="•"/>
-              <a:defRPr sz="1800" kern="1200">
-                <a:solidFill>
-                  <a:schemeClr val="tx1"/>
-                </a:solidFill>
-                <a:latin typeface="+mn-lt"/>
-                <a:ea typeface="+mn-ea"/>
-                <a:cs typeface="+mn-cs"/>
-              </a:defRPr>
-            </a:lvl5pPr>
-            <a:lvl6pPr marL="2514600" indent="-228600" algn="l" defTabSz="914400" rtl="0" eaLnBrk="1" latinLnBrk="0" hangingPunct="1">
-              <a:lnSpc>
-                <a:spcPct val="90000"/>
-              </a:lnSpc>
-              <a:spcBef>
-                <a:spcPts val="500"/>
-              </a:spcBef>
-              <a:buFont typeface="Arial" panose="020B0604020202020204" pitchFamily="34" charset="0"/>
-              <a:buChar char="•"/>
-              <a:defRPr sz="1800" kern="1200">
-                <a:solidFill>
-                  <a:schemeClr val="tx1"/>
-                </a:solidFill>
-                <a:latin typeface="+mn-lt"/>
-                <a:ea typeface="+mn-ea"/>
-                <a:cs typeface="+mn-cs"/>
-              </a:defRPr>
-            </a:lvl6pPr>
-            <a:lvl7pPr marL="2971800" indent="-228600" algn="l" defTabSz="914400" rtl="0" eaLnBrk="1" latinLnBrk="0" hangingPunct="1">
-              <a:lnSpc>
-                <a:spcPct val="90000"/>
-              </a:lnSpc>
-              <a:spcBef>
-                <a:spcPts val="500"/>
-              </a:spcBef>
-              <a:buFont typeface="Arial" panose="020B0604020202020204" pitchFamily="34" charset="0"/>
-              <a:buChar char="•"/>
-              <a:defRPr sz="1800" kern="1200">
-                <a:solidFill>
-                  <a:schemeClr val="tx1"/>
-                </a:solidFill>
-                <a:latin typeface="+mn-lt"/>
-                <a:ea typeface="+mn-ea"/>
-                <a:cs typeface="+mn-cs"/>
-              </a:defRPr>
-            </a:lvl7pPr>
-            <a:lvl8pPr marL="3429000" indent="-228600" algn="l" defTabSz="914400" rtl="0" eaLnBrk="1" latinLnBrk="0" hangingPunct="1">
-              <a:lnSpc>
-                <a:spcPct val="90000"/>
-              </a:lnSpc>
-              <a:spcBef>
-                <a:spcPts val="500"/>
-              </a:spcBef>
-              <a:buFont typeface="Arial" panose="020B0604020202020204" pitchFamily="34" charset="0"/>
-              <a:buChar char="•"/>
-              <a:defRPr sz="1800" kern="1200">
-                <a:solidFill>
-                  <a:schemeClr val="tx1"/>
-                </a:solidFill>
-                <a:latin typeface="+mn-lt"/>
-                <a:ea typeface="+mn-ea"/>
-                <a:cs typeface="+mn-cs"/>
-              </a:defRPr>
-            </a:lvl8pPr>
-            <a:lvl9pPr marL="3886200" indent="-228600" algn="l" defTabSz="914400" rtl="0" eaLnBrk="1" latinLnBrk="0" hangingPunct="1">
-              <a:lnSpc>
-                <a:spcPct val="90000"/>
-              </a:lnSpc>
-              <a:spcBef>
-                <a:spcPts val="500"/>
-              </a:spcBef>
-              <a:buFont typeface="Arial" panose="020B0604020202020204" pitchFamily="34" charset="0"/>
-              <a:buChar char="•"/>
-              <a:defRPr sz="1800" kern="1200">
-                <a:solidFill>
-                  <a:schemeClr val="tx1"/>
-                </a:solidFill>
-                <a:latin typeface="+mn-lt"/>
-                <a:ea typeface="+mn-ea"/>
-                <a:cs typeface="+mn-cs"/>
-              </a:defRPr>
-            </a:lvl9pPr>
-          </a:lstStyle>
           <a:p>
             <a:r>
               <a:rPr lang="de-DE" sz="1800" dirty="0">
                 <a:latin typeface="Times New Roman" panose="02020603050405020304" pitchFamily="18" charset="0"/>
                 <a:cs typeface="Times New Roman" panose="02020603050405020304" pitchFamily="18" charset="0"/>
               </a:rPr>
-              <a:t>Beispiel: Ratingmigrationen von Unternehmen</a:t>
+              <a:t>Aussage über die langfristige Stabilität des Systems</a:t>
             </a:r>
           </a:p>
           <a:p>
@@ -15046,7 +14689,7 @@
                 <a:latin typeface="Times New Roman" panose="02020603050405020304" pitchFamily="18" charset="0"/>
                 <a:cs typeface="Times New Roman" panose="02020603050405020304" pitchFamily="18" charset="0"/>
               </a:rPr>
-              <a:t>Evaluierung der zeitlichen Entwicklung von Projekten</a:t>
+              <a:t>Wichtiger Indikator für die Verlässlichkeit des betrachteten Prozesses</a:t>
             </a:r>
           </a:p>
         </p:txBody>
